--- a/Graphic Presentation.pptx
+++ b/Graphic Presentation.pptx
@@ -5,7 +5,7 @@
     <p:sldMasterId id="2147483648" r:id="rId1"/>
   </p:sldMasterIdLst>
   <p:notesMasterIdLst>
-    <p:notesMasterId r:id="rId37"/>
+    <p:notesMasterId r:id="rId39"/>
   </p:notesMasterIdLst>
   <p:sldIdLst>
     <p:sldId id="273" r:id="rId2"/>
@@ -43,6 +43,8 @@
     <p:sldId id="282" r:id="rId34"/>
     <p:sldId id="290" r:id="rId35"/>
     <p:sldId id="291" r:id="rId36"/>
+    <p:sldId id="292" r:id="rId37"/>
+    <p:sldId id="293" r:id="rId38"/>
   </p:sldIdLst>
   <p:sldSz cx="12192000" cy="6858000"/>
   <p:notesSz cx="6858000" cy="9144000"/>
@@ -231,7 +233,7 @@
           <a:p>
             <a:fld id="{93FFD0A6-741C-4C59-A922-D8D610EF6968}" type="datetimeFigureOut">
               <a:rPr lang="zh-CN" altLang="en-US" smtClean="0"/>
-              <a:t>2022/8/27</a:t>
+              <a:t>2022/9/30</a:t>
             </a:fld>
             <a:endParaRPr lang="zh-CN" altLang="en-US"/>
           </a:p>
@@ -629,7 +631,7 @@
           <p:cNvPr id="2" name="标题 1">
             <a:extLst>
               <a:ext uri="{FF2B5EF4-FFF2-40B4-BE49-F238E27FC236}">
-                <a16:creationId xmlns:a16="http://schemas.microsoft.com/office/drawing/2014/main" id="{4C529C05-6993-E374-2DE2-7EC1B69BA1EE}"/>
+                <a16:creationId xmlns:a16="http://schemas.microsoft.com/office/drawing/2014/main" xmlns="" id="{4C529C05-6993-E374-2DE2-7EC1B69BA1EE}"/>
               </a:ext>
             </a:extLst>
           </p:cNvPr>
@@ -666,7 +668,7 @@
           <p:cNvPr id="3" name="副标题 2">
             <a:extLst>
               <a:ext uri="{FF2B5EF4-FFF2-40B4-BE49-F238E27FC236}">
-                <a16:creationId xmlns:a16="http://schemas.microsoft.com/office/drawing/2014/main" id="{8D685AB2-71E0-83AD-E648-EA31522F89AA}"/>
+                <a16:creationId xmlns:a16="http://schemas.microsoft.com/office/drawing/2014/main" xmlns="" id="{8D685AB2-71E0-83AD-E648-EA31522F89AA}"/>
               </a:ext>
             </a:extLst>
           </p:cNvPr>
@@ -736,7 +738,7 @@
           <p:cNvPr id="4" name="日期占位符 3">
             <a:extLst>
               <a:ext uri="{FF2B5EF4-FFF2-40B4-BE49-F238E27FC236}">
-                <a16:creationId xmlns:a16="http://schemas.microsoft.com/office/drawing/2014/main" id="{C45A1BBE-92AA-97BD-9EDC-AF0FF54A8CA6}"/>
+                <a16:creationId xmlns:a16="http://schemas.microsoft.com/office/drawing/2014/main" xmlns="" id="{C45A1BBE-92AA-97BD-9EDC-AF0FF54A8CA6}"/>
               </a:ext>
             </a:extLst>
           </p:cNvPr>
@@ -754,7 +756,7 @@
           <a:p>
             <a:fld id="{BA054789-EACE-4F0B-85CE-A0AE8F37913A}" type="datetimeFigureOut">
               <a:rPr lang="zh-CN" altLang="en-US" smtClean="0"/>
-              <a:t>2022/8/27</a:t>
+              <a:t>2022/9/30</a:t>
             </a:fld>
             <a:endParaRPr lang="zh-CN" altLang="en-US"/>
           </a:p>
@@ -765,7 +767,7 @@
           <p:cNvPr id="5" name="页脚占位符 4">
             <a:extLst>
               <a:ext uri="{FF2B5EF4-FFF2-40B4-BE49-F238E27FC236}">
-                <a16:creationId xmlns:a16="http://schemas.microsoft.com/office/drawing/2014/main" id="{E277CA1F-C9EC-9993-71F1-866A8154ED53}"/>
+                <a16:creationId xmlns:a16="http://schemas.microsoft.com/office/drawing/2014/main" xmlns="" id="{E277CA1F-C9EC-9993-71F1-866A8154ED53}"/>
               </a:ext>
             </a:extLst>
           </p:cNvPr>
@@ -790,7 +792,7 @@
           <p:cNvPr id="6" name="灯片编号占位符 5">
             <a:extLst>
               <a:ext uri="{FF2B5EF4-FFF2-40B4-BE49-F238E27FC236}">
-                <a16:creationId xmlns:a16="http://schemas.microsoft.com/office/drawing/2014/main" id="{0922099B-A7A5-E88B-B7B1-0425B195CADF}"/>
+                <a16:creationId xmlns:a16="http://schemas.microsoft.com/office/drawing/2014/main" xmlns="" id="{0922099B-A7A5-E88B-B7B1-0425B195CADF}"/>
               </a:ext>
             </a:extLst>
           </p:cNvPr>
@@ -849,7 +851,7 @@
           <p:cNvPr id="2" name="标题 1">
             <a:extLst>
               <a:ext uri="{FF2B5EF4-FFF2-40B4-BE49-F238E27FC236}">
-                <a16:creationId xmlns:a16="http://schemas.microsoft.com/office/drawing/2014/main" id="{4F5DFE4F-2322-BE5D-1ACB-D8FCEDC42378}"/>
+                <a16:creationId xmlns:a16="http://schemas.microsoft.com/office/drawing/2014/main" xmlns="" id="{4F5DFE4F-2322-BE5D-1ACB-D8FCEDC42378}"/>
               </a:ext>
             </a:extLst>
           </p:cNvPr>
@@ -877,7 +879,7 @@
           <p:cNvPr id="3" name="竖排文字占位符 2">
             <a:extLst>
               <a:ext uri="{FF2B5EF4-FFF2-40B4-BE49-F238E27FC236}">
-                <a16:creationId xmlns:a16="http://schemas.microsoft.com/office/drawing/2014/main" id="{8088D73B-E816-C321-246D-CD37EBC9C0AB}"/>
+                <a16:creationId xmlns:a16="http://schemas.microsoft.com/office/drawing/2014/main" xmlns="" id="{8088D73B-E816-C321-246D-CD37EBC9C0AB}"/>
               </a:ext>
             </a:extLst>
           </p:cNvPr>
@@ -934,7 +936,7 @@
           <p:cNvPr id="4" name="日期占位符 3">
             <a:extLst>
               <a:ext uri="{FF2B5EF4-FFF2-40B4-BE49-F238E27FC236}">
-                <a16:creationId xmlns:a16="http://schemas.microsoft.com/office/drawing/2014/main" id="{8DECFDC4-0E3F-9145-8C63-E9FFF453FFAB}"/>
+                <a16:creationId xmlns:a16="http://schemas.microsoft.com/office/drawing/2014/main" xmlns="" id="{8DECFDC4-0E3F-9145-8C63-E9FFF453FFAB}"/>
               </a:ext>
             </a:extLst>
           </p:cNvPr>
@@ -952,7 +954,7 @@
           <a:p>
             <a:fld id="{BA054789-EACE-4F0B-85CE-A0AE8F37913A}" type="datetimeFigureOut">
               <a:rPr lang="zh-CN" altLang="en-US" smtClean="0"/>
-              <a:t>2022/8/27</a:t>
+              <a:t>2022/9/30</a:t>
             </a:fld>
             <a:endParaRPr lang="zh-CN" altLang="en-US"/>
           </a:p>
@@ -963,7 +965,7 @@
           <p:cNvPr id="5" name="页脚占位符 4">
             <a:extLst>
               <a:ext uri="{FF2B5EF4-FFF2-40B4-BE49-F238E27FC236}">
-                <a16:creationId xmlns:a16="http://schemas.microsoft.com/office/drawing/2014/main" id="{A3D62DD7-5525-B4BA-AA03-25FF4C0403A6}"/>
+                <a16:creationId xmlns:a16="http://schemas.microsoft.com/office/drawing/2014/main" xmlns="" id="{A3D62DD7-5525-B4BA-AA03-25FF4C0403A6}"/>
               </a:ext>
             </a:extLst>
           </p:cNvPr>
@@ -988,7 +990,7 @@
           <p:cNvPr id="6" name="灯片编号占位符 5">
             <a:extLst>
               <a:ext uri="{FF2B5EF4-FFF2-40B4-BE49-F238E27FC236}">
-                <a16:creationId xmlns:a16="http://schemas.microsoft.com/office/drawing/2014/main" id="{98F7AC82-750A-6BA1-A70D-D2E8ED618DE1}"/>
+                <a16:creationId xmlns:a16="http://schemas.microsoft.com/office/drawing/2014/main" xmlns="" id="{98F7AC82-750A-6BA1-A70D-D2E8ED618DE1}"/>
               </a:ext>
             </a:extLst>
           </p:cNvPr>
@@ -1047,7 +1049,7 @@
           <p:cNvPr id="2" name="竖排标题 1">
             <a:extLst>
               <a:ext uri="{FF2B5EF4-FFF2-40B4-BE49-F238E27FC236}">
-                <a16:creationId xmlns:a16="http://schemas.microsoft.com/office/drawing/2014/main" id="{4CF83B1B-91B5-671F-A161-727C9B763214}"/>
+                <a16:creationId xmlns:a16="http://schemas.microsoft.com/office/drawing/2014/main" xmlns="" id="{4CF83B1B-91B5-671F-A161-727C9B763214}"/>
               </a:ext>
             </a:extLst>
           </p:cNvPr>
@@ -1080,7 +1082,7 @@
           <p:cNvPr id="3" name="竖排文字占位符 2">
             <a:extLst>
               <a:ext uri="{FF2B5EF4-FFF2-40B4-BE49-F238E27FC236}">
-                <a16:creationId xmlns:a16="http://schemas.microsoft.com/office/drawing/2014/main" id="{BB08FF4A-FB49-2B3B-B3D5-164AC935EAC3}"/>
+                <a16:creationId xmlns:a16="http://schemas.microsoft.com/office/drawing/2014/main" xmlns="" id="{BB08FF4A-FB49-2B3B-B3D5-164AC935EAC3}"/>
               </a:ext>
             </a:extLst>
           </p:cNvPr>
@@ -1142,7 +1144,7 @@
           <p:cNvPr id="4" name="日期占位符 3">
             <a:extLst>
               <a:ext uri="{FF2B5EF4-FFF2-40B4-BE49-F238E27FC236}">
-                <a16:creationId xmlns:a16="http://schemas.microsoft.com/office/drawing/2014/main" id="{7BB95ED0-C4BA-DCCD-2E70-7B800185D571}"/>
+                <a16:creationId xmlns:a16="http://schemas.microsoft.com/office/drawing/2014/main" xmlns="" id="{7BB95ED0-C4BA-DCCD-2E70-7B800185D571}"/>
               </a:ext>
             </a:extLst>
           </p:cNvPr>
@@ -1160,7 +1162,7 @@
           <a:p>
             <a:fld id="{BA054789-EACE-4F0B-85CE-A0AE8F37913A}" type="datetimeFigureOut">
               <a:rPr lang="zh-CN" altLang="en-US" smtClean="0"/>
-              <a:t>2022/8/27</a:t>
+              <a:t>2022/9/30</a:t>
             </a:fld>
             <a:endParaRPr lang="zh-CN" altLang="en-US"/>
           </a:p>
@@ -1171,7 +1173,7 @@
           <p:cNvPr id="5" name="页脚占位符 4">
             <a:extLst>
               <a:ext uri="{FF2B5EF4-FFF2-40B4-BE49-F238E27FC236}">
-                <a16:creationId xmlns:a16="http://schemas.microsoft.com/office/drawing/2014/main" id="{1BF31E75-820B-0F48-C8C2-00D1C17A0DE1}"/>
+                <a16:creationId xmlns:a16="http://schemas.microsoft.com/office/drawing/2014/main" xmlns="" id="{1BF31E75-820B-0F48-C8C2-00D1C17A0DE1}"/>
               </a:ext>
             </a:extLst>
           </p:cNvPr>
@@ -1196,7 +1198,7 @@
           <p:cNvPr id="6" name="灯片编号占位符 5">
             <a:extLst>
               <a:ext uri="{FF2B5EF4-FFF2-40B4-BE49-F238E27FC236}">
-                <a16:creationId xmlns:a16="http://schemas.microsoft.com/office/drawing/2014/main" id="{C44676BC-DB8F-6385-CCAA-24A642617E4C}"/>
+                <a16:creationId xmlns:a16="http://schemas.microsoft.com/office/drawing/2014/main" xmlns="" id="{C44676BC-DB8F-6385-CCAA-24A642617E4C}"/>
               </a:ext>
             </a:extLst>
           </p:cNvPr>
@@ -1614,7 +1616,7 @@
           <p:cNvPr id="2" name="标题 1">
             <a:extLst>
               <a:ext uri="{FF2B5EF4-FFF2-40B4-BE49-F238E27FC236}">
-                <a16:creationId xmlns:a16="http://schemas.microsoft.com/office/drawing/2014/main" id="{4A602A98-C390-5A43-8761-0489D4B42846}"/>
+                <a16:creationId xmlns:a16="http://schemas.microsoft.com/office/drawing/2014/main" xmlns="" id="{4A602A98-C390-5A43-8761-0489D4B42846}"/>
               </a:ext>
             </a:extLst>
           </p:cNvPr>
@@ -1642,7 +1644,7 @@
           <p:cNvPr id="3" name="内容占位符 2">
             <a:extLst>
               <a:ext uri="{FF2B5EF4-FFF2-40B4-BE49-F238E27FC236}">
-                <a16:creationId xmlns:a16="http://schemas.microsoft.com/office/drawing/2014/main" id="{11B58BD3-77FD-090F-EBEA-977F10D69F9C}"/>
+                <a16:creationId xmlns:a16="http://schemas.microsoft.com/office/drawing/2014/main" xmlns="" id="{11B58BD3-77FD-090F-EBEA-977F10D69F9C}"/>
               </a:ext>
             </a:extLst>
           </p:cNvPr>
@@ -1699,7 +1701,7 @@
           <p:cNvPr id="4" name="日期占位符 3">
             <a:extLst>
               <a:ext uri="{FF2B5EF4-FFF2-40B4-BE49-F238E27FC236}">
-                <a16:creationId xmlns:a16="http://schemas.microsoft.com/office/drawing/2014/main" id="{2F2888FE-0D56-D838-DDA2-9036767B7B83}"/>
+                <a16:creationId xmlns:a16="http://schemas.microsoft.com/office/drawing/2014/main" xmlns="" id="{2F2888FE-0D56-D838-DDA2-9036767B7B83}"/>
               </a:ext>
             </a:extLst>
           </p:cNvPr>
@@ -1717,7 +1719,7 @@
           <a:p>
             <a:fld id="{BA054789-EACE-4F0B-85CE-A0AE8F37913A}" type="datetimeFigureOut">
               <a:rPr lang="zh-CN" altLang="en-US" smtClean="0"/>
-              <a:t>2022/8/27</a:t>
+              <a:t>2022/9/30</a:t>
             </a:fld>
             <a:endParaRPr lang="zh-CN" altLang="en-US"/>
           </a:p>
@@ -1728,7 +1730,7 @@
           <p:cNvPr id="5" name="页脚占位符 4">
             <a:extLst>
               <a:ext uri="{FF2B5EF4-FFF2-40B4-BE49-F238E27FC236}">
-                <a16:creationId xmlns:a16="http://schemas.microsoft.com/office/drawing/2014/main" id="{C9C7A18B-7856-24E0-6F3C-CD298036521A}"/>
+                <a16:creationId xmlns:a16="http://schemas.microsoft.com/office/drawing/2014/main" xmlns="" id="{C9C7A18B-7856-24E0-6F3C-CD298036521A}"/>
               </a:ext>
             </a:extLst>
           </p:cNvPr>
@@ -1753,7 +1755,7 @@
           <p:cNvPr id="6" name="灯片编号占位符 5">
             <a:extLst>
               <a:ext uri="{FF2B5EF4-FFF2-40B4-BE49-F238E27FC236}">
-                <a16:creationId xmlns:a16="http://schemas.microsoft.com/office/drawing/2014/main" id="{FC863C35-49EE-AE1E-476A-2115AB2F951A}"/>
+                <a16:creationId xmlns:a16="http://schemas.microsoft.com/office/drawing/2014/main" xmlns="" id="{FC863C35-49EE-AE1E-476A-2115AB2F951A}"/>
               </a:ext>
             </a:extLst>
           </p:cNvPr>
@@ -1812,7 +1814,7 @@
           <p:cNvPr id="2" name="标题 1">
             <a:extLst>
               <a:ext uri="{FF2B5EF4-FFF2-40B4-BE49-F238E27FC236}">
-                <a16:creationId xmlns:a16="http://schemas.microsoft.com/office/drawing/2014/main" id="{866638DE-98B5-DDC3-B3F8-3E4400828480}"/>
+                <a16:creationId xmlns:a16="http://schemas.microsoft.com/office/drawing/2014/main" xmlns="" id="{866638DE-98B5-DDC3-B3F8-3E4400828480}"/>
               </a:ext>
             </a:extLst>
           </p:cNvPr>
@@ -1849,7 +1851,7 @@
           <p:cNvPr id="3" name="文本占位符 2">
             <a:extLst>
               <a:ext uri="{FF2B5EF4-FFF2-40B4-BE49-F238E27FC236}">
-                <a16:creationId xmlns:a16="http://schemas.microsoft.com/office/drawing/2014/main" id="{04B7A2A4-817D-77B2-4735-132E59CD17F6}"/>
+                <a16:creationId xmlns:a16="http://schemas.microsoft.com/office/drawing/2014/main" xmlns="" id="{04B7A2A4-817D-77B2-4735-132E59CD17F6}"/>
               </a:ext>
             </a:extLst>
           </p:cNvPr>
@@ -1974,7 +1976,7 @@
           <p:cNvPr id="4" name="日期占位符 3">
             <a:extLst>
               <a:ext uri="{FF2B5EF4-FFF2-40B4-BE49-F238E27FC236}">
-                <a16:creationId xmlns:a16="http://schemas.microsoft.com/office/drawing/2014/main" id="{183CA83E-8AFE-5A62-E830-EB8E09B4095F}"/>
+                <a16:creationId xmlns:a16="http://schemas.microsoft.com/office/drawing/2014/main" xmlns="" id="{183CA83E-8AFE-5A62-E830-EB8E09B4095F}"/>
               </a:ext>
             </a:extLst>
           </p:cNvPr>
@@ -1992,7 +1994,7 @@
           <a:p>
             <a:fld id="{BA054789-EACE-4F0B-85CE-A0AE8F37913A}" type="datetimeFigureOut">
               <a:rPr lang="zh-CN" altLang="en-US" smtClean="0"/>
-              <a:t>2022/8/27</a:t>
+              <a:t>2022/9/30</a:t>
             </a:fld>
             <a:endParaRPr lang="zh-CN" altLang="en-US"/>
           </a:p>
@@ -2003,7 +2005,7 @@
           <p:cNvPr id="5" name="页脚占位符 4">
             <a:extLst>
               <a:ext uri="{FF2B5EF4-FFF2-40B4-BE49-F238E27FC236}">
-                <a16:creationId xmlns:a16="http://schemas.microsoft.com/office/drawing/2014/main" id="{5F95EF5D-59A1-5AE4-9F96-B75770EE6C75}"/>
+                <a16:creationId xmlns:a16="http://schemas.microsoft.com/office/drawing/2014/main" xmlns="" id="{5F95EF5D-59A1-5AE4-9F96-B75770EE6C75}"/>
               </a:ext>
             </a:extLst>
           </p:cNvPr>
@@ -2028,7 +2030,7 @@
           <p:cNvPr id="6" name="灯片编号占位符 5">
             <a:extLst>
               <a:ext uri="{FF2B5EF4-FFF2-40B4-BE49-F238E27FC236}">
-                <a16:creationId xmlns:a16="http://schemas.microsoft.com/office/drawing/2014/main" id="{AEDD6E4D-49DA-3B43-D4CC-1D98B7AAFF66}"/>
+                <a16:creationId xmlns:a16="http://schemas.microsoft.com/office/drawing/2014/main" xmlns="" id="{AEDD6E4D-49DA-3B43-D4CC-1D98B7AAFF66}"/>
               </a:ext>
             </a:extLst>
           </p:cNvPr>
@@ -2087,7 +2089,7 @@
           <p:cNvPr id="2" name="标题 1">
             <a:extLst>
               <a:ext uri="{FF2B5EF4-FFF2-40B4-BE49-F238E27FC236}">
-                <a16:creationId xmlns:a16="http://schemas.microsoft.com/office/drawing/2014/main" id="{6143119A-5638-5FB3-124E-3B30981F030A}"/>
+                <a16:creationId xmlns:a16="http://schemas.microsoft.com/office/drawing/2014/main" xmlns="" id="{6143119A-5638-5FB3-124E-3B30981F030A}"/>
               </a:ext>
             </a:extLst>
           </p:cNvPr>
@@ -2115,7 +2117,7 @@
           <p:cNvPr id="3" name="内容占位符 2">
             <a:extLst>
               <a:ext uri="{FF2B5EF4-FFF2-40B4-BE49-F238E27FC236}">
-                <a16:creationId xmlns:a16="http://schemas.microsoft.com/office/drawing/2014/main" id="{C8F1DC48-C2D4-79DF-114F-EF5EEEBA4D3D}"/>
+                <a16:creationId xmlns:a16="http://schemas.microsoft.com/office/drawing/2014/main" xmlns="" id="{C8F1DC48-C2D4-79DF-114F-EF5EEEBA4D3D}"/>
               </a:ext>
             </a:extLst>
           </p:cNvPr>
@@ -2177,7 +2179,7 @@
           <p:cNvPr id="4" name="内容占位符 3">
             <a:extLst>
               <a:ext uri="{FF2B5EF4-FFF2-40B4-BE49-F238E27FC236}">
-                <a16:creationId xmlns:a16="http://schemas.microsoft.com/office/drawing/2014/main" id="{5163DEDF-28BC-F60D-FCBD-0D577102FE83}"/>
+                <a16:creationId xmlns:a16="http://schemas.microsoft.com/office/drawing/2014/main" xmlns="" id="{5163DEDF-28BC-F60D-FCBD-0D577102FE83}"/>
               </a:ext>
             </a:extLst>
           </p:cNvPr>
@@ -2239,7 +2241,7 @@
           <p:cNvPr id="5" name="日期占位符 4">
             <a:extLst>
               <a:ext uri="{FF2B5EF4-FFF2-40B4-BE49-F238E27FC236}">
-                <a16:creationId xmlns:a16="http://schemas.microsoft.com/office/drawing/2014/main" id="{11352899-B0A5-67BA-4F8C-A6BEB19057FD}"/>
+                <a16:creationId xmlns:a16="http://schemas.microsoft.com/office/drawing/2014/main" xmlns="" id="{11352899-B0A5-67BA-4F8C-A6BEB19057FD}"/>
               </a:ext>
             </a:extLst>
           </p:cNvPr>
@@ -2257,7 +2259,7 @@
           <a:p>
             <a:fld id="{BA054789-EACE-4F0B-85CE-A0AE8F37913A}" type="datetimeFigureOut">
               <a:rPr lang="zh-CN" altLang="en-US" smtClean="0"/>
-              <a:t>2022/8/27</a:t>
+              <a:t>2022/9/30</a:t>
             </a:fld>
             <a:endParaRPr lang="zh-CN" altLang="en-US"/>
           </a:p>
@@ -2268,7 +2270,7 @@
           <p:cNvPr id="6" name="页脚占位符 5">
             <a:extLst>
               <a:ext uri="{FF2B5EF4-FFF2-40B4-BE49-F238E27FC236}">
-                <a16:creationId xmlns:a16="http://schemas.microsoft.com/office/drawing/2014/main" id="{A584D1DB-F7D5-5108-37F7-B12451D4AF43}"/>
+                <a16:creationId xmlns:a16="http://schemas.microsoft.com/office/drawing/2014/main" xmlns="" id="{A584D1DB-F7D5-5108-37F7-B12451D4AF43}"/>
               </a:ext>
             </a:extLst>
           </p:cNvPr>
@@ -2293,7 +2295,7 @@
           <p:cNvPr id="7" name="灯片编号占位符 6">
             <a:extLst>
               <a:ext uri="{FF2B5EF4-FFF2-40B4-BE49-F238E27FC236}">
-                <a16:creationId xmlns:a16="http://schemas.microsoft.com/office/drawing/2014/main" id="{2294CAD5-9704-832D-2AB9-684703BF36C6}"/>
+                <a16:creationId xmlns:a16="http://schemas.microsoft.com/office/drawing/2014/main" xmlns="" id="{2294CAD5-9704-832D-2AB9-684703BF36C6}"/>
               </a:ext>
             </a:extLst>
           </p:cNvPr>
@@ -2352,7 +2354,7 @@
           <p:cNvPr id="2" name="标题 1">
             <a:extLst>
               <a:ext uri="{FF2B5EF4-FFF2-40B4-BE49-F238E27FC236}">
-                <a16:creationId xmlns:a16="http://schemas.microsoft.com/office/drawing/2014/main" id="{5553C342-6EA7-A319-ED9F-F3DED51AB856}"/>
+                <a16:creationId xmlns:a16="http://schemas.microsoft.com/office/drawing/2014/main" xmlns="" id="{5553C342-6EA7-A319-ED9F-F3DED51AB856}"/>
               </a:ext>
             </a:extLst>
           </p:cNvPr>
@@ -2385,7 +2387,7 @@
           <p:cNvPr id="3" name="文本占位符 2">
             <a:extLst>
               <a:ext uri="{FF2B5EF4-FFF2-40B4-BE49-F238E27FC236}">
-                <a16:creationId xmlns:a16="http://schemas.microsoft.com/office/drawing/2014/main" id="{2A2E5CEB-B13F-86C3-3E47-796F7F60D6CC}"/>
+                <a16:creationId xmlns:a16="http://schemas.microsoft.com/office/drawing/2014/main" xmlns="" id="{2A2E5CEB-B13F-86C3-3E47-796F7F60D6CC}"/>
               </a:ext>
             </a:extLst>
           </p:cNvPr>
@@ -2456,7 +2458,7 @@
           <p:cNvPr id="4" name="内容占位符 3">
             <a:extLst>
               <a:ext uri="{FF2B5EF4-FFF2-40B4-BE49-F238E27FC236}">
-                <a16:creationId xmlns:a16="http://schemas.microsoft.com/office/drawing/2014/main" id="{A54930F9-E0D4-D998-09A2-343AA1F96076}"/>
+                <a16:creationId xmlns:a16="http://schemas.microsoft.com/office/drawing/2014/main" xmlns="" id="{A54930F9-E0D4-D998-09A2-343AA1F96076}"/>
               </a:ext>
             </a:extLst>
           </p:cNvPr>
@@ -2518,7 +2520,7 @@
           <p:cNvPr id="5" name="文本占位符 4">
             <a:extLst>
               <a:ext uri="{FF2B5EF4-FFF2-40B4-BE49-F238E27FC236}">
-                <a16:creationId xmlns:a16="http://schemas.microsoft.com/office/drawing/2014/main" id="{B4B7359A-E8FC-E1A9-A896-A49ED9AF86F8}"/>
+                <a16:creationId xmlns:a16="http://schemas.microsoft.com/office/drawing/2014/main" xmlns="" id="{B4B7359A-E8FC-E1A9-A896-A49ED9AF86F8}"/>
               </a:ext>
             </a:extLst>
           </p:cNvPr>
@@ -2589,7 +2591,7 @@
           <p:cNvPr id="6" name="内容占位符 5">
             <a:extLst>
               <a:ext uri="{FF2B5EF4-FFF2-40B4-BE49-F238E27FC236}">
-                <a16:creationId xmlns:a16="http://schemas.microsoft.com/office/drawing/2014/main" id="{4E52EA2F-1B41-D541-9632-9493F9B51AB0}"/>
+                <a16:creationId xmlns:a16="http://schemas.microsoft.com/office/drawing/2014/main" xmlns="" id="{4E52EA2F-1B41-D541-9632-9493F9B51AB0}"/>
               </a:ext>
             </a:extLst>
           </p:cNvPr>
@@ -2651,7 +2653,7 @@
           <p:cNvPr id="7" name="日期占位符 6">
             <a:extLst>
               <a:ext uri="{FF2B5EF4-FFF2-40B4-BE49-F238E27FC236}">
-                <a16:creationId xmlns:a16="http://schemas.microsoft.com/office/drawing/2014/main" id="{F8E2D812-175D-022A-8677-7639CB1825D7}"/>
+                <a16:creationId xmlns:a16="http://schemas.microsoft.com/office/drawing/2014/main" xmlns="" id="{F8E2D812-175D-022A-8677-7639CB1825D7}"/>
               </a:ext>
             </a:extLst>
           </p:cNvPr>
@@ -2669,7 +2671,7 @@
           <a:p>
             <a:fld id="{BA054789-EACE-4F0B-85CE-A0AE8F37913A}" type="datetimeFigureOut">
               <a:rPr lang="zh-CN" altLang="en-US" smtClean="0"/>
-              <a:t>2022/8/27</a:t>
+              <a:t>2022/9/30</a:t>
             </a:fld>
             <a:endParaRPr lang="zh-CN" altLang="en-US"/>
           </a:p>
@@ -2680,7 +2682,7 @@
           <p:cNvPr id="8" name="页脚占位符 7">
             <a:extLst>
               <a:ext uri="{FF2B5EF4-FFF2-40B4-BE49-F238E27FC236}">
-                <a16:creationId xmlns:a16="http://schemas.microsoft.com/office/drawing/2014/main" id="{5E2441E0-E886-23FB-143C-558A79ACC5D8}"/>
+                <a16:creationId xmlns:a16="http://schemas.microsoft.com/office/drawing/2014/main" xmlns="" id="{5E2441E0-E886-23FB-143C-558A79ACC5D8}"/>
               </a:ext>
             </a:extLst>
           </p:cNvPr>
@@ -2705,7 +2707,7 @@
           <p:cNvPr id="9" name="灯片编号占位符 8">
             <a:extLst>
               <a:ext uri="{FF2B5EF4-FFF2-40B4-BE49-F238E27FC236}">
-                <a16:creationId xmlns:a16="http://schemas.microsoft.com/office/drawing/2014/main" id="{CDCA61B1-70E8-1169-875E-DB108C50E55C}"/>
+                <a16:creationId xmlns:a16="http://schemas.microsoft.com/office/drawing/2014/main" xmlns="" id="{CDCA61B1-70E8-1169-875E-DB108C50E55C}"/>
               </a:ext>
             </a:extLst>
           </p:cNvPr>
@@ -2764,7 +2766,7 @@
           <p:cNvPr id="2" name="标题 1">
             <a:extLst>
               <a:ext uri="{FF2B5EF4-FFF2-40B4-BE49-F238E27FC236}">
-                <a16:creationId xmlns:a16="http://schemas.microsoft.com/office/drawing/2014/main" id="{F44D1D6C-24E0-86EE-37DA-EDEDDC1CFD42}"/>
+                <a16:creationId xmlns:a16="http://schemas.microsoft.com/office/drawing/2014/main" xmlns="" id="{F44D1D6C-24E0-86EE-37DA-EDEDDC1CFD42}"/>
               </a:ext>
             </a:extLst>
           </p:cNvPr>
@@ -2792,7 +2794,7 @@
           <p:cNvPr id="3" name="日期占位符 2">
             <a:extLst>
               <a:ext uri="{FF2B5EF4-FFF2-40B4-BE49-F238E27FC236}">
-                <a16:creationId xmlns:a16="http://schemas.microsoft.com/office/drawing/2014/main" id="{452FC26A-E9FB-0541-86DB-AEEE5AAB387E}"/>
+                <a16:creationId xmlns:a16="http://schemas.microsoft.com/office/drawing/2014/main" xmlns="" id="{452FC26A-E9FB-0541-86DB-AEEE5AAB387E}"/>
               </a:ext>
             </a:extLst>
           </p:cNvPr>
@@ -2810,7 +2812,7 @@
           <a:p>
             <a:fld id="{BA054789-EACE-4F0B-85CE-A0AE8F37913A}" type="datetimeFigureOut">
               <a:rPr lang="zh-CN" altLang="en-US" smtClean="0"/>
-              <a:t>2022/8/27</a:t>
+              <a:t>2022/9/30</a:t>
             </a:fld>
             <a:endParaRPr lang="zh-CN" altLang="en-US"/>
           </a:p>
@@ -2821,7 +2823,7 @@
           <p:cNvPr id="4" name="页脚占位符 3">
             <a:extLst>
               <a:ext uri="{FF2B5EF4-FFF2-40B4-BE49-F238E27FC236}">
-                <a16:creationId xmlns:a16="http://schemas.microsoft.com/office/drawing/2014/main" id="{914BC86C-F2F8-3396-17AC-0735983760FC}"/>
+                <a16:creationId xmlns:a16="http://schemas.microsoft.com/office/drawing/2014/main" xmlns="" id="{914BC86C-F2F8-3396-17AC-0735983760FC}"/>
               </a:ext>
             </a:extLst>
           </p:cNvPr>
@@ -2846,7 +2848,7 @@
           <p:cNvPr id="5" name="灯片编号占位符 4">
             <a:extLst>
               <a:ext uri="{FF2B5EF4-FFF2-40B4-BE49-F238E27FC236}">
-                <a16:creationId xmlns:a16="http://schemas.microsoft.com/office/drawing/2014/main" id="{BCD46C41-5FA4-E5F8-0E00-98EC89530535}"/>
+                <a16:creationId xmlns:a16="http://schemas.microsoft.com/office/drawing/2014/main" xmlns="" id="{BCD46C41-5FA4-E5F8-0E00-98EC89530535}"/>
               </a:ext>
             </a:extLst>
           </p:cNvPr>
@@ -2905,7 +2907,7 @@
           <p:cNvPr id="2" name="日期占位符 1">
             <a:extLst>
               <a:ext uri="{FF2B5EF4-FFF2-40B4-BE49-F238E27FC236}">
-                <a16:creationId xmlns:a16="http://schemas.microsoft.com/office/drawing/2014/main" id="{987885F3-BC73-F95E-1CC2-95AD9AFC4550}"/>
+                <a16:creationId xmlns:a16="http://schemas.microsoft.com/office/drawing/2014/main" xmlns="" id="{987885F3-BC73-F95E-1CC2-95AD9AFC4550}"/>
               </a:ext>
             </a:extLst>
           </p:cNvPr>
@@ -2923,7 +2925,7 @@
           <a:p>
             <a:fld id="{BA054789-EACE-4F0B-85CE-A0AE8F37913A}" type="datetimeFigureOut">
               <a:rPr lang="zh-CN" altLang="en-US" smtClean="0"/>
-              <a:t>2022/8/27</a:t>
+              <a:t>2022/9/30</a:t>
             </a:fld>
             <a:endParaRPr lang="zh-CN" altLang="en-US"/>
           </a:p>
@@ -2934,7 +2936,7 @@
           <p:cNvPr id="3" name="页脚占位符 2">
             <a:extLst>
               <a:ext uri="{FF2B5EF4-FFF2-40B4-BE49-F238E27FC236}">
-                <a16:creationId xmlns:a16="http://schemas.microsoft.com/office/drawing/2014/main" id="{3A45F5EE-A519-0C1C-324D-67E058F91DDB}"/>
+                <a16:creationId xmlns:a16="http://schemas.microsoft.com/office/drawing/2014/main" xmlns="" id="{3A45F5EE-A519-0C1C-324D-67E058F91DDB}"/>
               </a:ext>
             </a:extLst>
           </p:cNvPr>
@@ -2959,7 +2961,7 @@
           <p:cNvPr id="4" name="灯片编号占位符 3">
             <a:extLst>
               <a:ext uri="{FF2B5EF4-FFF2-40B4-BE49-F238E27FC236}">
-                <a16:creationId xmlns:a16="http://schemas.microsoft.com/office/drawing/2014/main" id="{67EC8A15-FD0F-6449-C8C4-244D9A47FC09}"/>
+                <a16:creationId xmlns:a16="http://schemas.microsoft.com/office/drawing/2014/main" xmlns="" id="{67EC8A15-FD0F-6449-C8C4-244D9A47FC09}"/>
               </a:ext>
             </a:extLst>
           </p:cNvPr>
@@ -3018,7 +3020,7 @@
           <p:cNvPr id="2" name="标题 1">
             <a:extLst>
               <a:ext uri="{FF2B5EF4-FFF2-40B4-BE49-F238E27FC236}">
-                <a16:creationId xmlns:a16="http://schemas.microsoft.com/office/drawing/2014/main" id="{8207E91F-BEEE-171E-0131-6E86365BBE2D}"/>
+                <a16:creationId xmlns:a16="http://schemas.microsoft.com/office/drawing/2014/main" xmlns="" id="{8207E91F-BEEE-171E-0131-6E86365BBE2D}"/>
               </a:ext>
             </a:extLst>
           </p:cNvPr>
@@ -3055,7 +3057,7 @@
           <p:cNvPr id="3" name="内容占位符 2">
             <a:extLst>
               <a:ext uri="{FF2B5EF4-FFF2-40B4-BE49-F238E27FC236}">
-                <a16:creationId xmlns:a16="http://schemas.microsoft.com/office/drawing/2014/main" id="{224A1AFF-50FF-8C59-9840-606EB237D707}"/>
+                <a16:creationId xmlns:a16="http://schemas.microsoft.com/office/drawing/2014/main" xmlns="" id="{224A1AFF-50FF-8C59-9840-606EB237D707}"/>
               </a:ext>
             </a:extLst>
           </p:cNvPr>
@@ -3145,7 +3147,7 @@
           <p:cNvPr id="4" name="文本占位符 3">
             <a:extLst>
               <a:ext uri="{FF2B5EF4-FFF2-40B4-BE49-F238E27FC236}">
-                <a16:creationId xmlns:a16="http://schemas.microsoft.com/office/drawing/2014/main" id="{1918F8C3-484E-3A1E-8EA0-D9C66B071D46}"/>
+                <a16:creationId xmlns:a16="http://schemas.microsoft.com/office/drawing/2014/main" xmlns="" id="{1918F8C3-484E-3A1E-8EA0-D9C66B071D46}"/>
               </a:ext>
             </a:extLst>
           </p:cNvPr>
@@ -3216,7 +3218,7 @@
           <p:cNvPr id="5" name="日期占位符 4">
             <a:extLst>
               <a:ext uri="{FF2B5EF4-FFF2-40B4-BE49-F238E27FC236}">
-                <a16:creationId xmlns:a16="http://schemas.microsoft.com/office/drawing/2014/main" id="{6708E08C-E838-BC00-6EA5-3C80B9A0F2BF}"/>
+                <a16:creationId xmlns:a16="http://schemas.microsoft.com/office/drawing/2014/main" xmlns="" id="{6708E08C-E838-BC00-6EA5-3C80B9A0F2BF}"/>
               </a:ext>
             </a:extLst>
           </p:cNvPr>
@@ -3234,7 +3236,7 @@
           <a:p>
             <a:fld id="{BA054789-EACE-4F0B-85CE-A0AE8F37913A}" type="datetimeFigureOut">
               <a:rPr lang="zh-CN" altLang="en-US" smtClean="0"/>
-              <a:t>2022/8/27</a:t>
+              <a:t>2022/9/30</a:t>
             </a:fld>
             <a:endParaRPr lang="zh-CN" altLang="en-US"/>
           </a:p>
@@ -3245,7 +3247,7 @@
           <p:cNvPr id="6" name="页脚占位符 5">
             <a:extLst>
               <a:ext uri="{FF2B5EF4-FFF2-40B4-BE49-F238E27FC236}">
-                <a16:creationId xmlns:a16="http://schemas.microsoft.com/office/drawing/2014/main" id="{439DBC6E-FDA4-993F-86BA-68C9D9CBCDA2}"/>
+                <a16:creationId xmlns:a16="http://schemas.microsoft.com/office/drawing/2014/main" xmlns="" id="{439DBC6E-FDA4-993F-86BA-68C9D9CBCDA2}"/>
               </a:ext>
             </a:extLst>
           </p:cNvPr>
@@ -3270,7 +3272,7 @@
           <p:cNvPr id="7" name="灯片编号占位符 6">
             <a:extLst>
               <a:ext uri="{FF2B5EF4-FFF2-40B4-BE49-F238E27FC236}">
-                <a16:creationId xmlns:a16="http://schemas.microsoft.com/office/drawing/2014/main" id="{84AC5D80-1CD5-A607-8281-BC0454CACBD2}"/>
+                <a16:creationId xmlns:a16="http://schemas.microsoft.com/office/drawing/2014/main" xmlns="" id="{84AC5D80-1CD5-A607-8281-BC0454CACBD2}"/>
               </a:ext>
             </a:extLst>
           </p:cNvPr>
@@ -3329,7 +3331,7 @@
           <p:cNvPr id="2" name="标题 1">
             <a:extLst>
               <a:ext uri="{FF2B5EF4-FFF2-40B4-BE49-F238E27FC236}">
-                <a16:creationId xmlns:a16="http://schemas.microsoft.com/office/drawing/2014/main" id="{8B87A630-13E3-6038-F332-B3BE60484A0E}"/>
+                <a16:creationId xmlns:a16="http://schemas.microsoft.com/office/drawing/2014/main" xmlns="" id="{8B87A630-13E3-6038-F332-B3BE60484A0E}"/>
               </a:ext>
             </a:extLst>
           </p:cNvPr>
@@ -3366,7 +3368,7 @@
           <p:cNvPr id="3" name="图片占位符 2">
             <a:extLst>
               <a:ext uri="{FF2B5EF4-FFF2-40B4-BE49-F238E27FC236}">
-                <a16:creationId xmlns:a16="http://schemas.microsoft.com/office/drawing/2014/main" id="{B92BC7D3-D3C2-E338-1906-89EBC814D58E}"/>
+                <a16:creationId xmlns:a16="http://schemas.microsoft.com/office/drawing/2014/main" xmlns="" id="{B92BC7D3-D3C2-E338-1906-89EBC814D58E}"/>
               </a:ext>
             </a:extLst>
           </p:cNvPr>
@@ -3433,7 +3435,7 @@
           <p:cNvPr id="4" name="文本占位符 3">
             <a:extLst>
               <a:ext uri="{FF2B5EF4-FFF2-40B4-BE49-F238E27FC236}">
-                <a16:creationId xmlns:a16="http://schemas.microsoft.com/office/drawing/2014/main" id="{07545A6D-4664-4BEC-EE9E-A985A49BADC9}"/>
+                <a16:creationId xmlns:a16="http://schemas.microsoft.com/office/drawing/2014/main" xmlns="" id="{07545A6D-4664-4BEC-EE9E-A985A49BADC9}"/>
               </a:ext>
             </a:extLst>
           </p:cNvPr>
@@ -3504,7 +3506,7 @@
           <p:cNvPr id="5" name="日期占位符 4">
             <a:extLst>
               <a:ext uri="{FF2B5EF4-FFF2-40B4-BE49-F238E27FC236}">
-                <a16:creationId xmlns:a16="http://schemas.microsoft.com/office/drawing/2014/main" id="{7C4A4C3B-C39E-7F62-7D92-3CC1CB7AE956}"/>
+                <a16:creationId xmlns:a16="http://schemas.microsoft.com/office/drawing/2014/main" xmlns="" id="{7C4A4C3B-C39E-7F62-7D92-3CC1CB7AE956}"/>
               </a:ext>
             </a:extLst>
           </p:cNvPr>
@@ -3522,7 +3524,7 @@
           <a:p>
             <a:fld id="{BA054789-EACE-4F0B-85CE-A0AE8F37913A}" type="datetimeFigureOut">
               <a:rPr lang="zh-CN" altLang="en-US" smtClean="0"/>
-              <a:t>2022/8/27</a:t>
+              <a:t>2022/9/30</a:t>
             </a:fld>
             <a:endParaRPr lang="zh-CN" altLang="en-US"/>
           </a:p>
@@ -3533,7 +3535,7 @@
           <p:cNvPr id="6" name="页脚占位符 5">
             <a:extLst>
               <a:ext uri="{FF2B5EF4-FFF2-40B4-BE49-F238E27FC236}">
-                <a16:creationId xmlns:a16="http://schemas.microsoft.com/office/drawing/2014/main" id="{ABCA2129-E1A8-A9AB-72DB-E364A7654AE6}"/>
+                <a16:creationId xmlns:a16="http://schemas.microsoft.com/office/drawing/2014/main" xmlns="" id="{ABCA2129-E1A8-A9AB-72DB-E364A7654AE6}"/>
               </a:ext>
             </a:extLst>
           </p:cNvPr>
@@ -3558,7 +3560,7 @@
           <p:cNvPr id="7" name="灯片编号占位符 6">
             <a:extLst>
               <a:ext uri="{FF2B5EF4-FFF2-40B4-BE49-F238E27FC236}">
-                <a16:creationId xmlns:a16="http://schemas.microsoft.com/office/drawing/2014/main" id="{6890FD23-C4A5-BC02-595B-A819F72BEB9C}"/>
+                <a16:creationId xmlns:a16="http://schemas.microsoft.com/office/drawing/2014/main" xmlns="" id="{6890FD23-C4A5-BC02-595B-A819F72BEB9C}"/>
               </a:ext>
             </a:extLst>
           </p:cNvPr>
@@ -3622,7 +3624,7 @@
           <p:cNvPr id="2" name="标题占位符 1">
             <a:extLst>
               <a:ext uri="{FF2B5EF4-FFF2-40B4-BE49-F238E27FC236}">
-                <a16:creationId xmlns:a16="http://schemas.microsoft.com/office/drawing/2014/main" id="{92000A49-3619-2406-82EF-AED9BE75F34E}"/>
+                <a16:creationId xmlns:a16="http://schemas.microsoft.com/office/drawing/2014/main" xmlns="" id="{92000A49-3619-2406-82EF-AED9BE75F34E}"/>
               </a:ext>
             </a:extLst>
           </p:cNvPr>
@@ -3660,7 +3662,7 @@
           <p:cNvPr id="3" name="文本占位符 2">
             <a:extLst>
               <a:ext uri="{FF2B5EF4-FFF2-40B4-BE49-F238E27FC236}">
-                <a16:creationId xmlns:a16="http://schemas.microsoft.com/office/drawing/2014/main" id="{D43FE0F5-0CBC-BDA9-24CE-A859521DA656}"/>
+                <a16:creationId xmlns:a16="http://schemas.microsoft.com/office/drawing/2014/main" xmlns="" id="{D43FE0F5-0CBC-BDA9-24CE-A859521DA656}"/>
               </a:ext>
             </a:extLst>
           </p:cNvPr>
@@ -3727,7 +3729,7 @@
           <p:cNvPr id="4" name="日期占位符 3">
             <a:extLst>
               <a:ext uri="{FF2B5EF4-FFF2-40B4-BE49-F238E27FC236}">
-                <a16:creationId xmlns:a16="http://schemas.microsoft.com/office/drawing/2014/main" id="{2233451F-B070-3253-A379-82BC5C68026A}"/>
+                <a16:creationId xmlns:a16="http://schemas.microsoft.com/office/drawing/2014/main" xmlns="" id="{2233451F-B070-3253-A379-82BC5C68026A}"/>
               </a:ext>
             </a:extLst>
           </p:cNvPr>
@@ -3763,7 +3765,7 @@
           <a:p>
             <a:fld id="{BA054789-EACE-4F0B-85CE-A0AE8F37913A}" type="datetimeFigureOut">
               <a:rPr lang="zh-CN" altLang="en-US" smtClean="0"/>
-              <a:t>2022/8/27</a:t>
+              <a:t>2022/9/30</a:t>
             </a:fld>
             <a:endParaRPr lang="zh-CN" altLang="en-US"/>
           </a:p>
@@ -3774,7 +3776,7 @@
           <p:cNvPr id="5" name="页脚占位符 4">
             <a:extLst>
               <a:ext uri="{FF2B5EF4-FFF2-40B4-BE49-F238E27FC236}">
-                <a16:creationId xmlns:a16="http://schemas.microsoft.com/office/drawing/2014/main" id="{06986DEC-0B9D-7F39-CE3E-66A01F226957}"/>
+                <a16:creationId xmlns:a16="http://schemas.microsoft.com/office/drawing/2014/main" xmlns="" id="{06986DEC-0B9D-7F39-CE3E-66A01F226957}"/>
               </a:ext>
             </a:extLst>
           </p:cNvPr>
@@ -3817,7 +3819,7 @@
           <p:cNvPr id="6" name="灯片编号占位符 5">
             <a:extLst>
               <a:ext uri="{FF2B5EF4-FFF2-40B4-BE49-F238E27FC236}">
-                <a16:creationId xmlns:a16="http://schemas.microsoft.com/office/drawing/2014/main" id="{4E5D66B3-A060-F0A8-8F68-EBE0B120344F}"/>
+                <a16:creationId xmlns:a16="http://schemas.microsoft.com/office/drawing/2014/main" xmlns="" id="{4E5D66B3-A060-F0A8-8F68-EBE0B120344F}"/>
               </a:ext>
             </a:extLst>
           </p:cNvPr>
@@ -4196,7 +4198,7 @@
           <p:cNvPr id="2" name="标题 1">
             <a:extLst>
               <a:ext uri="{FF2B5EF4-FFF2-40B4-BE49-F238E27FC236}">
-                <a16:creationId xmlns:a16="http://schemas.microsoft.com/office/drawing/2014/main" id="{2A9B6C59-89F9-5390-BB77-F8DB7EF7B310}"/>
+                <a16:creationId xmlns:a16="http://schemas.microsoft.com/office/drawing/2014/main" xmlns="" id="{2A9B6C59-89F9-5390-BB77-F8DB7EF7B310}"/>
               </a:ext>
             </a:extLst>
           </p:cNvPr>
@@ -4266,7 +4268,7 @@
           <p:cNvPr id="4" name="椭圆 3">
             <a:extLst>
               <a:ext uri="{FF2B5EF4-FFF2-40B4-BE49-F238E27FC236}">
-                <a16:creationId xmlns:a16="http://schemas.microsoft.com/office/drawing/2014/main" id="{94C17F89-4022-3282-1B5A-F455F1578F55}"/>
+                <a16:creationId xmlns:a16="http://schemas.microsoft.com/office/drawing/2014/main" xmlns="" id="{94C17F89-4022-3282-1B5A-F455F1578F55}"/>
               </a:ext>
             </a:extLst>
           </p:cNvPr>
@@ -5013,7 +5015,7 @@
           <p:cNvPr id="4" name="椭圆 3">
             <a:extLst>
               <a:ext uri="{FF2B5EF4-FFF2-40B4-BE49-F238E27FC236}">
-                <a16:creationId xmlns:a16="http://schemas.microsoft.com/office/drawing/2014/main" id="{94C17F89-4022-3282-1B5A-F455F1578F55}"/>
+                <a16:creationId xmlns:a16="http://schemas.microsoft.com/office/drawing/2014/main" xmlns="" id="{94C17F89-4022-3282-1B5A-F455F1578F55}"/>
               </a:ext>
             </a:extLst>
           </p:cNvPr>
@@ -5596,7 +5598,7 @@
           <p:cNvPr id="38" name="Google Shape;90;p14">
             <a:extLst>
               <a:ext uri="{FF2B5EF4-FFF2-40B4-BE49-F238E27FC236}">
-                <a16:creationId xmlns:a16="http://schemas.microsoft.com/office/drawing/2014/main" id="{70D7F9C8-3F19-0671-CC95-0C6FF2D659F6}"/>
+                <a16:creationId xmlns:a16="http://schemas.microsoft.com/office/drawing/2014/main" xmlns="" id="{70D7F9C8-3F19-0671-CC95-0C6FF2D659F6}"/>
               </a:ext>
             </a:extLst>
           </p:cNvPr>
@@ -5630,7 +5632,7 @@
           <p:cNvPr id="39" name="Google Shape;90;p14">
             <a:extLst>
               <a:ext uri="{FF2B5EF4-FFF2-40B4-BE49-F238E27FC236}">
-                <a16:creationId xmlns:a16="http://schemas.microsoft.com/office/drawing/2014/main" id="{70D7F9C8-3F19-0671-CC95-0C6FF2D659F6}"/>
+                <a16:creationId xmlns:a16="http://schemas.microsoft.com/office/drawing/2014/main" xmlns="" id="{70D7F9C8-3F19-0671-CC95-0C6FF2D659F6}"/>
               </a:ext>
             </a:extLst>
           </p:cNvPr>
@@ -5694,7 +5696,7 @@
           <p:cNvPr id="4" name="椭圆 3">
             <a:extLst>
               <a:ext uri="{FF2B5EF4-FFF2-40B4-BE49-F238E27FC236}">
-                <a16:creationId xmlns:a16="http://schemas.microsoft.com/office/drawing/2014/main" id="{94C17F89-4022-3282-1B5A-F455F1578F55}"/>
+                <a16:creationId xmlns:a16="http://schemas.microsoft.com/office/drawing/2014/main" xmlns="" id="{94C17F89-4022-3282-1B5A-F455F1578F55}"/>
               </a:ext>
             </a:extLst>
           </p:cNvPr>
@@ -6377,7 +6379,7 @@
           <p:cNvPr id="2" name="标题 1">
             <a:extLst>
               <a:ext uri="{FF2B5EF4-FFF2-40B4-BE49-F238E27FC236}">
-                <a16:creationId xmlns:a16="http://schemas.microsoft.com/office/drawing/2014/main" id="{2A9B6C59-89F9-5390-BB77-F8DB7EF7B310}"/>
+                <a16:creationId xmlns:a16="http://schemas.microsoft.com/office/drawing/2014/main" xmlns="" id="{2A9B6C59-89F9-5390-BB77-F8DB7EF7B310}"/>
               </a:ext>
             </a:extLst>
           </p:cNvPr>
@@ -6452,7 +6454,7 @@
           <p:cNvPr id="2" name="标题 1">
             <a:extLst>
               <a:ext uri="{FF2B5EF4-FFF2-40B4-BE49-F238E27FC236}">
-                <a16:creationId xmlns:a16="http://schemas.microsoft.com/office/drawing/2014/main" id="{80796E82-7314-2FBE-2DE8-DDD70D4DF27E}"/>
+                <a16:creationId xmlns:a16="http://schemas.microsoft.com/office/drawing/2014/main" xmlns="" id="{80796E82-7314-2FBE-2DE8-DDD70D4DF27E}"/>
               </a:ext>
             </a:extLst>
           </p:cNvPr>
@@ -6508,7 +6510,7 @@
           <p:cNvPr id="5" name="椭圆 4">
             <a:extLst>
               <a:ext uri="{FF2B5EF4-FFF2-40B4-BE49-F238E27FC236}">
-                <a16:creationId xmlns:a16="http://schemas.microsoft.com/office/drawing/2014/main" id="{A020CC41-9901-5A10-06D8-1F19650A3A6A}"/>
+                <a16:creationId xmlns:a16="http://schemas.microsoft.com/office/drawing/2014/main" xmlns="" id="{A020CC41-9901-5A10-06D8-1F19650A3A6A}"/>
               </a:ext>
             </a:extLst>
           </p:cNvPr>
@@ -6560,7 +6562,7 @@
           <p:cNvPr id="19" name="Google Shape;73;p14">
             <a:extLst>
               <a:ext uri="{FF2B5EF4-FFF2-40B4-BE49-F238E27FC236}">
-                <a16:creationId xmlns:a16="http://schemas.microsoft.com/office/drawing/2014/main" id="{3442D827-BE6F-DFBF-3B15-223B2753D9E9}"/>
+                <a16:creationId xmlns:a16="http://schemas.microsoft.com/office/drawing/2014/main" xmlns="" id="{3442D827-BE6F-DFBF-3B15-223B2753D9E9}"/>
               </a:ext>
             </a:extLst>
           </p:cNvPr>
@@ -6594,7 +6596,7 @@
           <p:cNvPr id="3" name="椭圆 2">
             <a:extLst>
               <a:ext uri="{FF2B5EF4-FFF2-40B4-BE49-F238E27FC236}">
-                <a16:creationId xmlns:a16="http://schemas.microsoft.com/office/drawing/2014/main" id="{6A049D51-9228-994D-60FB-A0B21405E162}"/>
+                <a16:creationId xmlns:a16="http://schemas.microsoft.com/office/drawing/2014/main" xmlns="" id="{6A049D51-9228-994D-60FB-A0B21405E162}"/>
               </a:ext>
             </a:extLst>
           </p:cNvPr>
@@ -6650,7 +6652,7 @@
           <p:cNvPr id="20" name="椭圆 19">
             <a:extLst>
               <a:ext uri="{FF2B5EF4-FFF2-40B4-BE49-F238E27FC236}">
-                <a16:creationId xmlns:a16="http://schemas.microsoft.com/office/drawing/2014/main" id="{1CB92BD5-35D8-92CB-D9E4-9F7E63F85095}"/>
+                <a16:creationId xmlns:a16="http://schemas.microsoft.com/office/drawing/2014/main" xmlns="" id="{1CB92BD5-35D8-92CB-D9E4-9F7E63F85095}"/>
               </a:ext>
             </a:extLst>
           </p:cNvPr>
@@ -6706,7 +6708,7 @@
           <p:cNvPr id="21" name="椭圆 20">
             <a:extLst>
               <a:ext uri="{FF2B5EF4-FFF2-40B4-BE49-F238E27FC236}">
-                <a16:creationId xmlns:a16="http://schemas.microsoft.com/office/drawing/2014/main" id="{CC0D471C-430C-0F88-B963-906AF37643E5}"/>
+                <a16:creationId xmlns:a16="http://schemas.microsoft.com/office/drawing/2014/main" xmlns="" id="{CC0D471C-430C-0F88-B963-906AF37643E5}"/>
               </a:ext>
             </a:extLst>
           </p:cNvPr>
@@ -6762,7 +6764,7 @@
           <p:cNvPr id="22" name="椭圆 21">
             <a:extLst>
               <a:ext uri="{FF2B5EF4-FFF2-40B4-BE49-F238E27FC236}">
-                <a16:creationId xmlns:a16="http://schemas.microsoft.com/office/drawing/2014/main" id="{ECCA1AA6-1921-4825-44D1-D03BE773AACC}"/>
+                <a16:creationId xmlns:a16="http://schemas.microsoft.com/office/drawing/2014/main" xmlns="" id="{ECCA1AA6-1921-4825-44D1-D03BE773AACC}"/>
               </a:ext>
             </a:extLst>
           </p:cNvPr>
@@ -6818,7 +6820,7 @@
           <p:cNvPr id="23" name="椭圆 22">
             <a:extLst>
               <a:ext uri="{FF2B5EF4-FFF2-40B4-BE49-F238E27FC236}">
-                <a16:creationId xmlns:a16="http://schemas.microsoft.com/office/drawing/2014/main" id="{3F21BD1A-C0DB-4604-449C-A115F86B74D3}"/>
+                <a16:creationId xmlns:a16="http://schemas.microsoft.com/office/drawing/2014/main" xmlns="" id="{3F21BD1A-C0DB-4604-449C-A115F86B74D3}"/>
               </a:ext>
             </a:extLst>
           </p:cNvPr>
@@ -6878,7 +6880,7 @@
           <p:cNvPr id="24" name="椭圆 23">
             <a:extLst>
               <a:ext uri="{FF2B5EF4-FFF2-40B4-BE49-F238E27FC236}">
-                <a16:creationId xmlns:a16="http://schemas.microsoft.com/office/drawing/2014/main" id="{153EDE49-BF0B-3BFF-8FAE-EA9476EE1014}"/>
+                <a16:creationId xmlns:a16="http://schemas.microsoft.com/office/drawing/2014/main" xmlns="" id="{153EDE49-BF0B-3BFF-8FAE-EA9476EE1014}"/>
               </a:ext>
             </a:extLst>
           </p:cNvPr>
@@ -6938,7 +6940,7 @@
           <p:cNvPr id="25" name="椭圆 24">
             <a:extLst>
               <a:ext uri="{FF2B5EF4-FFF2-40B4-BE49-F238E27FC236}">
-                <a16:creationId xmlns:a16="http://schemas.microsoft.com/office/drawing/2014/main" id="{96E59006-D453-BDF9-72CE-BDDB3896D922}"/>
+                <a16:creationId xmlns:a16="http://schemas.microsoft.com/office/drawing/2014/main" xmlns="" id="{96E59006-D453-BDF9-72CE-BDDB3896D922}"/>
               </a:ext>
             </a:extLst>
           </p:cNvPr>
@@ -6998,7 +7000,7 @@
           <p:cNvPr id="26" name="椭圆 25">
             <a:extLst>
               <a:ext uri="{FF2B5EF4-FFF2-40B4-BE49-F238E27FC236}">
-                <a16:creationId xmlns:a16="http://schemas.microsoft.com/office/drawing/2014/main" id="{76DDE1EF-9352-BD67-F294-8E6E8429488F}"/>
+                <a16:creationId xmlns:a16="http://schemas.microsoft.com/office/drawing/2014/main" xmlns="" id="{76DDE1EF-9352-BD67-F294-8E6E8429488F}"/>
               </a:ext>
             </a:extLst>
           </p:cNvPr>
@@ -7058,7 +7060,7 @@
           <p:cNvPr id="6" name="Google Shape;74;p14">
             <a:extLst>
               <a:ext uri="{FF2B5EF4-FFF2-40B4-BE49-F238E27FC236}">
-                <a16:creationId xmlns:a16="http://schemas.microsoft.com/office/drawing/2014/main" id="{8ABB2948-CF7D-7BD6-14B8-367574244CB2}"/>
+                <a16:creationId xmlns:a16="http://schemas.microsoft.com/office/drawing/2014/main" xmlns="" id="{8ABB2948-CF7D-7BD6-14B8-367574244CB2}"/>
               </a:ext>
             </a:extLst>
           </p:cNvPr>
@@ -7092,7 +7094,7 @@
           <p:cNvPr id="7" name="Google Shape;75;p14">
             <a:extLst>
               <a:ext uri="{FF2B5EF4-FFF2-40B4-BE49-F238E27FC236}">
-                <a16:creationId xmlns:a16="http://schemas.microsoft.com/office/drawing/2014/main" id="{744D1F6B-EBF7-049C-9CBC-D2BD265B8DB5}"/>
+                <a16:creationId xmlns:a16="http://schemas.microsoft.com/office/drawing/2014/main" xmlns="" id="{744D1F6B-EBF7-049C-9CBC-D2BD265B8DB5}"/>
               </a:ext>
             </a:extLst>
           </p:cNvPr>
@@ -7126,7 +7128,7 @@
           <p:cNvPr id="8" name="Google Shape;76;p14">
             <a:extLst>
               <a:ext uri="{FF2B5EF4-FFF2-40B4-BE49-F238E27FC236}">
-                <a16:creationId xmlns:a16="http://schemas.microsoft.com/office/drawing/2014/main" id="{A0604560-830C-4AC9-3717-031AA48B5D45}"/>
+                <a16:creationId xmlns:a16="http://schemas.microsoft.com/office/drawing/2014/main" xmlns="" id="{A0604560-830C-4AC9-3717-031AA48B5D45}"/>
               </a:ext>
             </a:extLst>
           </p:cNvPr>
@@ -7160,7 +7162,7 @@
           <p:cNvPr id="9" name="Google Shape;77;p14">
             <a:extLst>
               <a:ext uri="{FF2B5EF4-FFF2-40B4-BE49-F238E27FC236}">
-                <a16:creationId xmlns:a16="http://schemas.microsoft.com/office/drawing/2014/main" id="{DC03C87C-87BB-A5EB-0D50-DDB31F93A6C2}"/>
+                <a16:creationId xmlns:a16="http://schemas.microsoft.com/office/drawing/2014/main" xmlns="" id="{DC03C87C-87BB-A5EB-0D50-DDB31F93A6C2}"/>
               </a:ext>
             </a:extLst>
           </p:cNvPr>
@@ -7194,7 +7196,7 @@
           <p:cNvPr id="10" name="Google Shape;78;p14">
             <a:extLst>
               <a:ext uri="{FF2B5EF4-FFF2-40B4-BE49-F238E27FC236}">
-                <a16:creationId xmlns:a16="http://schemas.microsoft.com/office/drawing/2014/main" id="{281D3DED-9B64-E88B-FC5F-0C30B82A9484}"/>
+                <a16:creationId xmlns:a16="http://schemas.microsoft.com/office/drawing/2014/main" xmlns="" id="{281D3DED-9B64-E88B-FC5F-0C30B82A9484}"/>
               </a:ext>
             </a:extLst>
           </p:cNvPr>
@@ -7228,7 +7230,7 @@
           <p:cNvPr id="11" name="Google Shape;79;p14">
             <a:extLst>
               <a:ext uri="{FF2B5EF4-FFF2-40B4-BE49-F238E27FC236}">
-                <a16:creationId xmlns:a16="http://schemas.microsoft.com/office/drawing/2014/main" id="{0DAE55E6-D474-C395-BC84-8ACA3CE820A0}"/>
+                <a16:creationId xmlns:a16="http://schemas.microsoft.com/office/drawing/2014/main" xmlns="" id="{0DAE55E6-D474-C395-BC84-8ACA3CE820A0}"/>
               </a:ext>
             </a:extLst>
           </p:cNvPr>
@@ -7262,7 +7264,7 @@
           <p:cNvPr id="12" name="Google Shape;80;p14">
             <a:extLst>
               <a:ext uri="{FF2B5EF4-FFF2-40B4-BE49-F238E27FC236}">
-                <a16:creationId xmlns:a16="http://schemas.microsoft.com/office/drawing/2014/main" id="{3A5AAC50-9F06-A76F-B20B-35CF3612E825}"/>
+                <a16:creationId xmlns:a16="http://schemas.microsoft.com/office/drawing/2014/main" xmlns="" id="{3A5AAC50-9F06-A76F-B20B-35CF3612E825}"/>
               </a:ext>
             </a:extLst>
           </p:cNvPr>
@@ -7296,7 +7298,7 @@
           <p:cNvPr id="13" name="Google Shape;81;p14">
             <a:extLst>
               <a:ext uri="{FF2B5EF4-FFF2-40B4-BE49-F238E27FC236}">
-                <a16:creationId xmlns:a16="http://schemas.microsoft.com/office/drawing/2014/main" id="{F33B3BEC-1095-E464-2D03-703E55B0F8A0}"/>
+                <a16:creationId xmlns:a16="http://schemas.microsoft.com/office/drawing/2014/main" xmlns="" id="{F33B3BEC-1095-E464-2D03-703E55B0F8A0}"/>
               </a:ext>
             </a:extLst>
           </p:cNvPr>
@@ -7330,7 +7332,7 @@
           <p:cNvPr id="4" name="文本框 3">
             <a:extLst>
               <a:ext uri="{FF2B5EF4-FFF2-40B4-BE49-F238E27FC236}">
-                <a16:creationId xmlns:a16="http://schemas.microsoft.com/office/drawing/2014/main" id="{3E8E8225-E7B4-E598-7AEB-66BC2EF7864E}"/>
+                <a16:creationId xmlns:a16="http://schemas.microsoft.com/office/drawing/2014/main" xmlns="" id="{3E8E8225-E7B4-E598-7AEB-66BC2EF7864E}"/>
               </a:ext>
             </a:extLst>
           </p:cNvPr>
@@ -7410,7 +7412,7 @@
           <p:cNvPr id="2" name="标题 1">
             <a:extLst>
               <a:ext uri="{FF2B5EF4-FFF2-40B4-BE49-F238E27FC236}">
-                <a16:creationId xmlns:a16="http://schemas.microsoft.com/office/drawing/2014/main" id="{80796E82-7314-2FBE-2DE8-DDD70D4DF27E}"/>
+                <a16:creationId xmlns:a16="http://schemas.microsoft.com/office/drawing/2014/main" xmlns="" id="{80796E82-7314-2FBE-2DE8-DDD70D4DF27E}"/>
               </a:ext>
             </a:extLst>
           </p:cNvPr>
@@ -7459,7 +7461,7 @@
           <p:cNvPr id="5" name="椭圆 4">
             <a:extLst>
               <a:ext uri="{FF2B5EF4-FFF2-40B4-BE49-F238E27FC236}">
-                <a16:creationId xmlns:a16="http://schemas.microsoft.com/office/drawing/2014/main" id="{A020CC41-9901-5A10-06D8-1F19650A3A6A}"/>
+                <a16:creationId xmlns:a16="http://schemas.microsoft.com/office/drawing/2014/main" xmlns="" id="{A020CC41-9901-5A10-06D8-1F19650A3A6A}"/>
               </a:ext>
             </a:extLst>
           </p:cNvPr>
@@ -7511,7 +7513,7 @@
           <p:cNvPr id="19" name="Google Shape;73;p14">
             <a:extLst>
               <a:ext uri="{FF2B5EF4-FFF2-40B4-BE49-F238E27FC236}">
-                <a16:creationId xmlns:a16="http://schemas.microsoft.com/office/drawing/2014/main" id="{3442D827-BE6F-DFBF-3B15-223B2753D9E9}"/>
+                <a16:creationId xmlns:a16="http://schemas.microsoft.com/office/drawing/2014/main" xmlns="" id="{3442D827-BE6F-DFBF-3B15-223B2753D9E9}"/>
               </a:ext>
             </a:extLst>
           </p:cNvPr>
@@ -7545,7 +7547,7 @@
           <p:cNvPr id="6" name="Google Shape;74;p14">
             <a:extLst>
               <a:ext uri="{FF2B5EF4-FFF2-40B4-BE49-F238E27FC236}">
-                <a16:creationId xmlns:a16="http://schemas.microsoft.com/office/drawing/2014/main" id="{8ABB2948-CF7D-7BD6-14B8-367574244CB2}"/>
+                <a16:creationId xmlns:a16="http://schemas.microsoft.com/office/drawing/2014/main" xmlns="" id="{8ABB2948-CF7D-7BD6-14B8-367574244CB2}"/>
               </a:ext>
             </a:extLst>
           </p:cNvPr>
@@ -7579,7 +7581,7 @@
           <p:cNvPr id="7" name="Google Shape;75;p14">
             <a:extLst>
               <a:ext uri="{FF2B5EF4-FFF2-40B4-BE49-F238E27FC236}">
-                <a16:creationId xmlns:a16="http://schemas.microsoft.com/office/drawing/2014/main" id="{744D1F6B-EBF7-049C-9CBC-D2BD265B8DB5}"/>
+                <a16:creationId xmlns:a16="http://schemas.microsoft.com/office/drawing/2014/main" xmlns="" id="{744D1F6B-EBF7-049C-9CBC-D2BD265B8DB5}"/>
               </a:ext>
             </a:extLst>
           </p:cNvPr>
@@ -7613,7 +7615,7 @@
           <p:cNvPr id="8" name="Google Shape;76;p14">
             <a:extLst>
               <a:ext uri="{FF2B5EF4-FFF2-40B4-BE49-F238E27FC236}">
-                <a16:creationId xmlns:a16="http://schemas.microsoft.com/office/drawing/2014/main" id="{A0604560-830C-4AC9-3717-031AA48B5D45}"/>
+                <a16:creationId xmlns:a16="http://schemas.microsoft.com/office/drawing/2014/main" xmlns="" id="{A0604560-830C-4AC9-3717-031AA48B5D45}"/>
               </a:ext>
             </a:extLst>
           </p:cNvPr>
@@ -7647,7 +7649,7 @@
           <p:cNvPr id="9" name="Google Shape;77;p14">
             <a:extLst>
               <a:ext uri="{FF2B5EF4-FFF2-40B4-BE49-F238E27FC236}">
-                <a16:creationId xmlns:a16="http://schemas.microsoft.com/office/drawing/2014/main" id="{DC03C87C-87BB-A5EB-0D50-DDB31F93A6C2}"/>
+                <a16:creationId xmlns:a16="http://schemas.microsoft.com/office/drawing/2014/main" xmlns="" id="{DC03C87C-87BB-A5EB-0D50-DDB31F93A6C2}"/>
               </a:ext>
             </a:extLst>
           </p:cNvPr>
@@ -7681,7 +7683,7 @@
           <p:cNvPr id="10" name="Google Shape;78;p14">
             <a:extLst>
               <a:ext uri="{FF2B5EF4-FFF2-40B4-BE49-F238E27FC236}">
-                <a16:creationId xmlns:a16="http://schemas.microsoft.com/office/drawing/2014/main" id="{281D3DED-9B64-E88B-FC5F-0C30B82A9484}"/>
+                <a16:creationId xmlns:a16="http://schemas.microsoft.com/office/drawing/2014/main" xmlns="" id="{281D3DED-9B64-E88B-FC5F-0C30B82A9484}"/>
               </a:ext>
             </a:extLst>
           </p:cNvPr>
@@ -7715,7 +7717,7 @@
           <p:cNvPr id="11" name="Google Shape;79;p14">
             <a:extLst>
               <a:ext uri="{FF2B5EF4-FFF2-40B4-BE49-F238E27FC236}">
-                <a16:creationId xmlns:a16="http://schemas.microsoft.com/office/drawing/2014/main" id="{0DAE55E6-D474-C395-BC84-8ACA3CE820A0}"/>
+                <a16:creationId xmlns:a16="http://schemas.microsoft.com/office/drawing/2014/main" xmlns="" id="{0DAE55E6-D474-C395-BC84-8ACA3CE820A0}"/>
               </a:ext>
             </a:extLst>
           </p:cNvPr>
@@ -7749,7 +7751,7 @@
           <p:cNvPr id="12" name="Google Shape;80;p14">
             <a:extLst>
               <a:ext uri="{FF2B5EF4-FFF2-40B4-BE49-F238E27FC236}">
-                <a16:creationId xmlns:a16="http://schemas.microsoft.com/office/drawing/2014/main" id="{3A5AAC50-9F06-A76F-B20B-35CF3612E825}"/>
+                <a16:creationId xmlns:a16="http://schemas.microsoft.com/office/drawing/2014/main" xmlns="" id="{3A5AAC50-9F06-A76F-B20B-35CF3612E825}"/>
               </a:ext>
             </a:extLst>
           </p:cNvPr>
@@ -7783,7 +7785,7 @@
           <p:cNvPr id="13" name="Google Shape;81;p14">
             <a:extLst>
               <a:ext uri="{FF2B5EF4-FFF2-40B4-BE49-F238E27FC236}">
-                <a16:creationId xmlns:a16="http://schemas.microsoft.com/office/drawing/2014/main" id="{F33B3BEC-1095-E464-2D03-703E55B0F8A0}"/>
+                <a16:creationId xmlns:a16="http://schemas.microsoft.com/office/drawing/2014/main" xmlns="" id="{F33B3BEC-1095-E464-2D03-703E55B0F8A0}"/>
               </a:ext>
             </a:extLst>
           </p:cNvPr>
@@ -7817,7 +7819,7 @@
           <p:cNvPr id="4" name="文本框 3">
             <a:extLst>
               <a:ext uri="{FF2B5EF4-FFF2-40B4-BE49-F238E27FC236}">
-                <a16:creationId xmlns:a16="http://schemas.microsoft.com/office/drawing/2014/main" id="{3E8E8225-E7B4-E598-7AEB-66BC2EF7864E}"/>
+                <a16:creationId xmlns:a16="http://schemas.microsoft.com/office/drawing/2014/main" xmlns="" id="{3E8E8225-E7B4-E598-7AEB-66BC2EF7864E}"/>
               </a:ext>
             </a:extLst>
           </p:cNvPr>
@@ -7857,7 +7859,7 @@
           <p:cNvPr id="27" name="箭头: 五边形 26">
             <a:extLst>
               <a:ext uri="{FF2B5EF4-FFF2-40B4-BE49-F238E27FC236}">
-                <a16:creationId xmlns:a16="http://schemas.microsoft.com/office/drawing/2014/main" id="{E085494B-F842-4C01-038E-DB08191BB1BE}"/>
+                <a16:creationId xmlns:a16="http://schemas.microsoft.com/office/drawing/2014/main" xmlns="" id="{E085494B-F842-4C01-038E-DB08191BB1BE}"/>
               </a:ext>
             </a:extLst>
           </p:cNvPr>
@@ -7913,7 +7915,7 @@
           <p:cNvPr id="28" name="文本框 27">
             <a:extLst>
               <a:ext uri="{FF2B5EF4-FFF2-40B4-BE49-F238E27FC236}">
-                <a16:creationId xmlns:a16="http://schemas.microsoft.com/office/drawing/2014/main" id="{342B569A-49B6-3B3C-8998-DEDD42D51B66}"/>
+                <a16:creationId xmlns:a16="http://schemas.microsoft.com/office/drawing/2014/main" xmlns="" id="{342B569A-49B6-3B3C-8998-DEDD42D51B66}"/>
               </a:ext>
             </a:extLst>
           </p:cNvPr>
@@ -7949,7 +7951,7 @@
           <p:cNvPr id="29" name="箭头: 五边形 28">
             <a:extLst>
               <a:ext uri="{FF2B5EF4-FFF2-40B4-BE49-F238E27FC236}">
-                <a16:creationId xmlns:a16="http://schemas.microsoft.com/office/drawing/2014/main" id="{3523BFDC-8B96-7B81-3159-C26951EC2B7B}"/>
+                <a16:creationId xmlns:a16="http://schemas.microsoft.com/office/drawing/2014/main" xmlns="" id="{3523BFDC-8B96-7B81-3159-C26951EC2B7B}"/>
               </a:ext>
             </a:extLst>
           </p:cNvPr>
@@ -7996,7 +7998,7 @@
           <p:cNvPr id="30" name="文本框 29">
             <a:extLst>
               <a:ext uri="{FF2B5EF4-FFF2-40B4-BE49-F238E27FC236}">
-                <a16:creationId xmlns:a16="http://schemas.microsoft.com/office/drawing/2014/main" id="{082D8EAA-C93E-D6A9-69A4-C34D928A3F9E}"/>
+                <a16:creationId xmlns:a16="http://schemas.microsoft.com/office/drawing/2014/main" xmlns="" id="{082D8EAA-C93E-D6A9-69A4-C34D928A3F9E}"/>
               </a:ext>
             </a:extLst>
           </p:cNvPr>
@@ -8032,7 +8034,7 @@
           <p:cNvPr id="31" name="箭头: 五边形 30">
             <a:extLst>
               <a:ext uri="{FF2B5EF4-FFF2-40B4-BE49-F238E27FC236}">
-                <a16:creationId xmlns:a16="http://schemas.microsoft.com/office/drawing/2014/main" id="{4B9E0D9B-D17E-69E7-1F9A-99DE7710B7A1}"/>
+                <a16:creationId xmlns:a16="http://schemas.microsoft.com/office/drawing/2014/main" xmlns="" id="{4B9E0D9B-D17E-69E7-1F9A-99DE7710B7A1}"/>
               </a:ext>
             </a:extLst>
           </p:cNvPr>
@@ -8079,7 +8081,7 @@
           <p:cNvPr id="32" name="箭头: 五边形 31">
             <a:extLst>
               <a:ext uri="{FF2B5EF4-FFF2-40B4-BE49-F238E27FC236}">
-                <a16:creationId xmlns:a16="http://schemas.microsoft.com/office/drawing/2014/main" id="{1C58B850-E627-D01E-6544-6FC012CCC33C}"/>
+                <a16:creationId xmlns:a16="http://schemas.microsoft.com/office/drawing/2014/main" xmlns="" id="{1C58B850-E627-D01E-6544-6FC012CCC33C}"/>
               </a:ext>
             </a:extLst>
           </p:cNvPr>
@@ -8135,7 +8137,7 @@
           <p:cNvPr id="33" name="箭头: 五边形 32">
             <a:extLst>
               <a:ext uri="{FF2B5EF4-FFF2-40B4-BE49-F238E27FC236}">
-                <a16:creationId xmlns:a16="http://schemas.microsoft.com/office/drawing/2014/main" id="{C768AE66-F650-1A37-7440-B571549FE915}"/>
+                <a16:creationId xmlns:a16="http://schemas.microsoft.com/office/drawing/2014/main" xmlns="" id="{C768AE66-F650-1A37-7440-B571549FE915}"/>
               </a:ext>
             </a:extLst>
           </p:cNvPr>
@@ -8191,7 +8193,7 @@
           <p:cNvPr id="34" name="箭头: 五边形 33">
             <a:extLst>
               <a:ext uri="{FF2B5EF4-FFF2-40B4-BE49-F238E27FC236}">
-                <a16:creationId xmlns:a16="http://schemas.microsoft.com/office/drawing/2014/main" id="{C73CB313-5C49-648F-D809-8346206978D1}"/>
+                <a16:creationId xmlns:a16="http://schemas.microsoft.com/office/drawing/2014/main" xmlns="" id="{C73CB313-5C49-648F-D809-8346206978D1}"/>
               </a:ext>
             </a:extLst>
           </p:cNvPr>
@@ -8247,7 +8249,7 @@
           <p:cNvPr id="35" name="箭头: 五边形 34">
             <a:extLst>
               <a:ext uri="{FF2B5EF4-FFF2-40B4-BE49-F238E27FC236}">
-                <a16:creationId xmlns:a16="http://schemas.microsoft.com/office/drawing/2014/main" id="{FC836AD9-A293-8E3F-664B-E692D69616E5}"/>
+                <a16:creationId xmlns:a16="http://schemas.microsoft.com/office/drawing/2014/main" xmlns="" id="{FC836AD9-A293-8E3F-664B-E692D69616E5}"/>
               </a:ext>
             </a:extLst>
           </p:cNvPr>
@@ -8303,7 +8305,7 @@
           <p:cNvPr id="37" name="箭头: 五边形 36">
             <a:extLst>
               <a:ext uri="{FF2B5EF4-FFF2-40B4-BE49-F238E27FC236}">
-                <a16:creationId xmlns:a16="http://schemas.microsoft.com/office/drawing/2014/main" id="{05ECD475-37EE-63E8-E9E5-EF81A4619214}"/>
+                <a16:creationId xmlns:a16="http://schemas.microsoft.com/office/drawing/2014/main" xmlns="" id="{05ECD475-37EE-63E8-E9E5-EF81A4619214}"/>
               </a:ext>
             </a:extLst>
           </p:cNvPr>
@@ -8350,7 +8352,7 @@
           <p:cNvPr id="38" name="箭头: 五边形 37">
             <a:extLst>
               <a:ext uri="{FF2B5EF4-FFF2-40B4-BE49-F238E27FC236}">
-                <a16:creationId xmlns:a16="http://schemas.microsoft.com/office/drawing/2014/main" id="{A6B5F2C7-042E-A328-27E2-FE7EEBDB2BDD}"/>
+                <a16:creationId xmlns:a16="http://schemas.microsoft.com/office/drawing/2014/main" xmlns="" id="{A6B5F2C7-042E-A328-27E2-FE7EEBDB2BDD}"/>
               </a:ext>
             </a:extLst>
           </p:cNvPr>
@@ -8397,7 +8399,7 @@
           <p:cNvPr id="39" name="箭头: 五边形 38">
             <a:extLst>
               <a:ext uri="{FF2B5EF4-FFF2-40B4-BE49-F238E27FC236}">
-                <a16:creationId xmlns:a16="http://schemas.microsoft.com/office/drawing/2014/main" id="{2D55E881-1EC3-4110-7472-1065FE27C440}"/>
+                <a16:creationId xmlns:a16="http://schemas.microsoft.com/office/drawing/2014/main" xmlns="" id="{2D55E881-1EC3-4110-7472-1065FE27C440}"/>
               </a:ext>
             </a:extLst>
           </p:cNvPr>
@@ -8474,7 +8476,7 @@
           <p:cNvPr id="2" name="标题 1">
             <a:extLst>
               <a:ext uri="{FF2B5EF4-FFF2-40B4-BE49-F238E27FC236}">
-                <a16:creationId xmlns:a16="http://schemas.microsoft.com/office/drawing/2014/main" id="{80796E82-7314-2FBE-2DE8-DDD70D4DF27E}"/>
+                <a16:creationId xmlns:a16="http://schemas.microsoft.com/office/drawing/2014/main" xmlns="" id="{80796E82-7314-2FBE-2DE8-DDD70D4DF27E}"/>
               </a:ext>
             </a:extLst>
           </p:cNvPr>
@@ -8523,7 +8525,7 @@
           <p:cNvPr id="5" name="椭圆 4">
             <a:extLst>
               <a:ext uri="{FF2B5EF4-FFF2-40B4-BE49-F238E27FC236}">
-                <a16:creationId xmlns:a16="http://schemas.microsoft.com/office/drawing/2014/main" id="{A020CC41-9901-5A10-06D8-1F19650A3A6A}"/>
+                <a16:creationId xmlns:a16="http://schemas.microsoft.com/office/drawing/2014/main" xmlns="" id="{A020CC41-9901-5A10-06D8-1F19650A3A6A}"/>
               </a:ext>
             </a:extLst>
           </p:cNvPr>
@@ -8575,7 +8577,7 @@
           <p:cNvPr id="19" name="Google Shape;73;p14">
             <a:extLst>
               <a:ext uri="{FF2B5EF4-FFF2-40B4-BE49-F238E27FC236}">
-                <a16:creationId xmlns:a16="http://schemas.microsoft.com/office/drawing/2014/main" id="{3442D827-BE6F-DFBF-3B15-223B2753D9E9}"/>
+                <a16:creationId xmlns:a16="http://schemas.microsoft.com/office/drawing/2014/main" xmlns="" id="{3442D827-BE6F-DFBF-3B15-223B2753D9E9}"/>
               </a:ext>
             </a:extLst>
           </p:cNvPr>
@@ -8609,7 +8611,7 @@
           <p:cNvPr id="3" name="椭圆 2">
             <a:extLst>
               <a:ext uri="{FF2B5EF4-FFF2-40B4-BE49-F238E27FC236}">
-                <a16:creationId xmlns:a16="http://schemas.microsoft.com/office/drawing/2014/main" id="{6A049D51-9228-994D-60FB-A0B21405E162}"/>
+                <a16:creationId xmlns:a16="http://schemas.microsoft.com/office/drawing/2014/main" xmlns="" id="{6A049D51-9228-994D-60FB-A0B21405E162}"/>
               </a:ext>
             </a:extLst>
           </p:cNvPr>
@@ -8665,7 +8667,7 @@
           <p:cNvPr id="20" name="椭圆 19">
             <a:extLst>
               <a:ext uri="{FF2B5EF4-FFF2-40B4-BE49-F238E27FC236}">
-                <a16:creationId xmlns:a16="http://schemas.microsoft.com/office/drawing/2014/main" id="{1CB92BD5-35D8-92CB-D9E4-9F7E63F85095}"/>
+                <a16:creationId xmlns:a16="http://schemas.microsoft.com/office/drawing/2014/main" xmlns="" id="{1CB92BD5-35D8-92CB-D9E4-9F7E63F85095}"/>
               </a:ext>
             </a:extLst>
           </p:cNvPr>
@@ -8721,7 +8723,7 @@
           <p:cNvPr id="21" name="椭圆 20">
             <a:extLst>
               <a:ext uri="{FF2B5EF4-FFF2-40B4-BE49-F238E27FC236}">
-                <a16:creationId xmlns:a16="http://schemas.microsoft.com/office/drawing/2014/main" id="{CC0D471C-430C-0F88-B963-906AF37643E5}"/>
+                <a16:creationId xmlns:a16="http://schemas.microsoft.com/office/drawing/2014/main" xmlns="" id="{CC0D471C-430C-0F88-B963-906AF37643E5}"/>
               </a:ext>
             </a:extLst>
           </p:cNvPr>
@@ -8777,7 +8779,7 @@
           <p:cNvPr id="22" name="椭圆 21">
             <a:extLst>
               <a:ext uri="{FF2B5EF4-FFF2-40B4-BE49-F238E27FC236}">
-                <a16:creationId xmlns:a16="http://schemas.microsoft.com/office/drawing/2014/main" id="{ECCA1AA6-1921-4825-44D1-D03BE773AACC}"/>
+                <a16:creationId xmlns:a16="http://schemas.microsoft.com/office/drawing/2014/main" xmlns="" id="{ECCA1AA6-1921-4825-44D1-D03BE773AACC}"/>
               </a:ext>
             </a:extLst>
           </p:cNvPr>
@@ -8833,7 +8835,7 @@
           <p:cNvPr id="23" name="椭圆 22">
             <a:extLst>
               <a:ext uri="{FF2B5EF4-FFF2-40B4-BE49-F238E27FC236}">
-                <a16:creationId xmlns:a16="http://schemas.microsoft.com/office/drawing/2014/main" id="{3F21BD1A-C0DB-4604-449C-A115F86B74D3}"/>
+                <a16:creationId xmlns:a16="http://schemas.microsoft.com/office/drawing/2014/main" xmlns="" id="{3F21BD1A-C0DB-4604-449C-A115F86B74D3}"/>
               </a:ext>
             </a:extLst>
           </p:cNvPr>
@@ -8893,7 +8895,7 @@
           <p:cNvPr id="24" name="椭圆 23">
             <a:extLst>
               <a:ext uri="{FF2B5EF4-FFF2-40B4-BE49-F238E27FC236}">
-                <a16:creationId xmlns:a16="http://schemas.microsoft.com/office/drawing/2014/main" id="{153EDE49-BF0B-3BFF-8FAE-EA9476EE1014}"/>
+                <a16:creationId xmlns:a16="http://schemas.microsoft.com/office/drawing/2014/main" xmlns="" id="{153EDE49-BF0B-3BFF-8FAE-EA9476EE1014}"/>
               </a:ext>
             </a:extLst>
           </p:cNvPr>
@@ -8953,7 +8955,7 @@
           <p:cNvPr id="25" name="椭圆 24">
             <a:extLst>
               <a:ext uri="{FF2B5EF4-FFF2-40B4-BE49-F238E27FC236}">
-                <a16:creationId xmlns:a16="http://schemas.microsoft.com/office/drawing/2014/main" id="{96E59006-D453-BDF9-72CE-BDDB3896D922}"/>
+                <a16:creationId xmlns:a16="http://schemas.microsoft.com/office/drawing/2014/main" xmlns="" id="{96E59006-D453-BDF9-72CE-BDDB3896D922}"/>
               </a:ext>
             </a:extLst>
           </p:cNvPr>
@@ -9013,7 +9015,7 @@
           <p:cNvPr id="26" name="椭圆 25">
             <a:extLst>
               <a:ext uri="{FF2B5EF4-FFF2-40B4-BE49-F238E27FC236}">
-                <a16:creationId xmlns:a16="http://schemas.microsoft.com/office/drawing/2014/main" id="{76DDE1EF-9352-BD67-F294-8E6E8429488F}"/>
+                <a16:creationId xmlns:a16="http://schemas.microsoft.com/office/drawing/2014/main" xmlns="" id="{76DDE1EF-9352-BD67-F294-8E6E8429488F}"/>
               </a:ext>
             </a:extLst>
           </p:cNvPr>
@@ -9073,7 +9075,7 @@
           <p:cNvPr id="4" name="文本框 3">
             <a:extLst>
               <a:ext uri="{FF2B5EF4-FFF2-40B4-BE49-F238E27FC236}">
-                <a16:creationId xmlns:a16="http://schemas.microsoft.com/office/drawing/2014/main" id="{3E8E8225-E7B4-E598-7AEB-66BC2EF7864E}"/>
+                <a16:creationId xmlns:a16="http://schemas.microsoft.com/office/drawing/2014/main" xmlns="" id="{3E8E8225-E7B4-E598-7AEB-66BC2EF7864E}"/>
               </a:ext>
             </a:extLst>
           </p:cNvPr>
@@ -9123,7 +9125,7 @@
           <p:cNvPr id="27" name="Google Shape;74;p14">
             <a:extLst>
               <a:ext uri="{FF2B5EF4-FFF2-40B4-BE49-F238E27FC236}">
-                <a16:creationId xmlns:a16="http://schemas.microsoft.com/office/drawing/2014/main" id="{F001360C-F541-C9AF-53E6-BA5E50272227}"/>
+                <a16:creationId xmlns:a16="http://schemas.microsoft.com/office/drawing/2014/main" xmlns="" id="{F001360C-F541-C9AF-53E6-BA5E50272227}"/>
               </a:ext>
             </a:extLst>
           </p:cNvPr>
@@ -9157,7 +9159,7 @@
           <p:cNvPr id="28" name="Google Shape;75;p14">
             <a:extLst>
               <a:ext uri="{FF2B5EF4-FFF2-40B4-BE49-F238E27FC236}">
-                <a16:creationId xmlns:a16="http://schemas.microsoft.com/office/drawing/2014/main" id="{BC47DF63-D787-76FF-F6E1-924DB122ED98}"/>
+                <a16:creationId xmlns:a16="http://schemas.microsoft.com/office/drawing/2014/main" xmlns="" id="{BC47DF63-D787-76FF-F6E1-924DB122ED98}"/>
               </a:ext>
             </a:extLst>
           </p:cNvPr>
@@ -9191,7 +9193,7 @@
           <p:cNvPr id="29" name="Google Shape;76;p14">
             <a:extLst>
               <a:ext uri="{FF2B5EF4-FFF2-40B4-BE49-F238E27FC236}">
-                <a16:creationId xmlns:a16="http://schemas.microsoft.com/office/drawing/2014/main" id="{E6DB3436-E7A1-74A4-306B-891B37C2E2BC}"/>
+                <a16:creationId xmlns:a16="http://schemas.microsoft.com/office/drawing/2014/main" xmlns="" id="{E6DB3436-E7A1-74A4-306B-891B37C2E2BC}"/>
               </a:ext>
             </a:extLst>
           </p:cNvPr>
@@ -9225,7 +9227,7 @@
           <p:cNvPr id="30" name="Google Shape;77;p14">
             <a:extLst>
               <a:ext uri="{FF2B5EF4-FFF2-40B4-BE49-F238E27FC236}">
-                <a16:creationId xmlns:a16="http://schemas.microsoft.com/office/drawing/2014/main" id="{4732D7A8-7A22-D333-C97E-9E6837577A1F}"/>
+                <a16:creationId xmlns:a16="http://schemas.microsoft.com/office/drawing/2014/main" xmlns="" id="{4732D7A8-7A22-D333-C97E-9E6837577A1F}"/>
               </a:ext>
             </a:extLst>
           </p:cNvPr>
@@ -9259,7 +9261,7 @@
           <p:cNvPr id="31" name="Google Shape;78;p14">
             <a:extLst>
               <a:ext uri="{FF2B5EF4-FFF2-40B4-BE49-F238E27FC236}">
-                <a16:creationId xmlns:a16="http://schemas.microsoft.com/office/drawing/2014/main" id="{56A704A4-652B-FEB3-E4FD-002BB01DD9FD}"/>
+                <a16:creationId xmlns:a16="http://schemas.microsoft.com/office/drawing/2014/main" xmlns="" id="{56A704A4-652B-FEB3-E4FD-002BB01DD9FD}"/>
               </a:ext>
             </a:extLst>
           </p:cNvPr>
@@ -9293,7 +9295,7 @@
           <p:cNvPr id="32" name="Google Shape;79;p14">
             <a:extLst>
               <a:ext uri="{FF2B5EF4-FFF2-40B4-BE49-F238E27FC236}">
-                <a16:creationId xmlns:a16="http://schemas.microsoft.com/office/drawing/2014/main" id="{2B1EC5ED-8A2C-AFB1-031C-190E068ED4D4}"/>
+                <a16:creationId xmlns:a16="http://schemas.microsoft.com/office/drawing/2014/main" xmlns="" id="{2B1EC5ED-8A2C-AFB1-031C-190E068ED4D4}"/>
               </a:ext>
             </a:extLst>
           </p:cNvPr>
@@ -9327,7 +9329,7 @@
           <p:cNvPr id="33" name="Google Shape;80;p14">
             <a:extLst>
               <a:ext uri="{FF2B5EF4-FFF2-40B4-BE49-F238E27FC236}">
-                <a16:creationId xmlns:a16="http://schemas.microsoft.com/office/drawing/2014/main" id="{66CD08D3-5714-3526-9D5B-B8686C293498}"/>
+                <a16:creationId xmlns:a16="http://schemas.microsoft.com/office/drawing/2014/main" xmlns="" id="{66CD08D3-5714-3526-9D5B-B8686C293498}"/>
               </a:ext>
             </a:extLst>
           </p:cNvPr>
@@ -9361,7 +9363,7 @@
           <p:cNvPr id="34" name="Google Shape;81;p14">
             <a:extLst>
               <a:ext uri="{FF2B5EF4-FFF2-40B4-BE49-F238E27FC236}">
-                <a16:creationId xmlns:a16="http://schemas.microsoft.com/office/drawing/2014/main" id="{08D2C6F6-EC7E-991B-0ABD-435E54875096}"/>
+                <a16:creationId xmlns:a16="http://schemas.microsoft.com/office/drawing/2014/main" xmlns="" id="{08D2C6F6-EC7E-991B-0ABD-435E54875096}"/>
               </a:ext>
             </a:extLst>
           </p:cNvPr>
@@ -9395,7 +9397,7 @@
           <p:cNvPr id="35" name="箭头: 五边形 34">
             <a:extLst>
               <a:ext uri="{FF2B5EF4-FFF2-40B4-BE49-F238E27FC236}">
-                <a16:creationId xmlns:a16="http://schemas.microsoft.com/office/drawing/2014/main" id="{45CBFFAB-1872-D837-E2C6-E919DC9EBA01}"/>
+                <a16:creationId xmlns:a16="http://schemas.microsoft.com/office/drawing/2014/main" xmlns="" id="{45CBFFAB-1872-D837-E2C6-E919DC9EBA01}"/>
               </a:ext>
             </a:extLst>
           </p:cNvPr>
@@ -9442,7 +9444,7 @@
           <p:cNvPr id="36" name="箭头: 五边形 35">
             <a:extLst>
               <a:ext uri="{FF2B5EF4-FFF2-40B4-BE49-F238E27FC236}">
-                <a16:creationId xmlns:a16="http://schemas.microsoft.com/office/drawing/2014/main" id="{E1B40010-B40E-1B8F-1326-136C2A5B675C}"/>
+                <a16:creationId xmlns:a16="http://schemas.microsoft.com/office/drawing/2014/main" xmlns="" id="{E1B40010-B40E-1B8F-1326-136C2A5B675C}"/>
               </a:ext>
             </a:extLst>
           </p:cNvPr>
@@ -9498,7 +9500,7 @@
           <p:cNvPr id="37" name="箭头: 五边形 36">
             <a:extLst>
               <a:ext uri="{FF2B5EF4-FFF2-40B4-BE49-F238E27FC236}">
-                <a16:creationId xmlns:a16="http://schemas.microsoft.com/office/drawing/2014/main" id="{3D0F7E28-4B9F-42FB-3041-A660EACDA846}"/>
+                <a16:creationId xmlns:a16="http://schemas.microsoft.com/office/drawing/2014/main" xmlns="" id="{3D0F7E28-4B9F-42FB-3041-A660EACDA846}"/>
               </a:ext>
             </a:extLst>
           </p:cNvPr>
@@ -9554,7 +9556,7 @@
           <p:cNvPr id="38" name="箭头: 五边形 37">
             <a:extLst>
               <a:ext uri="{FF2B5EF4-FFF2-40B4-BE49-F238E27FC236}">
-                <a16:creationId xmlns:a16="http://schemas.microsoft.com/office/drawing/2014/main" id="{F2C895B2-888C-AE59-96AA-DC572DF8AECF}"/>
+                <a16:creationId xmlns:a16="http://schemas.microsoft.com/office/drawing/2014/main" xmlns="" id="{F2C895B2-888C-AE59-96AA-DC572DF8AECF}"/>
               </a:ext>
             </a:extLst>
           </p:cNvPr>
@@ -9610,7 +9612,7 @@
           <p:cNvPr id="39" name="箭头: 五边形 38">
             <a:extLst>
               <a:ext uri="{FF2B5EF4-FFF2-40B4-BE49-F238E27FC236}">
-                <a16:creationId xmlns:a16="http://schemas.microsoft.com/office/drawing/2014/main" id="{FE7171F9-6901-D35F-3EBF-EF312187A7B1}"/>
+                <a16:creationId xmlns:a16="http://schemas.microsoft.com/office/drawing/2014/main" xmlns="" id="{FE7171F9-6901-D35F-3EBF-EF312187A7B1}"/>
               </a:ext>
             </a:extLst>
           </p:cNvPr>
@@ -9666,7 +9668,7 @@
           <p:cNvPr id="40" name="箭头: 五边形 39">
             <a:extLst>
               <a:ext uri="{FF2B5EF4-FFF2-40B4-BE49-F238E27FC236}">
-                <a16:creationId xmlns:a16="http://schemas.microsoft.com/office/drawing/2014/main" id="{16B50CFD-37FF-2522-847C-ED21245232E4}"/>
+                <a16:creationId xmlns:a16="http://schemas.microsoft.com/office/drawing/2014/main" xmlns="" id="{16B50CFD-37FF-2522-847C-ED21245232E4}"/>
               </a:ext>
             </a:extLst>
           </p:cNvPr>
@@ -9713,7 +9715,7 @@
           <p:cNvPr id="41" name="箭头: 五边形 40">
             <a:extLst>
               <a:ext uri="{FF2B5EF4-FFF2-40B4-BE49-F238E27FC236}">
-                <a16:creationId xmlns:a16="http://schemas.microsoft.com/office/drawing/2014/main" id="{E064F493-09BD-2E6B-64E8-D8FB51398996}"/>
+                <a16:creationId xmlns:a16="http://schemas.microsoft.com/office/drawing/2014/main" xmlns="" id="{E064F493-09BD-2E6B-64E8-D8FB51398996}"/>
               </a:ext>
             </a:extLst>
           </p:cNvPr>
@@ -9760,7 +9762,7 @@
           <p:cNvPr id="42" name="箭头: 五边形 41">
             <a:extLst>
               <a:ext uri="{FF2B5EF4-FFF2-40B4-BE49-F238E27FC236}">
-                <a16:creationId xmlns:a16="http://schemas.microsoft.com/office/drawing/2014/main" id="{17EE7FAC-09DB-BC90-8147-28775EF08FEB}"/>
+                <a16:creationId xmlns:a16="http://schemas.microsoft.com/office/drawing/2014/main" xmlns="" id="{17EE7FAC-09DB-BC90-8147-28775EF08FEB}"/>
               </a:ext>
             </a:extLst>
           </p:cNvPr>
@@ -9837,7 +9839,7 @@
           <p:cNvPr id="2" name="标题 1">
             <a:extLst>
               <a:ext uri="{FF2B5EF4-FFF2-40B4-BE49-F238E27FC236}">
-                <a16:creationId xmlns:a16="http://schemas.microsoft.com/office/drawing/2014/main" id="{80796E82-7314-2FBE-2DE8-DDD70D4DF27E}"/>
+                <a16:creationId xmlns:a16="http://schemas.microsoft.com/office/drawing/2014/main" xmlns="" id="{80796E82-7314-2FBE-2DE8-DDD70D4DF27E}"/>
               </a:ext>
             </a:extLst>
           </p:cNvPr>
@@ -9886,7 +9888,7 @@
           <p:cNvPr id="5" name="椭圆 4">
             <a:extLst>
               <a:ext uri="{FF2B5EF4-FFF2-40B4-BE49-F238E27FC236}">
-                <a16:creationId xmlns:a16="http://schemas.microsoft.com/office/drawing/2014/main" id="{A020CC41-9901-5A10-06D8-1F19650A3A6A}"/>
+                <a16:creationId xmlns:a16="http://schemas.microsoft.com/office/drawing/2014/main" xmlns="" id="{A020CC41-9901-5A10-06D8-1F19650A3A6A}"/>
               </a:ext>
             </a:extLst>
           </p:cNvPr>
@@ -9938,7 +9940,7 @@
           <p:cNvPr id="19" name="Google Shape;73;p14">
             <a:extLst>
               <a:ext uri="{FF2B5EF4-FFF2-40B4-BE49-F238E27FC236}">
-                <a16:creationId xmlns:a16="http://schemas.microsoft.com/office/drawing/2014/main" id="{3442D827-BE6F-DFBF-3B15-223B2753D9E9}"/>
+                <a16:creationId xmlns:a16="http://schemas.microsoft.com/office/drawing/2014/main" xmlns="" id="{3442D827-BE6F-DFBF-3B15-223B2753D9E9}"/>
               </a:ext>
             </a:extLst>
           </p:cNvPr>
@@ -9972,7 +9974,7 @@
           <p:cNvPr id="6" name="Google Shape;74;p14">
             <a:extLst>
               <a:ext uri="{FF2B5EF4-FFF2-40B4-BE49-F238E27FC236}">
-                <a16:creationId xmlns:a16="http://schemas.microsoft.com/office/drawing/2014/main" id="{8ABB2948-CF7D-7BD6-14B8-367574244CB2}"/>
+                <a16:creationId xmlns:a16="http://schemas.microsoft.com/office/drawing/2014/main" xmlns="" id="{8ABB2948-CF7D-7BD6-14B8-367574244CB2}"/>
               </a:ext>
             </a:extLst>
           </p:cNvPr>
@@ -10006,7 +10008,7 @@
           <p:cNvPr id="7" name="Google Shape;75;p14">
             <a:extLst>
               <a:ext uri="{FF2B5EF4-FFF2-40B4-BE49-F238E27FC236}">
-                <a16:creationId xmlns:a16="http://schemas.microsoft.com/office/drawing/2014/main" id="{744D1F6B-EBF7-049C-9CBC-D2BD265B8DB5}"/>
+                <a16:creationId xmlns:a16="http://schemas.microsoft.com/office/drawing/2014/main" xmlns="" id="{744D1F6B-EBF7-049C-9CBC-D2BD265B8DB5}"/>
               </a:ext>
             </a:extLst>
           </p:cNvPr>
@@ -10040,7 +10042,7 @@
           <p:cNvPr id="8" name="Google Shape;76;p14">
             <a:extLst>
               <a:ext uri="{FF2B5EF4-FFF2-40B4-BE49-F238E27FC236}">
-                <a16:creationId xmlns:a16="http://schemas.microsoft.com/office/drawing/2014/main" id="{A0604560-830C-4AC9-3717-031AA48B5D45}"/>
+                <a16:creationId xmlns:a16="http://schemas.microsoft.com/office/drawing/2014/main" xmlns="" id="{A0604560-830C-4AC9-3717-031AA48B5D45}"/>
               </a:ext>
             </a:extLst>
           </p:cNvPr>
@@ -10074,7 +10076,7 @@
           <p:cNvPr id="9" name="Google Shape;77;p14">
             <a:extLst>
               <a:ext uri="{FF2B5EF4-FFF2-40B4-BE49-F238E27FC236}">
-                <a16:creationId xmlns:a16="http://schemas.microsoft.com/office/drawing/2014/main" id="{DC03C87C-87BB-A5EB-0D50-DDB31F93A6C2}"/>
+                <a16:creationId xmlns:a16="http://schemas.microsoft.com/office/drawing/2014/main" xmlns="" id="{DC03C87C-87BB-A5EB-0D50-DDB31F93A6C2}"/>
               </a:ext>
             </a:extLst>
           </p:cNvPr>
@@ -10108,7 +10110,7 @@
           <p:cNvPr id="10" name="Google Shape;78;p14">
             <a:extLst>
               <a:ext uri="{FF2B5EF4-FFF2-40B4-BE49-F238E27FC236}">
-                <a16:creationId xmlns:a16="http://schemas.microsoft.com/office/drawing/2014/main" id="{281D3DED-9B64-E88B-FC5F-0C30B82A9484}"/>
+                <a16:creationId xmlns:a16="http://schemas.microsoft.com/office/drawing/2014/main" xmlns="" id="{281D3DED-9B64-E88B-FC5F-0C30B82A9484}"/>
               </a:ext>
             </a:extLst>
           </p:cNvPr>
@@ -10142,7 +10144,7 @@
           <p:cNvPr id="11" name="Google Shape;79;p14">
             <a:extLst>
               <a:ext uri="{FF2B5EF4-FFF2-40B4-BE49-F238E27FC236}">
-                <a16:creationId xmlns:a16="http://schemas.microsoft.com/office/drawing/2014/main" id="{0DAE55E6-D474-C395-BC84-8ACA3CE820A0}"/>
+                <a16:creationId xmlns:a16="http://schemas.microsoft.com/office/drawing/2014/main" xmlns="" id="{0DAE55E6-D474-C395-BC84-8ACA3CE820A0}"/>
               </a:ext>
             </a:extLst>
           </p:cNvPr>
@@ -10176,7 +10178,7 @@
           <p:cNvPr id="12" name="Google Shape;80;p14">
             <a:extLst>
               <a:ext uri="{FF2B5EF4-FFF2-40B4-BE49-F238E27FC236}">
-                <a16:creationId xmlns:a16="http://schemas.microsoft.com/office/drawing/2014/main" id="{3A5AAC50-9F06-A76F-B20B-35CF3612E825}"/>
+                <a16:creationId xmlns:a16="http://schemas.microsoft.com/office/drawing/2014/main" xmlns="" id="{3A5AAC50-9F06-A76F-B20B-35CF3612E825}"/>
               </a:ext>
             </a:extLst>
           </p:cNvPr>
@@ -10210,7 +10212,7 @@
           <p:cNvPr id="13" name="Google Shape;81;p14">
             <a:extLst>
               <a:ext uri="{FF2B5EF4-FFF2-40B4-BE49-F238E27FC236}">
-                <a16:creationId xmlns:a16="http://schemas.microsoft.com/office/drawing/2014/main" id="{F33B3BEC-1095-E464-2D03-703E55B0F8A0}"/>
+                <a16:creationId xmlns:a16="http://schemas.microsoft.com/office/drawing/2014/main" xmlns="" id="{F33B3BEC-1095-E464-2D03-703E55B0F8A0}"/>
               </a:ext>
             </a:extLst>
           </p:cNvPr>
@@ -10244,7 +10246,7 @@
           <p:cNvPr id="4" name="文本框 3">
             <a:extLst>
               <a:ext uri="{FF2B5EF4-FFF2-40B4-BE49-F238E27FC236}">
-                <a16:creationId xmlns:a16="http://schemas.microsoft.com/office/drawing/2014/main" id="{3E8E8225-E7B4-E598-7AEB-66BC2EF7864E}"/>
+                <a16:creationId xmlns:a16="http://schemas.microsoft.com/office/drawing/2014/main" xmlns="" id="{3E8E8225-E7B4-E598-7AEB-66BC2EF7864E}"/>
               </a:ext>
             </a:extLst>
           </p:cNvPr>
@@ -10284,7 +10286,7 @@
           <p:cNvPr id="31" name="箭头: 五边形 30">
             <a:extLst>
               <a:ext uri="{FF2B5EF4-FFF2-40B4-BE49-F238E27FC236}">
-                <a16:creationId xmlns:a16="http://schemas.microsoft.com/office/drawing/2014/main" id="{4B9E0D9B-D17E-69E7-1F9A-99DE7710B7A1}"/>
+                <a16:creationId xmlns:a16="http://schemas.microsoft.com/office/drawing/2014/main" xmlns="" id="{4B9E0D9B-D17E-69E7-1F9A-99DE7710B7A1}"/>
               </a:ext>
             </a:extLst>
           </p:cNvPr>
@@ -10331,7 +10333,7 @@
           <p:cNvPr id="32" name="箭头: 五边形 31">
             <a:extLst>
               <a:ext uri="{FF2B5EF4-FFF2-40B4-BE49-F238E27FC236}">
-                <a16:creationId xmlns:a16="http://schemas.microsoft.com/office/drawing/2014/main" id="{1C58B850-E627-D01E-6544-6FC012CCC33C}"/>
+                <a16:creationId xmlns:a16="http://schemas.microsoft.com/office/drawing/2014/main" xmlns="" id="{1C58B850-E627-D01E-6544-6FC012CCC33C}"/>
               </a:ext>
             </a:extLst>
           </p:cNvPr>
@@ -10387,7 +10389,7 @@
           <p:cNvPr id="33" name="箭头: 五边形 32">
             <a:extLst>
               <a:ext uri="{FF2B5EF4-FFF2-40B4-BE49-F238E27FC236}">
-                <a16:creationId xmlns:a16="http://schemas.microsoft.com/office/drawing/2014/main" id="{C768AE66-F650-1A37-7440-B571549FE915}"/>
+                <a16:creationId xmlns:a16="http://schemas.microsoft.com/office/drawing/2014/main" xmlns="" id="{C768AE66-F650-1A37-7440-B571549FE915}"/>
               </a:ext>
             </a:extLst>
           </p:cNvPr>
@@ -10443,7 +10445,7 @@
           <p:cNvPr id="34" name="箭头: 五边形 33">
             <a:extLst>
               <a:ext uri="{FF2B5EF4-FFF2-40B4-BE49-F238E27FC236}">
-                <a16:creationId xmlns:a16="http://schemas.microsoft.com/office/drawing/2014/main" id="{C73CB313-5C49-648F-D809-8346206978D1}"/>
+                <a16:creationId xmlns:a16="http://schemas.microsoft.com/office/drawing/2014/main" xmlns="" id="{C73CB313-5C49-648F-D809-8346206978D1}"/>
               </a:ext>
             </a:extLst>
           </p:cNvPr>
@@ -10499,7 +10501,7 @@
           <p:cNvPr id="35" name="箭头: 五边形 34">
             <a:extLst>
               <a:ext uri="{FF2B5EF4-FFF2-40B4-BE49-F238E27FC236}">
-                <a16:creationId xmlns:a16="http://schemas.microsoft.com/office/drawing/2014/main" id="{FC836AD9-A293-8E3F-664B-E692D69616E5}"/>
+                <a16:creationId xmlns:a16="http://schemas.microsoft.com/office/drawing/2014/main" xmlns="" id="{FC836AD9-A293-8E3F-664B-E692D69616E5}"/>
               </a:ext>
             </a:extLst>
           </p:cNvPr>
@@ -10555,7 +10557,7 @@
           <p:cNvPr id="37" name="箭头: 五边形 36">
             <a:extLst>
               <a:ext uri="{FF2B5EF4-FFF2-40B4-BE49-F238E27FC236}">
-                <a16:creationId xmlns:a16="http://schemas.microsoft.com/office/drawing/2014/main" id="{05ECD475-37EE-63E8-E9E5-EF81A4619214}"/>
+                <a16:creationId xmlns:a16="http://schemas.microsoft.com/office/drawing/2014/main" xmlns="" id="{05ECD475-37EE-63E8-E9E5-EF81A4619214}"/>
               </a:ext>
             </a:extLst>
           </p:cNvPr>
@@ -10602,7 +10604,7 @@
           <p:cNvPr id="38" name="箭头: 五边形 37">
             <a:extLst>
               <a:ext uri="{FF2B5EF4-FFF2-40B4-BE49-F238E27FC236}">
-                <a16:creationId xmlns:a16="http://schemas.microsoft.com/office/drawing/2014/main" id="{A6B5F2C7-042E-A328-27E2-FE7EEBDB2BDD}"/>
+                <a16:creationId xmlns:a16="http://schemas.microsoft.com/office/drawing/2014/main" xmlns="" id="{A6B5F2C7-042E-A328-27E2-FE7EEBDB2BDD}"/>
               </a:ext>
             </a:extLst>
           </p:cNvPr>
@@ -10649,7 +10651,7 @@
           <p:cNvPr id="39" name="箭头: 五边形 38">
             <a:extLst>
               <a:ext uri="{FF2B5EF4-FFF2-40B4-BE49-F238E27FC236}">
-                <a16:creationId xmlns:a16="http://schemas.microsoft.com/office/drawing/2014/main" id="{2D55E881-1EC3-4110-7472-1065FE27C440}"/>
+                <a16:creationId xmlns:a16="http://schemas.microsoft.com/office/drawing/2014/main" xmlns="" id="{2D55E881-1EC3-4110-7472-1065FE27C440}"/>
               </a:ext>
             </a:extLst>
           </p:cNvPr>
@@ -10726,7 +10728,7 @@
           <p:cNvPr id="2" name="标题 1">
             <a:extLst>
               <a:ext uri="{FF2B5EF4-FFF2-40B4-BE49-F238E27FC236}">
-                <a16:creationId xmlns:a16="http://schemas.microsoft.com/office/drawing/2014/main" id="{80796E82-7314-2FBE-2DE8-DDD70D4DF27E}"/>
+                <a16:creationId xmlns:a16="http://schemas.microsoft.com/office/drawing/2014/main" xmlns="" id="{80796E82-7314-2FBE-2DE8-DDD70D4DF27E}"/>
               </a:ext>
             </a:extLst>
           </p:cNvPr>
@@ -10775,7 +10777,7 @@
           <p:cNvPr id="5" name="椭圆 4">
             <a:extLst>
               <a:ext uri="{FF2B5EF4-FFF2-40B4-BE49-F238E27FC236}">
-                <a16:creationId xmlns:a16="http://schemas.microsoft.com/office/drawing/2014/main" id="{A020CC41-9901-5A10-06D8-1F19650A3A6A}"/>
+                <a16:creationId xmlns:a16="http://schemas.microsoft.com/office/drawing/2014/main" xmlns="" id="{A020CC41-9901-5A10-06D8-1F19650A3A6A}"/>
               </a:ext>
             </a:extLst>
           </p:cNvPr>
@@ -10827,7 +10829,7 @@
           <p:cNvPr id="19" name="Google Shape;73;p14">
             <a:extLst>
               <a:ext uri="{FF2B5EF4-FFF2-40B4-BE49-F238E27FC236}">
-                <a16:creationId xmlns:a16="http://schemas.microsoft.com/office/drawing/2014/main" id="{3442D827-BE6F-DFBF-3B15-223B2753D9E9}"/>
+                <a16:creationId xmlns:a16="http://schemas.microsoft.com/office/drawing/2014/main" xmlns="" id="{3442D827-BE6F-DFBF-3B15-223B2753D9E9}"/>
               </a:ext>
             </a:extLst>
           </p:cNvPr>
@@ -10861,7 +10863,7 @@
           <p:cNvPr id="4" name="文本框 3">
             <a:extLst>
               <a:ext uri="{FF2B5EF4-FFF2-40B4-BE49-F238E27FC236}">
-                <a16:creationId xmlns:a16="http://schemas.microsoft.com/office/drawing/2014/main" id="{3E8E8225-E7B4-E598-7AEB-66BC2EF7864E}"/>
+                <a16:creationId xmlns:a16="http://schemas.microsoft.com/office/drawing/2014/main" xmlns="" id="{3E8E8225-E7B4-E598-7AEB-66BC2EF7864E}"/>
               </a:ext>
             </a:extLst>
           </p:cNvPr>
@@ -10911,7 +10913,7 @@
           <p:cNvPr id="22" name="椭圆 21">
             <a:extLst>
               <a:ext uri="{FF2B5EF4-FFF2-40B4-BE49-F238E27FC236}">
-                <a16:creationId xmlns:a16="http://schemas.microsoft.com/office/drawing/2014/main" id="{4E75EC5F-C5EA-EA42-7F36-03E60DC340EA}"/>
+                <a16:creationId xmlns:a16="http://schemas.microsoft.com/office/drawing/2014/main" xmlns="" id="{4E75EC5F-C5EA-EA42-7F36-03E60DC340EA}"/>
               </a:ext>
             </a:extLst>
           </p:cNvPr>
@@ -10967,7 +10969,7 @@
           <p:cNvPr id="23" name="椭圆 22">
             <a:extLst>
               <a:ext uri="{FF2B5EF4-FFF2-40B4-BE49-F238E27FC236}">
-                <a16:creationId xmlns:a16="http://schemas.microsoft.com/office/drawing/2014/main" id="{BA952E59-C089-7749-A0B7-A5088390FAB8}"/>
+                <a16:creationId xmlns:a16="http://schemas.microsoft.com/office/drawing/2014/main" xmlns="" id="{BA952E59-C089-7749-A0B7-A5088390FAB8}"/>
               </a:ext>
             </a:extLst>
           </p:cNvPr>
@@ -11023,7 +11025,7 @@
           <p:cNvPr id="24" name="椭圆 23">
             <a:extLst>
               <a:ext uri="{FF2B5EF4-FFF2-40B4-BE49-F238E27FC236}">
-                <a16:creationId xmlns:a16="http://schemas.microsoft.com/office/drawing/2014/main" id="{A4A4D5D7-187E-AE99-3C62-2864073C8838}"/>
+                <a16:creationId xmlns:a16="http://schemas.microsoft.com/office/drawing/2014/main" xmlns="" id="{A4A4D5D7-187E-AE99-3C62-2864073C8838}"/>
               </a:ext>
             </a:extLst>
           </p:cNvPr>
@@ -11083,7 +11085,7 @@
           <p:cNvPr id="25" name="椭圆 24">
             <a:extLst>
               <a:ext uri="{FF2B5EF4-FFF2-40B4-BE49-F238E27FC236}">
-                <a16:creationId xmlns:a16="http://schemas.microsoft.com/office/drawing/2014/main" id="{10CF8DA3-C49C-2BED-92B6-1728851E6352}"/>
+                <a16:creationId xmlns:a16="http://schemas.microsoft.com/office/drawing/2014/main" xmlns="" id="{10CF8DA3-C49C-2BED-92B6-1728851E6352}"/>
               </a:ext>
             </a:extLst>
           </p:cNvPr>
@@ -11143,7 +11145,7 @@
           <p:cNvPr id="3" name="矩形 2">
             <a:extLst>
               <a:ext uri="{FF2B5EF4-FFF2-40B4-BE49-F238E27FC236}">
-                <a16:creationId xmlns:a16="http://schemas.microsoft.com/office/drawing/2014/main" id="{E58FCDA4-B35B-B0FC-BF81-317243318E0C}"/>
+                <a16:creationId xmlns:a16="http://schemas.microsoft.com/office/drawing/2014/main" xmlns="" id="{E58FCDA4-B35B-B0FC-BF81-317243318E0C}"/>
               </a:ext>
             </a:extLst>
           </p:cNvPr>
@@ -11194,7 +11196,7 @@
           <p:cNvPr id="14" name="文本框 13">
             <a:extLst>
               <a:ext uri="{FF2B5EF4-FFF2-40B4-BE49-F238E27FC236}">
-                <a16:creationId xmlns:a16="http://schemas.microsoft.com/office/drawing/2014/main" id="{86C23270-8523-9E1F-9089-1BAE5BB2BA1E}"/>
+                <a16:creationId xmlns:a16="http://schemas.microsoft.com/office/drawing/2014/main" xmlns="" id="{86C23270-8523-9E1F-9089-1BAE5BB2BA1E}"/>
               </a:ext>
             </a:extLst>
           </p:cNvPr>
@@ -11233,7 +11235,7 @@
           <p:cNvPr id="28" name="Google Shape;95;p14">
             <a:extLst>
               <a:ext uri="{FF2B5EF4-FFF2-40B4-BE49-F238E27FC236}">
-                <a16:creationId xmlns:a16="http://schemas.microsoft.com/office/drawing/2014/main" id="{EEDC2338-19B0-9AEF-E3AB-A6669DB1AB3C}"/>
+                <a16:creationId xmlns:a16="http://schemas.microsoft.com/office/drawing/2014/main" xmlns="" id="{EEDC2338-19B0-9AEF-E3AB-A6669DB1AB3C}"/>
               </a:ext>
             </a:extLst>
           </p:cNvPr>
@@ -11278,7 +11280,7 @@
           <p:cNvPr id="30" name="Google Shape;95;p14">
             <a:extLst>
               <a:ext uri="{FF2B5EF4-FFF2-40B4-BE49-F238E27FC236}">
-                <a16:creationId xmlns:a16="http://schemas.microsoft.com/office/drawing/2014/main" id="{ED46A2FC-07A8-D7CB-1BD8-0E661350E51A}"/>
+                <a16:creationId xmlns:a16="http://schemas.microsoft.com/office/drawing/2014/main" xmlns="" id="{ED46A2FC-07A8-D7CB-1BD8-0E661350E51A}"/>
               </a:ext>
             </a:extLst>
           </p:cNvPr>
@@ -11323,7 +11325,7 @@
           <p:cNvPr id="40" name="Google Shape;95;p14">
             <a:extLst>
               <a:ext uri="{FF2B5EF4-FFF2-40B4-BE49-F238E27FC236}">
-                <a16:creationId xmlns:a16="http://schemas.microsoft.com/office/drawing/2014/main" id="{5C0D3D95-6875-4112-D7AD-10A524259CD9}"/>
+                <a16:creationId xmlns:a16="http://schemas.microsoft.com/office/drawing/2014/main" xmlns="" id="{5C0D3D95-6875-4112-D7AD-10A524259CD9}"/>
               </a:ext>
             </a:extLst>
           </p:cNvPr>
@@ -11368,7 +11370,7 @@
           <p:cNvPr id="36" name="Google Shape;95;p14">
             <a:extLst>
               <a:ext uri="{FF2B5EF4-FFF2-40B4-BE49-F238E27FC236}">
-                <a16:creationId xmlns:a16="http://schemas.microsoft.com/office/drawing/2014/main" id="{9E119CFD-5E2B-65ED-E815-3244ADC9A772}"/>
+                <a16:creationId xmlns:a16="http://schemas.microsoft.com/office/drawing/2014/main" xmlns="" id="{9E119CFD-5E2B-65ED-E815-3244ADC9A772}"/>
               </a:ext>
             </a:extLst>
           </p:cNvPr>
@@ -11413,7 +11415,7 @@
           <p:cNvPr id="41" name="Google Shape;95;p14">
             <a:extLst>
               <a:ext uri="{FF2B5EF4-FFF2-40B4-BE49-F238E27FC236}">
-                <a16:creationId xmlns:a16="http://schemas.microsoft.com/office/drawing/2014/main" id="{2EE8C164-4A50-6B68-5212-66A52AD354FF}"/>
+                <a16:creationId xmlns:a16="http://schemas.microsoft.com/office/drawing/2014/main" xmlns="" id="{2EE8C164-4A50-6B68-5212-66A52AD354FF}"/>
               </a:ext>
             </a:extLst>
           </p:cNvPr>
@@ -11458,7 +11460,7 @@
           <p:cNvPr id="42" name="文本框 41">
             <a:extLst>
               <a:ext uri="{FF2B5EF4-FFF2-40B4-BE49-F238E27FC236}">
-                <a16:creationId xmlns:a16="http://schemas.microsoft.com/office/drawing/2014/main" id="{30BA300D-7904-1EA9-E1AF-5BB52B9C2B3C}"/>
+                <a16:creationId xmlns:a16="http://schemas.microsoft.com/office/drawing/2014/main" xmlns="" id="{30BA300D-7904-1EA9-E1AF-5BB52B9C2B3C}"/>
               </a:ext>
             </a:extLst>
           </p:cNvPr>
@@ -11502,7 +11504,7 @@
           <p:cNvPr id="43" name="Google Shape;74;p14">
             <a:extLst>
               <a:ext uri="{FF2B5EF4-FFF2-40B4-BE49-F238E27FC236}">
-                <a16:creationId xmlns:a16="http://schemas.microsoft.com/office/drawing/2014/main" id="{E48899FC-526F-8B64-1631-CF40D6C5BAEC}"/>
+                <a16:creationId xmlns:a16="http://schemas.microsoft.com/office/drawing/2014/main" xmlns="" id="{E48899FC-526F-8B64-1631-CF40D6C5BAEC}"/>
               </a:ext>
             </a:extLst>
           </p:cNvPr>
@@ -11536,7 +11538,7 @@
           <p:cNvPr id="44" name="Google Shape;75;p14">
             <a:extLst>
               <a:ext uri="{FF2B5EF4-FFF2-40B4-BE49-F238E27FC236}">
-                <a16:creationId xmlns:a16="http://schemas.microsoft.com/office/drawing/2014/main" id="{088679CF-39C5-ECE6-59D7-27F53A9AB563}"/>
+                <a16:creationId xmlns:a16="http://schemas.microsoft.com/office/drawing/2014/main" xmlns="" id="{088679CF-39C5-ECE6-59D7-27F53A9AB563}"/>
               </a:ext>
             </a:extLst>
           </p:cNvPr>
@@ -11570,7 +11572,7 @@
           <p:cNvPr id="45" name="Google Shape;76;p14">
             <a:extLst>
               <a:ext uri="{FF2B5EF4-FFF2-40B4-BE49-F238E27FC236}">
-                <a16:creationId xmlns:a16="http://schemas.microsoft.com/office/drawing/2014/main" id="{AE138E72-5785-8C58-5E75-AFE4DE780F49}"/>
+                <a16:creationId xmlns:a16="http://schemas.microsoft.com/office/drawing/2014/main" xmlns="" id="{AE138E72-5785-8C58-5E75-AFE4DE780F49}"/>
               </a:ext>
             </a:extLst>
           </p:cNvPr>
@@ -11604,7 +11606,7 @@
           <p:cNvPr id="46" name="Google Shape;77;p14">
             <a:extLst>
               <a:ext uri="{FF2B5EF4-FFF2-40B4-BE49-F238E27FC236}">
-                <a16:creationId xmlns:a16="http://schemas.microsoft.com/office/drawing/2014/main" id="{66A469E8-3612-14E6-B23E-7FBEFD2A264F}"/>
+                <a16:creationId xmlns:a16="http://schemas.microsoft.com/office/drawing/2014/main" xmlns="" id="{66A469E8-3612-14E6-B23E-7FBEFD2A264F}"/>
               </a:ext>
             </a:extLst>
           </p:cNvPr>
@@ -11638,7 +11640,7 @@
           <p:cNvPr id="47" name="Google Shape;78;p14">
             <a:extLst>
               <a:ext uri="{FF2B5EF4-FFF2-40B4-BE49-F238E27FC236}">
-                <a16:creationId xmlns:a16="http://schemas.microsoft.com/office/drawing/2014/main" id="{BC96CA4D-3E93-F066-7EF4-6418372B4FCD}"/>
+                <a16:creationId xmlns:a16="http://schemas.microsoft.com/office/drawing/2014/main" xmlns="" id="{BC96CA4D-3E93-F066-7EF4-6418372B4FCD}"/>
               </a:ext>
             </a:extLst>
           </p:cNvPr>
@@ -11672,7 +11674,7 @@
           <p:cNvPr id="48" name="Google Shape;79;p14">
             <a:extLst>
               <a:ext uri="{FF2B5EF4-FFF2-40B4-BE49-F238E27FC236}">
-                <a16:creationId xmlns:a16="http://schemas.microsoft.com/office/drawing/2014/main" id="{ABE0846A-4C61-8491-DA0B-C55034726178}"/>
+                <a16:creationId xmlns:a16="http://schemas.microsoft.com/office/drawing/2014/main" xmlns="" id="{ABE0846A-4C61-8491-DA0B-C55034726178}"/>
               </a:ext>
             </a:extLst>
           </p:cNvPr>
@@ -11706,7 +11708,7 @@
           <p:cNvPr id="49" name="Google Shape;80;p14">
             <a:extLst>
               <a:ext uri="{FF2B5EF4-FFF2-40B4-BE49-F238E27FC236}">
-                <a16:creationId xmlns:a16="http://schemas.microsoft.com/office/drawing/2014/main" id="{B7F3B198-1A53-B78D-FABF-2828A0B7F923}"/>
+                <a16:creationId xmlns:a16="http://schemas.microsoft.com/office/drawing/2014/main" xmlns="" id="{B7F3B198-1A53-B78D-FABF-2828A0B7F923}"/>
               </a:ext>
             </a:extLst>
           </p:cNvPr>
@@ -11740,7 +11742,7 @@
           <p:cNvPr id="50" name="Google Shape;81;p14">
             <a:extLst>
               <a:ext uri="{FF2B5EF4-FFF2-40B4-BE49-F238E27FC236}">
-                <a16:creationId xmlns:a16="http://schemas.microsoft.com/office/drawing/2014/main" id="{4CBC555B-EEC2-5C97-BC99-4D39E31ADF7B}"/>
+                <a16:creationId xmlns:a16="http://schemas.microsoft.com/office/drawing/2014/main" xmlns="" id="{4CBC555B-EEC2-5C97-BC99-4D39E31ADF7B}"/>
               </a:ext>
             </a:extLst>
           </p:cNvPr>
@@ -11774,7 +11776,7 @@
           <p:cNvPr id="51" name="箭头: 五边形 50">
             <a:extLst>
               <a:ext uri="{FF2B5EF4-FFF2-40B4-BE49-F238E27FC236}">
-                <a16:creationId xmlns:a16="http://schemas.microsoft.com/office/drawing/2014/main" id="{A15E417E-5C3E-CBC1-B518-A7B4FB3DFA5F}"/>
+                <a16:creationId xmlns:a16="http://schemas.microsoft.com/office/drawing/2014/main" xmlns="" id="{A15E417E-5C3E-CBC1-B518-A7B4FB3DFA5F}"/>
               </a:ext>
             </a:extLst>
           </p:cNvPr>
@@ -11821,7 +11823,7 @@
           <p:cNvPr id="52" name="箭头: 五边形 51">
             <a:extLst>
               <a:ext uri="{FF2B5EF4-FFF2-40B4-BE49-F238E27FC236}">
-                <a16:creationId xmlns:a16="http://schemas.microsoft.com/office/drawing/2014/main" id="{3F990466-3C46-33F3-0E3C-1AC438764343}"/>
+                <a16:creationId xmlns:a16="http://schemas.microsoft.com/office/drawing/2014/main" xmlns="" id="{3F990466-3C46-33F3-0E3C-1AC438764343}"/>
               </a:ext>
             </a:extLst>
           </p:cNvPr>
@@ -11877,7 +11879,7 @@
           <p:cNvPr id="53" name="箭头: 五边形 52">
             <a:extLst>
               <a:ext uri="{FF2B5EF4-FFF2-40B4-BE49-F238E27FC236}">
-                <a16:creationId xmlns:a16="http://schemas.microsoft.com/office/drawing/2014/main" id="{82E481AF-A1FF-14F6-55A8-EF2C5038F04E}"/>
+                <a16:creationId xmlns:a16="http://schemas.microsoft.com/office/drawing/2014/main" xmlns="" id="{82E481AF-A1FF-14F6-55A8-EF2C5038F04E}"/>
               </a:ext>
             </a:extLst>
           </p:cNvPr>
@@ -11933,7 +11935,7 @@
           <p:cNvPr id="54" name="箭头: 五边形 53">
             <a:extLst>
               <a:ext uri="{FF2B5EF4-FFF2-40B4-BE49-F238E27FC236}">
-                <a16:creationId xmlns:a16="http://schemas.microsoft.com/office/drawing/2014/main" id="{0AB3C1ED-A3EF-0632-1FB9-9F2D89CE6389}"/>
+                <a16:creationId xmlns:a16="http://schemas.microsoft.com/office/drawing/2014/main" xmlns="" id="{0AB3C1ED-A3EF-0632-1FB9-9F2D89CE6389}"/>
               </a:ext>
             </a:extLst>
           </p:cNvPr>
@@ -11989,7 +11991,7 @@
           <p:cNvPr id="55" name="箭头: 五边形 54">
             <a:extLst>
               <a:ext uri="{FF2B5EF4-FFF2-40B4-BE49-F238E27FC236}">
-                <a16:creationId xmlns:a16="http://schemas.microsoft.com/office/drawing/2014/main" id="{97931E3B-652F-32D7-F2C2-5EDAC4D5B299}"/>
+                <a16:creationId xmlns:a16="http://schemas.microsoft.com/office/drawing/2014/main" xmlns="" id="{97931E3B-652F-32D7-F2C2-5EDAC4D5B299}"/>
               </a:ext>
             </a:extLst>
           </p:cNvPr>
@@ -12045,7 +12047,7 @@
           <p:cNvPr id="56" name="箭头: 五边形 55">
             <a:extLst>
               <a:ext uri="{FF2B5EF4-FFF2-40B4-BE49-F238E27FC236}">
-                <a16:creationId xmlns:a16="http://schemas.microsoft.com/office/drawing/2014/main" id="{BD53DE19-CAE1-79A8-2FA1-61C6E6E67D40}"/>
+                <a16:creationId xmlns:a16="http://schemas.microsoft.com/office/drawing/2014/main" xmlns="" id="{BD53DE19-CAE1-79A8-2FA1-61C6E6E67D40}"/>
               </a:ext>
             </a:extLst>
           </p:cNvPr>
@@ -12092,7 +12094,7 @@
           <p:cNvPr id="57" name="箭头: 五边形 56">
             <a:extLst>
               <a:ext uri="{FF2B5EF4-FFF2-40B4-BE49-F238E27FC236}">
-                <a16:creationId xmlns:a16="http://schemas.microsoft.com/office/drawing/2014/main" id="{54A7E9A7-A08E-D7A0-C9DD-95DEF8009AAF}"/>
+                <a16:creationId xmlns:a16="http://schemas.microsoft.com/office/drawing/2014/main" xmlns="" id="{54A7E9A7-A08E-D7A0-C9DD-95DEF8009AAF}"/>
               </a:ext>
             </a:extLst>
           </p:cNvPr>
@@ -12139,7 +12141,7 @@
           <p:cNvPr id="58" name="箭头: 五边形 57">
             <a:extLst>
               <a:ext uri="{FF2B5EF4-FFF2-40B4-BE49-F238E27FC236}">
-                <a16:creationId xmlns:a16="http://schemas.microsoft.com/office/drawing/2014/main" id="{17D488BC-2AD8-AA46-3898-7D1625A12033}"/>
+                <a16:creationId xmlns:a16="http://schemas.microsoft.com/office/drawing/2014/main" xmlns="" id="{17D488BC-2AD8-AA46-3898-7D1625A12033}"/>
               </a:ext>
             </a:extLst>
           </p:cNvPr>
@@ -12216,7 +12218,7 @@
           <p:cNvPr id="2" name="标题 1">
             <a:extLst>
               <a:ext uri="{FF2B5EF4-FFF2-40B4-BE49-F238E27FC236}">
-                <a16:creationId xmlns:a16="http://schemas.microsoft.com/office/drawing/2014/main" id="{80796E82-7314-2FBE-2DE8-DDD70D4DF27E}"/>
+                <a16:creationId xmlns:a16="http://schemas.microsoft.com/office/drawing/2014/main" xmlns="" id="{80796E82-7314-2FBE-2DE8-DDD70D4DF27E}"/>
               </a:ext>
             </a:extLst>
           </p:cNvPr>
@@ -12265,7 +12267,7 @@
           <p:cNvPr id="5" name="椭圆 4">
             <a:extLst>
               <a:ext uri="{FF2B5EF4-FFF2-40B4-BE49-F238E27FC236}">
-                <a16:creationId xmlns:a16="http://schemas.microsoft.com/office/drawing/2014/main" id="{A020CC41-9901-5A10-06D8-1F19650A3A6A}"/>
+                <a16:creationId xmlns:a16="http://schemas.microsoft.com/office/drawing/2014/main" xmlns="" id="{A020CC41-9901-5A10-06D8-1F19650A3A6A}"/>
               </a:ext>
             </a:extLst>
           </p:cNvPr>
@@ -12317,7 +12319,7 @@
           <p:cNvPr id="19" name="Google Shape;73;p14">
             <a:extLst>
               <a:ext uri="{FF2B5EF4-FFF2-40B4-BE49-F238E27FC236}">
-                <a16:creationId xmlns:a16="http://schemas.microsoft.com/office/drawing/2014/main" id="{3442D827-BE6F-DFBF-3B15-223B2753D9E9}"/>
+                <a16:creationId xmlns:a16="http://schemas.microsoft.com/office/drawing/2014/main" xmlns="" id="{3442D827-BE6F-DFBF-3B15-223B2753D9E9}"/>
               </a:ext>
             </a:extLst>
           </p:cNvPr>
@@ -12351,7 +12353,7 @@
           <p:cNvPr id="6" name="Google Shape;74;p14">
             <a:extLst>
               <a:ext uri="{FF2B5EF4-FFF2-40B4-BE49-F238E27FC236}">
-                <a16:creationId xmlns:a16="http://schemas.microsoft.com/office/drawing/2014/main" id="{8ABB2948-CF7D-7BD6-14B8-367574244CB2}"/>
+                <a16:creationId xmlns:a16="http://schemas.microsoft.com/office/drawing/2014/main" xmlns="" id="{8ABB2948-CF7D-7BD6-14B8-367574244CB2}"/>
               </a:ext>
             </a:extLst>
           </p:cNvPr>
@@ -12385,7 +12387,7 @@
           <p:cNvPr id="8" name="Google Shape;76;p14">
             <a:extLst>
               <a:ext uri="{FF2B5EF4-FFF2-40B4-BE49-F238E27FC236}">
-                <a16:creationId xmlns:a16="http://schemas.microsoft.com/office/drawing/2014/main" id="{A0604560-830C-4AC9-3717-031AA48B5D45}"/>
+                <a16:creationId xmlns:a16="http://schemas.microsoft.com/office/drawing/2014/main" xmlns="" id="{A0604560-830C-4AC9-3717-031AA48B5D45}"/>
               </a:ext>
             </a:extLst>
           </p:cNvPr>
@@ -12419,7 +12421,7 @@
           <p:cNvPr id="11" name="Google Shape;79;p14">
             <a:extLst>
               <a:ext uri="{FF2B5EF4-FFF2-40B4-BE49-F238E27FC236}">
-                <a16:creationId xmlns:a16="http://schemas.microsoft.com/office/drawing/2014/main" id="{0DAE55E6-D474-C395-BC84-8ACA3CE820A0}"/>
+                <a16:creationId xmlns:a16="http://schemas.microsoft.com/office/drawing/2014/main" xmlns="" id="{0DAE55E6-D474-C395-BC84-8ACA3CE820A0}"/>
               </a:ext>
             </a:extLst>
           </p:cNvPr>
@@ -12453,7 +12455,7 @@
           <p:cNvPr id="12" name="Google Shape;80;p14">
             <a:extLst>
               <a:ext uri="{FF2B5EF4-FFF2-40B4-BE49-F238E27FC236}">
-                <a16:creationId xmlns:a16="http://schemas.microsoft.com/office/drawing/2014/main" id="{3A5AAC50-9F06-A76F-B20B-35CF3612E825}"/>
+                <a16:creationId xmlns:a16="http://schemas.microsoft.com/office/drawing/2014/main" xmlns="" id="{3A5AAC50-9F06-A76F-B20B-35CF3612E825}"/>
               </a:ext>
             </a:extLst>
           </p:cNvPr>
@@ -12487,7 +12489,7 @@
           <p:cNvPr id="4" name="文本框 3">
             <a:extLst>
               <a:ext uri="{FF2B5EF4-FFF2-40B4-BE49-F238E27FC236}">
-                <a16:creationId xmlns:a16="http://schemas.microsoft.com/office/drawing/2014/main" id="{3E8E8225-E7B4-E598-7AEB-66BC2EF7864E}"/>
+                <a16:creationId xmlns:a16="http://schemas.microsoft.com/office/drawing/2014/main" xmlns="" id="{3E8E8225-E7B4-E598-7AEB-66BC2EF7864E}"/>
               </a:ext>
             </a:extLst>
           </p:cNvPr>
@@ -12527,7 +12529,7 @@
           <p:cNvPr id="31" name="箭头: 五边形 30">
             <a:extLst>
               <a:ext uri="{FF2B5EF4-FFF2-40B4-BE49-F238E27FC236}">
-                <a16:creationId xmlns:a16="http://schemas.microsoft.com/office/drawing/2014/main" id="{4B9E0D9B-D17E-69E7-1F9A-99DE7710B7A1}"/>
+                <a16:creationId xmlns:a16="http://schemas.microsoft.com/office/drawing/2014/main" xmlns="" id="{4B9E0D9B-D17E-69E7-1F9A-99DE7710B7A1}"/>
               </a:ext>
             </a:extLst>
           </p:cNvPr>
@@ -12574,7 +12576,7 @@
           <p:cNvPr id="33" name="箭头: 五边形 32">
             <a:extLst>
               <a:ext uri="{FF2B5EF4-FFF2-40B4-BE49-F238E27FC236}">
-                <a16:creationId xmlns:a16="http://schemas.microsoft.com/office/drawing/2014/main" id="{C768AE66-F650-1A37-7440-B571549FE915}"/>
+                <a16:creationId xmlns:a16="http://schemas.microsoft.com/office/drawing/2014/main" xmlns="" id="{C768AE66-F650-1A37-7440-B571549FE915}"/>
               </a:ext>
             </a:extLst>
           </p:cNvPr>
@@ -12630,7 +12632,7 @@
           <p:cNvPr id="35" name="箭头: 五边形 34">
             <a:extLst>
               <a:ext uri="{FF2B5EF4-FFF2-40B4-BE49-F238E27FC236}">
-                <a16:creationId xmlns:a16="http://schemas.microsoft.com/office/drawing/2014/main" id="{FC836AD9-A293-8E3F-664B-E692D69616E5}"/>
+                <a16:creationId xmlns:a16="http://schemas.microsoft.com/office/drawing/2014/main" xmlns="" id="{FC836AD9-A293-8E3F-664B-E692D69616E5}"/>
               </a:ext>
             </a:extLst>
           </p:cNvPr>
@@ -12686,7 +12688,7 @@
           <p:cNvPr id="37" name="箭头: 五边形 36">
             <a:extLst>
               <a:ext uri="{FF2B5EF4-FFF2-40B4-BE49-F238E27FC236}">
-                <a16:creationId xmlns:a16="http://schemas.microsoft.com/office/drawing/2014/main" id="{05ECD475-37EE-63E8-E9E5-EF81A4619214}"/>
+                <a16:creationId xmlns:a16="http://schemas.microsoft.com/office/drawing/2014/main" xmlns="" id="{05ECD475-37EE-63E8-E9E5-EF81A4619214}"/>
               </a:ext>
             </a:extLst>
           </p:cNvPr>
@@ -12733,7 +12735,7 @@
           <p:cNvPr id="30" name="Google Shape;75;p14">
             <a:extLst>
               <a:ext uri="{FF2B5EF4-FFF2-40B4-BE49-F238E27FC236}">
-                <a16:creationId xmlns:a16="http://schemas.microsoft.com/office/drawing/2014/main" id="{E8CD191A-BC20-B4B9-0F77-A770F7BFAC28}"/>
+                <a16:creationId xmlns:a16="http://schemas.microsoft.com/office/drawing/2014/main" xmlns="" id="{E8CD191A-BC20-B4B9-0F77-A770F7BFAC28}"/>
               </a:ext>
             </a:extLst>
           </p:cNvPr>
@@ -12767,7 +12769,7 @@
           <p:cNvPr id="36" name="Google Shape;77;p14">
             <a:extLst>
               <a:ext uri="{FF2B5EF4-FFF2-40B4-BE49-F238E27FC236}">
-                <a16:creationId xmlns:a16="http://schemas.microsoft.com/office/drawing/2014/main" id="{D2A03513-860E-AEB3-C60B-B28086582A81}"/>
+                <a16:creationId xmlns:a16="http://schemas.microsoft.com/office/drawing/2014/main" xmlns="" id="{D2A03513-860E-AEB3-C60B-B28086582A81}"/>
               </a:ext>
             </a:extLst>
           </p:cNvPr>
@@ -12801,7 +12803,7 @@
           <p:cNvPr id="40" name="Google Shape;78;p14">
             <a:extLst>
               <a:ext uri="{FF2B5EF4-FFF2-40B4-BE49-F238E27FC236}">
-                <a16:creationId xmlns:a16="http://schemas.microsoft.com/office/drawing/2014/main" id="{4192ED35-AB80-8468-99E1-C9A9BDA8A7D3}"/>
+                <a16:creationId xmlns:a16="http://schemas.microsoft.com/office/drawing/2014/main" xmlns="" id="{4192ED35-AB80-8468-99E1-C9A9BDA8A7D3}"/>
               </a:ext>
             </a:extLst>
           </p:cNvPr>
@@ -12835,7 +12837,7 @@
           <p:cNvPr id="41" name="Google Shape;81;p14">
             <a:extLst>
               <a:ext uri="{FF2B5EF4-FFF2-40B4-BE49-F238E27FC236}">
-                <a16:creationId xmlns:a16="http://schemas.microsoft.com/office/drawing/2014/main" id="{C0FC87F9-1543-0D73-36B0-9CD905C3E530}"/>
+                <a16:creationId xmlns:a16="http://schemas.microsoft.com/office/drawing/2014/main" xmlns="" id="{C0FC87F9-1543-0D73-36B0-9CD905C3E530}"/>
               </a:ext>
             </a:extLst>
           </p:cNvPr>
@@ -12869,7 +12871,7 @@
           <p:cNvPr id="42" name="箭头: 五边形 41">
             <a:extLst>
               <a:ext uri="{FF2B5EF4-FFF2-40B4-BE49-F238E27FC236}">
-                <a16:creationId xmlns:a16="http://schemas.microsoft.com/office/drawing/2014/main" id="{7EBEF984-F98B-ADD1-3CDC-6AB1174A8D83}"/>
+                <a16:creationId xmlns:a16="http://schemas.microsoft.com/office/drawing/2014/main" xmlns="" id="{7EBEF984-F98B-ADD1-3CDC-6AB1174A8D83}"/>
               </a:ext>
             </a:extLst>
           </p:cNvPr>
@@ -12925,7 +12927,7 @@
           <p:cNvPr id="43" name="箭头: 五边形 42">
             <a:extLst>
               <a:ext uri="{FF2B5EF4-FFF2-40B4-BE49-F238E27FC236}">
-                <a16:creationId xmlns:a16="http://schemas.microsoft.com/office/drawing/2014/main" id="{35BD309B-9ECD-3FBE-FBC4-1E1A07BE57C7}"/>
+                <a16:creationId xmlns:a16="http://schemas.microsoft.com/office/drawing/2014/main" xmlns="" id="{35BD309B-9ECD-3FBE-FBC4-1E1A07BE57C7}"/>
               </a:ext>
             </a:extLst>
           </p:cNvPr>
@@ -12981,7 +12983,7 @@
           <p:cNvPr id="44" name="箭头: 五边形 43">
             <a:extLst>
               <a:ext uri="{FF2B5EF4-FFF2-40B4-BE49-F238E27FC236}">
-                <a16:creationId xmlns:a16="http://schemas.microsoft.com/office/drawing/2014/main" id="{15FD29AB-A713-CB93-D601-DC1B84060FE1}"/>
+                <a16:creationId xmlns:a16="http://schemas.microsoft.com/office/drawing/2014/main" xmlns="" id="{15FD29AB-A713-CB93-D601-DC1B84060FE1}"/>
               </a:ext>
             </a:extLst>
           </p:cNvPr>
@@ -13028,7 +13030,7 @@
           <p:cNvPr id="45" name="箭头: 五边形 44">
             <a:extLst>
               <a:ext uri="{FF2B5EF4-FFF2-40B4-BE49-F238E27FC236}">
-                <a16:creationId xmlns:a16="http://schemas.microsoft.com/office/drawing/2014/main" id="{985479B4-7D41-B26B-85E4-9E2F0030D890}"/>
+                <a16:creationId xmlns:a16="http://schemas.microsoft.com/office/drawing/2014/main" xmlns="" id="{985479B4-7D41-B26B-85E4-9E2F0030D890}"/>
               </a:ext>
             </a:extLst>
           </p:cNvPr>
@@ -14202,7 +14204,7 @@
           <p:cNvPr id="41" name="椭圆 40">
             <a:extLst>
               <a:ext uri="{FF2B5EF4-FFF2-40B4-BE49-F238E27FC236}">
-                <a16:creationId xmlns:a16="http://schemas.microsoft.com/office/drawing/2014/main" id="{94C17F89-4022-3282-1B5A-F455F1578F55}"/>
+                <a16:creationId xmlns:a16="http://schemas.microsoft.com/office/drawing/2014/main" xmlns="" id="{94C17F89-4022-3282-1B5A-F455F1578F55}"/>
               </a:ext>
             </a:extLst>
           </p:cNvPr>
@@ -14254,7 +14256,7 @@
           <p:cNvPr id="42" name="Google Shape;85;p14">
             <a:extLst>
               <a:ext uri="{FF2B5EF4-FFF2-40B4-BE49-F238E27FC236}">
-                <a16:creationId xmlns:a16="http://schemas.microsoft.com/office/drawing/2014/main" id="{09D17530-BFD0-53F3-E337-2F4C46CDEEBD}"/>
+                <a16:creationId xmlns:a16="http://schemas.microsoft.com/office/drawing/2014/main" xmlns="" id="{09D17530-BFD0-53F3-E337-2F4C46CDEEBD}"/>
               </a:ext>
             </a:extLst>
           </p:cNvPr>
@@ -14320,7 +14322,7 @@
           <p:cNvPr id="2" name="标题 1">
             <a:extLst>
               <a:ext uri="{FF2B5EF4-FFF2-40B4-BE49-F238E27FC236}">
-                <a16:creationId xmlns:a16="http://schemas.microsoft.com/office/drawing/2014/main" id="{80796E82-7314-2FBE-2DE8-DDD70D4DF27E}"/>
+                <a16:creationId xmlns:a16="http://schemas.microsoft.com/office/drawing/2014/main" xmlns="" id="{80796E82-7314-2FBE-2DE8-DDD70D4DF27E}"/>
               </a:ext>
             </a:extLst>
           </p:cNvPr>
@@ -14369,7 +14371,7 @@
           <p:cNvPr id="5" name="椭圆 4">
             <a:extLst>
               <a:ext uri="{FF2B5EF4-FFF2-40B4-BE49-F238E27FC236}">
-                <a16:creationId xmlns:a16="http://schemas.microsoft.com/office/drawing/2014/main" id="{A020CC41-9901-5A10-06D8-1F19650A3A6A}"/>
+                <a16:creationId xmlns:a16="http://schemas.microsoft.com/office/drawing/2014/main" xmlns="" id="{A020CC41-9901-5A10-06D8-1F19650A3A6A}"/>
               </a:ext>
             </a:extLst>
           </p:cNvPr>
@@ -14421,7 +14423,7 @@
           <p:cNvPr id="19" name="Google Shape;73;p14">
             <a:extLst>
               <a:ext uri="{FF2B5EF4-FFF2-40B4-BE49-F238E27FC236}">
-                <a16:creationId xmlns:a16="http://schemas.microsoft.com/office/drawing/2014/main" id="{3442D827-BE6F-DFBF-3B15-223B2753D9E9}"/>
+                <a16:creationId xmlns:a16="http://schemas.microsoft.com/office/drawing/2014/main" xmlns="" id="{3442D827-BE6F-DFBF-3B15-223B2753D9E9}"/>
               </a:ext>
             </a:extLst>
           </p:cNvPr>
@@ -14455,7 +14457,7 @@
           <p:cNvPr id="4" name="文本框 3">
             <a:extLst>
               <a:ext uri="{FF2B5EF4-FFF2-40B4-BE49-F238E27FC236}">
-                <a16:creationId xmlns:a16="http://schemas.microsoft.com/office/drawing/2014/main" id="{3E8E8225-E7B4-E598-7AEB-66BC2EF7864E}"/>
+                <a16:creationId xmlns:a16="http://schemas.microsoft.com/office/drawing/2014/main" xmlns="" id="{3E8E8225-E7B4-E598-7AEB-66BC2EF7864E}"/>
               </a:ext>
             </a:extLst>
           </p:cNvPr>
@@ -14495,7 +14497,7 @@
           <p:cNvPr id="32" name="椭圆 31">
             <a:extLst>
               <a:ext uri="{FF2B5EF4-FFF2-40B4-BE49-F238E27FC236}">
-                <a16:creationId xmlns:a16="http://schemas.microsoft.com/office/drawing/2014/main" id="{7C1E3AD7-2822-E440-E62A-F1A4C70A8067}"/>
+                <a16:creationId xmlns:a16="http://schemas.microsoft.com/office/drawing/2014/main" xmlns="" id="{7C1E3AD7-2822-E440-E62A-F1A4C70A8067}"/>
               </a:ext>
             </a:extLst>
           </p:cNvPr>
@@ -14551,7 +14553,7 @@
           <p:cNvPr id="34" name="椭圆 33">
             <a:extLst>
               <a:ext uri="{FF2B5EF4-FFF2-40B4-BE49-F238E27FC236}">
-                <a16:creationId xmlns:a16="http://schemas.microsoft.com/office/drawing/2014/main" id="{C692896F-F031-2107-F5D8-57735A94BD39}"/>
+                <a16:creationId xmlns:a16="http://schemas.microsoft.com/office/drawing/2014/main" xmlns="" id="{C692896F-F031-2107-F5D8-57735A94BD39}"/>
               </a:ext>
             </a:extLst>
           </p:cNvPr>
@@ -14607,7 +14609,7 @@
           <p:cNvPr id="38" name="椭圆 37">
             <a:extLst>
               <a:ext uri="{FF2B5EF4-FFF2-40B4-BE49-F238E27FC236}">
-                <a16:creationId xmlns:a16="http://schemas.microsoft.com/office/drawing/2014/main" id="{E7E11154-FE44-F1B3-5655-92B62D92F525}"/>
+                <a16:creationId xmlns:a16="http://schemas.microsoft.com/office/drawing/2014/main" xmlns="" id="{E7E11154-FE44-F1B3-5655-92B62D92F525}"/>
               </a:ext>
             </a:extLst>
           </p:cNvPr>
@@ -14667,7 +14669,7 @@
           <p:cNvPr id="39" name="椭圆 38">
             <a:extLst>
               <a:ext uri="{FF2B5EF4-FFF2-40B4-BE49-F238E27FC236}">
-                <a16:creationId xmlns:a16="http://schemas.microsoft.com/office/drawing/2014/main" id="{5A744988-2ECB-D75A-B760-C02F9B2F609B}"/>
+                <a16:creationId xmlns:a16="http://schemas.microsoft.com/office/drawing/2014/main" xmlns="" id="{5A744988-2ECB-D75A-B760-C02F9B2F609B}"/>
               </a:ext>
             </a:extLst>
           </p:cNvPr>
@@ -14727,7 +14729,7 @@
           <p:cNvPr id="6" name="Google Shape;74;p14">
             <a:extLst>
               <a:ext uri="{FF2B5EF4-FFF2-40B4-BE49-F238E27FC236}">
-                <a16:creationId xmlns:a16="http://schemas.microsoft.com/office/drawing/2014/main" id="{8ABB2948-CF7D-7BD6-14B8-367574244CB2}"/>
+                <a16:creationId xmlns:a16="http://schemas.microsoft.com/office/drawing/2014/main" xmlns="" id="{8ABB2948-CF7D-7BD6-14B8-367574244CB2}"/>
               </a:ext>
             </a:extLst>
           </p:cNvPr>
@@ -14761,7 +14763,7 @@
           <p:cNvPr id="8" name="Google Shape;76;p14">
             <a:extLst>
               <a:ext uri="{FF2B5EF4-FFF2-40B4-BE49-F238E27FC236}">
-                <a16:creationId xmlns:a16="http://schemas.microsoft.com/office/drawing/2014/main" id="{A0604560-830C-4AC9-3717-031AA48B5D45}"/>
+                <a16:creationId xmlns:a16="http://schemas.microsoft.com/office/drawing/2014/main" xmlns="" id="{A0604560-830C-4AC9-3717-031AA48B5D45}"/>
               </a:ext>
             </a:extLst>
           </p:cNvPr>
@@ -14795,7 +14797,7 @@
           <p:cNvPr id="11" name="Google Shape;79;p14">
             <a:extLst>
               <a:ext uri="{FF2B5EF4-FFF2-40B4-BE49-F238E27FC236}">
-                <a16:creationId xmlns:a16="http://schemas.microsoft.com/office/drawing/2014/main" id="{0DAE55E6-D474-C395-BC84-8ACA3CE820A0}"/>
+                <a16:creationId xmlns:a16="http://schemas.microsoft.com/office/drawing/2014/main" xmlns="" id="{0DAE55E6-D474-C395-BC84-8ACA3CE820A0}"/>
               </a:ext>
             </a:extLst>
           </p:cNvPr>
@@ -14829,7 +14831,7 @@
           <p:cNvPr id="12" name="Google Shape;80;p14">
             <a:extLst>
               <a:ext uri="{FF2B5EF4-FFF2-40B4-BE49-F238E27FC236}">
-                <a16:creationId xmlns:a16="http://schemas.microsoft.com/office/drawing/2014/main" id="{3A5AAC50-9F06-A76F-B20B-35CF3612E825}"/>
+                <a16:creationId xmlns:a16="http://schemas.microsoft.com/office/drawing/2014/main" xmlns="" id="{3A5AAC50-9F06-A76F-B20B-35CF3612E825}"/>
               </a:ext>
             </a:extLst>
           </p:cNvPr>
@@ -14863,7 +14865,7 @@
           <p:cNvPr id="31" name="箭头: 五边形 30">
             <a:extLst>
               <a:ext uri="{FF2B5EF4-FFF2-40B4-BE49-F238E27FC236}">
-                <a16:creationId xmlns:a16="http://schemas.microsoft.com/office/drawing/2014/main" id="{4B9E0D9B-D17E-69E7-1F9A-99DE7710B7A1}"/>
+                <a16:creationId xmlns:a16="http://schemas.microsoft.com/office/drawing/2014/main" xmlns="" id="{4B9E0D9B-D17E-69E7-1F9A-99DE7710B7A1}"/>
               </a:ext>
             </a:extLst>
           </p:cNvPr>
@@ -14910,7 +14912,7 @@
           <p:cNvPr id="33" name="箭头: 五边形 32">
             <a:extLst>
               <a:ext uri="{FF2B5EF4-FFF2-40B4-BE49-F238E27FC236}">
-                <a16:creationId xmlns:a16="http://schemas.microsoft.com/office/drawing/2014/main" id="{C768AE66-F650-1A37-7440-B571549FE915}"/>
+                <a16:creationId xmlns:a16="http://schemas.microsoft.com/office/drawing/2014/main" xmlns="" id="{C768AE66-F650-1A37-7440-B571549FE915}"/>
               </a:ext>
             </a:extLst>
           </p:cNvPr>
@@ -14966,7 +14968,7 @@
           <p:cNvPr id="35" name="箭头: 五边形 34">
             <a:extLst>
               <a:ext uri="{FF2B5EF4-FFF2-40B4-BE49-F238E27FC236}">
-                <a16:creationId xmlns:a16="http://schemas.microsoft.com/office/drawing/2014/main" id="{FC836AD9-A293-8E3F-664B-E692D69616E5}"/>
+                <a16:creationId xmlns:a16="http://schemas.microsoft.com/office/drawing/2014/main" xmlns="" id="{FC836AD9-A293-8E3F-664B-E692D69616E5}"/>
               </a:ext>
             </a:extLst>
           </p:cNvPr>
@@ -15022,7 +15024,7 @@
           <p:cNvPr id="37" name="箭头: 五边形 36">
             <a:extLst>
               <a:ext uri="{FF2B5EF4-FFF2-40B4-BE49-F238E27FC236}">
-                <a16:creationId xmlns:a16="http://schemas.microsoft.com/office/drawing/2014/main" id="{05ECD475-37EE-63E8-E9E5-EF81A4619214}"/>
+                <a16:creationId xmlns:a16="http://schemas.microsoft.com/office/drawing/2014/main" xmlns="" id="{05ECD475-37EE-63E8-E9E5-EF81A4619214}"/>
               </a:ext>
             </a:extLst>
           </p:cNvPr>
@@ -15069,7 +15071,7 @@
           <p:cNvPr id="30" name="Google Shape;75;p14">
             <a:extLst>
               <a:ext uri="{FF2B5EF4-FFF2-40B4-BE49-F238E27FC236}">
-                <a16:creationId xmlns:a16="http://schemas.microsoft.com/office/drawing/2014/main" id="{E8CD191A-BC20-B4B9-0F77-A770F7BFAC28}"/>
+                <a16:creationId xmlns:a16="http://schemas.microsoft.com/office/drawing/2014/main" xmlns="" id="{E8CD191A-BC20-B4B9-0F77-A770F7BFAC28}"/>
               </a:ext>
             </a:extLst>
           </p:cNvPr>
@@ -15103,7 +15105,7 @@
           <p:cNvPr id="36" name="Google Shape;77;p14">
             <a:extLst>
               <a:ext uri="{FF2B5EF4-FFF2-40B4-BE49-F238E27FC236}">
-                <a16:creationId xmlns:a16="http://schemas.microsoft.com/office/drawing/2014/main" id="{D2A03513-860E-AEB3-C60B-B28086582A81}"/>
+                <a16:creationId xmlns:a16="http://schemas.microsoft.com/office/drawing/2014/main" xmlns="" id="{D2A03513-860E-AEB3-C60B-B28086582A81}"/>
               </a:ext>
             </a:extLst>
           </p:cNvPr>
@@ -15137,7 +15139,7 @@
           <p:cNvPr id="40" name="Google Shape;78;p14">
             <a:extLst>
               <a:ext uri="{FF2B5EF4-FFF2-40B4-BE49-F238E27FC236}">
-                <a16:creationId xmlns:a16="http://schemas.microsoft.com/office/drawing/2014/main" id="{4192ED35-AB80-8468-99E1-C9A9BDA8A7D3}"/>
+                <a16:creationId xmlns:a16="http://schemas.microsoft.com/office/drawing/2014/main" xmlns="" id="{4192ED35-AB80-8468-99E1-C9A9BDA8A7D3}"/>
               </a:ext>
             </a:extLst>
           </p:cNvPr>
@@ -15171,7 +15173,7 @@
           <p:cNvPr id="41" name="Google Shape;81;p14">
             <a:extLst>
               <a:ext uri="{FF2B5EF4-FFF2-40B4-BE49-F238E27FC236}">
-                <a16:creationId xmlns:a16="http://schemas.microsoft.com/office/drawing/2014/main" id="{C0FC87F9-1543-0D73-36B0-9CD905C3E530}"/>
+                <a16:creationId xmlns:a16="http://schemas.microsoft.com/office/drawing/2014/main" xmlns="" id="{C0FC87F9-1543-0D73-36B0-9CD905C3E530}"/>
               </a:ext>
             </a:extLst>
           </p:cNvPr>
@@ -15205,7 +15207,7 @@
           <p:cNvPr id="42" name="箭头: 五边形 41">
             <a:extLst>
               <a:ext uri="{FF2B5EF4-FFF2-40B4-BE49-F238E27FC236}">
-                <a16:creationId xmlns:a16="http://schemas.microsoft.com/office/drawing/2014/main" id="{7EBEF984-F98B-ADD1-3CDC-6AB1174A8D83}"/>
+                <a16:creationId xmlns:a16="http://schemas.microsoft.com/office/drawing/2014/main" xmlns="" id="{7EBEF984-F98B-ADD1-3CDC-6AB1174A8D83}"/>
               </a:ext>
             </a:extLst>
           </p:cNvPr>
@@ -15261,7 +15263,7 @@
           <p:cNvPr id="43" name="箭头: 五边形 42">
             <a:extLst>
               <a:ext uri="{FF2B5EF4-FFF2-40B4-BE49-F238E27FC236}">
-                <a16:creationId xmlns:a16="http://schemas.microsoft.com/office/drawing/2014/main" id="{35BD309B-9ECD-3FBE-FBC4-1E1A07BE57C7}"/>
+                <a16:creationId xmlns:a16="http://schemas.microsoft.com/office/drawing/2014/main" xmlns="" id="{35BD309B-9ECD-3FBE-FBC4-1E1A07BE57C7}"/>
               </a:ext>
             </a:extLst>
           </p:cNvPr>
@@ -15317,7 +15319,7 @@
           <p:cNvPr id="44" name="箭头: 五边形 43">
             <a:extLst>
               <a:ext uri="{FF2B5EF4-FFF2-40B4-BE49-F238E27FC236}">
-                <a16:creationId xmlns:a16="http://schemas.microsoft.com/office/drawing/2014/main" id="{15FD29AB-A713-CB93-D601-DC1B84060FE1}"/>
+                <a16:creationId xmlns:a16="http://schemas.microsoft.com/office/drawing/2014/main" xmlns="" id="{15FD29AB-A713-CB93-D601-DC1B84060FE1}"/>
               </a:ext>
             </a:extLst>
           </p:cNvPr>
@@ -15364,7 +15366,7 @@
           <p:cNvPr id="45" name="箭头: 五边形 44">
             <a:extLst>
               <a:ext uri="{FF2B5EF4-FFF2-40B4-BE49-F238E27FC236}">
-                <a16:creationId xmlns:a16="http://schemas.microsoft.com/office/drawing/2014/main" id="{985479B4-7D41-B26B-85E4-9E2F0030D890}"/>
+                <a16:creationId xmlns:a16="http://schemas.microsoft.com/office/drawing/2014/main" xmlns="" id="{985479B4-7D41-B26B-85E4-9E2F0030D890}"/>
               </a:ext>
             </a:extLst>
           </p:cNvPr>
@@ -15441,7 +15443,7 @@
           <p:cNvPr id="2" name="标题 1">
             <a:extLst>
               <a:ext uri="{FF2B5EF4-FFF2-40B4-BE49-F238E27FC236}">
-                <a16:creationId xmlns:a16="http://schemas.microsoft.com/office/drawing/2014/main" id="{80796E82-7314-2FBE-2DE8-DDD70D4DF27E}"/>
+                <a16:creationId xmlns:a16="http://schemas.microsoft.com/office/drawing/2014/main" xmlns="" id="{80796E82-7314-2FBE-2DE8-DDD70D4DF27E}"/>
               </a:ext>
             </a:extLst>
           </p:cNvPr>
@@ -15490,7 +15492,7 @@
           <p:cNvPr id="4" name="文本框 3">
             <a:extLst>
               <a:ext uri="{FF2B5EF4-FFF2-40B4-BE49-F238E27FC236}">
-                <a16:creationId xmlns:a16="http://schemas.microsoft.com/office/drawing/2014/main" id="{3E8E8225-E7B4-E598-7AEB-66BC2EF7864E}"/>
+                <a16:creationId xmlns:a16="http://schemas.microsoft.com/office/drawing/2014/main" xmlns="" id="{3E8E8225-E7B4-E598-7AEB-66BC2EF7864E}"/>
               </a:ext>
             </a:extLst>
           </p:cNvPr>
@@ -15530,7 +15532,7 @@
           <p:cNvPr id="94" name="椭圆 93">
             <a:extLst>
               <a:ext uri="{FF2B5EF4-FFF2-40B4-BE49-F238E27FC236}">
-                <a16:creationId xmlns:a16="http://schemas.microsoft.com/office/drawing/2014/main" id="{8BEE0963-F39F-E799-5A6C-7DB2D9695EA3}"/>
+                <a16:creationId xmlns:a16="http://schemas.microsoft.com/office/drawing/2014/main" xmlns="" id="{8BEE0963-F39F-E799-5A6C-7DB2D9695EA3}"/>
               </a:ext>
             </a:extLst>
           </p:cNvPr>
@@ -15582,7 +15584,7 @@
           <p:cNvPr id="95" name="Google Shape;73;p14">
             <a:extLst>
               <a:ext uri="{FF2B5EF4-FFF2-40B4-BE49-F238E27FC236}">
-                <a16:creationId xmlns:a16="http://schemas.microsoft.com/office/drawing/2014/main" id="{728B4BED-4470-8B41-5F52-AEAB959AE86A}"/>
+                <a16:creationId xmlns:a16="http://schemas.microsoft.com/office/drawing/2014/main" xmlns="" id="{728B4BED-4470-8B41-5F52-AEAB959AE86A}"/>
               </a:ext>
             </a:extLst>
           </p:cNvPr>
@@ -15616,7 +15618,7 @@
           <p:cNvPr id="96" name="椭圆 95">
             <a:extLst>
               <a:ext uri="{FF2B5EF4-FFF2-40B4-BE49-F238E27FC236}">
-                <a16:creationId xmlns:a16="http://schemas.microsoft.com/office/drawing/2014/main" id="{AF996894-1BC8-7090-4657-FC54AE71EC7F}"/>
+                <a16:creationId xmlns:a16="http://schemas.microsoft.com/office/drawing/2014/main" xmlns="" id="{AF996894-1BC8-7090-4657-FC54AE71EC7F}"/>
               </a:ext>
             </a:extLst>
           </p:cNvPr>
@@ -15672,7 +15674,7 @@
           <p:cNvPr id="97" name="椭圆 96">
             <a:extLst>
               <a:ext uri="{FF2B5EF4-FFF2-40B4-BE49-F238E27FC236}">
-                <a16:creationId xmlns:a16="http://schemas.microsoft.com/office/drawing/2014/main" id="{61254F9E-C540-E155-7BDC-015D0038A8F2}"/>
+                <a16:creationId xmlns:a16="http://schemas.microsoft.com/office/drawing/2014/main" xmlns="" id="{61254F9E-C540-E155-7BDC-015D0038A8F2}"/>
               </a:ext>
             </a:extLst>
           </p:cNvPr>
@@ -15728,7 +15730,7 @@
           <p:cNvPr id="98" name="椭圆 97">
             <a:extLst>
               <a:ext uri="{FF2B5EF4-FFF2-40B4-BE49-F238E27FC236}">
-                <a16:creationId xmlns:a16="http://schemas.microsoft.com/office/drawing/2014/main" id="{67AC39F3-9E15-C508-9F79-5833BA9DCC7E}"/>
+                <a16:creationId xmlns:a16="http://schemas.microsoft.com/office/drawing/2014/main" xmlns="" id="{67AC39F3-9E15-C508-9F79-5833BA9DCC7E}"/>
               </a:ext>
             </a:extLst>
           </p:cNvPr>
@@ -15788,7 +15790,7 @@
           <p:cNvPr id="99" name="椭圆 98">
             <a:extLst>
               <a:ext uri="{FF2B5EF4-FFF2-40B4-BE49-F238E27FC236}">
-                <a16:creationId xmlns:a16="http://schemas.microsoft.com/office/drawing/2014/main" id="{7078CA09-5A9E-D1A8-A854-B30AB88523FD}"/>
+                <a16:creationId xmlns:a16="http://schemas.microsoft.com/office/drawing/2014/main" xmlns="" id="{7078CA09-5A9E-D1A8-A854-B30AB88523FD}"/>
               </a:ext>
             </a:extLst>
           </p:cNvPr>
@@ -15848,7 +15850,7 @@
           <p:cNvPr id="100" name="Google Shape;74;p14">
             <a:extLst>
               <a:ext uri="{FF2B5EF4-FFF2-40B4-BE49-F238E27FC236}">
-                <a16:creationId xmlns:a16="http://schemas.microsoft.com/office/drawing/2014/main" id="{2D6CB586-E89B-F20A-E516-58B36CEB1867}"/>
+                <a16:creationId xmlns:a16="http://schemas.microsoft.com/office/drawing/2014/main" xmlns="" id="{2D6CB586-E89B-F20A-E516-58B36CEB1867}"/>
               </a:ext>
             </a:extLst>
           </p:cNvPr>
@@ -15882,7 +15884,7 @@
           <p:cNvPr id="101" name="Google Shape;76;p14">
             <a:extLst>
               <a:ext uri="{FF2B5EF4-FFF2-40B4-BE49-F238E27FC236}">
-                <a16:creationId xmlns:a16="http://schemas.microsoft.com/office/drawing/2014/main" id="{320E54BE-9086-C596-8E30-5802E54EFB64}"/>
+                <a16:creationId xmlns:a16="http://schemas.microsoft.com/office/drawing/2014/main" xmlns="" id="{320E54BE-9086-C596-8E30-5802E54EFB64}"/>
               </a:ext>
             </a:extLst>
           </p:cNvPr>
@@ -15916,7 +15918,7 @@
           <p:cNvPr id="102" name="Google Shape;79;p14">
             <a:extLst>
               <a:ext uri="{FF2B5EF4-FFF2-40B4-BE49-F238E27FC236}">
-                <a16:creationId xmlns:a16="http://schemas.microsoft.com/office/drawing/2014/main" id="{2CB29429-3A6A-075E-E051-F2605E6CF72B}"/>
+                <a16:creationId xmlns:a16="http://schemas.microsoft.com/office/drawing/2014/main" xmlns="" id="{2CB29429-3A6A-075E-E051-F2605E6CF72B}"/>
               </a:ext>
             </a:extLst>
           </p:cNvPr>
@@ -15950,7 +15952,7 @@
           <p:cNvPr id="103" name="Google Shape;80;p14">
             <a:extLst>
               <a:ext uri="{FF2B5EF4-FFF2-40B4-BE49-F238E27FC236}">
-                <a16:creationId xmlns:a16="http://schemas.microsoft.com/office/drawing/2014/main" id="{87A8869F-6890-93EE-47C2-B6909C99470B}"/>
+                <a16:creationId xmlns:a16="http://schemas.microsoft.com/office/drawing/2014/main" xmlns="" id="{87A8869F-6890-93EE-47C2-B6909C99470B}"/>
               </a:ext>
             </a:extLst>
           </p:cNvPr>
@@ -15984,7 +15986,7 @@
           <p:cNvPr id="104" name="箭头: 五边形 103">
             <a:extLst>
               <a:ext uri="{FF2B5EF4-FFF2-40B4-BE49-F238E27FC236}">
-                <a16:creationId xmlns:a16="http://schemas.microsoft.com/office/drawing/2014/main" id="{FEE47AE7-C9FA-4144-87DD-8E8CA1F603A1}"/>
+                <a16:creationId xmlns:a16="http://schemas.microsoft.com/office/drawing/2014/main" xmlns="" id="{FEE47AE7-C9FA-4144-87DD-8E8CA1F603A1}"/>
               </a:ext>
             </a:extLst>
           </p:cNvPr>
@@ -16031,7 +16033,7 @@
           <p:cNvPr id="105" name="箭头: 五边形 104">
             <a:extLst>
               <a:ext uri="{FF2B5EF4-FFF2-40B4-BE49-F238E27FC236}">
-                <a16:creationId xmlns:a16="http://schemas.microsoft.com/office/drawing/2014/main" id="{125693EC-2137-4901-2D9F-CA02EFB6EC1C}"/>
+                <a16:creationId xmlns:a16="http://schemas.microsoft.com/office/drawing/2014/main" xmlns="" id="{125693EC-2137-4901-2D9F-CA02EFB6EC1C}"/>
               </a:ext>
             </a:extLst>
           </p:cNvPr>
@@ -16087,7 +16089,7 @@
           <p:cNvPr id="106" name="箭头: 五边形 105">
             <a:extLst>
               <a:ext uri="{FF2B5EF4-FFF2-40B4-BE49-F238E27FC236}">
-                <a16:creationId xmlns:a16="http://schemas.microsoft.com/office/drawing/2014/main" id="{0A75FABD-C11D-5BF2-CA28-79F84BEC2D52}"/>
+                <a16:creationId xmlns:a16="http://schemas.microsoft.com/office/drawing/2014/main" xmlns="" id="{0A75FABD-C11D-5BF2-CA28-79F84BEC2D52}"/>
               </a:ext>
             </a:extLst>
           </p:cNvPr>
@@ -16143,7 +16145,7 @@
           <p:cNvPr id="107" name="箭头: 五边形 106">
             <a:extLst>
               <a:ext uri="{FF2B5EF4-FFF2-40B4-BE49-F238E27FC236}">
-                <a16:creationId xmlns:a16="http://schemas.microsoft.com/office/drawing/2014/main" id="{94FFE1CA-95B6-5FB5-0E93-C32CA673CFB0}"/>
+                <a16:creationId xmlns:a16="http://schemas.microsoft.com/office/drawing/2014/main" xmlns="" id="{94FFE1CA-95B6-5FB5-0E93-C32CA673CFB0}"/>
               </a:ext>
             </a:extLst>
           </p:cNvPr>
@@ -16190,7 +16192,7 @@
           <p:cNvPr id="108" name="Google Shape;75;p14">
             <a:extLst>
               <a:ext uri="{FF2B5EF4-FFF2-40B4-BE49-F238E27FC236}">
-                <a16:creationId xmlns:a16="http://schemas.microsoft.com/office/drawing/2014/main" id="{C28BC135-A694-D736-05E2-392BAA6546C4}"/>
+                <a16:creationId xmlns:a16="http://schemas.microsoft.com/office/drawing/2014/main" xmlns="" id="{C28BC135-A694-D736-05E2-392BAA6546C4}"/>
               </a:ext>
             </a:extLst>
           </p:cNvPr>
@@ -16224,7 +16226,7 @@
           <p:cNvPr id="109" name="Google Shape;77;p14">
             <a:extLst>
               <a:ext uri="{FF2B5EF4-FFF2-40B4-BE49-F238E27FC236}">
-                <a16:creationId xmlns:a16="http://schemas.microsoft.com/office/drawing/2014/main" id="{26E64EC8-A00D-85A2-55E9-80371504FA45}"/>
+                <a16:creationId xmlns:a16="http://schemas.microsoft.com/office/drawing/2014/main" xmlns="" id="{26E64EC8-A00D-85A2-55E9-80371504FA45}"/>
               </a:ext>
             </a:extLst>
           </p:cNvPr>
@@ -16258,7 +16260,7 @@
           <p:cNvPr id="110" name="Google Shape;78;p14">
             <a:extLst>
               <a:ext uri="{FF2B5EF4-FFF2-40B4-BE49-F238E27FC236}">
-                <a16:creationId xmlns:a16="http://schemas.microsoft.com/office/drawing/2014/main" id="{3776E30B-813F-0863-0AAF-08F593A4A164}"/>
+                <a16:creationId xmlns:a16="http://schemas.microsoft.com/office/drawing/2014/main" xmlns="" id="{3776E30B-813F-0863-0AAF-08F593A4A164}"/>
               </a:ext>
             </a:extLst>
           </p:cNvPr>
@@ -16292,7 +16294,7 @@
           <p:cNvPr id="111" name="Google Shape;81;p14">
             <a:extLst>
               <a:ext uri="{FF2B5EF4-FFF2-40B4-BE49-F238E27FC236}">
-                <a16:creationId xmlns:a16="http://schemas.microsoft.com/office/drawing/2014/main" id="{4C069DC5-4186-0285-5D83-B8FFA739F050}"/>
+                <a16:creationId xmlns:a16="http://schemas.microsoft.com/office/drawing/2014/main" xmlns="" id="{4C069DC5-4186-0285-5D83-B8FFA739F050}"/>
               </a:ext>
             </a:extLst>
           </p:cNvPr>
@@ -16326,7 +16328,7 @@
           <p:cNvPr id="112" name="箭头: 五边形 111">
             <a:extLst>
               <a:ext uri="{FF2B5EF4-FFF2-40B4-BE49-F238E27FC236}">
-                <a16:creationId xmlns:a16="http://schemas.microsoft.com/office/drawing/2014/main" id="{7CD9D67F-B213-AAAA-9054-02755BE2146A}"/>
+                <a16:creationId xmlns:a16="http://schemas.microsoft.com/office/drawing/2014/main" xmlns="" id="{7CD9D67F-B213-AAAA-9054-02755BE2146A}"/>
               </a:ext>
             </a:extLst>
           </p:cNvPr>
@@ -16382,7 +16384,7 @@
           <p:cNvPr id="113" name="箭头: 五边形 112">
             <a:extLst>
               <a:ext uri="{FF2B5EF4-FFF2-40B4-BE49-F238E27FC236}">
-                <a16:creationId xmlns:a16="http://schemas.microsoft.com/office/drawing/2014/main" id="{F8AE02EB-01D9-FA19-B065-CCE211B6884B}"/>
+                <a16:creationId xmlns:a16="http://schemas.microsoft.com/office/drawing/2014/main" xmlns="" id="{F8AE02EB-01D9-FA19-B065-CCE211B6884B}"/>
               </a:ext>
             </a:extLst>
           </p:cNvPr>
@@ -16438,7 +16440,7 @@
           <p:cNvPr id="114" name="箭头: 五边形 113">
             <a:extLst>
               <a:ext uri="{FF2B5EF4-FFF2-40B4-BE49-F238E27FC236}">
-                <a16:creationId xmlns:a16="http://schemas.microsoft.com/office/drawing/2014/main" id="{CD3E578E-DF8A-1EA0-3438-736889E4F552}"/>
+                <a16:creationId xmlns:a16="http://schemas.microsoft.com/office/drawing/2014/main" xmlns="" id="{CD3E578E-DF8A-1EA0-3438-736889E4F552}"/>
               </a:ext>
             </a:extLst>
           </p:cNvPr>
@@ -16485,7 +16487,7 @@
           <p:cNvPr id="115" name="箭头: 五边形 114">
             <a:extLst>
               <a:ext uri="{FF2B5EF4-FFF2-40B4-BE49-F238E27FC236}">
-                <a16:creationId xmlns:a16="http://schemas.microsoft.com/office/drawing/2014/main" id="{F8C96D6D-C8E2-1DE1-7975-1FE461A07D04}"/>
+                <a16:creationId xmlns:a16="http://schemas.microsoft.com/office/drawing/2014/main" xmlns="" id="{F8C96D6D-C8E2-1DE1-7975-1FE461A07D04}"/>
               </a:ext>
             </a:extLst>
           </p:cNvPr>
@@ -16562,7 +16564,7 @@
           <p:cNvPr id="2" name="标题 1">
             <a:extLst>
               <a:ext uri="{FF2B5EF4-FFF2-40B4-BE49-F238E27FC236}">
-                <a16:creationId xmlns:a16="http://schemas.microsoft.com/office/drawing/2014/main" id="{80796E82-7314-2FBE-2DE8-DDD70D4DF27E}"/>
+                <a16:creationId xmlns:a16="http://schemas.microsoft.com/office/drawing/2014/main" xmlns="" id="{80796E82-7314-2FBE-2DE8-DDD70D4DF27E}"/>
               </a:ext>
             </a:extLst>
           </p:cNvPr>
@@ -16611,7 +16613,7 @@
           <p:cNvPr id="4" name="文本框 3">
             <a:extLst>
               <a:ext uri="{FF2B5EF4-FFF2-40B4-BE49-F238E27FC236}">
-                <a16:creationId xmlns:a16="http://schemas.microsoft.com/office/drawing/2014/main" id="{3E8E8225-E7B4-E598-7AEB-66BC2EF7864E}"/>
+                <a16:creationId xmlns:a16="http://schemas.microsoft.com/office/drawing/2014/main" xmlns="" id="{3E8E8225-E7B4-E598-7AEB-66BC2EF7864E}"/>
               </a:ext>
             </a:extLst>
           </p:cNvPr>
@@ -16651,7 +16653,7 @@
           <p:cNvPr id="94" name="椭圆 93">
             <a:extLst>
               <a:ext uri="{FF2B5EF4-FFF2-40B4-BE49-F238E27FC236}">
-                <a16:creationId xmlns:a16="http://schemas.microsoft.com/office/drawing/2014/main" id="{8BEE0963-F39F-E799-5A6C-7DB2D9695EA3}"/>
+                <a16:creationId xmlns:a16="http://schemas.microsoft.com/office/drawing/2014/main" xmlns="" id="{8BEE0963-F39F-E799-5A6C-7DB2D9695EA3}"/>
               </a:ext>
             </a:extLst>
           </p:cNvPr>
@@ -16703,7 +16705,7 @@
           <p:cNvPr id="95" name="Google Shape;73;p14">
             <a:extLst>
               <a:ext uri="{FF2B5EF4-FFF2-40B4-BE49-F238E27FC236}">
-                <a16:creationId xmlns:a16="http://schemas.microsoft.com/office/drawing/2014/main" id="{728B4BED-4470-8B41-5F52-AEAB959AE86A}"/>
+                <a16:creationId xmlns:a16="http://schemas.microsoft.com/office/drawing/2014/main" xmlns="" id="{728B4BED-4470-8B41-5F52-AEAB959AE86A}"/>
               </a:ext>
             </a:extLst>
           </p:cNvPr>
@@ -16737,7 +16739,7 @@
           <p:cNvPr id="100" name="Google Shape;74;p14">
             <a:extLst>
               <a:ext uri="{FF2B5EF4-FFF2-40B4-BE49-F238E27FC236}">
-                <a16:creationId xmlns:a16="http://schemas.microsoft.com/office/drawing/2014/main" id="{2D6CB586-E89B-F20A-E516-58B36CEB1867}"/>
+                <a16:creationId xmlns:a16="http://schemas.microsoft.com/office/drawing/2014/main" xmlns="" id="{2D6CB586-E89B-F20A-E516-58B36CEB1867}"/>
               </a:ext>
             </a:extLst>
           </p:cNvPr>
@@ -16771,7 +16773,7 @@
           <p:cNvPr id="101" name="Google Shape;76;p14">
             <a:extLst>
               <a:ext uri="{FF2B5EF4-FFF2-40B4-BE49-F238E27FC236}">
-                <a16:creationId xmlns:a16="http://schemas.microsoft.com/office/drawing/2014/main" id="{320E54BE-9086-C596-8E30-5802E54EFB64}"/>
+                <a16:creationId xmlns:a16="http://schemas.microsoft.com/office/drawing/2014/main" xmlns="" id="{320E54BE-9086-C596-8E30-5802E54EFB64}"/>
               </a:ext>
             </a:extLst>
           </p:cNvPr>
@@ -16805,7 +16807,7 @@
           <p:cNvPr id="102" name="Google Shape;79;p14">
             <a:extLst>
               <a:ext uri="{FF2B5EF4-FFF2-40B4-BE49-F238E27FC236}">
-                <a16:creationId xmlns:a16="http://schemas.microsoft.com/office/drawing/2014/main" id="{2CB29429-3A6A-075E-E051-F2605E6CF72B}"/>
+                <a16:creationId xmlns:a16="http://schemas.microsoft.com/office/drawing/2014/main" xmlns="" id="{2CB29429-3A6A-075E-E051-F2605E6CF72B}"/>
               </a:ext>
             </a:extLst>
           </p:cNvPr>
@@ -16839,7 +16841,7 @@
           <p:cNvPr id="103" name="Google Shape;80;p14">
             <a:extLst>
               <a:ext uri="{FF2B5EF4-FFF2-40B4-BE49-F238E27FC236}">
-                <a16:creationId xmlns:a16="http://schemas.microsoft.com/office/drawing/2014/main" id="{87A8869F-6890-93EE-47C2-B6909C99470B}"/>
+                <a16:creationId xmlns:a16="http://schemas.microsoft.com/office/drawing/2014/main" xmlns="" id="{87A8869F-6890-93EE-47C2-B6909C99470B}"/>
               </a:ext>
             </a:extLst>
           </p:cNvPr>
@@ -16873,7 +16875,7 @@
           <p:cNvPr id="104" name="箭头: 五边形 103">
             <a:extLst>
               <a:ext uri="{FF2B5EF4-FFF2-40B4-BE49-F238E27FC236}">
-                <a16:creationId xmlns:a16="http://schemas.microsoft.com/office/drawing/2014/main" id="{FEE47AE7-C9FA-4144-87DD-8E8CA1F603A1}"/>
+                <a16:creationId xmlns:a16="http://schemas.microsoft.com/office/drawing/2014/main" xmlns="" id="{FEE47AE7-C9FA-4144-87DD-8E8CA1F603A1}"/>
               </a:ext>
             </a:extLst>
           </p:cNvPr>
@@ -16920,7 +16922,7 @@
           <p:cNvPr id="105" name="箭头: 五边形 104">
             <a:extLst>
               <a:ext uri="{FF2B5EF4-FFF2-40B4-BE49-F238E27FC236}">
-                <a16:creationId xmlns:a16="http://schemas.microsoft.com/office/drawing/2014/main" id="{125693EC-2137-4901-2D9F-CA02EFB6EC1C}"/>
+                <a16:creationId xmlns:a16="http://schemas.microsoft.com/office/drawing/2014/main" xmlns="" id="{125693EC-2137-4901-2D9F-CA02EFB6EC1C}"/>
               </a:ext>
             </a:extLst>
           </p:cNvPr>
@@ -16976,7 +16978,7 @@
           <p:cNvPr id="106" name="箭头: 五边形 105">
             <a:extLst>
               <a:ext uri="{FF2B5EF4-FFF2-40B4-BE49-F238E27FC236}">
-                <a16:creationId xmlns:a16="http://schemas.microsoft.com/office/drawing/2014/main" id="{0A75FABD-C11D-5BF2-CA28-79F84BEC2D52}"/>
+                <a16:creationId xmlns:a16="http://schemas.microsoft.com/office/drawing/2014/main" xmlns="" id="{0A75FABD-C11D-5BF2-CA28-79F84BEC2D52}"/>
               </a:ext>
             </a:extLst>
           </p:cNvPr>
@@ -17032,7 +17034,7 @@
           <p:cNvPr id="107" name="箭头: 五边形 106">
             <a:extLst>
               <a:ext uri="{FF2B5EF4-FFF2-40B4-BE49-F238E27FC236}">
-                <a16:creationId xmlns:a16="http://schemas.microsoft.com/office/drawing/2014/main" id="{94FFE1CA-95B6-5FB5-0E93-C32CA673CFB0}"/>
+                <a16:creationId xmlns:a16="http://schemas.microsoft.com/office/drawing/2014/main" xmlns="" id="{94FFE1CA-95B6-5FB5-0E93-C32CA673CFB0}"/>
               </a:ext>
             </a:extLst>
           </p:cNvPr>
@@ -17079,7 +17081,7 @@
           <p:cNvPr id="108" name="Google Shape;75;p14">
             <a:extLst>
               <a:ext uri="{FF2B5EF4-FFF2-40B4-BE49-F238E27FC236}">
-                <a16:creationId xmlns:a16="http://schemas.microsoft.com/office/drawing/2014/main" id="{C28BC135-A694-D736-05E2-392BAA6546C4}"/>
+                <a16:creationId xmlns:a16="http://schemas.microsoft.com/office/drawing/2014/main" xmlns="" id="{C28BC135-A694-D736-05E2-392BAA6546C4}"/>
               </a:ext>
             </a:extLst>
           </p:cNvPr>
@@ -17113,7 +17115,7 @@
           <p:cNvPr id="109" name="Google Shape;77;p14">
             <a:extLst>
               <a:ext uri="{FF2B5EF4-FFF2-40B4-BE49-F238E27FC236}">
-                <a16:creationId xmlns:a16="http://schemas.microsoft.com/office/drawing/2014/main" id="{26E64EC8-A00D-85A2-55E9-80371504FA45}"/>
+                <a16:creationId xmlns:a16="http://schemas.microsoft.com/office/drawing/2014/main" xmlns="" id="{26E64EC8-A00D-85A2-55E9-80371504FA45}"/>
               </a:ext>
             </a:extLst>
           </p:cNvPr>
@@ -17147,7 +17149,7 @@
           <p:cNvPr id="110" name="Google Shape;78;p14">
             <a:extLst>
               <a:ext uri="{FF2B5EF4-FFF2-40B4-BE49-F238E27FC236}">
-                <a16:creationId xmlns:a16="http://schemas.microsoft.com/office/drawing/2014/main" id="{3776E30B-813F-0863-0AAF-08F593A4A164}"/>
+                <a16:creationId xmlns:a16="http://schemas.microsoft.com/office/drawing/2014/main" xmlns="" id="{3776E30B-813F-0863-0AAF-08F593A4A164}"/>
               </a:ext>
             </a:extLst>
           </p:cNvPr>
@@ -17181,7 +17183,7 @@
           <p:cNvPr id="111" name="Google Shape;81;p14">
             <a:extLst>
               <a:ext uri="{FF2B5EF4-FFF2-40B4-BE49-F238E27FC236}">
-                <a16:creationId xmlns:a16="http://schemas.microsoft.com/office/drawing/2014/main" id="{4C069DC5-4186-0285-5D83-B8FFA739F050}"/>
+                <a16:creationId xmlns:a16="http://schemas.microsoft.com/office/drawing/2014/main" xmlns="" id="{4C069DC5-4186-0285-5D83-B8FFA739F050}"/>
               </a:ext>
             </a:extLst>
           </p:cNvPr>
@@ -17215,7 +17217,7 @@
           <p:cNvPr id="112" name="箭头: 五边形 111">
             <a:extLst>
               <a:ext uri="{FF2B5EF4-FFF2-40B4-BE49-F238E27FC236}">
-                <a16:creationId xmlns:a16="http://schemas.microsoft.com/office/drawing/2014/main" id="{7CD9D67F-B213-AAAA-9054-02755BE2146A}"/>
+                <a16:creationId xmlns:a16="http://schemas.microsoft.com/office/drawing/2014/main" xmlns="" id="{7CD9D67F-B213-AAAA-9054-02755BE2146A}"/>
               </a:ext>
             </a:extLst>
           </p:cNvPr>
@@ -17271,7 +17273,7 @@
           <p:cNvPr id="113" name="箭头: 五边形 112">
             <a:extLst>
               <a:ext uri="{FF2B5EF4-FFF2-40B4-BE49-F238E27FC236}">
-                <a16:creationId xmlns:a16="http://schemas.microsoft.com/office/drawing/2014/main" id="{F8AE02EB-01D9-FA19-B065-CCE211B6884B}"/>
+                <a16:creationId xmlns:a16="http://schemas.microsoft.com/office/drawing/2014/main" xmlns="" id="{F8AE02EB-01D9-FA19-B065-CCE211B6884B}"/>
               </a:ext>
             </a:extLst>
           </p:cNvPr>
@@ -17327,7 +17329,7 @@
           <p:cNvPr id="114" name="箭头: 五边形 113">
             <a:extLst>
               <a:ext uri="{FF2B5EF4-FFF2-40B4-BE49-F238E27FC236}">
-                <a16:creationId xmlns:a16="http://schemas.microsoft.com/office/drawing/2014/main" id="{CD3E578E-DF8A-1EA0-3438-736889E4F552}"/>
+                <a16:creationId xmlns:a16="http://schemas.microsoft.com/office/drawing/2014/main" xmlns="" id="{CD3E578E-DF8A-1EA0-3438-736889E4F552}"/>
               </a:ext>
             </a:extLst>
           </p:cNvPr>
@@ -17374,7 +17376,7 @@
           <p:cNvPr id="115" name="箭头: 五边形 114">
             <a:extLst>
               <a:ext uri="{FF2B5EF4-FFF2-40B4-BE49-F238E27FC236}">
-                <a16:creationId xmlns:a16="http://schemas.microsoft.com/office/drawing/2014/main" id="{F8C96D6D-C8E2-1DE1-7975-1FE461A07D04}"/>
+                <a16:creationId xmlns:a16="http://schemas.microsoft.com/office/drawing/2014/main" xmlns="" id="{F8C96D6D-C8E2-1DE1-7975-1FE461A07D04}"/>
               </a:ext>
             </a:extLst>
           </p:cNvPr>
@@ -17451,7 +17453,7 @@
           <p:cNvPr id="2" name="标题 1">
             <a:extLst>
               <a:ext uri="{FF2B5EF4-FFF2-40B4-BE49-F238E27FC236}">
-                <a16:creationId xmlns:a16="http://schemas.microsoft.com/office/drawing/2014/main" id="{80796E82-7314-2FBE-2DE8-DDD70D4DF27E}"/>
+                <a16:creationId xmlns:a16="http://schemas.microsoft.com/office/drawing/2014/main" xmlns="" id="{80796E82-7314-2FBE-2DE8-DDD70D4DF27E}"/>
               </a:ext>
             </a:extLst>
           </p:cNvPr>
@@ -17500,7 +17502,7 @@
           <p:cNvPr id="4" name="文本框 3">
             <a:extLst>
               <a:ext uri="{FF2B5EF4-FFF2-40B4-BE49-F238E27FC236}">
-                <a16:creationId xmlns:a16="http://schemas.microsoft.com/office/drawing/2014/main" id="{3E8E8225-E7B4-E598-7AEB-66BC2EF7864E}"/>
+                <a16:creationId xmlns:a16="http://schemas.microsoft.com/office/drawing/2014/main" xmlns="" id="{3E8E8225-E7B4-E598-7AEB-66BC2EF7864E}"/>
               </a:ext>
             </a:extLst>
           </p:cNvPr>
@@ -17540,7 +17542,7 @@
           <p:cNvPr id="94" name="椭圆 93">
             <a:extLst>
               <a:ext uri="{FF2B5EF4-FFF2-40B4-BE49-F238E27FC236}">
-                <a16:creationId xmlns:a16="http://schemas.microsoft.com/office/drawing/2014/main" id="{8BEE0963-F39F-E799-5A6C-7DB2D9695EA3}"/>
+                <a16:creationId xmlns:a16="http://schemas.microsoft.com/office/drawing/2014/main" xmlns="" id="{8BEE0963-F39F-E799-5A6C-7DB2D9695EA3}"/>
               </a:ext>
             </a:extLst>
           </p:cNvPr>
@@ -17592,7 +17594,7 @@
           <p:cNvPr id="95" name="Google Shape;73;p14">
             <a:extLst>
               <a:ext uri="{FF2B5EF4-FFF2-40B4-BE49-F238E27FC236}">
-                <a16:creationId xmlns:a16="http://schemas.microsoft.com/office/drawing/2014/main" id="{728B4BED-4470-8B41-5F52-AEAB959AE86A}"/>
+                <a16:creationId xmlns:a16="http://schemas.microsoft.com/office/drawing/2014/main" xmlns="" id="{728B4BED-4470-8B41-5F52-AEAB959AE86A}"/>
               </a:ext>
             </a:extLst>
           </p:cNvPr>
@@ -17626,7 +17628,7 @@
           <p:cNvPr id="23" name="椭圆 22">
             <a:extLst>
               <a:ext uri="{FF2B5EF4-FFF2-40B4-BE49-F238E27FC236}">
-                <a16:creationId xmlns:a16="http://schemas.microsoft.com/office/drawing/2014/main" id="{824F6C0B-F2BF-8F57-435A-24EF38F1CED2}"/>
+                <a16:creationId xmlns:a16="http://schemas.microsoft.com/office/drawing/2014/main" xmlns="" id="{824F6C0B-F2BF-8F57-435A-24EF38F1CED2}"/>
               </a:ext>
             </a:extLst>
           </p:cNvPr>
@@ -17682,7 +17684,7 @@
           <p:cNvPr id="24" name="椭圆 23">
             <a:extLst>
               <a:ext uri="{FF2B5EF4-FFF2-40B4-BE49-F238E27FC236}">
-                <a16:creationId xmlns:a16="http://schemas.microsoft.com/office/drawing/2014/main" id="{180D6603-04FC-C694-538B-19D759A53C63}"/>
+                <a16:creationId xmlns:a16="http://schemas.microsoft.com/office/drawing/2014/main" xmlns="" id="{180D6603-04FC-C694-538B-19D759A53C63}"/>
               </a:ext>
             </a:extLst>
           </p:cNvPr>
@@ -17742,7 +17744,7 @@
           <p:cNvPr id="100" name="Google Shape;74;p14">
             <a:extLst>
               <a:ext uri="{FF2B5EF4-FFF2-40B4-BE49-F238E27FC236}">
-                <a16:creationId xmlns:a16="http://schemas.microsoft.com/office/drawing/2014/main" id="{2D6CB586-E89B-F20A-E516-58B36CEB1867}"/>
+                <a16:creationId xmlns:a16="http://schemas.microsoft.com/office/drawing/2014/main" xmlns="" id="{2D6CB586-E89B-F20A-E516-58B36CEB1867}"/>
               </a:ext>
             </a:extLst>
           </p:cNvPr>
@@ -17776,7 +17778,7 @@
           <p:cNvPr id="101" name="Google Shape;76;p14">
             <a:extLst>
               <a:ext uri="{FF2B5EF4-FFF2-40B4-BE49-F238E27FC236}">
-                <a16:creationId xmlns:a16="http://schemas.microsoft.com/office/drawing/2014/main" id="{320E54BE-9086-C596-8E30-5802E54EFB64}"/>
+                <a16:creationId xmlns:a16="http://schemas.microsoft.com/office/drawing/2014/main" xmlns="" id="{320E54BE-9086-C596-8E30-5802E54EFB64}"/>
               </a:ext>
             </a:extLst>
           </p:cNvPr>
@@ -17810,7 +17812,7 @@
           <p:cNvPr id="102" name="Google Shape;79;p14">
             <a:extLst>
               <a:ext uri="{FF2B5EF4-FFF2-40B4-BE49-F238E27FC236}">
-                <a16:creationId xmlns:a16="http://schemas.microsoft.com/office/drawing/2014/main" id="{2CB29429-3A6A-075E-E051-F2605E6CF72B}"/>
+                <a16:creationId xmlns:a16="http://schemas.microsoft.com/office/drawing/2014/main" xmlns="" id="{2CB29429-3A6A-075E-E051-F2605E6CF72B}"/>
               </a:ext>
             </a:extLst>
           </p:cNvPr>
@@ -17844,7 +17846,7 @@
           <p:cNvPr id="103" name="Google Shape;80;p14">
             <a:extLst>
               <a:ext uri="{FF2B5EF4-FFF2-40B4-BE49-F238E27FC236}">
-                <a16:creationId xmlns:a16="http://schemas.microsoft.com/office/drawing/2014/main" id="{87A8869F-6890-93EE-47C2-B6909C99470B}"/>
+                <a16:creationId xmlns:a16="http://schemas.microsoft.com/office/drawing/2014/main" xmlns="" id="{87A8869F-6890-93EE-47C2-B6909C99470B}"/>
               </a:ext>
             </a:extLst>
           </p:cNvPr>
@@ -17878,7 +17880,7 @@
           <p:cNvPr id="104" name="箭头: 五边形 103">
             <a:extLst>
               <a:ext uri="{FF2B5EF4-FFF2-40B4-BE49-F238E27FC236}">
-                <a16:creationId xmlns:a16="http://schemas.microsoft.com/office/drawing/2014/main" id="{FEE47AE7-C9FA-4144-87DD-8E8CA1F603A1}"/>
+                <a16:creationId xmlns:a16="http://schemas.microsoft.com/office/drawing/2014/main" xmlns="" id="{FEE47AE7-C9FA-4144-87DD-8E8CA1F603A1}"/>
               </a:ext>
             </a:extLst>
           </p:cNvPr>
@@ -17925,7 +17927,7 @@
           <p:cNvPr id="105" name="箭头: 五边形 104">
             <a:extLst>
               <a:ext uri="{FF2B5EF4-FFF2-40B4-BE49-F238E27FC236}">
-                <a16:creationId xmlns:a16="http://schemas.microsoft.com/office/drawing/2014/main" id="{125693EC-2137-4901-2D9F-CA02EFB6EC1C}"/>
+                <a16:creationId xmlns:a16="http://schemas.microsoft.com/office/drawing/2014/main" xmlns="" id="{125693EC-2137-4901-2D9F-CA02EFB6EC1C}"/>
               </a:ext>
             </a:extLst>
           </p:cNvPr>
@@ -17981,7 +17983,7 @@
           <p:cNvPr id="106" name="箭头: 五边形 105">
             <a:extLst>
               <a:ext uri="{FF2B5EF4-FFF2-40B4-BE49-F238E27FC236}">
-                <a16:creationId xmlns:a16="http://schemas.microsoft.com/office/drawing/2014/main" id="{0A75FABD-C11D-5BF2-CA28-79F84BEC2D52}"/>
+                <a16:creationId xmlns:a16="http://schemas.microsoft.com/office/drawing/2014/main" xmlns="" id="{0A75FABD-C11D-5BF2-CA28-79F84BEC2D52}"/>
               </a:ext>
             </a:extLst>
           </p:cNvPr>
@@ -18037,7 +18039,7 @@
           <p:cNvPr id="107" name="箭头: 五边形 106">
             <a:extLst>
               <a:ext uri="{FF2B5EF4-FFF2-40B4-BE49-F238E27FC236}">
-                <a16:creationId xmlns:a16="http://schemas.microsoft.com/office/drawing/2014/main" id="{94FFE1CA-95B6-5FB5-0E93-C32CA673CFB0}"/>
+                <a16:creationId xmlns:a16="http://schemas.microsoft.com/office/drawing/2014/main" xmlns="" id="{94FFE1CA-95B6-5FB5-0E93-C32CA673CFB0}"/>
               </a:ext>
             </a:extLst>
           </p:cNvPr>
@@ -18084,7 +18086,7 @@
           <p:cNvPr id="108" name="Google Shape;75;p14">
             <a:extLst>
               <a:ext uri="{FF2B5EF4-FFF2-40B4-BE49-F238E27FC236}">
-                <a16:creationId xmlns:a16="http://schemas.microsoft.com/office/drawing/2014/main" id="{C28BC135-A694-D736-05E2-392BAA6546C4}"/>
+                <a16:creationId xmlns:a16="http://schemas.microsoft.com/office/drawing/2014/main" xmlns="" id="{C28BC135-A694-D736-05E2-392BAA6546C4}"/>
               </a:ext>
             </a:extLst>
           </p:cNvPr>
@@ -18118,7 +18120,7 @@
           <p:cNvPr id="109" name="Google Shape;77;p14">
             <a:extLst>
               <a:ext uri="{FF2B5EF4-FFF2-40B4-BE49-F238E27FC236}">
-                <a16:creationId xmlns:a16="http://schemas.microsoft.com/office/drawing/2014/main" id="{26E64EC8-A00D-85A2-55E9-80371504FA45}"/>
+                <a16:creationId xmlns:a16="http://schemas.microsoft.com/office/drawing/2014/main" xmlns="" id="{26E64EC8-A00D-85A2-55E9-80371504FA45}"/>
               </a:ext>
             </a:extLst>
           </p:cNvPr>
@@ -18152,7 +18154,7 @@
           <p:cNvPr id="110" name="Google Shape;78;p14">
             <a:extLst>
               <a:ext uri="{FF2B5EF4-FFF2-40B4-BE49-F238E27FC236}">
-                <a16:creationId xmlns:a16="http://schemas.microsoft.com/office/drawing/2014/main" id="{3776E30B-813F-0863-0AAF-08F593A4A164}"/>
+                <a16:creationId xmlns:a16="http://schemas.microsoft.com/office/drawing/2014/main" xmlns="" id="{3776E30B-813F-0863-0AAF-08F593A4A164}"/>
               </a:ext>
             </a:extLst>
           </p:cNvPr>
@@ -18186,7 +18188,7 @@
           <p:cNvPr id="111" name="Google Shape;81;p14">
             <a:extLst>
               <a:ext uri="{FF2B5EF4-FFF2-40B4-BE49-F238E27FC236}">
-                <a16:creationId xmlns:a16="http://schemas.microsoft.com/office/drawing/2014/main" id="{4C069DC5-4186-0285-5D83-B8FFA739F050}"/>
+                <a16:creationId xmlns:a16="http://schemas.microsoft.com/office/drawing/2014/main" xmlns="" id="{4C069DC5-4186-0285-5D83-B8FFA739F050}"/>
               </a:ext>
             </a:extLst>
           </p:cNvPr>
@@ -18220,7 +18222,7 @@
           <p:cNvPr id="112" name="箭头: 五边形 111">
             <a:extLst>
               <a:ext uri="{FF2B5EF4-FFF2-40B4-BE49-F238E27FC236}">
-                <a16:creationId xmlns:a16="http://schemas.microsoft.com/office/drawing/2014/main" id="{7CD9D67F-B213-AAAA-9054-02755BE2146A}"/>
+                <a16:creationId xmlns:a16="http://schemas.microsoft.com/office/drawing/2014/main" xmlns="" id="{7CD9D67F-B213-AAAA-9054-02755BE2146A}"/>
               </a:ext>
             </a:extLst>
           </p:cNvPr>
@@ -18276,7 +18278,7 @@
           <p:cNvPr id="113" name="箭头: 五边形 112">
             <a:extLst>
               <a:ext uri="{FF2B5EF4-FFF2-40B4-BE49-F238E27FC236}">
-                <a16:creationId xmlns:a16="http://schemas.microsoft.com/office/drawing/2014/main" id="{F8AE02EB-01D9-FA19-B065-CCE211B6884B}"/>
+                <a16:creationId xmlns:a16="http://schemas.microsoft.com/office/drawing/2014/main" xmlns="" id="{F8AE02EB-01D9-FA19-B065-CCE211B6884B}"/>
               </a:ext>
             </a:extLst>
           </p:cNvPr>
@@ -18332,7 +18334,7 @@
           <p:cNvPr id="114" name="箭头: 五边形 113">
             <a:extLst>
               <a:ext uri="{FF2B5EF4-FFF2-40B4-BE49-F238E27FC236}">
-                <a16:creationId xmlns:a16="http://schemas.microsoft.com/office/drawing/2014/main" id="{CD3E578E-DF8A-1EA0-3438-736889E4F552}"/>
+                <a16:creationId xmlns:a16="http://schemas.microsoft.com/office/drawing/2014/main" xmlns="" id="{CD3E578E-DF8A-1EA0-3438-736889E4F552}"/>
               </a:ext>
             </a:extLst>
           </p:cNvPr>
@@ -18379,7 +18381,7 @@
           <p:cNvPr id="115" name="箭头: 五边形 114">
             <a:extLst>
               <a:ext uri="{FF2B5EF4-FFF2-40B4-BE49-F238E27FC236}">
-                <a16:creationId xmlns:a16="http://schemas.microsoft.com/office/drawing/2014/main" id="{F8C96D6D-C8E2-1DE1-7975-1FE461A07D04}"/>
+                <a16:creationId xmlns:a16="http://schemas.microsoft.com/office/drawing/2014/main" xmlns="" id="{F8C96D6D-C8E2-1DE1-7975-1FE461A07D04}"/>
               </a:ext>
             </a:extLst>
           </p:cNvPr>
@@ -18466,7 +18468,7 @@
           <p:cNvPr id="2" name="标题 1">
             <a:extLst>
               <a:ext uri="{FF2B5EF4-FFF2-40B4-BE49-F238E27FC236}">
-                <a16:creationId xmlns:a16="http://schemas.microsoft.com/office/drawing/2014/main" id="{2A9B6C59-89F9-5390-BB77-F8DB7EF7B310}"/>
+                <a16:creationId xmlns:a16="http://schemas.microsoft.com/office/drawing/2014/main" xmlns="" id="{2A9B6C59-89F9-5390-BB77-F8DB7EF7B310}"/>
               </a:ext>
             </a:extLst>
           </p:cNvPr>
@@ -18497,6 +18499,14 @@
                 </a:solidFill>
               </a:rPr>
               <a:t>人形劇場（アリス）</a:t>
+            </a:r>
+            <a:r>
+              <a:rPr lang="en-US" altLang="ja-JP" b="1" dirty="0">
+                <a:solidFill>
+                  <a:schemeClr val="bg1"/>
+                </a:solidFill>
+              </a:rPr>
+              <a:t/>
             </a:r>
             <a:br>
               <a:rPr lang="en-US" altLang="ja-JP" b="1" dirty="0">
@@ -18548,7 +18558,7 @@
           <p:cNvPr id="2" name="标题 1">
             <a:extLst>
               <a:ext uri="{FF2B5EF4-FFF2-40B4-BE49-F238E27FC236}">
-                <a16:creationId xmlns:a16="http://schemas.microsoft.com/office/drawing/2014/main" id="{80796E82-7314-2FBE-2DE8-DDD70D4DF27E}"/>
+                <a16:creationId xmlns:a16="http://schemas.microsoft.com/office/drawing/2014/main" xmlns="" id="{80796E82-7314-2FBE-2DE8-DDD70D4DF27E}"/>
               </a:ext>
             </a:extLst>
           </p:cNvPr>
@@ -18590,7 +18600,7 @@
           <p:cNvPr id="4" name="文本框 3">
             <a:extLst>
               <a:ext uri="{FF2B5EF4-FFF2-40B4-BE49-F238E27FC236}">
-                <a16:creationId xmlns:a16="http://schemas.microsoft.com/office/drawing/2014/main" id="{3E8E8225-E7B4-E598-7AEB-66BC2EF7864E}"/>
+                <a16:creationId xmlns:a16="http://schemas.microsoft.com/office/drawing/2014/main" xmlns="" id="{3E8E8225-E7B4-E598-7AEB-66BC2EF7864E}"/>
               </a:ext>
             </a:extLst>
           </p:cNvPr>
@@ -18636,7 +18646,7 @@
           <p:cNvPr id="94" name="椭圆 93">
             <a:extLst>
               <a:ext uri="{FF2B5EF4-FFF2-40B4-BE49-F238E27FC236}">
-                <a16:creationId xmlns:a16="http://schemas.microsoft.com/office/drawing/2014/main" id="{8BEE0963-F39F-E799-5A6C-7DB2D9695EA3}"/>
+                <a16:creationId xmlns:a16="http://schemas.microsoft.com/office/drawing/2014/main" xmlns="" id="{8BEE0963-F39F-E799-5A6C-7DB2D9695EA3}"/>
               </a:ext>
             </a:extLst>
           </p:cNvPr>
@@ -18688,7 +18698,7 @@
           <p:cNvPr id="6" name="椭圆 5">
             <a:extLst>
               <a:ext uri="{FF2B5EF4-FFF2-40B4-BE49-F238E27FC236}">
-                <a16:creationId xmlns:a16="http://schemas.microsoft.com/office/drawing/2014/main" id="{1F3D5A18-117A-FBDB-A07B-D4E2DC2FC832}"/>
+                <a16:creationId xmlns:a16="http://schemas.microsoft.com/office/drawing/2014/main" xmlns="" id="{1F3D5A18-117A-FBDB-A07B-D4E2DC2FC832}"/>
               </a:ext>
             </a:extLst>
           </p:cNvPr>
@@ -18738,7 +18748,7 @@
           <p:cNvPr id="7" name="矩形 6">
             <a:extLst>
               <a:ext uri="{FF2B5EF4-FFF2-40B4-BE49-F238E27FC236}">
-                <a16:creationId xmlns:a16="http://schemas.microsoft.com/office/drawing/2014/main" id="{1DB7B11B-A7F7-8894-4BAF-68DD060767B3}"/>
+                <a16:creationId xmlns:a16="http://schemas.microsoft.com/office/drawing/2014/main" xmlns="" id="{1DB7B11B-A7F7-8894-4BAF-68DD060767B3}"/>
               </a:ext>
             </a:extLst>
           </p:cNvPr>
@@ -18788,7 +18798,7 @@
           <p:cNvPr id="16" name="矩形 15">
             <a:extLst>
               <a:ext uri="{FF2B5EF4-FFF2-40B4-BE49-F238E27FC236}">
-                <a16:creationId xmlns:a16="http://schemas.microsoft.com/office/drawing/2014/main" id="{5E103417-33D7-7A1E-5135-FE392A9238A1}"/>
+                <a16:creationId xmlns:a16="http://schemas.microsoft.com/office/drawing/2014/main" xmlns="" id="{5E103417-33D7-7A1E-5135-FE392A9238A1}"/>
               </a:ext>
             </a:extLst>
           </p:cNvPr>
@@ -18838,7 +18848,7 @@
           <p:cNvPr id="36" name="Google Shape;74;p14">
             <a:extLst>
               <a:ext uri="{FF2B5EF4-FFF2-40B4-BE49-F238E27FC236}">
-                <a16:creationId xmlns:a16="http://schemas.microsoft.com/office/drawing/2014/main" id="{2E2745A7-5382-D682-E846-353E49F51CE1}"/>
+                <a16:creationId xmlns:a16="http://schemas.microsoft.com/office/drawing/2014/main" xmlns="" id="{2E2745A7-5382-D682-E846-353E49F51CE1}"/>
               </a:ext>
             </a:extLst>
           </p:cNvPr>
@@ -18872,7 +18882,7 @@
           <p:cNvPr id="37" name="Google Shape;75;p14">
             <a:extLst>
               <a:ext uri="{FF2B5EF4-FFF2-40B4-BE49-F238E27FC236}">
-                <a16:creationId xmlns:a16="http://schemas.microsoft.com/office/drawing/2014/main" id="{E3E4915D-2F12-168B-349B-24CDEEB0083B}"/>
+                <a16:creationId xmlns:a16="http://schemas.microsoft.com/office/drawing/2014/main" xmlns="" id="{E3E4915D-2F12-168B-349B-24CDEEB0083B}"/>
               </a:ext>
             </a:extLst>
           </p:cNvPr>
@@ -18906,7 +18916,7 @@
           <p:cNvPr id="40" name="Google Shape;76;p14">
             <a:extLst>
               <a:ext uri="{FF2B5EF4-FFF2-40B4-BE49-F238E27FC236}">
-                <a16:creationId xmlns:a16="http://schemas.microsoft.com/office/drawing/2014/main" id="{1ECE9B11-635C-881C-CE5B-089C627E4372}"/>
+                <a16:creationId xmlns:a16="http://schemas.microsoft.com/office/drawing/2014/main" xmlns="" id="{1ECE9B11-635C-881C-CE5B-089C627E4372}"/>
               </a:ext>
             </a:extLst>
           </p:cNvPr>
@@ -18940,7 +18950,7 @@
           <p:cNvPr id="41" name="Google Shape;77;p14">
             <a:extLst>
               <a:ext uri="{FF2B5EF4-FFF2-40B4-BE49-F238E27FC236}">
-                <a16:creationId xmlns:a16="http://schemas.microsoft.com/office/drawing/2014/main" id="{B873D65F-C642-5A74-03EE-002969DF1388}"/>
+                <a16:creationId xmlns:a16="http://schemas.microsoft.com/office/drawing/2014/main" xmlns="" id="{B873D65F-C642-5A74-03EE-002969DF1388}"/>
               </a:ext>
             </a:extLst>
           </p:cNvPr>
@@ -18974,7 +18984,7 @@
           <p:cNvPr id="42" name="Google Shape;78;p14">
             <a:extLst>
               <a:ext uri="{FF2B5EF4-FFF2-40B4-BE49-F238E27FC236}">
-                <a16:creationId xmlns:a16="http://schemas.microsoft.com/office/drawing/2014/main" id="{971876C7-5053-73D0-155A-9D17633A0F55}"/>
+                <a16:creationId xmlns:a16="http://schemas.microsoft.com/office/drawing/2014/main" xmlns="" id="{971876C7-5053-73D0-155A-9D17633A0F55}"/>
               </a:ext>
             </a:extLst>
           </p:cNvPr>
@@ -19008,7 +19018,7 @@
           <p:cNvPr id="43" name="Google Shape;79;p14">
             <a:extLst>
               <a:ext uri="{FF2B5EF4-FFF2-40B4-BE49-F238E27FC236}">
-                <a16:creationId xmlns:a16="http://schemas.microsoft.com/office/drawing/2014/main" id="{D908096A-7B93-6872-9227-68EFA46E5FEC}"/>
+                <a16:creationId xmlns:a16="http://schemas.microsoft.com/office/drawing/2014/main" xmlns="" id="{D908096A-7B93-6872-9227-68EFA46E5FEC}"/>
               </a:ext>
             </a:extLst>
           </p:cNvPr>
@@ -19042,7 +19052,7 @@
           <p:cNvPr id="44" name="Google Shape;80;p14">
             <a:extLst>
               <a:ext uri="{FF2B5EF4-FFF2-40B4-BE49-F238E27FC236}">
-                <a16:creationId xmlns:a16="http://schemas.microsoft.com/office/drawing/2014/main" id="{5707B8C5-A5A8-44EF-7EA1-212D60CE4405}"/>
+                <a16:creationId xmlns:a16="http://schemas.microsoft.com/office/drawing/2014/main" xmlns="" id="{5707B8C5-A5A8-44EF-7EA1-212D60CE4405}"/>
               </a:ext>
             </a:extLst>
           </p:cNvPr>
@@ -19076,7 +19086,7 @@
           <p:cNvPr id="45" name="Google Shape;81;p14">
             <a:extLst>
               <a:ext uri="{FF2B5EF4-FFF2-40B4-BE49-F238E27FC236}">
-                <a16:creationId xmlns:a16="http://schemas.microsoft.com/office/drawing/2014/main" id="{258DAE7F-F09C-A31E-1F00-ADABD392EAF6}"/>
+                <a16:creationId xmlns:a16="http://schemas.microsoft.com/office/drawing/2014/main" xmlns="" id="{258DAE7F-F09C-A31E-1F00-ADABD392EAF6}"/>
               </a:ext>
             </a:extLst>
           </p:cNvPr>
@@ -19110,7 +19120,7 @@
           <p:cNvPr id="46" name="Google Shape;73;p14">
             <a:extLst>
               <a:ext uri="{FF2B5EF4-FFF2-40B4-BE49-F238E27FC236}">
-                <a16:creationId xmlns:a16="http://schemas.microsoft.com/office/drawing/2014/main" id="{C9BC361F-6BE4-6B47-4157-518F4E8B91B7}"/>
+                <a16:creationId xmlns:a16="http://schemas.microsoft.com/office/drawing/2014/main" xmlns="" id="{C9BC361F-6BE4-6B47-4157-518F4E8B91B7}"/>
               </a:ext>
             </a:extLst>
           </p:cNvPr>
@@ -19144,7 +19154,7 @@
           <p:cNvPr id="47" name="Google Shape;100;p14">
             <a:extLst>
               <a:ext uri="{FF2B5EF4-FFF2-40B4-BE49-F238E27FC236}">
-                <a16:creationId xmlns:a16="http://schemas.microsoft.com/office/drawing/2014/main" id="{FECEA0B3-9605-E3C1-399E-D5B289255275}"/>
+                <a16:creationId xmlns:a16="http://schemas.microsoft.com/office/drawing/2014/main" xmlns="" id="{FECEA0B3-9605-E3C1-399E-D5B289255275}"/>
               </a:ext>
             </a:extLst>
           </p:cNvPr>
@@ -19189,7 +19199,7 @@
           <p:cNvPr id="9" name="箭头: V 形 8">
             <a:extLst>
               <a:ext uri="{FF2B5EF4-FFF2-40B4-BE49-F238E27FC236}">
-                <a16:creationId xmlns:a16="http://schemas.microsoft.com/office/drawing/2014/main" id="{FD24A7BB-FA4E-991F-5929-18EE9CB4A9D9}"/>
+                <a16:creationId xmlns:a16="http://schemas.microsoft.com/office/drawing/2014/main" xmlns="" id="{FD24A7BB-FA4E-991F-5929-18EE9CB4A9D9}"/>
               </a:ext>
             </a:extLst>
           </p:cNvPr>
@@ -19237,7 +19247,7 @@
           <p:cNvPr id="18" name="箭头: V 形 17">
             <a:extLst>
               <a:ext uri="{FF2B5EF4-FFF2-40B4-BE49-F238E27FC236}">
-                <a16:creationId xmlns:a16="http://schemas.microsoft.com/office/drawing/2014/main" id="{8C372B4E-E0EB-3587-D05B-984150483764}"/>
+                <a16:creationId xmlns:a16="http://schemas.microsoft.com/office/drawing/2014/main" xmlns="" id="{8C372B4E-E0EB-3587-D05B-984150483764}"/>
               </a:ext>
             </a:extLst>
           </p:cNvPr>
@@ -19285,7 +19295,7 @@
           <p:cNvPr id="19" name="箭头: V 形 18">
             <a:extLst>
               <a:ext uri="{FF2B5EF4-FFF2-40B4-BE49-F238E27FC236}">
-                <a16:creationId xmlns:a16="http://schemas.microsoft.com/office/drawing/2014/main" id="{857EDEF0-9103-CEE8-DA27-765C3E2D1CF2}"/>
+                <a16:creationId xmlns:a16="http://schemas.microsoft.com/office/drawing/2014/main" xmlns="" id="{857EDEF0-9103-CEE8-DA27-765C3E2D1CF2}"/>
               </a:ext>
             </a:extLst>
           </p:cNvPr>
@@ -19333,7 +19343,7 @@
           <p:cNvPr id="20" name="箭头: V 形 19">
             <a:extLst>
               <a:ext uri="{FF2B5EF4-FFF2-40B4-BE49-F238E27FC236}">
-                <a16:creationId xmlns:a16="http://schemas.microsoft.com/office/drawing/2014/main" id="{42C49E84-E67A-1BB3-2501-0FDDEF0E34DA}"/>
+                <a16:creationId xmlns:a16="http://schemas.microsoft.com/office/drawing/2014/main" xmlns="" id="{42C49E84-E67A-1BB3-2501-0FDDEF0E34DA}"/>
               </a:ext>
             </a:extLst>
           </p:cNvPr>
@@ -19381,7 +19391,7 @@
           <p:cNvPr id="21" name="箭头: V 形 20">
             <a:extLst>
               <a:ext uri="{FF2B5EF4-FFF2-40B4-BE49-F238E27FC236}">
-                <a16:creationId xmlns:a16="http://schemas.microsoft.com/office/drawing/2014/main" id="{BC353627-9371-244D-7367-7A27EC648508}"/>
+                <a16:creationId xmlns:a16="http://schemas.microsoft.com/office/drawing/2014/main" xmlns="" id="{BC353627-9371-244D-7367-7A27EC648508}"/>
               </a:ext>
             </a:extLst>
           </p:cNvPr>
@@ -19429,7 +19439,7 @@
           <p:cNvPr id="22" name="箭头: V 形 21">
             <a:extLst>
               <a:ext uri="{FF2B5EF4-FFF2-40B4-BE49-F238E27FC236}">
-                <a16:creationId xmlns:a16="http://schemas.microsoft.com/office/drawing/2014/main" id="{41D7DFA2-1682-8959-1196-12E3B7C49765}"/>
+                <a16:creationId xmlns:a16="http://schemas.microsoft.com/office/drawing/2014/main" xmlns="" id="{41D7DFA2-1682-8959-1196-12E3B7C49765}"/>
               </a:ext>
             </a:extLst>
           </p:cNvPr>
@@ -19477,7 +19487,7 @@
           <p:cNvPr id="23" name="箭头: V 形 22">
             <a:extLst>
               <a:ext uri="{FF2B5EF4-FFF2-40B4-BE49-F238E27FC236}">
-                <a16:creationId xmlns:a16="http://schemas.microsoft.com/office/drawing/2014/main" id="{3E6B5B9D-8A94-166B-F4E4-0C03AFDA72FF}"/>
+                <a16:creationId xmlns:a16="http://schemas.microsoft.com/office/drawing/2014/main" xmlns="" id="{3E6B5B9D-8A94-166B-F4E4-0C03AFDA72FF}"/>
               </a:ext>
             </a:extLst>
           </p:cNvPr>
@@ -19525,7 +19535,7 @@
           <p:cNvPr id="24" name="箭头: V 形 23">
             <a:extLst>
               <a:ext uri="{FF2B5EF4-FFF2-40B4-BE49-F238E27FC236}">
-                <a16:creationId xmlns:a16="http://schemas.microsoft.com/office/drawing/2014/main" id="{58C2A296-BAAF-AA9E-2CEA-ABDFA8710114}"/>
+                <a16:creationId xmlns:a16="http://schemas.microsoft.com/office/drawing/2014/main" xmlns="" id="{58C2A296-BAAF-AA9E-2CEA-ABDFA8710114}"/>
               </a:ext>
             </a:extLst>
           </p:cNvPr>
@@ -19573,7 +19583,7 @@
           <p:cNvPr id="28" name="箭头: V 形 27">
             <a:extLst>
               <a:ext uri="{FF2B5EF4-FFF2-40B4-BE49-F238E27FC236}">
-                <a16:creationId xmlns:a16="http://schemas.microsoft.com/office/drawing/2014/main" id="{A543D7BC-1C9B-6A49-EC09-098BA7C87EA3}"/>
+                <a16:creationId xmlns:a16="http://schemas.microsoft.com/office/drawing/2014/main" xmlns="" id="{A543D7BC-1C9B-6A49-EC09-098BA7C87EA3}"/>
               </a:ext>
             </a:extLst>
           </p:cNvPr>
@@ -19621,7 +19631,7 @@
           <p:cNvPr id="29" name="箭头: V 形 28">
             <a:extLst>
               <a:ext uri="{FF2B5EF4-FFF2-40B4-BE49-F238E27FC236}">
-                <a16:creationId xmlns:a16="http://schemas.microsoft.com/office/drawing/2014/main" id="{D2AF5DF2-587F-46EB-F970-D8CFB9255024}"/>
+                <a16:creationId xmlns:a16="http://schemas.microsoft.com/office/drawing/2014/main" xmlns="" id="{D2AF5DF2-587F-46EB-F970-D8CFB9255024}"/>
               </a:ext>
             </a:extLst>
           </p:cNvPr>
@@ -19669,7 +19679,7 @@
           <p:cNvPr id="30" name="箭头: V 形 29">
             <a:extLst>
               <a:ext uri="{FF2B5EF4-FFF2-40B4-BE49-F238E27FC236}">
-                <a16:creationId xmlns:a16="http://schemas.microsoft.com/office/drawing/2014/main" id="{9419548B-7308-2803-27AC-502B1EDA4B21}"/>
+                <a16:creationId xmlns:a16="http://schemas.microsoft.com/office/drawing/2014/main" xmlns="" id="{9419548B-7308-2803-27AC-502B1EDA4B21}"/>
               </a:ext>
             </a:extLst>
           </p:cNvPr>
@@ -19717,7 +19727,7 @@
           <p:cNvPr id="31" name="箭头: V 形 30">
             <a:extLst>
               <a:ext uri="{FF2B5EF4-FFF2-40B4-BE49-F238E27FC236}">
-                <a16:creationId xmlns:a16="http://schemas.microsoft.com/office/drawing/2014/main" id="{5EA4D2E4-024B-6111-B464-CCAED25B06D2}"/>
+                <a16:creationId xmlns:a16="http://schemas.microsoft.com/office/drawing/2014/main" xmlns="" id="{5EA4D2E4-024B-6111-B464-CCAED25B06D2}"/>
               </a:ext>
             </a:extLst>
           </p:cNvPr>
@@ -19765,7 +19775,7 @@
           <p:cNvPr id="32" name="箭头: V 形 31">
             <a:extLst>
               <a:ext uri="{FF2B5EF4-FFF2-40B4-BE49-F238E27FC236}">
-                <a16:creationId xmlns:a16="http://schemas.microsoft.com/office/drawing/2014/main" id="{179930E0-6F7E-CCEA-3004-B6A577E77445}"/>
+                <a16:creationId xmlns:a16="http://schemas.microsoft.com/office/drawing/2014/main" xmlns="" id="{179930E0-6F7E-CCEA-3004-B6A577E77445}"/>
               </a:ext>
             </a:extLst>
           </p:cNvPr>
@@ -19813,7 +19823,7 @@
           <p:cNvPr id="33" name="箭头: V 形 32">
             <a:extLst>
               <a:ext uri="{FF2B5EF4-FFF2-40B4-BE49-F238E27FC236}">
-                <a16:creationId xmlns:a16="http://schemas.microsoft.com/office/drawing/2014/main" id="{BCFED254-F97D-29DC-0AF7-9A71396E1D9B}"/>
+                <a16:creationId xmlns:a16="http://schemas.microsoft.com/office/drawing/2014/main" xmlns="" id="{BCFED254-F97D-29DC-0AF7-9A71396E1D9B}"/>
               </a:ext>
             </a:extLst>
           </p:cNvPr>
@@ -19861,7 +19871,7 @@
           <p:cNvPr id="34" name="箭头: V 形 33">
             <a:extLst>
               <a:ext uri="{FF2B5EF4-FFF2-40B4-BE49-F238E27FC236}">
-                <a16:creationId xmlns:a16="http://schemas.microsoft.com/office/drawing/2014/main" id="{ADBFB33B-4138-0F9E-231F-DA43D8BCC91E}"/>
+                <a16:creationId xmlns:a16="http://schemas.microsoft.com/office/drawing/2014/main" xmlns="" id="{ADBFB33B-4138-0F9E-231F-DA43D8BCC91E}"/>
               </a:ext>
             </a:extLst>
           </p:cNvPr>
@@ -19909,7 +19919,7 @@
           <p:cNvPr id="35" name="箭头: V 形 34">
             <a:extLst>
               <a:ext uri="{FF2B5EF4-FFF2-40B4-BE49-F238E27FC236}">
-                <a16:creationId xmlns:a16="http://schemas.microsoft.com/office/drawing/2014/main" id="{E92C13C8-1702-EA52-0B0B-3C4AD4D4D38B}"/>
+                <a16:creationId xmlns:a16="http://schemas.microsoft.com/office/drawing/2014/main" xmlns="" id="{E92C13C8-1702-EA52-0B0B-3C4AD4D4D38B}"/>
               </a:ext>
             </a:extLst>
           </p:cNvPr>
@@ -19987,7 +19997,7 @@
           <p:cNvPr id="2" name="标题 1">
             <a:extLst>
               <a:ext uri="{FF2B5EF4-FFF2-40B4-BE49-F238E27FC236}">
-                <a16:creationId xmlns:a16="http://schemas.microsoft.com/office/drawing/2014/main" id="{80796E82-7314-2FBE-2DE8-DDD70D4DF27E}"/>
+                <a16:creationId xmlns:a16="http://schemas.microsoft.com/office/drawing/2014/main" xmlns="" id="{80796E82-7314-2FBE-2DE8-DDD70D4DF27E}"/>
               </a:ext>
             </a:extLst>
           </p:cNvPr>
@@ -20036,7 +20046,7 @@
           <p:cNvPr id="4" name="文本框 3">
             <a:extLst>
               <a:ext uri="{FF2B5EF4-FFF2-40B4-BE49-F238E27FC236}">
-                <a16:creationId xmlns:a16="http://schemas.microsoft.com/office/drawing/2014/main" id="{3E8E8225-E7B4-E598-7AEB-66BC2EF7864E}"/>
+                <a16:creationId xmlns:a16="http://schemas.microsoft.com/office/drawing/2014/main" xmlns="" id="{3E8E8225-E7B4-E598-7AEB-66BC2EF7864E}"/>
               </a:ext>
             </a:extLst>
           </p:cNvPr>
@@ -20082,7 +20092,7 @@
           <p:cNvPr id="94" name="椭圆 93">
             <a:extLst>
               <a:ext uri="{FF2B5EF4-FFF2-40B4-BE49-F238E27FC236}">
-                <a16:creationId xmlns:a16="http://schemas.microsoft.com/office/drawing/2014/main" id="{8BEE0963-F39F-E799-5A6C-7DB2D9695EA3}"/>
+                <a16:creationId xmlns:a16="http://schemas.microsoft.com/office/drawing/2014/main" xmlns="" id="{8BEE0963-F39F-E799-5A6C-7DB2D9695EA3}"/>
               </a:ext>
             </a:extLst>
           </p:cNvPr>
@@ -20134,7 +20144,7 @@
           <p:cNvPr id="6" name="椭圆 5">
             <a:extLst>
               <a:ext uri="{FF2B5EF4-FFF2-40B4-BE49-F238E27FC236}">
-                <a16:creationId xmlns:a16="http://schemas.microsoft.com/office/drawing/2014/main" id="{1F3D5A18-117A-FBDB-A07B-D4E2DC2FC832}"/>
+                <a16:creationId xmlns:a16="http://schemas.microsoft.com/office/drawing/2014/main" xmlns="" id="{1F3D5A18-117A-FBDB-A07B-D4E2DC2FC832}"/>
               </a:ext>
             </a:extLst>
           </p:cNvPr>
@@ -20184,7 +20194,7 @@
           <p:cNvPr id="7" name="矩形 6">
             <a:extLst>
               <a:ext uri="{FF2B5EF4-FFF2-40B4-BE49-F238E27FC236}">
-                <a16:creationId xmlns:a16="http://schemas.microsoft.com/office/drawing/2014/main" id="{1DB7B11B-A7F7-8894-4BAF-68DD060767B3}"/>
+                <a16:creationId xmlns:a16="http://schemas.microsoft.com/office/drawing/2014/main" xmlns="" id="{1DB7B11B-A7F7-8894-4BAF-68DD060767B3}"/>
               </a:ext>
             </a:extLst>
           </p:cNvPr>
@@ -20234,7 +20244,7 @@
           <p:cNvPr id="16" name="矩形 15">
             <a:extLst>
               <a:ext uri="{FF2B5EF4-FFF2-40B4-BE49-F238E27FC236}">
-                <a16:creationId xmlns:a16="http://schemas.microsoft.com/office/drawing/2014/main" id="{5E103417-33D7-7A1E-5135-FE392A9238A1}"/>
+                <a16:creationId xmlns:a16="http://schemas.microsoft.com/office/drawing/2014/main" xmlns="" id="{5E103417-33D7-7A1E-5135-FE392A9238A1}"/>
               </a:ext>
             </a:extLst>
           </p:cNvPr>
@@ -20284,7 +20294,7 @@
           <p:cNvPr id="36" name="Google Shape;74;p14">
             <a:extLst>
               <a:ext uri="{FF2B5EF4-FFF2-40B4-BE49-F238E27FC236}">
-                <a16:creationId xmlns:a16="http://schemas.microsoft.com/office/drawing/2014/main" id="{2E2745A7-5382-D682-E846-353E49F51CE1}"/>
+                <a16:creationId xmlns:a16="http://schemas.microsoft.com/office/drawing/2014/main" xmlns="" id="{2E2745A7-5382-D682-E846-353E49F51CE1}"/>
               </a:ext>
             </a:extLst>
           </p:cNvPr>
@@ -20318,7 +20328,7 @@
           <p:cNvPr id="37" name="Google Shape;75;p14">
             <a:extLst>
               <a:ext uri="{FF2B5EF4-FFF2-40B4-BE49-F238E27FC236}">
-                <a16:creationId xmlns:a16="http://schemas.microsoft.com/office/drawing/2014/main" id="{E3E4915D-2F12-168B-349B-24CDEEB0083B}"/>
+                <a16:creationId xmlns:a16="http://schemas.microsoft.com/office/drawing/2014/main" xmlns="" id="{E3E4915D-2F12-168B-349B-24CDEEB0083B}"/>
               </a:ext>
             </a:extLst>
           </p:cNvPr>
@@ -20352,7 +20362,7 @@
           <p:cNvPr id="40" name="Google Shape;76;p14">
             <a:extLst>
               <a:ext uri="{FF2B5EF4-FFF2-40B4-BE49-F238E27FC236}">
-                <a16:creationId xmlns:a16="http://schemas.microsoft.com/office/drawing/2014/main" id="{1ECE9B11-635C-881C-CE5B-089C627E4372}"/>
+                <a16:creationId xmlns:a16="http://schemas.microsoft.com/office/drawing/2014/main" xmlns="" id="{1ECE9B11-635C-881C-CE5B-089C627E4372}"/>
               </a:ext>
             </a:extLst>
           </p:cNvPr>
@@ -20386,7 +20396,7 @@
           <p:cNvPr id="41" name="Google Shape;77;p14">
             <a:extLst>
               <a:ext uri="{FF2B5EF4-FFF2-40B4-BE49-F238E27FC236}">
-                <a16:creationId xmlns:a16="http://schemas.microsoft.com/office/drawing/2014/main" id="{B873D65F-C642-5A74-03EE-002969DF1388}"/>
+                <a16:creationId xmlns:a16="http://schemas.microsoft.com/office/drawing/2014/main" xmlns="" id="{B873D65F-C642-5A74-03EE-002969DF1388}"/>
               </a:ext>
             </a:extLst>
           </p:cNvPr>
@@ -20420,7 +20430,7 @@
           <p:cNvPr id="42" name="Google Shape;78;p14">
             <a:extLst>
               <a:ext uri="{FF2B5EF4-FFF2-40B4-BE49-F238E27FC236}">
-                <a16:creationId xmlns:a16="http://schemas.microsoft.com/office/drawing/2014/main" id="{971876C7-5053-73D0-155A-9D17633A0F55}"/>
+                <a16:creationId xmlns:a16="http://schemas.microsoft.com/office/drawing/2014/main" xmlns="" id="{971876C7-5053-73D0-155A-9D17633A0F55}"/>
               </a:ext>
             </a:extLst>
           </p:cNvPr>
@@ -20454,7 +20464,7 @@
           <p:cNvPr id="43" name="Google Shape;79;p14">
             <a:extLst>
               <a:ext uri="{FF2B5EF4-FFF2-40B4-BE49-F238E27FC236}">
-                <a16:creationId xmlns:a16="http://schemas.microsoft.com/office/drawing/2014/main" id="{D908096A-7B93-6872-9227-68EFA46E5FEC}"/>
+                <a16:creationId xmlns:a16="http://schemas.microsoft.com/office/drawing/2014/main" xmlns="" id="{D908096A-7B93-6872-9227-68EFA46E5FEC}"/>
               </a:ext>
             </a:extLst>
           </p:cNvPr>
@@ -20488,7 +20498,7 @@
           <p:cNvPr id="44" name="Google Shape;80;p14">
             <a:extLst>
               <a:ext uri="{FF2B5EF4-FFF2-40B4-BE49-F238E27FC236}">
-                <a16:creationId xmlns:a16="http://schemas.microsoft.com/office/drawing/2014/main" id="{5707B8C5-A5A8-44EF-7EA1-212D60CE4405}"/>
+                <a16:creationId xmlns:a16="http://schemas.microsoft.com/office/drawing/2014/main" xmlns="" id="{5707B8C5-A5A8-44EF-7EA1-212D60CE4405}"/>
               </a:ext>
             </a:extLst>
           </p:cNvPr>
@@ -20522,7 +20532,7 @@
           <p:cNvPr id="45" name="Google Shape;81;p14">
             <a:extLst>
               <a:ext uri="{FF2B5EF4-FFF2-40B4-BE49-F238E27FC236}">
-                <a16:creationId xmlns:a16="http://schemas.microsoft.com/office/drawing/2014/main" id="{258DAE7F-F09C-A31E-1F00-ADABD392EAF6}"/>
+                <a16:creationId xmlns:a16="http://schemas.microsoft.com/office/drawing/2014/main" xmlns="" id="{258DAE7F-F09C-A31E-1F00-ADABD392EAF6}"/>
               </a:ext>
             </a:extLst>
           </p:cNvPr>
@@ -20556,7 +20566,7 @@
           <p:cNvPr id="38" name="Google Shape;73;p14">
             <a:extLst>
               <a:ext uri="{FF2B5EF4-FFF2-40B4-BE49-F238E27FC236}">
-                <a16:creationId xmlns:a16="http://schemas.microsoft.com/office/drawing/2014/main" id="{E0001BAF-FACE-D307-1D07-8A20E39EEA01}"/>
+                <a16:creationId xmlns:a16="http://schemas.microsoft.com/office/drawing/2014/main" xmlns="" id="{E0001BAF-FACE-D307-1D07-8A20E39EEA01}"/>
               </a:ext>
             </a:extLst>
           </p:cNvPr>
@@ -20590,7 +20600,7 @@
           <p:cNvPr id="39" name="Google Shape;100;p14">
             <a:extLst>
               <a:ext uri="{FF2B5EF4-FFF2-40B4-BE49-F238E27FC236}">
-                <a16:creationId xmlns:a16="http://schemas.microsoft.com/office/drawing/2014/main" id="{C645A3CD-E123-0AD2-7C08-708809D6E638}"/>
+                <a16:creationId xmlns:a16="http://schemas.microsoft.com/office/drawing/2014/main" xmlns="" id="{C645A3CD-E123-0AD2-7C08-708809D6E638}"/>
               </a:ext>
             </a:extLst>
           </p:cNvPr>
@@ -20635,7 +20645,7 @@
           <p:cNvPr id="3" name="等腰三角形 2">
             <a:extLst>
               <a:ext uri="{FF2B5EF4-FFF2-40B4-BE49-F238E27FC236}">
-                <a16:creationId xmlns:a16="http://schemas.microsoft.com/office/drawing/2014/main" id="{3958D119-CD60-7C80-CFD3-372C4AD8F295}"/>
+                <a16:creationId xmlns:a16="http://schemas.microsoft.com/office/drawing/2014/main" xmlns="" id="{3958D119-CD60-7C80-CFD3-372C4AD8F295}"/>
               </a:ext>
             </a:extLst>
           </p:cNvPr>
@@ -20684,7 +20694,7 @@
           <p:cNvPr id="46" name="等腰三角形 45">
             <a:extLst>
               <a:ext uri="{FF2B5EF4-FFF2-40B4-BE49-F238E27FC236}">
-                <a16:creationId xmlns:a16="http://schemas.microsoft.com/office/drawing/2014/main" id="{5C14F302-8A69-86B2-A50F-83427D1040CD}"/>
+                <a16:creationId xmlns:a16="http://schemas.microsoft.com/office/drawing/2014/main" xmlns="" id="{5C14F302-8A69-86B2-A50F-83427D1040CD}"/>
               </a:ext>
             </a:extLst>
           </p:cNvPr>
@@ -20733,7 +20743,7 @@
           <p:cNvPr id="47" name="等腰三角形 46">
             <a:extLst>
               <a:ext uri="{FF2B5EF4-FFF2-40B4-BE49-F238E27FC236}">
-                <a16:creationId xmlns:a16="http://schemas.microsoft.com/office/drawing/2014/main" id="{44104A55-FCFB-B777-5E13-988287C28FD2}"/>
+                <a16:creationId xmlns:a16="http://schemas.microsoft.com/office/drawing/2014/main" xmlns="" id="{44104A55-FCFB-B777-5E13-988287C28FD2}"/>
               </a:ext>
             </a:extLst>
           </p:cNvPr>
@@ -20782,7 +20792,7 @@
           <p:cNvPr id="48" name="等腰三角形 47">
             <a:extLst>
               <a:ext uri="{FF2B5EF4-FFF2-40B4-BE49-F238E27FC236}">
-                <a16:creationId xmlns:a16="http://schemas.microsoft.com/office/drawing/2014/main" id="{4E345FD8-5C2C-0616-0CF7-1418D66B0ABC}"/>
+                <a16:creationId xmlns:a16="http://schemas.microsoft.com/office/drawing/2014/main" xmlns="" id="{4E345FD8-5C2C-0616-0CF7-1418D66B0ABC}"/>
               </a:ext>
             </a:extLst>
           </p:cNvPr>
@@ -20831,7 +20841,7 @@
           <p:cNvPr id="49" name="等腰三角形 48">
             <a:extLst>
               <a:ext uri="{FF2B5EF4-FFF2-40B4-BE49-F238E27FC236}">
-                <a16:creationId xmlns:a16="http://schemas.microsoft.com/office/drawing/2014/main" id="{71BB4B96-7AF4-C164-AEA3-FEA62D216D12}"/>
+                <a16:creationId xmlns:a16="http://schemas.microsoft.com/office/drawing/2014/main" xmlns="" id="{71BB4B96-7AF4-C164-AEA3-FEA62D216D12}"/>
               </a:ext>
             </a:extLst>
           </p:cNvPr>
@@ -20880,7 +20890,7 @@
           <p:cNvPr id="50" name="等腰三角形 49">
             <a:extLst>
               <a:ext uri="{FF2B5EF4-FFF2-40B4-BE49-F238E27FC236}">
-                <a16:creationId xmlns:a16="http://schemas.microsoft.com/office/drawing/2014/main" id="{5190B8C1-0472-40DA-6E3E-8642A3B77B20}"/>
+                <a16:creationId xmlns:a16="http://schemas.microsoft.com/office/drawing/2014/main" xmlns="" id="{5190B8C1-0472-40DA-6E3E-8642A3B77B20}"/>
               </a:ext>
             </a:extLst>
           </p:cNvPr>
@@ -20929,7 +20939,7 @@
           <p:cNvPr id="51" name="等腰三角形 50">
             <a:extLst>
               <a:ext uri="{FF2B5EF4-FFF2-40B4-BE49-F238E27FC236}">
-                <a16:creationId xmlns:a16="http://schemas.microsoft.com/office/drawing/2014/main" id="{89F4727C-D5F0-4B4A-364B-C53427EB4EF4}"/>
+                <a16:creationId xmlns:a16="http://schemas.microsoft.com/office/drawing/2014/main" xmlns="" id="{89F4727C-D5F0-4B4A-364B-C53427EB4EF4}"/>
               </a:ext>
             </a:extLst>
           </p:cNvPr>
@@ -20978,7 +20988,7 @@
           <p:cNvPr id="52" name="等腰三角形 51">
             <a:extLst>
               <a:ext uri="{FF2B5EF4-FFF2-40B4-BE49-F238E27FC236}">
-                <a16:creationId xmlns:a16="http://schemas.microsoft.com/office/drawing/2014/main" id="{05BC28BD-C926-BEBE-1136-5FB5EE25CFB8}"/>
+                <a16:creationId xmlns:a16="http://schemas.microsoft.com/office/drawing/2014/main" xmlns="" id="{05BC28BD-C926-BEBE-1136-5FB5EE25CFB8}"/>
               </a:ext>
             </a:extLst>
           </p:cNvPr>
@@ -21067,7 +21077,7 @@
           <p:cNvPr id="2" name="标题 1">
             <a:extLst>
               <a:ext uri="{FF2B5EF4-FFF2-40B4-BE49-F238E27FC236}">
-                <a16:creationId xmlns:a16="http://schemas.microsoft.com/office/drawing/2014/main" id="{2A9B6C59-89F9-5390-BB77-F8DB7EF7B310}"/>
+                <a16:creationId xmlns:a16="http://schemas.microsoft.com/office/drawing/2014/main" xmlns="" id="{2A9B6C59-89F9-5390-BB77-F8DB7EF7B310}"/>
               </a:ext>
             </a:extLst>
           </p:cNvPr>
@@ -21142,7 +21152,7 @@
           <p:cNvPr id="2" name="标题 1">
             <a:extLst>
               <a:ext uri="{FF2B5EF4-FFF2-40B4-BE49-F238E27FC236}">
-                <a16:creationId xmlns:a16="http://schemas.microsoft.com/office/drawing/2014/main" id="{80796E82-7314-2FBE-2DE8-DDD70D4DF27E}"/>
+                <a16:creationId xmlns:a16="http://schemas.microsoft.com/office/drawing/2014/main" xmlns="" id="{80796E82-7314-2FBE-2DE8-DDD70D4DF27E}"/>
               </a:ext>
             </a:extLst>
           </p:cNvPr>
@@ -21184,7 +21194,7 @@
           <p:cNvPr id="4" name="文本框 3">
             <a:extLst>
               <a:ext uri="{FF2B5EF4-FFF2-40B4-BE49-F238E27FC236}">
-                <a16:creationId xmlns:a16="http://schemas.microsoft.com/office/drawing/2014/main" id="{3E8E8225-E7B4-E598-7AEB-66BC2EF7864E}"/>
+                <a16:creationId xmlns:a16="http://schemas.microsoft.com/office/drawing/2014/main" xmlns="" id="{3E8E8225-E7B4-E598-7AEB-66BC2EF7864E}"/>
               </a:ext>
             </a:extLst>
           </p:cNvPr>
@@ -21290,7 +21300,7 @@
           <p:cNvPr id="94" name="椭圆 93">
             <a:extLst>
               <a:ext uri="{FF2B5EF4-FFF2-40B4-BE49-F238E27FC236}">
-                <a16:creationId xmlns:a16="http://schemas.microsoft.com/office/drawing/2014/main" id="{8BEE0963-F39F-E799-5A6C-7DB2D9695EA3}"/>
+                <a16:creationId xmlns:a16="http://schemas.microsoft.com/office/drawing/2014/main" xmlns="" id="{8BEE0963-F39F-E799-5A6C-7DB2D9695EA3}"/>
               </a:ext>
             </a:extLst>
           </p:cNvPr>
@@ -21342,7 +21352,7 @@
           <p:cNvPr id="3" name="椭圆 2">
             <a:extLst>
               <a:ext uri="{FF2B5EF4-FFF2-40B4-BE49-F238E27FC236}">
-                <a16:creationId xmlns:a16="http://schemas.microsoft.com/office/drawing/2014/main" id="{012F767B-5206-A517-0D25-41845DA1D568}"/>
+                <a16:creationId xmlns:a16="http://schemas.microsoft.com/office/drawing/2014/main" xmlns="" id="{012F767B-5206-A517-0D25-41845DA1D568}"/>
               </a:ext>
             </a:extLst>
           </p:cNvPr>
@@ -21394,7 +21404,7 @@
           <p:cNvPr id="25" name="图片 24">
             <a:extLst>
               <a:ext uri="{FF2B5EF4-FFF2-40B4-BE49-F238E27FC236}">
-                <a16:creationId xmlns:a16="http://schemas.microsoft.com/office/drawing/2014/main" id="{09006F16-5378-003E-5C0E-8FF9FEC546D4}"/>
+                <a16:creationId xmlns:a16="http://schemas.microsoft.com/office/drawing/2014/main" xmlns="" id="{09006F16-5378-003E-5C0E-8FF9FEC546D4}"/>
               </a:ext>
             </a:extLst>
           </p:cNvPr>
@@ -21424,7 +21434,7 @@
           <p:cNvPr id="26" name="图片 25">
             <a:extLst>
               <a:ext uri="{FF2B5EF4-FFF2-40B4-BE49-F238E27FC236}">
-                <a16:creationId xmlns:a16="http://schemas.microsoft.com/office/drawing/2014/main" id="{2BAD37FB-EB9D-D370-2B51-8E35AAF38167}"/>
+                <a16:creationId xmlns:a16="http://schemas.microsoft.com/office/drawing/2014/main" xmlns="" id="{2BAD37FB-EB9D-D370-2B51-8E35AAF38167}"/>
               </a:ext>
             </a:extLst>
           </p:cNvPr>
@@ -21454,7 +21464,7 @@
           <p:cNvPr id="27" name="图片 26">
             <a:extLst>
               <a:ext uri="{FF2B5EF4-FFF2-40B4-BE49-F238E27FC236}">
-                <a16:creationId xmlns:a16="http://schemas.microsoft.com/office/drawing/2014/main" id="{1C0210CD-C266-B930-E638-BB546D154C74}"/>
+                <a16:creationId xmlns:a16="http://schemas.microsoft.com/office/drawing/2014/main" xmlns="" id="{1C0210CD-C266-B930-E638-BB546D154C74}"/>
               </a:ext>
             </a:extLst>
           </p:cNvPr>
@@ -21484,7 +21494,7 @@
           <p:cNvPr id="12" name="箭头: 右 11">
             <a:extLst>
               <a:ext uri="{FF2B5EF4-FFF2-40B4-BE49-F238E27FC236}">
-                <a16:creationId xmlns:a16="http://schemas.microsoft.com/office/drawing/2014/main" id="{CBE2E6AE-C4B4-960A-F745-009687CC64E1}"/>
+                <a16:creationId xmlns:a16="http://schemas.microsoft.com/office/drawing/2014/main" xmlns="" id="{CBE2E6AE-C4B4-960A-F745-009687CC64E1}"/>
               </a:ext>
             </a:extLst>
           </p:cNvPr>
@@ -21538,7 +21548,7 @@
           <p:cNvPr id="38" name="箭头: 右 37">
             <a:extLst>
               <a:ext uri="{FF2B5EF4-FFF2-40B4-BE49-F238E27FC236}">
-                <a16:creationId xmlns:a16="http://schemas.microsoft.com/office/drawing/2014/main" id="{D83C9897-8C6C-63D0-4980-561938006796}"/>
+                <a16:creationId xmlns:a16="http://schemas.microsoft.com/office/drawing/2014/main" xmlns="" id="{D83C9897-8C6C-63D0-4980-561938006796}"/>
               </a:ext>
             </a:extLst>
           </p:cNvPr>
@@ -21585,7 +21595,7 @@
           <p:cNvPr id="39" name="箭头: 右 38">
             <a:extLst>
               <a:ext uri="{FF2B5EF4-FFF2-40B4-BE49-F238E27FC236}">
-                <a16:creationId xmlns:a16="http://schemas.microsoft.com/office/drawing/2014/main" id="{7541AED3-F942-9EB8-6A5E-FD3C9A6A9741}"/>
+                <a16:creationId xmlns:a16="http://schemas.microsoft.com/office/drawing/2014/main" xmlns="" id="{7541AED3-F942-9EB8-6A5E-FD3C9A6A9741}"/>
               </a:ext>
             </a:extLst>
           </p:cNvPr>
@@ -21662,7 +21672,7 @@
           <p:cNvPr id="2" name="标题 1">
             <a:extLst>
               <a:ext uri="{FF2B5EF4-FFF2-40B4-BE49-F238E27FC236}">
-                <a16:creationId xmlns:a16="http://schemas.microsoft.com/office/drawing/2014/main" id="{80796E82-7314-2FBE-2DE8-DDD70D4DF27E}"/>
+                <a16:creationId xmlns:a16="http://schemas.microsoft.com/office/drawing/2014/main" xmlns="" id="{80796E82-7314-2FBE-2DE8-DDD70D4DF27E}"/>
               </a:ext>
             </a:extLst>
           </p:cNvPr>
@@ -21704,7 +21714,7 @@
           <p:cNvPr id="4" name="文本框 3">
             <a:extLst>
               <a:ext uri="{FF2B5EF4-FFF2-40B4-BE49-F238E27FC236}">
-                <a16:creationId xmlns:a16="http://schemas.microsoft.com/office/drawing/2014/main" id="{3E8E8225-E7B4-E598-7AEB-66BC2EF7864E}"/>
+                <a16:creationId xmlns:a16="http://schemas.microsoft.com/office/drawing/2014/main" xmlns="" id="{3E8E8225-E7B4-E598-7AEB-66BC2EF7864E}"/>
               </a:ext>
             </a:extLst>
           </p:cNvPr>
@@ -21761,7 +21771,7 @@
           <p:cNvPr id="94" name="椭圆 93">
             <a:extLst>
               <a:ext uri="{FF2B5EF4-FFF2-40B4-BE49-F238E27FC236}">
-                <a16:creationId xmlns:a16="http://schemas.microsoft.com/office/drawing/2014/main" id="{8BEE0963-F39F-E799-5A6C-7DB2D9695EA3}"/>
+                <a16:creationId xmlns:a16="http://schemas.microsoft.com/office/drawing/2014/main" xmlns="" id="{8BEE0963-F39F-E799-5A6C-7DB2D9695EA3}"/>
               </a:ext>
             </a:extLst>
           </p:cNvPr>
@@ -21813,7 +21823,7 @@
           <p:cNvPr id="3" name="椭圆 2">
             <a:extLst>
               <a:ext uri="{FF2B5EF4-FFF2-40B4-BE49-F238E27FC236}">
-                <a16:creationId xmlns:a16="http://schemas.microsoft.com/office/drawing/2014/main" id="{012F767B-5206-A517-0D25-41845DA1D568}"/>
+                <a16:creationId xmlns:a16="http://schemas.microsoft.com/office/drawing/2014/main" xmlns="" id="{012F767B-5206-A517-0D25-41845DA1D568}"/>
               </a:ext>
             </a:extLst>
           </p:cNvPr>
@@ -21865,7 +21875,7 @@
           <p:cNvPr id="13" name="椭圆 12">
             <a:extLst>
               <a:ext uri="{FF2B5EF4-FFF2-40B4-BE49-F238E27FC236}">
-                <a16:creationId xmlns:a16="http://schemas.microsoft.com/office/drawing/2014/main" id="{38B7E776-7869-C2EE-A5AD-FE07B12FAB74}"/>
+                <a16:creationId xmlns:a16="http://schemas.microsoft.com/office/drawing/2014/main" xmlns="" id="{38B7E776-7869-C2EE-A5AD-FE07B12FAB74}"/>
               </a:ext>
             </a:extLst>
           </p:cNvPr>
@@ -21921,7 +21931,7 @@
           <p:cNvPr id="14" name="椭圆 13">
             <a:extLst>
               <a:ext uri="{FF2B5EF4-FFF2-40B4-BE49-F238E27FC236}">
-                <a16:creationId xmlns:a16="http://schemas.microsoft.com/office/drawing/2014/main" id="{D8DD0DA6-117D-35B7-99A2-FF9219BEBA7A}"/>
+                <a16:creationId xmlns:a16="http://schemas.microsoft.com/office/drawing/2014/main" xmlns="" id="{D8DD0DA6-117D-35B7-99A2-FF9219BEBA7A}"/>
               </a:ext>
             </a:extLst>
           </p:cNvPr>
@@ -21981,7 +21991,7 @@
           <p:cNvPr id="15" name="椭圆 14">
             <a:extLst>
               <a:ext uri="{FF2B5EF4-FFF2-40B4-BE49-F238E27FC236}">
-                <a16:creationId xmlns:a16="http://schemas.microsoft.com/office/drawing/2014/main" id="{4473FF23-7236-BE2D-9F0F-D30171020183}"/>
+                <a16:creationId xmlns:a16="http://schemas.microsoft.com/office/drawing/2014/main" xmlns="" id="{4473FF23-7236-BE2D-9F0F-D30171020183}"/>
               </a:ext>
             </a:extLst>
           </p:cNvPr>
@@ -22041,7 +22051,7 @@
           <p:cNvPr id="16" name="椭圆 15">
             <a:extLst>
               <a:ext uri="{FF2B5EF4-FFF2-40B4-BE49-F238E27FC236}">
-                <a16:creationId xmlns:a16="http://schemas.microsoft.com/office/drawing/2014/main" id="{5B674586-3FAA-F398-D9DD-3C1412DB22B3}"/>
+                <a16:creationId xmlns:a16="http://schemas.microsoft.com/office/drawing/2014/main" xmlns="" id="{5B674586-3FAA-F398-D9DD-3C1412DB22B3}"/>
               </a:ext>
             </a:extLst>
           </p:cNvPr>
@@ -22101,7 +22111,7 @@
           <p:cNvPr id="17" name="椭圆 16">
             <a:extLst>
               <a:ext uri="{FF2B5EF4-FFF2-40B4-BE49-F238E27FC236}">
-                <a16:creationId xmlns:a16="http://schemas.microsoft.com/office/drawing/2014/main" id="{1B65CA99-0563-B4C2-F8E8-0F681E9BE5AA}"/>
+                <a16:creationId xmlns:a16="http://schemas.microsoft.com/office/drawing/2014/main" xmlns="" id="{1B65CA99-0563-B4C2-F8E8-0F681E9BE5AA}"/>
               </a:ext>
             </a:extLst>
           </p:cNvPr>
@@ -22161,7 +22171,7 @@
           <p:cNvPr id="18" name="椭圆 17">
             <a:extLst>
               <a:ext uri="{FF2B5EF4-FFF2-40B4-BE49-F238E27FC236}">
-                <a16:creationId xmlns:a16="http://schemas.microsoft.com/office/drawing/2014/main" id="{28E9B88E-5089-3E31-A173-9E6BFC411B12}"/>
+                <a16:creationId xmlns:a16="http://schemas.microsoft.com/office/drawing/2014/main" xmlns="" id="{28E9B88E-5089-3E31-A173-9E6BFC411B12}"/>
               </a:ext>
             </a:extLst>
           </p:cNvPr>
@@ -22217,7 +22227,7 @@
           <p:cNvPr id="19" name="椭圆 18">
             <a:extLst>
               <a:ext uri="{FF2B5EF4-FFF2-40B4-BE49-F238E27FC236}">
-                <a16:creationId xmlns:a16="http://schemas.microsoft.com/office/drawing/2014/main" id="{65071104-DAC5-B2F4-E32C-3E8685DC9ABB}"/>
+                <a16:creationId xmlns:a16="http://schemas.microsoft.com/office/drawing/2014/main" xmlns="" id="{65071104-DAC5-B2F4-E32C-3E8685DC9ABB}"/>
               </a:ext>
             </a:extLst>
           </p:cNvPr>
@@ -22273,7 +22283,7 @@
           <p:cNvPr id="20" name="椭圆 19">
             <a:extLst>
               <a:ext uri="{FF2B5EF4-FFF2-40B4-BE49-F238E27FC236}">
-                <a16:creationId xmlns:a16="http://schemas.microsoft.com/office/drawing/2014/main" id="{139AD470-0E68-4E4A-461B-9AC53FA9B15D}"/>
+                <a16:creationId xmlns:a16="http://schemas.microsoft.com/office/drawing/2014/main" xmlns="" id="{139AD470-0E68-4E4A-461B-9AC53FA9B15D}"/>
               </a:ext>
             </a:extLst>
           </p:cNvPr>
@@ -22359,7 +22369,7 @@
           <p:cNvPr id="21" name="图片 20">
             <a:extLst>
               <a:ext uri="{FF2B5EF4-FFF2-40B4-BE49-F238E27FC236}">
-                <a16:creationId xmlns:a16="http://schemas.microsoft.com/office/drawing/2014/main" id="{10E4E8DE-E31A-2625-3BAE-58C9DC6E1CD4}"/>
+                <a16:creationId xmlns:a16="http://schemas.microsoft.com/office/drawing/2014/main" xmlns="" id="{10E4E8DE-E31A-2625-3BAE-58C9DC6E1CD4}"/>
               </a:ext>
             </a:extLst>
           </p:cNvPr>
@@ -22389,7 +22399,7 @@
           <p:cNvPr id="23" name="图片 22">
             <a:extLst>
               <a:ext uri="{FF2B5EF4-FFF2-40B4-BE49-F238E27FC236}">
-                <a16:creationId xmlns:a16="http://schemas.microsoft.com/office/drawing/2014/main" id="{16647850-EC2C-0EB9-87DD-021513204952}"/>
+                <a16:creationId xmlns:a16="http://schemas.microsoft.com/office/drawing/2014/main" xmlns="" id="{16647850-EC2C-0EB9-87DD-021513204952}"/>
               </a:ext>
             </a:extLst>
           </p:cNvPr>
@@ -22419,7 +22429,7 @@
           <p:cNvPr id="27" name="图片 26">
             <a:extLst>
               <a:ext uri="{FF2B5EF4-FFF2-40B4-BE49-F238E27FC236}">
-                <a16:creationId xmlns:a16="http://schemas.microsoft.com/office/drawing/2014/main" id="{772A4570-CF22-2902-D9E1-D7E60C021041}"/>
+                <a16:creationId xmlns:a16="http://schemas.microsoft.com/office/drawing/2014/main" xmlns="" id="{772A4570-CF22-2902-D9E1-D7E60C021041}"/>
               </a:ext>
             </a:extLst>
           </p:cNvPr>
@@ -22449,7 +22459,7 @@
           <p:cNvPr id="29" name="图片 28">
             <a:extLst>
               <a:ext uri="{FF2B5EF4-FFF2-40B4-BE49-F238E27FC236}">
-                <a16:creationId xmlns:a16="http://schemas.microsoft.com/office/drawing/2014/main" id="{5128C50F-4299-3146-AEDE-C73B90459F44}"/>
+                <a16:creationId xmlns:a16="http://schemas.microsoft.com/office/drawing/2014/main" xmlns="" id="{5128C50F-4299-3146-AEDE-C73B90459F44}"/>
               </a:ext>
             </a:extLst>
           </p:cNvPr>
@@ -22479,7 +22489,7 @@
           <p:cNvPr id="31" name="图片 30">
             <a:extLst>
               <a:ext uri="{FF2B5EF4-FFF2-40B4-BE49-F238E27FC236}">
-                <a16:creationId xmlns:a16="http://schemas.microsoft.com/office/drawing/2014/main" id="{324F68F4-34AD-C9E9-3330-8E7CEFCD4AB8}"/>
+                <a16:creationId xmlns:a16="http://schemas.microsoft.com/office/drawing/2014/main" xmlns="" id="{324F68F4-34AD-C9E9-3330-8E7CEFCD4AB8}"/>
               </a:ext>
             </a:extLst>
           </p:cNvPr>
@@ -22509,7 +22519,7 @@
           <p:cNvPr id="33" name="图片 32">
             <a:extLst>
               <a:ext uri="{FF2B5EF4-FFF2-40B4-BE49-F238E27FC236}">
-                <a16:creationId xmlns:a16="http://schemas.microsoft.com/office/drawing/2014/main" id="{5B816CFB-BEEB-34C9-241C-39D4F80BE612}"/>
+                <a16:creationId xmlns:a16="http://schemas.microsoft.com/office/drawing/2014/main" xmlns="" id="{5B816CFB-BEEB-34C9-241C-39D4F80BE612}"/>
               </a:ext>
             </a:extLst>
           </p:cNvPr>
@@ -22539,7 +22549,7 @@
           <p:cNvPr id="35" name="图片 34">
             <a:extLst>
               <a:ext uri="{FF2B5EF4-FFF2-40B4-BE49-F238E27FC236}">
-                <a16:creationId xmlns:a16="http://schemas.microsoft.com/office/drawing/2014/main" id="{63EE9772-9831-CB1A-0402-4088D44FAAEA}"/>
+                <a16:creationId xmlns:a16="http://schemas.microsoft.com/office/drawing/2014/main" xmlns="" id="{63EE9772-9831-CB1A-0402-4088D44FAAEA}"/>
               </a:ext>
             </a:extLst>
           </p:cNvPr>
@@ -22569,7 +22579,7 @@
           <p:cNvPr id="37" name="图片 36">
             <a:extLst>
               <a:ext uri="{FF2B5EF4-FFF2-40B4-BE49-F238E27FC236}">
-                <a16:creationId xmlns:a16="http://schemas.microsoft.com/office/drawing/2014/main" id="{3BC861CE-A12C-44C5-DC11-968D86D804D5}"/>
+                <a16:creationId xmlns:a16="http://schemas.microsoft.com/office/drawing/2014/main" xmlns="" id="{3BC861CE-A12C-44C5-DC11-968D86D804D5}"/>
               </a:ext>
             </a:extLst>
           </p:cNvPr>
@@ -22629,7 +22639,7 @@
           <p:cNvPr id="2" name="标题 1">
             <a:extLst>
               <a:ext uri="{FF2B5EF4-FFF2-40B4-BE49-F238E27FC236}">
-                <a16:creationId xmlns:a16="http://schemas.microsoft.com/office/drawing/2014/main" id="{80796E82-7314-2FBE-2DE8-DDD70D4DF27E}"/>
+                <a16:creationId xmlns:a16="http://schemas.microsoft.com/office/drawing/2014/main" xmlns="" id="{80796E82-7314-2FBE-2DE8-DDD70D4DF27E}"/>
               </a:ext>
             </a:extLst>
           </p:cNvPr>
@@ -22678,7 +22688,7 @@
           <p:cNvPr id="4" name="文本框 3">
             <a:extLst>
               <a:ext uri="{FF2B5EF4-FFF2-40B4-BE49-F238E27FC236}">
-                <a16:creationId xmlns:a16="http://schemas.microsoft.com/office/drawing/2014/main" id="{3E8E8225-E7B4-E598-7AEB-66BC2EF7864E}"/>
+                <a16:creationId xmlns:a16="http://schemas.microsoft.com/office/drawing/2014/main" xmlns="" id="{3E8E8225-E7B4-E598-7AEB-66BC2EF7864E}"/>
               </a:ext>
             </a:extLst>
           </p:cNvPr>
@@ -22780,7 +22790,7 @@
           <p:cNvPr id="94" name="椭圆 93">
             <a:extLst>
               <a:ext uri="{FF2B5EF4-FFF2-40B4-BE49-F238E27FC236}">
-                <a16:creationId xmlns:a16="http://schemas.microsoft.com/office/drawing/2014/main" id="{8BEE0963-F39F-E799-5A6C-7DB2D9695EA3}"/>
+                <a16:creationId xmlns:a16="http://schemas.microsoft.com/office/drawing/2014/main" xmlns="" id="{8BEE0963-F39F-E799-5A6C-7DB2D9695EA3}"/>
               </a:ext>
             </a:extLst>
           </p:cNvPr>
@@ -22832,7 +22842,7 @@
           <p:cNvPr id="3" name="椭圆 2">
             <a:extLst>
               <a:ext uri="{FF2B5EF4-FFF2-40B4-BE49-F238E27FC236}">
-                <a16:creationId xmlns:a16="http://schemas.microsoft.com/office/drawing/2014/main" id="{012F767B-5206-A517-0D25-41845DA1D568}"/>
+                <a16:creationId xmlns:a16="http://schemas.microsoft.com/office/drawing/2014/main" xmlns="" id="{012F767B-5206-A517-0D25-41845DA1D568}"/>
               </a:ext>
             </a:extLst>
           </p:cNvPr>
@@ -22884,7 +22894,7 @@
           <p:cNvPr id="13" name="椭圆 12">
             <a:extLst>
               <a:ext uri="{FF2B5EF4-FFF2-40B4-BE49-F238E27FC236}">
-                <a16:creationId xmlns:a16="http://schemas.microsoft.com/office/drawing/2014/main" id="{38B7E776-7869-C2EE-A5AD-FE07B12FAB74}"/>
+                <a16:creationId xmlns:a16="http://schemas.microsoft.com/office/drawing/2014/main" xmlns="" id="{38B7E776-7869-C2EE-A5AD-FE07B12FAB74}"/>
               </a:ext>
             </a:extLst>
           </p:cNvPr>
@@ -22940,7 +22950,7 @@
           <p:cNvPr id="20" name="椭圆 19">
             <a:extLst>
               <a:ext uri="{FF2B5EF4-FFF2-40B4-BE49-F238E27FC236}">
-                <a16:creationId xmlns:a16="http://schemas.microsoft.com/office/drawing/2014/main" id="{139AD470-0E68-4E4A-461B-9AC53FA9B15D}"/>
+                <a16:creationId xmlns:a16="http://schemas.microsoft.com/office/drawing/2014/main" xmlns="" id="{139AD470-0E68-4E4A-461B-9AC53FA9B15D}"/>
               </a:ext>
             </a:extLst>
           </p:cNvPr>
@@ -22996,7 +23006,7 @@
           <p:cNvPr id="29" name="图片 28">
             <a:extLst>
               <a:ext uri="{FF2B5EF4-FFF2-40B4-BE49-F238E27FC236}">
-                <a16:creationId xmlns:a16="http://schemas.microsoft.com/office/drawing/2014/main" id="{37828109-D1DB-24B1-070F-6C6C2342A787}"/>
+                <a16:creationId xmlns:a16="http://schemas.microsoft.com/office/drawing/2014/main" xmlns="" id="{37828109-D1DB-24B1-070F-6C6C2342A787}"/>
               </a:ext>
             </a:extLst>
           </p:cNvPr>
@@ -23026,7 +23036,7 @@
           <p:cNvPr id="30" name="图片 29">
             <a:extLst>
               <a:ext uri="{FF2B5EF4-FFF2-40B4-BE49-F238E27FC236}">
-                <a16:creationId xmlns:a16="http://schemas.microsoft.com/office/drawing/2014/main" id="{308EB72D-0591-1F78-12FC-CD798BD7E73D}"/>
+                <a16:creationId xmlns:a16="http://schemas.microsoft.com/office/drawing/2014/main" xmlns="" id="{308EB72D-0591-1F78-12FC-CD798BD7E73D}"/>
               </a:ext>
             </a:extLst>
           </p:cNvPr>
@@ -23056,7 +23066,7 @@
           <p:cNvPr id="31" name="图片 30">
             <a:extLst>
               <a:ext uri="{FF2B5EF4-FFF2-40B4-BE49-F238E27FC236}">
-                <a16:creationId xmlns:a16="http://schemas.microsoft.com/office/drawing/2014/main" id="{07F4B817-9FB7-F356-BFC2-674680D05075}"/>
+                <a16:creationId xmlns:a16="http://schemas.microsoft.com/office/drawing/2014/main" xmlns="" id="{07F4B817-9FB7-F356-BFC2-674680D05075}"/>
               </a:ext>
             </a:extLst>
           </p:cNvPr>
@@ -23086,7 +23096,7 @@
           <p:cNvPr id="32" name="图片 31">
             <a:extLst>
               <a:ext uri="{FF2B5EF4-FFF2-40B4-BE49-F238E27FC236}">
-                <a16:creationId xmlns:a16="http://schemas.microsoft.com/office/drawing/2014/main" id="{6AD0DB1A-3123-D4EB-783F-2A1EBF1F865D}"/>
+                <a16:creationId xmlns:a16="http://schemas.microsoft.com/office/drawing/2014/main" xmlns="" id="{6AD0DB1A-3123-D4EB-783F-2A1EBF1F865D}"/>
               </a:ext>
             </a:extLst>
           </p:cNvPr>
@@ -23116,7 +23126,7 @@
           <p:cNvPr id="33" name="图片 32">
             <a:extLst>
               <a:ext uri="{FF2B5EF4-FFF2-40B4-BE49-F238E27FC236}">
-                <a16:creationId xmlns:a16="http://schemas.microsoft.com/office/drawing/2014/main" id="{6EA6B283-FA33-8B5F-19D9-23C22512D6A2}"/>
+                <a16:creationId xmlns:a16="http://schemas.microsoft.com/office/drawing/2014/main" xmlns="" id="{6EA6B283-FA33-8B5F-19D9-23C22512D6A2}"/>
               </a:ext>
             </a:extLst>
           </p:cNvPr>
@@ -23146,7 +23156,7 @@
           <p:cNvPr id="34" name="图片 33">
             <a:extLst>
               <a:ext uri="{FF2B5EF4-FFF2-40B4-BE49-F238E27FC236}">
-                <a16:creationId xmlns:a16="http://schemas.microsoft.com/office/drawing/2014/main" id="{A7CC21E1-7467-1ACF-2ED7-68959584D6DF}"/>
+                <a16:creationId xmlns:a16="http://schemas.microsoft.com/office/drawing/2014/main" xmlns="" id="{A7CC21E1-7467-1ACF-2ED7-68959584D6DF}"/>
               </a:ext>
             </a:extLst>
           </p:cNvPr>
@@ -23176,7 +23186,7 @@
           <p:cNvPr id="35" name="图片 34">
             <a:extLst>
               <a:ext uri="{FF2B5EF4-FFF2-40B4-BE49-F238E27FC236}">
-                <a16:creationId xmlns:a16="http://schemas.microsoft.com/office/drawing/2014/main" id="{4FD1822D-6EF2-CCB1-76AC-A770762EDBFB}"/>
+                <a16:creationId xmlns:a16="http://schemas.microsoft.com/office/drawing/2014/main" xmlns="" id="{4FD1822D-6EF2-CCB1-76AC-A770762EDBFB}"/>
               </a:ext>
             </a:extLst>
           </p:cNvPr>
@@ -23206,7 +23216,7 @@
           <p:cNvPr id="36" name="图片 35">
             <a:extLst>
               <a:ext uri="{FF2B5EF4-FFF2-40B4-BE49-F238E27FC236}">
-                <a16:creationId xmlns:a16="http://schemas.microsoft.com/office/drawing/2014/main" id="{9E02D9AC-14F1-BAD2-3488-0805428D78DE}"/>
+                <a16:creationId xmlns:a16="http://schemas.microsoft.com/office/drawing/2014/main" xmlns="" id="{9E02D9AC-14F1-BAD2-3488-0805428D78DE}"/>
               </a:ext>
             </a:extLst>
           </p:cNvPr>
@@ -23236,7 +23246,7 @@
           <p:cNvPr id="39" name="箭头: 右 38">
             <a:extLst>
               <a:ext uri="{FF2B5EF4-FFF2-40B4-BE49-F238E27FC236}">
-                <a16:creationId xmlns:a16="http://schemas.microsoft.com/office/drawing/2014/main" id="{E96F8D33-A9BF-94AC-B64B-D6CB8722BEEB}"/>
+                <a16:creationId xmlns:a16="http://schemas.microsoft.com/office/drawing/2014/main" xmlns="" id="{E96F8D33-A9BF-94AC-B64B-D6CB8722BEEB}"/>
               </a:ext>
             </a:extLst>
           </p:cNvPr>
@@ -23288,7 +23298,7 @@
           <p:cNvPr id="40" name="箭头: 右 39">
             <a:extLst>
               <a:ext uri="{FF2B5EF4-FFF2-40B4-BE49-F238E27FC236}">
-                <a16:creationId xmlns:a16="http://schemas.microsoft.com/office/drawing/2014/main" id="{9C2A8819-B668-0107-BB7F-64E2A52819BC}"/>
+                <a16:creationId xmlns:a16="http://schemas.microsoft.com/office/drawing/2014/main" xmlns="" id="{9C2A8819-B668-0107-BB7F-64E2A52819BC}"/>
               </a:ext>
             </a:extLst>
           </p:cNvPr>
@@ -23370,7 +23380,7 @@
           <p:cNvPr id="2" name="标题 1">
             <a:extLst>
               <a:ext uri="{FF2B5EF4-FFF2-40B4-BE49-F238E27FC236}">
-                <a16:creationId xmlns:a16="http://schemas.microsoft.com/office/drawing/2014/main" id="{80796E82-7314-2FBE-2DE8-DDD70D4DF27E}"/>
+                <a16:creationId xmlns:a16="http://schemas.microsoft.com/office/drawing/2014/main" xmlns="" id="{80796E82-7314-2FBE-2DE8-DDD70D4DF27E}"/>
               </a:ext>
             </a:extLst>
           </p:cNvPr>
@@ -23419,7 +23429,7 @@
           <p:cNvPr id="4" name="文本框 3">
             <a:extLst>
               <a:ext uri="{FF2B5EF4-FFF2-40B4-BE49-F238E27FC236}">
-                <a16:creationId xmlns:a16="http://schemas.microsoft.com/office/drawing/2014/main" id="{3E8E8225-E7B4-E598-7AEB-66BC2EF7864E}"/>
+                <a16:creationId xmlns:a16="http://schemas.microsoft.com/office/drawing/2014/main" xmlns="" id="{3E8E8225-E7B4-E598-7AEB-66BC2EF7864E}"/>
               </a:ext>
             </a:extLst>
           </p:cNvPr>
@@ -23513,7 +23523,7 @@
           <p:cNvPr id="94" name="椭圆 93">
             <a:extLst>
               <a:ext uri="{FF2B5EF4-FFF2-40B4-BE49-F238E27FC236}">
-                <a16:creationId xmlns:a16="http://schemas.microsoft.com/office/drawing/2014/main" id="{8BEE0963-F39F-E799-5A6C-7DB2D9695EA3}"/>
+                <a16:creationId xmlns:a16="http://schemas.microsoft.com/office/drawing/2014/main" xmlns="" id="{8BEE0963-F39F-E799-5A6C-7DB2D9695EA3}"/>
               </a:ext>
             </a:extLst>
           </p:cNvPr>
@@ -23565,7 +23575,7 @@
           <p:cNvPr id="3" name="椭圆 2">
             <a:extLst>
               <a:ext uri="{FF2B5EF4-FFF2-40B4-BE49-F238E27FC236}">
-                <a16:creationId xmlns:a16="http://schemas.microsoft.com/office/drawing/2014/main" id="{012F767B-5206-A517-0D25-41845DA1D568}"/>
+                <a16:creationId xmlns:a16="http://schemas.microsoft.com/office/drawing/2014/main" xmlns="" id="{012F767B-5206-A517-0D25-41845DA1D568}"/>
               </a:ext>
             </a:extLst>
           </p:cNvPr>
@@ -23617,7 +23627,7 @@
           <p:cNvPr id="18" name="椭圆 17">
             <a:extLst>
               <a:ext uri="{FF2B5EF4-FFF2-40B4-BE49-F238E27FC236}">
-                <a16:creationId xmlns:a16="http://schemas.microsoft.com/office/drawing/2014/main" id="{4B33E43D-6830-FFA6-F0D9-FE3548A9AEEB}"/>
+                <a16:creationId xmlns:a16="http://schemas.microsoft.com/office/drawing/2014/main" xmlns="" id="{4B33E43D-6830-FFA6-F0D9-FE3548A9AEEB}"/>
               </a:ext>
             </a:extLst>
           </p:cNvPr>
@@ -23677,7 +23687,7 @@
           <p:cNvPr id="19" name="椭圆 18">
             <a:extLst>
               <a:ext uri="{FF2B5EF4-FFF2-40B4-BE49-F238E27FC236}">
-                <a16:creationId xmlns:a16="http://schemas.microsoft.com/office/drawing/2014/main" id="{C1D855FC-C9AF-91CE-40B0-D44AA72FE829}"/>
+                <a16:creationId xmlns:a16="http://schemas.microsoft.com/office/drawing/2014/main" xmlns="" id="{C1D855FC-C9AF-91CE-40B0-D44AA72FE829}"/>
               </a:ext>
             </a:extLst>
           </p:cNvPr>
@@ -23737,7 +23747,7 @@
           <p:cNvPr id="29" name="图片 28">
             <a:extLst>
               <a:ext uri="{FF2B5EF4-FFF2-40B4-BE49-F238E27FC236}">
-                <a16:creationId xmlns:a16="http://schemas.microsoft.com/office/drawing/2014/main" id="{37828109-D1DB-24B1-070F-6C6C2342A787}"/>
+                <a16:creationId xmlns:a16="http://schemas.microsoft.com/office/drawing/2014/main" xmlns="" id="{37828109-D1DB-24B1-070F-6C6C2342A787}"/>
               </a:ext>
             </a:extLst>
           </p:cNvPr>
@@ -23767,7 +23777,7 @@
           <p:cNvPr id="30" name="图片 29">
             <a:extLst>
               <a:ext uri="{FF2B5EF4-FFF2-40B4-BE49-F238E27FC236}">
-                <a16:creationId xmlns:a16="http://schemas.microsoft.com/office/drawing/2014/main" id="{308EB72D-0591-1F78-12FC-CD798BD7E73D}"/>
+                <a16:creationId xmlns:a16="http://schemas.microsoft.com/office/drawing/2014/main" xmlns="" id="{308EB72D-0591-1F78-12FC-CD798BD7E73D}"/>
               </a:ext>
             </a:extLst>
           </p:cNvPr>
@@ -23797,7 +23807,7 @@
           <p:cNvPr id="31" name="图片 30">
             <a:extLst>
               <a:ext uri="{FF2B5EF4-FFF2-40B4-BE49-F238E27FC236}">
-                <a16:creationId xmlns:a16="http://schemas.microsoft.com/office/drawing/2014/main" id="{07F4B817-9FB7-F356-BFC2-674680D05075}"/>
+                <a16:creationId xmlns:a16="http://schemas.microsoft.com/office/drawing/2014/main" xmlns="" id="{07F4B817-9FB7-F356-BFC2-674680D05075}"/>
               </a:ext>
             </a:extLst>
           </p:cNvPr>
@@ -23827,7 +23837,7 @@
           <p:cNvPr id="32" name="图片 31">
             <a:extLst>
               <a:ext uri="{FF2B5EF4-FFF2-40B4-BE49-F238E27FC236}">
-                <a16:creationId xmlns:a16="http://schemas.microsoft.com/office/drawing/2014/main" id="{6AD0DB1A-3123-D4EB-783F-2A1EBF1F865D}"/>
+                <a16:creationId xmlns:a16="http://schemas.microsoft.com/office/drawing/2014/main" xmlns="" id="{6AD0DB1A-3123-D4EB-783F-2A1EBF1F865D}"/>
               </a:ext>
             </a:extLst>
           </p:cNvPr>
@@ -23857,7 +23867,7 @@
           <p:cNvPr id="33" name="图片 32">
             <a:extLst>
               <a:ext uri="{FF2B5EF4-FFF2-40B4-BE49-F238E27FC236}">
-                <a16:creationId xmlns:a16="http://schemas.microsoft.com/office/drawing/2014/main" id="{6EA6B283-FA33-8B5F-19D9-23C22512D6A2}"/>
+                <a16:creationId xmlns:a16="http://schemas.microsoft.com/office/drawing/2014/main" xmlns="" id="{6EA6B283-FA33-8B5F-19D9-23C22512D6A2}"/>
               </a:ext>
             </a:extLst>
           </p:cNvPr>
@@ -23887,7 +23897,7 @@
           <p:cNvPr id="34" name="图片 33">
             <a:extLst>
               <a:ext uri="{FF2B5EF4-FFF2-40B4-BE49-F238E27FC236}">
-                <a16:creationId xmlns:a16="http://schemas.microsoft.com/office/drawing/2014/main" id="{A7CC21E1-7467-1ACF-2ED7-68959584D6DF}"/>
+                <a16:creationId xmlns:a16="http://schemas.microsoft.com/office/drawing/2014/main" xmlns="" id="{A7CC21E1-7467-1ACF-2ED7-68959584D6DF}"/>
               </a:ext>
             </a:extLst>
           </p:cNvPr>
@@ -23917,7 +23927,7 @@
           <p:cNvPr id="35" name="图片 34">
             <a:extLst>
               <a:ext uri="{FF2B5EF4-FFF2-40B4-BE49-F238E27FC236}">
-                <a16:creationId xmlns:a16="http://schemas.microsoft.com/office/drawing/2014/main" id="{4FD1822D-6EF2-CCB1-76AC-A770762EDBFB}"/>
+                <a16:creationId xmlns:a16="http://schemas.microsoft.com/office/drawing/2014/main" xmlns="" id="{4FD1822D-6EF2-CCB1-76AC-A770762EDBFB}"/>
               </a:ext>
             </a:extLst>
           </p:cNvPr>
@@ -23947,7 +23957,7 @@
           <p:cNvPr id="36" name="图片 35">
             <a:extLst>
               <a:ext uri="{FF2B5EF4-FFF2-40B4-BE49-F238E27FC236}">
-                <a16:creationId xmlns:a16="http://schemas.microsoft.com/office/drawing/2014/main" id="{9E02D9AC-14F1-BAD2-3488-0805428D78DE}"/>
+                <a16:creationId xmlns:a16="http://schemas.microsoft.com/office/drawing/2014/main" xmlns="" id="{9E02D9AC-14F1-BAD2-3488-0805428D78DE}"/>
               </a:ext>
             </a:extLst>
           </p:cNvPr>
@@ -23977,7 +23987,7 @@
           <p:cNvPr id="21" name="箭头: 右 20">
             <a:extLst>
               <a:ext uri="{FF2B5EF4-FFF2-40B4-BE49-F238E27FC236}">
-                <a16:creationId xmlns:a16="http://schemas.microsoft.com/office/drawing/2014/main" id="{712099D5-D46D-2313-85E7-AA26A729A7DC}"/>
+                <a16:creationId xmlns:a16="http://schemas.microsoft.com/office/drawing/2014/main" xmlns="" id="{712099D5-D46D-2313-85E7-AA26A729A7DC}"/>
               </a:ext>
             </a:extLst>
           </p:cNvPr>
@@ -24029,7 +24039,7 @@
           <p:cNvPr id="22" name="箭头: 右 21">
             <a:extLst>
               <a:ext uri="{FF2B5EF4-FFF2-40B4-BE49-F238E27FC236}">
-                <a16:creationId xmlns:a16="http://schemas.microsoft.com/office/drawing/2014/main" id="{1919A2B7-D3C5-A1AD-8659-FD3B9646534B}"/>
+                <a16:creationId xmlns:a16="http://schemas.microsoft.com/office/drawing/2014/main" xmlns="" id="{1919A2B7-D3C5-A1AD-8659-FD3B9646534B}"/>
               </a:ext>
             </a:extLst>
           </p:cNvPr>
@@ -24111,7 +24121,7 @@
           <p:cNvPr id="2" name="标题 1">
             <a:extLst>
               <a:ext uri="{FF2B5EF4-FFF2-40B4-BE49-F238E27FC236}">
-                <a16:creationId xmlns:a16="http://schemas.microsoft.com/office/drawing/2014/main" id="{80796E82-7314-2FBE-2DE8-DDD70D4DF27E}"/>
+                <a16:creationId xmlns:a16="http://schemas.microsoft.com/office/drawing/2014/main" xmlns="" id="{80796E82-7314-2FBE-2DE8-DDD70D4DF27E}"/>
               </a:ext>
             </a:extLst>
           </p:cNvPr>
@@ -24160,7 +24170,7 @@
           <p:cNvPr id="4" name="文本框 3">
             <a:extLst>
               <a:ext uri="{FF2B5EF4-FFF2-40B4-BE49-F238E27FC236}">
-                <a16:creationId xmlns:a16="http://schemas.microsoft.com/office/drawing/2014/main" id="{3E8E8225-E7B4-E598-7AEB-66BC2EF7864E}"/>
+                <a16:creationId xmlns:a16="http://schemas.microsoft.com/office/drawing/2014/main" xmlns="" id="{3E8E8225-E7B4-E598-7AEB-66BC2EF7864E}"/>
               </a:ext>
             </a:extLst>
           </p:cNvPr>
@@ -24254,7 +24264,7 @@
           <p:cNvPr id="94" name="椭圆 93">
             <a:extLst>
               <a:ext uri="{FF2B5EF4-FFF2-40B4-BE49-F238E27FC236}">
-                <a16:creationId xmlns:a16="http://schemas.microsoft.com/office/drawing/2014/main" id="{8BEE0963-F39F-E799-5A6C-7DB2D9695EA3}"/>
+                <a16:creationId xmlns:a16="http://schemas.microsoft.com/office/drawing/2014/main" xmlns="" id="{8BEE0963-F39F-E799-5A6C-7DB2D9695EA3}"/>
               </a:ext>
             </a:extLst>
           </p:cNvPr>
@@ -24306,7 +24316,7 @@
           <p:cNvPr id="3" name="椭圆 2">
             <a:extLst>
               <a:ext uri="{FF2B5EF4-FFF2-40B4-BE49-F238E27FC236}">
-                <a16:creationId xmlns:a16="http://schemas.microsoft.com/office/drawing/2014/main" id="{012F767B-5206-A517-0D25-41845DA1D568}"/>
+                <a16:creationId xmlns:a16="http://schemas.microsoft.com/office/drawing/2014/main" xmlns="" id="{012F767B-5206-A517-0D25-41845DA1D568}"/>
               </a:ext>
             </a:extLst>
           </p:cNvPr>
@@ -24358,7 +24368,7 @@
           <p:cNvPr id="21" name="箭头: 右 20">
             <a:extLst>
               <a:ext uri="{FF2B5EF4-FFF2-40B4-BE49-F238E27FC236}">
-                <a16:creationId xmlns:a16="http://schemas.microsoft.com/office/drawing/2014/main" id="{712099D5-D46D-2313-85E7-AA26A729A7DC}"/>
+                <a16:creationId xmlns:a16="http://schemas.microsoft.com/office/drawing/2014/main" xmlns="" id="{712099D5-D46D-2313-85E7-AA26A729A7DC}"/>
               </a:ext>
             </a:extLst>
           </p:cNvPr>
@@ -24410,7 +24420,7 @@
           <p:cNvPr id="22" name="箭头: 右 21">
             <a:extLst>
               <a:ext uri="{FF2B5EF4-FFF2-40B4-BE49-F238E27FC236}">
-                <a16:creationId xmlns:a16="http://schemas.microsoft.com/office/drawing/2014/main" id="{1919A2B7-D3C5-A1AD-8659-FD3B9646534B}"/>
+                <a16:creationId xmlns:a16="http://schemas.microsoft.com/office/drawing/2014/main" xmlns="" id="{1919A2B7-D3C5-A1AD-8659-FD3B9646534B}"/>
               </a:ext>
             </a:extLst>
           </p:cNvPr>
@@ -24462,7 +24472,7 @@
           <p:cNvPr id="20" name="椭圆 19">
             <a:extLst>
               <a:ext uri="{FF2B5EF4-FFF2-40B4-BE49-F238E27FC236}">
-                <a16:creationId xmlns:a16="http://schemas.microsoft.com/office/drawing/2014/main" id="{71FC337B-6083-D7E5-BB6D-172C403FA83F}"/>
+                <a16:creationId xmlns:a16="http://schemas.microsoft.com/office/drawing/2014/main" xmlns="" id="{71FC337B-6083-D7E5-BB6D-172C403FA83F}"/>
               </a:ext>
             </a:extLst>
           </p:cNvPr>
@@ -24518,7 +24528,7 @@
           <p:cNvPr id="23" name="椭圆 22">
             <a:extLst>
               <a:ext uri="{FF2B5EF4-FFF2-40B4-BE49-F238E27FC236}">
-                <a16:creationId xmlns:a16="http://schemas.microsoft.com/office/drawing/2014/main" id="{42806F08-B73F-5A19-8F02-2707349F41F2}"/>
+                <a16:creationId xmlns:a16="http://schemas.microsoft.com/office/drawing/2014/main" xmlns="" id="{42806F08-B73F-5A19-8F02-2707349F41F2}"/>
               </a:ext>
             </a:extLst>
           </p:cNvPr>
@@ -24574,7 +24584,7 @@
           <p:cNvPr id="29" name="图片 28">
             <a:extLst>
               <a:ext uri="{FF2B5EF4-FFF2-40B4-BE49-F238E27FC236}">
-                <a16:creationId xmlns:a16="http://schemas.microsoft.com/office/drawing/2014/main" id="{37828109-D1DB-24B1-070F-6C6C2342A787}"/>
+                <a16:creationId xmlns:a16="http://schemas.microsoft.com/office/drawing/2014/main" xmlns="" id="{37828109-D1DB-24B1-070F-6C6C2342A787}"/>
               </a:ext>
             </a:extLst>
           </p:cNvPr>
@@ -24604,7 +24614,7 @@
           <p:cNvPr id="30" name="图片 29">
             <a:extLst>
               <a:ext uri="{FF2B5EF4-FFF2-40B4-BE49-F238E27FC236}">
-                <a16:creationId xmlns:a16="http://schemas.microsoft.com/office/drawing/2014/main" id="{308EB72D-0591-1F78-12FC-CD798BD7E73D}"/>
+                <a16:creationId xmlns:a16="http://schemas.microsoft.com/office/drawing/2014/main" xmlns="" id="{308EB72D-0591-1F78-12FC-CD798BD7E73D}"/>
               </a:ext>
             </a:extLst>
           </p:cNvPr>
@@ -24634,7 +24644,7 @@
           <p:cNvPr id="31" name="图片 30">
             <a:extLst>
               <a:ext uri="{FF2B5EF4-FFF2-40B4-BE49-F238E27FC236}">
-                <a16:creationId xmlns:a16="http://schemas.microsoft.com/office/drawing/2014/main" id="{07F4B817-9FB7-F356-BFC2-674680D05075}"/>
+                <a16:creationId xmlns:a16="http://schemas.microsoft.com/office/drawing/2014/main" xmlns="" id="{07F4B817-9FB7-F356-BFC2-674680D05075}"/>
               </a:ext>
             </a:extLst>
           </p:cNvPr>
@@ -24664,7 +24674,7 @@
           <p:cNvPr id="32" name="图片 31">
             <a:extLst>
               <a:ext uri="{FF2B5EF4-FFF2-40B4-BE49-F238E27FC236}">
-                <a16:creationId xmlns:a16="http://schemas.microsoft.com/office/drawing/2014/main" id="{6AD0DB1A-3123-D4EB-783F-2A1EBF1F865D}"/>
+                <a16:creationId xmlns:a16="http://schemas.microsoft.com/office/drawing/2014/main" xmlns="" id="{6AD0DB1A-3123-D4EB-783F-2A1EBF1F865D}"/>
               </a:ext>
             </a:extLst>
           </p:cNvPr>
@@ -24694,7 +24704,7 @@
           <p:cNvPr id="33" name="图片 32">
             <a:extLst>
               <a:ext uri="{FF2B5EF4-FFF2-40B4-BE49-F238E27FC236}">
-                <a16:creationId xmlns:a16="http://schemas.microsoft.com/office/drawing/2014/main" id="{6EA6B283-FA33-8B5F-19D9-23C22512D6A2}"/>
+                <a16:creationId xmlns:a16="http://schemas.microsoft.com/office/drawing/2014/main" xmlns="" id="{6EA6B283-FA33-8B5F-19D9-23C22512D6A2}"/>
               </a:ext>
             </a:extLst>
           </p:cNvPr>
@@ -24724,7 +24734,7 @@
           <p:cNvPr id="34" name="图片 33">
             <a:extLst>
               <a:ext uri="{FF2B5EF4-FFF2-40B4-BE49-F238E27FC236}">
-                <a16:creationId xmlns:a16="http://schemas.microsoft.com/office/drawing/2014/main" id="{A7CC21E1-7467-1ACF-2ED7-68959584D6DF}"/>
+                <a16:creationId xmlns:a16="http://schemas.microsoft.com/office/drawing/2014/main" xmlns="" id="{A7CC21E1-7467-1ACF-2ED7-68959584D6DF}"/>
               </a:ext>
             </a:extLst>
           </p:cNvPr>
@@ -24754,7 +24764,7 @@
           <p:cNvPr id="35" name="图片 34">
             <a:extLst>
               <a:ext uri="{FF2B5EF4-FFF2-40B4-BE49-F238E27FC236}">
-                <a16:creationId xmlns:a16="http://schemas.microsoft.com/office/drawing/2014/main" id="{4FD1822D-6EF2-CCB1-76AC-A770762EDBFB}"/>
+                <a16:creationId xmlns:a16="http://schemas.microsoft.com/office/drawing/2014/main" xmlns="" id="{4FD1822D-6EF2-CCB1-76AC-A770762EDBFB}"/>
               </a:ext>
             </a:extLst>
           </p:cNvPr>
@@ -24784,7 +24794,7 @@
           <p:cNvPr id="36" name="图片 35">
             <a:extLst>
               <a:ext uri="{FF2B5EF4-FFF2-40B4-BE49-F238E27FC236}">
-                <a16:creationId xmlns:a16="http://schemas.microsoft.com/office/drawing/2014/main" id="{9E02D9AC-14F1-BAD2-3488-0805428D78DE}"/>
+                <a16:creationId xmlns:a16="http://schemas.microsoft.com/office/drawing/2014/main" xmlns="" id="{9E02D9AC-14F1-BAD2-3488-0805428D78DE}"/>
               </a:ext>
             </a:extLst>
           </p:cNvPr>
@@ -24844,7 +24854,7 @@
           <p:cNvPr id="2" name="标题 1">
             <a:extLst>
               <a:ext uri="{FF2B5EF4-FFF2-40B4-BE49-F238E27FC236}">
-                <a16:creationId xmlns:a16="http://schemas.microsoft.com/office/drawing/2014/main" id="{80796E82-7314-2FBE-2DE8-DDD70D4DF27E}"/>
+                <a16:creationId xmlns:a16="http://schemas.microsoft.com/office/drawing/2014/main" xmlns="" id="{80796E82-7314-2FBE-2DE8-DDD70D4DF27E}"/>
               </a:ext>
             </a:extLst>
           </p:cNvPr>
@@ -24893,7 +24903,7 @@
           <p:cNvPr id="4" name="文本框 3">
             <a:extLst>
               <a:ext uri="{FF2B5EF4-FFF2-40B4-BE49-F238E27FC236}">
-                <a16:creationId xmlns:a16="http://schemas.microsoft.com/office/drawing/2014/main" id="{3E8E8225-E7B4-E598-7AEB-66BC2EF7864E}"/>
+                <a16:creationId xmlns:a16="http://schemas.microsoft.com/office/drawing/2014/main" xmlns="" id="{3E8E8225-E7B4-E598-7AEB-66BC2EF7864E}"/>
               </a:ext>
             </a:extLst>
           </p:cNvPr>
@@ -24987,7 +24997,7 @@
           <p:cNvPr id="94" name="椭圆 93">
             <a:extLst>
               <a:ext uri="{FF2B5EF4-FFF2-40B4-BE49-F238E27FC236}">
-                <a16:creationId xmlns:a16="http://schemas.microsoft.com/office/drawing/2014/main" id="{8BEE0963-F39F-E799-5A6C-7DB2D9695EA3}"/>
+                <a16:creationId xmlns:a16="http://schemas.microsoft.com/office/drawing/2014/main" xmlns="" id="{8BEE0963-F39F-E799-5A6C-7DB2D9695EA3}"/>
               </a:ext>
             </a:extLst>
           </p:cNvPr>
@@ -25039,7 +25049,7 @@
           <p:cNvPr id="3" name="椭圆 2">
             <a:extLst>
               <a:ext uri="{FF2B5EF4-FFF2-40B4-BE49-F238E27FC236}">
-                <a16:creationId xmlns:a16="http://schemas.microsoft.com/office/drawing/2014/main" id="{012F767B-5206-A517-0D25-41845DA1D568}"/>
+                <a16:creationId xmlns:a16="http://schemas.microsoft.com/office/drawing/2014/main" xmlns="" id="{012F767B-5206-A517-0D25-41845DA1D568}"/>
               </a:ext>
             </a:extLst>
           </p:cNvPr>
@@ -25091,7 +25101,7 @@
           <p:cNvPr id="21" name="箭头: 右 20">
             <a:extLst>
               <a:ext uri="{FF2B5EF4-FFF2-40B4-BE49-F238E27FC236}">
-                <a16:creationId xmlns:a16="http://schemas.microsoft.com/office/drawing/2014/main" id="{712099D5-D46D-2313-85E7-AA26A729A7DC}"/>
+                <a16:creationId xmlns:a16="http://schemas.microsoft.com/office/drawing/2014/main" xmlns="" id="{712099D5-D46D-2313-85E7-AA26A729A7DC}"/>
               </a:ext>
             </a:extLst>
           </p:cNvPr>
@@ -25143,7 +25153,7 @@
           <p:cNvPr id="22" name="箭头: 右 21">
             <a:extLst>
               <a:ext uri="{FF2B5EF4-FFF2-40B4-BE49-F238E27FC236}">
-                <a16:creationId xmlns:a16="http://schemas.microsoft.com/office/drawing/2014/main" id="{1919A2B7-D3C5-A1AD-8659-FD3B9646534B}"/>
+                <a16:creationId xmlns:a16="http://schemas.microsoft.com/office/drawing/2014/main" xmlns="" id="{1919A2B7-D3C5-A1AD-8659-FD3B9646534B}"/>
               </a:ext>
             </a:extLst>
           </p:cNvPr>
@@ -25195,7 +25205,7 @@
           <p:cNvPr id="18" name="椭圆 17">
             <a:extLst>
               <a:ext uri="{FF2B5EF4-FFF2-40B4-BE49-F238E27FC236}">
-                <a16:creationId xmlns:a16="http://schemas.microsoft.com/office/drawing/2014/main" id="{F5A322F2-5817-3D48-1EC0-F4CD8343BB96}"/>
+                <a16:creationId xmlns:a16="http://schemas.microsoft.com/office/drawing/2014/main" xmlns="" id="{F5A322F2-5817-3D48-1EC0-F4CD8343BB96}"/>
               </a:ext>
             </a:extLst>
           </p:cNvPr>
@@ -25255,7 +25265,7 @@
           <p:cNvPr id="19" name="椭圆 18">
             <a:extLst>
               <a:ext uri="{FF2B5EF4-FFF2-40B4-BE49-F238E27FC236}">
-                <a16:creationId xmlns:a16="http://schemas.microsoft.com/office/drawing/2014/main" id="{7B553A98-99DD-ADE7-8F2C-82946FDF4A0F}"/>
+                <a16:creationId xmlns:a16="http://schemas.microsoft.com/office/drawing/2014/main" xmlns="" id="{7B553A98-99DD-ADE7-8F2C-82946FDF4A0F}"/>
               </a:ext>
             </a:extLst>
           </p:cNvPr>
@@ -25315,7 +25325,7 @@
           <p:cNvPr id="29" name="图片 28">
             <a:extLst>
               <a:ext uri="{FF2B5EF4-FFF2-40B4-BE49-F238E27FC236}">
-                <a16:creationId xmlns:a16="http://schemas.microsoft.com/office/drawing/2014/main" id="{37828109-D1DB-24B1-070F-6C6C2342A787}"/>
+                <a16:creationId xmlns:a16="http://schemas.microsoft.com/office/drawing/2014/main" xmlns="" id="{37828109-D1DB-24B1-070F-6C6C2342A787}"/>
               </a:ext>
             </a:extLst>
           </p:cNvPr>
@@ -25345,7 +25355,7 @@
           <p:cNvPr id="30" name="图片 29">
             <a:extLst>
               <a:ext uri="{FF2B5EF4-FFF2-40B4-BE49-F238E27FC236}">
-                <a16:creationId xmlns:a16="http://schemas.microsoft.com/office/drawing/2014/main" id="{308EB72D-0591-1F78-12FC-CD798BD7E73D}"/>
+                <a16:creationId xmlns:a16="http://schemas.microsoft.com/office/drawing/2014/main" xmlns="" id="{308EB72D-0591-1F78-12FC-CD798BD7E73D}"/>
               </a:ext>
             </a:extLst>
           </p:cNvPr>
@@ -25375,7 +25385,7 @@
           <p:cNvPr id="31" name="图片 30">
             <a:extLst>
               <a:ext uri="{FF2B5EF4-FFF2-40B4-BE49-F238E27FC236}">
-                <a16:creationId xmlns:a16="http://schemas.microsoft.com/office/drawing/2014/main" id="{07F4B817-9FB7-F356-BFC2-674680D05075}"/>
+                <a16:creationId xmlns:a16="http://schemas.microsoft.com/office/drawing/2014/main" xmlns="" id="{07F4B817-9FB7-F356-BFC2-674680D05075}"/>
               </a:ext>
             </a:extLst>
           </p:cNvPr>
@@ -25405,7 +25415,7 @@
           <p:cNvPr id="32" name="图片 31">
             <a:extLst>
               <a:ext uri="{FF2B5EF4-FFF2-40B4-BE49-F238E27FC236}">
-                <a16:creationId xmlns:a16="http://schemas.microsoft.com/office/drawing/2014/main" id="{6AD0DB1A-3123-D4EB-783F-2A1EBF1F865D}"/>
+                <a16:creationId xmlns:a16="http://schemas.microsoft.com/office/drawing/2014/main" xmlns="" id="{6AD0DB1A-3123-D4EB-783F-2A1EBF1F865D}"/>
               </a:ext>
             </a:extLst>
           </p:cNvPr>
@@ -25435,7 +25445,7 @@
           <p:cNvPr id="33" name="图片 32">
             <a:extLst>
               <a:ext uri="{FF2B5EF4-FFF2-40B4-BE49-F238E27FC236}">
-                <a16:creationId xmlns:a16="http://schemas.microsoft.com/office/drawing/2014/main" id="{6EA6B283-FA33-8B5F-19D9-23C22512D6A2}"/>
+                <a16:creationId xmlns:a16="http://schemas.microsoft.com/office/drawing/2014/main" xmlns="" id="{6EA6B283-FA33-8B5F-19D9-23C22512D6A2}"/>
               </a:ext>
             </a:extLst>
           </p:cNvPr>
@@ -25465,7 +25475,7 @@
           <p:cNvPr id="34" name="图片 33">
             <a:extLst>
               <a:ext uri="{FF2B5EF4-FFF2-40B4-BE49-F238E27FC236}">
-                <a16:creationId xmlns:a16="http://schemas.microsoft.com/office/drawing/2014/main" id="{A7CC21E1-7467-1ACF-2ED7-68959584D6DF}"/>
+                <a16:creationId xmlns:a16="http://schemas.microsoft.com/office/drawing/2014/main" xmlns="" id="{A7CC21E1-7467-1ACF-2ED7-68959584D6DF}"/>
               </a:ext>
             </a:extLst>
           </p:cNvPr>
@@ -25495,7 +25505,7 @@
           <p:cNvPr id="35" name="图片 34">
             <a:extLst>
               <a:ext uri="{FF2B5EF4-FFF2-40B4-BE49-F238E27FC236}">
-                <a16:creationId xmlns:a16="http://schemas.microsoft.com/office/drawing/2014/main" id="{4FD1822D-6EF2-CCB1-76AC-A770762EDBFB}"/>
+                <a16:creationId xmlns:a16="http://schemas.microsoft.com/office/drawing/2014/main" xmlns="" id="{4FD1822D-6EF2-CCB1-76AC-A770762EDBFB}"/>
               </a:ext>
             </a:extLst>
           </p:cNvPr>
@@ -25525,7 +25535,7 @@
           <p:cNvPr id="36" name="图片 35">
             <a:extLst>
               <a:ext uri="{FF2B5EF4-FFF2-40B4-BE49-F238E27FC236}">
-                <a16:creationId xmlns:a16="http://schemas.microsoft.com/office/drawing/2014/main" id="{9E02D9AC-14F1-BAD2-3488-0805428D78DE}"/>
+                <a16:creationId xmlns:a16="http://schemas.microsoft.com/office/drawing/2014/main" xmlns="" id="{9E02D9AC-14F1-BAD2-3488-0805428D78DE}"/>
               </a:ext>
             </a:extLst>
           </p:cNvPr>
@@ -25585,7 +25595,7 @@
           <p:cNvPr id="2" name="标题 1">
             <a:extLst>
               <a:ext uri="{FF2B5EF4-FFF2-40B4-BE49-F238E27FC236}">
-                <a16:creationId xmlns:a16="http://schemas.microsoft.com/office/drawing/2014/main" id="{80796E82-7314-2FBE-2DE8-DDD70D4DF27E}"/>
+                <a16:creationId xmlns:a16="http://schemas.microsoft.com/office/drawing/2014/main" xmlns="" id="{80796E82-7314-2FBE-2DE8-DDD70D4DF27E}"/>
               </a:ext>
             </a:extLst>
           </p:cNvPr>
@@ -25634,7 +25644,7 @@
           <p:cNvPr id="94" name="椭圆 93">
             <a:extLst>
               <a:ext uri="{FF2B5EF4-FFF2-40B4-BE49-F238E27FC236}">
-                <a16:creationId xmlns:a16="http://schemas.microsoft.com/office/drawing/2014/main" id="{8BEE0963-F39F-E799-5A6C-7DB2D9695EA3}"/>
+                <a16:creationId xmlns:a16="http://schemas.microsoft.com/office/drawing/2014/main" xmlns="" id="{8BEE0963-F39F-E799-5A6C-7DB2D9695EA3}"/>
               </a:ext>
             </a:extLst>
           </p:cNvPr>
@@ -25686,7 +25696,7 @@
           <p:cNvPr id="20" name="椭圆 19">
             <a:extLst>
               <a:ext uri="{FF2B5EF4-FFF2-40B4-BE49-F238E27FC236}">
-                <a16:creationId xmlns:a16="http://schemas.microsoft.com/office/drawing/2014/main" id="{1F3D5A18-117A-FBDB-A07B-D4E2DC2FC832}"/>
+                <a16:creationId xmlns:a16="http://schemas.microsoft.com/office/drawing/2014/main" xmlns="" id="{1F3D5A18-117A-FBDB-A07B-D4E2DC2FC832}"/>
               </a:ext>
             </a:extLst>
           </p:cNvPr>
@@ -25736,7 +25746,7 @@
           <p:cNvPr id="23" name="矩形 22">
             <a:extLst>
               <a:ext uri="{FF2B5EF4-FFF2-40B4-BE49-F238E27FC236}">
-                <a16:creationId xmlns:a16="http://schemas.microsoft.com/office/drawing/2014/main" id="{1DB7B11B-A7F7-8894-4BAF-68DD060767B3}"/>
+                <a16:creationId xmlns:a16="http://schemas.microsoft.com/office/drawing/2014/main" xmlns="" id="{1DB7B11B-A7F7-8894-4BAF-68DD060767B3}"/>
               </a:ext>
             </a:extLst>
           </p:cNvPr>
@@ -25786,7 +25796,7 @@
           <p:cNvPr id="24" name="矩形 23">
             <a:extLst>
               <a:ext uri="{FF2B5EF4-FFF2-40B4-BE49-F238E27FC236}">
-                <a16:creationId xmlns:a16="http://schemas.microsoft.com/office/drawing/2014/main" id="{5E103417-33D7-7A1E-5135-FE392A9238A1}"/>
+                <a16:creationId xmlns:a16="http://schemas.microsoft.com/office/drawing/2014/main" xmlns="" id="{5E103417-33D7-7A1E-5135-FE392A9238A1}"/>
               </a:ext>
             </a:extLst>
           </p:cNvPr>
@@ -25836,7 +25846,7 @@
           <p:cNvPr id="25" name="Google Shape;73;p14">
             <a:extLst>
               <a:ext uri="{FF2B5EF4-FFF2-40B4-BE49-F238E27FC236}">
-                <a16:creationId xmlns:a16="http://schemas.microsoft.com/office/drawing/2014/main" id="{728B4BED-4470-8B41-5F52-AEAB959AE86A}"/>
+                <a16:creationId xmlns:a16="http://schemas.microsoft.com/office/drawing/2014/main" xmlns="" id="{728B4BED-4470-8B41-5F52-AEAB959AE86A}"/>
               </a:ext>
             </a:extLst>
           </p:cNvPr>
@@ -25870,7 +25880,7 @@
           <p:cNvPr id="26" name="Google Shape;73;p14">
             <a:extLst>
               <a:ext uri="{FF2B5EF4-FFF2-40B4-BE49-F238E27FC236}">
-                <a16:creationId xmlns:a16="http://schemas.microsoft.com/office/drawing/2014/main" id="{728B4BED-4470-8B41-5F52-AEAB959AE86A}"/>
+                <a16:creationId xmlns:a16="http://schemas.microsoft.com/office/drawing/2014/main" xmlns="" id="{728B4BED-4470-8B41-5F52-AEAB959AE86A}"/>
               </a:ext>
             </a:extLst>
           </p:cNvPr>
@@ -25904,7 +25914,7 @@
           <p:cNvPr id="27" name="Google Shape;73;p14">
             <a:extLst>
               <a:ext uri="{FF2B5EF4-FFF2-40B4-BE49-F238E27FC236}">
-                <a16:creationId xmlns:a16="http://schemas.microsoft.com/office/drawing/2014/main" id="{728B4BED-4470-8B41-5F52-AEAB959AE86A}"/>
+                <a16:creationId xmlns:a16="http://schemas.microsoft.com/office/drawing/2014/main" xmlns="" id="{728B4BED-4470-8B41-5F52-AEAB959AE86A}"/>
               </a:ext>
             </a:extLst>
           </p:cNvPr>
@@ -26145,7 +26155,7 @@
           <p:cNvPr id="82" name="箭头: V 形 20">
             <a:extLst>
               <a:ext uri="{FF2B5EF4-FFF2-40B4-BE49-F238E27FC236}">
-                <a16:creationId xmlns:a16="http://schemas.microsoft.com/office/drawing/2014/main" id="{BC353627-9371-244D-7367-7A27EC648508}"/>
+                <a16:creationId xmlns:a16="http://schemas.microsoft.com/office/drawing/2014/main" xmlns="" id="{BC353627-9371-244D-7367-7A27EC648508}"/>
               </a:ext>
             </a:extLst>
           </p:cNvPr>
@@ -26193,7 +26203,7 @@
           <p:cNvPr id="83" name="箭头: V 形 21">
             <a:extLst>
               <a:ext uri="{FF2B5EF4-FFF2-40B4-BE49-F238E27FC236}">
-                <a16:creationId xmlns:a16="http://schemas.microsoft.com/office/drawing/2014/main" id="{41D7DFA2-1682-8959-1196-12E3B7C49765}"/>
+                <a16:creationId xmlns:a16="http://schemas.microsoft.com/office/drawing/2014/main" xmlns="" id="{41D7DFA2-1682-8959-1196-12E3B7C49765}"/>
               </a:ext>
             </a:extLst>
           </p:cNvPr>
@@ -26241,7 +26251,7 @@
           <p:cNvPr id="84" name="箭头: V 形 22">
             <a:extLst>
               <a:ext uri="{FF2B5EF4-FFF2-40B4-BE49-F238E27FC236}">
-                <a16:creationId xmlns:a16="http://schemas.microsoft.com/office/drawing/2014/main" id="{3E6B5B9D-8A94-166B-F4E4-0C03AFDA72FF}"/>
+                <a16:creationId xmlns:a16="http://schemas.microsoft.com/office/drawing/2014/main" xmlns="" id="{3E6B5B9D-8A94-166B-F4E4-0C03AFDA72FF}"/>
               </a:ext>
             </a:extLst>
           </p:cNvPr>
@@ -26289,7 +26299,7 @@
           <p:cNvPr id="85" name="箭头: V 形 23">
             <a:extLst>
               <a:ext uri="{FF2B5EF4-FFF2-40B4-BE49-F238E27FC236}">
-                <a16:creationId xmlns:a16="http://schemas.microsoft.com/office/drawing/2014/main" id="{58C2A296-BAAF-AA9E-2CEA-ABDFA8710114}"/>
+                <a16:creationId xmlns:a16="http://schemas.microsoft.com/office/drawing/2014/main" xmlns="" id="{58C2A296-BAAF-AA9E-2CEA-ABDFA8710114}"/>
               </a:ext>
             </a:extLst>
           </p:cNvPr>
@@ -26367,7 +26377,7 @@
           <p:cNvPr id="2" name="标题 1">
             <a:extLst>
               <a:ext uri="{FF2B5EF4-FFF2-40B4-BE49-F238E27FC236}">
-                <a16:creationId xmlns:a16="http://schemas.microsoft.com/office/drawing/2014/main" id="{80796E82-7314-2FBE-2DE8-DDD70D4DF27E}"/>
+                <a16:creationId xmlns:a16="http://schemas.microsoft.com/office/drawing/2014/main" xmlns="" id="{80796E82-7314-2FBE-2DE8-DDD70D4DF27E}"/>
               </a:ext>
             </a:extLst>
           </p:cNvPr>
@@ -26416,7 +26426,7 @@
           <p:cNvPr id="94" name="椭圆 93">
             <a:extLst>
               <a:ext uri="{FF2B5EF4-FFF2-40B4-BE49-F238E27FC236}">
-                <a16:creationId xmlns:a16="http://schemas.microsoft.com/office/drawing/2014/main" id="{8BEE0963-F39F-E799-5A6C-7DB2D9695EA3}"/>
+                <a16:creationId xmlns:a16="http://schemas.microsoft.com/office/drawing/2014/main" xmlns="" id="{8BEE0963-F39F-E799-5A6C-7DB2D9695EA3}"/>
               </a:ext>
             </a:extLst>
           </p:cNvPr>
@@ -26468,7 +26478,7 @@
           <p:cNvPr id="20" name="椭圆 19">
             <a:extLst>
               <a:ext uri="{FF2B5EF4-FFF2-40B4-BE49-F238E27FC236}">
-                <a16:creationId xmlns:a16="http://schemas.microsoft.com/office/drawing/2014/main" id="{1F3D5A18-117A-FBDB-A07B-D4E2DC2FC832}"/>
+                <a16:creationId xmlns:a16="http://schemas.microsoft.com/office/drawing/2014/main" xmlns="" id="{1F3D5A18-117A-FBDB-A07B-D4E2DC2FC832}"/>
               </a:ext>
             </a:extLst>
           </p:cNvPr>
@@ -26518,7 +26528,7 @@
           <p:cNvPr id="23" name="矩形 22">
             <a:extLst>
               <a:ext uri="{FF2B5EF4-FFF2-40B4-BE49-F238E27FC236}">
-                <a16:creationId xmlns:a16="http://schemas.microsoft.com/office/drawing/2014/main" id="{1DB7B11B-A7F7-8894-4BAF-68DD060767B3}"/>
+                <a16:creationId xmlns:a16="http://schemas.microsoft.com/office/drawing/2014/main" xmlns="" id="{1DB7B11B-A7F7-8894-4BAF-68DD060767B3}"/>
               </a:ext>
             </a:extLst>
           </p:cNvPr>
@@ -26568,7 +26578,7 @@
           <p:cNvPr id="24" name="矩形 23">
             <a:extLst>
               <a:ext uri="{FF2B5EF4-FFF2-40B4-BE49-F238E27FC236}">
-                <a16:creationId xmlns:a16="http://schemas.microsoft.com/office/drawing/2014/main" id="{5E103417-33D7-7A1E-5135-FE392A9238A1}"/>
+                <a16:creationId xmlns:a16="http://schemas.microsoft.com/office/drawing/2014/main" xmlns="" id="{5E103417-33D7-7A1E-5135-FE392A9238A1}"/>
               </a:ext>
             </a:extLst>
           </p:cNvPr>
@@ -26618,7 +26628,7 @@
           <p:cNvPr id="25" name="Google Shape;73;p14">
             <a:extLst>
               <a:ext uri="{FF2B5EF4-FFF2-40B4-BE49-F238E27FC236}">
-                <a16:creationId xmlns:a16="http://schemas.microsoft.com/office/drawing/2014/main" id="{728B4BED-4470-8B41-5F52-AEAB959AE86A}"/>
+                <a16:creationId xmlns:a16="http://schemas.microsoft.com/office/drawing/2014/main" xmlns="" id="{728B4BED-4470-8B41-5F52-AEAB959AE86A}"/>
               </a:ext>
             </a:extLst>
           </p:cNvPr>
@@ -26652,7 +26662,7 @@
           <p:cNvPr id="26" name="Google Shape;73;p14">
             <a:extLst>
               <a:ext uri="{FF2B5EF4-FFF2-40B4-BE49-F238E27FC236}">
-                <a16:creationId xmlns:a16="http://schemas.microsoft.com/office/drawing/2014/main" id="{728B4BED-4470-8B41-5F52-AEAB959AE86A}"/>
+                <a16:creationId xmlns:a16="http://schemas.microsoft.com/office/drawing/2014/main" xmlns="" id="{728B4BED-4470-8B41-5F52-AEAB959AE86A}"/>
               </a:ext>
             </a:extLst>
           </p:cNvPr>
@@ -26686,7 +26696,7 @@
           <p:cNvPr id="27" name="Google Shape;73;p14">
             <a:extLst>
               <a:ext uri="{FF2B5EF4-FFF2-40B4-BE49-F238E27FC236}">
-                <a16:creationId xmlns:a16="http://schemas.microsoft.com/office/drawing/2014/main" id="{728B4BED-4470-8B41-5F52-AEAB959AE86A}"/>
+                <a16:creationId xmlns:a16="http://schemas.microsoft.com/office/drawing/2014/main" xmlns="" id="{728B4BED-4470-8B41-5F52-AEAB959AE86A}"/>
               </a:ext>
             </a:extLst>
           </p:cNvPr>
@@ -26927,7 +26937,7 @@
           <p:cNvPr id="82" name="箭头: V 形 20">
             <a:extLst>
               <a:ext uri="{FF2B5EF4-FFF2-40B4-BE49-F238E27FC236}">
-                <a16:creationId xmlns:a16="http://schemas.microsoft.com/office/drawing/2014/main" id="{BC353627-9371-244D-7367-7A27EC648508}"/>
+                <a16:creationId xmlns:a16="http://schemas.microsoft.com/office/drawing/2014/main" xmlns="" id="{BC353627-9371-244D-7367-7A27EC648508}"/>
               </a:ext>
             </a:extLst>
           </p:cNvPr>
@@ -26975,7 +26985,7 @@
           <p:cNvPr id="83" name="箭头: V 形 21">
             <a:extLst>
               <a:ext uri="{FF2B5EF4-FFF2-40B4-BE49-F238E27FC236}">
-                <a16:creationId xmlns:a16="http://schemas.microsoft.com/office/drawing/2014/main" id="{41D7DFA2-1682-8959-1196-12E3B7C49765}"/>
+                <a16:creationId xmlns:a16="http://schemas.microsoft.com/office/drawing/2014/main" xmlns="" id="{41D7DFA2-1682-8959-1196-12E3B7C49765}"/>
               </a:ext>
             </a:extLst>
           </p:cNvPr>
@@ -27023,7 +27033,7 @@
           <p:cNvPr id="84" name="箭头: V 形 22">
             <a:extLst>
               <a:ext uri="{FF2B5EF4-FFF2-40B4-BE49-F238E27FC236}">
-                <a16:creationId xmlns:a16="http://schemas.microsoft.com/office/drawing/2014/main" id="{3E6B5B9D-8A94-166B-F4E4-0C03AFDA72FF}"/>
+                <a16:creationId xmlns:a16="http://schemas.microsoft.com/office/drawing/2014/main" xmlns="" id="{3E6B5B9D-8A94-166B-F4E4-0C03AFDA72FF}"/>
               </a:ext>
             </a:extLst>
           </p:cNvPr>
@@ -27071,7 +27081,7 @@
           <p:cNvPr id="85" name="箭头: V 形 23">
             <a:extLst>
               <a:ext uri="{FF2B5EF4-FFF2-40B4-BE49-F238E27FC236}">
-                <a16:creationId xmlns:a16="http://schemas.microsoft.com/office/drawing/2014/main" id="{58C2A296-BAAF-AA9E-2CEA-ABDFA8710114}"/>
+                <a16:creationId xmlns:a16="http://schemas.microsoft.com/office/drawing/2014/main" xmlns="" id="{58C2A296-BAAF-AA9E-2CEA-ABDFA8710114}"/>
               </a:ext>
             </a:extLst>
           </p:cNvPr>
@@ -27119,7 +27129,7 @@
           <p:cNvPr id="29" name="Google Shape;73;p14">
             <a:extLst>
               <a:ext uri="{FF2B5EF4-FFF2-40B4-BE49-F238E27FC236}">
-                <a16:creationId xmlns:a16="http://schemas.microsoft.com/office/drawing/2014/main" id="{728B4BED-4470-8B41-5F52-AEAB959AE86A}"/>
+                <a16:creationId xmlns:a16="http://schemas.microsoft.com/office/drawing/2014/main" xmlns="" id="{728B4BED-4470-8B41-5F52-AEAB959AE86A}"/>
               </a:ext>
             </a:extLst>
           </p:cNvPr>
@@ -27183,7 +27193,7 @@
           <p:cNvPr id="31" name="Google Shape;100;p14">
             <a:extLst>
               <a:ext uri="{FF2B5EF4-FFF2-40B4-BE49-F238E27FC236}">
-                <a16:creationId xmlns:a16="http://schemas.microsoft.com/office/drawing/2014/main" id="{04D7ED66-035D-0386-E0EE-BA6FE024830F}"/>
+                <a16:creationId xmlns:a16="http://schemas.microsoft.com/office/drawing/2014/main" xmlns="" id="{04D7ED66-035D-0386-E0EE-BA6FE024830F}"/>
               </a:ext>
             </a:extLst>
           </p:cNvPr>
@@ -27225,6 +27235,1039 @@
     <p:extLst>
       <p:ext uri="{BB962C8B-B14F-4D97-AF65-F5344CB8AC3E}">
         <p14:creationId xmlns:p14="http://schemas.microsoft.com/office/powerpoint/2010/main" val="242906033"/>
+      </p:ext>
+    </p:extLst>
+  </p:cSld>
+  <p:clrMapOvr>
+    <a:masterClrMapping/>
+  </p:clrMapOvr>
+</p:sld>
+</file>
+
+<file path=ppt/slides/slide36.xml><?xml version="1.0" encoding="utf-8"?>
+<p:sld xmlns:a="http://schemas.openxmlformats.org/drawingml/2006/main" xmlns:r="http://schemas.openxmlformats.org/officeDocument/2006/relationships" xmlns:p="http://schemas.openxmlformats.org/presentationml/2006/main">
+  <p:cSld>
+    <p:bg>
+      <p:bgPr>
+        <a:solidFill>
+          <a:schemeClr val="bg1">
+            <a:lumMod val="50000"/>
+          </a:schemeClr>
+        </a:solidFill>
+        <a:effectLst/>
+      </p:bgPr>
+    </p:bg>
+    <p:spTree>
+      <p:nvGrpSpPr>
+        <p:cNvPr id="1" name=""/>
+        <p:cNvGrpSpPr/>
+        <p:nvPr/>
+      </p:nvGrpSpPr>
+      <p:grpSpPr>
+        <a:xfrm>
+          <a:off x="0" y="0"/>
+          <a:ext cx="0" cy="0"/>
+          <a:chOff x="0" y="0"/>
+          <a:chExt cx="0" cy="0"/>
+        </a:xfrm>
+      </p:grpSpPr>
+      <p:sp>
+        <p:nvSpPr>
+          <p:cNvPr id="2" name="标题 1">
+            <a:extLst>
+              <a:ext uri="{FF2B5EF4-FFF2-40B4-BE49-F238E27FC236}">
+                <a16:creationId xmlns:a16="http://schemas.microsoft.com/office/drawing/2014/main" xmlns="" id="{2A9B6C59-89F9-5390-BB77-F8DB7EF7B310}"/>
+              </a:ext>
+            </a:extLst>
+          </p:cNvPr>
+          <p:cNvSpPr>
+            <a:spLocks noGrp="1"/>
+          </p:cNvSpPr>
+          <p:nvPr>
+            <p:ph type="title"/>
+          </p:nvPr>
+        </p:nvSpPr>
+        <p:spPr>
+          <a:xfrm>
+            <a:off x="415600" y="3047200"/>
+            <a:ext cx="11360800" cy="763600"/>
+          </a:xfrm>
+        </p:spPr>
+        <p:txBody>
+          <a:bodyPr>
+            <a:normAutofit fontScale="90000"/>
+          </a:bodyPr>
+          <a:lstStyle/>
+          <a:p>
+            <a:pPr algn="ctr"/>
+            <a:r>
+              <a:rPr lang="zh-CN" altLang="en-US" b="1" dirty="0" smtClean="0">
+                <a:solidFill>
+                  <a:schemeClr val="bg1"/>
+                </a:solidFill>
+              </a:rPr>
+              <a:t>草稿</a:t>
+            </a:r>
+            <a:r>
+              <a:rPr lang="en-US" altLang="zh-CN" b="1" dirty="0" smtClean="0">
+                <a:solidFill>
+                  <a:schemeClr val="bg1"/>
+                </a:solidFill>
+              </a:rPr>
+              <a:t/>
+            </a:r>
+            <a:br>
+              <a:rPr lang="en-US" altLang="zh-CN" b="1" dirty="0" smtClean="0">
+                <a:solidFill>
+                  <a:schemeClr val="bg1"/>
+                </a:solidFill>
+              </a:rPr>
+            </a:br>
+            <a:endParaRPr lang="zh-CN" altLang="en-US" b="1" dirty="0">
+              <a:solidFill>
+                <a:schemeClr val="bg1"/>
+              </a:solidFill>
+            </a:endParaRPr>
+          </a:p>
+        </p:txBody>
+      </p:sp>
+    </p:spTree>
+    <p:extLst>
+      <p:ext uri="{BB962C8B-B14F-4D97-AF65-F5344CB8AC3E}">
+        <p14:creationId xmlns:p14="http://schemas.microsoft.com/office/powerpoint/2010/main" val="795137873"/>
+      </p:ext>
+    </p:extLst>
+  </p:cSld>
+  <p:clrMapOvr>
+    <a:masterClrMapping/>
+  </p:clrMapOvr>
+</p:sld>
+</file>
+
+<file path=ppt/slides/slide37.xml><?xml version="1.0" encoding="utf-8"?>
+<p:sld xmlns:a="http://schemas.openxmlformats.org/drawingml/2006/main" xmlns:r="http://schemas.openxmlformats.org/officeDocument/2006/relationships" xmlns:p="http://schemas.openxmlformats.org/presentationml/2006/main">
+  <p:cSld>
+    <p:spTree>
+      <p:nvGrpSpPr>
+        <p:cNvPr id="1" name=""/>
+        <p:cNvGrpSpPr/>
+        <p:nvPr/>
+      </p:nvGrpSpPr>
+      <p:grpSpPr>
+        <a:xfrm>
+          <a:off x="0" y="0"/>
+          <a:ext cx="0" cy="0"/>
+          <a:chOff x="0" y="0"/>
+          <a:chExt cx="0" cy="0"/>
+        </a:xfrm>
+      </p:grpSpPr>
+      <p:sp>
+        <p:nvSpPr>
+          <p:cNvPr id="2" name="标题 1">
+            <a:extLst>
+              <a:ext uri="{FF2B5EF4-FFF2-40B4-BE49-F238E27FC236}">
+                <a16:creationId xmlns:a16="http://schemas.microsoft.com/office/drawing/2014/main" xmlns="" id="{80796E82-7314-2FBE-2DE8-DDD70D4DF27E}"/>
+              </a:ext>
+            </a:extLst>
+          </p:cNvPr>
+          <p:cNvSpPr>
+            <a:spLocks noGrp="1"/>
+          </p:cNvSpPr>
+          <p:nvPr>
+            <p:ph type="title"/>
+          </p:nvPr>
+        </p:nvSpPr>
+        <p:spPr>
+          <a:xfrm>
+            <a:off x="415600" y="270286"/>
+            <a:ext cx="11360800" cy="763600"/>
+          </a:xfrm>
+        </p:spPr>
+        <p:txBody>
+          <a:bodyPr>
+            <a:normAutofit fontScale="90000"/>
+          </a:bodyPr>
+          <a:lstStyle/>
+          <a:p>
+            <a:r>
+              <a:rPr lang="ja-JP" altLang="en-US" sz="2800" dirty="0" smtClean="0">
+                <a:latin typeface="黑体" panose="02010609060101010101" pitchFamily="49" charset="-122"/>
+                <a:ea typeface="黑体" panose="02010609060101010101" pitchFamily="49" charset="-122"/>
+              </a:rPr>
+              <a:t>マッチ売りの少女　劇場</a:t>
+            </a:r>
+            <a:r>
+              <a:rPr lang="en-US" altLang="ja-JP" sz="2800" dirty="0" smtClean="0">
+                <a:latin typeface="黑体" panose="02010609060101010101" pitchFamily="49" charset="-122"/>
+                <a:ea typeface="黑体" panose="02010609060101010101" pitchFamily="49" charset="-122"/>
+              </a:rPr>
+              <a:t/>
+            </a:r>
+            <a:br>
+              <a:rPr lang="en-US" altLang="ja-JP" sz="2800" dirty="0" smtClean="0">
+                <a:latin typeface="黑体" panose="02010609060101010101" pitchFamily="49" charset="-122"/>
+                <a:ea typeface="黑体" panose="02010609060101010101" pitchFamily="49" charset="-122"/>
+              </a:rPr>
+            </a:br>
+            <a:r>
+              <a:rPr lang="zh-CN" altLang="en-US" sz="2800" dirty="0" smtClean="0">
+                <a:latin typeface="黑体" panose="02010609060101010101" pitchFamily="49" charset="-122"/>
+                <a:ea typeface="黑体" panose="02010609060101010101" pitchFamily="49" charset="-122"/>
+              </a:rPr>
+              <a:t>火柴</a:t>
+            </a:r>
+            <a:r>
+              <a:rPr lang="en-US" altLang="zh-CN" sz="2800" dirty="0" smtClean="0">
+                <a:latin typeface="黑体" panose="02010609060101010101" pitchFamily="49" charset="-122"/>
+                <a:ea typeface="黑体" panose="02010609060101010101" pitchFamily="49" charset="-122"/>
+              </a:rPr>
+              <a:t>2</a:t>
+            </a:r>
+            <a:r>
+              <a:rPr lang="zh-CN" altLang="en-US" sz="2800" dirty="0" smtClean="0">
+                <a:latin typeface="黑体" panose="02010609060101010101" pitchFamily="49" charset="-122"/>
+                <a:ea typeface="黑体" panose="02010609060101010101" pitchFamily="49" charset="-122"/>
+              </a:rPr>
+              <a:t>：</a:t>
+            </a:r>
+            <a:r>
+              <a:rPr lang="en-US" altLang="zh-CN" sz="2800" dirty="0" smtClean="0">
+                <a:latin typeface="黑体" panose="02010609060101010101" pitchFamily="49" charset="-122"/>
+                <a:ea typeface="黑体" panose="02010609060101010101" pitchFamily="49" charset="-122"/>
+              </a:rPr>
+              <a:t/>
+            </a:r>
+            <a:br>
+              <a:rPr lang="en-US" altLang="zh-CN" sz="2800" dirty="0" smtClean="0">
+                <a:latin typeface="黑体" panose="02010609060101010101" pitchFamily="49" charset="-122"/>
+                <a:ea typeface="黑体" panose="02010609060101010101" pitchFamily="49" charset="-122"/>
+              </a:rPr>
+            </a:br>
+            <a:endParaRPr lang="zh-CN" altLang="en-US" sz="2800" dirty="0">
+              <a:latin typeface="黑体" panose="02010609060101010101" pitchFamily="49" charset="-122"/>
+              <a:ea typeface="黑体" panose="02010609060101010101" pitchFamily="49" charset="-122"/>
+            </a:endParaRPr>
+          </a:p>
+        </p:txBody>
+      </p:sp>
+      <p:sp>
+        <p:nvSpPr>
+          <p:cNvPr id="94" name="椭圆 93">
+            <a:extLst>
+              <a:ext uri="{FF2B5EF4-FFF2-40B4-BE49-F238E27FC236}">
+                <a16:creationId xmlns:a16="http://schemas.microsoft.com/office/drawing/2014/main" xmlns="" id="{8BEE0963-F39F-E799-5A6C-7DB2D9695EA3}"/>
+              </a:ext>
+            </a:extLst>
+          </p:cNvPr>
+          <p:cNvSpPr/>
+          <p:nvPr/>
+        </p:nvSpPr>
+        <p:spPr>
+          <a:xfrm>
+            <a:off x="4699366" y="1193119"/>
+            <a:ext cx="5212080" cy="5212080"/>
+          </a:xfrm>
+          <a:prstGeom prst="ellipse">
+            <a:avLst/>
+          </a:prstGeom>
+          <a:solidFill>
+            <a:schemeClr val="bg1">
+              <a:lumMod val="85000"/>
+            </a:schemeClr>
+          </a:solidFill>
+          <a:ln>
+            <a:noFill/>
+          </a:ln>
+        </p:spPr>
+        <p:style>
+          <a:lnRef idx="0">
+            <a:scrgbClr r="0" g="0" b="0"/>
+          </a:lnRef>
+          <a:fillRef idx="0">
+            <a:scrgbClr r="0" g="0" b="0"/>
+          </a:fillRef>
+          <a:effectRef idx="0">
+            <a:scrgbClr r="0" g="0" b="0"/>
+          </a:effectRef>
+          <a:fontRef idx="minor">
+            <a:schemeClr val="lt1"/>
+          </a:fontRef>
+        </p:style>
+        <p:txBody>
+          <a:bodyPr rtlCol="0" anchor="ctr"/>
+          <a:lstStyle/>
+          <a:p>
+            <a:pPr algn="ctr"/>
+            <a:endParaRPr lang="zh-CN" altLang="en-US" dirty="0">
+              <a:solidFill>
+                <a:prstClr val="white"/>
+              </a:solidFill>
+            </a:endParaRPr>
+          </a:p>
+        </p:txBody>
+      </p:sp>
+      <p:pic>
+        <p:nvPicPr>
+          <p:cNvPr id="20" name="Google Shape;74;p14"/>
+          <p:cNvPicPr preferRelativeResize="0"/>
+          <p:nvPr/>
+        </p:nvPicPr>
+        <p:blipFill>
+          <a:blip r:embed="rId2">
+            <a:alphaModFix/>
+          </a:blip>
+          <a:stretch>
+            <a:fillRect/>
+          </a:stretch>
+        </p:blipFill>
+        <p:spPr>
+          <a:xfrm>
+            <a:off x="9492278" y="3690823"/>
+            <a:ext cx="419168" cy="419169"/>
+          </a:xfrm>
+          <a:prstGeom prst="rect">
+            <a:avLst/>
+          </a:prstGeom>
+          <a:noFill/>
+          <a:ln>
+            <a:noFill/>
+          </a:ln>
+        </p:spPr>
+      </p:pic>
+      <p:pic>
+        <p:nvPicPr>
+          <p:cNvPr id="23" name="Google Shape;75;p14"/>
+          <p:cNvPicPr preferRelativeResize="0"/>
+          <p:nvPr/>
+        </p:nvPicPr>
+        <p:blipFill>
+          <a:blip r:embed="rId3">
+            <a:alphaModFix/>
+          </a:blip>
+          <a:stretch>
+            <a:fillRect/>
+          </a:stretch>
+        </p:blipFill>
+        <p:spPr>
+          <a:xfrm>
+            <a:off x="7305406" y="5929574"/>
+            <a:ext cx="419168" cy="419169"/>
+          </a:xfrm>
+          <a:prstGeom prst="rect">
+            <a:avLst/>
+          </a:prstGeom>
+          <a:noFill/>
+          <a:ln>
+            <a:noFill/>
+          </a:ln>
+        </p:spPr>
+      </p:pic>
+      <p:pic>
+        <p:nvPicPr>
+          <p:cNvPr id="24" name="Google Shape;76;p14"/>
+          <p:cNvPicPr preferRelativeResize="0"/>
+          <p:nvPr/>
+        </p:nvPicPr>
+        <p:blipFill>
+          <a:blip r:embed="rId4">
+            <a:alphaModFix/>
+          </a:blip>
+          <a:stretch>
+            <a:fillRect/>
+          </a:stretch>
+        </p:blipFill>
+        <p:spPr>
+          <a:xfrm>
+            <a:off x="4683240" y="3820015"/>
+            <a:ext cx="419168" cy="419169"/>
+          </a:xfrm>
+          <a:prstGeom prst="rect">
+            <a:avLst/>
+          </a:prstGeom>
+          <a:noFill/>
+          <a:ln>
+            <a:noFill/>
+          </a:ln>
+        </p:spPr>
+      </p:pic>
+      <p:pic>
+        <p:nvPicPr>
+          <p:cNvPr id="25" name="Google Shape;77;p14"/>
+          <p:cNvPicPr preferRelativeResize="0"/>
+          <p:nvPr/>
+        </p:nvPicPr>
+        <p:blipFill>
+          <a:blip r:embed="rId5">
+            <a:alphaModFix/>
+          </a:blip>
+          <a:stretch>
+            <a:fillRect/>
+          </a:stretch>
+        </p:blipFill>
+        <p:spPr>
+          <a:xfrm>
+            <a:off x="5400973" y="2092151"/>
+            <a:ext cx="419168" cy="419169"/>
+          </a:xfrm>
+          <a:prstGeom prst="rect">
+            <a:avLst/>
+          </a:prstGeom>
+          <a:noFill/>
+          <a:ln>
+            <a:noFill/>
+          </a:ln>
+        </p:spPr>
+      </p:pic>
+      <p:pic>
+        <p:nvPicPr>
+          <p:cNvPr id="26" name="Google Shape;78;p14"/>
+          <p:cNvPicPr preferRelativeResize="0"/>
+          <p:nvPr/>
+        </p:nvPicPr>
+        <p:blipFill>
+          <a:blip r:embed="rId6">
+            <a:alphaModFix/>
+          </a:blip>
+          <a:stretch>
+            <a:fillRect/>
+          </a:stretch>
+        </p:blipFill>
+        <p:spPr>
+          <a:xfrm>
+            <a:off x="8728265" y="5038722"/>
+            <a:ext cx="419168" cy="419169"/>
+          </a:xfrm>
+          <a:prstGeom prst="rect">
+            <a:avLst/>
+          </a:prstGeom>
+          <a:noFill/>
+          <a:ln>
+            <a:noFill/>
+          </a:ln>
+        </p:spPr>
+      </p:pic>
+      <p:pic>
+        <p:nvPicPr>
+          <p:cNvPr id="27" name="Google Shape;79;p14"/>
+          <p:cNvPicPr preferRelativeResize="0"/>
+          <p:nvPr/>
+        </p:nvPicPr>
+        <p:blipFill>
+          <a:blip r:embed="rId7">
+            <a:alphaModFix/>
+          </a:blip>
+          <a:stretch>
+            <a:fillRect/>
+          </a:stretch>
+        </p:blipFill>
+        <p:spPr>
+          <a:xfrm>
+            <a:off x="8892236" y="2092151"/>
+            <a:ext cx="419168" cy="419169"/>
+          </a:xfrm>
+          <a:prstGeom prst="rect">
+            <a:avLst/>
+          </a:prstGeom>
+          <a:noFill/>
+          <a:ln>
+            <a:noFill/>
+          </a:ln>
+        </p:spPr>
+      </p:pic>
+      <p:pic>
+        <p:nvPicPr>
+          <p:cNvPr id="28" name="Google Shape;80;p14"/>
+          <p:cNvPicPr preferRelativeResize="0"/>
+          <p:nvPr/>
+        </p:nvPicPr>
+        <p:blipFill>
+          <a:blip r:embed="rId8">
+            <a:alphaModFix/>
+          </a:blip>
+          <a:stretch>
+            <a:fillRect/>
+          </a:stretch>
+        </p:blipFill>
+        <p:spPr>
+          <a:xfrm>
+            <a:off x="7095822" y="3589574"/>
+            <a:ext cx="419168" cy="419169"/>
+          </a:xfrm>
+          <a:prstGeom prst="rect">
+            <a:avLst/>
+          </a:prstGeom>
+          <a:noFill/>
+          <a:ln>
+            <a:noFill/>
+          </a:ln>
+        </p:spPr>
+      </p:pic>
+      <p:pic>
+        <p:nvPicPr>
+          <p:cNvPr id="37" name="Google Shape;81;p14"/>
+          <p:cNvPicPr preferRelativeResize="0"/>
+          <p:nvPr/>
+        </p:nvPicPr>
+        <p:blipFill>
+          <a:blip r:embed="rId9">
+            <a:alphaModFix/>
+          </a:blip>
+          <a:stretch>
+            <a:fillRect/>
+          </a:stretch>
+        </p:blipFill>
+        <p:spPr>
+          <a:xfrm>
+            <a:off x="6780753" y="1230400"/>
+            <a:ext cx="419168" cy="419169"/>
+          </a:xfrm>
+          <a:prstGeom prst="rect">
+            <a:avLst/>
+          </a:prstGeom>
+          <a:noFill/>
+          <a:ln>
+            <a:noFill/>
+          </a:ln>
+        </p:spPr>
+      </p:pic>
+      <p:sp>
+        <p:nvSpPr>
+          <p:cNvPr id="38" name="Google Shape;83;p14"/>
+          <p:cNvSpPr/>
+          <p:nvPr/>
+        </p:nvSpPr>
+        <p:spPr>
+          <a:xfrm>
+            <a:off x="4522096" y="1193119"/>
+            <a:ext cx="2176922" cy="2245863"/>
+          </a:xfrm>
+          <a:prstGeom prst="ellipse">
+            <a:avLst/>
+          </a:prstGeom>
+          <a:solidFill>
+            <a:srgbClr val="FF3300">
+              <a:alpha val="47780"/>
+            </a:srgbClr>
+          </a:solidFill>
+          <a:ln w="9525" cap="flat" cmpd="sng">
+            <a:solidFill>
+              <a:srgbClr val="FF9900"/>
+            </a:solidFill>
+            <a:prstDash val="solid"/>
+            <a:round/>
+            <a:headEnd type="none" w="sm" len="sm"/>
+            <a:tailEnd type="none" w="sm" len="sm"/>
+          </a:ln>
+        </p:spPr>
+        <p:txBody>
+          <a:bodyPr spcFirstLastPara="1" wrap="square" lIns="121900" tIns="121900" rIns="121900" bIns="121900" anchor="ctr" anchorCtr="0">
+            <a:noAutofit/>
+          </a:bodyPr>
+          <a:lstStyle/>
+          <a:p>
+            <a:endParaRPr sz="2400"/>
+          </a:p>
+        </p:txBody>
+      </p:sp>
+      <p:sp>
+        <p:nvSpPr>
+          <p:cNvPr id="39" name="Google Shape;83;p14"/>
+          <p:cNvSpPr/>
+          <p:nvPr/>
+        </p:nvSpPr>
+        <p:spPr>
+          <a:xfrm>
+            <a:off x="8013359" y="1193119"/>
+            <a:ext cx="2176922" cy="2245863"/>
+          </a:xfrm>
+          <a:prstGeom prst="ellipse">
+            <a:avLst/>
+          </a:prstGeom>
+          <a:solidFill>
+            <a:srgbClr val="FF3300">
+              <a:alpha val="47780"/>
+            </a:srgbClr>
+          </a:solidFill>
+          <a:ln w="9525" cap="flat" cmpd="sng">
+            <a:solidFill>
+              <a:srgbClr val="FF9900"/>
+            </a:solidFill>
+            <a:prstDash val="solid"/>
+            <a:round/>
+            <a:headEnd type="none" w="sm" len="sm"/>
+            <a:tailEnd type="none" w="sm" len="sm"/>
+          </a:ln>
+        </p:spPr>
+        <p:txBody>
+          <a:bodyPr spcFirstLastPara="1" wrap="square" lIns="121900" tIns="121900" rIns="121900" bIns="121900" anchor="ctr" anchorCtr="0">
+            <a:noAutofit/>
+          </a:bodyPr>
+          <a:lstStyle/>
+          <a:p>
+            <a:endParaRPr sz="2400"/>
+          </a:p>
+        </p:txBody>
+      </p:sp>
+      <p:sp>
+        <p:nvSpPr>
+          <p:cNvPr id="41" name="Google Shape;83;p14"/>
+          <p:cNvSpPr/>
+          <p:nvPr/>
+        </p:nvSpPr>
+        <p:spPr>
+          <a:xfrm>
+            <a:off x="7849388" y="4102880"/>
+            <a:ext cx="2176922" cy="2245863"/>
+          </a:xfrm>
+          <a:prstGeom prst="ellipse">
+            <a:avLst/>
+          </a:prstGeom>
+          <a:solidFill>
+            <a:srgbClr val="FF3300">
+              <a:alpha val="47780"/>
+            </a:srgbClr>
+          </a:solidFill>
+          <a:ln w="9525" cap="flat" cmpd="sng">
+            <a:solidFill>
+              <a:srgbClr val="FF9900"/>
+            </a:solidFill>
+            <a:prstDash val="solid"/>
+            <a:round/>
+            <a:headEnd type="none" w="sm" len="sm"/>
+            <a:tailEnd type="none" w="sm" len="sm"/>
+          </a:ln>
+        </p:spPr>
+        <p:txBody>
+          <a:bodyPr spcFirstLastPara="1" wrap="square" lIns="121900" tIns="121900" rIns="121900" bIns="121900" anchor="ctr" anchorCtr="0">
+            <a:noAutofit/>
+          </a:bodyPr>
+          <a:lstStyle/>
+          <a:p>
+            <a:endParaRPr sz="2400"/>
+          </a:p>
+        </p:txBody>
+      </p:sp>
+      <p:sp>
+        <p:nvSpPr>
+          <p:cNvPr id="42" name="文本框 41">
+            <a:extLst>
+              <a:ext uri="{FF2B5EF4-FFF2-40B4-BE49-F238E27FC236}">
+                <a16:creationId xmlns:a16="http://schemas.microsoft.com/office/drawing/2014/main" xmlns="" id="{3E8E8225-E7B4-E598-7AEB-66BC2EF7864E}"/>
+              </a:ext>
+            </a:extLst>
+          </p:cNvPr>
+          <p:cNvSpPr txBox="1"/>
+          <p:nvPr/>
+        </p:nvSpPr>
+        <p:spPr>
+          <a:xfrm>
+            <a:off x="612559" y="1671863"/>
+            <a:ext cx="3335990" cy="4247317"/>
+          </a:xfrm>
+          <a:prstGeom prst="rect">
+            <a:avLst/>
+          </a:prstGeom>
+          <a:noFill/>
+        </p:spPr>
+        <p:txBody>
+          <a:bodyPr wrap="square" rtlCol="0">
+            <a:spAutoFit/>
+          </a:bodyPr>
+          <a:lstStyle/>
+          <a:p>
+            <a:r>
+              <a:rPr lang="ja-JP" altLang="en-US" dirty="0" smtClean="0"/>
+              <a:t>Ｄ：マッチ</a:t>
+            </a:r>
+            <a:endParaRPr lang="en-US" altLang="ja-JP" dirty="0" smtClean="0"/>
+          </a:p>
+          <a:p>
+            <a:endParaRPr lang="en-US" altLang="ja-JP" dirty="0"/>
+          </a:p>
+          <a:p>
+            <a:r>
+              <a:rPr lang="en-US" altLang="ja-JP" dirty="0" smtClean="0"/>
+              <a:t>H1</a:t>
+            </a:r>
+            <a:r>
+              <a:rPr lang="ja-JP" altLang="en-US" dirty="0" smtClean="0"/>
+              <a:t>：少女</a:t>
+            </a:r>
+            <a:endParaRPr lang="en-US" altLang="ja-JP" dirty="0" smtClean="0"/>
+          </a:p>
+          <a:p>
+            <a:endParaRPr lang="en-US" altLang="ja-JP" dirty="0"/>
+          </a:p>
+          <a:p>
+            <a:r>
+              <a:rPr lang="zh-CN" altLang="en-US" dirty="0" smtClean="0"/>
+              <a:t>固定</a:t>
+            </a:r>
+            <a:r>
+              <a:rPr lang="en-US" altLang="zh-CN" dirty="0" smtClean="0"/>
+              <a:t>4</a:t>
+            </a:r>
+            <a:r>
+              <a:rPr lang="zh-CN" altLang="en-US" dirty="0" smtClean="0"/>
+              <a:t>种火柴，触发</a:t>
+            </a:r>
+            <a:r>
+              <a:rPr lang="en-US" altLang="zh-CN" dirty="0" smtClean="0"/>
+              <a:t>4</a:t>
+            </a:r>
+            <a:r>
+              <a:rPr lang="zh-CN" altLang="en-US" dirty="0" smtClean="0"/>
+              <a:t>种机制，需要安排顺序</a:t>
+            </a:r>
+            <a:endParaRPr lang="en-US" altLang="zh-CN" dirty="0" smtClean="0"/>
+          </a:p>
+          <a:p>
+            <a:endParaRPr lang="en-US" altLang="zh-CN" dirty="0"/>
+          </a:p>
+          <a:p>
+            <a:r>
+              <a:rPr lang="zh-CN" altLang="en-US" dirty="0" smtClean="0"/>
+              <a:t>火柴机制结束后</a:t>
+            </a:r>
+            <a:r>
+              <a:rPr lang="en-US" altLang="zh-CN" dirty="0" err="1" smtClean="0"/>
+              <a:t>debuff</a:t>
+            </a:r>
+            <a:r>
+              <a:rPr lang="zh-CN" altLang="en-US" dirty="0" smtClean="0"/>
+              <a:t>才消失（熄灭时幻象消失</a:t>
+            </a:r>
+            <a:endParaRPr lang="en-US" altLang="zh-CN" dirty="0" smtClean="0"/>
+          </a:p>
+          <a:p>
+            <a:endParaRPr lang="en-US" altLang="zh-CN" dirty="0"/>
+          </a:p>
+          <a:p>
+            <a:r>
+              <a:rPr lang="zh-CN" altLang="en-US" dirty="0" smtClean="0"/>
+              <a:t>绿球：烤鹅</a:t>
+            </a:r>
+            <a:endParaRPr lang="en-US" altLang="zh-CN" dirty="0" smtClean="0"/>
+          </a:p>
+          <a:p>
+            <a:r>
+              <a:rPr lang="zh-CN" altLang="en-US" dirty="0" smtClean="0"/>
+              <a:t>优先连线没有火柴</a:t>
+            </a:r>
+            <a:r>
+              <a:rPr lang="en-US" altLang="zh-CN" dirty="0" err="1" smtClean="0"/>
+              <a:t>debuff</a:t>
+            </a:r>
+            <a:r>
+              <a:rPr lang="zh-CN" altLang="en-US" dirty="0" smtClean="0"/>
+              <a:t>的玩家</a:t>
+            </a:r>
+            <a:endParaRPr lang="en-US" altLang="zh-CN" dirty="0" smtClean="0"/>
+          </a:p>
+          <a:p>
+            <a:endParaRPr lang="en-US" altLang="zh-CN" dirty="0" smtClean="0"/>
+          </a:p>
+          <a:p>
+            <a:endParaRPr lang="en-US" altLang="ja-JP" dirty="0"/>
+          </a:p>
+        </p:txBody>
+      </p:sp>
+      <p:sp>
+        <p:nvSpPr>
+          <p:cNvPr id="6" name="椭圆 5"/>
+          <p:cNvSpPr/>
+          <p:nvPr/>
+        </p:nvSpPr>
+        <p:spPr>
+          <a:xfrm>
+            <a:off x="5203751" y="3399710"/>
+            <a:ext cx="827935" cy="827935"/>
+          </a:xfrm>
+          <a:prstGeom prst="ellipse">
+            <a:avLst/>
+          </a:prstGeom>
+        </p:spPr>
+        <p:style>
+          <a:lnRef idx="2">
+            <a:schemeClr val="accent6">
+              <a:shade val="50000"/>
+            </a:schemeClr>
+          </a:lnRef>
+          <a:fillRef idx="1">
+            <a:schemeClr val="accent6"/>
+          </a:fillRef>
+          <a:effectRef idx="0">
+            <a:schemeClr val="accent6"/>
+          </a:effectRef>
+          <a:fontRef idx="minor">
+            <a:schemeClr val="lt1"/>
+          </a:fontRef>
+        </p:style>
+        <p:txBody>
+          <a:bodyPr rtlCol="0" anchor="ctr"/>
+          <a:lstStyle/>
+          <a:p>
+            <a:pPr algn="ctr"/>
+            <a:endParaRPr lang="zh-CN" altLang="en-US"/>
+          </a:p>
+        </p:txBody>
+      </p:sp>
+      <p:cxnSp>
+        <p:nvCxnSpPr>
+          <p:cNvPr id="8" name="直接连接符 7"/>
+          <p:cNvCxnSpPr>
+            <a:stCxn id="6" idx="6"/>
+            <a:endCxn id="20" idx="1"/>
+          </p:cNvCxnSpPr>
+          <p:nvPr/>
+        </p:nvCxnSpPr>
+        <p:spPr>
+          <a:xfrm>
+            <a:off x="6031686" y="3813678"/>
+            <a:ext cx="3460592" cy="86730"/>
+          </a:xfrm>
+          <a:prstGeom prst="line">
+            <a:avLst/>
+          </a:prstGeom>
+        </p:spPr>
+        <p:style>
+          <a:lnRef idx="1">
+            <a:schemeClr val="accent1"/>
+          </a:lnRef>
+          <a:fillRef idx="0">
+            <a:schemeClr val="accent1"/>
+          </a:fillRef>
+          <a:effectRef idx="0">
+            <a:schemeClr val="accent1"/>
+          </a:effectRef>
+          <a:fontRef idx="minor">
+            <a:schemeClr val="tx1"/>
+          </a:fontRef>
+        </p:style>
+      </p:cxnSp>
+      <p:sp>
+        <p:nvSpPr>
+          <p:cNvPr id="43" name="椭圆 42"/>
+          <p:cNvSpPr/>
+          <p:nvPr/>
+        </p:nvSpPr>
+        <p:spPr>
+          <a:xfrm>
+            <a:off x="6860492" y="5088183"/>
+            <a:ext cx="827935" cy="827935"/>
+          </a:xfrm>
+          <a:prstGeom prst="ellipse">
+            <a:avLst/>
+          </a:prstGeom>
+        </p:spPr>
+        <p:style>
+          <a:lnRef idx="2">
+            <a:schemeClr val="accent6">
+              <a:shade val="50000"/>
+            </a:schemeClr>
+          </a:lnRef>
+          <a:fillRef idx="1">
+            <a:schemeClr val="accent6"/>
+          </a:fillRef>
+          <a:effectRef idx="0">
+            <a:schemeClr val="accent6"/>
+          </a:effectRef>
+          <a:fontRef idx="minor">
+            <a:schemeClr val="lt1"/>
+          </a:fontRef>
+        </p:style>
+        <p:txBody>
+          <a:bodyPr rtlCol="0" anchor="ctr"/>
+          <a:lstStyle/>
+          <a:p>
+            <a:pPr algn="ctr"/>
+            <a:endParaRPr lang="zh-CN" altLang="en-US"/>
+          </a:p>
+        </p:txBody>
+      </p:sp>
+      <p:cxnSp>
+        <p:nvCxnSpPr>
+          <p:cNvPr id="44" name="直接连接符 43"/>
+          <p:cNvCxnSpPr>
+            <a:stCxn id="43" idx="0"/>
+            <a:endCxn id="37" idx="2"/>
+          </p:cNvCxnSpPr>
+          <p:nvPr/>
+        </p:nvCxnSpPr>
+        <p:spPr>
+          <a:xfrm flipH="1" flipV="1">
+            <a:off x="6990337" y="1649569"/>
+            <a:ext cx="284123" cy="3438614"/>
+          </a:xfrm>
+          <a:prstGeom prst="line">
+            <a:avLst/>
+          </a:prstGeom>
+        </p:spPr>
+        <p:style>
+          <a:lnRef idx="1">
+            <a:schemeClr val="accent1"/>
+          </a:lnRef>
+          <a:fillRef idx="0">
+            <a:schemeClr val="accent1"/>
+          </a:fillRef>
+          <a:effectRef idx="0">
+            <a:schemeClr val="accent1"/>
+          </a:effectRef>
+          <a:fontRef idx="minor">
+            <a:schemeClr val="tx1"/>
+          </a:fontRef>
+        </p:style>
+      </p:cxnSp>
+      <p:sp>
+        <p:nvSpPr>
+          <p:cNvPr id="47" name="椭圆 46"/>
+          <p:cNvSpPr/>
+          <p:nvPr/>
+        </p:nvSpPr>
+        <p:spPr>
+          <a:xfrm>
+            <a:off x="8540799" y="3325694"/>
+            <a:ext cx="827935" cy="827935"/>
+          </a:xfrm>
+          <a:prstGeom prst="ellipse">
+            <a:avLst/>
+          </a:prstGeom>
+        </p:spPr>
+        <p:style>
+          <a:lnRef idx="2">
+            <a:schemeClr val="accent6">
+              <a:shade val="50000"/>
+            </a:schemeClr>
+          </a:lnRef>
+          <a:fillRef idx="1">
+            <a:schemeClr val="accent6"/>
+          </a:fillRef>
+          <a:effectRef idx="0">
+            <a:schemeClr val="accent6"/>
+          </a:effectRef>
+          <a:fontRef idx="minor">
+            <a:schemeClr val="lt1"/>
+          </a:fontRef>
+        </p:style>
+        <p:txBody>
+          <a:bodyPr rtlCol="0" anchor="ctr"/>
+          <a:lstStyle/>
+          <a:p>
+            <a:pPr algn="ctr"/>
+            <a:endParaRPr lang="zh-CN" altLang="en-US"/>
+          </a:p>
+        </p:txBody>
+      </p:sp>
+      <p:sp>
+        <p:nvSpPr>
+          <p:cNvPr id="49" name="椭圆 48"/>
+          <p:cNvSpPr/>
+          <p:nvPr/>
+        </p:nvSpPr>
+        <p:spPr>
+          <a:xfrm>
+            <a:off x="6764871" y="1673059"/>
+            <a:ext cx="827935" cy="827935"/>
+          </a:xfrm>
+          <a:prstGeom prst="ellipse">
+            <a:avLst/>
+          </a:prstGeom>
+        </p:spPr>
+        <p:style>
+          <a:lnRef idx="2">
+            <a:schemeClr val="accent6">
+              <a:shade val="50000"/>
+            </a:schemeClr>
+          </a:lnRef>
+          <a:fillRef idx="1">
+            <a:schemeClr val="accent6"/>
+          </a:fillRef>
+          <a:effectRef idx="0">
+            <a:schemeClr val="accent6"/>
+          </a:effectRef>
+          <a:fontRef idx="minor">
+            <a:schemeClr val="lt1"/>
+          </a:fontRef>
+        </p:style>
+        <p:txBody>
+          <a:bodyPr rtlCol="0" anchor="ctr"/>
+          <a:lstStyle/>
+          <a:p>
+            <a:pPr algn="ctr"/>
+            <a:endParaRPr lang="zh-CN" altLang="en-US"/>
+          </a:p>
+        </p:txBody>
+      </p:sp>
+      <p:cxnSp>
+        <p:nvCxnSpPr>
+          <p:cNvPr id="52" name="直接连接符 51"/>
+          <p:cNvCxnSpPr>
+            <a:stCxn id="23" idx="0"/>
+            <a:endCxn id="49" idx="4"/>
+          </p:cNvCxnSpPr>
+          <p:nvPr/>
+        </p:nvCxnSpPr>
+        <p:spPr>
+          <a:xfrm flipH="1" flipV="1">
+            <a:off x="7178839" y="2500994"/>
+            <a:ext cx="336151" cy="3428580"/>
+          </a:xfrm>
+          <a:prstGeom prst="line">
+            <a:avLst/>
+          </a:prstGeom>
+        </p:spPr>
+        <p:style>
+          <a:lnRef idx="1">
+            <a:schemeClr val="accent1"/>
+          </a:lnRef>
+          <a:fillRef idx="0">
+            <a:schemeClr val="accent1"/>
+          </a:fillRef>
+          <a:effectRef idx="0">
+            <a:schemeClr val="accent1"/>
+          </a:effectRef>
+          <a:fontRef idx="minor">
+            <a:schemeClr val="tx1"/>
+          </a:fontRef>
+        </p:style>
+      </p:cxnSp>
+      <p:cxnSp>
+        <p:nvCxnSpPr>
+          <p:cNvPr id="58" name="直接连接符 57"/>
+          <p:cNvCxnSpPr>
+            <a:stCxn id="47" idx="2"/>
+            <a:endCxn id="24" idx="3"/>
+          </p:cNvCxnSpPr>
+          <p:nvPr/>
+        </p:nvCxnSpPr>
+        <p:spPr>
+          <a:xfrm flipH="1">
+            <a:off x="5102408" y="3739662"/>
+            <a:ext cx="3438391" cy="289938"/>
+          </a:xfrm>
+          <a:prstGeom prst="line">
+            <a:avLst/>
+          </a:prstGeom>
+        </p:spPr>
+        <p:style>
+          <a:lnRef idx="1">
+            <a:schemeClr val="accent1"/>
+          </a:lnRef>
+          <a:fillRef idx="0">
+            <a:schemeClr val="accent1"/>
+          </a:fillRef>
+          <a:effectRef idx="0">
+            <a:schemeClr val="accent1"/>
+          </a:effectRef>
+          <a:fontRef idx="minor">
+            <a:schemeClr val="tx1"/>
+          </a:fontRef>
+        </p:style>
+      </p:cxnSp>
+    </p:spTree>
+    <p:extLst>
+      <p:ext uri="{BB962C8B-B14F-4D97-AF65-F5344CB8AC3E}">
+        <p14:creationId xmlns:p14="http://schemas.microsoft.com/office/powerpoint/2010/main" val="3398553751"/>
       </p:ext>
     </p:extLst>
   </p:cSld>
@@ -27256,7 +28299,7 @@
           <p:cNvPr id="4" name="Google Shape;74;p14">
             <a:extLst>
               <a:ext uri="{FF2B5EF4-FFF2-40B4-BE49-F238E27FC236}">
-                <a16:creationId xmlns:a16="http://schemas.microsoft.com/office/drawing/2014/main" id="{F52A6963-84A4-0036-01C0-8A6443B594E4}"/>
+                <a16:creationId xmlns:a16="http://schemas.microsoft.com/office/drawing/2014/main" xmlns="" id="{F52A6963-84A4-0036-01C0-8A6443B594E4}"/>
               </a:ext>
             </a:extLst>
           </p:cNvPr>
@@ -27290,7 +28333,7 @@
           <p:cNvPr id="5" name="Google Shape;75;p14">
             <a:extLst>
               <a:ext uri="{FF2B5EF4-FFF2-40B4-BE49-F238E27FC236}">
-                <a16:creationId xmlns:a16="http://schemas.microsoft.com/office/drawing/2014/main" id="{404581EA-6F71-715C-CE7C-99A122F3F6E4}"/>
+                <a16:creationId xmlns:a16="http://schemas.microsoft.com/office/drawing/2014/main" xmlns="" id="{404581EA-6F71-715C-CE7C-99A122F3F6E4}"/>
               </a:ext>
             </a:extLst>
           </p:cNvPr>
@@ -27324,7 +28367,7 @@
           <p:cNvPr id="6" name="Google Shape;76;p14">
             <a:extLst>
               <a:ext uri="{FF2B5EF4-FFF2-40B4-BE49-F238E27FC236}">
-                <a16:creationId xmlns:a16="http://schemas.microsoft.com/office/drawing/2014/main" id="{A527F9F4-7B4A-2EA7-612E-AAA3DD8F9F91}"/>
+                <a16:creationId xmlns:a16="http://schemas.microsoft.com/office/drawing/2014/main" xmlns="" id="{A527F9F4-7B4A-2EA7-612E-AAA3DD8F9F91}"/>
               </a:ext>
             </a:extLst>
           </p:cNvPr>
@@ -27358,7 +28401,7 @@
           <p:cNvPr id="7" name="Google Shape;77;p14">
             <a:extLst>
               <a:ext uri="{FF2B5EF4-FFF2-40B4-BE49-F238E27FC236}">
-                <a16:creationId xmlns:a16="http://schemas.microsoft.com/office/drawing/2014/main" id="{FCDA0BCF-7B73-F1F2-4535-2A7D8DF8F9A5}"/>
+                <a16:creationId xmlns:a16="http://schemas.microsoft.com/office/drawing/2014/main" xmlns="" id="{FCDA0BCF-7B73-F1F2-4535-2A7D8DF8F9A5}"/>
               </a:ext>
             </a:extLst>
           </p:cNvPr>
@@ -27392,7 +28435,7 @@
           <p:cNvPr id="8" name="Google Shape;78;p14">
             <a:extLst>
               <a:ext uri="{FF2B5EF4-FFF2-40B4-BE49-F238E27FC236}">
-                <a16:creationId xmlns:a16="http://schemas.microsoft.com/office/drawing/2014/main" id="{0C8F405C-8C7A-9464-2835-C0C6BCE26B6A}"/>
+                <a16:creationId xmlns:a16="http://schemas.microsoft.com/office/drawing/2014/main" xmlns="" id="{0C8F405C-8C7A-9464-2835-C0C6BCE26B6A}"/>
               </a:ext>
             </a:extLst>
           </p:cNvPr>
@@ -27426,7 +28469,7 @@
           <p:cNvPr id="9" name="Google Shape;79;p14">
             <a:extLst>
               <a:ext uri="{FF2B5EF4-FFF2-40B4-BE49-F238E27FC236}">
-                <a16:creationId xmlns:a16="http://schemas.microsoft.com/office/drawing/2014/main" id="{E9EC9C58-B423-E735-B962-72835BD4EE86}"/>
+                <a16:creationId xmlns:a16="http://schemas.microsoft.com/office/drawing/2014/main" xmlns="" id="{E9EC9C58-B423-E735-B962-72835BD4EE86}"/>
               </a:ext>
             </a:extLst>
           </p:cNvPr>
@@ -27460,7 +28503,7 @@
           <p:cNvPr id="10" name="Google Shape;80;p14">
             <a:extLst>
               <a:ext uri="{FF2B5EF4-FFF2-40B4-BE49-F238E27FC236}">
-                <a16:creationId xmlns:a16="http://schemas.microsoft.com/office/drawing/2014/main" id="{BA0DDD85-240E-A853-DC83-F6457C5291E8}"/>
+                <a16:creationId xmlns:a16="http://schemas.microsoft.com/office/drawing/2014/main" xmlns="" id="{BA0DDD85-240E-A853-DC83-F6457C5291E8}"/>
               </a:ext>
             </a:extLst>
           </p:cNvPr>
@@ -27494,7 +28537,7 @@
           <p:cNvPr id="11" name="Google Shape;81;p14">
             <a:extLst>
               <a:ext uri="{FF2B5EF4-FFF2-40B4-BE49-F238E27FC236}">
-                <a16:creationId xmlns:a16="http://schemas.microsoft.com/office/drawing/2014/main" id="{78D0E7F2-A606-3D98-4CE9-4D32A4C0E2C6}"/>
+                <a16:creationId xmlns:a16="http://schemas.microsoft.com/office/drawing/2014/main" xmlns="" id="{78D0E7F2-A606-3D98-4CE9-4D32A4C0E2C6}"/>
               </a:ext>
             </a:extLst>
           </p:cNvPr>
@@ -27528,7 +28571,7 @@
           <p:cNvPr id="12" name="箭头: 五边形 11">
             <a:extLst>
               <a:ext uri="{FF2B5EF4-FFF2-40B4-BE49-F238E27FC236}">
-                <a16:creationId xmlns:a16="http://schemas.microsoft.com/office/drawing/2014/main" id="{E13F04AF-CA49-218E-5AA1-C8D4A89BCA7A}"/>
+                <a16:creationId xmlns:a16="http://schemas.microsoft.com/office/drawing/2014/main" xmlns="" id="{E13F04AF-CA49-218E-5AA1-C8D4A89BCA7A}"/>
               </a:ext>
             </a:extLst>
           </p:cNvPr>
@@ -27575,7 +28618,7 @@
           <p:cNvPr id="13" name="箭头: 五边形 12">
             <a:extLst>
               <a:ext uri="{FF2B5EF4-FFF2-40B4-BE49-F238E27FC236}">
-                <a16:creationId xmlns:a16="http://schemas.microsoft.com/office/drawing/2014/main" id="{05DEB904-DFEB-BAA8-7C26-B72CD611A811}"/>
+                <a16:creationId xmlns:a16="http://schemas.microsoft.com/office/drawing/2014/main" xmlns="" id="{05DEB904-DFEB-BAA8-7C26-B72CD611A811}"/>
               </a:ext>
             </a:extLst>
           </p:cNvPr>
@@ -27631,7 +28674,7 @@
           <p:cNvPr id="14" name="箭头: 五边形 13">
             <a:extLst>
               <a:ext uri="{FF2B5EF4-FFF2-40B4-BE49-F238E27FC236}">
-                <a16:creationId xmlns:a16="http://schemas.microsoft.com/office/drawing/2014/main" id="{FD3B5483-3F50-8FB0-25AC-EC051D3099FB}"/>
+                <a16:creationId xmlns:a16="http://schemas.microsoft.com/office/drawing/2014/main" xmlns="" id="{FD3B5483-3F50-8FB0-25AC-EC051D3099FB}"/>
               </a:ext>
             </a:extLst>
           </p:cNvPr>
@@ -27687,7 +28730,7 @@
           <p:cNvPr id="15" name="箭头: 五边形 14">
             <a:extLst>
               <a:ext uri="{FF2B5EF4-FFF2-40B4-BE49-F238E27FC236}">
-                <a16:creationId xmlns:a16="http://schemas.microsoft.com/office/drawing/2014/main" id="{A43EC445-08DE-C16A-E8F3-A1D64CDC87A4}"/>
+                <a16:creationId xmlns:a16="http://schemas.microsoft.com/office/drawing/2014/main" xmlns="" id="{A43EC445-08DE-C16A-E8F3-A1D64CDC87A4}"/>
               </a:ext>
             </a:extLst>
           </p:cNvPr>
@@ -27743,7 +28786,7 @@
           <p:cNvPr id="16" name="箭头: 五边形 15">
             <a:extLst>
               <a:ext uri="{FF2B5EF4-FFF2-40B4-BE49-F238E27FC236}">
-                <a16:creationId xmlns:a16="http://schemas.microsoft.com/office/drawing/2014/main" id="{B8062128-35C1-DC16-AC2E-34A3B7EFCE5D}"/>
+                <a16:creationId xmlns:a16="http://schemas.microsoft.com/office/drawing/2014/main" xmlns="" id="{B8062128-35C1-DC16-AC2E-34A3B7EFCE5D}"/>
               </a:ext>
             </a:extLst>
           </p:cNvPr>
@@ -27799,7 +28842,7 @@
           <p:cNvPr id="17" name="箭头: 五边形 16">
             <a:extLst>
               <a:ext uri="{FF2B5EF4-FFF2-40B4-BE49-F238E27FC236}">
-                <a16:creationId xmlns:a16="http://schemas.microsoft.com/office/drawing/2014/main" id="{9161E0C4-34BC-E5EF-2DA6-3E4BE128882D}"/>
+                <a16:creationId xmlns:a16="http://schemas.microsoft.com/office/drawing/2014/main" xmlns="" id="{9161E0C4-34BC-E5EF-2DA6-3E4BE128882D}"/>
               </a:ext>
             </a:extLst>
           </p:cNvPr>
@@ -27846,7 +28889,7 @@
           <p:cNvPr id="18" name="箭头: 五边形 17">
             <a:extLst>
               <a:ext uri="{FF2B5EF4-FFF2-40B4-BE49-F238E27FC236}">
-                <a16:creationId xmlns:a16="http://schemas.microsoft.com/office/drawing/2014/main" id="{B14F0095-88A1-E73B-341C-A51D4BF3BCE7}"/>
+                <a16:creationId xmlns:a16="http://schemas.microsoft.com/office/drawing/2014/main" xmlns="" id="{B14F0095-88A1-E73B-341C-A51D4BF3BCE7}"/>
               </a:ext>
             </a:extLst>
           </p:cNvPr>
@@ -27893,7 +28936,7 @@
           <p:cNvPr id="19" name="箭头: 五边形 18">
             <a:extLst>
               <a:ext uri="{FF2B5EF4-FFF2-40B4-BE49-F238E27FC236}">
-                <a16:creationId xmlns:a16="http://schemas.microsoft.com/office/drawing/2014/main" id="{E972E0E3-FC1A-AEDD-7D35-7285E0781540}"/>
+                <a16:creationId xmlns:a16="http://schemas.microsoft.com/office/drawing/2014/main" xmlns="" id="{E972E0E3-FC1A-AEDD-7D35-7285E0781540}"/>
               </a:ext>
             </a:extLst>
           </p:cNvPr>
@@ -27980,7 +29023,7 @@
           <p:cNvPr id="2" name="标题 1">
             <a:extLst>
               <a:ext uri="{FF2B5EF4-FFF2-40B4-BE49-F238E27FC236}">
-                <a16:creationId xmlns:a16="http://schemas.microsoft.com/office/drawing/2014/main" id="{2A9B6C59-89F9-5390-BB77-F8DB7EF7B310}"/>
+                <a16:creationId xmlns:a16="http://schemas.microsoft.com/office/drawing/2014/main" xmlns="" id="{2A9B6C59-89F9-5390-BB77-F8DB7EF7B310}"/>
               </a:ext>
             </a:extLst>
           </p:cNvPr>
@@ -28055,7 +29098,7 @@
           <p:cNvPr id="2" name="标题 1">
             <a:extLst>
               <a:ext uri="{FF2B5EF4-FFF2-40B4-BE49-F238E27FC236}">
-                <a16:creationId xmlns:a16="http://schemas.microsoft.com/office/drawing/2014/main" id="{80796E82-7314-2FBE-2DE8-DDD70D4DF27E}"/>
+                <a16:creationId xmlns:a16="http://schemas.microsoft.com/office/drawing/2014/main" xmlns="" id="{80796E82-7314-2FBE-2DE8-DDD70D4DF27E}"/>
               </a:ext>
             </a:extLst>
           </p:cNvPr>
@@ -28104,7 +29147,7 @@
           <p:cNvPr id="5" name="椭圆 4">
             <a:extLst>
               <a:ext uri="{FF2B5EF4-FFF2-40B4-BE49-F238E27FC236}">
-                <a16:creationId xmlns:a16="http://schemas.microsoft.com/office/drawing/2014/main" id="{A020CC41-9901-5A10-06D8-1F19650A3A6A}"/>
+                <a16:creationId xmlns:a16="http://schemas.microsoft.com/office/drawing/2014/main" xmlns="" id="{A020CC41-9901-5A10-06D8-1F19650A3A6A}"/>
               </a:ext>
             </a:extLst>
           </p:cNvPr>
@@ -28156,7 +29199,7 @@
           <p:cNvPr id="6" name="Google Shape;74;p14">
             <a:extLst>
               <a:ext uri="{FF2B5EF4-FFF2-40B4-BE49-F238E27FC236}">
-                <a16:creationId xmlns:a16="http://schemas.microsoft.com/office/drawing/2014/main" id="{8ABB2948-CF7D-7BD6-14B8-367574244CB2}"/>
+                <a16:creationId xmlns:a16="http://schemas.microsoft.com/office/drawing/2014/main" xmlns="" id="{8ABB2948-CF7D-7BD6-14B8-367574244CB2}"/>
               </a:ext>
             </a:extLst>
           </p:cNvPr>
@@ -28190,7 +29233,7 @@
           <p:cNvPr id="7" name="Google Shape;75;p14">
             <a:extLst>
               <a:ext uri="{FF2B5EF4-FFF2-40B4-BE49-F238E27FC236}">
-                <a16:creationId xmlns:a16="http://schemas.microsoft.com/office/drawing/2014/main" id="{744D1F6B-EBF7-049C-9CBC-D2BD265B8DB5}"/>
+                <a16:creationId xmlns:a16="http://schemas.microsoft.com/office/drawing/2014/main" xmlns="" id="{744D1F6B-EBF7-049C-9CBC-D2BD265B8DB5}"/>
               </a:ext>
             </a:extLst>
           </p:cNvPr>
@@ -28224,7 +29267,7 @@
           <p:cNvPr id="8" name="Google Shape;76;p14">
             <a:extLst>
               <a:ext uri="{FF2B5EF4-FFF2-40B4-BE49-F238E27FC236}">
-                <a16:creationId xmlns:a16="http://schemas.microsoft.com/office/drawing/2014/main" id="{A0604560-830C-4AC9-3717-031AA48B5D45}"/>
+                <a16:creationId xmlns:a16="http://schemas.microsoft.com/office/drawing/2014/main" xmlns="" id="{A0604560-830C-4AC9-3717-031AA48B5D45}"/>
               </a:ext>
             </a:extLst>
           </p:cNvPr>
@@ -28258,7 +29301,7 @@
           <p:cNvPr id="9" name="Google Shape;77;p14">
             <a:extLst>
               <a:ext uri="{FF2B5EF4-FFF2-40B4-BE49-F238E27FC236}">
-                <a16:creationId xmlns:a16="http://schemas.microsoft.com/office/drawing/2014/main" id="{DC03C87C-87BB-A5EB-0D50-DDB31F93A6C2}"/>
+                <a16:creationId xmlns:a16="http://schemas.microsoft.com/office/drawing/2014/main" xmlns="" id="{DC03C87C-87BB-A5EB-0D50-DDB31F93A6C2}"/>
               </a:ext>
             </a:extLst>
           </p:cNvPr>
@@ -28292,7 +29335,7 @@
           <p:cNvPr id="10" name="Google Shape;78;p14">
             <a:extLst>
               <a:ext uri="{FF2B5EF4-FFF2-40B4-BE49-F238E27FC236}">
-                <a16:creationId xmlns:a16="http://schemas.microsoft.com/office/drawing/2014/main" id="{281D3DED-9B64-E88B-FC5F-0C30B82A9484}"/>
+                <a16:creationId xmlns:a16="http://schemas.microsoft.com/office/drawing/2014/main" xmlns="" id="{281D3DED-9B64-E88B-FC5F-0C30B82A9484}"/>
               </a:ext>
             </a:extLst>
           </p:cNvPr>
@@ -28326,7 +29369,7 @@
           <p:cNvPr id="11" name="Google Shape;79;p14">
             <a:extLst>
               <a:ext uri="{FF2B5EF4-FFF2-40B4-BE49-F238E27FC236}">
-                <a16:creationId xmlns:a16="http://schemas.microsoft.com/office/drawing/2014/main" id="{0DAE55E6-D474-C395-BC84-8ACA3CE820A0}"/>
+                <a16:creationId xmlns:a16="http://schemas.microsoft.com/office/drawing/2014/main" xmlns="" id="{0DAE55E6-D474-C395-BC84-8ACA3CE820A0}"/>
               </a:ext>
             </a:extLst>
           </p:cNvPr>
@@ -28360,7 +29403,7 @@
           <p:cNvPr id="12" name="Google Shape;80;p14">
             <a:extLst>
               <a:ext uri="{FF2B5EF4-FFF2-40B4-BE49-F238E27FC236}">
-                <a16:creationId xmlns:a16="http://schemas.microsoft.com/office/drawing/2014/main" id="{3A5AAC50-9F06-A76F-B20B-35CF3612E825}"/>
+                <a16:creationId xmlns:a16="http://schemas.microsoft.com/office/drawing/2014/main" xmlns="" id="{3A5AAC50-9F06-A76F-B20B-35CF3612E825}"/>
               </a:ext>
             </a:extLst>
           </p:cNvPr>
@@ -28394,7 +29437,7 @@
           <p:cNvPr id="13" name="Google Shape;81;p14">
             <a:extLst>
               <a:ext uri="{FF2B5EF4-FFF2-40B4-BE49-F238E27FC236}">
-                <a16:creationId xmlns:a16="http://schemas.microsoft.com/office/drawing/2014/main" id="{F33B3BEC-1095-E464-2D03-703E55B0F8A0}"/>
+                <a16:creationId xmlns:a16="http://schemas.microsoft.com/office/drawing/2014/main" xmlns="" id="{F33B3BEC-1095-E464-2D03-703E55B0F8A0}"/>
               </a:ext>
             </a:extLst>
           </p:cNvPr>
@@ -28428,7 +29471,7 @@
           <p:cNvPr id="14" name="图片 13">
             <a:extLst>
               <a:ext uri="{FF2B5EF4-FFF2-40B4-BE49-F238E27FC236}">
-                <a16:creationId xmlns:a16="http://schemas.microsoft.com/office/drawing/2014/main" id="{A1247C65-E9FE-684D-C577-C3EFF757A026}"/>
+                <a16:creationId xmlns:a16="http://schemas.microsoft.com/office/drawing/2014/main" xmlns="" id="{A1247C65-E9FE-684D-C577-C3EFF757A026}"/>
               </a:ext>
             </a:extLst>
           </p:cNvPr>
@@ -28458,7 +29501,7 @@
           <p:cNvPr id="15" name="图片 14">
             <a:extLst>
               <a:ext uri="{FF2B5EF4-FFF2-40B4-BE49-F238E27FC236}">
-                <a16:creationId xmlns:a16="http://schemas.microsoft.com/office/drawing/2014/main" id="{2E9CE1E3-2135-0036-6AC6-4F023E9FB9FB}"/>
+                <a16:creationId xmlns:a16="http://schemas.microsoft.com/office/drawing/2014/main" xmlns="" id="{2E9CE1E3-2135-0036-6AC6-4F023E9FB9FB}"/>
               </a:ext>
             </a:extLst>
           </p:cNvPr>
@@ -28488,7 +29531,7 @@
           <p:cNvPr id="16" name="图片 15">
             <a:extLst>
               <a:ext uri="{FF2B5EF4-FFF2-40B4-BE49-F238E27FC236}">
-                <a16:creationId xmlns:a16="http://schemas.microsoft.com/office/drawing/2014/main" id="{E105324A-0DF5-3CC5-8FA4-5C776E05B929}"/>
+                <a16:creationId xmlns:a16="http://schemas.microsoft.com/office/drawing/2014/main" xmlns="" id="{E105324A-0DF5-3CC5-8FA4-5C776E05B929}"/>
               </a:ext>
             </a:extLst>
           </p:cNvPr>
@@ -28518,7 +29561,7 @@
           <p:cNvPr id="17" name="图片 16">
             <a:extLst>
               <a:ext uri="{FF2B5EF4-FFF2-40B4-BE49-F238E27FC236}">
-                <a16:creationId xmlns:a16="http://schemas.microsoft.com/office/drawing/2014/main" id="{9B118434-3A73-4D47-C6D6-FBDC473A6E94}"/>
+                <a16:creationId xmlns:a16="http://schemas.microsoft.com/office/drawing/2014/main" xmlns="" id="{9B118434-3A73-4D47-C6D6-FBDC473A6E94}"/>
               </a:ext>
             </a:extLst>
           </p:cNvPr>
@@ -28548,7 +29591,7 @@
           <p:cNvPr id="18" name="图片 17">
             <a:extLst>
               <a:ext uri="{FF2B5EF4-FFF2-40B4-BE49-F238E27FC236}">
-                <a16:creationId xmlns:a16="http://schemas.microsoft.com/office/drawing/2014/main" id="{B4FACCEA-FD77-524D-0769-3E9B324ECE01}"/>
+                <a16:creationId xmlns:a16="http://schemas.microsoft.com/office/drawing/2014/main" xmlns="" id="{B4FACCEA-FD77-524D-0769-3E9B324ECE01}"/>
               </a:ext>
             </a:extLst>
           </p:cNvPr>
@@ -28608,7 +29651,7 @@
           <p:cNvPr id="2" name="标题 1">
             <a:extLst>
               <a:ext uri="{FF2B5EF4-FFF2-40B4-BE49-F238E27FC236}">
-                <a16:creationId xmlns:a16="http://schemas.microsoft.com/office/drawing/2014/main" id="{80796E82-7314-2FBE-2DE8-DDD70D4DF27E}"/>
+                <a16:creationId xmlns:a16="http://schemas.microsoft.com/office/drawing/2014/main" xmlns="" id="{80796E82-7314-2FBE-2DE8-DDD70D4DF27E}"/>
               </a:ext>
             </a:extLst>
           </p:cNvPr>
@@ -28657,7 +29700,7 @@
           <p:cNvPr id="5" name="椭圆 4">
             <a:extLst>
               <a:ext uri="{FF2B5EF4-FFF2-40B4-BE49-F238E27FC236}">
-                <a16:creationId xmlns:a16="http://schemas.microsoft.com/office/drawing/2014/main" id="{A020CC41-9901-5A10-06D8-1F19650A3A6A}"/>
+                <a16:creationId xmlns:a16="http://schemas.microsoft.com/office/drawing/2014/main" xmlns="" id="{A020CC41-9901-5A10-06D8-1F19650A3A6A}"/>
               </a:ext>
             </a:extLst>
           </p:cNvPr>
@@ -28709,7 +29752,7 @@
           <p:cNvPr id="6" name="Google Shape;74;p14">
             <a:extLst>
               <a:ext uri="{FF2B5EF4-FFF2-40B4-BE49-F238E27FC236}">
-                <a16:creationId xmlns:a16="http://schemas.microsoft.com/office/drawing/2014/main" id="{8ABB2948-CF7D-7BD6-14B8-367574244CB2}"/>
+                <a16:creationId xmlns:a16="http://schemas.microsoft.com/office/drawing/2014/main" xmlns="" id="{8ABB2948-CF7D-7BD6-14B8-367574244CB2}"/>
               </a:ext>
             </a:extLst>
           </p:cNvPr>
@@ -28743,7 +29786,7 @@
           <p:cNvPr id="7" name="Google Shape;75;p14">
             <a:extLst>
               <a:ext uri="{FF2B5EF4-FFF2-40B4-BE49-F238E27FC236}">
-                <a16:creationId xmlns:a16="http://schemas.microsoft.com/office/drawing/2014/main" id="{744D1F6B-EBF7-049C-9CBC-D2BD265B8DB5}"/>
+                <a16:creationId xmlns:a16="http://schemas.microsoft.com/office/drawing/2014/main" xmlns="" id="{744D1F6B-EBF7-049C-9CBC-D2BD265B8DB5}"/>
               </a:ext>
             </a:extLst>
           </p:cNvPr>
@@ -28777,7 +29820,7 @@
           <p:cNvPr id="8" name="Google Shape;76;p14">
             <a:extLst>
               <a:ext uri="{FF2B5EF4-FFF2-40B4-BE49-F238E27FC236}">
-                <a16:creationId xmlns:a16="http://schemas.microsoft.com/office/drawing/2014/main" id="{A0604560-830C-4AC9-3717-031AA48B5D45}"/>
+                <a16:creationId xmlns:a16="http://schemas.microsoft.com/office/drawing/2014/main" xmlns="" id="{A0604560-830C-4AC9-3717-031AA48B5D45}"/>
               </a:ext>
             </a:extLst>
           </p:cNvPr>
@@ -28811,7 +29854,7 @@
           <p:cNvPr id="9" name="Google Shape;77;p14">
             <a:extLst>
               <a:ext uri="{FF2B5EF4-FFF2-40B4-BE49-F238E27FC236}">
-                <a16:creationId xmlns:a16="http://schemas.microsoft.com/office/drawing/2014/main" id="{DC03C87C-87BB-A5EB-0D50-DDB31F93A6C2}"/>
+                <a16:creationId xmlns:a16="http://schemas.microsoft.com/office/drawing/2014/main" xmlns="" id="{DC03C87C-87BB-A5EB-0D50-DDB31F93A6C2}"/>
               </a:ext>
             </a:extLst>
           </p:cNvPr>
@@ -28845,7 +29888,7 @@
           <p:cNvPr id="10" name="Google Shape;78;p14">
             <a:extLst>
               <a:ext uri="{FF2B5EF4-FFF2-40B4-BE49-F238E27FC236}">
-                <a16:creationId xmlns:a16="http://schemas.microsoft.com/office/drawing/2014/main" id="{281D3DED-9B64-E88B-FC5F-0C30B82A9484}"/>
+                <a16:creationId xmlns:a16="http://schemas.microsoft.com/office/drawing/2014/main" xmlns="" id="{281D3DED-9B64-E88B-FC5F-0C30B82A9484}"/>
               </a:ext>
             </a:extLst>
           </p:cNvPr>
@@ -28879,7 +29922,7 @@
           <p:cNvPr id="11" name="Google Shape;79;p14">
             <a:extLst>
               <a:ext uri="{FF2B5EF4-FFF2-40B4-BE49-F238E27FC236}">
-                <a16:creationId xmlns:a16="http://schemas.microsoft.com/office/drawing/2014/main" id="{0DAE55E6-D474-C395-BC84-8ACA3CE820A0}"/>
+                <a16:creationId xmlns:a16="http://schemas.microsoft.com/office/drawing/2014/main" xmlns="" id="{0DAE55E6-D474-C395-BC84-8ACA3CE820A0}"/>
               </a:ext>
             </a:extLst>
           </p:cNvPr>
@@ -28913,7 +29956,7 @@
           <p:cNvPr id="12" name="Google Shape;80;p14">
             <a:extLst>
               <a:ext uri="{FF2B5EF4-FFF2-40B4-BE49-F238E27FC236}">
-                <a16:creationId xmlns:a16="http://schemas.microsoft.com/office/drawing/2014/main" id="{3A5AAC50-9F06-A76F-B20B-35CF3612E825}"/>
+                <a16:creationId xmlns:a16="http://schemas.microsoft.com/office/drawing/2014/main" xmlns="" id="{3A5AAC50-9F06-A76F-B20B-35CF3612E825}"/>
               </a:ext>
             </a:extLst>
           </p:cNvPr>
@@ -28947,7 +29990,7 @@
           <p:cNvPr id="13" name="Google Shape;81;p14">
             <a:extLst>
               <a:ext uri="{FF2B5EF4-FFF2-40B4-BE49-F238E27FC236}">
-                <a16:creationId xmlns:a16="http://schemas.microsoft.com/office/drawing/2014/main" id="{F33B3BEC-1095-E464-2D03-703E55B0F8A0}"/>
+                <a16:creationId xmlns:a16="http://schemas.microsoft.com/office/drawing/2014/main" xmlns="" id="{F33B3BEC-1095-E464-2D03-703E55B0F8A0}"/>
               </a:ext>
             </a:extLst>
           </p:cNvPr>
@@ -28981,7 +30024,7 @@
           <p:cNvPr id="14" name="图片 13">
             <a:extLst>
               <a:ext uri="{FF2B5EF4-FFF2-40B4-BE49-F238E27FC236}">
-                <a16:creationId xmlns:a16="http://schemas.microsoft.com/office/drawing/2014/main" id="{A1247C65-E9FE-684D-C577-C3EFF757A026}"/>
+                <a16:creationId xmlns:a16="http://schemas.microsoft.com/office/drawing/2014/main" xmlns="" id="{A1247C65-E9FE-684D-C577-C3EFF757A026}"/>
               </a:ext>
             </a:extLst>
           </p:cNvPr>
@@ -29011,7 +30054,7 @@
           <p:cNvPr id="15" name="图片 14">
             <a:extLst>
               <a:ext uri="{FF2B5EF4-FFF2-40B4-BE49-F238E27FC236}">
-                <a16:creationId xmlns:a16="http://schemas.microsoft.com/office/drawing/2014/main" id="{2E9CE1E3-2135-0036-6AC6-4F023E9FB9FB}"/>
+                <a16:creationId xmlns:a16="http://schemas.microsoft.com/office/drawing/2014/main" xmlns="" id="{2E9CE1E3-2135-0036-6AC6-4F023E9FB9FB}"/>
               </a:ext>
             </a:extLst>
           </p:cNvPr>
@@ -29041,7 +30084,7 @@
           <p:cNvPr id="16" name="图片 15">
             <a:extLst>
               <a:ext uri="{FF2B5EF4-FFF2-40B4-BE49-F238E27FC236}">
-                <a16:creationId xmlns:a16="http://schemas.microsoft.com/office/drawing/2014/main" id="{E105324A-0DF5-3CC5-8FA4-5C776E05B929}"/>
+                <a16:creationId xmlns:a16="http://schemas.microsoft.com/office/drawing/2014/main" xmlns="" id="{E105324A-0DF5-3CC5-8FA4-5C776E05B929}"/>
               </a:ext>
             </a:extLst>
           </p:cNvPr>
@@ -29071,7 +30114,7 @@
           <p:cNvPr id="17" name="图片 16">
             <a:extLst>
               <a:ext uri="{FF2B5EF4-FFF2-40B4-BE49-F238E27FC236}">
-                <a16:creationId xmlns:a16="http://schemas.microsoft.com/office/drawing/2014/main" id="{9B118434-3A73-4D47-C6D6-FBDC473A6E94}"/>
+                <a16:creationId xmlns:a16="http://schemas.microsoft.com/office/drawing/2014/main" xmlns="" id="{9B118434-3A73-4D47-C6D6-FBDC473A6E94}"/>
               </a:ext>
             </a:extLst>
           </p:cNvPr>
@@ -29101,7 +30144,7 @@
           <p:cNvPr id="18" name="图片 17">
             <a:extLst>
               <a:ext uri="{FF2B5EF4-FFF2-40B4-BE49-F238E27FC236}">
-                <a16:creationId xmlns:a16="http://schemas.microsoft.com/office/drawing/2014/main" id="{B4FACCEA-FD77-524D-0769-3E9B324ECE01}"/>
+                <a16:creationId xmlns:a16="http://schemas.microsoft.com/office/drawing/2014/main" xmlns="" id="{B4FACCEA-FD77-524D-0769-3E9B324ECE01}"/>
               </a:ext>
             </a:extLst>
           </p:cNvPr>
@@ -29131,7 +30174,7 @@
           <p:cNvPr id="19" name="Google Shape;87;p14">
             <a:extLst>
               <a:ext uri="{FF2B5EF4-FFF2-40B4-BE49-F238E27FC236}">
-                <a16:creationId xmlns:a16="http://schemas.microsoft.com/office/drawing/2014/main" id="{D5F99ADA-5751-0003-A146-8C3479B5FA29}"/>
+                <a16:creationId xmlns:a16="http://schemas.microsoft.com/office/drawing/2014/main" xmlns="" id="{D5F99ADA-5751-0003-A146-8C3479B5FA29}"/>
               </a:ext>
             </a:extLst>
           </p:cNvPr>
@@ -29165,7 +30208,7 @@
           <p:cNvPr id="21" name="Google Shape;87;p14">
             <a:extLst>
               <a:ext uri="{FF2B5EF4-FFF2-40B4-BE49-F238E27FC236}">
-                <a16:creationId xmlns:a16="http://schemas.microsoft.com/office/drawing/2014/main" id="{90F13ACB-01F8-F61D-B504-33D42F0F054E}"/>
+                <a16:creationId xmlns:a16="http://schemas.microsoft.com/office/drawing/2014/main" xmlns="" id="{90F13ACB-01F8-F61D-B504-33D42F0F054E}"/>
               </a:ext>
             </a:extLst>
           </p:cNvPr>
@@ -29199,7 +30242,7 @@
           <p:cNvPr id="24" name="Google Shape;85;p14">
             <a:extLst>
               <a:ext uri="{FF2B5EF4-FFF2-40B4-BE49-F238E27FC236}">
-                <a16:creationId xmlns:a16="http://schemas.microsoft.com/office/drawing/2014/main" id="{8498F254-73E8-BE24-4CFC-E75E188DD02A}"/>
+                <a16:creationId xmlns:a16="http://schemas.microsoft.com/office/drawing/2014/main" xmlns="" id="{8498F254-73E8-BE24-4CFC-E75E188DD02A}"/>
               </a:ext>
             </a:extLst>
           </p:cNvPr>
@@ -29240,7 +30283,7 @@
           <p:cNvPr id="25" name="Google Shape;85;p14">
             <a:extLst>
               <a:ext uri="{FF2B5EF4-FFF2-40B4-BE49-F238E27FC236}">
-                <a16:creationId xmlns:a16="http://schemas.microsoft.com/office/drawing/2014/main" id="{5C78CA6E-6DFC-515D-2D93-7149CE8D13F3}"/>
+                <a16:creationId xmlns:a16="http://schemas.microsoft.com/office/drawing/2014/main" xmlns="" id="{5C78CA6E-6DFC-515D-2D93-7149CE8D13F3}"/>
               </a:ext>
             </a:extLst>
           </p:cNvPr>
@@ -29281,7 +30324,7 @@
           <p:cNvPr id="26" name="Google Shape;90;p14">
             <a:extLst>
               <a:ext uri="{FF2B5EF4-FFF2-40B4-BE49-F238E27FC236}">
-                <a16:creationId xmlns:a16="http://schemas.microsoft.com/office/drawing/2014/main" id="{70D7F9C8-3F19-0671-CC95-0C6FF2D659F6}"/>
+                <a16:creationId xmlns:a16="http://schemas.microsoft.com/office/drawing/2014/main" xmlns="" id="{70D7F9C8-3F19-0671-CC95-0C6FF2D659F6}"/>
               </a:ext>
             </a:extLst>
           </p:cNvPr>
@@ -29315,7 +30358,7 @@
           <p:cNvPr id="27" name="Google Shape;83;p14">
             <a:extLst>
               <a:ext uri="{FF2B5EF4-FFF2-40B4-BE49-F238E27FC236}">
-                <a16:creationId xmlns:a16="http://schemas.microsoft.com/office/drawing/2014/main" id="{7612AD67-07A2-FFEB-0DE5-F90CDC1B4A5C}"/>
+                <a16:creationId xmlns:a16="http://schemas.microsoft.com/office/drawing/2014/main" xmlns="" id="{7612AD67-07A2-FFEB-0DE5-F90CDC1B4A5C}"/>
               </a:ext>
             </a:extLst>
           </p:cNvPr>
@@ -29360,7 +30403,7 @@
           <p:cNvPr id="28" name="Google Shape;83;p14">
             <a:extLst>
               <a:ext uri="{FF2B5EF4-FFF2-40B4-BE49-F238E27FC236}">
-                <a16:creationId xmlns:a16="http://schemas.microsoft.com/office/drawing/2014/main" id="{8DAAC8FF-3497-68B4-671F-222AE70DDC00}"/>
+                <a16:creationId xmlns:a16="http://schemas.microsoft.com/office/drawing/2014/main" xmlns="" id="{8DAAC8FF-3497-68B4-671F-222AE70DDC00}"/>
               </a:ext>
             </a:extLst>
           </p:cNvPr>
@@ -29405,7 +30448,7 @@
           <p:cNvPr id="29" name="矩形 28">
             <a:extLst>
               <a:ext uri="{FF2B5EF4-FFF2-40B4-BE49-F238E27FC236}">
-                <a16:creationId xmlns:a16="http://schemas.microsoft.com/office/drawing/2014/main" id="{F5D95F4C-2AC2-CBDE-25EE-8B0D5572C4DD}"/>
+                <a16:creationId xmlns:a16="http://schemas.microsoft.com/office/drawing/2014/main" xmlns="" id="{F5D95F4C-2AC2-CBDE-25EE-8B0D5572C4DD}"/>
               </a:ext>
             </a:extLst>
           </p:cNvPr>
@@ -29456,7 +30499,7 @@
           <p:cNvPr id="30" name="文本框 29">
             <a:extLst>
               <a:ext uri="{FF2B5EF4-FFF2-40B4-BE49-F238E27FC236}">
-                <a16:creationId xmlns:a16="http://schemas.microsoft.com/office/drawing/2014/main" id="{02CD6288-94AE-B133-56AB-163E634896EC}"/>
+                <a16:creationId xmlns:a16="http://schemas.microsoft.com/office/drawing/2014/main" xmlns="" id="{02CD6288-94AE-B133-56AB-163E634896EC}"/>
               </a:ext>
             </a:extLst>
           </p:cNvPr>
@@ -29530,7 +30573,7 @@
           <p:cNvPr id="2" name="标题 1">
             <a:extLst>
               <a:ext uri="{FF2B5EF4-FFF2-40B4-BE49-F238E27FC236}">
-                <a16:creationId xmlns:a16="http://schemas.microsoft.com/office/drawing/2014/main" id="{80796E82-7314-2FBE-2DE8-DDD70D4DF27E}"/>
+                <a16:creationId xmlns:a16="http://schemas.microsoft.com/office/drawing/2014/main" xmlns="" id="{80796E82-7314-2FBE-2DE8-DDD70D4DF27E}"/>
               </a:ext>
             </a:extLst>
           </p:cNvPr>
@@ -29579,7 +30622,7 @@
           <p:cNvPr id="5" name="椭圆 4">
             <a:extLst>
               <a:ext uri="{FF2B5EF4-FFF2-40B4-BE49-F238E27FC236}">
-                <a16:creationId xmlns:a16="http://schemas.microsoft.com/office/drawing/2014/main" id="{A020CC41-9901-5A10-06D8-1F19650A3A6A}"/>
+                <a16:creationId xmlns:a16="http://schemas.microsoft.com/office/drawing/2014/main" xmlns="" id="{A020CC41-9901-5A10-06D8-1F19650A3A6A}"/>
               </a:ext>
             </a:extLst>
           </p:cNvPr>
@@ -29631,7 +30674,7 @@
           <p:cNvPr id="6" name="Google Shape;74;p14">
             <a:extLst>
               <a:ext uri="{FF2B5EF4-FFF2-40B4-BE49-F238E27FC236}">
-                <a16:creationId xmlns:a16="http://schemas.microsoft.com/office/drawing/2014/main" id="{8ABB2948-CF7D-7BD6-14B8-367574244CB2}"/>
+                <a16:creationId xmlns:a16="http://schemas.microsoft.com/office/drawing/2014/main" xmlns="" id="{8ABB2948-CF7D-7BD6-14B8-367574244CB2}"/>
               </a:ext>
             </a:extLst>
           </p:cNvPr>
@@ -29665,7 +30708,7 @@
           <p:cNvPr id="7" name="Google Shape;75;p14">
             <a:extLst>
               <a:ext uri="{FF2B5EF4-FFF2-40B4-BE49-F238E27FC236}">
-                <a16:creationId xmlns:a16="http://schemas.microsoft.com/office/drawing/2014/main" id="{744D1F6B-EBF7-049C-9CBC-D2BD265B8DB5}"/>
+                <a16:creationId xmlns:a16="http://schemas.microsoft.com/office/drawing/2014/main" xmlns="" id="{744D1F6B-EBF7-049C-9CBC-D2BD265B8DB5}"/>
               </a:ext>
             </a:extLst>
           </p:cNvPr>
@@ -29699,7 +30742,7 @@
           <p:cNvPr id="8" name="Google Shape;76;p14">
             <a:extLst>
               <a:ext uri="{FF2B5EF4-FFF2-40B4-BE49-F238E27FC236}">
-                <a16:creationId xmlns:a16="http://schemas.microsoft.com/office/drawing/2014/main" id="{A0604560-830C-4AC9-3717-031AA48B5D45}"/>
+                <a16:creationId xmlns:a16="http://schemas.microsoft.com/office/drawing/2014/main" xmlns="" id="{A0604560-830C-4AC9-3717-031AA48B5D45}"/>
               </a:ext>
             </a:extLst>
           </p:cNvPr>
@@ -29733,7 +30776,7 @@
           <p:cNvPr id="9" name="Google Shape;77;p14">
             <a:extLst>
               <a:ext uri="{FF2B5EF4-FFF2-40B4-BE49-F238E27FC236}">
-                <a16:creationId xmlns:a16="http://schemas.microsoft.com/office/drawing/2014/main" id="{DC03C87C-87BB-A5EB-0D50-DDB31F93A6C2}"/>
+                <a16:creationId xmlns:a16="http://schemas.microsoft.com/office/drawing/2014/main" xmlns="" id="{DC03C87C-87BB-A5EB-0D50-DDB31F93A6C2}"/>
               </a:ext>
             </a:extLst>
           </p:cNvPr>
@@ -29767,7 +30810,7 @@
           <p:cNvPr id="10" name="Google Shape;78;p14">
             <a:extLst>
               <a:ext uri="{FF2B5EF4-FFF2-40B4-BE49-F238E27FC236}">
-                <a16:creationId xmlns:a16="http://schemas.microsoft.com/office/drawing/2014/main" id="{281D3DED-9B64-E88B-FC5F-0C30B82A9484}"/>
+                <a16:creationId xmlns:a16="http://schemas.microsoft.com/office/drawing/2014/main" xmlns="" id="{281D3DED-9B64-E88B-FC5F-0C30B82A9484}"/>
               </a:ext>
             </a:extLst>
           </p:cNvPr>
@@ -29801,7 +30844,7 @@
           <p:cNvPr id="11" name="Google Shape;79;p14">
             <a:extLst>
               <a:ext uri="{FF2B5EF4-FFF2-40B4-BE49-F238E27FC236}">
-                <a16:creationId xmlns:a16="http://schemas.microsoft.com/office/drawing/2014/main" id="{0DAE55E6-D474-C395-BC84-8ACA3CE820A0}"/>
+                <a16:creationId xmlns:a16="http://schemas.microsoft.com/office/drawing/2014/main" xmlns="" id="{0DAE55E6-D474-C395-BC84-8ACA3CE820A0}"/>
               </a:ext>
             </a:extLst>
           </p:cNvPr>
@@ -29835,7 +30878,7 @@
           <p:cNvPr id="12" name="Google Shape;80;p14">
             <a:extLst>
               <a:ext uri="{FF2B5EF4-FFF2-40B4-BE49-F238E27FC236}">
-                <a16:creationId xmlns:a16="http://schemas.microsoft.com/office/drawing/2014/main" id="{3A5AAC50-9F06-A76F-B20B-35CF3612E825}"/>
+                <a16:creationId xmlns:a16="http://schemas.microsoft.com/office/drawing/2014/main" xmlns="" id="{3A5AAC50-9F06-A76F-B20B-35CF3612E825}"/>
               </a:ext>
             </a:extLst>
           </p:cNvPr>
@@ -29869,7 +30912,7 @@
           <p:cNvPr id="13" name="Google Shape;81;p14">
             <a:extLst>
               <a:ext uri="{FF2B5EF4-FFF2-40B4-BE49-F238E27FC236}">
-                <a16:creationId xmlns:a16="http://schemas.microsoft.com/office/drawing/2014/main" id="{F33B3BEC-1095-E464-2D03-703E55B0F8A0}"/>
+                <a16:creationId xmlns:a16="http://schemas.microsoft.com/office/drawing/2014/main" xmlns="" id="{F33B3BEC-1095-E464-2D03-703E55B0F8A0}"/>
               </a:ext>
             </a:extLst>
           </p:cNvPr>
@@ -29903,7 +30946,7 @@
           <p:cNvPr id="19" name="Google Shape;87;p14">
             <a:extLst>
               <a:ext uri="{FF2B5EF4-FFF2-40B4-BE49-F238E27FC236}">
-                <a16:creationId xmlns:a16="http://schemas.microsoft.com/office/drawing/2014/main" id="{D5F99ADA-5751-0003-A146-8C3479B5FA29}"/>
+                <a16:creationId xmlns:a16="http://schemas.microsoft.com/office/drawing/2014/main" xmlns="" id="{D5F99ADA-5751-0003-A146-8C3479B5FA29}"/>
               </a:ext>
             </a:extLst>
           </p:cNvPr>
@@ -29937,7 +30980,7 @@
           <p:cNvPr id="24" name="Google Shape;85;p14">
             <a:extLst>
               <a:ext uri="{FF2B5EF4-FFF2-40B4-BE49-F238E27FC236}">
-                <a16:creationId xmlns:a16="http://schemas.microsoft.com/office/drawing/2014/main" id="{8498F254-73E8-BE24-4CFC-E75E188DD02A}"/>
+                <a16:creationId xmlns:a16="http://schemas.microsoft.com/office/drawing/2014/main" xmlns="" id="{8498F254-73E8-BE24-4CFC-E75E188DD02A}"/>
               </a:ext>
             </a:extLst>
           </p:cNvPr>
@@ -29978,7 +31021,7 @@
           <p:cNvPr id="21" name="Google Shape;87;p14">
             <a:extLst>
               <a:ext uri="{FF2B5EF4-FFF2-40B4-BE49-F238E27FC236}">
-                <a16:creationId xmlns:a16="http://schemas.microsoft.com/office/drawing/2014/main" id="{90F13ACB-01F8-F61D-B504-33D42F0F054E}"/>
+                <a16:creationId xmlns:a16="http://schemas.microsoft.com/office/drawing/2014/main" xmlns="" id="{90F13ACB-01F8-F61D-B504-33D42F0F054E}"/>
               </a:ext>
             </a:extLst>
           </p:cNvPr>
@@ -30012,7 +31055,7 @@
           <p:cNvPr id="25" name="Google Shape;85;p14">
             <a:extLst>
               <a:ext uri="{FF2B5EF4-FFF2-40B4-BE49-F238E27FC236}">
-                <a16:creationId xmlns:a16="http://schemas.microsoft.com/office/drawing/2014/main" id="{5C78CA6E-6DFC-515D-2D93-7149CE8D13F3}"/>
+                <a16:creationId xmlns:a16="http://schemas.microsoft.com/office/drawing/2014/main" xmlns="" id="{5C78CA6E-6DFC-515D-2D93-7149CE8D13F3}"/>
               </a:ext>
             </a:extLst>
           </p:cNvPr>
@@ -30053,7 +31096,7 @@
           <p:cNvPr id="26" name="Google Shape;90;p14">
             <a:extLst>
               <a:ext uri="{FF2B5EF4-FFF2-40B4-BE49-F238E27FC236}">
-                <a16:creationId xmlns:a16="http://schemas.microsoft.com/office/drawing/2014/main" id="{70D7F9C8-3F19-0671-CC95-0C6FF2D659F6}"/>
+                <a16:creationId xmlns:a16="http://schemas.microsoft.com/office/drawing/2014/main" xmlns="" id="{70D7F9C8-3F19-0671-CC95-0C6FF2D659F6}"/>
               </a:ext>
             </a:extLst>
           </p:cNvPr>
@@ -30087,7 +31130,7 @@
           <p:cNvPr id="27" name="Google Shape;100;p14">
             <a:extLst>
               <a:ext uri="{FF2B5EF4-FFF2-40B4-BE49-F238E27FC236}">
-                <a16:creationId xmlns:a16="http://schemas.microsoft.com/office/drawing/2014/main" id="{F8A7C898-9B48-9B98-9416-6CC35654182E}"/>
+                <a16:creationId xmlns:a16="http://schemas.microsoft.com/office/drawing/2014/main" xmlns="" id="{F8A7C898-9B48-9B98-9416-6CC35654182E}"/>
               </a:ext>
             </a:extLst>
           </p:cNvPr>
@@ -30130,7 +31173,7 @@
           <p:cNvPr id="28" name="Google Shape;100;p14">
             <a:extLst>
               <a:ext uri="{FF2B5EF4-FFF2-40B4-BE49-F238E27FC236}">
-                <a16:creationId xmlns:a16="http://schemas.microsoft.com/office/drawing/2014/main" id="{3EA7DA9C-7016-E18A-3815-E4ABF57833E3}"/>
+                <a16:creationId xmlns:a16="http://schemas.microsoft.com/office/drawing/2014/main" xmlns="" id="{3EA7DA9C-7016-E18A-3815-E4ABF57833E3}"/>
               </a:ext>
             </a:extLst>
           </p:cNvPr>
@@ -30173,7 +31216,7 @@
           <p:cNvPr id="29" name="Google Shape;100;p14">
             <a:extLst>
               <a:ext uri="{FF2B5EF4-FFF2-40B4-BE49-F238E27FC236}">
-                <a16:creationId xmlns:a16="http://schemas.microsoft.com/office/drawing/2014/main" id="{A17C1FA6-D0D2-529D-9879-E520D1CE77D6}"/>
+                <a16:creationId xmlns:a16="http://schemas.microsoft.com/office/drawing/2014/main" xmlns="" id="{A17C1FA6-D0D2-529D-9879-E520D1CE77D6}"/>
               </a:ext>
             </a:extLst>
           </p:cNvPr>
@@ -30216,7 +31259,7 @@
           <p:cNvPr id="30" name="Google Shape;100;p14">
             <a:extLst>
               <a:ext uri="{FF2B5EF4-FFF2-40B4-BE49-F238E27FC236}">
-                <a16:creationId xmlns:a16="http://schemas.microsoft.com/office/drawing/2014/main" id="{04D7ED66-035D-0386-E0EE-BA6FE024830F}"/>
+                <a16:creationId xmlns:a16="http://schemas.microsoft.com/office/drawing/2014/main" xmlns="" id="{04D7ED66-035D-0386-E0EE-BA6FE024830F}"/>
               </a:ext>
             </a:extLst>
           </p:cNvPr>
@@ -30259,7 +31302,7 @@
           <p:cNvPr id="31" name="Google Shape;100;p14">
             <a:extLst>
               <a:ext uri="{FF2B5EF4-FFF2-40B4-BE49-F238E27FC236}">
-                <a16:creationId xmlns:a16="http://schemas.microsoft.com/office/drawing/2014/main" id="{C7775653-CC84-E4C0-151C-20531BC61B52}"/>
+                <a16:creationId xmlns:a16="http://schemas.microsoft.com/office/drawing/2014/main" xmlns="" id="{C7775653-CC84-E4C0-151C-20531BC61B52}"/>
               </a:ext>
             </a:extLst>
           </p:cNvPr>
@@ -30302,7 +31345,7 @@
           <p:cNvPr id="33" name="Google Shape;83;p14">
             <a:extLst>
               <a:ext uri="{FF2B5EF4-FFF2-40B4-BE49-F238E27FC236}">
-                <a16:creationId xmlns:a16="http://schemas.microsoft.com/office/drawing/2014/main" id="{BC3B66DE-CAB4-4145-73F1-EC5796C670B2}"/>
+                <a16:creationId xmlns:a16="http://schemas.microsoft.com/office/drawing/2014/main" xmlns="" id="{BC3B66DE-CAB4-4145-73F1-EC5796C670B2}"/>
               </a:ext>
             </a:extLst>
           </p:cNvPr>
@@ -30347,7 +31390,7 @@
           <p:cNvPr id="32" name="Google Shape;83;p14">
             <a:extLst>
               <a:ext uri="{FF2B5EF4-FFF2-40B4-BE49-F238E27FC236}">
-                <a16:creationId xmlns:a16="http://schemas.microsoft.com/office/drawing/2014/main" id="{D89174EE-20E3-9DC6-DAF2-2B277BF0CA73}"/>
+                <a16:creationId xmlns:a16="http://schemas.microsoft.com/office/drawing/2014/main" xmlns="" id="{D89174EE-20E3-9DC6-DAF2-2B277BF0CA73}"/>
               </a:ext>
             </a:extLst>
           </p:cNvPr>
@@ -30392,7 +31435,7 @@
           <p:cNvPr id="15" name="图片 14">
             <a:extLst>
               <a:ext uri="{FF2B5EF4-FFF2-40B4-BE49-F238E27FC236}">
-                <a16:creationId xmlns:a16="http://schemas.microsoft.com/office/drawing/2014/main" id="{2E9CE1E3-2135-0036-6AC6-4F023E9FB9FB}"/>
+                <a16:creationId xmlns:a16="http://schemas.microsoft.com/office/drawing/2014/main" xmlns="" id="{2E9CE1E3-2135-0036-6AC6-4F023E9FB9FB}"/>
               </a:ext>
             </a:extLst>
           </p:cNvPr>
@@ -30422,7 +31465,7 @@
           <p:cNvPr id="18" name="图片 17">
             <a:extLst>
               <a:ext uri="{FF2B5EF4-FFF2-40B4-BE49-F238E27FC236}">
-                <a16:creationId xmlns:a16="http://schemas.microsoft.com/office/drawing/2014/main" id="{B4FACCEA-FD77-524D-0769-3E9B324ECE01}"/>
+                <a16:creationId xmlns:a16="http://schemas.microsoft.com/office/drawing/2014/main" xmlns="" id="{B4FACCEA-FD77-524D-0769-3E9B324ECE01}"/>
               </a:ext>
             </a:extLst>
           </p:cNvPr>
@@ -30452,7 +31495,7 @@
           <p:cNvPr id="16" name="图片 15">
             <a:extLst>
               <a:ext uri="{FF2B5EF4-FFF2-40B4-BE49-F238E27FC236}">
-                <a16:creationId xmlns:a16="http://schemas.microsoft.com/office/drawing/2014/main" id="{E105324A-0DF5-3CC5-8FA4-5C776E05B929}"/>
+                <a16:creationId xmlns:a16="http://schemas.microsoft.com/office/drawing/2014/main" xmlns="" id="{E105324A-0DF5-3CC5-8FA4-5C776E05B929}"/>
               </a:ext>
             </a:extLst>
           </p:cNvPr>
@@ -30482,7 +31525,7 @@
           <p:cNvPr id="14" name="图片 13">
             <a:extLst>
               <a:ext uri="{FF2B5EF4-FFF2-40B4-BE49-F238E27FC236}">
-                <a16:creationId xmlns:a16="http://schemas.microsoft.com/office/drawing/2014/main" id="{A1247C65-E9FE-684D-C577-C3EFF757A026}"/>
+                <a16:creationId xmlns:a16="http://schemas.microsoft.com/office/drawing/2014/main" xmlns="" id="{A1247C65-E9FE-684D-C577-C3EFF757A026}"/>
               </a:ext>
             </a:extLst>
           </p:cNvPr>
@@ -30512,7 +31555,7 @@
           <p:cNvPr id="17" name="图片 16">
             <a:extLst>
               <a:ext uri="{FF2B5EF4-FFF2-40B4-BE49-F238E27FC236}">
-                <a16:creationId xmlns:a16="http://schemas.microsoft.com/office/drawing/2014/main" id="{9B118434-3A73-4D47-C6D6-FBDC473A6E94}"/>
+                <a16:creationId xmlns:a16="http://schemas.microsoft.com/office/drawing/2014/main" xmlns="" id="{9B118434-3A73-4D47-C6D6-FBDC473A6E94}"/>
               </a:ext>
             </a:extLst>
           </p:cNvPr>

--- a/Graphic Presentation.pptx
+++ b/Graphic Presentation.pptx
@@ -631,7 +631,7 @@
           <p:cNvPr id="2" name="标题 1">
             <a:extLst>
               <a:ext uri="{FF2B5EF4-FFF2-40B4-BE49-F238E27FC236}">
-                <a16:creationId xmlns:a16="http://schemas.microsoft.com/office/drawing/2014/main" xmlns="" id="{4C529C05-6993-E374-2DE2-7EC1B69BA1EE}"/>
+                <a16:creationId xmlns="" xmlns:a16="http://schemas.microsoft.com/office/drawing/2014/main" id="{4C529C05-6993-E374-2DE2-7EC1B69BA1EE}"/>
               </a:ext>
             </a:extLst>
           </p:cNvPr>
@@ -668,7 +668,7 @@
           <p:cNvPr id="3" name="副标题 2">
             <a:extLst>
               <a:ext uri="{FF2B5EF4-FFF2-40B4-BE49-F238E27FC236}">
-                <a16:creationId xmlns:a16="http://schemas.microsoft.com/office/drawing/2014/main" xmlns="" id="{8D685AB2-71E0-83AD-E648-EA31522F89AA}"/>
+                <a16:creationId xmlns="" xmlns:a16="http://schemas.microsoft.com/office/drawing/2014/main" id="{8D685AB2-71E0-83AD-E648-EA31522F89AA}"/>
               </a:ext>
             </a:extLst>
           </p:cNvPr>
@@ -738,7 +738,7 @@
           <p:cNvPr id="4" name="日期占位符 3">
             <a:extLst>
               <a:ext uri="{FF2B5EF4-FFF2-40B4-BE49-F238E27FC236}">
-                <a16:creationId xmlns:a16="http://schemas.microsoft.com/office/drawing/2014/main" xmlns="" id="{C45A1BBE-92AA-97BD-9EDC-AF0FF54A8CA6}"/>
+                <a16:creationId xmlns="" xmlns:a16="http://schemas.microsoft.com/office/drawing/2014/main" id="{C45A1BBE-92AA-97BD-9EDC-AF0FF54A8CA6}"/>
               </a:ext>
             </a:extLst>
           </p:cNvPr>
@@ -767,7 +767,7 @@
           <p:cNvPr id="5" name="页脚占位符 4">
             <a:extLst>
               <a:ext uri="{FF2B5EF4-FFF2-40B4-BE49-F238E27FC236}">
-                <a16:creationId xmlns:a16="http://schemas.microsoft.com/office/drawing/2014/main" xmlns="" id="{E277CA1F-C9EC-9993-71F1-866A8154ED53}"/>
+                <a16:creationId xmlns="" xmlns:a16="http://schemas.microsoft.com/office/drawing/2014/main" id="{E277CA1F-C9EC-9993-71F1-866A8154ED53}"/>
               </a:ext>
             </a:extLst>
           </p:cNvPr>
@@ -792,7 +792,7 @@
           <p:cNvPr id="6" name="灯片编号占位符 5">
             <a:extLst>
               <a:ext uri="{FF2B5EF4-FFF2-40B4-BE49-F238E27FC236}">
-                <a16:creationId xmlns:a16="http://schemas.microsoft.com/office/drawing/2014/main" xmlns="" id="{0922099B-A7A5-E88B-B7B1-0425B195CADF}"/>
+                <a16:creationId xmlns="" xmlns:a16="http://schemas.microsoft.com/office/drawing/2014/main" id="{0922099B-A7A5-E88B-B7B1-0425B195CADF}"/>
               </a:ext>
             </a:extLst>
           </p:cNvPr>
@@ -851,7 +851,7 @@
           <p:cNvPr id="2" name="标题 1">
             <a:extLst>
               <a:ext uri="{FF2B5EF4-FFF2-40B4-BE49-F238E27FC236}">
-                <a16:creationId xmlns:a16="http://schemas.microsoft.com/office/drawing/2014/main" xmlns="" id="{4F5DFE4F-2322-BE5D-1ACB-D8FCEDC42378}"/>
+                <a16:creationId xmlns="" xmlns:a16="http://schemas.microsoft.com/office/drawing/2014/main" id="{4F5DFE4F-2322-BE5D-1ACB-D8FCEDC42378}"/>
               </a:ext>
             </a:extLst>
           </p:cNvPr>
@@ -879,7 +879,7 @@
           <p:cNvPr id="3" name="竖排文字占位符 2">
             <a:extLst>
               <a:ext uri="{FF2B5EF4-FFF2-40B4-BE49-F238E27FC236}">
-                <a16:creationId xmlns:a16="http://schemas.microsoft.com/office/drawing/2014/main" xmlns="" id="{8088D73B-E816-C321-246D-CD37EBC9C0AB}"/>
+                <a16:creationId xmlns="" xmlns:a16="http://schemas.microsoft.com/office/drawing/2014/main" id="{8088D73B-E816-C321-246D-CD37EBC9C0AB}"/>
               </a:ext>
             </a:extLst>
           </p:cNvPr>
@@ -936,7 +936,7 @@
           <p:cNvPr id="4" name="日期占位符 3">
             <a:extLst>
               <a:ext uri="{FF2B5EF4-FFF2-40B4-BE49-F238E27FC236}">
-                <a16:creationId xmlns:a16="http://schemas.microsoft.com/office/drawing/2014/main" xmlns="" id="{8DECFDC4-0E3F-9145-8C63-E9FFF453FFAB}"/>
+                <a16:creationId xmlns="" xmlns:a16="http://schemas.microsoft.com/office/drawing/2014/main" id="{8DECFDC4-0E3F-9145-8C63-E9FFF453FFAB}"/>
               </a:ext>
             </a:extLst>
           </p:cNvPr>
@@ -965,7 +965,7 @@
           <p:cNvPr id="5" name="页脚占位符 4">
             <a:extLst>
               <a:ext uri="{FF2B5EF4-FFF2-40B4-BE49-F238E27FC236}">
-                <a16:creationId xmlns:a16="http://schemas.microsoft.com/office/drawing/2014/main" xmlns="" id="{A3D62DD7-5525-B4BA-AA03-25FF4C0403A6}"/>
+                <a16:creationId xmlns="" xmlns:a16="http://schemas.microsoft.com/office/drawing/2014/main" id="{A3D62DD7-5525-B4BA-AA03-25FF4C0403A6}"/>
               </a:ext>
             </a:extLst>
           </p:cNvPr>
@@ -990,7 +990,7 @@
           <p:cNvPr id="6" name="灯片编号占位符 5">
             <a:extLst>
               <a:ext uri="{FF2B5EF4-FFF2-40B4-BE49-F238E27FC236}">
-                <a16:creationId xmlns:a16="http://schemas.microsoft.com/office/drawing/2014/main" xmlns="" id="{98F7AC82-750A-6BA1-A70D-D2E8ED618DE1}"/>
+                <a16:creationId xmlns="" xmlns:a16="http://schemas.microsoft.com/office/drawing/2014/main" id="{98F7AC82-750A-6BA1-A70D-D2E8ED618DE1}"/>
               </a:ext>
             </a:extLst>
           </p:cNvPr>
@@ -1049,7 +1049,7 @@
           <p:cNvPr id="2" name="竖排标题 1">
             <a:extLst>
               <a:ext uri="{FF2B5EF4-FFF2-40B4-BE49-F238E27FC236}">
-                <a16:creationId xmlns:a16="http://schemas.microsoft.com/office/drawing/2014/main" xmlns="" id="{4CF83B1B-91B5-671F-A161-727C9B763214}"/>
+                <a16:creationId xmlns="" xmlns:a16="http://schemas.microsoft.com/office/drawing/2014/main" id="{4CF83B1B-91B5-671F-A161-727C9B763214}"/>
               </a:ext>
             </a:extLst>
           </p:cNvPr>
@@ -1082,7 +1082,7 @@
           <p:cNvPr id="3" name="竖排文字占位符 2">
             <a:extLst>
               <a:ext uri="{FF2B5EF4-FFF2-40B4-BE49-F238E27FC236}">
-                <a16:creationId xmlns:a16="http://schemas.microsoft.com/office/drawing/2014/main" xmlns="" id="{BB08FF4A-FB49-2B3B-B3D5-164AC935EAC3}"/>
+                <a16:creationId xmlns="" xmlns:a16="http://schemas.microsoft.com/office/drawing/2014/main" id="{BB08FF4A-FB49-2B3B-B3D5-164AC935EAC3}"/>
               </a:ext>
             </a:extLst>
           </p:cNvPr>
@@ -1144,7 +1144,7 @@
           <p:cNvPr id="4" name="日期占位符 3">
             <a:extLst>
               <a:ext uri="{FF2B5EF4-FFF2-40B4-BE49-F238E27FC236}">
-                <a16:creationId xmlns:a16="http://schemas.microsoft.com/office/drawing/2014/main" xmlns="" id="{7BB95ED0-C4BA-DCCD-2E70-7B800185D571}"/>
+                <a16:creationId xmlns="" xmlns:a16="http://schemas.microsoft.com/office/drawing/2014/main" id="{7BB95ED0-C4BA-DCCD-2E70-7B800185D571}"/>
               </a:ext>
             </a:extLst>
           </p:cNvPr>
@@ -1173,7 +1173,7 @@
           <p:cNvPr id="5" name="页脚占位符 4">
             <a:extLst>
               <a:ext uri="{FF2B5EF4-FFF2-40B4-BE49-F238E27FC236}">
-                <a16:creationId xmlns:a16="http://schemas.microsoft.com/office/drawing/2014/main" xmlns="" id="{1BF31E75-820B-0F48-C8C2-00D1C17A0DE1}"/>
+                <a16:creationId xmlns="" xmlns:a16="http://schemas.microsoft.com/office/drawing/2014/main" id="{1BF31E75-820B-0F48-C8C2-00D1C17A0DE1}"/>
               </a:ext>
             </a:extLst>
           </p:cNvPr>
@@ -1198,7 +1198,7 @@
           <p:cNvPr id="6" name="灯片编号占位符 5">
             <a:extLst>
               <a:ext uri="{FF2B5EF4-FFF2-40B4-BE49-F238E27FC236}">
-                <a16:creationId xmlns:a16="http://schemas.microsoft.com/office/drawing/2014/main" xmlns="" id="{C44676BC-DB8F-6385-CCAA-24A642617E4C}"/>
+                <a16:creationId xmlns="" xmlns:a16="http://schemas.microsoft.com/office/drawing/2014/main" id="{C44676BC-DB8F-6385-CCAA-24A642617E4C}"/>
               </a:ext>
             </a:extLst>
           </p:cNvPr>
@@ -1616,7 +1616,7 @@
           <p:cNvPr id="2" name="标题 1">
             <a:extLst>
               <a:ext uri="{FF2B5EF4-FFF2-40B4-BE49-F238E27FC236}">
-                <a16:creationId xmlns:a16="http://schemas.microsoft.com/office/drawing/2014/main" xmlns="" id="{4A602A98-C390-5A43-8761-0489D4B42846}"/>
+                <a16:creationId xmlns="" xmlns:a16="http://schemas.microsoft.com/office/drawing/2014/main" id="{4A602A98-C390-5A43-8761-0489D4B42846}"/>
               </a:ext>
             </a:extLst>
           </p:cNvPr>
@@ -1644,7 +1644,7 @@
           <p:cNvPr id="3" name="内容占位符 2">
             <a:extLst>
               <a:ext uri="{FF2B5EF4-FFF2-40B4-BE49-F238E27FC236}">
-                <a16:creationId xmlns:a16="http://schemas.microsoft.com/office/drawing/2014/main" xmlns="" id="{11B58BD3-77FD-090F-EBEA-977F10D69F9C}"/>
+                <a16:creationId xmlns="" xmlns:a16="http://schemas.microsoft.com/office/drawing/2014/main" id="{11B58BD3-77FD-090F-EBEA-977F10D69F9C}"/>
               </a:ext>
             </a:extLst>
           </p:cNvPr>
@@ -1701,7 +1701,7 @@
           <p:cNvPr id="4" name="日期占位符 3">
             <a:extLst>
               <a:ext uri="{FF2B5EF4-FFF2-40B4-BE49-F238E27FC236}">
-                <a16:creationId xmlns:a16="http://schemas.microsoft.com/office/drawing/2014/main" xmlns="" id="{2F2888FE-0D56-D838-DDA2-9036767B7B83}"/>
+                <a16:creationId xmlns="" xmlns:a16="http://schemas.microsoft.com/office/drawing/2014/main" id="{2F2888FE-0D56-D838-DDA2-9036767B7B83}"/>
               </a:ext>
             </a:extLst>
           </p:cNvPr>
@@ -1730,7 +1730,7 @@
           <p:cNvPr id="5" name="页脚占位符 4">
             <a:extLst>
               <a:ext uri="{FF2B5EF4-FFF2-40B4-BE49-F238E27FC236}">
-                <a16:creationId xmlns:a16="http://schemas.microsoft.com/office/drawing/2014/main" xmlns="" id="{C9C7A18B-7856-24E0-6F3C-CD298036521A}"/>
+                <a16:creationId xmlns="" xmlns:a16="http://schemas.microsoft.com/office/drawing/2014/main" id="{C9C7A18B-7856-24E0-6F3C-CD298036521A}"/>
               </a:ext>
             </a:extLst>
           </p:cNvPr>
@@ -1755,7 +1755,7 @@
           <p:cNvPr id="6" name="灯片编号占位符 5">
             <a:extLst>
               <a:ext uri="{FF2B5EF4-FFF2-40B4-BE49-F238E27FC236}">
-                <a16:creationId xmlns:a16="http://schemas.microsoft.com/office/drawing/2014/main" xmlns="" id="{FC863C35-49EE-AE1E-476A-2115AB2F951A}"/>
+                <a16:creationId xmlns="" xmlns:a16="http://schemas.microsoft.com/office/drawing/2014/main" id="{FC863C35-49EE-AE1E-476A-2115AB2F951A}"/>
               </a:ext>
             </a:extLst>
           </p:cNvPr>
@@ -1814,7 +1814,7 @@
           <p:cNvPr id="2" name="标题 1">
             <a:extLst>
               <a:ext uri="{FF2B5EF4-FFF2-40B4-BE49-F238E27FC236}">
-                <a16:creationId xmlns:a16="http://schemas.microsoft.com/office/drawing/2014/main" xmlns="" id="{866638DE-98B5-DDC3-B3F8-3E4400828480}"/>
+                <a16:creationId xmlns="" xmlns:a16="http://schemas.microsoft.com/office/drawing/2014/main" id="{866638DE-98B5-DDC3-B3F8-3E4400828480}"/>
               </a:ext>
             </a:extLst>
           </p:cNvPr>
@@ -1851,7 +1851,7 @@
           <p:cNvPr id="3" name="文本占位符 2">
             <a:extLst>
               <a:ext uri="{FF2B5EF4-FFF2-40B4-BE49-F238E27FC236}">
-                <a16:creationId xmlns:a16="http://schemas.microsoft.com/office/drawing/2014/main" xmlns="" id="{04B7A2A4-817D-77B2-4735-132E59CD17F6}"/>
+                <a16:creationId xmlns="" xmlns:a16="http://schemas.microsoft.com/office/drawing/2014/main" id="{04B7A2A4-817D-77B2-4735-132E59CD17F6}"/>
               </a:ext>
             </a:extLst>
           </p:cNvPr>
@@ -1976,7 +1976,7 @@
           <p:cNvPr id="4" name="日期占位符 3">
             <a:extLst>
               <a:ext uri="{FF2B5EF4-FFF2-40B4-BE49-F238E27FC236}">
-                <a16:creationId xmlns:a16="http://schemas.microsoft.com/office/drawing/2014/main" xmlns="" id="{183CA83E-8AFE-5A62-E830-EB8E09B4095F}"/>
+                <a16:creationId xmlns="" xmlns:a16="http://schemas.microsoft.com/office/drawing/2014/main" id="{183CA83E-8AFE-5A62-E830-EB8E09B4095F}"/>
               </a:ext>
             </a:extLst>
           </p:cNvPr>
@@ -2005,7 +2005,7 @@
           <p:cNvPr id="5" name="页脚占位符 4">
             <a:extLst>
               <a:ext uri="{FF2B5EF4-FFF2-40B4-BE49-F238E27FC236}">
-                <a16:creationId xmlns:a16="http://schemas.microsoft.com/office/drawing/2014/main" xmlns="" id="{5F95EF5D-59A1-5AE4-9F96-B75770EE6C75}"/>
+                <a16:creationId xmlns="" xmlns:a16="http://schemas.microsoft.com/office/drawing/2014/main" id="{5F95EF5D-59A1-5AE4-9F96-B75770EE6C75}"/>
               </a:ext>
             </a:extLst>
           </p:cNvPr>
@@ -2030,7 +2030,7 @@
           <p:cNvPr id="6" name="灯片编号占位符 5">
             <a:extLst>
               <a:ext uri="{FF2B5EF4-FFF2-40B4-BE49-F238E27FC236}">
-                <a16:creationId xmlns:a16="http://schemas.microsoft.com/office/drawing/2014/main" xmlns="" id="{AEDD6E4D-49DA-3B43-D4CC-1D98B7AAFF66}"/>
+                <a16:creationId xmlns="" xmlns:a16="http://schemas.microsoft.com/office/drawing/2014/main" id="{AEDD6E4D-49DA-3B43-D4CC-1D98B7AAFF66}"/>
               </a:ext>
             </a:extLst>
           </p:cNvPr>
@@ -2089,7 +2089,7 @@
           <p:cNvPr id="2" name="标题 1">
             <a:extLst>
               <a:ext uri="{FF2B5EF4-FFF2-40B4-BE49-F238E27FC236}">
-                <a16:creationId xmlns:a16="http://schemas.microsoft.com/office/drawing/2014/main" xmlns="" id="{6143119A-5638-5FB3-124E-3B30981F030A}"/>
+                <a16:creationId xmlns="" xmlns:a16="http://schemas.microsoft.com/office/drawing/2014/main" id="{6143119A-5638-5FB3-124E-3B30981F030A}"/>
               </a:ext>
             </a:extLst>
           </p:cNvPr>
@@ -2117,7 +2117,7 @@
           <p:cNvPr id="3" name="内容占位符 2">
             <a:extLst>
               <a:ext uri="{FF2B5EF4-FFF2-40B4-BE49-F238E27FC236}">
-                <a16:creationId xmlns:a16="http://schemas.microsoft.com/office/drawing/2014/main" xmlns="" id="{C8F1DC48-C2D4-79DF-114F-EF5EEEBA4D3D}"/>
+                <a16:creationId xmlns="" xmlns:a16="http://schemas.microsoft.com/office/drawing/2014/main" id="{C8F1DC48-C2D4-79DF-114F-EF5EEEBA4D3D}"/>
               </a:ext>
             </a:extLst>
           </p:cNvPr>
@@ -2179,7 +2179,7 @@
           <p:cNvPr id="4" name="内容占位符 3">
             <a:extLst>
               <a:ext uri="{FF2B5EF4-FFF2-40B4-BE49-F238E27FC236}">
-                <a16:creationId xmlns:a16="http://schemas.microsoft.com/office/drawing/2014/main" xmlns="" id="{5163DEDF-28BC-F60D-FCBD-0D577102FE83}"/>
+                <a16:creationId xmlns="" xmlns:a16="http://schemas.microsoft.com/office/drawing/2014/main" id="{5163DEDF-28BC-F60D-FCBD-0D577102FE83}"/>
               </a:ext>
             </a:extLst>
           </p:cNvPr>
@@ -2241,7 +2241,7 @@
           <p:cNvPr id="5" name="日期占位符 4">
             <a:extLst>
               <a:ext uri="{FF2B5EF4-FFF2-40B4-BE49-F238E27FC236}">
-                <a16:creationId xmlns:a16="http://schemas.microsoft.com/office/drawing/2014/main" xmlns="" id="{11352899-B0A5-67BA-4F8C-A6BEB19057FD}"/>
+                <a16:creationId xmlns="" xmlns:a16="http://schemas.microsoft.com/office/drawing/2014/main" id="{11352899-B0A5-67BA-4F8C-A6BEB19057FD}"/>
               </a:ext>
             </a:extLst>
           </p:cNvPr>
@@ -2270,7 +2270,7 @@
           <p:cNvPr id="6" name="页脚占位符 5">
             <a:extLst>
               <a:ext uri="{FF2B5EF4-FFF2-40B4-BE49-F238E27FC236}">
-                <a16:creationId xmlns:a16="http://schemas.microsoft.com/office/drawing/2014/main" xmlns="" id="{A584D1DB-F7D5-5108-37F7-B12451D4AF43}"/>
+                <a16:creationId xmlns="" xmlns:a16="http://schemas.microsoft.com/office/drawing/2014/main" id="{A584D1DB-F7D5-5108-37F7-B12451D4AF43}"/>
               </a:ext>
             </a:extLst>
           </p:cNvPr>
@@ -2295,7 +2295,7 @@
           <p:cNvPr id="7" name="灯片编号占位符 6">
             <a:extLst>
               <a:ext uri="{FF2B5EF4-FFF2-40B4-BE49-F238E27FC236}">
-                <a16:creationId xmlns:a16="http://schemas.microsoft.com/office/drawing/2014/main" xmlns="" id="{2294CAD5-9704-832D-2AB9-684703BF36C6}"/>
+                <a16:creationId xmlns="" xmlns:a16="http://schemas.microsoft.com/office/drawing/2014/main" id="{2294CAD5-9704-832D-2AB9-684703BF36C6}"/>
               </a:ext>
             </a:extLst>
           </p:cNvPr>
@@ -2354,7 +2354,7 @@
           <p:cNvPr id="2" name="标题 1">
             <a:extLst>
               <a:ext uri="{FF2B5EF4-FFF2-40B4-BE49-F238E27FC236}">
-                <a16:creationId xmlns:a16="http://schemas.microsoft.com/office/drawing/2014/main" xmlns="" id="{5553C342-6EA7-A319-ED9F-F3DED51AB856}"/>
+                <a16:creationId xmlns="" xmlns:a16="http://schemas.microsoft.com/office/drawing/2014/main" id="{5553C342-6EA7-A319-ED9F-F3DED51AB856}"/>
               </a:ext>
             </a:extLst>
           </p:cNvPr>
@@ -2387,7 +2387,7 @@
           <p:cNvPr id="3" name="文本占位符 2">
             <a:extLst>
               <a:ext uri="{FF2B5EF4-FFF2-40B4-BE49-F238E27FC236}">
-                <a16:creationId xmlns:a16="http://schemas.microsoft.com/office/drawing/2014/main" xmlns="" id="{2A2E5CEB-B13F-86C3-3E47-796F7F60D6CC}"/>
+                <a16:creationId xmlns="" xmlns:a16="http://schemas.microsoft.com/office/drawing/2014/main" id="{2A2E5CEB-B13F-86C3-3E47-796F7F60D6CC}"/>
               </a:ext>
             </a:extLst>
           </p:cNvPr>
@@ -2458,7 +2458,7 @@
           <p:cNvPr id="4" name="内容占位符 3">
             <a:extLst>
               <a:ext uri="{FF2B5EF4-FFF2-40B4-BE49-F238E27FC236}">
-                <a16:creationId xmlns:a16="http://schemas.microsoft.com/office/drawing/2014/main" xmlns="" id="{A54930F9-E0D4-D998-09A2-343AA1F96076}"/>
+                <a16:creationId xmlns="" xmlns:a16="http://schemas.microsoft.com/office/drawing/2014/main" id="{A54930F9-E0D4-D998-09A2-343AA1F96076}"/>
               </a:ext>
             </a:extLst>
           </p:cNvPr>
@@ -2520,7 +2520,7 @@
           <p:cNvPr id="5" name="文本占位符 4">
             <a:extLst>
               <a:ext uri="{FF2B5EF4-FFF2-40B4-BE49-F238E27FC236}">
-                <a16:creationId xmlns:a16="http://schemas.microsoft.com/office/drawing/2014/main" xmlns="" id="{B4B7359A-E8FC-E1A9-A896-A49ED9AF86F8}"/>
+                <a16:creationId xmlns="" xmlns:a16="http://schemas.microsoft.com/office/drawing/2014/main" id="{B4B7359A-E8FC-E1A9-A896-A49ED9AF86F8}"/>
               </a:ext>
             </a:extLst>
           </p:cNvPr>
@@ -2591,7 +2591,7 @@
           <p:cNvPr id="6" name="内容占位符 5">
             <a:extLst>
               <a:ext uri="{FF2B5EF4-FFF2-40B4-BE49-F238E27FC236}">
-                <a16:creationId xmlns:a16="http://schemas.microsoft.com/office/drawing/2014/main" xmlns="" id="{4E52EA2F-1B41-D541-9632-9493F9B51AB0}"/>
+                <a16:creationId xmlns="" xmlns:a16="http://schemas.microsoft.com/office/drawing/2014/main" id="{4E52EA2F-1B41-D541-9632-9493F9B51AB0}"/>
               </a:ext>
             </a:extLst>
           </p:cNvPr>
@@ -2653,7 +2653,7 @@
           <p:cNvPr id="7" name="日期占位符 6">
             <a:extLst>
               <a:ext uri="{FF2B5EF4-FFF2-40B4-BE49-F238E27FC236}">
-                <a16:creationId xmlns:a16="http://schemas.microsoft.com/office/drawing/2014/main" xmlns="" id="{F8E2D812-175D-022A-8677-7639CB1825D7}"/>
+                <a16:creationId xmlns="" xmlns:a16="http://schemas.microsoft.com/office/drawing/2014/main" id="{F8E2D812-175D-022A-8677-7639CB1825D7}"/>
               </a:ext>
             </a:extLst>
           </p:cNvPr>
@@ -2682,7 +2682,7 @@
           <p:cNvPr id="8" name="页脚占位符 7">
             <a:extLst>
               <a:ext uri="{FF2B5EF4-FFF2-40B4-BE49-F238E27FC236}">
-                <a16:creationId xmlns:a16="http://schemas.microsoft.com/office/drawing/2014/main" xmlns="" id="{5E2441E0-E886-23FB-143C-558A79ACC5D8}"/>
+                <a16:creationId xmlns="" xmlns:a16="http://schemas.microsoft.com/office/drawing/2014/main" id="{5E2441E0-E886-23FB-143C-558A79ACC5D8}"/>
               </a:ext>
             </a:extLst>
           </p:cNvPr>
@@ -2707,7 +2707,7 @@
           <p:cNvPr id="9" name="灯片编号占位符 8">
             <a:extLst>
               <a:ext uri="{FF2B5EF4-FFF2-40B4-BE49-F238E27FC236}">
-                <a16:creationId xmlns:a16="http://schemas.microsoft.com/office/drawing/2014/main" xmlns="" id="{CDCA61B1-70E8-1169-875E-DB108C50E55C}"/>
+                <a16:creationId xmlns="" xmlns:a16="http://schemas.microsoft.com/office/drawing/2014/main" id="{CDCA61B1-70E8-1169-875E-DB108C50E55C}"/>
               </a:ext>
             </a:extLst>
           </p:cNvPr>
@@ -2766,7 +2766,7 @@
           <p:cNvPr id="2" name="标题 1">
             <a:extLst>
               <a:ext uri="{FF2B5EF4-FFF2-40B4-BE49-F238E27FC236}">
-                <a16:creationId xmlns:a16="http://schemas.microsoft.com/office/drawing/2014/main" xmlns="" id="{F44D1D6C-24E0-86EE-37DA-EDEDDC1CFD42}"/>
+                <a16:creationId xmlns="" xmlns:a16="http://schemas.microsoft.com/office/drawing/2014/main" id="{F44D1D6C-24E0-86EE-37DA-EDEDDC1CFD42}"/>
               </a:ext>
             </a:extLst>
           </p:cNvPr>
@@ -2794,7 +2794,7 @@
           <p:cNvPr id="3" name="日期占位符 2">
             <a:extLst>
               <a:ext uri="{FF2B5EF4-FFF2-40B4-BE49-F238E27FC236}">
-                <a16:creationId xmlns:a16="http://schemas.microsoft.com/office/drawing/2014/main" xmlns="" id="{452FC26A-E9FB-0541-86DB-AEEE5AAB387E}"/>
+                <a16:creationId xmlns="" xmlns:a16="http://schemas.microsoft.com/office/drawing/2014/main" id="{452FC26A-E9FB-0541-86DB-AEEE5AAB387E}"/>
               </a:ext>
             </a:extLst>
           </p:cNvPr>
@@ -2823,7 +2823,7 @@
           <p:cNvPr id="4" name="页脚占位符 3">
             <a:extLst>
               <a:ext uri="{FF2B5EF4-FFF2-40B4-BE49-F238E27FC236}">
-                <a16:creationId xmlns:a16="http://schemas.microsoft.com/office/drawing/2014/main" xmlns="" id="{914BC86C-F2F8-3396-17AC-0735983760FC}"/>
+                <a16:creationId xmlns="" xmlns:a16="http://schemas.microsoft.com/office/drawing/2014/main" id="{914BC86C-F2F8-3396-17AC-0735983760FC}"/>
               </a:ext>
             </a:extLst>
           </p:cNvPr>
@@ -2848,7 +2848,7 @@
           <p:cNvPr id="5" name="灯片编号占位符 4">
             <a:extLst>
               <a:ext uri="{FF2B5EF4-FFF2-40B4-BE49-F238E27FC236}">
-                <a16:creationId xmlns:a16="http://schemas.microsoft.com/office/drawing/2014/main" xmlns="" id="{BCD46C41-5FA4-E5F8-0E00-98EC89530535}"/>
+                <a16:creationId xmlns="" xmlns:a16="http://schemas.microsoft.com/office/drawing/2014/main" id="{BCD46C41-5FA4-E5F8-0E00-98EC89530535}"/>
               </a:ext>
             </a:extLst>
           </p:cNvPr>
@@ -2907,7 +2907,7 @@
           <p:cNvPr id="2" name="日期占位符 1">
             <a:extLst>
               <a:ext uri="{FF2B5EF4-FFF2-40B4-BE49-F238E27FC236}">
-                <a16:creationId xmlns:a16="http://schemas.microsoft.com/office/drawing/2014/main" xmlns="" id="{987885F3-BC73-F95E-1CC2-95AD9AFC4550}"/>
+                <a16:creationId xmlns="" xmlns:a16="http://schemas.microsoft.com/office/drawing/2014/main" id="{987885F3-BC73-F95E-1CC2-95AD9AFC4550}"/>
               </a:ext>
             </a:extLst>
           </p:cNvPr>
@@ -2936,7 +2936,7 @@
           <p:cNvPr id="3" name="页脚占位符 2">
             <a:extLst>
               <a:ext uri="{FF2B5EF4-FFF2-40B4-BE49-F238E27FC236}">
-                <a16:creationId xmlns:a16="http://schemas.microsoft.com/office/drawing/2014/main" xmlns="" id="{3A45F5EE-A519-0C1C-324D-67E058F91DDB}"/>
+                <a16:creationId xmlns="" xmlns:a16="http://schemas.microsoft.com/office/drawing/2014/main" id="{3A45F5EE-A519-0C1C-324D-67E058F91DDB}"/>
               </a:ext>
             </a:extLst>
           </p:cNvPr>
@@ -2961,7 +2961,7 @@
           <p:cNvPr id="4" name="灯片编号占位符 3">
             <a:extLst>
               <a:ext uri="{FF2B5EF4-FFF2-40B4-BE49-F238E27FC236}">
-                <a16:creationId xmlns:a16="http://schemas.microsoft.com/office/drawing/2014/main" xmlns="" id="{67EC8A15-FD0F-6449-C8C4-244D9A47FC09}"/>
+                <a16:creationId xmlns="" xmlns:a16="http://schemas.microsoft.com/office/drawing/2014/main" id="{67EC8A15-FD0F-6449-C8C4-244D9A47FC09}"/>
               </a:ext>
             </a:extLst>
           </p:cNvPr>
@@ -3020,7 +3020,7 @@
           <p:cNvPr id="2" name="标题 1">
             <a:extLst>
               <a:ext uri="{FF2B5EF4-FFF2-40B4-BE49-F238E27FC236}">
-                <a16:creationId xmlns:a16="http://schemas.microsoft.com/office/drawing/2014/main" xmlns="" id="{8207E91F-BEEE-171E-0131-6E86365BBE2D}"/>
+                <a16:creationId xmlns="" xmlns:a16="http://schemas.microsoft.com/office/drawing/2014/main" id="{8207E91F-BEEE-171E-0131-6E86365BBE2D}"/>
               </a:ext>
             </a:extLst>
           </p:cNvPr>
@@ -3057,7 +3057,7 @@
           <p:cNvPr id="3" name="内容占位符 2">
             <a:extLst>
               <a:ext uri="{FF2B5EF4-FFF2-40B4-BE49-F238E27FC236}">
-                <a16:creationId xmlns:a16="http://schemas.microsoft.com/office/drawing/2014/main" xmlns="" id="{224A1AFF-50FF-8C59-9840-606EB237D707}"/>
+                <a16:creationId xmlns="" xmlns:a16="http://schemas.microsoft.com/office/drawing/2014/main" id="{224A1AFF-50FF-8C59-9840-606EB237D707}"/>
               </a:ext>
             </a:extLst>
           </p:cNvPr>
@@ -3147,7 +3147,7 @@
           <p:cNvPr id="4" name="文本占位符 3">
             <a:extLst>
               <a:ext uri="{FF2B5EF4-FFF2-40B4-BE49-F238E27FC236}">
-                <a16:creationId xmlns:a16="http://schemas.microsoft.com/office/drawing/2014/main" xmlns="" id="{1918F8C3-484E-3A1E-8EA0-D9C66B071D46}"/>
+                <a16:creationId xmlns="" xmlns:a16="http://schemas.microsoft.com/office/drawing/2014/main" id="{1918F8C3-484E-3A1E-8EA0-D9C66B071D46}"/>
               </a:ext>
             </a:extLst>
           </p:cNvPr>
@@ -3218,7 +3218,7 @@
           <p:cNvPr id="5" name="日期占位符 4">
             <a:extLst>
               <a:ext uri="{FF2B5EF4-FFF2-40B4-BE49-F238E27FC236}">
-                <a16:creationId xmlns:a16="http://schemas.microsoft.com/office/drawing/2014/main" xmlns="" id="{6708E08C-E838-BC00-6EA5-3C80B9A0F2BF}"/>
+                <a16:creationId xmlns="" xmlns:a16="http://schemas.microsoft.com/office/drawing/2014/main" id="{6708E08C-E838-BC00-6EA5-3C80B9A0F2BF}"/>
               </a:ext>
             </a:extLst>
           </p:cNvPr>
@@ -3247,7 +3247,7 @@
           <p:cNvPr id="6" name="页脚占位符 5">
             <a:extLst>
               <a:ext uri="{FF2B5EF4-FFF2-40B4-BE49-F238E27FC236}">
-                <a16:creationId xmlns:a16="http://schemas.microsoft.com/office/drawing/2014/main" xmlns="" id="{439DBC6E-FDA4-993F-86BA-68C9D9CBCDA2}"/>
+                <a16:creationId xmlns="" xmlns:a16="http://schemas.microsoft.com/office/drawing/2014/main" id="{439DBC6E-FDA4-993F-86BA-68C9D9CBCDA2}"/>
               </a:ext>
             </a:extLst>
           </p:cNvPr>
@@ -3272,7 +3272,7 @@
           <p:cNvPr id="7" name="灯片编号占位符 6">
             <a:extLst>
               <a:ext uri="{FF2B5EF4-FFF2-40B4-BE49-F238E27FC236}">
-                <a16:creationId xmlns:a16="http://schemas.microsoft.com/office/drawing/2014/main" xmlns="" id="{84AC5D80-1CD5-A607-8281-BC0454CACBD2}"/>
+                <a16:creationId xmlns="" xmlns:a16="http://schemas.microsoft.com/office/drawing/2014/main" id="{84AC5D80-1CD5-A607-8281-BC0454CACBD2}"/>
               </a:ext>
             </a:extLst>
           </p:cNvPr>
@@ -3331,7 +3331,7 @@
           <p:cNvPr id="2" name="标题 1">
             <a:extLst>
               <a:ext uri="{FF2B5EF4-FFF2-40B4-BE49-F238E27FC236}">
-                <a16:creationId xmlns:a16="http://schemas.microsoft.com/office/drawing/2014/main" xmlns="" id="{8B87A630-13E3-6038-F332-B3BE60484A0E}"/>
+                <a16:creationId xmlns="" xmlns:a16="http://schemas.microsoft.com/office/drawing/2014/main" id="{8B87A630-13E3-6038-F332-B3BE60484A0E}"/>
               </a:ext>
             </a:extLst>
           </p:cNvPr>
@@ -3368,7 +3368,7 @@
           <p:cNvPr id="3" name="图片占位符 2">
             <a:extLst>
               <a:ext uri="{FF2B5EF4-FFF2-40B4-BE49-F238E27FC236}">
-                <a16:creationId xmlns:a16="http://schemas.microsoft.com/office/drawing/2014/main" xmlns="" id="{B92BC7D3-D3C2-E338-1906-89EBC814D58E}"/>
+                <a16:creationId xmlns="" xmlns:a16="http://schemas.microsoft.com/office/drawing/2014/main" id="{B92BC7D3-D3C2-E338-1906-89EBC814D58E}"/>
               </a:ext>
             </a:extLst>
           </p:cNvPr>
@@ -3435,7 +3435,7 @@
           <p:cNvPr id="4" name="文本占位符 3">
             <a:extLst>
               <a:ext uri="{FF2B5EF4-FFF2-40B4-BE49-F238E27FC236}">
-                <a16:creationId xmlns:a16="http://schemas.microsoft.com/office/drawing/2014/main" xmlns="" id="{07545A6D-4664-4BEC-EE9E-A985A49BADC9}"/>
+                <a16:creationId xmlns="" xmlns:a16="http://schemas.microsoft.com/office/drawing/2014/main" id="{07545A6D-4664-4BEC-EE9E-A985A49BADC9}"/>
               </a:ext>
             </a:extLst>
           </p:cNvPr>
@@ -3506,7 +3506,7 @@
           <p:cNvPr id="5" name="日期占位符 4">
             <a:extLst>
               <a:ext uri="{FF2B5EF4-FFF2-40B4-BE49-F238E27FC236}">
-                <a16:creationId xmlns:a16="http://schemas.microsoft.com/office/drawing/2014/main" xmlns="" id="{7C4A4C3B-C39E-7F62-7D92-3CC1CB7AE956}"/>
+                <a16:creationId xmlns="" xmlns:a16="http://schemas.microsoft.com/office/drawing/2014/main" id="{7C4A4C3B-C39E-7F62-7D92-3CC1CB7AE956}"/>
               </a:ext>
             </a:extLst>
           </p:cNvPr>
@@ -3535,7 +3535,7 @@
           <p:cNvPr id="6" name="页脚占位符 5">
             <a:extLst>
               <a:ext uri="{FF2B5EF4-FFF2-40B4-BE49-F238E27FC236}">
-                <a16:creationId xmlns:a16="http://schemas.microsoft.com/office/drawing/2014/main" xmlns="" id="{ABCA2129-E1A8-A9AB-72DB-E364A7654AE6}"/>
+                <a16:creationId xmlns="" xmlns:a16="http://schemas.microsoft.com/office/drawing/2014/main" id="{ABCA2129-E1A8-A9AB-72DB-E364A7654AE6}"/>
               </a:ext>
             </a:extLst>
           </p:cNvPr>
@@ -3560,7 +3560,7 @@
           <p:cNvPr id="7" name="灯片编号占位符 6">
             <a:extLst>
               <a:ext uri="{FF2B5EF4-FFF2-40B4-BE49-F238E27FC236}">
-                <a16:creationId xmlns:a16="http://schemas.microsoft.com/office/drawing/2014/main" xmlns="" id="{6890FD23-C4A5-BC02-595B-A819F72BEB9C}"/>
+                <a16:creationId xmlns="" xmlns:a16="http://schemas.microsoft.com/office/drawing/2014/main" id="{6890FD23-C4A5-BC02-595B-A819F72BEB9C}"/>
               </a:ext>
             </a:extLst>
           </p:cNvPr>
@@ -3624,7 +3624,7 @@
           <p:cNvPr id="2" name="标题占位符 1">
             <a:extLst>
               <a:ext uri="{FF2B5EF4-FFF2-40B4-BE49-F238E27FC236}">
-                <a16:creationId xmlns:a16="http://schemas.microsoft.com/office/drawing/2014/main" xmlns="" id="{92000A49-3619-2406-82EF-AED9BE75F34E}"/>
+                <a16:creationId xmlns="" xmlns:a16="http://schemas.microsoft.com/office/drawing/2014/main" id="{92000A49-3619-2406-82EF-AED9BE75F34E}"/>
               </a:ext>
             </a:extLst>
           </p:cNvPr>
@@ -3662,7 +3662,7 @@
           <p:cNvPr id="3" name="文本占位符 2">
             <a:extLst>
               <a:ext uri="{FF2B5EF4-FFF2-40B4-BE49-F238E27FC236}">
-                <a16:creationId xmlns:a16="http://schemas.microsoft.com/office/drawing/2014/main" xmlns="" id="{D43FE0F5-0CBC-BDA9-24CE-A859521DA656}"/>
+                <a16:creationId xmlns="" xmlns:a16="http://schemas.microsoft.com/office/drawing/2014/main" id="{D43FE0F5-0CBC-BDA9-24CE-A859521DA656}"/>
               </a:ext>
             </a:extLst>
           </p:cNvPr>
@@ -3729,7 +3729,7 @@
           <p:cNvPr id="4" name="日期占位符 3">
             <a:extLst>
               <a:ext uri="{FF2B5EF4-FFF2-40B4-BE49-F238E27FC236}">
-                <a16:creationId xmlns:a16="http://schemas.microsoft.com/office/drawing/2014/main" xmlns="" id="{2233451F-B070-3253-A379-82BC5C68026A}"/>
+                <a16:creationId xmlns="" xmlns:a16="http://schemas.microsoft.com/office/drawing/2014/main" id="{2233451F-B070-3253-A379-82BC5C68026A}"/>
               </a:ext>
             </a:extLst>
           </p:cNvPr>
@@ -3776,7 +3776,7 @@
           <p:cNvPr id="5" name="页脚占位符 4">
             <a:extLst>
               <a:ext uri="{FF2B5EF4-FFF2-40B4-BE49-F238E27FC236}">
-                <a16:creationId xmlns:a16="http://schemas.microsoft.com/office/drawing/2014/main" xmlns="" id="{06986DEC-0B9D-7F39-CE3E-66A01F226957}"/>
+                <a16:creationId xmlns="" xmlns:a16="http://schemas.microsoft.com/office/drawing/2014/main" id="{06986DEC-0B9D-7F39-CE3E-66A01F226957}"/>
               </a:ext>
             </a:extLst>
           </p:cNvPr>
@@ -3819,7 +3819,7 @@
           <p:cNvPr id="6" name="灯片编号占位符 5">
             <a:extLst>
               <a:ext uri="{FF2B5EF4-FFF2-40B4-BE49-F238E27FC236}">
-                <a16:creationId xmlns:a16="http://schemas.microsoft.com/office/drawing/2014/main" xmlns="" id="{4E5D66B3-A060-F0A8-8F68-EBE0B120344F}"/>
+                <a16:creationId xmlns="" xmlns:a16="http://schemas.microsoft.com/office/drawing/2014/main" id="{4E5D66B3-A060-F0A8-8F68-EBE0B120344F}"/>
               </a:ext>
             </a:extLst>
           </p:cNvPr>
@@ -4198,7 +4198,7 @@
           <p:cNvPr id="2" name="标题 1">
             <a:extLst>
               <a:ext uri="{FF2B5EF4-FFF2-40B4-BE49-F238E27FC236}">
-                <a16:creationId xmlns:a16="http://schemas.microsoft.com/office/drawing/2014/main" xmlns="" id="{2A9B6C59-89F9-5390-BB77-F8DB7EF7B310}"/>
+                <a16:creationId xmlns="" xmlns:a16="http://schemas.microsoft.com/office/drawing/2014/main" id="{2A9B6C59-89F9-5390-BB77-F8DB7EF7B310}"/>
               </a:ext>
             </a:extLst>
           </p:cNvPr>
@@ -4268,7 +4268,7 @@
           <p:cNvPr id="4" name="椭圆 3">
             <a:extLst>
               <a:ext uri="{FF2B5EF4-FFF2-40B4-BE49-F238E27FC236}">
-                <a16:creationId xmlns:a16="http://schemas.microsoft.com/office/drawing/2014/main" xmlns="" id="{94C17F89-4022-3282-1B5A-F455F1578F55}"/>
+                <a16:creationId xmlns="" xmlns:a16="http://schemas.microsoft.com/office/drawing/2014/main" id="{94C17F89-4022-3282-1B5A-F455F1578F55}"/>
               </a:ext>
             </a:extLst>
           </p:cNvPr>
@@ -5015,7 +5015,7 @@
           <p:cNvPr id="4" name="椭圆 3">
             <a:extLst>
               <a:ext uri="{FF2B5EF4-FFF2-40B4-BE49-F238E27FC236}">
-                <a16:creationId xmlns:a16="http://schemas.microsoft.com/office/drawing/2014/main" xmlns="" id="{94C17F89-4022-3282-1B5A-F455F1578F55}"/>
+                <a16:creationId xmlns="" xmlns:a16="http://schemas.microsoft.com/office/drawing/2014/main" id="{94C17F89-4022-3282-1B5A-F455F1578F55}"/>
               </a:ext>
             </a:extLst>
           </p:cNvPr>
@@ -5598,7 +5598,7 @@
           <p:cNvPr id="38" name="Google Shape;90;p14">
             <a:extLst>
               <a:ext uri="{FF2B5EF4-FFF2-40B4-BE49-F238E27FC236}">
-                <a16:creationId xmlns:a16="http://schemas.microsoft.com/office/drawing/2014/main" xmlns="" id="{70D7F9C8-3F19-0671-CC95-0C6FF2D659F6}"/>
+                <a16:creationId xmlns="" xmlns:a16="http://schemas.microsoft.com/office/drawing/2014/main" id="{70D7F9C8-3F19-0671-CC95-0C6FF2D659F6}"/>
               </a:ext>
             </a:extLst>
           </p:cNvPr>
@@ -5632,7 +5632,7 @@
           <p:cNvPr id="39" name="Google Shape;90;p14">
             <a:extLst>
               <a:ext uri="{FF2B5EF4-FFF2-40B4-BE49-F238E27FC236}">
-                <a16:creationId xmlns:a16="http://schemas.microsoft.com/office/drawing/2014/main" xmlns="" id="{70D7F9C8-3F19-0671-CC95-0C6FF2D659F6}"/>
+                <a16:creationId xmlns="" xmlns:a16="http://schemas.microsoft.com/office/drawing/2014/main" id="{70D7F9C8-3F19-0671-CC95-0C6FF2D659F6}"/>
               </a:ext>
             </a:extLst>
           </p:cNvPr>
@@ -5696,7 +5696,7 @@
           <p:cNvPr id="4" name="椭圆 3">
             <a:extLst>
               <a:ext uri="{FF2B5EF4-FFF2-40B4-BE49-F238E27FC236}">
-                <a16:creationId xmlns:a16="http://schemas.microsoft.com/office/drawing/2014/main" xmlns="" id="{94C17F89-4022-3282-1B5A-F455F1578F55}"/>
+                <a16:creationId xmlns="" xmlns:a16="http://schemas.microsoft.com/office/drawing/2014/main" id="{94C17F89-4022-3282-1B5A-F455F1578F55}"/>
               </a:ext>
             </a:extLst>
           </p:cNvPr>
@@ -6379,7 +6379,7 @@
           <p:cNvPr id="2" name="标题 1">
             <a:extLst>
               <a:ext uri="{FF2B5EF4-FFF2-40B4-BE49-F238E27FC236}">
-                <a16:creationId xmlns:a16="http://schemas.microsoft.com/office/drawing/2014/main" xmlns="" id="{2A9B6C59-89F9-5390-BB77-F8DB7EF7B310}"/>
+                <a16:creationId xmlns="" xmlns:a16="http://schemas.microsoft.com/office/drawing/2014/main" id="{2A9B6C59-89F9-5390-BB77-F8DB7EF7B310}"/>
               </a:ext>
             </a:extLst>
           </p:cNvPr>
@@ -6454,7 +6454,7 @@
           <p:cNvPr id="2" name="标题 1">
             <a:extLst>
               <a:ext uri="{FF2B5EF4-FFF2-40B4-BE49-F238E27FC236}">
-                <a16:creationId xmlns:a16="http://schemas.microsoft.com/office/drawing/2014/main" xmlns="" id="{80796E82-7314-2FBE-2DE8-DDD70D4DF27E}"/>
+                <a16:creationId xmlns="" xmlns:a16="http://schemas.microsoft.com/office/drawing/2014/main" id="{80796E82-7314-2FBE-2DE8-DDD70D4DF27E}"/>
               </a:ext>
             </a:extLst>
           </p:cNvPr>
@@ -6510,7 +6510,7 @@
           <p:cNvPr id="5" name="椭圆 4">
             <a:extLst>
               <a:ext uri="{FF2B5EF4-FFF2-40B4-BE49-F238E27FC236}">
-                <a16:creationId xmlns:a16="http://schemas.microsoft.com/office/drawing/2014/main" xmlns="" id="{A020CC41-9901-5A10-06D8-1F19650A3A6A}"/>
+                <a16:creationId xmlns="" xmlns:a16="http://schemas.microsoft.com/office/drawing/2014/main" id="{A020CC41-9901-5A10-06D8-1F19650A3A6A}"/>
               </a:ext>
             </a:extLst>
           </p:cNvPr>
@@ -6562,7 +6562,7 @@
           <p:cNvPr id="19" name="Google Shape;73;p14">
             <a:extLst>
               <a:ext uri="{FF2B5EF4-FFF2-40B4-BE49-F238E27FC236}">
-                <a16:creationId xmlns:a16="http://schemas.microsoft.com/office/drawing/2014/main" xmlns="" id="{3442D827-BE6F-DFBF-3B15-223B2753D9E9}"/>
+                <a16:creationId xmlns="" xmlns:a16="http://schemas.microsoft.com/office/drawing/2014/main" id="{3442D827-BE6F-DFBF-3B15-223B2753D9E9}"/>
               </a:ext>
             </a:extLst>
           </p:cNvPr>
@@ -6596,7 +6596,7 @@
           <p:cNvPr id="3" name="椭圆 2">
             <a:extLst>
               <a:ext uri="{FF2B5EF4-FFF2-40B4-BE49-F238E27FC236}">
-                <a16:creationId xmlns:a16="http://schemas.microsoft.com/office/drawing/2014/main" xmlns="" id="{6A049D51-9228-994D-60FB-A0B21405E162}"/>
+                <a16:creationId xmlns="" xmlns:a16="http://schemas.microsoft.com/office/drawing/2014/main" id="{6A049D51-9228-994D-60FB-A0B21405E162}"/>
               </a:ext>
             </a:extLst>
           </p:cNvPr>
@@ -6652,7 +6652,7 @@
           <p:cNvPr id="20" name="椭圆 19">
             <a:extLst>
               <a:ext uri="{FF2B5EF4-FFF2-40B4-BE49-F238E27FC236}">
-                <a16:creationId xmlns:a16="http://schemas.microsoft.com/office/drawing/2014/main" xmlns="" id="{1CB92BD5-35D8-92CB-D9E4-9F7E63F85095}"/>
+                <a16:creationId xmlns="" xmlns:a16="http://schemas.microsoft.com/office/drawing/2014/main" id="{1CB92BD5-35D8-92CB-D9E4-9F7E63F85095}"/>
               </a:ext>
             </a:extLst>
           </p:cNvPr>
@@ -6708,7 +6708,7 @@
           <p:cNvPr id="21" name="椭圆 20">
             <a:extLst>
               <a:ext uri="{FF2B5EF4-FFF2-40B4-BE49-F238E27FC236}">
-                <a16:creationId xmlns:a16="http://schemas.microsoft.com/office/drawing/2014/main" xmlns="" id="{CC0D471C-430C-0F88-B963-906AF37643E5}"/>
+                <a16:creationId xmlns="" xmlns:a16="http://schemas.microsoft.com/office/drawing/2014/main" id="{CC0D471C-430C-0F88-B963-906AF37643E5}"/>
               </a:ext>
             </a:extLst>
           </p:cNvPr>
@@ -6764,7 +6764,7 @@
           <p:cNvPr id="22" name="椭圆 21">
             <a:extLst>
               <a:ext uri="{FF2B5EF4-FFF2-40B4-BE49-F238E27FC236}">
-                <a16:creationId xmlns:a16="http://schemas.microsoft.com/office/drawing/2014/main" xmlns="" id="{ECCA1AA6-1921-4825-44D1-D03BE773AACC}"/>
+                <a16:creationId xmlns="" xmlns:a16="http://schemas.microsoft.com/office/drawing/2014/main" id="{ECCA1AA6-1921-4825-44D1-D03BE773AACC}"/>
               </a:ext>
             </a:extLst>
           </p:cNvPr>
@@ -6820,7 +6820,7 @@
           <p:cNvPr id="23" name="椭圆 22">
             <a:extLst>
               <a:ext uri="{FF2B5EF4-FFF2-40B4-BE49-F238E27FC236}">
-                <a16:creationId xmlns:a16="http://schemas.microsoft.com/office/drawing/2014/main" xmlns="" id="{3F21BD1A-C0DB-4604-449C-A115F86B74D3}"/>
+                <a16:creationId xmlns="" xmlns:a16="http://schemas.microsoft.com/office/drawing/2014/main" id="{3F21BD1A-C0DB-4604-449C-A115F86B74D3}"/>
               </a:ext>
             </a:extLst>
           </p:cNvPr>
@@ -6880,7 +6880,7 @@
           <p:cNvPr id="24" name="椭圆 23">
             <a:extLst>
               <a:ext uri="{FF2B5EF4-FFF2-40B4-BE49-F238E27FC236}">
-                <a16:creationId xmlns:a16="http://schemas.microsoft.com/office/drawing/2014/main" xmlns="" id="{153EDE49-BF0B-3BFF-8FAE-EA9476EE1014}"/>
+                <a16:creationId xmlns="" xmlns:a16="http://schemas.microsoft.com/office/drawing/2014/main" id="{153EDE49-BF0B-3BFF-8FAE-EA9476EE1014}"/>
               </a:ext>
             </a:extLst>
           </p:cNvPr>
@@ -6940,7 +6940,7 @@
           <p:cNvPr id="25" name="椭圆 24">
             <a:extLst>
               <a:ext uri="{FF2B5EF4-FFF2-40B4-BE49-F238E27FC236}">
-                <a16:creationId xmlns:a16="http://schemas.microsoft.com/office/drawing/2014/main" xmlns="" id="{96E59006-D453-BDF9-72CE-BDDB3896D922}"/>
+                <a16:creationId xmlns="" xmlns:a16="http://schemas.microsoft.com/office/drawing/2014/main" id="{96E59006-D453-BDF9-72CE-BDDB3896D922}"/>
               </a:ext>
             </a:extLst>
           </p:cNvPr>
@@ -7000,7 +7000,7 @@
           <p:cNvPr id="26" name="椭圆 25">
             <a:extLst>
               <a:ext uri="{FF2B5EF4-FFF2-40B4-BE49-F238E27FC236}">
-                <a16:creationId xmlns:a16="http://schemas.microsoft.com/office/drawing/2014/main" xmlns="" id="{76DDE1EF-9352-BD67-F294-8E6E8429488F}"/>
+                <a16:creationId xmlns="" xmlns:a16="http://schemas.microsoft.com/office/drawing/2014/main" id="{76DDE1EF-9352-BD67-F294-8E6E8429488F}"/>
               </a:ext>
             </a:extLst>
           </p:cNvPr>
@@ -7060,7 +7060,7 @@
           <p:cNvPr id="6" name="Google Shape;74;p14">
             <a:extLst>
               <a:ext uri="{FF2B5EF4-FFF2-40B4-BE49-F238E27FC236}">
-                <a16:creationId xmlns:a16="http://schemas.microsoft.com/office/drawing/2014/main" xmlns="" id="{8ABB2948-CF7D-7BD6-14B8-367574244CB2}"/>
+                <a16:creationId xmlns="" xmlns:a16="http://schemas.microsoft.com/office/drawing/2014/main" id="{8ABB2948-CF7D-7BD6-14B8-367574244CB2}"/>
               </a:ext>
             </a:extLst>
           </p:cNvPr>
@@ -7094,7 +7094,7 @@
           <p:cNvPr id="7" name="Google Shape;75;p14">
             <a:extLst>
               <a:ext uri="{FF2B5EF4-FFF2-40B4-BE49-F238E27FC236}">
-                <a16:creationId xmlns:a16="http://schemas.microsoft.com/office/drawing/2014/main" xmlns="" id="{744D1F6B-EBF7-049C-9CBC-D2BD265B8DB5}"/>
+                <a16:creationId xmlns="" xmlns:a16="http://schemas.microsoft.com/office/drawing/2014/main" id="{744D1F6B-EBF7-049C-9CBC-D2BD265B8DB5}"/>
               </a:ext>
             </a:extLst>
           </p:cNvPr>
@@ -7128,7 +7128,7 @@
           <p:cNvPr id="8" name="Google Shape;76;p14">
             <a:extLst>
               <a:ext uri="{FF2B5EF4-FFF2-40B4-BE49-F238E27FC236}">
-                <a16:creationId xmlns:a16="http://schemas.microsoft.com/office/drawing/2014/main" xmlns="" id="{A0604560-830C-4AC9-3717-031AA48B5D45}"/>
+                <a16:creationId xmlns="" xmlns:a16="http://schemas.microsoft.com/office/drawing/2014/main" id="{A0604560-830C-4AC9-3717-031AA48B5D45}"/>
               </a:ext>
             </a:extLst>
           </p:cNvPr>
@@ -7162,7 +7162,7 @@
           <p:cNvPr id="9" name="Google Shape;77;p14">
             <a:extLst>
               <a:ext uri="{FF2B5EF4-FFF2-40B4-BE49-F238E27FC236}">
-                <a16:creationId xmlns:a16="http://schemas.microsoft.com/office/drawing/2014/main" xmlns="" id="{DC03C87C-87BB-A5EB-0D50-DDB31F93A6C2}"/>
+                <a16:creationId xmlns="" xmlns:a16="http://schemas.microsoft.com/office/drawing/2014/main" id="{DC03C87C-87BB-A5EB-0D50-DDB31F93A6C2}"/>
               </a:ext>
             </a:extLst>
           </p:cNvPr>
@@ -7196,7 +7196,7 @@
           <p:cNvPr id="10" name="Google Shape;78;p14">
             <a:extLst>
               <a:ext uri="{FF2B5EF4-FFF2-40B4-BE49-F238E27FC236}">
-                <a16:creationId xmlns:a16="http://schemas.microsoft.com/office/drawing/2014/main" xmlns="" id="{281D3DED-9B64-E88B-FC5F-0C30B82A9484}"/>
+                <a16:creationId xmlns="" xmlns:a16="http://schemas.microsoft.com/office/drawing/2014/main" id="{281D3DED-9B64-E88B-FC5F-0C30B82A9484}"/>
               </a:ext>
             </a:extLst>
           </p:cNvPr>
@@ -7230,7 +7230,7 @@
           <p:cNvPr id="11" name="Google Shape;79;p14">
             <a:extLst>
               <a:ext uri="{FF2B5EF4-FFF2-40B4-BE49-F238E27FC236}">
-                <a16:creationId xmlns:a16="http://schemas.microsoft.com/office/drawing/2014/main" xmlns="" id="{0DAE55E6-D474-C395-BC84-8ACA3CE820A0}"/>
+                <a16:creationId xmlns="" xmlns:a16="http://schemas.microsoft.com/office/drawing/2014/main" id="{0DAE55E6-D474-C395-BC84-8ACA3CE820A0}"/>
               </a:ext>
             </a:extLst>
           </p:cNvPr>
@@ -7264,7 +7264,7 @@
           <p:cNvPr id="12" name="Google Shape;80;p14">
             <a:extLst>
               <a:ext uri="{FF2B5EF4-FFF2-40B4-BE49-F238E27FC236}">
-                <a16:creationId xmlns:a16="http://schemas.microsoft.com/office/drawing/2014/main" xmlns="" id="{3A5AAC50-9F06-A76F-B20B-35CF3612E825}"/>
+                <a16:creationId xmlns="" xmlns:a16="http://schemas.microsoft.com/office/drawing/2014/main" id="{3A5AAC50-9F06-A76F-B20B-35CF3612E825}"/>
               </a:ext>
             </a:extLst>
           </p:cNvPr>
@@ -7298,7 +7298,7 @@
           <p:cNvPr id="13" name="Google Shape;81;p14">
             <a:extLst>
               <a:ext uri="{FF2B5EF4-FFF2-40B4-BE49-F238E27FC236}">
-                <a16:creationId xmlns:a16="http://schemas.microsoft.com/office/drawing/2014/main" xmlns="" id="{F33B3BEC-1095-E464-2D03-703E55B0F8A0}"/>
+                <a16:creationId xmlns="" xmlns:a16="http://schemas.microsoft.com/office/drawing/2014/main" id="{F33B3BEC-1095-E464-2D03-703E55B0F8A0}"/>
               </a:ext>
             </a:extLst>
           </p:cNvPr>
@@ -7332,7 +7332,7 @@
           <p:cNvPr id="4" name="文本框 3">
             <a:extLst>
               <a:ext uri="{FF2B5EF4-FFF2-40B4-BE49-F238E27FC236}">
-                <a16:creationId xmlns:a16="http://schemas.microsoft.com/office/drawing/2014/main" xmlns="" id="{3E8E8225-E7B4-E598-7AEB-66BC2EF7864E}"/>
+                <a16:creationId xmlns="" xmlns:a16="http://schemas.microsoft.com/office/drawing/2014/main" id="{3E8E8225-E7B4-E598-7AEB-66BC2EF7864E}"/>
               </a:ext>
             </a:extLst>
           </p:cNvPr>
@@ -7412,7 +7412,7 @@
           <p:cNvPr id="2" name="标题 1">
             <a:extLst>
               <a:ext uri="{FF2B5EF4-FFF2-40B4-BE49-F238E27FC236}">
-                <a16:creationId xmlns:a16="http://schemas.microsoft.com/office/drawing/2014/main" xmlns="" id="{80796E82-7314-2FBE-2DE8-DDD70D4DF27E}"/>
+                <a16:creationId xmlns="" xmlns:a16="http://schemas.microsoft.com/office/drawing/2014/main" id="{80796E82-7314-2FBE-2DE8-DDD70D4DF27E}"/>
               </a:ext>
             </a:extLst>
           </p:cNvPr>
@@ -7461,7 +7461,7 @@
           <p:cNvPr id="5" name="椭圆 4">
             <a:extLst>
               <a:ext uri="{FF2B5EF4-FFF2-40B4-BE49-F238E27FC236}">
-                <a16:creationId xmlns:a16="http://schemas.microsoft.com/office/drawing/2014/main" xmlns="" id="{A020CC41-9901-5A10-06D8-1F19650A3A6A}"/>
+                <a16:creationId xmlns="" xmlns:a16="http://schemas.microsoft.com/office/drawing/2014/main" id="{A020CC41-9901-5A10-06D8-1F19650A3A6A}"/>
               </a:ext>
             </a:extLst>
           </p:cNvPr>
@@ -7513,7 +7513,7 @@
           <p:cNvPr id="19" name="Google Shape;73;p14">
             <a:extLst>
               <a:ext uri="{FF2B5EF4-FFF2-40B4-BE49-F238E27FC236}">
-                <a16:creationId xmlns:a16="http://schemas.microsoft.com/office/drawing/2014/main" xmlns="" id="{3442D827-BE6F-DFBF-3B15-223B2753D9E9}"/>
+                <a16:creationId xmlns="" xmlns:a16="http://schemas.microsoft.com/office/drawing/2014/main" id="{3442D827-BE6F-DFBF-3B15-223B2753D9E9}"/>
               </a:ext>
             </a:extLst>
           </p:cNvPr>
@@ -7547,7 +7547,7 @@
           <p:cNvPr id="6" name="Google Shape;74;p14">
             <a:extLst>
               <a:ext uri="{FF2B5EF4-FFF2-40B4-BE49-F238E27FC236}">
-                <a16:creationId xmlns:a16="http://schemas.microsoft.com/office/drawing/2014/main" xmlns="" id="{8ABB2948-CF7D-7BD6-14B8-367574244CB2}"/>
+                <a16:creationId xmlns="" xmlns:a16="http://schemas.microsoft.com/office/drawing/2014/main" id="{8ABB2948-CF7D-7BD6-14B8-367574244CB2}"/>
               </a:ext>
             </a:extLst>
           </p:cNvPr>
@@ -7581,7 +7581,7 @@
           <p:cNvPr id="7" name="Google Shape;75;p14">
             <a:extLst>
               <a:ext uri="{FF2B5EF4-FFF2-40B4-BE49-F238E27FC236}">
-                <a16:creationId xmlns:a16="http://schemas.microsoft.com/office/drawing/2014/main" xmlns="" id="{744D1F6B-EBF7-049C-9CBC-D2BD265B8DB5}"/>
+                <a16:creationId xmlns="" xmlns:a16="http://schemas.microsoft.com/office/drawing/2014/main" id="{744D1F6B-EBF7-049C-9CBC-D2BD265B8DB5}"/>
               </a:ext>
             </a:extLst>
           </p:cNvPr>
@@ -7615,7 +7615,7 @@
           <p:cNvPr id="8" name="Google Shape;76;p14">
             <a:extLst>
               <a:ext uri="{FF2B5EF4-FFF2-40B4-BE49-F238E27FC236}">
-                <a16:creationId xmlns:a16="http://schemas.microsoft.com/office/drawing/2014/main" xmlns="" id="{A0604560-830C-4AC9-3717-031AA48B5D45}"/>
+                <a16:creationId xmlns="" xmlns:a16="http://schemas.microsoft.com/office/drawing/2014/main" id="{A0604560-830C-4AC9-3717-031AA48B5D45}"/>
               </a:ext>
             </a:extLst>
           </p:cNvPr>
@@ -7649,7 +7649,7 @@
           <p:cNvPr id="9" name="Google Shape;77;p14">
             <a:extLst>
               <a:ext uri="{FF2B5EF4-FFF2-40B4-BE49-F238E27FC236}">
-                <a16:creationId xmlns:a16="http://schemas.microsoft.com/office/drawing/2014/main" xmlns="" id="{DC03C87C-87BB-A5EB-0D50-DDB31F93A6C2}"/>
+                <a16:creationId xmlns="" xmlns:a16="http://schemas.microsoft.com/office/drawing/2014/main" id="{DC03C87C-87BB-A5EB-0D50-DDB31F93A6C2}"/>
               </a:ext>
             </a:extLst>
           </p:cNvPr>
@@ -7683,7 +7683,7 @@
           <p:cNvPr id="10" name="Google Shape;78;p14">
             <a:extLst>
               <a:ext uri="{FF2B5EF4-FFF2-40B4-BE49-F238E27FC236}">
-                <a16:creationId xmlns:a16="http://schemas.microsoft.com/office/drawing/2014/main" xmlns="" id="{281D3DED-9B64-E88B-FC5F-0C30B82A9484}"/>
+                <a16:creationId xmlns="" xmlns:a16="http://schemas.microsoft.com/office/drawing/2014/main" id="{281D3DED-9B64-E88B-FC5F-0C30B82A9484}"/>
               </a:ext>
             </a:extLst>
           </p:cNvPr>
@@ -7717,7 +7717,7 @@
           <p:cNvPr id="11" name="Google Shape;79;p14">
             <a:extLst>
               <a:ext uri="{FF2B5EF4-FFF2-40B4-BE49-F238E27FC236}">
-                <a16:creationId xmlns:a16="http://schemas.microsoft.com/office/drawing/2014/main" xmlns="" id="{0DAE55E6-D474-C395-BC84-8ACA3CE820A0}"/>
+                <a16:creationId xmlns="" xmlns:a16="http://schemas.microsoft.com/office/drawing/2014/main" id="{0DAE55E6-D474-C395-BC84-8ACA3CE820A0}"/>
               </a:ext>
             </a:extLst>
           </p:cNvPr>
@@ -7751,7 +7751,7 @@
           <p:cNvPr id="12" name="Google Shape;80;p14">
             <a:extLst>
               <a:ext uri="{FF2B5EF4-FFF2-40B4-BE49-F238E27FC236}">
-                <a16:creationId xmlns:a16="http://schemas.microsoft.com/office/drawing/2014/main" xmlns="" id="{3A5AAC50-9F06-A76F-B20B-35CF3612E825}"/>
+                <a16:creationId xmlns="" xmlns:a16="http://schemas.microsoft.com/office/drawing/2014/main" id="{3A5AAC50-9F06-A76F-B20B-35CF3612E825}"/>
               </a:ext>
             </a:extLst>
           </p:cNvPr>
@@ -7785,7 +7785,7 @@
           <p:cNvPr id="13" name="Google Shape;81;p14">
             <a:extLst>
               <a:ext uri="{FF2B5EF4-FFF2-40B4-BE49-F238E27FC236}">
-                <a16:creationId xmlns:a16="http://schemas.microsoft.com/office/drawing/2014/main" xmlns="" id="{F33B3BEC-1095-E464-2D03-703E55B0F8A0}"/>
+                <a16:creationId xmlns="" xmlns:a16="http://schemas.microsoft.com/office/drawing/2014/main" id="{F33B3BEC-1095-E464-2D03-703E55B0F8A0}"/>
               </a:ext>
             </a:extLst>
           </p:cNvPr>
@@ -7819,7 +7819,7 @@
           <p:cNvPr id="4" name="文本框 3">
             <a:extLst>
               <a:ext uri="{FF2B5EF4-FFF2-40B4-BE49-F238E27FC236}">
-                <a16:creationId xmlns:a16="http://schemas.microsoft.com/office/drawing/2014/main" xmlns="" id="{3E8E8225-E7B4-E598-7AEB-66BC2EF7864E}"/>
+                <a16:creationId xmlns="" xmlns:a16="http://schemas.microsoft.com/office/drawing/2014/main" id="{3E8E8225-E7B4-E598-7AEB-66BC2EF7864E}"/>
               </a:ext>
             </a:extLst>
           </p:cNvPr>
@@ -7859,7 +7859,7 @@
           <p:cNvPr id="27" name="箭头: 五边形 26">
             <a:extLst>
               <a:ext uri="{FF2B5EF4-FFF2-40B4-BE49-F238E27FC236}">
-                <a16:creationId xmlns:a16="http://schemas.microsoft.com/office/drawing/2014/main" xmlns="" id="{E085494B-F842-4C01-038E-DB08191BB1BE}"/>
+                <a16:creationId xmlns="" xmlns:a16="http://schemas.microsoft.com/office/drawing/2014/main" id="{E085494B-F842-4C01-038E-DB08191BB1BE}"/>
               </a:ext>
             </a:extLst>
           </p:cNvPr>
@@ -7915,7 +7915,7 @@
           <p:cNvPr id="28" name="文本框 27">
             <a:extLst>
               <a:ext uri="{FF2B5EF4-FFF2-40B4-BE49-F238E27FC236}">
-                <a16:creationId xmlns:a16="http://schemas.microsoft.com/office/drawing/2014/main" xmlns="" id="{342B569A-49B6-3B3C-8998-DEDD42D51B66}"/>
+                <a16:creationId xmlns="" xmlns:a16="http://schemas.microsoft.com/office/drawing/2014/main" id="{342B569A-49B6-3B3C-8998-DEDD42D51B66}"/>
               </a:ext>
             </a:extLst>
           </p:cNvPr>
@@ -7951,7 +7951,7 @@
           <p:cNvPr id="29" name="箭头: 五边形 28">
             <a:extLst>
               <a:ext uri="{FF2B5EF4-FFF2-40B4-BE49-F238E27FC236}">
-                <a16:creationId xmlns:a16="http://schemas.microsoft.com/office/drawing/2014/main" xmlns="" id="{3523BFDC-8B96-7B81-3159-C26951EC2B7B}"/>
+                <a16:creationId xmlns="" xmlns:a16="http://schemas.microsoft.com/office/drawing/2014/main" id="{3523BFDC-8B96-7B81-3159-C26951EC2B7B}"/>
               </a:ext>
             </a:extLst>
           </p:cNvPr>
@@ -7998,7 +7998,7 @@
           <p:cNvPr id="30" name="文本框 29">
             <a:extLst>
               <a:ext uri="{FF2B5EF4-FFF2-40B4-BE49-F238E27FC236}">
-                <a16:creationId xmlns:a16="http://schemas.microsoft.com/office/drawing/2014/main" xmlns="" id="{082D8EAA-C93E-D6A9-69A4-C34D928A3F9E}"/>
+                <a16:creationId xmlns="" xmlns:a16="http://schemas.microsoft.com/office/drawing/2014/main" id="{082D8EAA-C93E-D6A9-69A4-C34D928A3F9E}"/>
               </a:ext>
             </a:extLst>
           </p:cNvPr>
@@ -8034,7 +8034,7 @@
           <p:cNvPr id="31" name="箭头: 五边形 30">
             <a:extLst>
               <a:ext uri="{FF2B5EF4-FFF2-40B4-BE49-F238E27FC236}">
-                <a16:creationId xmlns:a16="http://schemas.microsoft.com/office/drawing/2014/main" xmlns="" id="{4B9E0D9B-D17E-69E7-1F9A-99DE7710B7A1}"/>
+                <a16:creationId xmlns="" xmlns:a16="http://schemas.microsoft.com/office/drawing/2014/main" id="{4B9E0D9B-D17E-69E7-1F9A-99DE7710B7A1}"/>
               </a:ext>
             </a:extLst>
           </p:cNvPr>
@@ -8081,7 +8081,7 @@
           <p:cNvPr id="32" name="箭头: 五边形 31">
             <a:extLst>
               <a:ext uri="{FF2B5EF4-FFF2-40B4-BE49-F238E27FC236}">
-                <a16:creationId xmlns:a16="http://schemas.microsoft.com/office/drawing/2014/main" xmlns="" id="{1C58B850-E627-D01E-6544-6FC012CCC33C}"/>
+                <a16:creationId xmlns="" xmlns:a16="http://schemas.microsoft.com/office/drawing/2014/main" id="{1C58B850-E627-D01E-6544-6FC012CCC33C}"/>
               </a:ext>
             </a:extLst>
           </p:cNvPr>
@@ -8137,7 +8137,7 @@
           <p:cNvPr id="33" name="箭头: 五边形 32">
             <a:extLst>
               <a:ext uri="{FF2B5EF4-FFF2-40B4-BE49-F238E27FC236}">
-                <a16:creationId xmlns:a16="http://schemas.microsoft.com/office/drawing/2014/main" xmlns="" id="{C768AE66-F650-1A37-7440-B571549FE915}"/>
+                <a16:creationId xmlns="" xmlns:a16="http://schemas.microsoft.com/office/drawing/2014/main" id="{C768AE66-F650-1A37-7440-B571549FE915}"/>
               </a:ext>
             </a:extLst>
           </p:cNvPr>
@@ -8193,7 +8193,7 @@
           <p:cNvPr id="34" name="箭头: 五边形 33">
             <a:extLst>
               <a:ext uri="{FF2B5EF4-FFF2-40B4-BE49-F238E27FC236}">
-                <a16:creationId xmlns:a16="http://schemas.microsoft.com/office/drawing/2014/main" xmlns="" id="{C73CB313-5C49-648F-D809-8346206978D1}"/>
+                <a16:creationId xmlns="" xmlns:a16="http://schemas.microsoft.com/office/drawing/2014/main" id="{C73CB313-5C49-648F-D809-8346206978D1}"/>
               </a:ext>
             </a:extLst>
           </p:cNvPr>
@@ -8249,7 +8249,7 @@
           <p:cNvPr id="35" name="箭头: 五边形 34">
             <a:extLst>
               <a:ext uri="{FF2B5EF4-FFF2-40B4-BE49-F238E27FC236}">
-                <a16:creationId xmlns:a16="http://schemas.microsoft.com/office/drawing/2014/main" xmlns="" id="{FC836AD9-A293-8E3F-664B-E692D69616E5}"/>
+                <a16:creationId xmlns="" xmlns:a16="http://schemas.microsoft.com/office/drawing/2014/main" id="{FC836AD9-A293-8E3F-664B-E692D69616E5}"/>
               </a:ext>
             </a:extLst>
           </p:cNvPr>
@@ -8305,7 +8305,7 @@
           <p:cNvPr id="37" name="箭头: 五边形 36">
             <a:extLst>
               <a:ext uri="{FF2B5EF4-FFF2-40B4-BE49-F238E27FC236}">
-                <a16:creationId xmlns:a16="http://schemas.microsoft.com/office/drawing/2014/main" xmlns="" id="{05ECD475-37EE-63E8-E9E5-EF81A4619214}"/>
+                <a16:creationId xmlns="" xmlns:a16="http://schemas.microsoft.com/office/drawing/2014/main" id="{05ECD475-37EE-63E8-E9E5-EF81A4619214}"/>
               </a:ext>
             </a:extLst>
           </p:cNvPr>
@@ -8352,7 +8352,7 @@
           <p:cNvPr id="38" name="箭头: 五边形 37">
             <a:extLst>
               <a:ext uri="{FF2B5EF4-FFF2-40B4-BE49-F238E27FC236}">
-                <a16:creationId xmlns:a16="http://schemas.microsoft.com/office/drawing/2014/main" xmlns="" id="{A6B5F2C7-042E-A328-27E2-FE7EEBDB2BDD}"/>
+                <a16:creationId xmlns="" xmlns:a16="http://schemas.microsoft.com/office/drawing/2014/main" id="{A6B5F2C7-042E-A328-27E2-FE7EEBDB2BDD}"/>
               </a:ext>
             </a:extLst>
           </p:cNvPr>
@@ -8399,7 +8399,7 @@
           <p:cNvPr id="39" name="箭头: 五边形 38">
             <a:extLst>
               <a:ext uri="{FF2B5EF4-FFF2-40B4-BE49-F238E27FC236}">
-                <a16:creationId xmlns:a16="http://schemas.microsoft.com/office/drawing/2014/main" xmlns="" id="{2D55E881-1EC3-4110-7472-1065FE27C440}"/>
+                <a16:creationId xmlns="" xmlns:a16="http://schemas.microsoft.com/office/drawing/2014/main" id="{2D55E881-1EC3-4110-7472-1065FE27C440}"/>
               </a:ext>
             </a:extLst>
           </p:cNvPr>
@@ -8476,7 +8476,7 @@
           <p:cNvPr id="2" name="标题 1">
             <a:extLst>
               <a:ext uri="{FF2B5EF4-FFF2-40B4-BE49-F238E27FC236}">
-                <a16:creationId xmlns:a16="http://schemas.microsoft.com/office/drawing/2014/main" xmlns="" id="{80796E82-7314-2FBE-2DE8-DDD70D4DF27E}"/>
+                <a16:creationId xmlns="" xmlns:a16="http://schemas.microsoft.com/office/drawing/2014/main" id="{80796E82-7314-2FBE-2DE8-DDD70D4DF27E}"/>
               </a:ext>
             </a:extLst>
           </p:cNvPr>
@@ -8525,7 +8525,7 @@
           <p:cNvPr id="5" name="椭圆 4">
             <a:extLst>
               <a:ext uri="{FF2B5EF4-FFF2-40B4-BE49-F238E27FC236}">
-                <a16:creationId xmlns:a16="http://schemas.microsoft.com/office/drawing/2014/main" xmlns="" id="{A020CC41-9901-5A10-06D8-1F19650A3A6A}"/>
+                <a16:creationId xmlns="" xmlns:a16="http://schemas.microsoft.com/office/drawing/2014/main" id="{A020CC41-9901-5A10-06D8-1F19650A3A6A}"/>
               </a:ext>
             </a:extLst>
           </p:cNvPr>
@@ -8577,7 +8577,7 @@
           <p:cNvPr id="19" name="Google Shape;73;p14">
             <a:extLst>
               <a:ext uri="{FF2B5EF4-FFF2-40B4-BE49-F238E27FC236}">
-                <a16:creationId xmlns:a16="http://schemas.microsoft.com/office/drawing/2014/main" xmlns="" id="{3442D827-BE6F-DFBF-3B15-223B2753D9E9}"/>
+                <a16:creationId xmlns="" xmlns:a16="http://schemas.microsoft.com/office/drawing/2014/main" id="{3442D827-BE6F-DFBF-3B15-223B2753D9E9}"/>
               </a:ext>
             </a:extLst>
           </p:cNvPr>
@@ -8611,7 +8611,7 @@
           <p:cNvPr id="3" name="椭圆 2">
             <a:extLst>
               <a:ext uri="{FF2B5EF4-FFF2-40B4-BE49-F238E27FC236}">
-                <a16:creationId xmlns:a16="http://schemas.microsoft.com/office/drawing/2014/main" xmlns="" id="{6A049D51-9228-994D-60FB-A0B21405E162}"/>
+                <a16:creationId xmlns="" xmlns:a16="http://schemas.microsoft.com/office/drawing/2014/main" id="{6A049D51-9228-994D-60FB-A0B21405E162}"/>
               </a:ext>
             </a:extLst>
           </p:cNvPr>
@@ -8667,7 +8667,7 @@
           <p:cNvPr id="20" name="椭圆 19">
             <a:extLst>
               <a:ext uri="{FF2B5EF4-FFF2-40B4-BE49-F238E27FC236}">
-                <a16:creationId xmlns:a16="http://schemas.microsoft.com/office/drawing/2014/main" xmlns="" id="{1CB92BD5-35D8-92CB-D9E4-9F7E63F85095}"/>
+                <a16:creationId xmlns="" xmlns:a16="http://schemas.microsoft.com/office/drawing/2014/main" id="{1CB92BD5-35D8-92CB-D9E4-9F7E63F85095}"/>
               </a:ext>
             </a:extLst>
           </p:cNvPr>
@@ -8723,7 +8723,7 @@
           <p:cNvPr id="21" name="椭圆 20">
             <a:extLst>
               <a:ext uri="{FF2B5EF4-FFF2-40B4-BE49-F238E27FC236}">
-                <a16:creationId xmlns:a16="http://schemas.microsoft.com/office/drawing/2014/main" xmlns="" id="{CC0D471C-430C-0F88-B963-906AF37643E5}"/>
+                <a16:creationId xmlns="" xmlns:a16="http://schemas.microsoft.com/office/drawing/2014/main" id="{CC0D471C-430C-0F88-B963-906AF37643E5}"/>
               </a:ext>
             </a:extLst>
           </p:cNvPr>
@@ -8779,7 +8779,7 @@
           <p:cNvPr id="22" name="椭圆 21">
             <a:extLst>
               <a:ext uri="{FF2B5EF4-FFF2-40B4-BE49-F238E27FC236}">
-                <a16:creationId xmlns:a16="http://schemas.microsoft.com/office/drawing/2014/main" xmlns="" id="{ECCA1AA6-1921-4825-44D1-D03BE773AACC}"/>
+                <a16:creationId xmlns="" xmlns:a16="http://schemas.microsoft.com/office/drawing/2014/main" id="{ECCA1AA6-1921-4825-44D1-D03BE773AACC}"/>
               </a:ext>
             </a:extLst>
           </p:cNvPr>
@@ -8835,7 +8835,7 @@
           <p:cNvPr id="23" name="椭圆 22">
             <a:extLst>
               <a:ext uri="{FF2B5EF4-FFF2-40B4-BE49-F238E27FC236}">
-                <a16:creationId xmlns:a16="http://schemas.microsoft.com/office/drawing/2014/main" xmlns="" id="{3F21BD1A-C0DB-4604-449C-A115F86B74D3}"/>
+                <a16:creationId xmlns="" xmlns:a16="http://schemas.microsoft.com/office/drawing/2014/main" id="{3F21BD1A-C0DB-4604-449C-A115F86B74D3}"/>
               </a:ext>
             </a:extLst>
           </p:cNvPr>
@@ -8895,7 +8895,7 @@
           <p:cNvPr id="24" name="椭圆 23">
             <a:extLst>
               <a:ext uri="{FF2B5EF4-FFF2-40B4-BE49-F238E27FC236}">
-                <a16:creationId xmlns:a16="http://schemas.microsoft.com/office/drawing/2014/main" xmlns="" id="{153EDE49-BF0B-3BFF-8FAE-EA9476EE1014}"/>
+                <a16:creationId xmlns="" xmlns:a16="http://schemas.microsoft.com/office/drawing/2014/main" id="{153EDE49-BF0B-3BFF-8FAE-EA9476EE1014}"/>
               </a:ext>
             </a:extLst>
           </p:cNvPr>
@@ -8955,7 +8955,7 @@
           <p:cNvPr id="25" name="椭圆 24">
             <a:extLst>
               <a:ext uri="{FF2B5EF4-FFF2-40B4-BE49-F238E27FC236}">
-                <a16:creationId xmlns:a16="http://schemas.microsoft.com/office/drawing/2014/main" xmlns="" id="{96E59006-D453-BDF9-72CE-BDDB3896D922}"/>
+                <a16:creationId xmlns="" xmlns:a16="http://schemas.microsoft.com/office/drawing/2014/main" id="{96E59006-D453-BDF9-72CE-BDDB3896D922}"/>
               </a:ext>
             </a:extLst>
           </p:cNvPr>
@@ -9015,7 +9015,7 @@
           <p:cNvPr id="26" name="椭圆 25">
             <a:extLst>
               <a:ext uri="{FF2B5EF4-FFF2-40B4-BE49-F238E27FC236}">
-                <a16:creationId xmlns:a16="http://schemas.microsoft.com/office/drawing/2014/main" xmlns="" id="{76DDE1EF-9352-BD67-F294-8E6E8429488F}"/>
+                <a16:creationId xmlns="" xmlns:a16="http://schemas.microsoft.com/office/drawing/2014/main" id="{76DDE1EF-9352-BD67-F294-8E6E8429488F}"/>
               </a:ext>
             </a:extLst>
           </p:cNvPr>
@@ -9075,7 +9075,7 @@
           <p:cNvPr id="4" name="文本框 3">
             <a:extLst>
               <a:ext uri="{FF2B5EF4-FFF2-40B4-BE49-F238E27FC236}">
-                <a16:creationId xmlns:a16="http://schemas.microsoft.com/office/drawing/2014/main" xmlns="" id="{3E8E8225-E7B4-E598-7AEB-66BC2EF7864E}"/>
+                <a16:creationId xmlns="" xmlns:a16="http://schemas.microsoft.com/office/drawing/2014/main" id="{3E8E8225-E7B4-E598-7AEB-66BC2EF7864E}"/>
               </a:ext>
             </a:extLst>
           </p:cNvPr>
@@ -9125,7 +9125,7 @@
           <p:cNvPr id="27" name="Google Shape;74;p14">
             <a:extLst>
               <a:ext uri="{FF2B5EF4-FFF2-40B4-BE49-F238E27FC236}">
-                <a16:creationId xmlns:a16="http://schemas.microsoft.com/office/drawing/2014/main" xmlns="" id="{F001360C-F541-C9AF-53E6-BA5E50272227}"/>
+                <a16:creationId xmlns="" xmlns:a16="http://schemas.microsoft.com/office/drawing/2014/main" id="{F001360C-F541-C9AF-53E6-BA5E50272227}"/>
               </a:ext>
             </a:extLst>
           </p:cNvPr>
@@ -9159,7 +9159,7 @@
           <p:cNvPr id="28" name="Google Shape;75;p14">
             <a:extLst>
               <a:ext uri="{FF2B5EF4-FFF2-40B4-BE49-F238E27FC236}">
-                <a16:creationId xmlns:a16="http://schemas.microsoft.com/office/drawing/2014/main" xmlns="" id="{BC47DF63-D787-76FF-F6E1-924DB122ED98}"/>
+                <a16:creationId xmlns="" xmlns:a16="http://schemas.microsoft.com/office/drawing/2014/main" id="{BC47DF63-D787-76FF-F6E1-924DB122ED98}"/>
               </a:ext>
             </a:extLst>
           </p:cNvPr>
@@ -9193,7 +9193,7 @@
           <p:cNvPr id="29" name="Google Shape;76;p14">
             <a:extLst>
               <a:ext uri="{FF2B5EF4-FFF2-40B4-BE49-F238E27FC236}">
-                <a16:creationId xmlns:a16="http://schemas.microsoft.com/office/drawing/2014/main" xmlns="" id="{E6DB3436-E7A1-74A4-306B-891B37C2E2BC}"/>
+                <a16:creationId xmlns="" xmlns:a16="http://schemas.microsoft.com/office/drawing/2014/main" id="{E6DB3436-E7A1-74A4-306B-891B37C2E2BC}"/>
               </a:ext>
             </a:extLst>
           </p:cNvPr>
@@ -9227,7 +9227,7 @@
           <p:cNvPr id="30" name="Google Shape;77;p14">
             <a:extLst>
               <a:ext uri="{FF2B5EF4-FFF2-40B4-BE49-F238E27FC236}">
-                <a16:creationId xmlns:a16="http://schemas.microsoft.com/office/drawing/2014/main" xmlns="" id="{4732D7A8-7A22-D333-C97E-9E6837577A1F}"/>
+                <a16:creationId xmlns="" xmlns:a16="http://schemas.microsoft.com/office/drawing/2014/main" id="{4732D7A8-7A22-D333-C97E-9E6837577A1F}"/>
               </a:ext>
             </a:extLst>
           </p:cNvPr>
@@ -9261,7 +9261,7 @@
           <p:cNvPr id="31" name="Google Shape;78;p14">
             <a:extLst>
               <a:ext uri="{FF2B5EF4-FFF2-40B4-BE49-F238E27FC236}">
-                <a16:creationId xmlns:a16="http://schemas.microsoft.com/office/drawing/2014/main" xmlns="" id="{56A704A4-652B-FEB3-E4FD-002BB01DD9FD}"/>
+                <a16:creationId xmlns="" xmlns:a16="http://schemas.microsoft.com/office/drawing/2014/main" id="{56A704A4-652B-FEB3-E4FD-002BB01DD9FD}"/>
               </a:ext>
             </a:extLst>
           </p:cNvPr>
@@ -9295,7 +9295,7 @@
           <p:cNvPr id="32" name="Google Shape;79;p14">
             <a:extLst>
               <a:ext uri="{FF2B5EF4-FFF2-40B4-BE49-F238E27FC236}">
-                <a16:creationId xmlns:a16="http://schemas.microsoft.com/office/drawing/2014/main" xmlns="" id="{2B1EC5ED-8A2C-AFB1-031C-190E068ED4D4}"/>
+                <a16:creationId xmlns="" xmlns:a16="http://schemas.microsoft.com/office/drawing/2014/main" id="{2B1EC5ED-8A2C-AFB1-031C-190E068ED4D4}"/>
               </a:ext>
             </a:extLst>
           </p:cNvPr>
@@ -9329,7 +9329,7 @@
           <p:cNvPr id="33" name="Google Shape;80;p14">
             <a:extLst>
               <a:ext uri="{FF2B5EF4-FFF2-40B4-BE49-F238E27FC236}">
-                <a16:creationId xmlns:a16="http://schemas.microsoft.com/office/drawing/2014/main" xmlns="" id="{66CD08D3-5714-3526-9D5B-B8686C293498}"/>
+                <a16:creationId xmlns="" xmlns:a16="http://schemas.microsoft.com/office/drawing/2014/main" id="{66CD08D3-5714-3526-9D5B-B8686C293498}"/>
               </a:ext>
             </a:extLst>
           </p:cNvPr>
@@ -9363,7 +9363,7 @@
           <p:cNvPr id="34" name="Google Shape;81;p14">
             <a:extLst>
               <a:ext uri="{FF2B5EF4-FFF2-40B4-BE49-F238E27FC236}">
-                <a16:creationId xmlns:a16="http://schemas.microsoft.com/office/drawing/2014/main" xmlns="" id="{08D2C6F6-EC7E-991B-0ABD-435E54875096}"/>
+                <a16:creationId xmlns="" xmlns:a16="http://schemas.microsoft.com/office/drawing/2014/main" id="{08D2C6F6-EC7E-991B-0ABD-435E54875096}"/>
               </a:ext>
             </a:extLst>
           </p:cNvPr>
@@ -9397,7 +9397,7 @@
           <p:cNvPr id="35" name="箭头: 五边形 34">
             <a:extLst>
               <a:ext uri="{FF2B5EF4-FFF2-40B4-BE49-F238E27FC236}">
-                <a16:creationId xmlns:a16="http://schemas.microsoft.com/office/drawing/2014/main" xmlns="" id="{45CBFFAB-1872-D837-E2C6-E919DC9EBA01}"/>
+                <a16:creationId xmlns="" xmlns:a16="http://schemas.microsoft.com/office/drawing/2014/main" id="{45CBFFAB-1872-D837-E2C6-E919DC9EBA01}"/>
               </a:ext>
             </a:extLst>
           </p:cNvPr>
@@ -9444,7 +9444,7 @@
           <p:cNvPr id="36" name="箭头: 五边形 35">
             <a:extLst>
               <a:ext uri="{FF2B5EF4-FFF2-40B4-BE49-F238E27FC236}">
-                <a16:creationId xmlns:a16="http://schemas.microsoft.com/office/drawing/2014/main" xmlns="" id="{E1B40010-B40E-1B8F-1326-136C2A5B675C}"/>
+                <a16:creationId xmlns="" xmlns:a16="http://schemas.microsoft.com/office/drawing/2014/main" id="{E1B40010-B40E-1B8F-1326-136C2A5B675C}"/>
               </a:ext>
             </a:extLst>
           </p:cNvPr>
@@ -9500,7 +9500,7 @@
           <p:cNvPr id="37" name="箭头: 五边形 36">
             <a:extLst>
               <a:ext uri="{FF2B5EF4-FFF2-40B4-BE49-F238E27FC236}">
-                <a16:creationId xmlns:a16="http://schemas.microsoft.com/office/drawing/2014/main" xmlns="" id="{3D0F7E28-4B9F-42FB-3041-A660EACDA846}"/>
+                <a16:creationId xmlns="" xmlns:a16="http://schemas.microsoft.com/office/drawing/2014/main" id="{3D0F7E28-4B9F-42FB-3041-A660EACDA846}"/>
               </a:ext>
             </a:extLst>
           </p:cNvPr>
@@ -9556,7 +9556,7 @@
           <p:cNvPr id="38" name="箭头: 五边形 37">
             <a:extLst>
               <a:ext uri="{FF2B5EF4-FFF2-40B4-BE49-F238E27FC236}">
-                <a16:creationId xmlns:a16="http://schemas.microsoft.com/office/drawing/2014/main" xmlns="" id="{F2C895B2-888C-AE59-96AA-DC572DF8AECF}"/>
+                <a16:creationId xmlns="" xmlns:a16="http://schemas.microsoft.com/office/drawing/2014/main" id="{F2C895B2-888C-AE59-96AA-DC572DF8AECF}"/>
               </a:ext>
             </a:extLst>
           </p:cNvPr>
@@ -9612,7 +9612,7 @@
           <p:cNvPr id="39" name="箭头: 五边形 38">
             <a:extLst>
               <a:ext uri="{FF2B5EF4-FFF2-40B4-BE49-F238E27FC236}">
-                <a16:creationId xmlns:a16="http://schemas.microsoft.com/office/drawing/2014/main" xmlns="" id="{FE7171F9-6901-D35F-3EBF-EF312187A7B1}"/>
+                <a16:creationId xmlns="" xmlns:a16="http://schemas.microsoft.com/office/drawing/2014/main" id="{FE7171F9-6901-D35F-3EBF-EF312187A7B1}"/>
               </a:ext>
             </a:extLst>
           </p:cNvPr>
@@ -9668,7 +9668,7 @@
           <p:cNvPr id="40" name="箭头: 五边形 39">
             <a:extLst>
               <a:ext uri="{FF2B5EF4-FFF2-40B4-BE49-F238E27FC236}">
-                <a16:creationId xmlns:a16="http://schemas.microsoft.com/office/drawing/2014/main" xmlns="" id="{16B50CFD-37FF-2522-847C-ED21245232E4}"/>
+                <a16:creationId xmlns="" xmlns:a16="http://schemas.microsoft.com/office/drawing/2014/main" id="{16B50CFD-37FF-2522-847C-ED21245232E4}"/>
               </a:ext>
             </a:extLst>
           </p:cNvPr>
@@ -9715,7 +9715,7 @@
           <p:cNvPr id="41" name="箭头: 五边形 40">
             <a:extLst>
               <a:ext uri="{FF2B5EF4-FFF2-40B4-BE49-F238E27FC236}">
-                <a16:creationId xmlns:a16="http://schemas.microsoft.com/office/drawing/2014/main" xmlns="" id="{E064F493-09BD-2E6B-64E8-D8FB51398996}"/>
+                <a16:creationId xmlns="" xmlns:a16="http://schemas.microsoft.com/office/drawing/2014/main" id="{E064F493-09BD-2E6B-64E8-D8FB51398996}"/>
               </a:ext>
             </a:extLst>
           </p:cNvPr>
@@ -9762,7 +9762,7 @@
           <p:cNvPr id="42" name="箭头: 五边形 41">
             <a:extLst>
               <a:ext uri="{FF2B5EF4-FFF2-40B4-BE49-F238E27FC236}">
-                <a16:creationId xmlns:a16="http://schemas.microsoft.com/office/drawing/2014/main" xmlns="" id="{17EE7FAC-09DB-BC90-8147-28775EF08FEB}"/>
+                <a16:creationId xmlns="" xmlns:a16="http://schemas.microsoft.com/office/drawing/2014/main" id="{17EE7FAC-09DB-BC90-8147-28775EF08FEB}"/>
               </a:ext>
             </a:extLst>
           </p:cNvPr>
@@ -9839,7 +9839,7 @@
           <p:cNvPr id="2" name="标题 1">
             <a:extLst>
               <a:ext uri="{FF2B5EF4-FFF2-40B4-BE49-F238E27FC236}">
-                <a16:creationId xmlns:a16="http://schemas.microsoft.com/office/drawing/2014/main" xmlns="" id="{80796E82-7314-2FBE-2DE8-DDD70D4DF27E}"/>
+                <a16:creationId xmlns="" xmlns:a16="http://schemas.microsoft.com/office/drawing/2014/main" id="{80796E82-7314-2FBE-2DE8-DDD70D4DF27E}"/>
               </a:ext>
             </a:extLst>
           </p:cNvPr>
@@ -9888,7 +9888,7 @@
           <p:cNvPr id="5" name="椭圆 4">
             <a:extLst>
               <a:ext uri="{FF2B5EF4-FFF2-40B4-BE49-F238E27FC236}">
-                <a16:creationId xmlns:a16="http://schemas.microsoft.com/office/drawing/2014/main" xmlns="" id="{A020CC41-9901-5A10-06D8-1F19650A3A6A}"/>
+                <a16:creationId xmlns="" xmlns:a16="http://schemas.microsoft.com/office/drawing/2014/main" id="{A020CC41-9901-5A10-06D8-1F19650A3A6A}"/>
               </a:ext>
             </a:extLst>
           </p:cNvPr>
@@ -9940,7 +9940,7 @@
           <p:cNvPr id="19" name="Google Shape;73;p14">
             <a:extLst>
               <a:ext uri="{FF2B5EF4-FFF2-40B4-BE49-F238E27FC236}">
-                <a16:creationId xmlns:a16="http://schemas.microsoft.com/office/drawing/2014/main" xmlns="" id="{3442D827-BE6F-DFBF-3B15-223B2753D9E9}"/>
+                <a16:creationId xmlns="" xmlns:a16="http://schemas.microsoft.com/office/drawing/2014/main" id="{3442D827-BE6F-DFBF-3B15-223B2753D9E9}"/>
               </a:ext>
             </a:extLst>
           </p:cNvPr>
@@ -9974,7 +9974,7 @@
           <p:cNvPr id="6" name="Google Shape;74;p14">
             <a:extLst>
               <a:ext uri="{FF2B5EF4-FFF2-40B4-BE49-F238E27FC236}">
-                <a16:creationId xmlns:a16="http://schemas.microsoft.com/office/drawing/2014/main" xmlns="" id="{8ABB2948-CF7D-7BD6-14B8-367574244CB2}"/>
+                <a16:creationId xmlns="" xmlns:a16="http://schemas.microsoft.com/office/drawing/2014/main" id="{8ABB2948-CF7D-7BD6-14B8-367574244CB2}"/>
               </a:ext>
             </a:extLst>
           </p:cNvPr>
@@ -10008,7 +10008,7 @@
           <p:cNvPr id="7" name="Google Shape;75;p14">
             <a:extLst>
               <a:ext uri="{FF2B5EF4-FFF2-40B4-BE49-F238E27FC236}">
-                <a16:creationId xmlns:a16="http://schemas.microsoft.com/office/drawing/2014/main" xmlns="" id="{744D1F6B-EBF7-049C-9CBC-D2BD265B8DB5}"/>
+                <a16:creationId xmlns="" xmlns:a16="http://schemas.microsoft.com/office/drawing/2014/main" id="{744D1F6B-EBF7-049C-9CBC-D2BD265B8DB5}"/>
               </a:ext>
             </a:extLst>
           </p:cNvPr>
@@ -10042,7 +10042,7 @@
           <p:cNvPr id="8" name="Google Shape;76;p14">
             <a:extLst>
               <a:ext uri="{FF2B5EF4-FFF2-40B4-BE49-F238E27FC236}">
-                <a16:creationId xmlns:a16="http://schemas.microsoft.com/office/drawing/2014/main" xmlns="" id="{A0604560-830C-4AC9-3717-031AA48B5D45}"/>
+                <a16:creationId xmlns="" xmlns:a16="http://schemas.microsoft.com/office/drawing/2014/main" id="{A0604560-830C-4AC9-3717-031AA48B5D45}"/>
               </a:ext>
             </a:extLst>
           </p:cNvPr>
@@ -10076,7 +10076,7 @@
           <p:cNvPr id="9" name="Google Shape;77;p14">
             <a:extLst>
               <a:ext uri="{FF2B5EF4-FFF2-40B4-BE49-F238E27FC236}">
-                <a16:creationId xmlns:a16="http://schemas.microsoft.com/office/drawing/2014/main" xmlns="" id="{DC03C87C-87BB-A5EB-0D50-DDB31F93A6C2}"/>
+                <a16:creationId xmlns="" xmlns:a16="http://schemas.microsoft.com/office/drawing/2014/main" id="{DC03C87C-87BB-A5EB-0D50-DDB31F93A6C2}"/>
               </a:ext>
             </a:extLst>
           </p:cNvPr>
@@ -10110,7 +10110,7 @@
           <p:cNvPr id="10" name="Google Shape;78;p14">
             <a:extLst>
               <a:ext uri="{FF2B5EF4-FFF2-40B4-BE49-F238E27FC236}">
-                <a16:creationId xmlns:a16="http://schemas.microsoft.com/office/drawing/2014/main" xmlns="" id="{281D3DED-9B64-E88B-FC5F-0C30B82A9484}"/>
+                <a16:creationId xmlns="" xmlns:a16="http://schemas.microsoft.com/office/drawing/2014/main" id="{281D3DED-9B64-E88B-FC5F-0C30B82A9484}"/>
               </a:ext>
             </a:extLst>
           </p:cNvPr>
@@ -10144,7 +10144,7 @@
           <p:cNvPr id="11" name="Google Shape;79;p14">
             <a:extLst>
               <a:ext uri="{FF2B5EF4-FFF2-40B4-BE49-F238E27FC236}">
-                <a16:creationId xmlns:a16="http://schemas.microsoft.com/office/drawing/2014/main" xmlns="" id="{0DAE55E6-D474-C395-BC84-8ACA3CE820A0}"/>
+                <a16:creationId xmlns="" xmlns:a16="http://schemas.microsoft.com/office/drawing/2014/main" id="{0DAE55E6-D474-C395-BC84-8ACA3CE820A0}"/>
               </a:ext>
             </a:extLst>
           </p:cNvPr>
@@ -10178,7 +10178,7 @@
           <p:cNvPr id="12" name="Google Shape;80;p14">
             <a:extLst>
               <a:ext uri="{FF2B5EF4-FFF2-40B4-BE49-F238E27FC236}">
-                <a16:creationId xmlns:a16="http://schemas.microsoft.com/office/drawing/2014/main" xmlns="" id="{3A5AAC50-9F06-A76F-B20B-35CF3612E825}"/>
+                <a16:creationId xmlns="" xmlns:a16="http://schemas.microsoft.com/office/drawing/2014/main" id="{3A5AAC50-9F06-A76F-B20B-35CF3612E825}"/>
               </a:ext>
             </a:extLst>
           </p:cNvPr>
@@ -10212,7 +10212,7 @@
           <p:cNvPr id="13" name="Google Shape;81;p14">
             <a:extLst>
               <a:ext uri="{FF2B5EF4-FFF2-40B4-BE49-F238E27FC236}">
-                <a16:creationId xmlns:a16="http://schemas.microsoft.com/office/drawing/2014/main" xmlns="" id="{F33B3BEC-1095-E464-2D03-703E55B0F8A0}"/>
+                <a16:creationId xmlns="" xmlns:a16="http://schemas.microsoft.com/office/drawing/2014/main" id="{F33B3BEC-1095-E464-2D03-703E55B0F8A0}"/>
               </a:ext>
             </a:extLst>
           </p:cNvPr>
@@ -10246,7 +10246,7 @@
           <p:cNvPr id="4" name="文本框 3">
             <a:extLst>
               <a:ext uri="{FF2B5EF4-FFF2-40B4-BE49-F238E27FC236}">
-                <a16:creationId xmlns:a16="http://schemas.microsoft.com/office/drawing/2014/main" xmlns="" id="{3E8E8225-E7B4-E598-7AEB-66BC2EF7864E}"/>
+                <a16:creationId xmlns="" xmlns:a16="http://schemas.microsoft.com/office/drawing/2014/main" id="{3E8E8225-E7B4-E598-7AEB-66BC2EF7864E}"/>
               </a:ext>
             </a:extLst>
           </p:cNvPr>
@@ -10286,7 +10286,7 @@
           <p:cNvPr id="31" name="箭头: 五边形 30">
             <a:extLst>
               <a:ext uri="{FF2B5EF4-FFF2-40B4-BE49-F238E27FC236}">
-                <a16:creationId xmlns:a16="http://schemas.microsoft.com/office/drawing/2014/main" xmlns="" id="{4B9E0D9B-D17E-69E7-1F9A-99DE7710B7A1}"/>
+                <a16:creationId xmlns="" xmlns:a16="http://schemas.microsoft.com/office/drawing/2014/main" id="{4B9E0D9B-D17E-69E7-1F9A-99DE7710B7A1}"/>
               </a:ext>
             </a:extLst>
           </p:cNvPr>
@@ -10333,7 +10333,7 @@
           <p:cNvPr id="32" name="箭头: 五边形 31">
             <a:extLst>
               <a:ext uri="{FF2B5EF4-FFF2-40B4-BE49-F238E27FC236}">
-                <a16:creationId xmlns:a16="http://schemas.microsoft.com/office/drawing/2014/main" xmlns="" id="{1C58B850-E627-D01E-6544-6FC012CCC33C}"/>
+                <a16:creationId xmlns="" xmlns:a16="http://schemas.microsoft.com/office/drawing/2014/main" id="{1C58B850-E627-D01E-6544-6FC012CCC33C}"/>
               </a:ext>
             </a:extLst>
           </p:cNvPr>
@@ -10389,7 +10389,7 @@
           <p:cNvPr id="33" name="箭头: 五边形 32">
             <a:extLst>
               <a:ext uri="{FF2B5EF4-FFF2-40B4-BE49-F238E27FC236}">
-                <a16:creationId xmlns:a16="http://schemas.microsoft.com/office/drawing/2014/main" xmlns="" id="{C768AE66-F650-1A37-7440-B571549FE915}"/>
+                <a16:creationId xmlns="" xmlns:a16="http://schemas.microsoft.com/office/drawing/2014/main" id="{C768AE66-F650-1A37-7440-B571549FE915}"/>
               </a:ext>
             </a:extLst>
           </p:cNvPr>
@@ -10445,7 +10445,7 @@
           <p:cNvPr id="34" name="箭头: 五边形 33">
             <a:extLst>
               <a:ext uri="{FF2B5EF4-FFF2-40B4-BE49-F238E27FC236}">
-                <a16:creationId xmlns:a16="http://schemas.microsoft.com/office/drawing/2014/main" xmlns="" id="{C73CB313-5C49-648F-D809-8346206978D1}"/>
+                <a16:creationId xmlns="" xmlns:a16="http://schemas.microsoft.com/office/drawing/2014/main" id="{C73CB313-5C49-648F-D809-8346206978D1}"/>
               </a:ext>
             </a:extLst>
           </p:cNvPr>
@@ -10501,7 +10501,7 @@
           <p:cNvPr id="35" name="箭头: 五边形 34">
             <a:extLst>
               <a:ext uri="{FF2B5EF4-FFF2-40B4-BE49-F238E27FC236}">
-                <a16:creationId xmlns:a16="http://schemas.microsoft.com/office/drawing/2014/main" xmlns="" id="{FC836AD9-A293-8E3F-664B-E692D69616E5}"/>
+                <a16:creationId xmlns="" xmlns:a16="http://schemas.microsoft.com/office/drawing/2014/main" id="{FC836AD9-A293-8E3F-664B-E692D69616E5}"/>
               </a:ext>
             </a:extLst>
           </p:cNvPr>
@@ -10557,7 +10557,7 @@
           <p:cNvPr id="37" name="箭头: 五边形 36">
             <a:extLst>
               <a:ext uri="{FF2B5EF4-FFF2-40B4-BE49-F238E27FC236}">
-                <a16:creationId xmlns:a16="http://schemas.microsoft.com/office/drawing/2014/main" xmlns="" id="{05ECD475-37EE-63E8-E9E5-EF81A4619214}"/>
+                <a16:creationId xmlns="" xmlns:a16="http://schemas.microsoft.com/office/drawing/2014/main" id="{05ECD475-37EE-63E8-E9E5-EF81A4619214}"/>
               </a:ext>
             </a:extLst>
           </p:cNvPr>
@@ -10604,7 +10604,7 @@
           <p:cNvPr id="38" name="箭头: 五边形 37">
             <a:extLst>
               <a:ext uri="{FF2B5EF4-FFF2-40B4-BE49-F238E27FC236}">
-                <a16:creationId xmlns:a16="http://schemas.microsoft.com/office/drawing/2014/main" xmlns="" id="{A6B5F2C7-042E-A328-27E2-FE7EEBDB2BDD}"/>
+                <a16:creationId xmlns="" xmlns:a16="http://schemas.microsoft.com/office/drawing/2014/main" id="{A6B5F2C7-042E-A328-27E2-FE7EEBDB2BDD}"/>
               </a:ext>
             </a:extLst>
           </p:cNvPr>
@@ -10651,7 +10651,7 @@
           <p:cNvPr id="39" name="箭头: 五边形 38">
             <a:extLst>
               <a:ext uri="{FF2B5EF4-FFF2-40B4-BE49-F238E27FC236}">
-                <a16:creationId xmlns:a16="http://schemas.microsoft.com/office/drawing/2014/main" xmlns="" id="{2D55E881-1EC3-4110-7472-1065FE27C440}"/>
+                <a16:creationId xmlns="" xmlns:a16="http://schemas.microsoft.com/office/drawing/2014/main" id="{2D55E881-1EC3-4110-7472-1065FE27C440}"/>
               </a:ext>
             </a:extLst>
           </p:cNvPr>
@@ -10728,7 +10728,7 @@
           <p:cNvPr id="2" name="标题 1">
             <a:extLst>
               <a:ext uri="{FF2B5EF4-FFF2-40B4-BE49-F238E27FC236}">
-                <a16:creationId xmlns:a16="http://schemas.microsoft.com/office/drawing/2014/main" xmlns="" id="{80796E82-7314-2FBE-2DE8-DDD70D4DF27E}"/>
+                <a16:creationId xmlns="" xmlns:a16="http://schemas.microsoft.com/office/drawing/2014/main" id="{80796E82-7314-2FBE-2DE8-DDD70D4DF27E}"/>
               </a:ext>
             </a:extLst>
           </p:cNvPr>
@@ -10777,7 +10777,7 @@
           <p:cNvPr id="5" name="椭圆 4">
             <a:extLst>
               <a:ext uri="{FF2B5EF4-FFF2-40B4-BE49-F238E27FC236}">
-                <a16:creationId xmlns:a16="http://schemas.microsoft.com/office/drawing/2014/main" xmlns="" id="{A020CC41-9901-5A10-06D8-1F19650A3A6A}"/>
+                <a16:creationId xmlns="" xmlns:a16="http://schemas.microsoft.com/office/drawing/2014/main" id="{A020CC41-9901-5A10-06D8-1F19650A3A6A}"/>
               </a:ext>
             </a:extLst>
           </p:cNvPr>
@@ -10829,7 +10829,7 @@
           <p:cNvPr id="19" name="Google Shape;73;p14">
             <a:extLst>
               <a:ext uri="{FF2B5EF4-FFF2-40B4-BE49-F238E27FC236}">
-                <a16:creationId xmlns:a16="http://schemas.microsoft.com/office/drawing/2014/main" xmlns="" id="{3442D827-BE6F-DFBF-3B15-223B2753D9E9}"/>
+                <a16:creationId xmlns="" xmlns:a16="http://schemas.microsoft.com/office/drawing/2014/main" id="{3442D827-BE6F-DFBF-3B15-223B2753D9E9}"/>
               </a:ext>
             </a:extLst>
           </p:cNvPr>
@@ -10863,7 +10863,7 @@
           <p:cNvPr id="4" name="文本框 3">
             <a:extLst>
               <a:ext uri="{FF2B5EF4-FFF2-40B4-BE49-F238E27FC236}">
-                <a16:creationId xmlns:a16="http://schemas.microsoft.com/office/drawing/2014/main" xmlns="" id="{3E8E8225-E7B4-E598-7AEB-66BC2EF7864E}"/>
+                <a16:creationId xmlns="" xmlns:a16="http://schemas.microsoft.com/office/drawing/2014/main" id="{3E8E8225-E7B4-E598-7AEB-66BC2EF7864E}"/>
               </a:ext>
             </a:extLst>
           </p:cNvPr>
@@ -10913,7 +10913,7 @@
           <p:cNvPr id="22" name="椭圆 21">
             <a:extLst>
               <a:ext uri="{FF2B5EF4-FFF2-40B4-BE49-F238E27FC236}">
-                <a16:creationId xmlns:a16="http://schemas.microsoft.com/office/drawing/2014/main" xmlns="" id="{4E75EC5F-C5EA-EA42-7F36-03E60DC340EA}"/>
+                <a16:creationId xmlns="" xmlns:a16="http://schemas.microsoft.com/office/drawing/2014/main" id="{4E75EC5F-C5EA-EA42-7F36-03E60DC340EA}"/>
               </a:ext>
             </a:extLst>
           </p:cNvPr>
@@ -10969,7 +10969,7 @@
           <p:cNvPr id="23" name="椭圆 22">
             <a:extLst>
               <a:ext uri="{FF2B5EF4-FFF2-40B4-BE49-F238E27FC236}">
-                <a16:creationId xmlns:a16="http://schemas.microsoft.com/office/drawing/2014/main" xmlns="" id="{BA952E59-C089-7749-A0B7-A5088390FAB8}"/>
+                <a16:creationId xmlns="" xmlns:a16="http://schemas.microsoft.com/office/drawing/2014/main" id="{BA952E59-C089-7749-A0B7-A5088390FAB8}"/>
               </a:ext>
             </a:extLst>
           </p:cNvPr>
@@ -11025,7 +11025,7 @@
           <p:cNvPr id="24" name="椭圆 23">
             <a:extLst>
               <a:ext uri="{FF2B5EF4-FFF2-40B4-BE49-F238E27FC236}">
-                <a16:creationId xmlns:a16="http://schemas.microsoft.com/office/drawing/2014/main" xmlns="" id="{A4A4D5D7-187E-AE99-3C62-2864073C8838}"/>
+                <a16:creationId xmlns="" xmlns:a16="http://schemas.microsoft.com/office/drawing/2014/main" id="{A4A4D5D7-187E-AE99-3C62-2864073C8838}"/>
               </a:ext>
             </a:extLst>
           </p:cNvPr>
@@ -11085,7 +11085,7 @@
           <p:cNvPr id="25" name="椭圆 24">
             <a:extLst>
               <a:ext uri="{FF2B5EF4-FFF2-40B4-BE49-F238E27FC236}">
-                <a16:creationId xmlns:a16="http://schemas.microsoft.com/office/drawing/2014/main" xmlns="" id="{10CF8DA3-C49C-2BED-92B6-1728851E6352}"/>
+                <a16:creationId xmlns="" xmlns:a16="http://schemas.microsoft.com/office/drawing/2014/main" id="{10CF8DA3-C49C-2BED-92B6-1728851E6352}"/>
               </a:ext>
             </a:extLst>
           </p:cNvPr>
@@ -11145,7 +11145,7 @@
           <p:cNvPr id="3" name="矩形 2">
             <a:extLst>
               <a:ext uri="{FF2B5EF4-FFF2-40B4-BE49-F238E27FC236}">
-                <a16:creationId xmlns:a16="http://schemas.microsoft.com/office/drawing/2014/main" xmlns="" id="{E58FCDA4-B35B-B0FC-BF81-317243318E0C}"/>
+                <a16:creationId xmlns="" xmlns:a16="http://schemas.microsoft.com/office/drawing/2014/main" id="{E58FCDA4-B35B-B0FC-BF81-317243318E0C}"/>
               </a:ext>
             </a:extLst>
           </p:cNvPr>
@@ -11196,7 +11196,7 @@
           <p:cNvPr id="14" name="文本框 13">
             <a:extLst>
               <a:ext uri="{FF2B5EF4-FFF2-40B4-BE49-F238E27FC236}">
-                <a16:creationId xmlns:a16="http://schemas.microsoft.com/office/drawing/2014/main" xmlns="" id="{86C23270-8523-9E1F-9089-1BAE5BB2BA1E}"/>
+                <a16:creationId xmlns="" xmlns:a16="http://schemas.microsoft.com/office/drawing/2014/main" id="{86C23270-8523-9E1F-9089-1BAE5BB2BA1E}"/>
               </a:ext>
             </a:extLst>
           </p:cNvPr>
@@ -11235,7 +11235,7 @@
           <p:cNvPr id="28" name="Google Shape;95;p14">
             <a:extLst>
               <a:ext uri="{FF2B5EF4-FFF2-40B4-BE49-F238E27FC236}">
-                <a16:creationId xmlns:a16="http://schemas.microsoft.com/office/drawing/2014/main" xmlns="" id="{EEDC2338-19B0-9AEF-E3AB-A6669DB1AB3C}"/>
+                <a16:creationId xmlns="" xmlns:a16="http://schemas.microsoft.com/office/drawing/2014/main" id="{EEDC2338-19B0-9AEF-E3AB-A6669DB1AB3C}"/>
               </a:ext>
             </a:extLst>
           </p:cNvPr>
@@ -11280,7 +11280,7 @@
           <p:cNvPr id="30" name="Google Shape;95;p14">
             <a:extLst>
               <a:ext uri="{FF2B5EF4-FFF2-40B4-BE49-F238E27FC236}">
-                <a16:creationId xmlns:a16="http://schemas.microsoft.com/office/drawing/2014/main" xmlns="" id="{ED46A2FC-07A8-D7CB-1BD8-0E661350E51A}"/>
+                <a16:creationId xmlns="" xmlns:a16="http://schemas.microsoft.com/office/drawing/2014/main" id="{ED46A2FC-07A8-D7CB-1BD8-0E661350E51A}"/>
               </a:ext>
             </a:extLst>
           </p:cNvPr>
@@ -11325,7 +11325,7 @@
           <p:cNvPr id="40" name="Google Shape;95;p14">
             <a:extLst>
               <a:ext uri="{FF2B5EF4-FFF2-40B4-BE49-F238E27FC236}">
-                <a16:creationId xmlns:a16="http://schemas.microsoft.com/office/drawing/2014/main" xmlns="" id="{5C0D3D95-6875-4112-D7AD-10A524259CD9}"/>
+                <a16:creationId xmlns="" xmlns:a16="http://schemas.microsoft.com/office/drawing/2014/main" id="{5C0D3D95-6875-4112-D7AD-10A524259CD9}"/>
               </a:ext>
             </a:extLst>
           </p:cNvPr>
@@ -11370,7 +11370,7 @@
           <p:cNvPr id="36" name="Google Shape;95;p14">
             <a:extLst>
               <a:ext uri="{FF2B5EF4-FFF2-40B4-BE49-F238E27FC236}">
-                <a16:creationId xmlns:a16="http://schemas.microsoft.com/office/drawing/2014/main" xmlns="" id="{9E119CFD-5E2B-65ED-E815-3244ADC9A772}"/>
+                <a16:creationId xmlns="" xmlns:a16="http://schemas.microsoft.com/office/drawing/2014/main" id="{9E119CFD-5E2B-65ED-E815-3244ADC9A772}"/>
               </a:ext>
             </a:extLst>
           </p:cNvPr>
@@ -11415,7 +11415,7 @@
           <p:cNvPr id="41" name="Google Shape;95;p14">
             <a:extLst>
               <a:ext uri="{FF2B5EF4-FFF2-40B4-BE49-F238E27FC236}">
-                <a16:creationId xmlns:a16="http://schemas.microsoft.com/office/drawing/2014/main" xmlns="" id="{2EE8C164-4A50-6B68-5212-66A52AD354FF}"/>
+                <a16:creationId xmlns="" xmlns:a16="http://schemas.microsoft.com/office/drawing/2014/main" id="{2EE8C164-4A50-6B68-5212-66A52AD354FF}"/>
               </a:ext>
             </a:extLst>
           </p:cNvPr>
@@ -11460,7 +11460,7 @@
           <p:cNvPr id="42" name="文本框 41">
             <a:extLst>
               <a:ext uri="{FF2B5EF4-FFF2-40B4-BE49-F238E27FC236}">
-                <a16:creationId xmlns:a16="http://schemas.microsoft.com/office/drawing/2014/main" xmlns="" id="{30BA300D-7904-1EA9-E1AF-5BB52B9C2B3C}"/>
+                <a16:creationId xmlns="" xmlns:a16="http://schemas.microsoft.com/office/drawing/2014/main" id="{30BA300D-7904-1EA9-E1AF-5BB52B9C2B3C}"/>
               </a:ext>
             </a:extLst>
           </p:cNvPr>
@@ -11504,7 +11504,7 @@
           <p:cNvPr id="43" name="Google Shape;74;p14">
             <a:extLst>
               <a:ext uri="{FF2B5EF4-FFF2-40B4-BE49-F238E27FC236}">
-                <a16:creationId xmlns:a16="http://schemas.microsoft.com/office/drawing/2014/main" xmlns="" id="{E48899FC-526F-8B64-1631-CF40D6C5BAEC}"/>
+                <a16:creationId xmlns="" xmlns:a16="http://schemas.microsoft.com/office/drawing/2014/main" id="{E48899FC-526F-8B64-1631-CF40D6C5BAEC}"/>
               </a:ext>
             </a:extLst>
           </p:cNvPr>
@@ -11538,7 +11538,7 @@
           <p:cNvPr id="44" name="Google Shape;75;p14">
             <a:extLst>
               <a:ext uri="{FF2B5EF4-FFF2-40B4-BE49-F238E27FC236}">
-                <a16:creationId xmlns:a16="http://schemas.microsoft.com/office/drawing/2014/main" xmlns="" id="{088679CF-39C5-ECE6-59D7-27F53A9AB563}"/>
+                <a16:creationId xmlns="" xmlns:a16="http://schemas.microsoft.com/office/drawing/2014/main" id="{088679CF-39C5-ECE6-59D7-27F53A9AB563}"/>
               </a:ext>
             </a:extLst>
           </p:cNvPr>
@@ -11572,7 +11572,7 @@
           <p:cNvPr id="45" name="Google Shape;76;p14">
             <a:extLst>
               <a:ext uri="{FF2B5EF4-FFF2-40B4-BE49-F238E27FC236}">
-                <a16:creationId xmlns:a16="http://schemas.microsoft.com/office/drawing/2014/main" xmlns="" id="{AE138E72-5785-8C58-5E75-AFE4DE780F49}"/>
+                <a16:creationId xmlns="" xmlns:a16="http://schemas.microsoft.com/office/drawing/2014/main" id="{AE138E72-5785-8C58-5E75-AFE4DE780F49}"/>
               </a:ext>
             </a:extLst>
           </p:cNvPr>
@@ -11606,7 +11606,7 @@
           <p:cNvPr id="46" name="Google Shape;77;p14">
             <a:extLst>
               <a:ext uri="{FF2B5EF4-FFF2-40B4-BE49-F238E27FC236}">
-                <a16:creationId xmlns:a16="http://schemas.microsoft.com/office/drawing/2014/main" xmlns="" id="{66A469E8-3612-14E6-B23E-7FBEFD2A264F}"/>
+                <a16:creationId xmlns="" xmlns:a16="http://schemas.microsoft.com/office/drawing/2014/main" id="{66A469E8-3612-14E6-B23E-7FBEFD2A264F}"/>
               </a:ext>
             </a:extLst>
           </p:cNvPr>
@@ -11640,7 +11640,7 @@
           <p:cNvPr id="47" name="Google Shape;78;p14">
             <a:extLst>
               <a:ext uri="{FF2B5EF4-FFF2-40B4-BE49-F238E27FC236}">
-                <a16:creationId xmlns:a16="http://schemas.microsoft.com/office/drawing/2014/main" xmlns="" id="{BC96CA4D-3E93-F066-7EF4-6418372B4FCD}"/>
+                <a16:creationId xmlns="" xmlns:a16="http://schemas.microsoft.com/office/drawing/2014/main" id="{BC96CA4D-3E93-F066-7EF4-6418372B4FCD}"/>
               </a:ext>
             </a:extLst>
           </p:cNvPr>
@@ -11674,7 +11674,7 @@
           <p:cNvPr id="48" name="Google Shape;79;p14">
             <a:extLst>
               <a:ext uri="{FF2B5EF4-FFF2-40B4-BE49-F238E27FC236}">
-                <a16:creationId xmlns:a16="http://schemas.microsoft.com/office/drawing/2014/main" xmlns="" id="{ABE0846A-4C61-8491-DA0B-C55034726178}"/>
+                <a16:creationId xmlns="" xmlns:a16="http://schemas.microsoft.com/office/drawing/2014/main" id="{ABE0846A-4C61-8491-DA0B-C55034726178}"/>
               </a:ext>
             </a:extLst>
           </p:cNvPr>
@@ -11708,7 +11708,7 @@
           <p:cNvPr id="49" name="Google Shape;80;p14">
             <a:extLst>
               <a:ext uri="{FF2B5EF4-FFF2-40B4-BE49-F238E27FC236}">
-                <a16:creationId xmlns:a16="http://schemas.microsoft.com/office/drawing/2014/main" xmlns="" id="{B7F3B198-1A53-B78D-FABF-2828A0B7F923}"/>
+                <a16:creationId xmlns="" xmlns:a16="http://schemas.microsoft.com/office/drawing/2014/main" id="{B7F3B198-1A53-B78D-FABF-2828A0B7F923}"/>
               </a:ext>
             </a:extLst>
           </p:cNvPr>
@@ -11742,7 +11742,7 @@
           <p:cNvPr id="50" name="Google Shape;81;p14">
             <a:extLst>
               <a:ext uri="{FF2B5EF4-FFF2-40B4-BE49-F238E27FC236}">
-                <a16:creationId xmlns:a16="http://schemas.microsoft.com/office/drawing/2014/main" xmlns="" id="{4CBC555B-EEC2-5C97-BC99-4D39E31ADF7B}"/>
+                <a16:creationId xmlns="" xmlns:a16="http://schemas.microsoft.com/office/drawing/2014/main" id="{4CBC555B-EEC2-5C97-BC99-4D39E31ADF7B}"/>
               </a:ext>
             </a:extLst>
           </p:cNvPr>
@@ -11776,7 +11776,7 @@
           <p:cNvPr id="51" name="箭头: 五边形 50">
             <a:extLst>
               <a:ext uri="{FF2B5EF4-FFF2-40B4-BE49-F238E27FC236}">
-                <a16:creationId xmlns:a16="http://schemas.microsoft.com/office/drawing/2014/main" xmlns="" id="{A15E417E-5C3E-CBC1-B518-A7B4FB3DFA5F}"/>
+                <a16:creationId xmlns="" xmlns:a16="http://schemas.microsoft.com/office/drawing/2014/main" id="{A15E417E-5C3E-CBC1-B518-A7B4FB3DFA5F}"/>
               </a:ext>
             </a:extLst>
           </p:cNvPr>
@@ -11823,7 +11823,7 @@
           <p:cNvPr id="52" name="箭头: 五边形 51">
             <a:extLst>
               <a:ext uri="{FF2B5EF4-FFF2-40B4-BE49-F238E27FC236}">
-                <a16:creationId xmlns:a16="http://schemas.microsoft.com/office/drawing/2014/main" xmlns="" id="{3F990466-3C46-33F3-0E3C-1AC438764343}"/>
+                <a16:creationId xmlns="" xmlns:a16="http://schemas.microsoft.com/office/drawing/2014/main" id="{3F990466-3C46-33F3-0E3C-1AC438764343}"/>
               </a:ext>
             </a:extLst>
           </p:cNvPr>
@@ -11879,7 +11879,7 @@
           <p:cNvPr id="53" name="箭头: 五边形 52">
             <a:extLst>
               <a:ext uri="{FF2B5EF4-FFF2-40B4-BE49-F238E27FC236}">
-                <a16:creationId xmlns:a16="http://schemas.microsoft.com/office/drawing/2014/main" xmlns="" id="{82E481AF-A1FF-14F6-55A8-EF2C5038F04E}"/>
+                <a16:creationId xmlns="" xmlns:a16="http://schemas.microsoft.com/office/drawing/2014/main" id="{82E481AF-A1FF-14F6-55A8-EF2C5038F04E}"/>
               </a:ext>
             </a:extLst>
           </p:cNvPr>
@@ -11935,7 +11935,7 @@
           <p:cNvPr id="54" name="箭头: 五边形 53">
             <a:extLst>
               <a:ext uri="{FF2B5EF4-FFF2-40B4-BE49-F238E27FC236}">
-                <a16:creationId xmlns:a16="http://schemas.microsoft.com/office/drawing/2014/main" xmlns="" id="{0AB3C1ED-A3EF-0632-1FB9-9F2D89CE6389}"/>
+                <a16:creationId xmlns="" xmlns:a16="http://schemas.microsoft.com/office/drawing/2014/main" id="{0AB3C1ED-A3EF-0632-1FB9-9F2D89CE6389}"/>
               </a:ext>
             </a:extLst>
           </p:cNvPr>
@@ -11991,7 +11991,7 @@
           <p:cNvPr id="55" name="箭头: 五边形 54">
             <a:extLst>
               <a:ext uri="{FF2B5EF4-FFF2-40B4-BE49-F238E27FC236}">
-                <a16:creationId xmlns:a16="http://schemas.microsoft.com/office/drawing/2014/main" xmlns="" id="{97931E3B-652F-32D7-F2C2-5EDAC4D5B299}"/>
+                <a16:creationId xmlns="" xmlns:a16="http://schemas.microsoft.com/office/drawing/2014/main" id="{97931E3B-652F-32D7-F2C2-5EDAC4D5B299}"/>
               </a:ext>
             </a:extLst>
           </p:cNvPr>
@@ -12047,7 +12047,7 @@
           <p:cNvPr id="56" name="箭头: 五边形 55">
             <a:extLst>
               <a:ext uri="{FF2B5EF4-FFF2-40B4-BE49-F238E27FC236}">
-                <a16:creationId xmlns:a16="http://schemas.microsoft.com/office/drawing/2014/main" xmlns="" id="{BD53DE19-CAE1-79A8-2FA1-61C6E6E67D40}"/>
+                <a16:creationId xmlns="" xmlns:a16="http://schemas.microsoft.com/office/drawing/2014/main" id="{BD53DE19-CAE1-79A8-2FA1-61C6E6E67D40}"/>
               </a:ext>
             </a:extLst>
           </p:cNvPr>
@@ -12094,7 +12094,7 @@
           <p:cNvPr id="57" name="箭头: 五边形 56">
             <a:extLst>
               <a:ext uri="{FF2B5EF4-FFF2-40B4-BE49-F238E27FC236}">
-                <a16:creationId xmlns:a16="http://schemas.microsoft.com/office/drawing/2014/main" xmlns="" id="{54A7E9A7-A08E-D7A0-C9DD-95DEF8009AAF}"/>
+                <a16:creationId xmlns="" xmlns:a16="http://schemas.microsoft.com/office/drawing/2014/main" id="{54A7E9A7-A08E-D7A0-C9DD-95DEF8009AAF}"/>
               </a:ext>
             </a:extLst>
           </p:cNvPr>
@@ -12141,7 +12141,7 @@
           <p:cNvPr id="58" name="箭头: 五边形 57">
             <a:extLst>
               <a:ext uri="{FF2B5EF4-FFF2-40B4-BE49-F238E27FC236}">
-                <a16:creationId xmlns:a16="http://schemas.microsoft.com/office/drawing/2014/main" xmlns="" id="{17D488BC-2AD8-AA46-3898-7D1625A12033}"/>
+                <a16:creationId xmlns="" xmlns:a16="http://schemas.microsoft.com/office/drawing/2014/main" id="{17D488BC-2AD8-AA46-3898-7D1625A12033}"/>
               </a:ext>
             </a:extLst>
           </p:cNvPr>
@@ -12218,7 +12218,7 @@
           <p:cNvPr id="2" name="标题 1">
             <a:extLst>
               <a:ext uri="{FF2B5EF4-FFF2-40B4-BE49-F238E27FC236}">
-                <a16:creationId xmlns:a16="http://schemas.microsoft.com/office/drawing/2014/main" xmlns="" id="{80796E82-7314-2FBE-2DE8-DDD70D4DF27E}"/>
+                <a16:creationId xmlns="" xmlns:a16="http://schemas.microsoft.com/office/drawing/2014/main" id="{80796E82-7314-2FBE-2DE8-DDD70D4DF27E}"/>
               </a:ext>
             </a:extLst>
           </p:cNvPr>
@@ -12267,7 +12267,7 @@
           <p:cNvPr id="5" name="椭圆 4">
             <a:extLst>
               <a:ext uri="{FF2B5EF4-FFF2-40B4-BE49-F238E27FC236}">
-                <a16:creationId xmlns:a16="http://schemas.microsoft.com/office/drawing/2014/main" xmlns="" id="{A020CC41-9901-5A10-06D8-1F19650A3A6A}"/>
+                <a16:creationId xmlns="" xmlns:a16="http://schemas.microsoft.com/office/drawing/2014/main" id="{A020CC41-9901-5A10-06D8-1F19650A3A6A}"/>
               </a:ext>
             </a:extLst>
           </p:cNvPr>
@@ -12319,7 +12319,7 @@
           <p:cNvPr id="19" name="Google Shape;73;p14">
             <a:extLst>
               <a:ext uri="{FF2B5EF4-FFF2-40B4-BE49-F238E27FC236}">
-                <a16:creationId xmlns:a16="http://schemas.microsoft.com/office/drawing/2014/main" xmlns="" id="{3442D827-BE6F-DFBF-3B15-223B2753D9E9}"/>
+                <a16:creationId xmlns="" xmlns:a16="http://schemas.microsoft.com/office/drawing/2014/main" id="{3442D827-BE6F-DFBF-3B15-223B2753D9E9}"/>
               </a:ext>
             </a:extLst>
           </p:cNvPr>
@@ -12353,7 +12353,7 @@
           <p:cNvPr id="6" name="Google Shape;74;p14">
             <a:extLst>
               <a:ext uri="{FF2B5EF4-FFF2-40B4-BE49-F238E27FC236}">
-                <a16:creationId xmlns:a16="http://schemas.microsoft.com/office/drawing/2014/main" xmlns="" id="{8ABB2948-CF7D-7BD6-14B8-367574244CB2}"/>
+                <a16:creationId xmlns="" xmlns:a16="http://schemas.microsoft.com/office/drawing/2014/main" id="{8ABB2948-CF7D-7BD6-14B8-367574244CB2}"/>
               </a:ext>
             </a:extLst>
           </p:cNvPr>
@@ -12387,7 +12387,7 @@
           <p:cNvPr id="8" name="Google Shape;76;p14">
             <a:extLst>
               <a:ext uri="{FF2B5EF4-FFF2-40B4-BE49-F238E27FC236}">
-                <a16:creationId xmlns:a16="http://schemas.microsoft.com/office/drawing/2014/main" xmlns="" id="{A0604560-830C-4AC9-3717-031AA48B5D45}"/>
+                <a16:creationId xmlns="" xmlns:a16="http://schemas.microsoft.com/office/drawing/2014/main" id="{A0604560-830C-4AC9-3717-031AA48B5D45}"/>
               </a:ext>
             </a:extLst>
           </p:cNvPr>
@@ -12421,7 +12421,7 @@
           <p:cNvPr id="11" name="Google Shape;79;p14">
             <a:extLst>
               <a:ext uri="{FF2B5EF4-FFF2-40B4-BE49-F238E27FC236}">
-                <a16:creationId xmlns:a16="http://schemas.microsoft.com/office/drawing/2014/main" xmlns="" id="{0DAE55E6-D474-C395-BC84-8ACA3CE820A0}"/>
+                <a16:creationId xmlns="" xmlns:a16="http://schemas.microsoft.com/office/drawing/2014/main" id="{0DAE55E6-D474-C395-BC84-8ACA3CE820A0}"/>
               </a:ext>
             </a:extLst>
           </p:cNvPr>
@@ -12455,7 +12455,7 @@
           <p:cNvPr id="12" name="Google Shape;80;p14">
             <a:extLst>
               <a:ext uri="{FF2B5EF4-FFF2-40B4-BE49-F238E27FC236}">
-                <a16:creationId xmlns:a16="http://schemas.microsoft.com/office/drawing/2014/main" xmlns="" id="{3A5AAC50-9F06-A76F-B20B-35CF3612E825}"/>
+                <a16:creationId xmlns="" xmlns:a16="http://schemas.microsoft.com/office/drawing/2014/main" id="{3A5AAC50-9F06-A76F-B20B-35CF3612E825}"/>
               </a:ext>
             </a:extLst>
           </p:cNvPr>
@@ -12489,7 +12489,7 @@
           <p:cNvPr id="4" name="文本框 3">
             <a:extLst>
               <a:ext uri="{FF2B5EF4-FFF2-40B4-BE49-F238E27FC236}">
-                <a16:creationId xmlns:a16="http://schemas.microsoft.com/office/drawing/2014/main" xmlns="" id="{3E8E8225-E7B4-E598-7AEB-66BC2EF7864E}"/>
+                <a16:creationId xmlns="" xmlns:a16="http://schemas.microsoft.com/office/drawing/2014/main" id="{3E8E8225-E7B4-E598-7AEB-66BC2EF7864E}"/>
               </a:ext>
             </a:extLst>
           </p:cNvPr>
@@ -12529,7 +12529,7 @@
           <p:cNvPr id="31" name="箭头: 五边形 30">
             <a:extLst>
               <a:ext uri="{FF2B5EF4-FFF2-40B4-BE49-F238E27FC236}">
-                <a16:creationId xmlns:a16="http://schemas.microsoft.com/office/drawing/2014/main" xmlns="" id="{4B9E0D9B-D17E-69E7-1F9A-99DE7710B7A1}"/>
+                <a16:creationId xmlns="" xmlns:a16="http://schemas.microsoft.com/office/drawing/2014/main" id="{4B9E0D9B-D17E-69E7-1F9A-99DE7710B7A1}"/>
               </a:ext>
             </a:extLst>
           </p:cNvPr>
@@ -12576,7 +12576,7 @@
           <p:cNvPr id="33" name="箭头: 五边形 32">
             <a:extLst>
               <a:ext uri="{FF2B5EF4-FFF2-40B4-BE49-F238E27FC236}">
-                <a16:creationId xmlns:a16="http://schemas.microsoft.com/office/drawing/2014/main" xmlns="" id="{C768AE66-F650-1A37-7440-B571549FE915}"/>
+                <a16:creationId xmlns="" xmlns:a16="http://schemas.microsoft.com/office/drawing/2014/main" id="{C768AE66-F650-1A37-7440-B571549FE915}"/>
               </a:ext>
             </a:extLst>
           </p:cNvPr>
@@ -12632,7 +12632,7 @@
           <p:cNvPr id="35" name="箭头: 五边形 34">
             <a:extLst>
               <a:ext uri="{FF2B5EF4-FFF2-40B4-BE49-F238E27FC236}">
-                <a16:creationId xmlns:a16="http://schemas.microsoft.com/office/drawing/2014/main" xmlns="" id="{FC836AD9-A293-8E3F-664B-E692D69616E5}"/>
+                <a16:creationId xmlns="" xmlns:a16="http://schemas.microsoft.com/office/drawing/2014/main" id="{FC836AD9-A293-8E3F-664B-E692D69616E5}"/>
               </a:ext>
             </a:extLst>
           </p:cNvPr>
@@ -12688,7 +12688,7 @@
           <p:cNvPr id="37" name="箭头: 五边形 36">
             <a:extLst>
               <a:ext uri="{FF2B5EF4-FFF2-40B4-BE49-F238E27FC236}">
-                <a16:creationId xmlns:a16="http://schemas.microsoft.com/office/drawing/2014/main" xmlns="" id="{05ECD475-37EE-63E8-E9E5-EF81A4619214}"/>
+                <a16:creationId xmlns="" xmlns:a16="http://schemas.microsoft.com/office/drawing/2014/main" id="{05ECD475-37EE-63E8-E9E5-EF81A4619214}"/>
               </a:ext>
             </a:extLst>
           </p:cNvPr>
@@ -12735,7 +12735,7 @@
           <p:cNvPr id="30" name="Google Shape;75;p14">
             <a:extLst>
               <a:ext uri="{FF2B5EF4-FFF2-40B4-BE49-F238E27FC236}">
-                <a16:creationId xmlns:a16="http://schemas.microsoft.com/office/drawing/2014/main" xmlns="" id="{E8CD191A-BC20-B4B9-0F77-A770F7BFAC28}"/>
+                <a16:creationId xmlns="" xmlns:a16="http://schemas.microsoft.com/office/drawing/2014/main" id="{E8CD191A-BC20-B4B9-0F77-A770F7BFAC28}"/>
               </a:ext>
             </a:extLst>
           </p:cNvPr>
@@ -12769,7 +12769,7 @@
           <p:cNvPr id="36" name="Google Shape;77;p14">
             <a:extLst>
               <a:ext uri="{FF2B5EF4-FFF2-40B4-BE49-F238E27FC236}">
-                <a16:creationId xmlns:a16="http://schemas.microsoft.com/office/drawing/2014/main" xmlns="" id="{D2A03513-860E-AEB3-C60B-B28086582A81}"/>
+                <a16:creationId xmlns="" xmlns:a16="http://schemas.microsoft.com/office/drawing/2014/main" id="{D2A03513-860E-AEB3-C60B-B28086582A81}"/>
               </a:ext>
             </a:extLst>
           </p:cNvPr>
@@ -12803,7 +12803,7 @@
           <p:cNvPr id="40" name="Google Shape;78;p14">
             <a:extLst>
               <a:ext uri="{FF2B5EF4-FFF2-40B4-BE49-F238E27FC236}">
-                <a16:creationId xmlns:a16="http://schemas.microsoft.com/office/drawing/2014/main" xmlns="" id="{4192ED35-AB80-8468-99E1-C9A9BDA8A7D3}"/>
+                <a16:creationId xmlns="" xmlns:a16="http://schemas.microsoft.com/office/drawing/2014/main" id="{4192ED35-AB80-8468-99E1-C9A9BDA8A7D3}"/>
               </a:ext>
             </a:extLst>
           </p:cNvPr>
@@ -12837,7 +12837,7 @@
           <p:cNvPr id="41" name="Google Shape;81;p14">
             <a:extLst>
               <a:ext uri="{FF2B5EF4-FFF2-40B4-BE49-F238E27FC236}">
-                <a16:creationId xmlns:a16="http://schemas.microsoft.com/office/drawing/2014/main" xmlns="" id="{C0FC87F9-1543-0D73-36B0-9CD905C3E530}"/>
+                <a16:creationId xmlns="" xmlns:a16="http://schemas.microsoft.com/office/drawing/2014/main" id="{C0FC87F9-1543-0D73-36B0-9CD905C3E530}"/>
               </a:ext>
             </a:extLst>
           </p:cNvPr>
@@ -12871,7 +12871,7 @@
           <p:cNvPr id="42" name="箭头: 五边形 41">
             <a:extLst>
               <a:ext uri="{FF2B5EF4-FFF2-40B4-BE49-F238E27FC236}">
-                <a16:creationId xmlns:a16="http://schemas.microsoft.com/office/drawing/2014/main" xmlns="" id="{7EBEF984-F98B-ADD1-3CDC-6AB1174A8D83}"/>
+                <a16:creationId xmlns="" xmlns:a16="http://schemas.microsoft.com/office/drawing/2014/main" id="{7EBEF984-F98B-ADD1-3CDC-6AB1174A8D83}"/>
               </a:ext>
             </a:extLst>
           </p:cNvPr>
@@ -12927,7 +12927,7 @@
           <p:cNvPr id="43" name="箭头: 五边形 42">
             <a:extLst>
               <a:ext uri="{FF2B5EF4-FFF2-40B4-BE49-F238E27FC236}">
-                <a16:creationId xmlns:a16="http://schemas.microsoft.com/office/drawing/2014/main" xmlns="" id="{35BD309B-9ECD-3FBE-FBC4-1E1A07BE57C7}"/>
+                <a16:creationId xmlns="" xmlns:a16="http://schemas.microsoft.com/office/drawing/2014/main" id="{35BD309B-9ECD-3FBE-FBC4-1E1A07BE57C7}"/>
               </a:ext>
             </a:extLst>
           </p:cNvPr>
@@ -12983,7 +12983,7 @@
           <p:cNvPr id="44" name="箭头: 五边形 43">
             <a:extLst>
               <a:ext uri="{FF2B5EF4-FFF2-40B4-BE49-F238E27FC236}">
-                <a16:creationId xmlns:a16="http://schemas.microsoft.com/office/drawing/2014/main" xmlns="" id="{15FD29AB-A713-CB93-D601-DC1B84060FE1}"/>
+                <a16:creationId xmlns="" xmlns:a16="http://schemas.microsoft.com/office/drawing/2014/main" id="{15FD29AB-A713-CB93-D601-DC1B84060FE1}"/>
               </a:ext>
             </a:extLst>
           </p:cNvPr>
@@ -13030,7 +13030,7 @@
           <p:cNvPr id="45" name="箭头: 五边形 44">
             <a:extLst>
               <a:ext uri="{FF2B5EF4-FFF2-40B4-BE49-F238E27FC236}">
-                <a16:creationId xmlns:a16="http://schemas.microsoft.com/office/drawing/2014/main" xmlns="" id="{985479B4-7D41-B26B-85E4-9E2F0030D890}"/>
+                <a16:creationId xmlns="" xmlns:a16="http://schemas.microsoft.com/office/drawing/2014/main" id="{985479B4-7D41-B26B-85E4-9E2F0030D890}"/>
               </a:ext>
             </a:extLst>
           </p:cNvPr>
@@ -14204,7 +14204,7 @@
           <p:cNvPr id="41" name="椭圆 40">
             <a:extLst>
               <a:ext uri="{FF2B5EF4-FFF2-40B4-BE49-F238E27FC236}">
-                <a16:creationId xmlns:a16="http://schemas.microsoft.com/office/drawing/2014/main" xmlns="" id="{94C17F89-4022-3282-1B5A-F455F1578F55}"/>
+                <a16:creationId xmlns="" xmlns:a16="http://schemas.microsoft.com/office/drawing/2014/main" id="{94C17F89-4022-3282-1B5A-F455F1578F55}"/>
               </a:ext>
             </a:extLst>
           </p:cNvPr>
@@ -14256,7 +14256,7 @@
           <p:cNvPr id="42" name="Google Shape;85;p14">
             <a:extLst>
               <a:ext uri="{FF2B5EF4-FFF2-40B4-BE49-F238E27FC236}">
-                <a16:creationId xmlns:a16="http://schemas.microsoft.com/office/drawing/2014/main" xmlns="" id="{09D17530-BFD0-53F3-E337-2F4C46CDEEBD}"/>
+                <a16:creationId xmlns="" xmlns:a16="http://schemas.microsoft.com/office/drawing/2014/main" id="{09D17530-BFD0-53F3-E337-2F4C46CDEEBD}"/>
               </a:ext>
             </a:extLst>
           </p:cNvPr>
@@ -14322,7 +14322,7 @@
           <p:cNvPr id="2" name="标题 1">
             <a:extLst>
               <a:ext uri="{FF2B5EF4-FFF2-40B4-BE49-F238E27FC236}">
-                <a16:creationId xmlns:a16="http://schemas.microsoft.com/office/drawing/2014/main" xmlns="" id="{80796E82-7314-2FBE-2DE8-DDD70D4DF27E}"/>
+                <a16:creationId xmlns="" xmlns:a16="http://schemas.microsoft.com/office/drawing/2014/main" id="{80796E82-7314-2FBE-2DE8-DDD70D4DF27E}"/>
               </a:ext>
             </a:extLst>
           </p:cNvPr>
@@ -14371,7 +14371,7 @@
           <p:cNvPr id="5" name="椭圆 4">
             <a:extLst>
               <a:ext uri="{FF2B5EF4-FFF2-40B4-BE49-F238E27FC236}">
-                <a16:creationId xmlns:a16="http://schemas.microsoft.com/office/drawing/2014/main" xmlns="" id="{A020CC41-9901-5A10-06D8-1F19650A3A6A}"/>
+                <a16:creationId xmlns="" xmlns:a16="http://schemas.microsoft.com/office/drawing/2014/main" id="{A020CC41-9901-5A10-06D8-1F19650A3A6A}"/>
               </a:ext>
             </a:extLst>
           </p:cNvPr>
@@ -14423,7 +14423,7 @@
           <p:cNvPr id="19" name="Google Shape;73;p14">
             <a:extLst>
               <a:ext uri="{FF2B5EF4-FFF2-40B4-BE49-F238E27FC236}">
-                <a16:creationId xmlns:a16="http://schemas.microsoft.com/office/drawing/2014/main" xmlns="" id="{3442D827-BE6F-DFBF-3B15-223B2753D9E9}"/>
+                <a16:creationId xmlns="" xmlns:a16="http://schemas.microsoft.com/office/drawing/2014/main" id="{3442D827-BE6F-DFBF-3B15-223B2753D9E9}"/>
               </a:ext>
             </a:extLst>
           </p:cNvPr>
@@ -14457,7 +14457,7 @@
           <p:cNvPr id="4" name="文本框 3">
             <a:extLst>
               <a:ext uri="{FF2B5EF4-FFF2-40B4-BE49-F238E27FC236}">
-                <a16:creationId xmlns:a16="http://schemas.microsoft.com/office/drawing/2014/main" xmlns="" id="{3E8E8225-E7B4-E598-7AEB-66BC2EF7864E}"/>
+                <a16:creationId xmlns="" xmlns:a16="http://schemas.microsoft.com/office/drawing/2014/main" id="{3E8E8225-E7B4-E598-7AEB-66BC2EF7864E}"/>
               </a:ext>
             </a:extLst>
           </p:cNvPr>
@@ -14497,7 +14497,7 @@
           <p:cNvPr id="32" name="椭圆 31">
             <a:extLst>
               <a:ext uri="{FF2B5EF4-FFF2-40B4-BE49-F238E27FC236}">
-                <a16:creationId xmlns:a16="http://schemas.microsoft.com/office/drawing/2014/main" xmlns="" id="{7C1E3AD7-2822-E440-E62A-F1A4C70A8067}"/>
+                <a16:creationId xmlns="" xmlns:a16="http://schemas.microsoft.com/office/drawing/2014/main" id="{7C1E3AD7-2822-E440-E62A-F1A4C70A8067}"/>
               </a:ext>
             </a:extLst>
           </p:cNvPr>
@@ -14553,7 +14553,7 @@
           <p:cNvPr id="34" name="椭圆 33">
             <a:extLst>
               <a:ext uri="{FF2B5EF4-FFF2-40B4-BE49-F238E27FC236}">
-                <a16:creationId xmlns:a16="http://schemas.microsoft.com/office/drawing/2014/main" xmlns="" id="{C692896F-F031-2107-F5D8-57735A94BD39}"/>
+                <a16:creationId xmlns="" xmlns:a16="http://schemas.microsoft.com/office/drawing/2014/main" id="{C692896F-F031-2107-F5D8-57735A94BD39}"/>
               </a:ext>
             </a:extLst>
           </p:cNvPr>
@@ -14609,7 +14609,7 @@
           <p:cNvPr id="38" name="椭圆 37">
             <a:extLst>
               <a:ext uri="{FF2B5EF4-FFF2-40B4-BE49-F238E27FC236}">
-                <a16:creationId xmlns:a16="http://schemas.microsoft.com/office/drawing/2014/main" xmlns="" id="{E7E11154-FE44-F1B3-5655-92B62D92F525}"/>
+                <a16:creationId xmlns="" xmlns:a16="http://schemas.microsoft.com/office/drawing/2014/main" id="{E7E11154-FE44-F1B3-5655-92B62D92F525}"/>
               </a:ext>
             </a:extLst>
           </p:cNvPr>
@@ -14669,7 +14669,7 @@
           <p:cNvPr id="39" name="椭圆 38">
             <a:extLst>
               <a:ext uri="{FF2B5EF4-FFF2-40B4-BE49-F238E27FC236}">
-                <a16:creationId xmlns:a16="http://schemas.microsoft.com/office/drawing/2014/main" xmlns="" id="{5A744988-2ECB-D75A-B760-C02F9B2F609B}"/>
+                <a16:creationId xmlns="" xmlns:a16="http://schemas.microsoft.com/office/drawing/2014/main" id="{5A744988-2ECB-D75A-B760-C02F9B2F609B}"/>
               </a:ext>
             </a:extLst>
           </p:cNvPr>
@@ -14729,7 +14729,7 @@
           <p:cNvPr id="6" name="Google Shape;74;p14">
             <a:extLst>
               <a:ext uri="{FF2B5EF4-FFF2-40B4-BE49-F238E27FC236}">
-                <a16:creationId xmlns:a16="http://schemas.microsoft.com/office/drawing/2014/main" xmlns="" id="{8ABB2948-CF7D-7BD6-14B8-367574244CB2}"/>
+                <a16:creationId xmlns="" xmlns:a16="http://schemas.microsoft.com/office/drawing/2014/main" id="{8ABB2948-CF7D-7BD6-14B8-367574244CB2}"/>
               </a:ext>
             </a:extLst>
           </p:cNvPr>
@@ -14763,7 +14763,7 @@
           <p:cNvPr id="8" name="Google Shape;76;p14">
             <a:extLst>
               <a:ext uri="{FF2B5EF4-FFF2-40B4-BE49-F238E27FC236}">
-                <a16:creationId xmlns:a16="http://schemas.microsoft.com/office/drawing/2014/main" xmlns="" id="{A0604560-830C-4AC9-3717-031AA48B5D45}"/>
+                <a16:creationId xmlns="" xmlns:a16="http://schemas.microsoft.com/office/drawing/2014/main" id="{A0604560-830C-4AC9-3717-031AA48B5D45}"/>
               </a:ext>
             </a:extLst>
           </p:cNvPr>
@@ -14797,7 +14797,7 @@
           <p:cNvPr id="11" name="Google Shape;79;p14">
             <a:extLst>
               <a:ext uri="{FF2B5EF4-FFF2-40B4-BE49-F238E27FC236}">
-                <a16:creationId xmlns:a16="http://schemas.microsoft.com/office/drawing/2014/main" xmlns="" id="{0DAE55E6-D474-C395-BC84-8ACA3CE820A0}"/>
+                <a16:creationId xmlns="" xmlns:a16="http://schemas.microsoft.com/office/drawing/2014/main" id="{0DAE55E6-D474-C395-BC84-8ACA3CE820A0}"/>
               </a:ext>
             </a:extLst>
           </p:cNvPr>
@@ -14831,7 +14831,7 @@
           <p:cNvPr id="12" name="Google Shape;80;p14">
             <a:extLst>
               <a:ext uri="{FF2B5EF4-FFF2-40B4-BE49-F238E27FC236}">
-                <a16:creationId xmlns:a16="http://schemas.microsoft.com/office/drawing/2014/main" xmlns="" id="{3A5AAC50-9F06-A76F-B20B-35CF3612E825}"/>
+                <a16:creationId xmlns="" xmlns:a16="http://schemas.microsoft.com/office/drawing/2014/main" id="{3A5AAC50-9F06-A76F-B20B-35CF3612E825}"/>
               </a:ext>
             </a:extLst>
           </p:cNvPr>
@@ -14865,7 +14865,7 @@
           <p:cNvPr id="31" name="箭头: 五边形 30">
             <a:extLst>
               <a:ext uri="{FF2B5EF4-FFF2-40B4-BE49-F238E27FC236}">
-                <a16:creationId xmlns:a16="http://schemas.microsoft.com/office/drawing/2014/main" xmlns="" id="{4B9E0D9B-D17E-69E7-1F9A-99DE7710B7A1}"/>
+                <a16:creationId xmlns="" xmlns:a16="http://schemas.microsoft.com/office/drawing/2014/main" id="{4B9E0D9B-D17E-69E7-1F9A-99DE7710B7A1}"/>
               </a:ext>
             </a:extLst>
           </p:cNvPr>
@@ -14912,7 +14912,7 @@
           <p:cNvPr id="33" name="箭头: 五边形 32">
             <a:extLst>
               <a:ext uri="{FF2B5EF4-FFF2-40B4-BE49-F238E27FC236}">
-                <a16:creationId xmlns:a16="http://schemas.microsoft.com/office/drawing/2014/main" xmlns="" id="{C768AE66-F650-1A37-7440-B571549FE915}"/>
+                <a16:creationId xmlns="" xmlns:a16="http://schemas.microsoft.com/office/drawing/2014/main" id="{C768AE66-F650-1A37-7440-B571549FE915}"/>
               </a:ext>
             </a:extLst>
           </p:cNvPr>
@@ -14968,7 +14968,7 @@
           <p:cNvPr id="35" name="箭头: 五边形 34">
             <a:extLst>
               <a:ext uri="{FF2B5EF4-FFF2-40B4-BE49-F238E27FC236}">
-                <a16:creationId xmlns:a16="http://schemas.microsoft.com/office/drawing/2014/main" xmlns="" id="{FC836AD9-A293-8E3F-664B-E692D69616E5}"/>
+                <a16:creationId xmlns="" xmlns:a16="http://schemas.microsoft.com/office/drawing/2014/main" id="{FC836AD9-A293-8E3F-664B-E692D69616E5}"/>
               </a:ext>
             </a:extLst>
           </p:cNvPr>
@@ -15024,7 +15024,7 @@
           <p:cNvPr id="37" name="箭头: 五边形 36">
             <a:extLst>
               <a:ext uri="{FF2B5EF4-FFF2-40B4-BE49-F238E27FC236}">
-                <a16:creationId xmlns:a16="http://schemas.microsoft.com/office/drawing/2014/main" xmlns="" id="{05ECD475-37EE-63E8-E9E5-EF81A4619214}"/>
+                <a16:creationId xmlns="" xmlns:a16="http://schemas.microsoft.com/office/drawing/2014/main" id="{05ECD475-37EE-63E8-E9E5-EF81A4619214}"/>
               </a:ext>
             </a:extLst>
           </p:cNvPr>
@@ -15071,7 +15071,7 @@
           <p:cNvPr id="30" name="Google Shape;75;p14">
             <a:extLst>
               <a:ext uri="{FF2B5EF4-FFF2-40B4-BE49-F238E27FC236}">
-                <a16:creationId xmlns:a16="http://schemas.microsoft.com/office/drawing/2014/main" xmlns="" id="{E8CD191A-BC20-B4B9-0F77-A770F7BFAC28}"/>
+                <a16:creationId xmlns="" xmlns:a16="http://schemas.microsoft.com/office/drawing/2014/main" id="{E8CD191A-BC20-B4B9-0F77-A770F7BFAC28}"/>
               </a:ext>
             </a:extLst>
           </p:cNvPr>
@@ -15105,7 +15105,7 @@
           <p:cNvPr id="36" name="Google Shape;77;p14">
             <a:extLst>
               <a:ext uri="{FF2B5EF4-FFF2-40B4-BE49-F238E27FC236}">
-                <a16:creationId xmlns:a16="http://schemas.microsoft.com/office/drawing/2014/main" xmlns="" id="{D2A03513-860E-AEB3-C60B-B28086582A81}"/>
+                <a16:creationId xmlns="" xmlns:a16="http://schemas.microsoft.com/office/drawing/2014/main" id="{D2A03513-860E-AEB3-C60B-B28086582A81}"/>
               </a:ext>
             </a:extLst>
           </p:cNvPr>
@@ -15139,7 +15139,7 @@
           <p:cNvPr id="40" name="Google Shape;78;p14">
             <a:extLst>
               <a:ext uri="{FF2B5EF4-FFF2-40B4-BE49-F238E27FC236}">
-                <a16:creationId xmlns:a16="http://schemas.microsoft.com/office/drawing/2014/main" xmlns="" id="{4192ED35-AB80-8468-99E1-C9A9BDA8A7D3}"/>
+                <a16:creationId xmlns="" xmlns:a16="http://schemas.microsoft.com/office/drawing/2014/main" id="{4192ED35-AB80-8468-99E1-C9A9BDA8A7D3}"/>
               </a:ext>
             </a:extLst>
           </p:cNvPr>
@@ -15173,7 +15173,7 @@
           <p:cNvPr id="41" name="Google Shape;81;p14">
             <a:extLst>
               <a:ext uri="{FF2B5EF4-FFF2-40B4-BE49-F238E27FC236}">
-                <a16:creationId xmlns:a16="http://schemas.microsoft.com/office/drawing/2014/main" xmlns="" id="{C0FC87F9-1543-0D73-36B0-9CD905C3E530}"/>
+                <a16:creationId xmlns="" xmlns:a16="http://schemas.microsoft.com/office/drawing/2014/main" id="{C0FC87F9-1543-0D73-36B0-9CD905C3E530}"/>
               </a:ext>
             </a:extLst>
           </p:cNvPr>
@@ -15207,7 +15207,7 @@
           <p:cNvPr id="42" name="箭头: 五边形 41">
             <a:extLst>
               <a:ext uri="{FF2B5EF4-FFF2-40B4-BE49-F238E27FC236}">
-                <a16:creationId xmlns:a16="http://schemas.microsoft.com/office/drawing/2014/main" xmlns="" id="{7EBEF984-F98B-ADD1-3CDC-6AB1174A8D83}"/>
+                <a16:creationId xmlns="" xmlns:a16="http://schemas.microsoft.com/office/drawing/2014/main" id="{7EBEF984-F98B-ADD1-3CDC-6AB1174A8D83}"/>
               </a:ext>
             </a:extLst>
           </p:cNvPr>
@@ -15263,7 +15263,7 @@
           <p:cNvPr id="43" name="箭头: 五边形 42">
             <a:extLst>
               <a:ext uri="{FF2B5EF4-FFF2-40B4-BE49-F238E27FC236}">
-                <a16:creationId xmlns:a16="http://schemas.microsoft.com/office/drawing/2014/main" xmlns="" id="{35BD309B-9ECD-3FBE-FBC4-1E1A07BE57C7}"/>
+                <a16:creationId xmlns="" xmlns:a16="http://schemas.microsoft.com/office/drawing/2014/main" id="{35BD309B-9ECD-3FBE-FBC4-1E1A07BE57C7}"/>
               </a:ext>
             </a:extLst>
           </p:cNvPr>
@@ -15319,7 +15319,7 @@
           <p:cNvPr id="44" name="箭头: 五边形 43">
             <a:extLst>
               <a:ext uri="{FF2B5EF4-FFF2-40B4-BE49-F238E27FC236}">
-                <a16:creationId xmlns:a16="http://schemas.microsoft.com/office/drawing/2014/main" xmlns="" id="{15FD29AB-A713-CB93-D601-DC1B84060FE1}"/>
+                <a16:creationId xmlns="" xmlns:a16="http://schemas.microsoft.com/office/drawing/2014/main" id="{15FD29AB-A713-CB93-D601-DC1B84060FE1}"/>
               </a:ext>
             </a:extLst>
           </p:cNvPr>
@@ -15366,7 +15366,7 @@
           <p:cNvPr id="45" name="箭头: 五边形 44">
             <a:extLst>
               <a:ext uri="{FF2B5EF4-FFF2-40B4-BE49-F238E27FC236}">
-                <a16:creationId xmlns:a16="http://schemas.microsoft.com/office/drawing/2014/main" xmlns="" id="{985479B4-7D41-B26B-85E4-9E2F0030D890}"/>
+                <a16:creationId xmlns="" xmlns:a16="http://schemas.microsoft.com/office/drawing/2014/main" id="{985479B4-7D41-B26B-85E4-9E2F0030D890}"/>
               </a:ext>
             </a:extLst>
           </p:cNvPr>
@@ -15443,7 +15443,7 @@
           <p:cNvPr id="2" name="标题 1">
             <a:extLst>
               <a:ext uri="{FF2B5EF4-FFF2-40B4-BE49-F238E27FC236}">
-                <a16:creationId xmlns:a16="http://schemas.microsoft.com/office/drawing/2014/main" xmlns="" id="{80796E82-7314-2FBE-2DE8-DDD70D4DF27E}"/>
+                <a16:creationId xmlns="" xmlns:a16="http://schemas.microsoft.com/office/drawing/2014/main" id="{80796E82-7314-2FBE-2DE8-DDD70D4DF27E}"/>
               </a:ext>
             </a:extLst>
           </p:cNvPr>
@@ -15492,7 +15492,7 @@
           <p:cNvPr id="4" name="文本框 3">
             <a:extLst>
               <a:ext uri="{FF2B5EF4-FFF2-40B4-BE49-F238E27FC236}">
-                <a16:creationId xmlns:a16="http://schemas.microsoft.com/office/drawing/2014/main" xmlns="" id="{3E8E8225-E7B4-E598-7AEB-66BC2EF7864E}"/>
+                <a16:creationId xmlns="" xmlns:a16="http://schemas.microsoft.com/office/drawing/2014/main" id="{3E8E8225-E7B4-E598-7AEB-66BC2EF7864E}"/>
               </a:ext>
             </a:extLst>
           </p:cNvPr>
@@ -15532,7 +15532,7 @@
           <p:cNvPr id="94" name="椭圆 93">
             <a:extLst>
               <a:ext uri="{FF2B5EF4-FFF2-40B4-BE49-F238E27FC236}">
-                <a16:creationId xmlns:a16="http://schemas.microsoft.com/office/drawing/2014/main" xmlns="" id="{8BEE0963-F39F-E799-5A6C-7DB2D9695EA3}"/>
+                <a16:creationId xmlns="" xmlns:a16="http://schemas.microsoft.com/office/drawing/2014/main" id="{8BEE0963-F39F-E799-5A6C-7DB2D9695EA3}"/>
               </a:ext>
             </a:extLst>
           </p:cNvPr>
@@ -15584,7 +15584,7 @@
           <p:cNvPr id="95" name="Google Shape;73;p14">
             <a:extLst>
               <a:ext uri="{FF2B5EF4-FFF2-40B4-BE49-F238E27FC236}">
-                <a16:creationId xmlns:a16="http://schemas.microsoft.com/office/drawing/2014/main" xmlns="" id="{728B4BED-4470-8B41-5F52-AEAB959AE86A}"/>
+                <a16:creationId xmlns="" xmlns:a16="http://schemas.microsoft.com/office/drawing/2014/main" id="{728B4BED-4470-8B41-5F52-AEAB959AE86A}"/>
               </a:ext>
             </a:extLst>
           </p:cNvPr>
@@ -15618,7 +15618,7 @@
           <p:cNvPr id="96" name="椭圆 95">
             <a:extLst>
               <a:ext uri="{FF2B5EF4-FFF2-40B4-BE49-F238E27FC236}">
-                <a16:creationId xmlns:a16="http://schemas.microsoft.com/office/drawing/2014/main" xmlns="" id="{AF996894-1BC8-7090-4657-FC54AE71EC7F}"/>
+                <a16:creationId xmlns="" xmlns:a16="http://schemas.microsoft.com/office/drawing/2014/main" id="{AF996894-1BC8-7090-4657-FC54AE71EC7F}"/>
               </a:ext>
             </a:extLst>
           </p:cNvPr>
@@ -15674,7 +15674,7 @@
           <p:cNvPr id="97" name="椭圆 96">
             <a:extLst>
               <a:ext uri="{FF2B5EF4-FFF2-40B4-BE49-F238E27FC236}">
-                <a16:creationId xmlns:a16="http://schemas.microsoft.com/office/drawing/2014/main" xmlns="" id="{61254F9E-C540-E155-7BDC-015D0038A8F2}"/>
+                <a16:creationId xmlns="" xmlns:a16="http://schemas.microsoft.com/office/drawing/2014/main" id="{61254F9E-C540-E155-7BDC-015D0038A8F2}"/>
               </a:ext>
             </a:extLst>
           </p:cNvPr>
@@ -15730,7 +15730,7 @@
           <p:cNvPr id="98" name="椭圆 97">
             <a:extLst>
               <a:ext uri="{FF2B5EF4-FFF2-40B4-BE49-F238E27FC236}">
-                <a16:creationId xmlns:a16="http://schemas.microsoft.com/office/drawing/2014/main" xmlns="" id="{67AC39F3-9E15-C508-9F79-5833BA9DCC7E}"/>
+                <a16:creationId xmlns="" xmlns:a16="http://schemas.microsoft.com/office/drawing/2014/main" id="{67AC39F3-9E15-C508-9F79-5833BA9DCC7E}"/>
               </a:ext>
             </a:extLst>
           </p:cNvPr>
@@ -15790,7 +15790,7 @@
           <p:cNvPr id="99" name="椭圆 98">
             <a:extLst>
               <a:ext uri="{FF2B5EF4-FFF2-40B4-BE49-F238E27FC236}">
-                <a16:creationId xmlns:a16="http://schemas.microsoft.com/office/drawing/2014/main" xmlns="" id="{7078CA09-5A9E-D1A8-A854-B30AB88523FD}"/>
+                <a16:creationId xmlns="" xmlns:a16="http://schemas.microsoft.com/office/drawing/2014/main" id="{7078CA09-5A9E-D1A8-A854-B30AB88523FD}"/>
               </a:ext>
             </a:extLst>
           </p:cNvPr>
@@ -15850,7 +15850,7 @@
           <p:cNvPr id="100" name="Google Shape;74;p14">
             <a:extLst>
               <a:ext uri="{FF2B5EF4-FFF2-40B4-BE49-F238E27FC236}">
-                <a16:creationId xmlns:a16="http://schemas.microsoft.com/office/drawing/2014/main" xmlns="" id="{2D6CB586-E89B-F20A-E516-58B36CEB1867}"/>
+                <a16:creationId xmlns="" xmlns:a16="http://schemas.microsoft.com/office/drawing/2014/main" id="{2D6CB586-E89B-F20A-E516-58B36CEB1867}"/>
               </a:ext>
             </a:extLst>
           </p:cNvPr>
@@ -15884,7 +15884,7 @@
           <p:cNvPr id="101" name="Google Shape;76;p14">
             <a:extLst>
               <a:ext uri="{FF2B5EF4-FFF2-40B4-BE49-F238E27FC236}">
-                <a16:creationId xmlns:a16="http://schemas.microsoft.com/office/drawing/2014/main" xmlns="" id="{320E54BE-9086-C596-8E30-5802E54EFB64}"/>
+                <a16:creationId xmlns="" xmlns:a16="http://schemas.microsoft.com/office/drawing/2014/main" id="{320E54BE-9086-C596-8E30-5802E54EFB64}"/>
               </a:ext>
             </a:extLst>
           </p:cNvPr>
@@ -15918,7 +15918,7 @@
           <p:cNvPr id="102" name="Google Shape;79;p14">
             <a:extLst>
               <a:ext uri="{FF2B5EF4-FFF2-40B4-BE49-F238E27FC236}">
-                <a16:creationId xmlns:a16="http://schemas.microsoft.com/office/drawing/2014/main" xmlns="" id="{2CB29429-3A6A-075E-E051-F2605E6CF72B}"/>
+                <a16:creationId xmlns="" xmlns:a16="http://schemas.microsoft.com/office/drawing/2014/main" id="{2CB29429-3A6A-075E-E051-F2605E6CF72B}"/>
               </a:ext>
             </a:extLst>
           </p:cNvPr>
@@ -15952,7 +15952,7 @@
           <p:cNvPr id="103" name="Google Shape;80;p14">
             <a:extLst>
               <a:ext uri="{FF2B5EF4-FFF2-40B4-BE49-F238E27FC236}">
-                <a16:creationId xmlns:a16="http://schemas.microsoft.com/office/drawing/2014/main" xmlns="" id="{87A8869F-6890-93EE-47C2-B6909C99470B}"/>
+                <a16:creationId xmlns="" xmlns:a16="http://schemas.microsoft.com/office/drawing/2014/main" id="{87A8869F-6890-93EE-47C2-B6909C99470B}"/>
               </a:ext>
             </a:extLst>
           </p:cNvPr>
@@ -15986,7 +15986,7 @@
           <p:cNvPr id="104" name="箭头: 五边形 103">
             <a:extLst>
               <a:ext uri="{FF2B5EF4-FFF2-40B4-BE49-F238E27FC236}">
-                <a16:creationId xmlns:a16="http://schemas.microsoft.com/office/drawing/2014/main" xmlns="" id="{FEE47AE7-C9FA-4144-87DD-8E8CA1F603A1}"/>
+                <a16:creationId xmlns="" xmlns:a16="http://schemas.microsoft.com/office/drawing/2014/main" id="{FEE47AE7-C9FA-4144-87DD-8E8CA1F603A1}"/>
               </a:ext>
             </a:extLst>
           </p:cNvPr>
@@ -16033,7 +16033,7 @@
           <p:cNvPr id="105" name="箭头: 五边形 104">
             <a:extLst>
               <a:ext uri="{FF2B5EF4-FFF2-40B4-BE49-F238E27FC236}">
-                <a16:creationId xmlns:a16="http://schemas.microsoft.com/office/drawing/2014/main" xmlns="" id="{125693EC-2137-4901-2D9F-CA02EFB6EC1C}"/>
+                <a16:creationId xmlns="" xmlns:a16="http://schemas.microsoft.com/office/drawing/2014/main" id="{125693EC-2137-4901-2D9F-CA02EFB6EC1C}"/>
               </a:ext>
             </a:extLst>
           </p:cNvPr>
@@ -16089,7 +16089,7 @@
           <p:cNvPr id="106" name="箭头: 五边形 105">
             <a:extLst>
               <a:ext uri="{FF2B5EF4-FFF2-40B4-BE49-F238E27FC236}">
-                <a16:creationId xmlns:a16="http://schemas.microsoft.com/office/drawing/2014/main" xmlns="" id="{0A75FABD-C11D-5BF2-CA28-79F84BEC2D52}"/>
+                <a16:creationId xmlns="" xmlns:a16="http://schemas.microsoft.com/office/drawing/2014/main" id="{0A75FABD-C11D-5BF2-CA28-79F84BEC2D52}"/>
               </a:ext>
             </a:extLst>
           </p:cNvPr>
@@ -16145,7 +16145,7 @@
           <p:cNvPr id="107" name="箭头: 五边形 106">
             <a:extLst>
               <a:ext uri="{FF2B5EF4-FFF2-40B4-BE49-F238E27FC236}">
-                <a16:creationId xmlns:a16="http://schemas.microsoft.com/office/drawing/2014/main" xmlns="" id="{94FFE1CA-95B6-5FB5-0E93-C32CA673CFB0}"/>
+                <a16:creationId xmlns="" xmlns:a16="http://schemas.microsoft.com/office/drawing/2014/main" id="{94FFE1CA-95B6-5FB5-0E93-C32CA673CFB0}"/>
               </a:ext>
             </a:extLst>
           </p:cNvPr>
@@ -16192,7 +16192,7 @@
           <p:cNvPr id="108" name="Google Shape;75;p14">
             <a:extLst>
               <a:ext uri="{FF2B5EF4-FFF2-40B4-BE49-F238E27FC236}">
-                <a16:creationId xmlns:a16="http://schemas.microsoft.com/office/drawing/2014/main" xmlns="" id="{C28BC135-A694-D736-05E2-392BAA6546C4}"/>
+                <a16:creationId xmlns="" xmlns:a16="http://schemas.microsoft.com/office/drawing/2014/main" id="{C28BC135-A694-D736-05E2-392BAA6546C4}"/>
               </a:ext>
             </a:extLst>
           </p:cNvPr>
@@ -16226,7 +16226,7 @@
           <p:cNvPr id="109" name="Google Shape;77;p14">
             <a:extLst>
               <a:ext uri="{FF2B5EF4-FFF2-40B4-BE49-F238E27FC236}">
-                <a16:creationId xmlns:a16="http://schemas.microsoft.com/office/drawing/2014/main" xmlns="" id="{26E64EC8-A00D-85A2-55E9-80371504FA45}"/>
+                <a16:creationId xmlns="" xmlns:a16="http://schemas.microsoft.com/office/drawing/2014/main" id="{26E64EC8-A00D-85A2-55E9-80371504FA45}"/>
               </a:ext>
             </a:extLst>
           </p:cNvPr>
@@ -16260,7 +16260,7 @@
           <p:cNvPr id="110" name="Google Shape;78;p14">
             <a:extLst>
               <a:ext uri="{FF2B5EF4-FFF2-40B4-BE49-F238E27FC236}">
-                <a16:creationId xmlns:a16="http://schemas.microsoft.com/office/drawing/2014/main" xmlns="" id="{3776E30B-813F-0863-0AAF-08F593A4A164}"/>
+                <a16:creationId xmlns="" xmlns:a16="http://schemas.microsoft.com/office/drawing/2014/main" id="{3776E30B-813F-0863-0AAF-08F593A4A164}"/>
               </a:ext>
             </a:extLst>
           </p:cNvPr>
@@ -16294,7 +16294,7 @@
           <p:cNvPr id="111" name="Google Shape;81;p14">
             <a:extLst>
               <a:ext uri="{FF2B5EF4-FFF2-40B4-BE49-F238E27FC236}">
-                <a16:creationId xmlns:a16="http://schemas.microsoft.com/office/drawing/2014/main" xmlns="" id="{4C069DC5-4186-0285-5D83-B8FFA739F050}"/>
+                <a16:creationId xmlns="" xmlns:a16="http://schemas.microsoft.com/office/drawing/2014/main" id="{4C069DC5-4186-0285-5D83-B8FFA739F050}"/>
               </a:ext>
             </a:extLst>
           </p:cNvPr>
@@ -16328,7 +16328,7 @@
           <p:cNvPr id="112" name="箭头: 五边形 111">
             <a:extLst>
               <a:ext uri="{FF2B5EF4-FFF2-40B4-BE49-F238E27FC236}">
-                <a16:creationId xmlns:a16="http://schemas.microsoft.com/office/drawing/2014/main" xmlns="" id="{7CD9D67F-B213-AAAA-9054-02755BE2146A}"/>
+                <a16:creationId xmlns="" xmlns:a16="http://schemas.microsoft.com/office/drawing/2014/main" id="{7CD9D67F-B213-AAAA-9054-02755BE2146A}"/>
               </a:ext>
             </a:extLst>
           </p:cNvPr>
@@ -16384,7 +16384,7 @@
           <p:cNvPr id="113" name="箭头: 五边形 112">
             <a:extLst>
               <a:ext uri="{FF2B5EF4-FFF2-40B4-BE49-F238E27FC236}">
-                <a16:creationId xmlns:a16="http://schemas.microsoft.com/office/drawing/2014/main" xmlns="" id="{F8AE02EB-01D9-FA19-B065-CCE211B6884B}"/>
+                <a16:creationId xmlns="" xmlns:a16="http://schemas.microsoft.com/office/drawing/2014/main" id="{F8AE02EB-01D9-FA19-B065-CCE211B6884B}"/>
               </a:ext>
             </a:extLst>
           </p:cNvPr>
@@ -16440,7 +16440,7 @@
           <p:cNvPr id="114" name="箭头: 五边形 113">
             <a:extLst>
               <a:ext uri="{FF2B5EF4-FFF2-40B4-BE49-F238E27FC236}">
-                <a16:creationId xmlns:a16="http://schemas.microsoft.com/office/drawing/2014/main" xmlns="" id="{CD3E578E-DF8A-1EA0-3438-736889E4F552}"/>
+                <a16:creationId xmlns="" xmlns:a16="http://schemas.microsoft.com/office/drawing/2014/main" id="{CD3E578E-DF8A-1EA0-3438-736889E4F552}"/>
               </a:ext>
             </a:extLst>
           </p:cNvPr>
@@ -16487,7 +16487,7 @@
           <p:cNvPr id="115" name="箭头: 五边形 114">
             <a:extLst>
               <a:ext uri="{FF2B5EF4-FFF2-40B4-BE49-F238E27FC236}">
-                <a16:creationId xmlns:a16="http://schemas.microsoft.com/office/drawing/2014/main" xmlns="" id="{F8C96D6D-C8E2-1DE1-7975-1FE461A07D04}"/>
+                <a16:creationId xmlns="" xmlns:a16="http://schemas.microsoft.com/office/drawing/2014/main" id="{F8C96D6D-C8E2-1DE1-7975-1FE461A07D04}"/>
               </a:ext>
             </a:extLst>
           </p:cNvPr>
@@ -16564,7 +16564,7 @@
           <p:cNvPr id="2" name="标题 1">
             <a:extLst>
               <a:ext uri="{FF2B5EF4-FFF2-40B4-BE49-F238E27FC236}">
-                <a16:creationId xmlns:a16="http://schemas.microsoft.com/office/drawing/2014/main" xmlns="" id="{80796E82-7314-2FBE-2DE8-DDD70D4DF27E}"/>
+                <a16:creationId xmlns="" xmlns:a16="http://schemas.microsoft.com/office/drawing/2014/main" id="{80796E82-7314-2FBE-2DE8-DDD70D4DF27E}"/>
               </a:ext>
             </a:extLst>
           </p:cNvPr>
@@ -16613,7 +16613,7 @@
           <p:cNvPr id="4" name="文本框 3">
             <a:extLst>
               <a:ext uri="{FF2B5EF4-FFF2-40B4-BE49-F238E27FC236}">
-                <a16:creationId xmlns:a16="http://schemas.microsoft.com/office/drawing/2014/main" xmlns="" id="{3E8E8225-E7B4-E598-7AEB-66BC2EF7864E}"/>
+                <a16:creationId xmlns="" xmlns:a16="http://schemas.microsoft.com/office/drawing/2014/main" id="{3E8E8225-E7B4-E598-7AEB-66BC2EF7864E}"/>
               </a:ext>
             </a:extLst>
           </p:cNvPr>
@@ -16653,7 +16653,7 @@
           <p:cNvPr id="94" name="椭圆 93">
             <a:extLst>
               <a:ext uri="{FF2B5EF4-FFF2-40B4-BE49-F238E27FC236}">
-                <a16:creationId xmlns:a16="http://schemas.microsoft.com/office/drawing/2014/main" xmlns="" id="{8BEE0963-F39F-E799-5A6C-7DB2D9695EA3}"/>
+                <a16:creationId xmlns="" xmlns:a16="http://schemas.microsoft.com/office/drawing/2014/main" id="{8BEE0963-F39F-E799-5A6C-7DB2D9695EA3}"/>
               </a:ext>
             </a:extLst>
           </p:cNvPr>
@@ -16705,7 +16705,7 @@
           <p:cNvPr id="95" name="Google Shape;73;p14">
             <a:extLst>
               <a:ext uri="{FF2B5EF4-FFF2-40B4-BE49-F238E27FC236}">
-                <a16:creationId xmlns:a16="http://schemas.microsoft.com/office/drawing/2014/main" xmlns="" id="{728B4BED-4470-8B41-5F52-AEAB959AE86A}"/>
+                <a16:creationId xmlns="" xmlns:a16="http://schemas.microsoft.com/office/drawing/2014/main" id="{728B4BED-4470-8B41-5F52-AEAB959AE86A}"/>
               </a:ext>
             </a:extLst>
           </p:cNvPr>
@@ -16739,7 +16739,7 @@
           <p:cNvPr id="100" name="Google Shape;74;p14">
             <a:extLst>
               <a:ext uri="{FF2B5EF4-FFF2-40B4-BE49-F238E27FC236}">
-                <a16:creationId xmlns:a16="http://schemas.microsoft.com/office/drawing/2014/main" xmlns="" id="{2D6CB586-E89B-F20A-E516-58B36CEB1867}"/>
+                <a16:creationId xmlns="" xmlns:a16="http://schemas.microsoft.com/office/drawing/2014/main" id="{2D6CB586-E89B-F20A-E516-58B36CEB1867}"/>
               </a:ext>
             </a:extLst>
           </p:cNvPr>
@@ -16773,7 +16773,7 @@
           <p:cNvPr id="101" name="Google Shape;76;p14">
             <a:extLst>
               <a:ext uri="{FF2B5EF4-FFF2-40B4-BE49-F238E27FC236}">
-                <a16:creationId xmlns:a16="http://schemas.microsoft.com/office/drawing/2014/main" xmlns="" id="{320E54BE-9086-C596-8E30-5802E54EFB64}"/>
+                <a16:creationId xmlns="" xmlns:a16="http://schemas.microsoft.com/office/drawing/2014/main" id="{320E54BE-9086-C596-8E30-5802E54EFB64}"/>
               </a:ext>
             </a:extLst>
           </p:cNvPr>
@@ -16807,7 +16807,7 @@
           <p:cNvPr id="102" name="Google Shape;79;p14">
             <a:extLst>
               <a:ext uri="{FF2B5EF4-FFF2-40B4-BE49-F238E27FC236}">
-                <a16:creationId xmlns:a16="http://schemas.microsoft.com/office/drawing/2014/main" xmlns="" id="{2CB29429-3A6A-075E-E051-F2605E6CF72B}"/>
+                <a16:creationId xmlns="" xmlns:a16="http://schemas.microsoft.com/office/drawing/2014/main" id="{2CB29429-3A6A-075E-E051-F2605E6CF72B}"/>
               </a:ext>
             </a:extLst>
           </p:cNvPr>
@@ -16841,7 +16841,7 @@
           <p:cNvPr id="103" name="Google Shape;80;p14">
             <a:extLst>
               <a:ext uri="{FF2B5EF4-FFF2-40B4-BE49-F238E27FC236}">
-                <a16:creationId xmlns:a16="http://schemas.microsoft.com/office/drawing/2014/main" xmlns="" id="{87A8869F-6890-93EE-47C2-B6909C99470B}"/>
+                <a16:creationId xmlns="" xmlns:a16="http://schemas.microsoft.com/office/drawing/2014/main" id="{87A8869F-6890-93EE-47C2-B6909C99470B}"/>
               </a:ext>
             </a:extLst>
           </p:cNvPr>
@@ -16875,7 +16875,7 @@
           <p:cNvPr id="104" name="箭头: 五边形 103">
             <a:extLst>
               <a:ext uri="{FF2B5EF4-FFF2-40B4-BE49-F238E27FC236}">
-                <a16:creationId xmlns:a16="http://schemas.microsoft.com/office/drawing/2014/main" xmlns="" id="{FEE47AE7-C9FA-4144-87DD-8E8CA1F603A1}"/>
+                <a16:creationId xmlns="" xmlns:a16="http://schemas.microsoft.com/office/drawing/2014/main" id="{FEE47AE7-C9FA-4144-87DD-8E8CA1F603A1}"/>
               </a:ext>
             </a:extLst>
           </p:cNvPr>
@@ -16922,7 +16922,7 @@
           <p:cNvPr id="105" name="箭头: 五边形 104">
             <a:extLst>
               <a:ext uri="{FF2B5EF4-FFF2-40B4-BE49-F238E27FC236}">
-                <a16:creationId xmlns:a16="http://schemas.microsoft.com/office/drawing/2014/main" xmlns="" id="{125693EC-2137-4901-2D9F-CA02EFB6EC1C}"/>
+                <a16:creationId xmlns="" xmlns:a16="http://schemas.microsoft.com/office/drawing/2014/main" id="{125693EC-2137-4901-2D9F-CA02EFB6EC1C}"/>
               </a:ext>
             </a:extLst>
           </p:cNvPr>
@@ -16978,7 +16978,7 @@
           <p:cNvPr id="106" name="箭头: 五边形 105">
             <a:extLst>
               <a:ext uri="{FF2B5EF4-FFF2-40B4-BE49-F238E27FC236}">
-                <a16:creationId xmlns:a16="http://schemas.microsoft.com/office/drawing/2014/main" xmlns="" id="{0A75FABD-C11D-5BF2-CA28-79F84BEC2D52}"/>
+                <a16:creationId xmlns="" xmlns:a16="http://schemas.microsoft.com/office/drawing/2014/main" id="{0A75FABD-C11D-5BF2-CA28-79F84BEC2D52}"/>
               </a:ext>
             </a:extLst>
           </p:cNvPr>
@@ -17034,7 +17034,7 @@
           <p:cNvPr id="107" name="箭头: 五边形 106">
             <a:extLst>
               <a:ext uri="{FF2B5EF4-FFF2-40B4-BE49-F238E27FC236}">
-                <a16:creationId xmlns:a16="http://schemas.microsoft.com/office/drawing/2014/main" xmlns="" id="{94FFE1CA-95B6-5FB5-0E93-C32CA673CFB0}"/>
+                <a16:creationId xmlns="" xmlns:a16="http://schemas.microsoft.com/office/drawing/2014/main" id="{94FFE1CA-95B6-5FB5-0E93-C32CA673CFB0}"/>
               </a:ext>
             </a:extLst>
           </p:cNvPr>
@@ -17081,7 +17081,7 @@
           <p:cNvPr id="108" name="Google Shape;75;p14">
             <a:extLst>
               <a:ext uri="{FF2B5EF4-FFF2-40B4-BE49-F238E27FC236}">
-                <a16:creationId xmlns:a16="http://schemas.microsoft.com/office/drawing/2014/main" xmlns="" id="{C28BC135-A694-D736-05E2-392BAA6546C4}"/>
+                <a16:creationId xmlns="" xmlns:a16="http://schemas.microsoft.com/office/drawing/2014/main" id="{C28BC135-A694-D736-05E2-392BAA6546C4}"/>
               </a:ext>
             </a:extLst>
           </p:cNvPr>
@@ -17115,7 +17115,7 @@
           <p:cNvPr id="109" name="Google Shape;77;p14">
             <a:extLst>
               <a:ext uri="{FF2B5EF4-FFF2-40B4-BE49-F238E27FC236}">
-                <a16:creationId xmlns:a16="http://schemas.microsoft.com/office/drawing/2014/main" xmlns="" id="{26E64EC8-A00D-85A2-55E9-80371504FA45}"/>
+                <a16:creationId xmlns="" xmlns:a16="http://schemas.microsoft.com/office/drawing/2014/main" id="{26E64EC8-A00D-85A2-55E9-80371504FA45}"/>
               </a:ext>
             </a:extLst>
           </p:cNvPr>
@@ -17149,7 +17149,7 @@
           <p:cNvPr id="110" name="Google Shape;78;p14">
             <a:extLst>
               <a:ext uri="{FF2B5EF4-FFF2-40B4-BE49-F238E27FC236}">
-                <a16:creationId xmlns:a16="http://schemas.microsoft.com/office/drawing/2014/main" xmlns="" id="{3776E30B-813F-0863-0AAF-08F593A4A164}"/>
+                <a16:creationId xmlns="" xmlns:a16="http://schemas.microsoft.com/office/drawing/2014/main" id="{3776E30B-813F-0863-0AAF-08F593A4A164}"/>
               </a:ext>
             </a:extLst>
           </p:cNvPr>
@@ -17183,7 +17183,7 @@
           <p:cNvPr id="111" name="Google Shape;81;p14">
             <a:extLst>
               <a:ext uri="{FF2B5EF4-FFF2-40B4-BE49-F238E27FC236}">
-                <a16:creationId xmlns:a16="http://schemas.microsoft.com/office/drawing/2014/main" xmlns="" id="{4C069DC5-4186-0285-5D83-B8FFA739F050}"/>
+                <a16:creationId xmlns="" xmlns:a16="http://schemas.microsoft.com/office/drawing/2014/main" id="{4C069DC5-4186-0285-5D83-B8FFA739F050}"/>
               </a:ext>
             </a:extLst>
           </p:cNvPr>
@@ -17217,7 +17217,7 @@
           <p:cNvPr id="112" name="箭头: 五边形 111">
             <a:extLst>
               <a:ext uri="{FF2B5EF4-FFF2-40B4-BE49-F238E27FC236}">
-                <a16:creationId xmlns:a16="http://schemas.microsoft.com/office/drawing/2014/main" xmlns="" id="{7CD9D67F-B213-AAAA-9054-02755BE2146A}"/>
+                <a16:creationId xmlns="" xmlns:a16="http://schemas.microsoft.com/office/drawing/2014/main" id="{7CD9D67F-B213-AAAA-9054-02755BE2146A}"/>
               </a:ext>
             </a:extLst>
           </p:cNvPr>
@@ -17273,7 +17273,7 @@
           <p:cNvPr id="113" name="箭头: 五边形 112">
             <a:extLst>
               <a:ext uri="{FF2B5EF4-FFF2-40B4-BE49-F238E27FC236}">
-                <a16:creationId xmlns:a16="http://schemas.microsoft.com/office/drawing/2014/main" xmlns="" id="{F8AE02EB-01D9-FA19-B065-CCE211B6884B}"/>
+                <a16:creationId xmlns="" xmlns:a16="http://schemas.microsoft.com/office/drawing/2014/main" id="{F8AE02EB-01D9-FA19-B065-CCE211B6884B}"/>
               </a:ext>
             </a:extLst>
           </p:cNvPr>
@@ -17329,7 +17329,7 @@
           <p:cNvPr id="114" name="箭头: 五边形 113">
             <a:extLst>
               <a:ext uri="{FF2B5EF4-FFF2-40B4-BE49-F238E27FC236}">
-                <a16:creationId xmlns:a16="http://schemas.microsoft.com/office/drawing/2014/main" xmlns="" id="{CD3E578E-DF8A-1EA0-3438-736889E4F552}"/>
+                <a16:creationId xmlns="" xmlns:a16="http://schemas.microsoft.com/office/drawing/2014/main" id="{CD3E578E-DF8A-1EA0-3438-736889E4F552}"/>
               </a:ext>
             </a:extLst>
           </p:cNvPr>
@@ -17376,7 +17376,7 @@
           <p:cNvPr id="115" name="箭头: 五边形 114">
             <a:extLst>
               <a:ext uri="{FF2B5EF4-FFF2-40B4-BE49-F238E27FC236}">
-                <a16:creationId xmlns:a16="http://schemas.microsoft.com/office/drawing/2014/main" xmlns="" id="{F8C96D6D-C8E2-1DE1-7975-1FE461A07D04}"/>
+                <a16:creationId xmlns="" xmlns:a16="http://schemas.microsoft.com/office/drawing/2014/main" id="{F8C96D6D-C8E2-1DE1-7975-1FE461A07D04}"/>
               </a:ext>
             </a:extLst>
           </p:cNvPr>
@@ -17453,7 +17453,7 @@
           <p:cNvPr id="2" name="标题 1">
             <a:extLst>
               <a:ext uri="{FF2B5EF4-FFF2-40B4-BE49-F238E27FC236}">
-                <a16:creationId xmlns:a16="http://schemas.microsoft.com/office/drawing/2014/main" xmlns="" id="{80796E82-7314-2FBE-2DE8-DDD70D4DF27E}"/>
+                <a16:creationId xmlns="" xmlns:a16="http://schemas.microsoft.com/office/drawing/2014/main" id="{80796E82-7314-2FBE-2DE8-DDD70D4DF27E}"/>
               </a:ext>
             </a:extLst>
           </p:cNvPr>
@@ -17502,7 +17502,7 @@
           <p:cNvPr id="4" name="文本框 3">
             <a:extLst>
               <a:ext uri="{FF2B5EF4-FFF2-40B4-BE49-F238E27FC236}">
-                <a16:creationId xmlns:a16="http://schemas.microsoft.com/office/drawing/2014/main" xmlns="" id="{3E8E8225-E7B4-E598-7AEB-66BC2EF7864E}"/>
+                <a16:creationId xmlns="" xmlns:a16="http://schemas.microsoft.com/office/drawing/2014/main" id="{3E8E8225-E7B4-E598-7AEB-66BC2EF7864E}"/>
               </a:ext>
             </a:extLst>
           </p:cNvPr>
@@ -17542,7 +17542,7 @@
           <p:cNvPr id="94" name="椭圆 93">
             <a:extLst>
               <a:ext uri="{FF2B5EF4-FFF2-40B4-BE49-F238E27FC236}">
-                <a16:creationId xmlns:a16="http://schemas.microsoft.com/office/drawing/2014/main" xmlns="" id="{8BEE0963-F39F-E799-5A6C-7DB2D9695EA3}"/>
+                <a16:creationId xmlns="" xmlns:a16="http://schemas.microsoft.com/office/drawing/2014/main" id="{8BEE0963-F39F-E799-5A6C-7DB2D9695EA3}"/>
               </a:ext>
             </a:extLst>
           </p:cNvPr>
@@ -17594,7 +17594,7 @@
           <p:cNvPr id="95" name="Google Shape;73;p14">
             <a:extLst>
               <a:ext uri="{FF2B5EF4-FFF2-40B4-BE49-F238E27FC236}">
-                <a16:creationId xmlns:a16="http://schemas.microsoft.com/office/drawing/2014/main" xmlns="" id="{728B4BED-4470-8B41-5F52-AEAB959AE86A}"/>
+                <a16:creationId xmlns="" xmlns:a16="http://schemas.microsoft.com/office/drawing/2014/main" id="{728B4BED-4470-8B41-5F52-AEAB959AE86A}"/>
               </a:ext>
             </a:extLst>
           </p:cNvPr>
@@ -17628,7 +17628,7 @@
           <p:cNvPr id="23" name="椭圆 22">
             <a:extLst>
               <a:ext uri="{FF2B5EF4-FFF2-40B4-BE49-F238E27FC236}">
-                <a16:creationId xmlns:a16="http://schemas.microsoft.com/office/drawing/2014/main" xmlns="" id="{824F6C0B-F2BF-8F57-435A-24EF38F1CED2}"/>
+                <a16:creationId xmlns="" xmlns:a16="http://schemas.microsoft.com/office/drawing/2014/main" id="{824F6C0B-F2BF-8F57-435A-24EF38F1CED2}"/>
               </a:ext>
             </a:extLst>
           </p:cNvPr>
@@ -17684,7 +17684,7 @@
           <p:cNvPr id="24" name="椭圆 23">
             <a:extLst>
               <a:ext uri="{FF2B5EF4-FFF2-40B4-BE49-F238E27FC236}">
-                <a16:creationId xmlns:a16="http://schemas.microsoft.com/office/drawing/2014/main" xmlns="" id="{180D6603-04FC-C694-538B-19D759A53C63}"/>
+                <a16:creationId xmlns="" xmlns:a16="http://schemas.microsoft.com/office/drawing/2014/main" id="{180D6603-04FC-C694-538B-19D759A53C63}"/>
               </a:ext>
             </a:extLst>
           </p:cNvPr>
@@ -17744,7 +17744,7 @@
           <p:cNvPr id="100" name="Google Shape;74;p14">
             <a:extLst>
               <a:ext uri="{FF2B5EF4-FFF2-40B4-BE49-F238E27FC236}">
-                <a16:creationId xmlns:a16="http://schemas.microsoft.com/office/drawing/2014/main" xmlns="" id="{2D6CB586-E89B-F20A-E516-58B36CEB1867}"/>
+                <a16:creationId xmlns="" xmlns:a16="http://schemas.microsoft.com/office/drawing/2014/main" id="{2D6CB586-E89B-F20A-E516-58B36CEB1867}"/>
               </a:ext>
             </a:extLst>
           </p:cNvPr>
@@ -17778,7 +17778,7 @@
           <p:cNvPr id="101" name="Google Shape;76;p14">
             <a:extLst>
               <a:ext uri="{FF2B5EF4-FFF2-40B4-BE49-F238E27FC236}">
-                <a16:creationId xmlns:a16="http://schemas.microsoft.com/office/drawing/2014/main" xmlns="" id="{320E54BE-9086-C596-8E30-5802E54EFB64}"/>
+                <a16:creationId xmlns="" xmlns:a16="http://schemas.microsoft.com/office/drawing/2014/main" id="{320E54BE-9086-C596-8E30-5802E54EFB64}"/>
               </a:ext>
             </a:extLst>
           </p:cNvPr>
@@ -17812,7 +17812,7 @@
           <p:cNvPr id="102" name="Google Shape;79;p14">
             <a:extLst>
               <a:ext uri="{FF2B5EF4-FFF2-40B4-BE49-F238E27FC236}">
-                <a16:creationId xmlns:a16="http://schemas.microsoft.com/office/drawing/2014/main" xmlns="" id="{2CB29429-3A6A-075E-E051-F2605E6CF72B}"/>
+                <a16:creationId xmlns="" xmlns:a16="http://schemas.microsoft.com/office/drawing/2014/main" id="{2CB29429-3A6A-075E-E051-F2605E6CF72B}"/>
               </a:ext>
             </a:extLst>
           </p:cNvPr>
@@ -17846,7 +17846,7 @@
           <p:cNvPr id="103" name="Google Shape;80;p14">
             <a:extLst>
               <a:ext uri="{FF2B5EF4-FFF2-40B4-BE49-F238E27FC236}">
-                <a16:creationId xmlns:a16="http://schemas.microsoft.com/office/drawing/2014/main" xmlns="" id="{87A8869F-6890-93EE-47C2-B6909C99470B}"/>
+                <a16:creationId xmlns="" xmlns:a16="http://schemas.microsoft.com/office/drawing/2014/main" id="{87A8869F-6890-93EE-47C2-B6909C99470B}"/>
               </a:ext>
             </a:extLst>
           </p:cNvPr>
@@ -17880,7 +17880,7 @@
           <p:cNvPr id="104" name="箭头: 五边形 103">
             <a:extLst>
               <a:ext uri="{FF2B5EF4-FFF2-40B4-BE49-F238E27FC236}">
-                <a16:creationId xmlns:a16="http://schemas.microsoft.com/office/drawing/2014/main" xmlns="" id="{FEE47AE7-C9FA-4144-87DD-8E8CA1F603A1}"/>
+                <a16:creationId xmlns="" xmlns:a16="http://schemas.microsoft.com/office/drawing/2014/main" id="{FEE47AE7-C9FA-4144-87DD-8E8CA1F603A1}"/>
               </a:ext>
             </a:extLst>
           </p:cNvPr>
@@ -17927,7 +17927,7 @@
           <p:cNvPr id="105" name="箭头: 五边形 104">
             <a:extLst>
               <a:ext uri="{FF2B5EF4-FFF2-40B4-BE49-F238E27FC236}">
-                <a16:creationId xmlns:a16="http://schemas.microsoft.com/office/drawing/2014/main" xmlns="" id="{125693EC-2137-4901-2D9F-CA02EFB6EC1C}"/>
+                <a16:creationId xmlns="" xmlns:a16="http://schemas.microsoft.com/office/drawing/2014/main" id="{125693EC-2137-4901-2D9F-CA02EFB6EC1C}"/>
               </a:ext>
             </a:extLst>
           </p:cNvPr>
@@ -17983,7 +17983,7 @@
           <p:cNvPr id="106" name="箭头: 五边形 105">
             <a:extLst>
               <a:ext uri="{FF2B5EF4-FFF2-40B4-BE49-F238E27FC236}">
-                <a16:creationId xmlns:a16="http://schemas.microsoft.com/office/drawing/2014/main" xmlns="" id="{0A75FABD-C11D-5BF2-CA28-79F84BEC2D52}"/>
+                <a16:creationId xmlns="" xmlns:a16="http://schemas.microsoft.com/office/drawing/2014/main" id="{0A75FABD-C11D-5BF2-CA28-79F84BEC2D52}"/>
               </a:ext>
             </a:extLst>
           </p:cNvPr>
@@ -18039,7 +18039,7 @@
           <p:cNvPr id="107" name="箭头: 五边形 106">
             <a:extLst>
               <a:ext uri="{FF2B5EF4-FFF2-40B4-BE49-F238E27FC236}">
-                <a16:creationId xmlns:a16="http://schemas.microsoft.com/office/drawing/2014/main" xmlns="" id="{94FFE1CA-95B6-5FB5-0E93-C32CA673CFB0}"/>
+                <a16:creationId xmlns="" xmlns:a16="http://schemas.microsoft.com/office/drawing/2014/main" id="{94FFE1CA-95B6-5FB5-0E93-C32CA673CFB0}"/>
               </a:ext>
             </a:extLst>
           </p:cNvPr>
@@ -18086,7 +18086,7 @@
           <p:cNvPr id="108" name="Google Shape;75;p14">
             <a:extLst>
               <a:ext uri="{FF2B5EF4-FFF2-40B4-BE49-F238E27FC236}">
-                <a16:creationId xmlns:a16="http://schemas.microsoft.com/office/drawing/2014/main" xmlns="" id="{C28BC135-A694-D736-05E2-392BAA6546C4}"/>
+                <a16:creationId xmlns="" xmlns:a16="http://schemas.microsoft.com/office/drawing/2014/main" id="{C28BC135-A694-D736-05E2-392BAA6546C4}"/>
               </a:ext>
             </a:extLst>
           </p:cNvPr>
@@ -18120,7 +18120,7 @@
           <p:cNvPr id="109" name="Google Shape;77;p14">
             <a:extLst>
               <a:ext uri="{FF2B5EF4-FFF2-40B4-BE49-F238E27FC236}">
-                <a16:creationId xmlns:a16="http://schemas.microsoft.com/office/drawing/2014/main" xmlns="" id="{26E64EC8-A00D-85A2-55E9-80371504FA45}"/>
+                <a16:creationId xmlns="" xmlns:a16="http://schemas.microsoft.com/office/drawing/2014/main" id="{26E64EC8-A00D-85A2-55E9-80371504FA45}"/>
               </a:ext>
             </a:extLst>
           </p:cNvPr>
@@ -18154,7 +18154,7 @@
           <p:cNvPr id="110" name="Google Shape;78;p14">
             <a:extLst>
               <a:ext uri="{FF2B5EF4-FFF2-40B4-BE49-F238E27FC236}">
-                <a16:creationId xmlns:a16="http://schemas.microsoft.com/office/drawing/2014/main" xmlns="" id="{3776E30B-813F-0863-0AAF-08F593A4A164}"/>
+                <a16:creationId xmlns="" xmlns:a16="http://schemas.microsoft.com/office/drawing/2014/main" id="{3776E30B-813F-0863-0AAF-08F593A4A164}"/>
               </a:ext>
             </a:extLst>
           </p:cNvPr>
@@ -18188,7 +18188,7 @@
           <p:cNvPr id="111" name="Google Shape;81;p14">
             <a:extLst>
               <a:ext uri="{FF2B5EF4-FFF2-40B4-BE49-F238E27FC236}">
-                <a16:creationId xmlns:a16="http://schemas.microsoft.com/office/drawing/2014/main" xmlns="" id="{4C069DC5-4186-0285-5D83-B8FFA739F050}"/>
+                <a16:creationId xmlns="" xmlns:a16="http://schemas.microsoft.com/office/drawing/2014/main" id="{4C069DC5-4186-0285-5D83-B8FFA739F050}"/>
               </a:ext>
             </a:extLst>
           </p:cNvPr>
@@ -18222,7 +18222,7 @@
           <p:cNvPr id="112" name="箭头: 五边形 111">
             <a:extLst>
               <a:ext uri="{FF2B5EF4-FFF2-40B4-BE49-F238E27FC236}">
-                <a16:creationId xmlns:a16="http://schemas.microsoft.com/office/drawing/2014/main" xmlns="" id="{7CD9D67F-B213-AAAA-9054-02755BE2146A}"/>
+                <a16:creationId xmlns="" xmlns:a16="http://schemas.microsoft.com/office/drawing/2014/main" id="{7CD9D67F-B213-AAAA-9054-02755BE2146A}"/>
               </a:ext>
             </a:extLst>
           </p:cNvPr>
@@ -18278,7 +18278,7 @@
           <p:cNvPr id="113" name="箭头: 五边形 112">
             <a:extLst>
               <a:ext uri="{FF2B5EF4-FFF2-40B4-BE49-F238E27FC236}">
-                <a16:creationId xmlns:a16="http://schemas.microsoft.com/office/drawing/2014/main" xmlns="" id="{F8AE02EB-01D9-FA19-B065-CCE211B6884B}"/>
+                <a16:creationId xmlns="" xmlns:a16="http://schemas.microsoft.com/office/drawing/2014/main" id="{F8AE02EB-01D9-FA19-B065-CCE211B6884B}"/>
               </a:ext>
             </a:extLst>
           </p:cNvPr>
@@ -18334,7 +18334,7 @@
           <p:cNvPr id="114" name="箭头: 五边形 113">
             <a:extLst>
               <a:ext uri="{FF2B5EF4-FFF2-40B4-BE49-F238E27FC236}">
-                <a16:creationId xmlns:a16="http://schemas.microsoft.com/office/drawing/2014/main" xmlns="" id="{CD3E578E-DF8A-1EA0-3438-736889E4F552}"/>
+                <a16:creationId xmlns="" xmlns:a16="http://schemas.microsoft.com/office/drawing/2014/main" id="{CD3E578E-DF8A-1EA0-3438-736889E4F552}"/>
               </a:ext>
             </a:extLst>
           </p:cNvPr>
@@ -18381,7 +18381,7 @@
           <p:cNvPr id="115" name="箭头: 五边形 114">
             <a:extLst>
               <a:ext uri="{FF2B5EF4-FFF2-40B4-BE49-F238E27FC236}">
-                <a16:creationId xmlns:a16="http://schemas.microsoft.com/office/drawing/2014/main" xmlns="" id="{F8C96D6D-C8E2-1DE1-7975-1FE461A07D04}"/>
+                <a16:creationId xmlns="" xmlns:a16="http://schemas.microsoft.com/office/drawing/2014/main" id="{F8C96D6D-C8E2-1DE1-7975-1FE461A07D04}"/>
               </a:ext>
             </a:extLst>
           </p:cNvPr>
@@ -18468,7 +18468,7 @@
           <p:cNvPr id="2" name="标题 1">
             <a:extLst>
               <a:ext uri="{FF2B5EF4-FFF2-40B4-BE49-F238E27FC236}">
-                <a16:creationId xmlns:a16="http://schemas.microsoft.com/office/drawing/2014/main" xmlns="" id="{2A9B6C59-89F9-5390-BB77-F8DB7EF7B310}"/>
+                <a16:creationId xmlns="" xmlns:a16="http://schemas.microsoft.com/office/drawing/2014/main" id="{2A9B6C59-89F9-5390-BB77-F8DB7EF7B310}"/>
               </a:ext>
             </a:extLst>
           </p:cNvPr>
@@ -18558,7 +18558,7 @@
           <p:cNvPr id="2" name="标题 1">
             <a:extLst>
               <a:ext uri="{FF2B5EF4-FFF2-40B4-BE49-F238E27FC236}">
-                <a16:creationId xmlns:a16="http://schemas.microsoft.com/office/drawing/2014/main" xmlns="" id="{80796E82-7314-2FBE-2DE8-DDD70D4DF27E}"/>
+                <a16:creationId xmlns="" xmlns:a16="http://schemas.microsoft.com/office/drawing/2014/main" id="{80796E82-7314-2FBE-2DE8-DDD70D4DF27E}"/>
               </a:ext>
             </a:extLst>
           </p:cNvPr>
@@ -18600,7 +18600,7 @@
           <p:cNvPr id="4" name="文本框 3">
             <a:extLst>
               <a:ext uri="{FF2B5EF4-FFF2-40B4-BE49-F238E27FC236}">
-                <a16:creationId xmlns:a16="http://schemas.microsoft.com/office/drawing/2014/main" xmlns="" id="{3E8E8225-E7B4-E598-7AEB-66BC2EF7864E}"/>
+                <a16:creationId xmlns="" xmlns:a16="http://schemas.microsoft.com/office/drawing/2014/main" id="{3E8E8225-E7B4-E598-7AEB-66BC2EF7864E}"/>
               </a:ext>
             </a:extLst>
           </p:cNvPr>
@@ -18646,7 +18646,7 @@
           <p:cNvPr id="94" name="椭圆 93">
             <a:extLst>
               <a:ext uri="{FF2B5EF4-FFF2-40B4-BE49-F238E27FC236}">
-                <a16:creationId xmlns:a16="http://schemas.microsoft.com/office/drawing/2014/main" xmlns="" id="{8BEE0963-F39F-E799-5A6C-7DB2D9695EA3}"/>
+                <a16:creationId xmlns="" xmlns:a16="http://schemas.microsoft.com/office/drawing/2014/main" id="{8BEE0963-F39F-E799-5A6C-7DB2D9695EA3}"/>
               </a:ext>
             </a:extLst>
           </p:cNvPr>
@@ -18698,7 +18698,7 @@
           <p:cNvPr id="6" name="椭圆 5">
             <a:extLst>
               <a:ext uri="{FF2B5EF4-FFF2-40B4-BE49-F238E27FC236}">
-                <a16:creationId xmlns:a16="http://schemas.microsoft.com/office/drawing/2014/main" xmlns="" id="{1F3D5A18-117A-FBDB-A07B-D4E2DC2FC832}"/>
+                <a16:creationId xmlns="" xmlns:a16="http://schemas.microsoft.com/office/drawing/2014/main" id="{1F3D5A18-117A-FBDB-A07B-D4E2DC2FC832}"/>
               </a:ext>
             </a:extLst>
           </p:cNvPr>
@@ -18748,7 +18748,7 @@
           <p:cNvPr id="7" name="矩形 6">
             <a:extLst>
               <a:ext uri="{FF2B5EF4-FFF2-40B4-BE49-F238E27FC236}">
-                <a16:creationId xmlns:a16="http://schemas.microsoft.com/office/drawing/2014/main" xmlns="" id="{1DB7B11B-A7F7-8894-4BAF-68DD060767B3}"/>
+                <a16:creationId xmlns="" xmlns:a16="http://schemas.microsoft.com/office/drawing/2014/main" id="{1DB7B11B-A7F7-8894-4BAF-68DD060767B3}"/>
               </a:ext>
             </a:extLst>
           </p:cNvPr>
@@ -18798,7 +18798,7 @@
           <p:cNvPr id="16" name="矩形 15">
             <a:extLst>
               <a:ext uri="{FF2B5EF4-FFF2-40B4-BE49-F238E27FC236}">
-                <a16:creationId xmlns:a16="http://schemas.microsoft.com/office/drawing/2014/main" xmlns="" id="{5E103417-33D7-7A1E-5135-FE392A9238A1}"/>
+                <a16:creationId xmlns="" xmlns:a16="http://schemas.microsoft.com/office/drawing/2014/main" id="{5E103417-33D7-7A1E-5135-FE392A9238A1}"/>
               </a:ext>
             </a:extLst>
           </p:cNvPr>
@@ -18848,7 +18848,7 @@
           <p:cNvPr id="36" name="Google Shape;74;p14">
             <a:extLst>
               <a:ext uri="{FF2B5EF4-FFF2-40B4-BE49-F238E27FC236}">
-                <a16:creationId xmlns:a16="http://schemas.microsoft.com/office/drawing/2014/main" xmlns="" id="{2E2745A7-5382-D682-E846-353E49F51CE1}"/>
+                <a16:creationId xmlns="" xmlns:a16="http://schemas.microsoft.com/office/drawing/2014/main" id="{2E2745A7-5382-D682-E846-353E49F51CE1}"/>
               </a:ext>
             </a:extLst>
           </p:cNvPr>
@@ -18882,7 +18882,7 @@
           <p:cNvPr id="37" name="Google Shape;75;p14">
             <a:extLst>
               <a:ext uri="{FF2B5EF4-FFF2-40B4-BE49-F238E27FC236}">
-                <a16:creationId xmlns:a16="http://schemas.microsoft.com/office/drawing/2014/main" xmlns="" id="{E3E4915D-2F12-168B-349B-24CDEEB0083B}"/>
+                <a16:creationId xmlns="" xmlns:a16="http://schemas.microsoft.com/office/drawing/2014/main" id="{E3E4915D-2F12-168B-349B-24CDEEB0083B}"/>
               </a:ext>
             </a:extLst>
           </p:cNvPr>
@@ -18916,7 +18916,7 @@
           <p:cNvPr id="40" name="Google Shape;76;p14">
             <a:extLst>
               <a:ext uri="{FF2B5EF4-FFF2-40B4-BE49-F238E27FC236}">
-                <a16:creationId xmlns:a16="http://schemas.microsoft.com/office/drawing/2014/main" xmlns="" id="{1ECE9B11-635C-881C-CE5B-089C627E4372}"/>
+                <a16:creationId xmlns="" xmlns:a16="http://schemas.microsoft.com/office/drawing/2014/main" id="{1ECE9B11-635C-881C-CE5B-089C627E4372}"/>
               </a:ext>
             </a:extLst>
           </p:cNvPr>
@@ -18950,7 +18950,7 @@
           <p:cNvPr id="41" name="Google Shape;77;p14">
             <a:extLst>
               <a:ext uri="{FF2B5EF4-FFF2-40B4-BE49-F238E27FC236}">
-                <a16:creationId xmlns:a16="http://schemas.microsoft.com/office/drawing/2014/main" xmlns="" id="{B873D65F-C642-5A74-03EE-002969DF1388}"/>
+                <a16:creationId xmlns="" xmlns:a16="http://schemas.microsoft.com/office/drawing/2014/main" id="{B873D65F-C642-5A74-03EE-002969DF1388}"/>
               </a:ext>
             </a:extLst>
           </p:cNvPr>
@@ -18984,7 +18984,7 @@
           <p:cNvPr id="42" name="Google Shape;78;p14">
             <a:extLst>
               <a:ext uri="{FF2B5EF4-FFF2-40B4-BE49-F238E27FC236}">
-                <a16:creationId xmlns:a16="http://schemas.microsoft.com/office/drawing/2014/main" xmlns="" id="{971876C7-5053-73D0-155A-9D17633A0F55}"/>
+                <a16:creationId xmlns="" xmlns:a16="http://schemas.microsoft.com/office/drawing/2014/main" id="{971876C7-5053-73D0-155A-9D17633A0F55}"/>
               </a:ext>
             </a:extLst>
           </p:cNvPr>
@@ -19018,7 +19018,7 @@
           <p:cNvPr id="43" name="Google Shape;79;p14">
             <a:extLst>
               <a:ext uri="{FF2B5EF4-FFF2-40B4-BE49-F238E27FC236}">
-                <a16:creationId xmlns:a16="http://schemas.microsoft.com/office/drawing/2014/main" xmlns="" id="{D908096A-7B93-6872-9227-68EFA46E5FEC}"/>
+                <a16:creationId xmlns="" xmlns:a16="http://schemas.microsoft.com/office/drawing/2014/main" id="{D908096A-7B93-6872-9227-68EFA46E5FEC}"/>
               </a:ext>
             </a:extLst>
           </p:cNvPr>
@@ -19052,7 +19052,7 @@
           <p:cNvPr id="44" name="Google Shape;80;p14">
             <a:extLst>
               <a:ext uri="{FF2B5EF4-FFF2-40B4-BE49-F238E27FC236}">
-                <a16:creationId xmlns:a16="http://schemas.microsoft.com/office/drawing/2014/main" xmlns="" id="{5707B8C5-A5A8-44EF-7EA1-212D60CE4405}"/>
+                <a16:creationId xmlns="" xmlns:a16="http://schemas.microsoft.com/office/drawing/2014/main" id="{5707B8C5-A5A8-44EF-7EA1-212D60CE4405}"/>
               </a:ext>
             </a:extLst>
           </p:cNvPr>
@@ -19086,7 +19086,7 @@
           <p:cNvPr id="45" name="Google Shape;81;p14">
             <a:extLst>
               <a:ext uri="{FF2B5EF4-FFF2-40B4-BE49-F238E27FC236}">
-                <a16:creationId xmlns:a16="http://schemas.microsoft.com/office/drawing/2014/main" xmlns="" id="{258DAE7F-F09C-A31E-1F00-ADABD392EAF6}"/>
+                <a16:creationId xmlns="" xmlns:a16="http://schemas.microsoft.com/office/drawing/2014/main" id="{258DAE7F-F09C-A31E-1F00-ADABD392EAF6}"/>
               </a:ext>
             </a:extLst>
           </p:cNvPr>
@@ -19120,7 +19120,7 @@
           <p:cNvPr id="46" name="Google Shape;73;p14">
             <a:extLst>
               <a:ext uri="{FF2B5EF4-FFF2-40B4-BE49-F238E27FC236}">
-                <a16:creationId xmlns:a16="http://schemas.microsoft.com/office/drawing/2014/main" xmlns="" id="{C9BC361F-6BE4-6B47-4157-518F4E8B91B7}"/>
+                <a16:creationId xmlns="" xmlns:a16="http://schemas.microsoft.com/office/drawing/2014/main" id="{C9BC361F-6BE4-6B47-4157-518F4E8B91B7}"/>
               </a:ext>
             </a:extLst>
           </p:cNvPr>
@@ -19154,7 +19154,7 @@
           <p:cNvPr id="47" name="Google Shape;100;p14">
             <a:extLst>
               <a:ext uri="{FF2B5EF4-FFF2-40B4-BE49-F238E27FC236}">
-                <a16:creationId xmlns:a16="http://schemas.microsoft.com/office/drawing/2014/main" xmlns="" id="{FECEA0B3-9605-E3C1-399E-D5B289255275}"/>
+                <a16:creationId xmlns="" xmlns:a16="http://schemas.microsoft.com/office/drawing/2014/main" id="{FECEA0B3-9605-E3C1-399E-D5B289255275}"/>
               </a:ext>
             </a:extLst>
           </p:cNvPr>
@@ -19199,7 +19199,7 @@
           <p:cNvPr id="9" name="箭头: V 形 8">
             <a:extLst>
               <a:ext uri="{FF2B5EF4-FFF2-40B4-BE49-F238E27FC236}">
-                <a16:creationId xmlns:a16="http://schemas.microsoft.com/office/drawing/2014/main" xmlns="" id="{FD24A7BB-FA4E-991F-5929-18EE9CB4A9D9}"/>
+                <a16:creationId xmlns="" xmlns:a16="http://schemas.microsoft.com/office/drawing/2014/main" id="{FD24A7BB-FA4E-991F-5929-18EE9CB4A9D9}"/>
               </a:ext>
             </a:extLst>
           </p:cNvPr>
@@ -19247,7 +19247,7 @@
           <p:cNvPr id="18" name="箭头: V 形 17">
             <a:extLst>
               <a:ext uri="{FF2B5EF4-FFF2-40B4-BE49-F238E27FC236}">
-                <a16:creationId xmlns:a16="http://schemas.microsoft.com/office/drawing/2014/main" xmlns="" id="{8C372B4E-E0EB-3587-D05B-984150483764}"/>
+                <a16:creationId xmlns="" xmlns:a16="http://schemas.microsoft.com/office/drawing/2014/main" id="{8C372B4E-E0EB-3587-D05B-984150483764}"/>
               </a:ext>
             </a:extLst>
           </p:cNvPr>
@@ -19295,7 +19295,7 @@
           <p:cNvPr id="19" name="箭头: V 形 18">
             <a:extLst>
               <a:ext uri="{FF2B5EF4-FFF2-40B4-BE49-F238E27FC236}">
-                <a16:creationId xmlns:a16="http://schemas.microsoft.com/office/drawing/2014/main" xmlns="" id="{857EDEF0-9103-CEE8-DA27-765C3E2D1CF2}"/>
+                <a16:creationId xmlns="" xmlns:a16="http://schemas.microsoft.com/office/drawing/2014/main" id="{857EDEF0-9103-CEE8-DA27-765C3E2D1CF2}"/>
               </a:ext>
             </a:extLst>
           </p:cNvPr>
@@ -19343,7 +19343,7 @@
           <p:cNvPr id="20" name="箭头: V 形 19">
             <a:extLst>
               <a:ext uri="{FF2B5EF4-FFF2-40B4-BE49-F238E27FC236}">
-                <a16:creationId xmlns:a16="http://schemas.microsoft.com/office/drawing/2014/main" xmlns="" id="{42C49E84-E67A-1BB3-2501-0FDDEF0E34DA}"/>
+                <a16:creationId xmlns="" xmlns:a16="http://schemas.microsoft.com/office/drawing/2014/main" id="{42C49E84-E67A-1BB3-2501-0FDDEF0E34DA}"/>
               </a:ext>
             </a:extLst>
           </p:cNvPr>
@@ -19391,7 +19391,7 @@
           <p:cNvPr id="21" name="箭头: V 形 20">
             <a:extLst>
               <a:ext uri="{FF2B5EF4-FFF2-40B4-BE49-F238E27FC236}">
-                <a16:creationId xmlns:a16="http://schemas.microsoft.com/office/drawing/2014/main" xmlns="" id="{BC353627-9371-244D-7367-7A27EC648508}"/>
+                <a16:creationId xmlns="" xmlns:a16="http://schemas.microsoft.com/office/drawing/2014/main" id="{BC353627-9371-244D-7367-7A27EC648508}"/>
               </a:ext>
             </a:extLst>
           </p:cNvPr>
@@ -19439,7 +19439,7 @@
           <p:cNvPr id="22" name="箭头: V 形 21">
             <a:extLst>
               <a:ext uri="{FF2B5EF4-FFF2-40B4-BE49-F238E27FC236}">
-                <a16:creationId xmlns:a16="http://schemas.microsoft.com/office/drawing/2014/main" xmlns="" id="{41D7DFA2-1682-8959-1196-12E3B7C49765}"/>
+                <a16:creationId xmlns="" xmlns:a16="http://schemas.microsoft.com/office/drawing/2014/main" id="{41D7DFA2-1682-8959-1196-12E3B7C49765}"/>
               </a:ext>
             </a:extLst>
           </p:cNvPr>
@@ -19487,7 +19487,7 @@
           <p:cNvPr id="23" name="箭头: V 形 22">
             <a:extLst>
               <a:ext uri="{FF2B5EF4-FFF2-40B4-BE49-F238E27FC236}">
-                <a16:creationId xmlns:a16="http://schemas.microsoft.com/office/drawing/2014/main" xmlns="" id="{3E6B5B9D-8A94-166B-F4E4-0C03AFDA72FF}"/>
+                <a16:creationId xmlns="" xmlns:a16="http://schemas.microsoft.com/office/drawing/2014/main" id="{3E6B5B9D-8A94-166B-F4E4-0C03AFDA72FF}"/>
               </a:ext>
             </a:extLst>
           </p:cNvPr>
@@ -19535,7 +19535,7 @@
           <p:cNvPr id="24" name="箭头: V 形 23">
             <a:extLst>
               <a:ext uri="{FF2B5EF4-FFF2-40B4-BE49-F238E27FC236}">
-                <a16:creationId xmlns:a16="http://schemas.microsoft.com/office/drawing/2014/main" xmlns="" id="{58C2A296-BAAF-AA9E-2CEA-ABDFA8710114}"/>
+                <a16:creationId xmlns="" xmlns:a16="http://schemas.microsoft.com/office/drawing/2014/main" id="{58C2A296-BAAF-AA9E-2CEA-ABDFA8710114}"/>
               </a:ext>
             </a:extLst>
           </p:cNvPr>
@@ -19583,7 +19583,7 @@
           <p:cNvPr id="28" name="箭头: V 形 27">
             <a:extLst>
               <a:ext uri="{FF2B5EF4-FFF2-40B4-BE49-F238E27FC236}">
-                <a16:creationId xmlns:a16="http://schemas.microsoft.com/office/drawing/2014/main" xmlns="" id="{A543D7BC-1C9B-6A49-EC09-098BA7C87EA3}"/>
+                <a16:creationId xmlns="" xmlns:a16="http://schemas.microsoft.com/office/drawing/2014/main" id="{A543D7BC-1C9B-6A49-EC09-098BA7C87EA3}"/>
               </a:ext>
             </a:extLst>
           </p:cNvPr>
@@ -19631,7 +19631,7 @@
           <p:cNvPr id="29" name="箭头: V 形 28">
             <a:extLst>
               <a:ext uri="{FF2B5EF4-FFF2-40B4-BE49-F238E27FC236}">
-                <a16:creationId xmlns:a16="http://schemas.microsoft.com/office/drawing/2014/main" xmlns="" id="{D2AF5DF2-587F-46EB-F970-D8CFB9255024}"/>
+                <a16:creationId xmlns="" xmlns:a16="http://schemas.microsoft.com/office/drawing/2014/main" id="{D2AF5DF2-587F-46EB-F970-D8CFB9255024}"/>
               </a:ext>
             </a:extLst>
           </p:cNvPr>
@@ -19679,7 +19679,7 @@
           <p:cNvPr id="30" name="箭头: V 形 29">
             <a:extLst>
               <a:ext uri="{FF2B5EF4-FFF2-40B4-BE49-F238E27FC236}">
-                <a16:creationId xmlns:a16="http://schemas.microsoft.com/office/drawing/2014/main" xmlns="" id="{9419548B-7308-2803-27AC-502B1EDA4B21}"/>
+                <a16:creationId xmlns="" xmlns:a16="http://schemas.microsoft.com/office/drawing/2014/main" id="{9419548B-7308-2803-27AC-502B1EDA4B21}"/>
               </a:ext>
             </a:extLst>
           </p:cNvPr>
@@ -19727,7 +19727,7 @@
           <p:cNvPr id="31" name="箭头: V 形 30">
             <a:extLst>
               <a:ext uri="{FF2B5EF4-FFF2-40B4-BE49-F238E27FC236}">
-                <a16:creationId xmlns:a16="http://schemas.microsoft.com/office/drawing/2014/main" xmlns="" id="{5EA4D2E4-024B-6111-B464-CCAED25B06D2}"/>
+                <a16:creationId xmlns="" xmlns:a16="http://schemas.microsoft.com/office/drawing/2014/main" id="{5EA4D2E4-024B-6111-B464-CCAED25B06D2}"/>
               </a:ext>
             </a:extLst>
           </p:cNvPr>
@@ -19775,7 +19775,7 @@
           <p:cNvPr id="32" name="箭头: V 形 31">
             <a:extLst>
               <a:ext uri="{FF2B5EF4-FFF2-40B4-BE49-F238E27FC236}">
-                <a16:creationId xmlns:a16="http://schemas.microsoft.com/office/drawing/2014/main" xmlns="" id="{179930E0-6F7E-CCEA-3004-B6A577E77445}"/>
+                <a16:creationId xmlns="" xmlns:a16="http://schemas.microsoft.com/office/drawing/2014/main" id="{179930E0-6F7E-CCEA-3004-B6A577E77445}"/>
               </a:ext>
             </a:extLst>
           </p:cNvPr>
@@ -19823,7 +19823,7 @@
           <p:cNvPr id="33" name="箭头: V 形 32">
             <a:extLst>
               <a:ext uri="{FF2B5EF4-FFF2-40B4-BE49-F238E27FC236}">
-                <a16:creationId xmlns:a16="http://schemas.microsoft.com/office/drawing/2014/main" xmlns="" id="{BCFED254-F97D-29DC-0AF7-9A71396E1D9B}"/>
+                <a16:creationId xmlns="" xmlns:a16="http://schemas.microsoft.com/office/drawing/2014/main" id="{BCFED254-F97D-29DC-0AF7-9A71396E1D9B}"/>
               </a:ext>
             </a:extLst>
           </p:cNvPr>
@@ -19871,7 +19871,7 @@
           <p:cNvPr id="34" name="箭头: V 形 33">
             <a:extLst>
               <a:ext uri="{FF2B5EF4-FFF2-40B4-BE49-F238E27FC236}">
-                <a16:creationId xmlns:a16="http://schemas.microsoft.com/office/drawing/2014/main" xmlns="" id="{ADBFB33B-4138-0F9E-231F-DA43D8BCC91E}"/>
+                <a16:creationId xmlns="" xmlns:a16="http://schemas.microsoft.com/office/drawing/2014/main" id="{ADBFB33B-4138-0F9E-231F-DA43D8BCC91E}"/>
               </a:ext>
             </a:extLst>
           </p:cNvPr>
@@ -19919,7 +19919,7 @@
           <p:cNvPr id="35" name="箭头: V 形 34">
             <a:extLst>
               <a:ext uri="{FF2B5EF4-FFF2-40B4-BE49-F238E27FC236}">
-                <a16:creationId xmlns:a16="http://schemas.microsoft.com/office/drawing/2014/main" xmlns="" id="{E92C13C8-1702-EA52-0B0B-3C4AD4D4D38B}"/>
+                <a16:creationId xmlns="" xmlns:a16="http://schemas.microsoft.com/office/drawing/2014/main" id="{E92C13C8-1702-EA52-0B0B-3C4AD4D4D38B}"/>
               </a:ext>
             </a:extLst>
           </p:cNvPr>
@@ -19997,7 +19997,7 @@
           <p:cNvPr id="2" name="标题 1">
             <a:extLst>
               <a:ext uri="{FF2B5EF4-FFF2-40B4-BE49-F238E27FC236}">
-                <a16:creationId xmlns:a16="http://schemas.microsoft.com/office/drawing/2014/main" xmlns="" id="{80796E82-7314-2FBE-2DE8-DDD70D4DF27E}"/>
+                <a16:creationId xmlns="" xmlns:a16="http://schemas.microsoft.com/office/drawing/2014/main" id="{80796E82-7314-2FBE-2DE8-DDD70D4DF27E}"/>
               </a:ext>
             </a:extLst>
           </p:cNvPr>
@@ -20046,7 +20046,7 @@
           <p:cNvPr id="4" name="文本框 3">
             <a:extLst>
               <a:ext uri="{FF2B5EF4-FFF2-40B4-BE49-F238E27FC236}">
-                <a16:creationId xmlns:a16="http://schemas.microsoft.com/office/drawing/2014/main" xmlns="" id="{3E8E8225-E7B4-E598-7AEB-66BC2EF7864E}"/>
+                <a16:creationId xmlns="" xmlns:a16="http://schemas.microsoft.com/office/drawing/2014/main" id="{3E8E8225-E7B4-E598-7AEB-66BC2EF7864E}"/>
               </a:ext>
             </a:extLst>
           </p:cNvPr>
@@ -20092,7 +20092,7 @@
           <p:cNvPr id="94" name="椭圆 93">
             <a:extLst>
               <a:ext uri="{FF2B5EF4-FFF2-40B4-BE49-F238E27FC236}">
-                <a16:creationId xmlns:a16="http://schemas.microsoft.com/office/drawing/2014/main" xmlns="" id="{8BEE0963-F39F-E799-5A6C-7DB2D9695EA3}"/>
+                <a16:creationId xmlns="" xmlns:a16="http://schemas.microsoft.com/office/drawing/2014/main" id="{8BEE0963-F39F-E799-5A6C-7DB2D9695EA3}"/>
               </a:ext>
             </a:extLst>
           </p:cNvPr>
@@ -20144,7 +20144,7 @@
           <p:cNvPr id="6" name="椭圆 5">
             <a:extLst>
               <a:ext uri="{FF2B5EF4-FFF2-40B4-BE49-F238E27FC236}">
-                <a16:creationId xmlns:a16="http://schemas.microsoft.com/office/drawing/2014/main" xmlns="" id="{1F3D5A18-117A-FBDB-A07B-D4E2DC2FC832}"/>
+                <a16:creationId xmlns="" xmlns:a16="http://schemas.microsoft.com/office/drawing/2014/main" id="{1F3D5A18-117A-FBDB-A07B-D4E2DC2FC832}"/>
               </a:ext>
             </a:extLst>
           </p:cNvPr>
@@ -20194,7 +20194,7 @@
           <p:cNvPr id="7" name="矩形 6">
             <a:extLst>
               <a:ext uri="{FF2B5EF4-FFF2-40B4-BE49-F238E27FC236}">
-                <a16:creationId xmlns:a16="http://schemas.microsoft.com/office/drawing/2014/main" xmlns="" id="{1DB7B11B-A7F7-8894-4BAF-68DD060767B3}"/>
+                <a16:creationId xmlns="" xmlns:a16="http://schemas.microsoft.com/office/drawing/2014/main" id="{1DB7B11B-A7F7-8894-4BAF-68DD060767B3}"/>
               </a:ext>
             </a:extLst>
           </p:cNvPr>
@@ -20244,7 +20244,7 @@
           <p:cNvPr id="16" name="矩形 15">
             <a:extLst>
               <a:ext uri="{FF2B5EF4-FFF2-40B4-BE49-F238E27FC236}">
-                <a16:creationId xmlns:a16="http://schemas.microsoft.com/office/drawing/2014/main" xmlns="" id="{5E103417-33D7-7A1E-5135-FE392A9238A1}"/>
+                <a16:creationId xmlns="" xmlns:a16="http://schemas.microsoft.com/office/drawing/2014/main" id="{5E103417-33D7-7A1E-5135-FE392A9238A1}"/>
               </a:ext>
             </a:extLst>
           </p:cNvPr>
@@ -20294,7 +20294,7 @@
           <p:cNvPr id="36" name="Google Shape;74;p14">
             <a:extLst>
               <a:ext uri="{FF2B5EF4-FFF2-40B4-BE49-F238E27FC236}">
-                <a16:creationId xmlns:a16="http://schemas.microsoft.com/office/drawing/2014/main" xmlns="" id="{2E2745A7-5382-D682-E846-353E49F51CE1}"/>
+                <a16:creationId xmlns="" xmlns:a16="http://schemas.microsoft.com/office/drawing/2014/main" id="{2E2745A7-5382-D682-E846-353E49F51CE1}"/>
               </a:ext>
             </a:extLst>
           </p:cNvPr>
@@ -20328,7 +20328,7 @@
           <p:cNvPr id="37" name="Google Shape;75;p14">
             <a:extLst>
               <a:ext uri="{FF2B5EF4-FFF2-40B4-BE49-F238E27FC236}">
-                <a16:creationId xmlns:a16="http://schemas.microsoft.com/office/drawing/2014/main" xmlns="" id="{E3E4915D-2F12-168B-349B-24CDEEB0083B}"/>
+                <a16:creationId xmlns="" xmlns:a16="http://schemas.microsoft.com/office/drawing/2014/main" id="{E3E4915D-2F12-168B-349B-24CDEEB0083B}"/>
               </a:ext>
             </a:extLst>
           </p:cNvPr>
@@ -20362,7 +20362,7 @@
           <p:cNvPr id="40" name="Google Shape;76;p14">
             <a:extLst>
               <a:ext uri="{FF2B5EF4-FFF2-40B4-BE49-F238E27FC236}">
-                <a16:creationId xmlns:a16="http://schemas.microsoft.com/office/drawing/2014/main" xmlns="" id="{1ECE9B11-635C-881C-CE5B-089C627E4372}"/>
+                <a16:creationId xmlns="" xmlns:a16="http://schemas.microsoft.com/office/drawing/2014/main" id="{1ECE9B11-635C-881C-CE5B-089C627E4372}"/>
               </a:ext>
             </a:extLst>
           </p:cNvPr>
@@ -20396,7 +20396,7 @@
           <p:cNvPr id="41" name="Google Shape;77;p14">
             <a:extLst>
               <a:ext uri="{FF2B5EF4-FFF2-40B4-BE49-F238E27FC236}">
-                <a16:creationId xmlns:a16="http://schemas.microsoft.com/office/drawing/2014/main" xmlns="" id="{B873D65F-C642-5A74-03EE-002969DF1388}"/>
+                <a16:creationId xmlns="" xmlns:a16="http://schemas.microsoft.com/office/drawing/2014/main" id="{B873D65F-C642-5A74-03EE-002969DF1388}"/>
               </a:ext>
             </a:extLst>
           </p:cNvPr>
@@ -20430,7 +20430,7 @@
           <p:cNvPr id="42" name="Google Shape;78;p14">
             <a:extLst>
               <a:ext uri="{FF2B5EF4-FFF2-40B4-BE49-F238E27FC236}">
-                <a16:creationId xmlns:a16="http://schemas.microsoft.com/office/drawing/2014/main" xmlns="" id="{971876C7-5053-73D0-155A-9D17633A0F55}"/>
+                <a16:creationId xmlns="" xmlns:a16="http://schemas.microsoft.com/office/drawing/2014/main" id="{971876C7-5053-73D0-155A-9D17633A0F55}"/>
               </a:ext>
             </a:extLst>
           </p:cNvPr>
@@ -20464,7 +20464,7 @@
           <p:cNvPr id="43" name="Google Shape;79;p14">
             <a:extLst>
               <a:ext uri="{FF2B5EF4-FFF2-40B4-BE49-F238E27FC236}">
-                <a16:creationId xmlns:a16="http://schemas.microsoft.com/office/drawing/2014/main" xmlns="" id="{D908096A-7B93-6872-9227-68EFA46E5FEC}"/>
+                <a16:creationId xmlns="" xmlns:a16="http://schemas.microsoft.com/office/drawing/2014/main" id="{D908096A-7B93-6872-9227-68EFA46E5FEC}"/>
               </a:ext>
             </a:extLst>
           </p:cNvPr>
@@ -20498,7 +20498,7 @@
           <p:cNvPr id="44" name="Google Shape;80;p14">
             <a:extLst>
               <a:ext uri="{FF2B5EF4-FFF2-40B4-BE49-F238E27FC236}">
-                <a16:creationId xmlns:a16="http://schemas.microsoft.com/office/drawing/2014/main" xmlns="" id="{5707B8C5-A5A8-44EF-7EA1-212D60CE4405}"/>
+                <a16:creationId xmlns="" xmlns:a16="http://schemas.microsoft.com/office/drawing/2014/main" id="{5707B8C5-A5A8-44EF-7EA1-212D60CE4405}"/>
               </a:ext>
             </a:extLst>
           </p:cNvPr>
@@ -20532,7 +20532,7 @@
           <p:cNvPr id="45" name="Google Shape;81;p14">
             <a:extLst>
               <a:ext uri="{FF2B5EF4-FFF2-40B4-BE49-F238E27FC236}">
-                <a16:creationId xmlns:a16="http://schemas.microsoft.com/office/drawing/2014/main" xmlns="" id="{258DAE7F-F09C-A31E-1F00-ADABD392EAF6}"/>
+                <a16:creationId xmlns="" xmlns:a16="http://schemas.microsoft.com/office/drawing/2014/main" id="{258DAE7F-F09C-A31E-1F00-ADABD392EAF6}"/>
               </a:ext>
             </a:extLst>
           </p:cNvPr>
@@ -20566,7 +20566,7 @@
           <p:cNvPr id="38" name="Google Shape;73;p14">
             <a:extLst>
               <a:ext uri="{FF2B5EF4-FFF2-40B4-BE49-F238E27FC236}">
-                <a16:creationId xmlns:a16="http://schemas.microsoft.com/office/drawing/2014/main" xmlns="" id="{E0001BAF-FACE-D307-1D07-8A20E39EEA01}"/>
+                <a16:creationId xmlns="" xmlns:a16="http://schemas.microsoft.com/office/drawing/2014/main" id="{E0001BAF-FACE-D307-1D07-8A20E39EEA01}"/>
               </a:ext>
             </a:extLst>
           </p:cNvPr>
@@ -20600,7 +20600,7 @@
           <p:cNvPr id="39" name="Google Shape;100;p14">
             <a:extLst>
               <a:ext uri="{FF2B5EF4-FFF2-40B4-BE49-F238E27FC236}">
-                <a16:creationId xmlns:a16="http://schemas.microsoft.com/office/drawing/2014/main" xmlns="" id="{C645A3CD-E123-0AD2-7C08-708809D6E638}"/>
+                <a16:creationId xmlns="" xmlns:a16="http://schemas.microsoft.com/office/drawing/2014/main" id="{C645A3CD-E123-0AD2-7C08-708809D6E638}"/>
               </a:ext>
             </a:extLst>
           </p:cNvPr>
@@ -20645,7 +20645,7 @@
           <p:cNvPr id="3" name="等腰三角形 2">
             <a:extLst>
               <a:ext uri="{FF2B5EF4-FFF2-40B4-BE49-F238E27FC236}">
-                <a16:creationId xmlns:a16="http://schemas.microsoft.com/office/drawing/2014/main" xmlns="" id="{3958D119-CD60-7C80-CFD3-372C4AD8F295}"/>
+                <a16:creationId xmlns="" xmlns:a16="http://schemas.microsoft.com/office/drawing/2014/main" id="{3958D119-CD60-7C80-CFD3-372C4AD8F295}"/>
               </a:ext>
             </a:extLst>
           </p:cNvPr>
@@ -20694,7 +20694,7 @@
           <p:cNvPr id="46" name="等腰三角形 45">
             <a:extLst>
               <a:ext uri="{FF2B5EF4-FFF2-40B4-BE49-F238E27FC236}">
-                <a16:creationId xmlns:a16="http://schemas.microsoft.com/office/drawing/2014/main" xmlns="" id="{5C14F302-8A69-86B2-A50F-83427D1040CD}"/>
+                <a16:creationId xmlns="" xmlns:a16="http://schemas.microsoft.com/office/drawing/2014/main" id="{5C14F302-8A69-86B2-A50F-83427D1040CD}"/>
               </a:ext>
             </a:extLst>
           </p:cNvPr>
@@ -20743,7 +20743,7 @@
           <p:cNvPr id="47" name="等腰三角形 46">
             <a:extLst>
               <a:ext uri="{FF2B5EF4-FFF2-40B4-BE49-F238E27FC236}">
-                <a16:creationId xmlns:a16="http://schemas.microsoft.com/office/drawing/2014/main" xmlns="" id="{44104A55-FCFB-B777-5E13-988287C28FD2}"/>
+                <a16:creationId xmlns="" xmlns:a16="http://schemas.microsoft.com/office/drawing/2014/main" id="{44104A55-FCFB-B777-5E13-988287C28FD2}"/>
               </a:ext>
             </a:extLst>
           </p:cNvPr>
@@ -20792,7 +20792,7 @@
           <p:cNvPr id="48" name="等腰三角形 47">
             <a:extLst>
               <a:ext uri="{FF2B5EF4-FFF2-40B4-BE49-F238E27FC236}">
-                <a16:creationId xmlns:a16="http://schemas.microsoft.com/office/drawing/2014/main" xmlns="" id="{4E345FD8-5C2C-0616-0CF7-1418D66B0ABC}"/>
+                <a16:creationId xmlns="" xmlns:a16="http://schemas.microsoft.com/office/drawing/2014/main" id="{4E345FD8-5C2C-0616-0CF7-1418D66B0ABC}"/>
               </a:ext>
             </a:extLst>
           </p:cNvPr>
@@ -20841,7 +20841,7 @@
           <p:cNvPr id="49" name="等腰三角形 48">
             <a:extLst>
               <a:ext uri="{FF2B5EF4-FFF2-40B4-BE49-F238E27FC236}">
-                <a16:creationId xmlns:a16="http://schemas.microsoft.com/office/drawing/2014/main" xmlns="" id="{71BB4B96-7AF4-C164-AEA3-FEA62D216D12}"/>
+                <a16:creationId xmlns="" xmlns:a16="http://schemas.microsoft.com/office/drawing/2014/main" id="{71BB4B96-7AF4-C164-AEA3-FEA62D216D12}"/>
               </a:ext>
             </a:extLst>
           </p:cNvPr>
@@ -20890,7 +20890,7 @@
           <p:cNvPr id="50" name="等腰三角形 49">
             <a:extLst>
               <a:ext uri="{FF2B5EF4-FFF2-40B4-BE49-F238E27FC236}">
-                <a16:creationId xmlns:a16="http://schemas.microsoft.com/office/drawing/2014/main" xmlns="" id="{5190B8C1-0472-40DA-6E3E-8642A3B77B20}"/>
+                <a16:creationId xmlns="" xmlns:a16="http://schemas.microsoft.com/office/drawing/2014/main" id="{5190B8C1-0472-40DA-6E3E-8642A3B77B20}"/>
               </a:ext>
             </a:extLst>
           </p:cNvPr>
@@ -20939,7 +20939,7 @@
           <p:cNvPr id="51" name="等腰三角形 50">
             <a:extLst>
               <a:ext uri="{FF2B5EF4-FFF2-40B4-BE49-F238E27FC236}">
-                <a16:creationId xmlns:a16="http://schemas.microsoft.com/office/drawing/2014/main" xmlns="" id="{89F4727C-D5F0-4B4A-364B-C53427EB4EF4}"/>
+                <a16:creationId xmlns="" xmlns:a16="http://schemas.microsoft.com/office/drawing/2014/main" id="{89F4727C-D5F0-4B4A-364B-C53427EB4EF4}"/>
               </a:ext>
             </a:extLst>
           </p:cNvPr>
@@ -20988,7 +20988,7 @@
           <p:cNvPr id="52" name="等腰三角形 51">
             <a:extLst>
               <a:ext uri="{FF2B5EF4-FFF2-40B4-BE49-F238E27FC236}">
-                <a16:creationId xmlns:a16="http://schemas.microsoft.com/office/drawing/2014/main" xmlns="" id="{05BC28BD-C926-BEBE-1136-5FB5EE25CFB8}"/>
+                <a16:creationId xmlns="" xmlns:a16="http://schemas.microsoft.com/office/drawing/2014/main" id="{05BC28BD-C926-BEBE-1136-5FB5EE25CFB8}"/>
               </a:ext>
             </a:extLst>
           </p:cNvPr>
@@ -21077,7 +21077,7 @@
           <p:cNvPr id="2" name="标题 1">
             <a:extLst>
               <a:ext uri="{FF2B5EF4-FFF2-40B4-BE49-F238E27FC236}">
-                <a16:creationId xmlns:a16="http://schemas.microsoft.com/office/drawing/2014/main" xmlns="" id="{2A9B6C59-89F9-5390-BB77-F8DB7EF7B310}"/>
+                <a16:creationId xmlns="" xmlns:a16="http://schemas.microsoft.com/office/drawing/2014/main" id="{2A9B6C59-89F9-5390-BB77-F8DB7EF7B310}"/>
               </a:ext>
             </a:extLst>
           </p:cNvPr>
@@ -21152,7 +21152,7 @@
           <p:cNvPr id="2" name="标题 1">
             <a:extLst>
               <a:ext uri="{FF2B5EF4-FFF2-40B4-BE49-F238E27FC236}">
-                <a16:creationId xmlns:a16="http://schemas.microsoft.com/office/drawing/2014/main" xmlns="" id="{80796E82-7314-2FBE-2DE8-DDD70D4DF27E}"/>
+                <a16:creationId xmlns="" xmlns:a16="http://schemas.microsoft.com/office/drawing/2014/main" id="{80796E82-7314-2FBE-2DE8-DDD70D4DF27E}"/>
               </a:ext>
             </a:extLst>
           </p:cNvPr>
@@ -21194,7 +21194,7 @@
           <p:cNvPr id="4" name="文本框 3">
             <a:extLst>
               <a:ext uri="{FF2B5EF4-FFF2-40B4-BE49-F238E27FC236}">
-                <a16:creationId xmlns:a16="http://schemas.microsoft.com/office/drawing/2014/main" xmlns="" id="{3E8E8225-E7B4-E598-7AEB-66BC2EF7864E}"/>
+                <a16:creationId xmlns="" xmlns:a16="http://schemas.microsoft.com/office/drawing/2014/main" id="{3E8E8225-E7B4-E598-7AEB-66BC2EF7864E}"/>
               </a:ext>
             </a:extLst>
           </p:cNvPr>
@@ -21300,7 +21300,7 @@
           <p:cNvPr id="94" name="椭圆 93">
             <a:extLst>
               <a:ext uri="{FF2B5EF4-FFF2-40B4-BE49-F238E27FC236}">
-                <a16:creationId xmlns:a16="http://schemas.microsoft.com/office/drawing/2014/main" xmlns="" id="{8BEE0963-F39F-E799-5A6C-7DB2D9695EA3}"/>
+                <a16:creationId xmlns="" xmlns:a16="http://schemas.microsoft.com/office/drawing/2014/main" id="{8BEE0963-F39F-E799-5A6C-7DB2D9695EA3}"/>
               </a:ext>
             </a:extLst>
           </p:cNvPr>
@@ -21352,7 +21352,7 @@
           <p:cNvPr id="3" name="椭圆 2">
             <a:extLst>
               <a:ext uri="{FF2B5EF4-FFF2-40B4-BE49-F238E27FC236}">
-                <a16:creationId xmlns:a16="http://schemas.microsoft.com/office/drawing/2014/main" xmlns="" id="{012F767B-5206-A517-0D25-41845DA1D568}"/>
+                <a16:creationId xmlns="" xmlns:a16="http://schemas.microsoft.com/office/drawing/2014/main" id="{012F767B-5206-A517-0D25-41845DA1D568}"/>
               </a:ext>
             </a:extLst>
           </p:cNvPr>
@@ -21404,7 +21404,7 @@
           <p:cNvPr id="25" name="图片 24">
             <a:extLst>
               <a:ext uri="{FF2B5EF4-FFF2-40B4-BE49-F238E27FC236}">
-                <a16:creationId xmlns:a16="http://schemas.microsoft.com/office/drawing/2014/main" xmlns="" id="{09006F16-5378-003E-5C0E-8FF9FEC546D4}"/>
+                <a16:creationId xmlns="" xmlns:a16="http://schemas.microsoft.com/office/drawing/2014/main" id="{09006F16-5378-003E-5C0E-8FF9FEC546D4}"/>
               </a:ext>
             </a:extLst>
           </p:cNvPr>
@@ -21434,7 +21434,7 @@
           <p:cNvPr id="26" name="图片 25">
             <a:extLst>
               <a:ext uri="{FF2B5EF4-FFF2-40B4-BE49-F238E27FC236}">
-                <a16:creationId xmlns:a16="http://schemas.microsoft.com/office/drawing/2014/main" xmlns="" id="{2BAD37FB-EB9D-D370-2B51-8E35AAF38167}"/>
+                <a16:creationId xmlns="" xmlns:a16="http://schemas.microsoft.com/office/drawing/2014/main" id="{2BAD37FB-EB9D-D370-2B51-8E35AAF38167}"/>
               </a:ext>
             </a:extLst>
           </p:cNvPr>
@@ -21464,7 +21464,7 @@
           <p:cNvPr id="27" name="图片 26">
             <a:extLst>
               <a:ext uri="{FF2B5EF4-FFF2-40B4-BE49-F238E27FC236}">
-                <a16:creationId xmlns:a16="http://schemas.microsoft.com/office/drawing/2014/main" xmlns="" id="{1C0210CD-C266-B930-E638-BB546D154C74}"/>
+                <a16:creationId xmlns="" xmlns:a16="http://schemas.microsoft.com/office/drawing/2014/main" id="{1C0210CD-C266-B930-E638-BB546D154C74}"/>
               </a:ext>
             </a:extLst>
           </p:cNvPr>
@@ -21494,7 +21494,7 @@
           <p:cNvPr id="12" name="箭头: 右 11">
             <a:extLst>
               <a:ext uri="{FF2B5EF4-FFF2-40B4-BE49-F238E27FC236}">
-                <a16:creationId xmlns:a16="http://schemas.microsoft.com/office/drawing/2014/main" xmlns="" id="{CBE2E6AE-C4B4-960A-F745-009687CC64E1}"/>
+                <a16:creationId xmlns="" xmlns:a16="http://schemas.microsoft.com/office/drawing/2014/main" id="{CBE2E6AE-C4B4-960A-F745-009687CC64E1}"/>
               </a:ext>
             </a:extLst>
           </p:cNvPr>
@@ -21548,7 +21548,7 @@
           <p:cNvPr id="38" name="箭头: 右 37">
             <a:extLst>
               <a:ext uri="{FF2B5EF4-FFF2-40B4-BE49-F238E27FC236}">
-                <a16:creationId xmlns:a16="http://schemas.microsoft.com/office/drawing/2014/main" xmlns="" id="{D83C9897-8C6C-63D0-4980-561938006796}"/>
+                <a16:creationId xmlns="" xmlns:a16="http://schemas.microsoft.com/office/drawing/2014/main" id="{D83C9897-8C6C-63D0-4980-561938006796}"/>
               </a:ext>
             </a:extLst>
           </p:cNvPr>
@@ -21595,7 +21595,7 @@
           <p:cNvPr id="39" name="箭头: 右 38">
             <a:extLst>
               <a:ext uri="{FF2B5EF4-FFF2-40B4-BE49-F238E27FC236}">
-                <a16:creationId xmlns:a16="http://schemas.microsoft.com/office/drawing/2014/main" xmlns="" id="{7541AED3-F942-9EB8-6A5E-FD3C9A6A9741}"/>
+                <a16:creationId xmlns="" xmlns:a16="http://schemas.microsoft.com/office/drawing/2014/main" id="{7541AED3-F942-9EB8-6A5E-FD3C9A6A9741}"/>
               </a:ext>
             </a:extLst>
           </p:cNvPr>
@@ -21672,7 +21672,7 @@
           <p:cNvPr id="2" name="标题 1">
             <a:extLst>
               <a:ext uri="{FF2B5EF4-FFF2-40B4-BE49-F238E27FC236}">
-                <a16:creationId xmlns:a16="http://schemas.microsoft.com/office/drawing/2014/main" xmlns="" id="{80796E82-7314-2FBE-2DE8-DDD70D4DF27E}"/>
+                <a16:creationId xmlns="" xmlns:a16="http://schemas.microsoft.com/office/drawing/2014/main" id="{80796E82-7314-2FBE-2DE8-DDD70D4DF27E}"/>
               </a:ext>
             </a:extLst>
           </p:cNvPr>
@@ -21714,7 +21714,7 @@
           <p:cNvPr id="4" name="文本框 3">
             <a:extLst>
               <a:ext uri="{FF2B5EF4-FFF2-40B4-BE49-F238E27FC236}">
-                <a16:creationId xmlns:a16="http://schemas.microsoft.com/office/drawing/2014/main" xmlns="" id="{3E8E8225-E7B4-E598-7AEB-66BC2EF7864E}"/>
+                <a16:creationId xmlns="" xmlns:a16="http://schemas.microsoft.com/office/drawing/2014/main" id="{3E8E8225-E7B4-E598-7AEB-66BC2EF7864E}"/>
               </a:ext>
             </a:extLst>
           </p:cNvPr>
@@ -21771,7 +21771,7 @@
           <p:cNvPr id="94" name="椭圆 93">
             <a:extLst>
               <a:ext uri="{FF2B5EF4-FFF2-40B4-BE49-F238E27FC236}">
-                <a16:creationId xmlns:a16="http://schemas.microsoft.com/office/drawing/2014/main" xmlns="" id="{8BEE0963-F39F-E799-5A6C-7DB2D9695EA3}"/>
+                <a16:creationId xmlns="" xmlns:a16="http://schemas.microsoft.com/office/drawing/2014/main" id="{8BEE0963-F39F-E799-5A6C-7DB2D9695EA3}"/>
               </a:ext>
             </a:extLst>
           </p:cNvPr>
@@ -21823,7 +21823,7 @@
           <p:cNvPr id="3" name="椭圆 2">
             <a:extLst>
               <a:ext uri="{FF2B5EF4-FFF2-40B4-BE49-F238E27FC236}">
-                <a16:creationId xmlns:a16="http://schemas.microsoft.com/office/drawing/2014/main" xmlns="" id="{012F767B-5206-A517-0D25-41845DA1D568}"/>
+                <a16:creationId xmlns="" xmlns:a16="http://schemas.microsoft.com/office/drawing/2014/main" id="{012F767B-5206-A517-0D25-41845DA1D568}"/>
               </a:ext>
             </a:extLst>
           </p:cNvPr>
@@ -21875,7 +21875,7 @@
           <p:cNvPr id="13" name="椭圆 12">
             <a:extLst>
               <a:ext uri="{FF2B5EF4-FFF2-40B4-BE49-F238E27FC236}">
-                <a16:creationId xmlns:a16="http://schemas.microsoft.com/office/drawing/2014/main" xmlns="" id="{38B7E776-7869-C2EE-A5AD-FE07B12FAB74}"/>
+                <a16:creationId xmlns="" xmlns:a16="http://schemas.microsoft.com/office/drawing/2014/main" id="{38B7E776-7869-C2EE-A5AD-FE07B12FAB74}"/>
               </a:ext>
             </a:extLst>
           </p:cNvPr>
@@ -21931,7 +21931,7 @@
           <p:cNvPr id="14" name="椭圆 13">
             <a:extLst>
               <a:ext uri="{FF2B5EF4-FFF2-40B4-BE49-F238E27FC236}">
-                <a16:creationId xmlns:a16="http://schemas.microsoft.com/office/drawing/2014/main" xmlns="" id="{D8DD0DA6-117D-35B7-99A2-FF9219BEBA7A}"/>
+                <a16:creationId xmlns="" xmlns:a16="http://schemas.microsoft.com/office/drawing/2014/main" id="{D8DD0DA6-117D-35B7-99A2-FF9219BEBA7A}"/>
               </a:ext>
             </a:extLst>
           </p:cNvPr>
@@ -21991,7 +21991,7 @@
           <p:cNvPr id="15" name="椭圆 14">
             <a:extLst>
               <a:ext uri="{FF2B5EF4-FFF2-40B4-BE49-F238E27FC236}">
-                <a16:creationId xmlns:a16="http://schemas.microsoft.com/office/drawing/2014/main" xmlns="" id="{4473FF23-7236-BE2D-9F0F-D30171020183}"/>
+                <a16:creationId xmlns="" xmlns:a16="http://schemas.microsoft.com/office/drawing/2014/main" id="{4473FF23-7236-BE2D-9F0F-D30171020183}"/>
               </a:ext>
             </a:extLst>
           </p:cNvPr>
@@ -22051,7 +22051,7 @@
           <p:cNvPr id="16" name="椭圆 15">
             <a:extLst>
               <a:ext uri="{FF2B5EF4-FFF2-40B4-BE49-F238E27FC236}">
-                <a16:creationId xmlns:a16="http://schemas.microsoft.com/office/drawing/2014/main" xmlns="" id="{5B674586-3FAA-F398-D9DD-3C1412DB22B3}"/>
+                <a16:creationId xmlns="" xmlns:a16="http://schemas.microsoft.com/office/drawing/2014/main" id="{5B674586-3FAA-F398-D9DD-3C1412DB22B3}"/>
               </a:ext>
             </a:extLst>
           </p:cNvPr>
@@ -22111,7 +22111,7 @@
           <p:cNvPr id="17" name="椭圆 16">
             <a:extLst>
               <a:ext uri="{FF2B5EF4-FFF2-40B4-BE49-F238E27FC236}">
-                <a16:creationId xmlns:a16="http://schemas.microsoft.com/office/drawing/2014/main" xmlns="" id="{1B65CA99-0563-B4C2-F8E8-0F681E9BE5AA}"/>
+                <a16:creationId xmlns="" xmlns:a16="http://schemas.microsoft.com/office/drawing/2014/main" id="{1B65CA99-0563-B4C2-F8E8-0F681E9BE5AA}"/>
               </a:ext>
             </a:extLst>
           </p:cNvPr>
@@ -22171,7 +22171,7 @@
           <p:cNvPr id="18" name="椭圆 17">
             <a:extLst>
               <a:ext uri="{FF2B5EF4-FFF2-40B4-BE49-F238E27FC236}">
-                <a16:creationId xmlns:a16="http://schemas.microsoft.com/office/drawing/2014/main" xmlns="" id="{28E9B88E-5089-3E31-A173-9E6BFC411B12}"/>
+                <a16:creationId xmlns="" xmlns:a16="http://schemas.microsoft.com/office/drawing/2014/main" id="{28E9B88E-5089-3E31-A173-9E6BFC411B12}"/>
               </a:ext>
             </a:extLst>
           </p:cNvPr>
@@ -22227,7 +22227,7 @@
           <p:cNvPr id="19" name="椭圆 18">
             <a:extLst>
               <a:ext uri="{FF2B5EF4-FFF2-40B4-BE49-F238E27FC236}">
-                <a16:creationId xmlns:a16="http://schemas.microsoft.com/office/drawing/2014/main" xmlns="" id="{65071104-DAC5-B2F4-E32C-3E8685DC9ABB}"/>
+                <a16:creationId xmlns="" xmlns:a16="http://schemas.microsoft.com/office/drawing/2014/main" id="{65071104-DAC5-B2F4-E32C-3E8685DC9ABB}"/>
               </a:ext>
             </a:extLst>
           </p:cNvPr>
@@ -22283,7 +22283,7 @@
           <p:cNvPr id="20" name="椭圆 19">
             <a:extLst>
               <a:ext uri="{FF2B5EF4-FFF2-40B4-BE49-F238E27FC236}">
-                <a16:creationId xmlns:a16="http://schemas.microsoft.com/office/drawing/2014/main" xmlns="" id="{139AD470-0E68-4E4A-461B-9AC53FA9B15D}"/>
+                <a16:creationId xmlns="" xmlns:a16="http://schemas.microsoft.com/office/drawing/2014/main" id="{139AD470-0E68-4E4A-461B-9AC53FA9B15D}"/>
               </a:ext>
             </a:extLst>
           </p:cNvPr>
@@ -22369,7 +22369,7 @@
           <p:cNvPr id="21" name="图片 20">
             <a:extLst>
               <a:ext uri="{FF2B5EF4-FFF2-40B4-BE49-F238E27FC236}">
-                <a16:creationId xmlns:a16="http://schemas.microsoft.com/office/drawing/2014/main" xmlns="" id="{10E4E8DE-E31A-2625-3BAE-58C9DC6E1CD4}"/>
+                <a16:creationId xmlns="" xmlns:a16="http://schemas.microsoft.com/office/drawing/2014/main" id="{10E4E8DE-E31A-2625-3BAE-58C9DC6E1CD4}"/>
               </a:ext>
             </a:extLst>
           </p:cNvPr>
@@ -22399,7 +22399,7 @@
           <p:cNvPr id="23" name="图片 22">
             <a:extLst>
               <a:ext uri="{FF2B5EF4-FFF2-40B4-BE49-F238E27FC236}">
-                <a16:creationId xmlns:a16="http://schemas.microsoft.com/office/drawing/2014/main" xmlns="" id="{16647850-EC2C-0EB9-87DD-021513204952}"/>
+                <a16:creationId xmlns="" xmlns:a16="http://schemas.microsoft.com/office/drawing/2014/main" id="{16647850-EC2C-0EB9-87DD-021513204952}"/>
               </a:ext>
             </a:extLst>
           </p:cNvPr>
@@ -22429,7 +22429,7 @@
           <p:cNvPr id="27" name="图片 26">
             <a:extLst>
               <a:ext uri="{FF2B5EF4-FFF2-40B4-BE49-F238E27FC236}">
-                <a16:creationId xmlns:a16="http://schemas.microsoft.com/office/drawing/2014/main" xmlns="" id="{772A4570-CF22-2902-D9E1-D7E60C021041}"/>
+                <a16:creationId xmlns="" xmlns:a16="http://schemas.microsoft.com/office/drawing/2014/main" id="{772A4570-CF22-2902-D9E1-D7E60C021041}"/>
               </a:ext>
             </a:extLst>
           </p:cNvPr>
@@ -22459,7 +22459,7 @@
           <p:cNvPr id="29" name="图片 28">
             <a:extLst>
               <a:ext uri="{FF2B5EF4-FFF2-40B4-BE49-F238E27FC236}">
-                <a16:creationId xmlns:a16="http://schemas.microsoft.com/office/drawing/2014/main" xmlns="" id="{5128C50F-4299-3146-AEDE-C73B90459F44}"/>
+                <a16:creationId xmlns="" xmlns:a16="http://schemas.microsoft.com/office/drawing/2014/main" id="{5128C50F-4299-3146-AEDE-C73B90459F44}"/>
               </a:ext>
             </a:extLst>
           </p:cNvPr>
@@ -22489,7 +22489,7 @@
           <p:cNvPr id="31" name="图片 30">
             <a:extLst>
               <a:ext uri="{FF2B5EF4-FFF2-40B4-BE49-F238E27FC236}">
-                <a16:creationId xmlns:a16="http://schemas.microsoft.com/office/drawing/2014/main" xmlns="" id="{324F68F4-34AD-C9E9-3330-8E7CEFCD4AB8}"/>
+                <a16:creationId xmlns="" xmlns:a16="http://schemas.microsoft.com/office/drawing/2014/main" id="{324F68F4-34AD-C9E9-3330-8E7CEFCD4AB8}"/>
               </a:ext>
             </a:extLst>
           </p:cNvPr>
@@ -22519,7 +22519,7 @@
           <p:cNvPr id="33" name="图片 32">
             <a:extLst>
               <a:ext uri="{FF2B5EF4-FFF2-40B4-BE49-F238E27FC236}">
-                <a16:creationId xmlns:a16="http://schemas.microsoft.com/office/drawing/2014/main" xmlns="" id="{5B816CFB-BEEB-34C9-241C-39D4F80BE612}"/>
+                <a16:creationId xmlns="" xmlns:a16="http://schemas.microsoft.com/office/drawing/2014/main" id="{5B816CFB-BEEB-34C9-241C-39D4F80BE612}"/>
               </a:ext>
             </a:extLst>
           </p:cNvPr>
@@ -22549,7 +22549,7 @@
           <p:cNvPr id="35" name="图片 34">
             <a:extLst>
               <a:ext uri="{FF2B5EF4-FFF2-40B4-BE49-F238E27FC236}">
-                <a16:creationId xmlns:a16="http://schemas.microsoft.com/office/drawing/2014/main" xmlns="" id="{63EE9772-9831-CB1A-0402-4088D44FAAEA}"/>
+                <a16:creationId xmlns="" xmlns:a16="http://schemas.microsoft.com/office/drawing/2014/main" id="{63EE9772-9831-CB1A-0402-4088D44FAAEA}"/>
               </a:ext>
             </a:extLst>
           </p:cNvPr>
@@ -22579,7 +22579,7 @@
           <p:cNvPr id="37" name="图片 36">
             <a:extLst>
               <a:ext uri="{FF2B5EF4-FFF2-40B4-BE49-F238E27FC236}">
-                <a16:creationId xmlns:a16="http://schemas.microsoft.com/office/drawing/2014/main" xmlns="" id="{3BC861CE-A12C-44C5-DC11-968D86D804D5}"/>
+                <a16:creationId xmlns="" xmlns:a16="http://schemas.microsoft.com/office/drawing/2014/main" id="{3BC861CE-A12C-44C5-DC11-968D86D804D5}"/>
               </a:ext>
             </a:extLst>
           </p:cNvPr>
@@ -22639,7 +22639,7 @@
           <p:cNvPr id="2" name="标题 1">
             <a:extLst>
               <a:ext uri="{FF2B5EF4-FFF2-40B4-BE49-F238E27FC236}">
-                <a16:creationId xmlns:a16="http://schemas.microsoft.com/office/drawing/2014/main" xmlns="" id="{80796E82-7314-2FBE-2DE8-DDD70D4DF27E}"/>
+                <a16:creationId xmlns="" xmlns:a16="http://schemas.microsoft.com/office/drawing/2014/main" id="{80796E82-7314-2FBE-2DE8-DDD70D4DF27E}"/>
               </a:ext>
             </a:extLst>
           </p:cNvPr>
@@ -22688,7 +22688,7 @@
           <p:cNvPr id="4" name="文本框 3">
             <a:extLst>
               <a:ext uri="{FF2B5EF4-FFF2-40B4-BE49-F238E27FC236}">
-                <a16:creationId xmlns:a16="http://schemas.microsoft.com/office/drawing/2014/main" xmlns="" id="{3E8E8225-E7B4-E598-7AEB-66BC2EF7864E}"/>
+                <a16:creationId xmlns="" xmlns:a16="http://schemas.microsoft.com/office/drawing/2014/main" id="{3E8E8225-E7B4-E598-7AEB-66BC2EF7864E}"/>
               </a:ext>
             </a:extLst>
           </p:cNvPr>
@@ -22790,7 +22790,7 @@
           <p:cNvPr id="94" name="椭圆 93">
             <a:extLst>
               <a:ext uri="{FF2B5EF4-FFF2-40B4-BE49-F238E27FC236}">
-                <a16:creationId xmlns:a16="http://schemas.microsoft.com/office/drawing/2014/main" xmlns="" id="{8BEE0963-F39F-E799-5A6C-7DB2D9695EA3}"/>
+                <a16:creationId xmlns="" xmlns:a16="http://schemas.microsoft.com/office/drawing/2014/main" id="{8BEE0963-F39F-E799-5A6C-7DB2D9695EA3}"/>
               </a:ext>
             </a:extLst>
           </p:cNvPr>
@@ -22842,7 +22842,7 @@
           <p:cNvPr id="3" name="椭圆 2">
             <a:extLst>
               <a:ext uri="{FF2B5EF4-FFF2-40B4-BE49-F238E27FC236}">
-                <a16:creationId xmlns:a16="http://schemas.microsoft.com/office/drawing/2014/main" xmlns="" id="{012F767B-5206-A517-0D25-41845DA1D568}"/>
+                <a16:creationId xmlns="" xmlns:a16="http://schemas.microsoft.com/office/drawing/2014/main" id="{012F767B-5206-A517-0D25-41845DA1D568}"/>
               </a:ext>
             </a:extLst>
           </p:cNvPr>
@@ -22894,7 +22894,7 @@
           <p:cNvPr id="13" name="椭圆 12">
             <a:extLst>
               <a:ext uri="{FF2B5EF4-FFF2-40B4-BE49-F238E27FC236}">
-                <a16:creationId xmlns:a16="http://schemas.microsoft.com/office/drawing/2014/main" xmlns="" id="{38B7E776-7869-C2EE-A5AD-FE07B12FAB74}"/>
+                <a16:creationId xmlns="" xmlns:a16="http://schemas.microsoft.com/office/drawing/2014/main" id="{38B7E776-7869-C2EE-A5AD-FE07B12FAB74}"/>
               </a:ext>
             </a:extLst>
           </p:cNvPr>
@@ -22950,7 +22950,7 @@
           <p:cNvPr id="20" name="椭圆 19">
             <a:extLst>
               <a:ext uri="{FF2B5EF4-FFF2-40B4-BE49-F238E27FC236}">
-                <a16:creationId xmlns:a16="http://schemas.microsoft.com/office/drawing/2014/main" xmlns="" id="{139AD470-0E68-4E4A-461B-9AC53FA9B15D}"/>
+                <a16:creationId xmlns="" xmlns:a16="http://schemas.microsoft.com/office/drawing/2014/main" id="{139AD470-0E68-4E4A-461B-9AC53FA9B15D}"/>
               </a:ext>
             </a:extLst>
           </p:cNvPr>
@@ -23006,7 +23006,7 @@
           <p:cNvPr id="29" name="图片 28">
             <a:extLst>
               <a:ext uri="{FF2B5EF4-FFF2-40B4-BE49-F238E27FC236}">
-                <a16:creationId xmlns:a16="http://schemas.microsoft.com/office/drawing/2014/main" xmlns="" id="{37828109-D1DB-24B1-070F-6C6C2342A787}"/>
+                <a16:creationId xmlns="" xmlns:a16="http://schemas.microsoft.com/office/drawing/2014/main" id="{37828109-D1DB-24B1-070F-6C6C2342A787}"/>
               </a:ext>
             </a:extLst>
           </p:cNvPr>
@@ -23036,7 +23036,7 @@
           <p:cNvPr id="30" name="图片 29">
             <a:extLst>
               <a:ext uri="{FF2B5EF4-FFF2-40B4-BE49-F238E27FC236}">
-                <a16:creationId xmlns:a16="http://schemas.microsoft.com/office/drawing/2014/main" xmlns="" id="{308EB72D-0591-1F78-12FC-CD798BD7E73D}"/>
+                <a16:creationId xmlns="" xmlns:a16="http://schemas.microsoft.com/office/drawing/2014/main" id="{308EB72D-0591-1F78-12FC-CD798BD7E73D}"/>
               </a:ext>
             </a:extLst>
           </p:cNvPr>
@@ -23066,7 +23066,7 @@
           <p:cNvPr id="31" name="图片 30">
             <a:extLst>
               <a:ext uri="{FF2B5EF4-FFF2-40B4-BE49-F238E27FC236}">
-                <a16:creationId xmlns:a16="http://schemas.microsoft.com/office/drawing/2014/main" xmlns="" id="{07F4B817-9FB7-F356-BFC2-674680D05075}"/>
+                <a16:creationId xmlns="" xmlns:a16="http://schemas.microsoft.com/office/drawing/2014/main" id="{07F4B817-9FB7-F356-BFC2-674680D05075}"/>
               </a:ext>
             </a:extLst>
           </p:cNvPr>
@@ -23096,7 +23096,7 @@
           <p:cNvPr id="32" name="图片 31">
             <a:extLst>
               <a:ext uri="{FF2B5EF4-FFF2-40B4-BE49-F238E27FC236}">
-                <a16:creationId xmlns:a16="http://schemas.microsoft.com/office/drawing/2014/main" xmlns="" id="{6AD0DB1A-3123-D4EB-783F-2A1EBF1F865D}"/>
+                <a16:creationId xmlns="" xmlns:a16="http://schemas.microsoft.com/office/drawing/2014/main" id="{6AD0DB1A-3123-D4EB-783F-2A1EBF1F865D}"/>
               </a:ext>
             </a:extLst>
           </p:cNvPr>
@@ -23126,7 +23126,7 @@
           <p:cNvPr id="33" name="图片 32">
             <a:extLst>
               <a:ext uri="{FF2B5EF4-FFF2-40B4-BE49-F238E27FC236}">
-                <a16:creationId xmlns:a16="http://schemas.microsoft.com/office/drawing/2014/main" xmlns="" id="{6EA6B283-FA33-8B5F-19D9-23C22512D6A2}"/>
+                <a16:creationId xmlns="" xmlns:a16="http://schemas.microsoft.com/office/drawing/2014/main" id="{6EA6B283-FA33-8B5F-19D9-23C22512D6A2}"/>
               </a:ext>
             </a:extLst>
           </p:cNvPr>
@@ -23156,7 +23156,7 @@
           <p:cNvPr id="34" name="图片 33">
             <a:extLst>
               <a:ext uri="{FF2B5EF4-FFF2-40B4-BE49-F238E27FC236}">
-                <a16:creationId xmlns:a16="http://schemas.microsoft.com/office/drawing/2014/main" xmlns="" id="{A7CC21E1-7467-1ACF-2ED7-68959584D6DF}"/>
+                <a16:creationId xmlns="" xmlns:a16="http://schemas.microsoft.com/office/drawing/2014/main" id="{A7CC21E1-7467-1ACF-2ED7-68959584D6DF}"/>
               </a:ext>
             </a:extLst>
           </p:cNvPr>
@@ -23186,7 +23186,7 @@
           <p:cNvPr id="35" name="图片 34">
             <a:extLst>
               <a:ext uri="{FF2B5EF4-FFF2-40B4-BE49-F238E27FC236}">
-                <a16:creationId xmlns:a16="http://schemas.microsoft.com/office/drawing/2014/main" xmlns="" id="{4FD1822D-6EF2-CCB1-76AC-A770762EDBFB}"/>
+                <a16:creationId xmlns="" xmlns:a16="http://schemas.microsoft.com/office/drawing/2014/main" id="{4FD1822D-6EF2-CCB1-76AC-A770762EDBFB}"/>
               </a:ext>
             </a:extLst>
           </p:cNvPr>
@@ -23216,7 +23216,7 @@
           <p:cNvPr id="36" name="图片 35">
             <a:extLst>
               <a:ext uri="{FF2B5EF4-FFF2-40B4-BE49-F238E27FC236}">
-                <a16:creationId xmlns:a16="http://schemas.microsoft.com/office/drawing/2014/main" xmlns="" id="{9E02D9AC-14F1-BAD2-3488-0805428D78DE}"/>
+                <a16:creationId xmlns="" xmlns:a16="http://schemas.microsoft.com/office/drawing/2014/main" id="{9E02D9AC-14F1-BAD2-3488-0805428D78DE}"/>
               </a:ext>
             </a:extLst>
           </p:cNvPr>
@@ -23246,7 +23246,7 @@
           <p:cNvPr id="39" name="箭头: 右 38">
             <a:extLst>
               <a:ext uri="{FF2B5EF4-FFF2-40B4-BE49-F238E27FC236}">
-                <a16:creationId xmlns:a16="http://schemas.microsoft.com/office/drawing/2014/main" xmlns="" id="{E96F8D33-A9BF-94AC-B64B-D6CB8722BEEB}"/>
+                <a16:creationId xmlns="" xmlns:a16="http://schemas.microsoft.com/office/drawing/2014/main" id="{E96F8D33-A9BF-94AC-B64B-D6CB8722BEEB}"/>
               </a:ext>
             </a:extLst>
           </p:cNvPr>
@@ -23298,7 +23298,7 @@
           <p:cNvPr id="40" name="箭头: 右 39">
             <a:extLst>
               <a:ext uri="{FF2B5EF4-FFF2-40B4-BE49-F238E27FC236}">
-                <a16:creationId xmlns:a16="http://schemas.microsoft.com/office/drawing/2014/main" xmlns="" id="{9C2A8819-B668-0107-BB7F-64E2A52819BC}"/>
+                <a16:creationId xmlns="" xmlns:a16="http://schemas.microsoft.com/office/drawing/2014/main" id="{9C2A8819-B668-0107-BB7F-64E2A52819BC}"/>
               </a:ext>
             </a:extLst>
           </p:cNvPr>
@@ -23380,7 +23380,7 @@
           <p:cNvPr id="2" name="标题 1">
             <a:extLst>
               <a:ext uri="{FF2B5EF4-FFF2-40B4-BE49-F238E27FC236}">
-                <a16:creationId xmlns:a16="http://schemas.microsoft.com/office/drawing/2014/main" xmlns="" id="{80796E82-7314-2FBE-2DE8-DDD70D4DF27E}"/>
+                <a16:creationId xmlns="" xmlns:a16="http://schemas.microsoft.com/office/drawing/2014/main" id="{80796E82-7314-2FBE-2DE8-DDD70D4DF27E}"/>
               </a:ext>
             </a:extLst>
           </p:cNvPr>
@@ -23429,7 +23429,7 @@
           <p:cNvPr id="4" name="文本框 3">
             <a:extLst>
               <a:ext uri="{FF2B5EF4-FFF2-40B4-BE49-F238E27FC236}">
-                <a16:creationId xmlns:a16="http://schemas.microsoft.com/office/drawing/2014/main" xmlns="" id="{3E8E8225-E7B4-E598-7AEB-66BC2EF7864E}"/>
+                <a16:creationId xmlns="" xmlns:a16="http://schemas.microsoft.com/office/drawing/2014/main" id="{3E8E8225-E7B4-E598-7AEB-66BC2EF7864E}"/>
               </a:ext>
             </a:extLst>
           </p:cNvPr>
@@ -23523,7 +23523,7 @@
           <p:cNvPr id="94" name="椭圆 93">
             <a:extLst>
               <a:ext uri="{FF2B5EF4-FFF2-40B4-BE49-F238E27FC236}">
-                <a16:creationId xmlns:a16="http://schemas.microsoft.com/office/drawing/2014/main" xmlns="" id="{8BEE0963-F39F-E799-5A6C-7DB2D9695EA3}"/>
+                <a16:creationId xmlns="" xmlns:a16="http://schemas.microsoft.com/office/drawing/2014/main" id="{8BEE0963-F39F-E799-5A6C-7DB2D9695EA3}"/>
               </a:ext>
             </a:extLst>
           </p:cNvPr>
@@ -23575,7 +23575,7 @@
           <p:cNvPr id="3" name="椭圆 2">
             <a:extLst>
               <a:ext uri="{FF2B5EF4-FFF2-40B4-BE49-F238E27FC236}">
-                <a16:creationId xmlns:a16="http://schemas.microsoft.com/office/drawing/2014/main" xmlns="" id="{012F767B-5206-A517-0D25-41845DA1D568}"/>
+                <a16:creationId xmlns="" xmlns:a16="http://schemas.microsoft.com/office/drawing/2014/main" id="{012F767B-5206-A517-0D25-41845DA1D568}"/>
               </a:ext>
             </a:extLst>
           </p:cNvPr>
@@ -23627,7 +23627,7 @@
           <p:cNvPr id="18" name="椭圆 17">
             <a:extLst>
               <a:ext uri="{FF2B5EF4-FFF2-40B4-BE49-F238E27FC236}">
-                <a16:creationId xmlns:a16="http://schemas.microsoft.com/office/drawing/2014/main" xmlns="" id="{4B33E43D-6830-FFA6-F0D9-FE3548A9AEEB}"/>
+                <a16:creationId xmlns="" xmlns:a16="http://schemas.microsoft.com/office/drawing/2014/main" id="{4B33E43D-6830-FFA6-F0D9-FE3548A9AEEB}"/>
               </a:ext>
             </a:extLst>
           </p:cNvPr>
@@ -23687,7 +23687,7 @@
           <p:cNvPr id="19" name="椭圆 18">
             <a:extLst>
               <a:ext uri="{FF2B5EF4-FFF2-40B4-BE49-F238E27FC236}">
-                <a16:creationId xmlns:a16="http://schemas.microsoft.com/office/drawing/2014/main" xmlns="" id="{C1D855FC-C9AF-91CE-40B0-D44AA72FE829}"/>
+                <a16:creationId xmlns="" xmlns:a16="http://schemas.microsoft.com/office/drawing/2014/main" id="{C1D855FC-C9AF-91CE-40B0-D44AA72FE829}"/>
               </a:ext>
             </a:extLst>
           </p:cNvPr>
@@ -23747,7 +23747,7 @@
           <p:cNvPr id="29" name="图片 28">
             <a:extLst>
               <a:ext uri="{FF2B5EF4-FFF2-40B4-BE49-F238E27FC236}">
-                <a16:creationId xmlns:a16="http://schemas.microsoft.com/office/drawing/2014/main" xmlns="" id="{37828109-D1DB-24B1-070F-6C6C2342A787}"/>
+                <a16:creationId xmlns="" xmlns:a16="http://schemas.microsoft.com/office/drawing/2014/main" id="{37828109-D1DB-24B1-070F-6C6C2342A787}"/>
               </a:ext>
             </a:extLst>
           </p:cNvPr>
@@ -23777,7 +23777,7 @@
           <p:cNvPr id="30" name="图片 29">
             <a:extLst>
               <a:ext uri="{FF2B5EF4-FFF2-40B4-BE49-F238E27FC236}">
-                <a16:creationId xmlns:a16="http://schemas.microsoft.com/office/drawing/2014/main" xmlns="" id="{308EB72D-0591-1F78-12FC-CD798BD7E73D}"/>
+                <a16:creationId xmlns="" xmlns:a16="http://schemas.microsoft.com/office/drawing/2014/main" id="{308EB72D-0591-1F78-12FC-CD798BD7E73D}"/>
               </a:ext>
             </a:extLst>
           </p:cNvPr>
@@ -23807,7 +23807,7 @@
           <p:cNvPr id="31" name="图片 30">
             <a:extLst>
               <a:ext uri="{FF2B5EF4-FFF2-40B4-BE49-F238E27FC236}">
-                <a16:creationId xmlns:a16="http://schemas.microsoft.com/office/drawing/2014/main" xmlns="" id="{07F4B817-9FB7-F356-BFC2-674680D05075}"/>
+                <a16:creationId xmlns="" xmlns:a16="http://schemas.microsoft.com/office/drawing/2014/main" id="{07F4B817-9FB7-F356-BFC2-674680D05075}"/>
               </a:ext>
             </a:extLst>
           </p:cNvPr>
@@ -23837,7 +23837,7 @@
           <p:cNvPr id="32" name="图片 31">
             <a:extLst>
               <a:ext uri="{FF2B5EF4-FFF2-40B4-BE49-F238E27FC236}">
-                <a16:creationId xmlns:a16="http://schemas.microsoft.com/office/drawing/2014/main" xmlns="" id="{6AD0DB1A-3123-D4EB-783F-2A1EBF1F865D}"/>
+                <a16:creationId xmlns="" xmlns:a16="http://schemas.microsoft.com/office/drawing/2014/main" id="{6AD0DB1A-3123-D4EB-783F-2A1EBF1F865D}"/>
               </a:ext>
             </a:extLst>
           </p:cNvPr>
@@ -23867,7 +23867,7 @@
           <p:cNvPr id="33" name="图片 32">
             <a:extLst>
               <a:ext uri="{FF2B5EF4-FFF2-40B4-BE49-F238E27FC236}">
-                <a16:creationId xmlns:a16="http://schemas.microsoft.com/office/drawing/2014/main" xmlns="" id="{6EA6B283-FA33-8B5F-19D9-23C22512D6A2}"/>
+                <a16:creationId xmlns="" xmlns:a16="http://schemas.microsoft.com/office/drawing/2014/main" id="{6EA6B283-FA33-8B5F-19D9-23C22512D6A2}"/>
               </a:ext>
             </a:extLst>
           </p:cNvPr>
@@ -23897,7 +23897,7 @@
           <p:cNvPr id="34" name="图片 33">
             <a:extLst>
               <a:ext uri="{FF2B5EF4-FFF2-40B4-BE49-F238E27FC236}">
-                <a16:creationId xmlns:a16="http://schemas.microsoft.com/office/drawing/2014/main" xmlns="" id="{A7CC21E1-7467-1ACF-2ED7-68959584D6DF}"/>
+                <a16:creationId xmlns="" xmlns:a16="http://schemas.microsoft.com/office/drawing/2014/main" id="{A7CC21E1-7467-1ACF-2ED7-68959584D6DF}"/>
               </a:ext>
             </a:extLst>
           </p:cNvPr>
@@ -23927,7 +23927,7 @@
           <p:cNvPr id="35" name="图片 34">
             <a:extLst>
               <a:ext uri="{FF2B5EF4-FFF2-40B4-BE49-F238E27FC236}">
-                <a16:creationId xmlns:a16="http://schemas.microsoft.com/office/drawing/2014/main" xmlns="" id="{4FD1822D-6EF2-CCB1-76AC-A770762EDBFB}"/>
+                <a16:creationId xmlns="" xmlns:a16="http://schemas.microsoft.com/office/drawing/2014/main" id="{4FD1822D-6EF2-CCB1-76AC-A770762EDBFB}"/>
               </a:ext>
             </a:extLst>
           </p:cNvPr>
@@ -23957,7 +23957,7 @@
           <p:cNvPr id="36" name="图片 35">
             <a:extLst>
               <a:ext uri="{FF2B5EF4-FFF2-40B4-BE49-F238E27FC236}">
-                <a16:creationId xmlns:a16="http://schemas.microsoft.com/office/drawing/2014/main" xmlns="" id="{9E02D9AC-14F1-BAD2-3488-0805428D78DE}"/>
+                <a16:creationId xmlns="" xmlns:a16="http://schemas.microsoft.com/office/drawing/2014/main" id="{9E02D9AC-14F1-BAD2-3488-0805428D78DE}"/>
               </a:ext>
             </a:extLst>
           </p:cNvPr>
@@ -23987,7 +23987,7 @@
           <p:cNvPr id="21" name="箭头: 右 20">
             <a:extLst>
               <a:ext uri="{FF2B5EF4-FFF2-40B4-BE49-F238E27FC236}">
-                <a16:creationId xmlns:a16="http://schemas.microsoft.com/office/drawing/2014/main" xmlns="" id="{712099D5-D46D-2313-85E7-AA26A729A7DC}"/>
+                <a16:creationId xmlns="" xmlns:a16="http://schemas.microsoft.com/office/drawing/2014/main" id="{712099D5-D46D-2313-85E7-AA26A729A7DC}"/>
               </a:ext>
             </a:extLst>
           </p:cNvPr>
@@ -24039,7 +24039,7 @@
           <p:cNvPr id="22" name="箭头: 右 21">
             <a:extLst>
               <a:ext uri="{FF2B5EF4-FFF2-40B4-BE49-F238E27FC236}">
-                <a16:creationId xmlns:a16="http://schemas.microsoft.com/office/drawing/2014/main" xmlns="" id="{1919A2B7-D3C5-A1AD-8659-FD3B9646534B}"/>
+                <a16:creationId xmlns="" xmlns:a16="http://schemas.microsoft.com/office/drawing/2014/main" id="{1919A2B7-D3C5-A1AD-8659-FD3B9646534B}"/>
               </a:ext>
             </a:extLst>
           </p:cNvPr>
@@ -24121,7 +24121,7 @@
           <p:cNvPr id="2" name="标题 1">
             <a:extLst>
               <a:ext uri="{FF2B5EF4-FFF2-40B4-BE49-F238E27FC236}">
-                <a16:creationId xmlns:a16="http://schemas.microsoft.com/office/drawing/2014/main" xmlns="" id="{80796E82-7314-2FBE-2DE8-DDD70D4DF27E}"/>
+                <a16:creationId xmlns="" xmlns:a16="http://schemas.microsoft.com/office/drawing/2014/main" id="{80796E82-7314-2FBE-2DE8-DDD70D4DF27E}"/>
               </a:ext>
             </a:extLst>
           </p:cNvPr>
@@ -24170,7 +24170,7 @@
           <p:cNvPr id="4" name="文本框 3">
             <a:extLst>
               <a:ext uri="{FF2B5EF4-FFF2-40B4-BE49-F238E27FC236}">
-                <a16:creationId xmlns:a16="http://schemas.microsoft.com/office/drawing/2014/main" xmlns="" id="{3E8E8225-E7B4-E598-7AEB-66BC2EF7864E}"/>
+                <a16:creationId xmlns="" xmlns:a16="http://schemas.microsoft.com/office/drawing/2014/main" id="{3E8E8225-E7B4-E598-7AEB-66BC2EF7864E}"/>
               </a:ext>
             </a:extLst>
           </p:cNvPr>
@@ -24264,7 +24264,7 @@
           <p:cNvPr id="94" name="椭圆 93">
             <a:extLst>
               <a:ext uri="{FF2B5EF4-FFF2-40B4-BE49-F238E27FC236}">
-                <a16:creationId xmlns:a16="http://schemas.microsoft.com/office/drawing/2014/main" xmlns="" id="{8BEE0963-F39F-E799-5A6C-7DB2D9695EA3}"/>
+                <a16:creationId xmlns="" xmlns:a16="http://schemas.microsoft.com/office/drawing/2014/main" id="{8BEE0963-F39F-E799-5A6C-7DB2D9695EA3}"/>
               </a:ext>
             </a:extLst>
           </p:cNvPr>
@@ -24316,7 +24316,7 @@
           <p:cNvPr id="3" name="椭圆 2">
             <a:extLst>
               <a:ext uri="{FF2B5EF4-FFF2-40B4-BE49-F238E27FC236}">
-                <a16:creationId xmlns:a16="http://schemas.microsoft.com/office/drawing/2014/main" xmlns="" id="{012F767B-5206-A517-0D25-41845DA1D568}"/>
+                <a16:creationId xmlns="" xmlns:a16="http://schemas.microsoft.com/office/drawing/2014/main" id="{012F767B-5206-A517-0D25-41845DA1D568}"/>
               </a:ext>
             </a:extLst>
           </p:cNvPr>
@@ -24368,7 +24368,7 @@
           <p:cNvPr id="21" name="箭头: 右 20">
             <a:extLst>
               <a:ext uri="{FF2B5EF4-FFF2-40B4-BE49-F238E27FC236}">
-                <a16:creationId xmlns:a16="http://schemas.microsoft.com/office/drawing/2014/main" xmlns="" id="{712099D5-D46D-2313-85E7-AA26A729A7DC}"/>
+                <a16:creationId xmlns="" xmlns:a16="http://schemas.microsoft.com/office/drawing/2014/main" id="{712099D5-D46D-2313-85E7-AA26A729A7DC}"/>
               </a:ext>
             </a:extLst>
           </p:cNvPr>
@@ -24420,7 +24420,7 @@
           <p:cNvPr id="22" name="箭头: 右 21">
             <a:extLst>
               <a:ext uri="{FF2B5EF4-FFF2-40B4-BE49-F238E27FC236}">
-                <a16:creationId xmlns:a16="http://schemas.microsoft.com/office/drawing/2014/main" xmlns="" id="{1919A2B7-D3C5-A1AD-8659-FD3B9646534B}"/>
+                <a16:creationId xmlns="" xmlns:a16="http://schemas.microsoft.com/office/drawing/2014/main" id="{1919A2B7-D3C5-A1AD-8659-FD3B9646534B}"/>
               </a:ext>
             </a:extLst>
           </p:cNvPr>
@@ -24472,7 +24472,7 @@
           <p:cNvPr id="20" name="椭圆 19">
             <a:extLst>
               <a:ext uri="{FF2B5EF4-FFF2-40B4-BE49-F238E27FC236}">
-                <a16:creationId xmlns:a16="http://schemas.microsoft.com/office/drawing/2014/main" xmlns="" id="{71FC337B-6083-D7E5-BB6D-172C403FA83F}"/>
+                <a16:creationId xmlns="" xmlns:a16="http://schemas.microsoft.com/office/drawing/2014/main" id="{71FC337B-6083-D7E5-BB6D-172C403FA83F}"/>
               </a:ext>
             </a:extLst>
           </p:cNvPr>
@@ -24528,7 +24528,7 @@
           <p:cNvPr id="23" name="椭圆 22">
             <a:extLst>
               <a:ext uri="{FF2B5EF4-FFF2-40B4-BE49-F238E27FC236}">
-                <a16:creationId xmlns:a16="http://schemas.microsoft.com/office/drawing/2014/main" xmlns="" id="{42806F08-B73F-5A19-8F02-2707349F41F2}"/>
+                <a16:creationId xmlns="" xmlns:a16="http://schemas.microsoft.com/office/drawing/2014/main" id="{42806F08-B73F-5A19-8F02-2707349F41F2}"/>
               </a:ext>
             </a:extLst>
           </p:cNvPr>
@@ -24584,7 +24584,7 @@
           <p:cNvPr id="29" name="图片 28">
             <a:extLst>
               <a:ext uri="{FF2B5EF4-FFF2-40B4-BE49-F238E27FC236}">
-                <a16:creationId xmlns:a16="http://schemas.microsoft.com/office/drawing/2014/main" xmlns="" id="{37828109-D1DB-24B1-070F-6C6C2342A787}"/>
+                <a16:creationId xmlns="" xmlns:a16="http://schemas.microsoft.com/office/drawing/2014/main" id="{37828109-D1DB-24B1-070F-6C6C2342A787}"/>
               </a:ext>
             </a:extLst>
           </p:cNvPr>
@@ -24614,7 +24614,7 @@
           <p:cNvPr id="30" name="图片 29">
             <a:extLst>
               <a:ext uri="{FF2B5EF4-FFF2-40B4-BE49-F238E27FC236}">
-                <a16:creationId xmlns:a16="http://schemas.microsoft.com/office/drawing/2014/main" xmlns="" id="{308EB72D-0591-1F78-12FC-CD798BD7E73D}"/>
+                <a16:creationId xmlns="" xmlns:a16="http://schemas.microsoft.com/office/drawing/2014/main" id="{308EB72D-0591-1F78-12FC-CD798BD7E73D}"/>
               </a:ext>
             </a:extLst>
           </p:cNvPr>
@@ -24644,7 +24644,7 @@
           <p:cNvPr id="31" name="图片 30">
             <a:extLst>
               <a:ext uri="{FF2B5EF4-FFF2-40B4-BE49-F238E27FC236}">
-                <a16:creationId xmlns:a16="http://schemas.microsoft.com/office/drawing/2014/main" xmlns="" id="{07F4B817-9FB7-F356-BFC2-674680D05075}"/>
+                <a16:creationId xmlns="" xmlns:a16="http://schemas.microsoft.com/office/drawing/2014/main" id="{07F4B817-9FB7-F356-BFC2-674680D05075}"/>
               </a:ext>
             </a:extLst>
           </p:cNvPr>
@@ -24674,7 +24674,7 @@
           <p:cNvPr id="32" name="图片 31">
             <a:extLst>
               <a:ext uri="{FF2B5EF4-FFF2-40B4-BE49-F238E27FC236}">
-                <a16:creationId xmlns:a16="http://schemas.microsoft.com/office/drawing/2014/main" xmlns="" id="{6AD0DB1A-3123-D4EB-783F-2A1EBF1F865D}"/>
+                <a16:creationId xmlns="" xmlns:a16="http://schemas.microsoft.com/office/drawing/2014/main" id="{6AD0DB1A-3123-D4EB-783F-2A1EBF1F865D}"/>
               </a:ext>
             </a:extLst>
           </p:cNvPr>
@@ -24704,7 +24704,7 @@
           <p:cNvPr id="33" name="图片 32">
             <a:extLst>
               <a:ext uri="{FF2B5EF4-FFF2-40B4-BE49-F238E27FC236}">
-                <a16:creationId xmlns:a16="http://schemas.microsoft.com/office/drawing/2014/main" xmlns="" id="{6EA6B283-FA33-8B5F-19D9-23C22512D6A2}"/>
+                <a16:creationId xmlns="" xmlns:a16="http://schemas.microsoft.com/office/drawing/2014/main" id="{6EA6B283-FA33-8B5F-19D9-23C22512D6A2}"/>
               </a:ext>
             </a:extLst>
           </p:cNvPr>
@@ -24734,7 +24734,7 @@
           <p:cNvPr id="34" name="图片 33">
             <a:extLst>
               <a:ext uri="{FF2B5EF4-FFF2-40B4-BE49-F238E27FC236}">
-                <a16:creationId xmlns:a16="http://schemas.microsoft.com/office/drawing/2014/main" xmlns="" id="{A7CC21E1-7467-1ACF-2ED7-68959584D6DF}"/>
+                <a16:creationId xmlns="" xmlns:a16="http://schemas.microsoft.com/office/drawing/2014/main" id="{A7CC21E1-7467-1ACF-2ED7-68959584D6DF}"/>
               </a:ext>
             </a:extLst>
           </p:cNvPr>
@@ -24764,7 +24764,7 @@
           <p:cNvPr id="35" name="图片 34">
             <a:extLst>
               <a:ext uri="{FF2B5EF4-FFF2-40B4-BE49-F238E27FC236}">
-                <a16:creationId xmlns:a16="http://schemas.microsoft.com/office/drawing/2014/main" xmlns="" id="{4FD1822D-6EF2-CCB1-76AC-A770762EDBFB}"/>
+                <a16:creationId xmlns="" xmlns:a16="http://schemas.microsoft.com/office/drawing/2014/main" id="{4FD1822D-6EF2-CCB1-76AC-A770762EDBFB}"/>
               </a:ext>
             </a:extLst>
           </p:cNvPr>
@@ -24794,7 +24794,7 @@
           <p:cNvPr id="36" name="图片 35">
             <a:extLst>
               <a:ext uri="{FF2B5EF4-FFF2-40B4-BE49-F238E27FC236}">
-                <a16:creationId xmlns:a16="http://schemas.microsoft.com/office/drawing/2014/main" xmlns="" id="{9E02D9AC-14F1-BAD2-3488-0805428D78DE}"/>
+                <a16:creationId xmlns="" xmlns:a16="http://schemas.microsoft.com/office/drawing/2014/main" id="{9E02D9AC-14F1-BAD2-3488-0805428D78DE}"/>
               </a:ext>
             </a:extLst>
           </p:cNvPr>
@@ -24854,7 +24854,7 @@
           <p:cNvPr id="2" name="标题 1">
             <a:extLst>
               <a:ext uri="{FF2B5EF4-FFF2-40B4-BE49-F238E27FC236}">
-                <a16:creationId xmlns:a16="http://schemas.microsoft.com/office/drawing/2014/main" xmlns="" id="{80796E82-7314-2FBE-2DE8-DDD70D4DF27E}"/>
+                <a16:creationId xmlns="" xmlns:a16="http://schemas.microsoft.com/office/drawing/2014/main" id="{80796E82-7314-2FBE-2DE8-DDD70D4DF27E}"/>
               </a:ext>
             </a:extLst>
           </p:cNvPr>
@@ -24903,7 +24903,7 @@
           <p:cNvPr id="4" name="文本框 3">
             <a:extLst>
               <a:ext uri="{FF2B5EF4-FFF2-40B4-BE49-F238E27FC236}">
-                <a16:creationId xmlns:a16="http://schemas.microsoft.com/office/drawing/2014/main" xmlns="" id="{3E8E8225-E7B4-E598-7AEB-66BC2EF7864E}"/>
+                <a16:creationId xmlns="" xmlns:a16="http://schemas.microsoft.com/office/drawing/2014/main" id="{3E8E8225-E7B4-E598-7AEB-66BC2EF7864E}"/>
               </a:ext>
             </a:extLst>
           </p:cNvPr>
@@ -24997,7 +24997,7 @@
           <p:cNvPr id="94" name="椭圆 93">
             <a:extLst>
               <a:ext uri="{FF2B5EF4-FFF2-40B4-BE49-F238E27FC236}">
-                <a16:creationId xmlns:a16="http://schemas.microsoft.com/office/drawing/2014/main" xmlns="" id="{8BEE0963-F39F-E799-5A6C-7DB2D9695EA3}"/>
+                <a16:creationId xmlns="" xmlns:a16="http://schemas.microsoft.com/office/drawing/2014/main" id="{8BEE0963-F39F-E799-5A6C-7DB2D9695EA3}"/>
               </a:ext>
             </a:extLst>
           </p:cNvPr>
@@ -25049,7 +25049,7 @@
           <p:cNvPr id="3" name="椭圆 2">
             <a:extLst>
               <a:ext uri="{FF2B5EF4-FFF2-40B4-BE49-F238E27FC236}">
-                <a16:creationId xmlns:a16="http://schemas.microsoft.com/office/drawing/2014/main" xmlns="" id="{012F767B-5206-A517-0D25-41845DA1D568}"/>
+                <a16:creationId xmlns="" xmlns:a16="http://schemas.microsoft.com/office/drawing/2014/main" id="{012F767B-5206-A517-0D25-41845DA1D568}"/>
               </a:ext>
             </a:extLst>
           </p:cNvPr>
@@ -25101,7 +25101,7 @@
           <p:cNvPr id="21" name="箭头: 右 20">
             <a:extLst>
               <a:ext uri="{FF2B5EF4-FFF2-40B4-BE49-F238E27FC236}">
-                <a16:creationId xmlns:a16="http://schemas.microsoft.com/office/drawing/2014/main" xmlns="" id="{712099D5-D46D-2313-85E7-AA26A729A7DC}"/>
+                <a16:creationId xmlns="" xmlns:a16="http://schemas.microsoft.com/office/drawing/2014/main" id="{712099D5-D46D-2313-85E7-AA26A729A7DC}"/>
               </a:ext>
             </a:extLst>
           </p:cNvPr>
@@ -25153,7 +25153,7 @@
           <p:cNvPr id="22" name="箭头: 右 21">
             <a:extLst>
               <a:ext uri="{FF2B5EF4-FFF2-40B4-BE49-F238E27FC236}">
-                <a16:creationId xmlns:a16="http://schemas.microsoft.com/office/drawing/2014/main" xmlns="" id="{1919A2B7-D3C5-A1AD-8659-FD3B9646534B}"/>
+                <a16:creationId xmlns="" xmlns:a16="http://schemas.microsoft.com/office/drawing/2014/main" id="{1919A2B7-D3C5-A1AD-8659-FD3B9646534B}"/>
               </a:ext>
             </a:extLst>
           </p:cNvPr>
@@ -25205,7 +25205,7 @@
           <p:cNvPr id="18" name="椭圆 17">
             <a:extLst>
               <a:ext uri="{FF2B5EF4-FFF2-40B4-BE49-F238E27FC236}">
-                <a16:creationId xmlns:a16="http://schemas.microsoft.com/office/drawing/2014/main" xmlns="" id="{F5A322F2-5817-3D48-1EC0-F4CD8343BB96}"/>
+                <a16:creationId xmlns="" xmlns:a16="http://schemas.microsoft.com/office/drawing/2014/main" id="{F5A322F2-5817-3D48-1EC0-F4CD8343BB96}"/>
               </a:ext>
             </a:extLst>
           </p:cNvPr>
@@ -25265,7 +25265,7 @@
           <p:cNvPr id="19" name="椭圆 18">
             <a:extLst>
               <a:ext uri="{FF2B5EF4-FFF2-40B4-BE49-F238E27FC236}">
-                <a16:creationId xmlns:a16="http://schemas.microsoft.com/office/drawing/2014/main" xmlns="" id="{7B553A98-99DD-ADE7-8F2C-82946FDF4A0F}"/>
+                <a16:creationId xmlns="" xmlns:a16="http://schemas.microsoft.com/office/drawing/2014/main" id="{7B553A98-99DD-ADE7-8F2C-82946FDF4A0F}"/>
               </a:ext>
             </a:extLst>
           </p:cNvPr>
@@ -25325,7 +25325,7 @@
           <p:cNvPr id="29" name="图片 28">
             <a:extLst>
               <a:ext uri="{FF2B5EF4-FFF2-40B4-BE49-F238E27FC236}">
-                <a16:creationId xmlns:a16="http://schemas.microsoft.com/office/drawing/2014/main" xmlns="" id="{37828109-D1DB-24B1-070F-6C6C2342A787}"/>
+                <a16:creationId xmlns="" xmlns:a16="http://schemas.microsoft.com/office/drawing/2014/main" id="{37828109-D1DB-24B1-070F-6C6C2342A787}"/>
               </a:ext>
             </a:extLst>
           </p:cNvPr>
@@ -25355,7 +25355,7 @@
           <p:cNvPr id="30" name="图片 29">
             <a:extLst>
               <a:ext uri="{FF2B5EF4-FFF2-40B4-BE49-F238E27FC236}">
-                <a16:creationId xmlns:a16="http://schemas.microsoft.com/office/drawing/2014/main" xmlns="" id="{308EB72D-0591-1F78-12FC-CD798BD7E73D}"/>
+                <a16:creationId xmlns="" xmlns:a16="http://schemas.microsoft.com/office/drawing/2014/main" id="{308EB72D-0591-1F78-12FC-CD798BD7E73D}"/>
               </a:ext>
             </a:extLst>
           </p:cNvPr>
@@ -25385,7 +25385,7 @@
           <p:cNvPr id="31" name="图片 30">
             <a:extLst>
               <a:ext uri="{FF2B5EF4-FFF2-40B4-BE49-F238E27FC236}">
-                <a16:creationId xmlns:a16="http://schemas.microsoft.com/office/drawing/2014/main" xmlns="" id="{07F4B817-9FB7-F356-BFC2-674680D05075}"/>
+                <a16:creationId xmlns="" xmlns:a16="http://schemas.microsoft.com/office/drawing/2014/main" id="{07F4B817-9FB7-F356-BFC2-674680D05075}"/>
               </a:ext>
             </a:extLst>
           </p:cNvPr>
@@ -25415,7 +25415,7 @@
           <p:cNvPr id="32" name="图片 31">
             <a:extLst>
               <a:ext uri="{FF2B5EF4-FFF2-40B4-BE49-F238E27FC236}">
-                <a16:creationId xmlns:a16="http://schemas.microsoft.com/office/drawing/2014/main" xmlns="" id="{6AD0DB1A-3123-D4EB-783F-2A1EBF1F865D}"/>
+                <a16:creationId xmlns="" xmlns:a16="http://schemas.microsoft.com/office/drawing/2014/main" id="{6AD0DB1A-3123-D4EB-783F-2A1EBF1F865D}"/>
               </a:ext>
             </a:extLst>
           </p:cNvPr>
@@ -25445,7 +25445,7 @@
           <p:cNvPr id="33" name="图片 32">
             <a:extLst>
               <a:ext uri="{FF2B5EF4-FFF2-40B4-BE49-F238E27FC236}">
-                <a16:creationId xmlns:a16="http://schemas.microsoft.com/office/drawing/2014/main" xmlns="" id="{6EA6B283-FA33-8B5F-19D9-23C22512D6A2}"/>
+                <a16:creationId xmlns="" xmlns:a16="http://schemas.microsoft.com/office/drawing/2014/main" id="{6EA6B283-FA33-8B5F-19D9-23C22512D6A2}"/>
               </a:ext>
             </a:extLst>
           </p:cNvPr>
@@ -25475,7 +25475,7 @@
           <p:cNvPr id="34" name="图片 33">
             <a:extLst>
               <a:ext uri="{FF2B5EF4-FFF2-40B4-BE49-F238E27FC236}">
-                <a16:creationId xmlns:a16="http://schemas.microsoft.com/office/drawing/2014/main" xmlns="" id="{A7CC21E1-7467-1ACF-2ED7-68959584D6DF}"/>
+                <a16:creationId xmlns="" xmlns:a16="http://schemas.microsoft.com/office/drawing/2014/main" id="{A7CC21E1-7467-1ACF-2ED7-68959584D6DF}"/>
               </a:ext>
             </a:extLst>
           </p:cNvPr>
@@ -25505,7 +25505,7 @@
           <p:cNvPr id="35" name="图片 34">
             <a:extLst>
               <a:ext uri="{FF2B5EF4-FFF2-40B4-BE49-F238E27FC236}">
-                <a16:creationId xmlns:a16="http://schemas.microsoft.com/office/drawing/2014/main" xmlns="" id="{4FD1822D-6EF2-CCB1-76AC-A770762EDBFB}"/>
+                <a16:creationId xmlns="" xmlns:a16="http://schemas.microsoft.com/office/drawing/2014/main" id="{4FD1822D-6EF2-CCB1-76AC-A770762EDBFB}"/>
               </a:ext>
             </a:extLst>
           </p:cNvPr>
@@ -25535,7 +25535,7 @@
           <p:cNvPr id="36" name="图片 35">
             <a:extLst>
               <a:ext uri="{FF2B5EF4-FFF2-40B4-BE49-F238E27FC236}">
-                <a16:creationId xmlns:a16="http://schemas.microsoft.com/office/drawing/2014/main" xmlns="" id="{9E02D9AC-14F1-BAD2-3488-0805428D78DE}"/>
+                <a16:creationId xmlns="" xmlns:a16="http://schemas.microsoft.com/office/drawing/2014/main" id="{9E02D9AC-14F1-BAD2-3488-0805428D78DE}"/>
               </a:ext>
             </a:extLst>
           </p:cNvPr>
@@ -25595,7 +25595,7 @@
           <p:cNvPr id="2" name="标题 1">
             <a:extLst>
               <a:ext uri="{FF2B5EF4-FFF2-40B4-BE49-F238E27FC236}">
-                <a16:creationId xmlns:a16="http://schemas.microsoft.com/office/drawing/2014/main" xmlns="" id="{80796E82-7314-2FBE-2DE8-DDD70D4DF27E}"/>
+                <a16:creationId xmlns="" xmlns:a16="http://schemas.microsoft.com/office/drawing/2014/main" id="{80796E82-7314-2FBE-2DE8-DDD70D4DF27E}"/>
               </a:ext>
             </a:extLst>
           </p:cNvPr>
@@ -25644,7 +25644,7 @@
           <p:cNvPr id="94" name="椭圆 93">
             <a:extLst>
               <a:ext uri="{FF2B5EF4-FFF2-40B4-BE49-F238E27FC236}">
-                <a16:creationId xmlns:a16="http://schemas.microsoft.com/office/drawing/2014/main" xmlns="" id="{8BEE0963-F39F-E799-5A6C-7DB2D9695EA3}"/>
+                <a16:creationId xmlns="" xmlns:a16="http://schemas.microsoft.com/office/drawing/2014/main" id="{8BEE0963-F39F-E799-5A6C-7DB2D9695EA3}"/>
               </a:ext>
             </a:extLst>
           </p:cNvPr>
@@ -25696,7 +25696,7 @@
           <p:cNvPr id="20" name="椭圆 19">
             <a:extLst>
               <a:ext uri="{FF2B5EF4-FFF2-40B4-BE49-F238E27FC236}">
-                <a16:creationId xmlns:a16="http://schemas.microsoft.com/office/drawing/2014/main" xmlns="" id="{1F3D5A18-117A-FBDB-A07B-D4E2DC2FC832}"/>
+                <a16:creationId xmlns="" xmlns:a16="http://schemas.microsoft.com/office/drawing/2014/main" id="{1F3D5A18-117A-FBDB-A07B-D4E2DC2FC832}"/>
               </a:ext>
             </a:extLst>
           </p:cNvPr>
@@ -25746,7 +25746,7 @@
           <p:cNvPr id="23" name="矩形 22">
             <a:extLst>
               <a:ext uri="{FF2B5EF4-FFF2-40B4-BE49-F238E27FC236}">
-                <a16:creationId xmlns:a16="http://schemas.microsoft.com/office/drawing/2014/main" xmlns="" id="{1DB7B11B-A7F7-8894-4BAF-68DD060767B3}"/>
+                <a16:creationId xmlns="" xmlns:a16="http://schemas.microsoft.com/office/drawing/2014/main" id="{1DB7B11B-A7F7-8894-4BAF-68DD060767B3}"/>
               </a:ext>
             </a:extLst>
           </p:cNvPr>
@@ -25796,7 +25796,7 @@
           <p:cNvPr id="24" name="矩形 23">
             <a:extLst>
               <a:ext uri="{FF2B5EF4-FFF2-40B4-BE49-F238E27FC236}">
-                <a16:creationId xmlns:a16="http://schemas.microsoft.com/office/drawing/2014/main" xmlns="" id="{5E103417-33D7-7A1E-5135-FE392A9238A1}"/>
+                <a16:creationId xmlns="" xmlns:a16="http://schemas.microsoft.com/office/drawing/2014/main" id="{5E103417-33D7-7A1E-5135-FE392A9238A1}"/>
               </a:ext>
             </a:extLst>
           </p:cNvPr>
@@ -25846,7 +25846,7 @@
           <p:cNvPr id="25" name="Google Shape;73;p14">
             <a:extLst>
               <a:ext uri="{FF2B5EF4-FFF2-40B4-BE49-F238E27FC236}">
-                <a16:creationId xmlns:a16="http://schemas.microsoft.com/office/drawing/2014/main" xmlns="" id="{728B4BED-4470-8B41-5F52-AEAB959AE86A}"/>
+                <a16:creationId xmlns="" xmlns:a16="http://schemas.microsoft.com/office/drawing/2014/main" id="{728B4BED-4470-8B41-5F52-AEAB959AE86A}"/>
               </a:ext>
             </a:extLst>
           </p:cNvPr>
@@ -25880,7 +25880,7 @@
           <p:cNvPr id="26" name="Google Shape;73;p14">
             <a:extLst>
               <a:ext uri="{FF2B5EF4-FFF2-40B4-BE49-F238E27FC236}">
-                <a16:creationId xmlns:a16="http://schemas.microsoft.com/office/drawing/2014/main" xmlns="" id="{728B4BED-4470-8B41-5F52-AEAB959AE86A}"/>
+                <a16:creationId xmlns="" xmlns:a16="http://schemas.microsoft.com/office/drawing/2014/main" id="{728B4BED-4470-8B41-5F52-AEAB959AE86A}"/>
               </a:ext>
             </a:extLst>
           </p:cNvPr>
@@ -25914,7 +25914,7 @@
           <p:cNvPr id="27" name="Google Shape;73;p14">
             <a:extLst>
               <a:ext uri="{FF2B5EF4-FFF2-40B4-BE49-F238E27FC236}">
-                <a16:creationId xmlns:a16="http://schemas.microsoft.com/office/drawing/2014/main" xmlns="" id="{728B4BED-4470-8B41-5F52-AEAB959AE86A}"/>
+                <a16:creationId xmlns="" xmlns:a16="http://schemas.microsoft.com/office/drawing/2014/main" id="{728B4BED-4470-8B41-5F52-AEAB959AE86A}"/>
               </a:ext>
             </a:extLst>
           </p:cNvPr>
@@ -26155,7 +26155,7 @@
           <p:cNvPr id="82" name="箭头: V 形 20">
             <a:extLst>
               <a:ext uri="{FF2B5EF4-FFF2-40B4-BE49-F238E27FC236}">
-                <a16:creationId xmlns:a16="http://schemas.microsoft.com/office/drawing/2014/main" xmlns="" id="{BC353627-9371-244D-7367-7A27EC648508}"/>
+                <a16:creationId xmlns="" xmlns:a16="http://schemas.microsoft.com/office/drawing/2014/main" id="{BC353627-9371-244D-7367-7A27EC648508}"/>
               </a:ext>
             </a:extLst>
           </p:cNvPr>
@@ -26203,7 +26203,7 @@
           <p:cNvPr id="83" name="箭头: V 形 21">
             <a:extLst>
               <a:ext uri="{FF2B5EF4-FFF2-40B4-BE49-F238E27FC236}">
-                <a16:creationId xmlns:a16="http://schemas.microsoft.com/office/drawing/2014/main" xmlns="" id="{41D7DFA2-1682-8959-1196-12E3B7C49765}"/>
+                <a16:creationId xmlns="" xmlns:a16="http://schemas.microsoft.com/office/drawing/2014/main" id="{41D7DFA2-1682-8959-1196-12E3B7C49765}"/>
               </a:ext>
             </a:extLst>
           </p:cNvPr>
@@ -26251,7 +26251,7 @@
           <p:cNvPr id="84" name="箭头: V 形 22">
             <a:extLst>
               <a:ext uri="{FF2B5EF4-FFF2-40B4-BE49-F238E27FC236}">
-                <a16:creationId xmlns:a16="http://schemas.microsoft.com/office/drawing/2014/main" xmlns="" id="{3E6B5B9D-8A94-166B-F4E4-0C03AFDA72FF}"/>
+                <a16:creationId xmlns="" xmlns:a16="http://schemas.microsoft.com/office/drawing/2014/main" id="{3E6B5B9D-8A94-166B-F4E4-0C03AFDA72FF}"/>
               </a:ext>
             </a:extLst>
           </p:cNvPr>
@@ -26299,7 +26299,7 @@
           <p:cNvPr id="85" name="箭头: V 形 23">
             <a:extLst>
               <a:ext uri="{FF2B5EF4-FFF2-40B4-BE49-F238E27FC236}">
-                <a16:creationId xmlns:a16="http://schemas.microsoft.com/office/drawing/2014/main" xmlns="" id="{58C2A296-BAAF-AA9E-2CEA-ABDFA8710114}"/>
+                <a16:creationId xmlns="" xmlns:a16="http://schemas.microsoft.com/office/drawing/2014/main" id="{58C2A296-BAAF-AA9E-2CEA-ABDFA8710114}"/>
               </a:ext>
             </a:extLst>
           </p:cNvPr>
@@ -26377,7 +26377,7 @@
           <p:cNvPr id="2" name="标题 1">
             <a:extLst>
               <a:ext uri="{FF2B5EF4-FFF2-40B4-BE49-F238E27FC236}">
-                <a16:creationId xmlns:a16="http://schemas.microsoft.com/office/drawing/2014/main" xmlns="" id="{80796E82-7314-2FBE-2DE8-DDD70D4DF27E}"/>
+                <a16:creationId xmlns="" xmlns:a16="http://schemas.microsoft.com/office/drawing/2014/main" id="{80796E82-7314-2FBE-2DE8-DDD70D4DF27E}"/>
               </a:ext>
             </a:extLst>
           </p:cNvPr>
@@ -26426,7 +26426,7 @@
           <p:cNvPr id="94" name="椭圆 93">
             <a:extLst>
               <a:ext uri="{FF2B5EF4-FFF2-40B4-BE49-F238E27FC236}">
-                <a16:creationId xmlns:a16="http://schemas.microsoft.com/office/drawing/2014/main" xmlns="" id="{8BEE0963-F39F-E799-5A6C-7DB2D9695EA3}"/>
+                <a16:creationId xmlns="" xmlns:a16="http://schemas.microsoft.com/office/drawing/2014/main" id="{8BEE0963-F39F-E799-5A6C-7DB2D9695EA3}"/>
               </a:ext>
             </a:extLst>
           </p:cNvPr>
@@ -26478,7 +26478,7 @@
           <p:cNvPr id="20" name="椭圆 19">
             <a:extLst>
               <a:ext uri="{FF2B5EF4-FFF2-40B4-BE49-F238E27FC236}">
-                <a16:creationId xmlns:a16="http://schemas.microsoft.com/office/drawing/2014/main" xmlns="" id="{1F3D5A18-117A-FBDB-A07B-D4E2DC2FC832}"/>
+                <a16:creationId xmlns="" xmlns:a16="http://schemas.microsoft.com/office/drawing/2014/main" id="{1F3D5A18-117A-FBDB-A07B-D4E2DC2FC832}"/>
               </a:ext>
             </a:extLst>
           </p:cNvPr>
@@ -26528,7 +26528,7 @@
           <p:cNvPr id="23" name="矩形 22">
             <a:extLst>
               <a:ext uri="{FF2B5EF4-FFF2-40B4-BE49-F238E27FC236}">
-                <a16:creationId xmlns:a16="http://schemas.microsoft.com/office/drawing/2014/main" xmlns="" id="{1DB7B11B-A7F7-8894-4BAF-68DD060767B3}"/>
+                <a16:creationId xmlns="" xmlns:a16="http://schemas.microsoft.com/office/drawing/2014/main" id="{1DB7B11B-A7F7-8894-4BAF-68DD060767B3}"/>
               </a:ext>
             </a:extLst>
           </p:cNvPr>
@@ -26578,7 +26578,7 @@
           <p:cNvPr id="24" name="矩形 23">
             <a:extLst>
               <a:ext uri="{FF2B5EF4-FFF2-40B4-BE49-F238E27FC236}">
-                <a16:creationId xmlns:a16="http://schemas.microsoft.com/office/drawing/2014/main" xmlns="" id="{5E103417-33D7-7A1E-5135-FE392A9238A1}"/>
+                <a16:creationId xmlns="" xmlns:a16="http://schemas.microsoft.com/office/drawing/2014/main" id="{5E103417-33D7-7A1E-5135-FE392A9238A1}"/>
               </a:ext>
             </a:extLst>
           </p:cNvPr>
@@ -26628,7 +26628,7 @@
           <p:cNvPr id="25" name="Google Shape;73;p14">
             <a:extLst>
               <a:ext uri="{FF2B5EF4-FFF2-40B4-BE49-F238E27FC236}">
-                <a16:creationId xmlns:a16="http://schemas.microsoft.com/office/drawing/2014/main" xmlns="" id="{728B4BED-4470-8B41-5F52-AEAB959AE86A}"/>
+                <a16:creationId xmlns="" xmlns:a16="http://schemas.microsoft.com/office/drawing/2014/main" id="{728B4BED-4470-8B41-5F52-AEAB959AE86A}"/>
               </a:ext>
             </a:extLst>
           </p:cNvPr>
@@ -26662,7 +26662,7 @@
           <p:cNvPr id="26" name="Google Shape;73;p14">
             <a:extLst>
               <a:ext uri="{FF2B5EF4-FFF2-40B4-BE49-F238E27FC236}">
-                <a16:creationId xmlns:a16="http://schemas.microsoft.com/office/drawing/2014/main" xmlns="" id="{728B4BED-4470-8B41-5F52-AEAB959AE86A}"/>
+                <a16:creationId xmlns="" xmlns:a16="http://schemas.microsoft.com/office/drawing/2014/main" id="{728B4BED-4470-8B41-5F52-AEAB959AE86A}"/>
               </a:ext>
             </a:extLst>
           </p:cNvPr>
@@ -26696,7 +26696,7 @@
           <p:cNvPr id="27" name="Google Shape;73;p14">
             <a:extLst>
               <a:ext uri="{FF2B5EF4-FFF2-40B4-BE49-F238E27FC236}">
-                <a16:creationId xmlns:a16="http://schemas.microsoft.com/office/drawing/2014/main" xmlns="" id="{728B4BED-4470-8B41-5F52-AEAB959AE86A}"/>
+                <a16:creationId xmlns="" xmlns:a16="http://schemas.microsoft.com/office/drawing/2014/main" id="{728B4BED-4470-8B41-5F52-AEAB959AE86A}"/>
               </a:ext>
             </a:extLst>
           </p:cNvPr>
@@ -26937,7 +26937,7 @@
           <p:cNvPr id="82" name="箭头: V 形 20">
             <a:extLst>
               <a:ext uri="{FF2B5EF4-FFF2-40B4-BE49-F238E27FC236}">
-                <a16:creationId xmlns:a16="http://schemas.microsoft.com/office/drawing/2014/main" xmlns="" id="{BC353627-9371-244D-7367-7A27EC648508}"/>
+                <a16:creationId xmlns="" xmlns:a16="http://schemas.microsoft.com/office/drawing/2014/main" id="{BC353627-9371-244D-7367-7A27EC648508}"/>
               </a:ext>
             </a:extLst>
           </p:cNvPr>
@@ -26985,7 +26985,7 @@
           <p:cNvPr id="83" name="箭头: V 形 21">
             <a:extLst>
               <a:ext uri="{FF2B5EF4-FFF2-40B4-BE49-F238E27FC236}">
-                <a16:creationId xmlns:a16="http://schemas.microsoft.com/office/drawing/2014/main" xmlns="" id="{41D7DFA2-1682-8959-1196-12E3B7C49765}"/>
+                <a16:creationId xmlns="" xmlns:a16="http://schemas.microsoft.com/office/drawing/2014/main" id="{41D7DFA2-1682-8959-1196-12E3B7C49765}"/>
               </a:ext>
             </a:extLst>
           </p:cNvPr>
@@ -27033,7 +27033,7 @@
           <p:cNvPr id="84" name="箭头: V 形 22">
             <a:extLst>
               <a:ext uri="{FF2B5EF4-FFF2-40B4-BE49-F238E27FC236}">
-                <a16:creationId xmlns:a16="http://schemas.microsoft.com/office/drawing/2014/main" xmlns="" id="{3E6B5B9D-8A94-166B-F4E4-0C03AFDA72FF}"/>
+                <a16:creationId xmlns="" xmlns:a16="http://schemas.microsoft.com/office/drawing/2014/main" id="{3E6B5B9D-8A94-166B-F4E4-0C03AFDA72FF}"/>
               </a:ext>
             </a:extLst>
           </p:cNvPr>
@@ -27081,7 +27081,7 @@
           <p:cNvPr id="85" name="箭头: V 形 23">
             <a:extLst>
               <a:ext uri="{FF2B5EF4-FFF2-40B4-BE49-F238E27FC236}">
-                <a16:creationId xmlns:a16="http://schemas.microsoft.com/office/drawing/2014/main" xmlns="" id="{58C2A296-BAAF-AA9E-2CEA-ABDFA8710114}"/>
+                <a16:creationId xmlns="" xmlns:a16="http://schemas.microsoft.com/office/drawing/2014/main" id="{58C2A296-BAAF-AA9E-2CEA-ABDFA8710114}"/>
               </a:ext>
             </a:extLst>
           </p:cNvPr>
@@ -27129,7 +27129,7 @@
           <p:cNvPr id="29" name="Google Shape;73;p14">
             <a:extLst>
               <a:ext uri="{FF2B5EF4-FFF2-40B4-BE49-F238E27FC236}">
-                <a16:creationId xmlns:a16="http://schemas.microsoft.com/office/drawing/2014/main" xmlns="" id="{728B4BED-4470-8B41-5F52-AEAB959AE86A}"/>
+                <a16:creationId xmlns="" xmlns:a16="http://schemas.microsoft.com/office/drawing/2014/main" id="{728B4BED-4470-8B41-5F52-AEAB959AE86A}"/>
               </a:ext>
             </a:extLst>
           </p:cNvPr>
@@ -27193,7 +27193,7 @@
           <p:cNvPr id="31" name="Google Shape;100;p14">
             <a:extLst>
               <a:ext uri="{FF2B5EF4-FFF2-40B4-BE49-F238E27FC236}">
-                <a16:creationId xmlns:a16="http://schemas.microsoft.com/office/drawing/2014/main" xmlns="" id="{04D7ED66-035D-0386-E0EE-BA6FE024830F}"/>
+                <a16:creationId xmlns="" xmlns:a16="http://schemas.microsoft.com/office/drawing/2014/main" id="{04D7ED66-035D-0386-E0EE-BA6FE024830F}"/>
               </a:ext>
             </a:extLst>
           </p:cNvPr>
@@ -27276,7 +27276,7 @@
           <p:cNvPr id="2" name="标题 1">
             <a:extLst>
               <a:ext uri="{FF2B5EF4-FFF2-40B4-BE49-F238E27FC236}">
-                <a16:creationId xmlns:a16="http://schemas.microsoft.com/office/drawing/2014/main" xmlns="" id="{2A9B6C59-89F9-5390-BB77-F8DB7EF7B310}"/>
+                <a16:creationId xmlns="" xmlns:a16="http://schemas.microsoft.com/office/drawing/2014/main" id="{2A9B6C59-89F9-5390-BB77-F8DB7EF7B310}"/>
               </a:ext>
             </a:extLst>
           </p:cNvPr>
@@ -27366,7 +27366,7 @@
           <p:cNvPr id="2" name="标题 1">
             <a:extLst>
               <a:ext uri="{FF2B5EF4-FFF2-40B4-BE49-F238E27FC236}">
-                <a16:creationId xmlns:a16="http://schemas.microsoft.com/office/drawing/2014/main" xmlns="" id="{80796E82-7314-2FBE-2DE8-DDD70D4DF27E}"/>
+                <a16:creationId xmlns="" xmlns:a16="http://schemas.microsoft.com/office/drawing/2014/main" id="{80796E82-7314-2FBE-2DE8-DDD70D4DF27E}"/>
               </a:ext>
             </a:extLst>
           </p:cNvPr>
@@ -27455,7 +27455,7 @@
           <p:cNvPr id="94" name="椭圆 93">
             <a:extLst>
               <a:ext uri="{FF2B5EF4-FFF2-40B4-BE49-F238E27FC236}">
-                <a16:creationId xmlns:a16="http://schemas.microsoft.com/office/drawing/2014/main" xmlns="" id="{8BEE0963-F39F-E799-5A6C-7DB2D9695EA3}"/>
+                <a16:creationId xmlns="" xmlns:a16="http://schemas.microsoft.com/office/drawing/2014/main" id="{8BEE0963-F39F-E799-5A6C-7DB2D9695EA3}"/>
               </a:ext>
             </a:extLst>
           </p:cNvPr>
@@ -27852,7 +27852,7 @@
           <p:cNvPr id="42" name="文本框 41">
             <a:extLst>
               <a:ext uri="{FF2B5EF4-FFF2-40B4-BE49-F238E27FC236}">
-                <a16:creationId xmlns:a16="http://schemas.microsoft.com/office/drawing/2014/main" xmlns="" id="{3E8E8225-E7B4-E598-7AEB-66BC2EF7864E}"/>
+                <a16:creationId xmlns="" xmlns:a16="http://schemas.microsoft.com/office/drawing/2014/main" id="{3E8E8225-E7B4-E598-7AEB-66BC2EF7864E}"/>
               </a:ext>
             </a:extLst>
           </p:cNvPr>
@@ -27862,7 +27862,7 @@
         <p:spPr>
           <a:xfrm>
             <a:off x="612559" y="1671863"/>
-            <a:ext cx="3335990" cy="4247317"/>
+            <a:ext cx="3335990" cy="3416320"/>
           </a:xfrm>
           <a:prstGeom prst="rect">
             <a:avLst/>
@@ -27894,32 +27894,6 @@
               <a:t>：少女</a:t>
             </a:r>
             <a:endParaRPr lang="en-US" altLang="ja-JP" dirty="0" smtClean="0"/>
-          </a:p>
-          <a:p>
-            <a:endParaRPr lang="en-US" altLang="ja-JP" dirty="0"/>
-          </a:p>
-          <a:p>
-            <a:r>
-              <a:rPr lang="zh-CN" altLang="en-US" dirty="0" smtClean="0"/>
-              <a:t>固定</a:t>
-            </a:r>
-            <a:r>
-              <a:rPr lang="en-US" altLang="zh-CN" dirty="0" smtClean="0"/>
-              <a:t>4</a:t>
-            </a:r>
-            <a:r>
-              <a:rPr lang="zh-CN" altLang="en-US" dirty="0" smtClean="0"/>
-              <a:t>种火柴，触发</a:t>
-            </a:r>
-            <a:r>
-              <a:rPr lang="en-US" altLang="zh-CN" dirty="0" smtClean="0"/>
-              <a:t>4</a:t>
-            </a:r>
-            <a:r>
-              <a:rPr lang="zh-CN" altLang="en-US" dirty="0" smtClean="0"/>
-              <a:t>种机制，需要安排顺序</a:t>
-            </a:r>
-            <a:endParaRPr lang="en-US" altLang="zh-CN" dirty="0" smtClean="0"/>
           </a:p>
           <a:p>
             <a:endParaRPr lang="en-US" altLang="zh-CN" dirty="0"/>
@@ -28299,7 +28273,7 @@
           <p:cNvPr id="4" name="Google Shape;74;p14">
             <a:extLst>
               <a:ext uri="{FF2B5EF4-FFF2-40B4-BE49-F238E27FC236}">
-                <a16:creationId xmlns:a16="http://schemas.microsoft.com/office/drawing/2014/main" xmlns="" id="{F52A6963-84A4-0036-01C0-8A6443B594E4}"/>
+                <a16:creationId xmlns="" xmlns:a16="http://schemas.microsoft.com/office/drawing/2014/main" id="{F52A6963-84A4-0036-01C0-8A6443B594E4}"/>
               </a:ext>
             </a:extLst>
           </p:cNvPr>
@@ -28333,7 +28307,7 @@
           <p:cNvPr id="5" name="Google Shape;75;p14">
             <a:extLst>
               <a:ext uri="{FF2B5EF4-FFF2-40B4-BE49-F238E27FC236}">
-                <a16:creationId xmlns:a16="http://schemas.microsoft.com/office/drawing/2014/main" xmlns="" id="{404581EA-6F71-715C-CE7C-99A122F3F6E4}"/>
+                <a16:creationId xmlns="" xmlns:a16="http://schemas.microsoft.com/office/drawing/2014/main" id="{404581EA-6F71-715C-CE7C-99A122F3F6E4}"/>
               </a:ext>
             </a:extLst>
           </p:cNvPr>
@@ -28367,7 +28341,7 @@
           <p:cNvPr id="6" name="Google Shape;76;p14">
             <a:extLst>
               <a:ext uri="{FF2B5EF4-FFF2-40B4-BE49-F238E27FC236}">
-                <a16:creationId xmlns:a16="http://schemas.microsoft.com/office/drawing/2014/main" xmlns="" id="{A527F9F4-7B4A-2EA7-612E-AAA3DD8F9F91}"/>
+                <a16:creationId xmlns="" xmlns:a16="http://schemas.microsoft.com/office/drawing/2014/main" id="{A527F9F4-7B4A-2EA7-612E-AAA3DD8F9F91}"/>
               </a:ext>
             </a:extLst>
           </p:cNvPr>
@@ -28401,7 +28375,7 @@
           <p:cNvPr id="7" name="Google Shape;77;p14">
             <a:extLst>
               <a:ext uri="{FF2B5EF4-FFF2-40B4-BE49-F238E27FC236}">
-                <a16:creationId xmlns:a16="http://schemas.microsoft.com/office/drawing/2014/main" xmlns="" id="{FCDA0BCF-7B73-F1F2-4535-2A7D8DF8F9A5}"/>
+                <a16:creationId xmlns="" xmlns:a16="http://schemas.microsoft.com/office/drawing/2014/main" id="{FCDA0BCF-7B73-F1F2-4535-2A7D8DF8F9A5}"/>
               </a:ext>
             </a:extLst>
           </p:cNvPr>
@@ -28435,7 +28409,7 @@
           <p:cNvPr id="8" name="Google Shape;78;p14">
             <a:extLst>
               <a:ext uri="{FF2B5EF4-FFF2-40B4-BE49-F238E27FC236}">
-                <a16:creationId xmlns:a16="http://schemas.microsoft.com/office/drawing/2014/main" xmlns="" id="{0C8F405C-8C7A-9464-2835-C0C6BCE26B6A}"/>
+                <a16:creationId xmlns="" xmlns:a16="http://schemas.microsoft.com/office/drawing/2014/main" id="{0C8F405C-8C7A-9464-2835-C0C6BCE26B6A}"/>
               </a:ext>
             </a:extLst>
           </p:cNvPr>
@@ -28469,7 +28443,7 @@
           <p:cNvPr id="9" name="Google Shape;79;p14">
             <a:extLst>
               <a:ext uri="{FF2B5EF4-FFF2-40B4-BE49-F238E27FC236}">
-                <a16:creationId xmlns:a16="http://schemas.microsoft.com/office/drawing/2014/main" xmlns="" id="{E9EC9C58-B423-E735-B962-72835BD4EE86}"/>
+                <a16:creationId xmlns="" xmlns:a16="http://schemas.microsoft.com/office/drawing/2014/main" id="{E9EC9C58-B423-E735-B962-72835BD4EE86}"/>
               </a:ext>
             </a:extLst>
           </p:cNvPr>
@@ -28503,7 +28477,7 @@
           <p:cNvPr id="10" name="Google Shape;80;p14">
             <a:extLst>
               <a:ext uri="{FF2B5EF4-FFF2-40B4-BE49-F238E27FC236}">
-                <a16:creationId xmlns:a16="http://schemas.microsoft.com/office/drawing/2014/main" xmlns="" id="{BA0DDD85-240E-A853-DC83-F6457C5291E8}"/>
+                <a16:creationId xmlns="" xmlns:a16="http://schemas.microsoft.com/office/drawing/2014/main" id="{BA0DDD85-240E-A853-DC83-F6457C5291E8}"/>
               </a:ext>
             </a:extLst>
           </p:cNvPr>
@@ -28537,7 +28511,7 @@
           <p:cNvPr id="11" name="Google Shape;81;p14">
             <a:extLst>
               <a:ext uri="{FF2B5EF4-FFF2-40B4-BE49-F238E27FC236}">
-                <a16:creationId xmlns:a16="http://schemas.microsoft.com/office/drawing/2014/main" xmlns="" id="{78D0E7F2-A606-3D98-4CE9-4D32A4C0E2C6}"/>
+                <a16:creationId xmlns="" xmlns:a16="http://schemas.microsoft.com/office/drawing/2014/main" id="{78D0E7F2-A606-3D98-4CE9-4D32A4C0E2C6}"/>
               </a:ext>
             </a:extLst>
           </p:cNvPr>
@@ -28571,7 +28545,7 @@
           <p:cNvPr id="12" name="箭头: 五边形 11">
             <a:extLst>
               <a:ext uri="{FF2B5EF4-FFF2-40B4-BE49-F238E27FC236}">
-                <a16:creationId xmlns:a16="http://schemas.microsoft.com/office/drawing/2014/main" xmlns="" id="{E13F04AF-CA49-218E-5AA1-C8D4A89BCA7A}"/>
+                <a16:creationId xmlns="" xmlns:a16="http://schemas.microsoft.com/office/drawing/2014/main" id="{E13F04AF-CA49-218E-5AA1-C8D4A89BCA7A}"/>
               </a:ext>
             </a:extLst>
           </p:cNvPr>
@@ -28618,7 +28592,7 @@
           <p:cNvPr id="13" name="箭头: 五边形 12">
             <a:extLst>
               <a:ext uri="{FF2B5EF4-FFF2-40B4-BE49-F238E27FC236}">
-                <a16:creationId xmlns:a16="http://schemas.microsoft.com/office/drawing/2014/main" xmlns="" id="{05DEB904-DFEB-BAA8-7C26-B72CD611A811}"/>
+                <a16:creationId xmlns="" xmlns:a16="http://schemas.microsoft.com/office/drawing/2014/main" id="{05DEB904-DFEB-BAA8-7C26-B72CD611A811}"/>
               </a:ext>
             </a:extLst>
           </p:cNvPr>
@@ -28674,7 +28648,7 @@
           <p:cNvPr id="14" name="箭头: 五边形 13">
             <a:extLst>
               <a:ext uri="{FF2B5EF4-FFF2-40B4-BE49-F238E27FC236}">
-                <a16:creationId xmlns:a16="http://schemas.microsoft.com/office/drawing/2014/main" xmlns="" id="{FD3B5483-3F50-8FB0-25AC-EC051D3099FB}"/>
+                <a16:creationId xmlns="" xmlns:a16="http://schemas.microsoft.com/office/drawing/2014/main" id="{FD3B5483-3F50-8FB0-25AC-EC051D3099FB}"/>
               </a:ext>
             </a:extLst>
           </p:cNvPr>
@@ -28730,7 +28704,7 @@
           <p:cNvPr id="15" name="箭头: 五边形 14">
             <a:extLst>
               <a:ext uri="{FF2B5EF4-FFF2-40B4-BE49-F238E27FC236}">
-                <a16:creationId xmlns:a16="http://schemas.microsoft.com/office/drawing/2014/main" xmlns="" id="{A43EC445-08DE-C16A-E8F3-A1D64CDC87A4}"/>
+                <a16:creationId xmlns="" xmlns:a16="http://schemas.microsoft.com/office/drawing/2014/main" id="{A43EC445-08DE-C16A-E8F3-A1D64CDC87A4}"/>
               </a:ext>
             </a:extLst>
           </p:cNvPr>
@@ -28786,7 +28760,7 @@
           <p:cNvPr id="16" name="箭头: 五边形 15">
             <a:extLst>
               <a:ext uri="{FF2B5EF4-FFF2-40B4-BE49-F238E27FC236}">
-                <a16:creationId xmlns:a16="http://schemas.microsoft.com/office/drawing/2014/main" xmlns="" id="{B8062128-35C1-DC16-AC2E-34A3B7EFCE5D}"/>
+                <a16:creationId xmlns="" xmlns:a16="http://schemas.microsoft.com/office/drawing/2014/main" id="{B8062128-35C1-DC16-AC2E-34A3B7EFCE5D}"/>
               </a:ext>
             </a:extLst>
           </p:cNvPr>
@@ -28842,7 +28816,7 @@
           <p:cNvPr id="17" name="箭头: 五边形 16">
             <a:extLst>
               <a:ext uri="{FF2B5EF4-FFF2-40B4-BE49-F238E27FC236}">
-                <a16:creationId xmlns:a16="http://schemas.microsoft.com/office/drawing/2014/main" xmlns="" id="{9161E0C4-34BC-E5EF-2DA6-3E4BE128882D}"/>
+                <a16:creationId xmlns="" xmlns:a16="http://schemas.microsoft.com/office/drawing/2014/main" id="{9161E0C4-34BC-E5EF-2DA6-3E4BE128882D}"/>
               </a:ext>
             </a:extLst>
           </p:cNvPr>
@@ -28889,7 +28863,7 @@
           <p:cNvPr id="18" name="箭头: 五边形 17">
             <a:extLst>
               <a:ext uri="{FF2B5EF4-FFF2-40B4-BE49-F238E27FC236}">
-                <a16:creationId xmlns:a16="http://schemas.microsoft.com/office/drawing/2014/main" xmlns="" id="{B14F0095-88A1-E73B-341C-A51D4BF3BCE7}"/>
+                <a16:creationId xmlns="" xmlns:a16="http://schemas.microsoft.com/office/drawing/2014/main" id="{B14F0095-88A1-E73B-341C-A51D4BF3BCE7}"/>
               </a:ext>
             </a:extLst>
           </p:cNvPr>
@@ -28936,7 +28910,7 @@
           <p:cNvPr id="19" name="箭头: 五边形 18">
             <a:extLst>
               <a:ext uri="{FF2B5EF4-FFF2-40B4-BE49-F238E27FC236}">
-                <a16:creationId xmlns:a16="http://schemas.microsoft.com/office/drawing/2014/main" xmlns="" id="{E972E0E3-FC1A-AEDD-7D35-7285E0781540}"/>
+                <a16:creationId xmlns="" xmlns:a16="http://schemas.microsoft.com/office/drawing/2014/main" id="{E972E0E3-FC1A-AEDD-7D35-7285E0781540}"/>
               </a:ext>
             </a:extLst>
           </p:cNvPr>
@@ -29023,7 +28997,7 @@
           <p:cNvPr id="2" name="标题 1">
             <a:extLst>
               <a:ext uri="{FF2B5EF4-FFF2-40B4-BE49-F238E27FC236}">
-                <a16:creationId xmlns:a16="http://schemas.microsoft.com/office/drawing/2014/main" xmlns="" id="{2A9B6C59-89F9-5390-BB77-F8DB7EF7B310}"/>
+                <a16:creationId xmlns="" xmlns:a16="http://schemas.microsoft.com/office/drawing/2014/main" id="{2A9B6C59-89F9-5390-BB77-F8DB7EF7B310}"/>
               </a:ext>
             </a:extLst>
           </p:cNvPr>
@@ -29098,7 +29072,7 @@
           <p:cNvPr id="2" name="标题 1">
             <a:extLst>
               <a:ext uri="{FF2B5EF4-FFF2-40B4-BE49-F238E27FC236}">
-                <a16:creationId xmlns:a16="http://schemas.microsoft.com/office/drawing/2014/main" xmlns="" id="{80796E82-7314-2FBE-2DE8-DDD70D4DF27E}"/>
+                <a16:creationId xmlns="" xmlns:a16="http://schemas.microsoft.com/office/drawing/2014/main" id="{80796E82-7314-2FBE-2DE8-DDD70D4DF27E}"/>
               </a:ext>
             </a:extLst>
           </p:cNvPr>
@@ -29147,7 +29121,7 @@
           <p:cNvPr id="5" name="椭圆 4">
             <a:extLst>
               <a:ext uri="{FF2B5EF4-FFF2-40B4-BE49-F238E27FC236}">
-                <a16:creationId xmlns:a16="http://schemas.microsoft.com/office/drawing/2014/main" xmlns="" id="{A020CC41-9901-5A10-06D8-1F19650A3A6A}"/>
+                <a16:creationId xmlns="" xmlns:a16="http://schemas.microsoft.com/office/drawing/2014/main" id="{A020CC41-9901-5A10-06D8-1F19650A3A6A}"/>
               </a:ext>
             </a:extLst>
           </p:cNvPr>
@@ -29199,7 +29173,7 @@
           <p:cNvPr id="6" name="Google Shape;74;p14">
             <a:extLst>
               <a:ext uri="{FF2B5EF4-FFF2-40B4-BE49-F238E27FC236}">
-                <a16:creationId xmlns:a16="http://schemas.microsoft.com/office/drawing/2014/main" xmlns="" id="{8ABB2948-CF7D-7BD6-14B8-367574244CB2}"/>
+                <a16:creationId xmlns="" xmlns:a16="http://schemas.microsoft.com/office/drawing/2014/main" id="{8ABB2948-CF7D-7BD6-14B8-367574244CB2}"/>
               </a:ext>
             </a:extLst>
           </p:cNvPr>
@@ -29233,7 +29207,7 @@
           <p:cNvPr id="7" name="Google Shape;75;p14">
             <a:extLst>
               <a:ext uri="{FF2B5EF4-FFF2-40B4-BE49-F238E27FC236}">
-                <a16:creationId xmlns:a16="http://schemas.microsoft.com/office/drawing/2014/main" xmlns="" id="{744D1F6B-EBF7-049C-9CBC-D2BD265B8DB5}"/>
+                <a16:creationId xmlns="" xmlns:a16="http://schemas.microsoft.com/office/drawing/2014/main" id="{744D1F6B-EBF7-049C-9CBC-D2BD265B8DB5}"/>
               </a:ext>
             </a:extLst>
           </p:cNvPr>
@@ -29267,7 +29241,7 @@
           <p:cNvPr id="8" name="Google Shape;76;p14">
             <a:extLst>
               <a:ext uri="{FF2B5EF4-FFF2-40B4-BE49-F238E27FC236}">
-                <a16:creationId xmlns:a16="http://schemas.microsoft.com/office/drawing/2014/main" xmlns="" id="{A0604560-830C-4AC9-3717-031AA48B5D45}"/>
+                <a16:creationId xmlns="" xmlns:a16="http://schemas.microsoft.com/office/drawing/2014/main" id="{A0604560-830C-4AC9-3717-031AA48B5D45}"/>
               </a:ext>
             </a:extLst>
           </p:cNvPr>
@@ -29301,7 +29275,7 @@
           <p:cNvPr id="9" name="Google Shape;77;p14">
             <a:extLst>
               <a:ext uri="{FF2B5EF4-FFF2-40B4-BE49-F238E27FC236}">
-                <a16:creationId xmlns:a16="http://schemas.microsoft.com/office/drawing/2014/main" xmlns="" id="{DC03C87C-87BB-A5EB-0D50-DDB31F93A6C2}"/>
+                <a16:creationId xmlns="" xmlns:a16="http://schemas.microsoft.com/office/drawing/2014/main" id="{DC03C87C-87BB-A5EB-0D50-DDB31F93A6C2}"/>
               </a:ext>
             </a:extLst>
           </p:cNvPr>
@@ -29335,7 +29309,7 @@
           <p:cNvPr id="10" name="Google Shape;78;p14">
             <a:extLst>
               <a:ext uri="{FF2B5EF4-FFF2-40B4-BE49-F238E27FC236}">
-                <a16:creationId xmlns:a16="http://schemas.microsoft.com/office/drawing/2014/main" xmlns="" id="{281D3DED-9B64-E88B-FC5F-0C30B82A9484}"/>
+                <a16:creationId xmlns="" xmlns:a16="http://schemas.microsoft.com/office/drawing/2014/main" id="{281D3DED-9B64-E88B-FC5F-0C30B82A9484}"/>
               </a:ext>
             </a:extLst>
           </p:cNvPr>
@@ -29369,7 +29343,7 @@
           <p:cNvPr id="11" name="Google Shape;79;p14">
             <a:extLst>
               <a:ext uri="{FF2B5EF4-FFF2-40B4-BE49-F238E27FC236}">
-                <a16:creationId xmlns:a16="http://schemas.microsoft.com/office/drawing/2014/main" xmlns="" id="{0DAE55E6-D474-C395-BC84-8ACA3CE820A0}"/>
+                <a16:creationId xmlns="" xmlns:a16="http://schemas.microsoft.com/office/drawing/2014/main" id="{0DAE55E6-D474-C395-BC84-8ACA3CE820A0}"/>
               </a:ext>
             </a:extLst>
           </p:cNvPr>
@@ -29403,7 +29377,7 @@
           <p:cNvPr id="12" name="Google Shape;80;p14">
             <a:extLst>
               <a:ext uri="{FF2B5EF4-FFF2-40B4-BE49-F238E27FC236}">
-                <a16:creationId xmlns:a16="http://schemas.microsoft.com/office/drawing/2014/main" xmlns="" id="{3A5AAC50-9F06-A76F-B20B-35CF3612E825}"/>
+                <a16:creationId xmlns="" xmlns:a16="http://schemas.microsoft.com/office/drawing/2014/main" id="{3A5AAC50-9F06-A76F-B20B-35CF3612E825}"/>
               </a:ext>
             </a:extLst>
           </p:cNvPr>
@@ -29437,7 +29411,7 @@
           <p:cNvPr id="13" name="Google Shape;81;p14">
             <a:extLst>
               <a:ext uri="{FF2B5EF4-FFF2-40B4-BE49-F238E27FC236}">
-                <a16:creationId xmlns:a16="http://schemas.microsoft.com/office/drawing/2014/main" xmlns="" id="{F33B3BEC-1095-E464-2D03-703E55B0F8A0}"/>
+                <a16:creationId xmlns="" xmlns:a16="http://schemas.microsoft.com/office/drawing/2014/main" id="{F33B3BEC-1095-E464-2D03-703E55B0F8A0}"/>
               </a:ext>
             </a:extLst>
           </p:cNvPr>
@@ -29471,7 +29445,7 @@
           <p:cNvPr id="14" name="图片 13">
             <a:extLst>
               <a:ext uri="{FF2B5EF4-FFF2-40B4-BE49-F238E27FC236}">
-                <a16:creationId xmlns:a16="http://schemas.microsoft.com/office/drawing/2014/main" xmlns="" id="{A1247C65-E9FE-684D-C577-C3EFF757A026}"/>
+                <a16:creationId xmlns="" xmlns:a16="http://schemas.microsoft.com/office/drawing/2014/main" id="{A1247C65-E9FE-684D-C577-C3EFF757A026}"/>
               </a:ext>
             </a:extLst>
           </p:cNvPr>
@@ -29501,7 +29475,7 @@
           <p:cNvPr id="15" name="图片 14">
             <a:extLst>
               <a:ext uri="{FF2B5EF4-FFF2-40B4-BE49-F238E27FC236}">
-                <a16:creationId xmlns:a16="http://schemas.microsoft.com/office/drawing/2014/main" xmlns="" id="{2E9CE1E3-2135-0036-6AC6-4F023E9FB9FB}"/>
+                <a16:creationId xmlns="" xmlns:a16="http://schemas.microsoft.com/office/drawing/2014/main" id="{2E9CE1E3-2135-0036-6AC6-4F023E9FB9FB}"/>
               </a:ext>
             </a:extLst>
           </p:cNvPr>
@@ -29531,7 +29505,7 @@
           <p:cNvPr id="16" name="图片 15">
             <a:extLst>
               <a:ext uri="{FF2B5EF4-FFF2-40B4-BE49-F238E27FC236}">
-                <a16:creationId xmlns:a16="http://schemas.microsoft.com/office/drawing/2014/main" xmlns="" id="{E105324A-0DF5-3CC5-8FA4-5C776E05B929}"/>
+                <a16:creationId xmlns="" xmlns:a16="http://schemas.microsoft.com/office/drawing/2014/main" id="{E105324A-0DF5-3CC5-8FA4-5C776E05B929}"/>
               </a:ext>
             </a:extLst>
           </p:cNvPr>
@@ -29561,7 +29535,7 @@
           <p:cNvPr id="17" name="图片 16">
             <a:extLst>
               <a:ext uri="{FF2B5EF4-FFF2-40B4-BE49-F238E27FC236}">
-                <a16:creationId xmlns:a16="http://schemas.microsoft.com/office/drawing/2014/main" xmlns="" id="{9B118434-3A73-4D47-C6D6-FBDC473A6E94}"/>
+                <a16:creationId xmlns="" xmlns:a16="http://schemas.microsoft.com/office/drawing/2014/main" id="{9B118434-3A73-4D47-C6D6-FBDC473A6E94}"/>
               </a:ext>
             </a:extLst>
           </p:cNvPr>
@@ -29591,7 +29565,7 @@
           <p:cNvPr id="18" name="图片 17">
             <a:extLst>
               <a:ext uri="{FF2B5EF4-FFF2-40B4-BE49-F238E27FC236}">
-                <a16:creationId xmlns:a16="http://schemas.microsoft.com/office/drawing/2014/main" xmlns="" id="{B4FACCEA-FD77-524D-0769-3E9B324ECE01}"/>
+                <a16:creationId xmlns="" xmlns:a16="http://schemas.microsoft.com/office/drawing/2014/main" id="{B4FACCEA-FD77-524D-0769-3E9B324ECE01}"/>
               </a:ext>
             </a:extLst>
           </p:cNvPr>
@@ -29651,7 +29625,7 @@
           <p:cNvPr id="2" name="标题 1">
             <a:extLst>
               <a:ext uri="{FF2B5EF4-FFF2-40B4-BE49-F238E27FC236}">
-                <a16:creationId xmlns:a16="http://schemas.microsoft.com/office/drawing/2014/main" xmlns="" id="{80796E82-7314-2FBE-2DE8-DDD70D4DF27E}"/>
+                <a16:creationId xmlns="" xmlns:a16="http://schemas.microsoft.com/office/drawing/2014/main" id="{80796E82-7314-2FBE-2DE8-DDD70D4DF27E}"/>
               </a:ext>
             </a:extLst>
           </p:cNvPr>
@@ -29700,7 +29674,7 @@
           <p:cNvPr id="5" name="椭圆 4">
             <a:extLst>
               <a:ext uri="{FF2B5EF4-FFF2-40B4-BE49-F238E27FC236}">
-                <a16:creationId xmlns:a16="http://schemas.microsoft.com/office/drawing/2014/main" xmlns="" id="{A020CC41-9901-5A10-06D8-1F19650A3A6A}"/>
+                <a16:creationId xmlns="" xmlns:a16="http://schemas.microsoft.com/office/drawing/2014/main" id="{A020CC41-9901-5A10-06D8-1F19650A3A6A}"/>
               </a:ext>
             </a:extLst>
           </p:cNvPr>
@@ -29752,7 +29726,7 @@
           <p:cNvPr id="6" name="Google Shape;74;p14">
             <a:extLst>
               <a:ext uri="{FF2B5EF4-FFF2-40B4-BE49-F238E27FC236}">
-                <a16:creationId xmlns:a16="http://schemas.microsoft.com/office/drawing/2014/main" xmlns="" id="{8ABB2948-CF7D-7BD6-14B8-367574244CB2}"/>
+                <a16:creationId xmlns="" xmlns:a16="http://schemas.microsoft.com/office/drawing/2014/main" id="{8ABB2948-CF7D-7BD6-14B8-367574244CB2}"/>
               </a:ext>
             </a:extLst>
           </p:cNvPr>
@@ -29786,7 +29760,7 @@
           <p:cNvPr id="7" name="Google Shape;75;p14">
             <a:extLst>
               <a:ext uri="{FF2B5EF4-FFF2-40B4-BE49-F238E27FC236}">
-                <a16:creationId xmlns:a16="http://schemas.microsoft.com/office/drawing/2014/main" xmlns="" id="{744D1F6B-EBF7-049C-9CBC-D2BD265B8DB5}"/>
+                <a16:creationId xmlns="" xmlns:a16="http://schemas.microsoft.com/office/drawing/2014/main" id="{744D1F6B-EBF7-049C-9CBC-D2BD265B8DB5}"/>
               </a:ext>
             </a:extLst>
           </p:cNvPr>
@@ -29820,7 +29794,7 @@
           <p:cNvPr id="8" name="Google Shape;76;p14">
             <a:extLst>
               <a:ext uri="{FF2B5EF4-FFF2-40B4-BE49-F238E27FC236}">
-                <a16:creationId xmlns:a16="http://schemas.microsoft.com/office/drawing/2014/main" xmlns="" id="{A0604560-830C-4AC9-3717-031AA48B5D45}"/>
+                <a16:creationId xmlns="" xmlns:a16="http://schemas.microsoft.com/office/drawing/2014/main" id="{A0604560-830C-4AC9-3717-031AA48B5D45}"/>
               </a:ext>
             </a:extLst>
           </p:cNvPr>
@@ -29854,7 +29828,7 @@
           <p:cNvPr id="9" name="Google Shape;77;p14">
             <a:extLst>
               <a:ext uri="{FF2B5EF4-FFF2-40B4-BE49-F238E27FC236}">
-                <a16:creationId xmlns:a16="http://schemas.microsoft.com/office/drawing/2014/main" xmlns="" id="{DC03C87C-87BB-A5EB-0D50-DDB31F93A6C2}"/>
+                <a16:creationId xmlns="" xmlns:a16="http://schemas.microsoft.com/office/drawing/2014/main" id="{DC03C87C-87BB-A5EB-0D50-DDB31F93A6C2}"/>
               </a:ext>
             </a:extLst>
           </p:cNvPr>
@@ -29888,7 +29862,7 @@
           <p:cNvPr id="10" name="Google Shape;78;p14">
             <a:extLst>
               <a:ext uri="{FF2B5EF4-FFF2-40B4-BE49-F238E27FC236}">
-                <a16:creationId xmlns:a16="http://schemas.microsoft.com/office/drawing/2014/main" xmlns="" id="{281D3DED-9B64-E88B-FC5F-0C30B82A9484}"/>
+                <a16:creationId xmlns="" xmlns:a16="http://schemas.microsoft.com/office/drawing/2014/main" id="{281D3DED-9B64-E88B-FC5F-0C30B82A9484}"/>
               </a:ext>
             </a:extLst>
           </p:cNvPr>
@@ -29922,7 +29896,7 @@
           <p:cNvPr id="11" name="Google Shape;79;p14">
             <a:extLst>
               <a:ext uri="{FF2B5EF4-FFF2-40B4-BE49-F238E27FC236}">
-                <a16:creationId xmlns:a16="http://schemas.microsoft.com/office/drawing/2014/main" xmlns="" id="{0DAE55E6-D474-C395-BC84-8ACA3CE820A0}"/>
+                <a16:creationId xmlns="" xmlns:a16="http://schemas.microsoft.com/office/drawing/2014/main" id="{0DAE55E6-D474-C395-BC84-8ACA3CE820A0}"/>
               </a:ext>
             </a:extLst>
           </p:cNvPr>
@@ -29956,7 +29930,7 @@
           <p:cNvPr id="12" name="Google Shape;80;p14">
             <a:extLst>
               <a:ext uri="{FF2B5EF4-FFF2-40B4-BE49-F238E27FC236}">
-                <a16:creationId xmlns:a16="http://schemas.microsoft.com/office/drawing/2014/main" xmlns="" id="{3A5AAC50-9F06-A76F-B20B-35CF3612E825}"/>
+                <a16:creationId xmlns="" xmlns:a16="http://schemas.microsoft.com/office/drawing/2014/main" id="{3A5AAC50-9F06-A76F-B20B-35CF3612E825}"/>
               </a:ext>
             </a:extLst>
           </p:cNvPr>
@@ -29990,7 +29964,7 @@
           <p:cNvPr id="13" name="Google Shape;81;p14">
             <a:extLst>
               <a:ext uri="{FF2B5EF4-FFF2-40B4-BE49-F238E27FC236}">
-                <a16:creationId xmlns:a16="http://schemas.microsoft.com/office/drawing/2014/main" xmlns="" id="{F33B3BEC-1095-E464-2D03-703E55B0F8A0}"/>
+                <a16:creationId xmlns="" xmlns:a16="http://schemas.microsoft.com/office/drawing/2014/main" id="{F33B3BEC-1095-E464-2D03-703E55B0F8A0}"/>
               </a:ext>
             </a:extLst>
           </p:cNvPr>
@@ -30024,7 +29998,7 @@
           <p:cNvPr id="14" name="图片 13">
             <a:extLst>
               <a:ext uri="{FF2B5EF4-FFF2-40B4-BE49-F238E27FC236}">
-                <a16:creationId xmlns:a16="http://schemas.microsoft.com/office/drawing/2014/main" xmlns="" id="{A1247C65-E9FE-684D-C577-C3EFF757A026}"/>
+                <a16:creationId xmlns="" xmlns:a16="http://schemas.microsoft.com/office/drawing/2014/main" id="{A1247C65-E9FE-684D-C577-C3EFF757A026}"/>
               </a:ext>
             </a:extLst>
           </p:cNvPr>
@@ -30054,7 +30028,7 @@
           <p:cNvPr id="15" name="图片 14">
             <a:extLst>
               <a:ext uri="{FF2B5EF4-FFF2-40B4-BE49-F238E27FC236}">
-                <a16:creationId xmlns:a16="http://schemas.microsoft.com/office/drawing/2014/main" xmlns="" id="{2E9CE1E3-2135-0036-6AC6-4F023E9FB9FB}"/>
+                <a16:creationId xmlns="" xmlns:a16="http://schemas.microsoft.com/office/drawing/2014/main" id="{2E9CE1E3-2135-0036-6AC6-4F023E9FB9FB}"/>
               </a:ext>
             </a:extLst>
           </p:cNvPr>
@@ -30084,7 +30058,7 @@
           <p:cNvPr id="16" name="图片 15">
             <a:extLst>
               <a:ext uri="{FF2B5EF4-FFF2-40B4-BE49-F238E27FC236}">
-                <a16:creationId xmlns:a16="http://schemas.microsoft.com/office/drawing/2014/main" xmlns="" id="{E105324A-0DF5-3CC5-8FA4-5C776E05B929}"/>
+                <a16:creationId xmlns="" xmlns:a16="http://schemas.microsoft.com/office/drawing/2014/main" id="{E105324A-0DF5-3CC5-8FA4-5C776E05B929}"/>
               </a:ext>
             </a:extLst>
           </p:cNvPr>
@@ -30114,7 +30088,7 @@
           <p:cNvPr id="17" name="图片 16">
             <a:extLst>
               <a:ext uri="{FF2B5EF4-FFF2-40B4-BE49-F238E27FC236}">
-                <a16:creationId xmlns:a16="http://schemas.microsoft.com/office/drawing/2014/main" xmlns="" id="{9B118434-3A73-4D47-C6D6-FBDC473A6E94}"/>
+                <a16:creationId xmlns="" xmlns:a16="http://schemas.microsoft.com/office/drawing/2014/main" id="{9B118434-3A73-4D47-C6D6-FBDC473A6E94}"/>
               </a:ext>
             </a:extLst>
           </p:cNvPr>
@@ -30144,7 +30118,7 @@
           <p:cNvPr id="18" name="图片 17">
             <a:extLst>
               <a:ext uri="{FF2B5EF4-FFF2-40B4-BE49-F238E27FC236}">
-                <a16:creationId xmlns:a16="http://schemas.microsoft.com/office/drawing/2014/main" xmlns="" id="{B4FACCEA-FD77-524D-0769-3E9B324ECE01}"/>
+                <a16:creationId xmlns="" xmlns:a16="http://schemas.microsoft.com/office/drawing/2014/main" id="{B4FACCEA-FD77-524D-0769-3E9B324ECE01}"/>
               </a:ext>
             </a:extLst>
           </p:cNvPr>
@@ -30174,7 +30148,7 @@
           <p:cNvPr id="19" name="Google Shape;87;p14">
             <a:extLst>
               <a:ext uri="{FF2B5EF4-FFF2-40B4-BE49-F238E27FC236}">
-                <a16:creationId xmlns:a16="http://schemas.microsoft.com/office/drawing/2014/main" xmlns="" id="{D5F99ADA-5751-0003-A146-8C3479B5FA29}"/>
+                <a16:creationId xmlns="" xmlns:a16="http://schemas.microsoft.com/office/drawing/2014/main" id="{D5F99ADA-5751-0003-A146-8C3479B5FA29}"/>
               </a:ext>
             </a:extLst>
           </p:cNvPr>
@@ -30208,7 +30182,7 @@
           <p:cNvPr id="21" name="Google Shape;87;p14">
             <a:extLst>
               <a:ext uri="{FF2B5EF4-FFF2-40B4-BE49-F238E27FC236}">
-                <a16:creationId xmlns:a16="http://schemas.microsoft.com/office/drawing/2014/main" xmlns="" id="{90F13ACB-01F8-F61D-B504-33D42F0F054E}"/>
+                <a16:creationId xmlns="" xmlns:a16="http://schemas.microsoft.com/office/drawing/2014/main" id="{90F13ACB-01F8-F61D-B504-33D42F0F054E}"/>
               </a:ext>
             </a:extLst>
           </p:cNvPr>
@@ -30242,7 +30216,7 @@
           <p:cNvPr id="24" name="Google Shape;85;p14">
             <a:extLst>
               <a:ext uri="{FF2B5EF4-FFF2-40B4-BE49-F238E27FC236}">
-                <a16:creationId xmlns:a16="http://schemas.microsoft.com/office/drawing/2014/main" xmlns="" id="{8498F254-73E8-BE24-4CFC-E75E188DD02A}"/>
+                <a16:creationId xmlns="" xmlns:a16="http://schemas.microsoft.com/office/drawing/2014/main" id="{8498F254-73E8-BE24-4CFC-E75E188DD02A}"/>
               </a:ext>
             </a:extLst>
           </p:cNvPr>
@@ -30283,7 +30257,7 @@
           <p:cNvPr id="25" name="Google Shape;85;p14">
             <a:extLst>
               <a:ext uri="{FF2B5EF4-FFF2-40B4-BE49-F238E27FC236}">
-                <a16:creationId xmlns:a16="http://schemas.microsoft.com/office/drawing/2014/main" xmlns="" id="{5C78CA6E-6DFC-515D-2D93-7149CE8D13F3}"/>
+                <a16:creationId xmlns="" xmlns:a16="http://schemas.microsoft.com/office/drawing/2014/main" id="{5C78CA6E-6DFC-515D-2D93-7149CE8D13F3}"/>
               </a:ext>
             </a:extLst>
           </p:cNvPr>
@@ -30324,7 +30298,7 @@
           <p:cNvPr id="26" name="Google Shape;90;p14">
             <a:extLst>
               <a:ext uri="{FF2B5EF4-FFF2-40B4-BE49-F238E27FC236}">
-                <a16:creationId xmlns:a16="http://schemas.microsoft.com/office/drawing/2014/main" xmlns="" id="{70D7F9C8-3F19-0671-CC95-0C6FF2D659F6}"/>
+                <a16:creationId xmlns="" xmlns:a16="http://schemas.microsoft.com/office/drawing/2014/main" id="{70D7F9C8-3F19-0671-CC95-0C6FF2D659F6}"/>
               </a:ext>
             </a:extLst>
           </p:cNvPr>
@@ -30358,7 +30332,7 @@
           <p:cNvPr id="27" name="Google Shape;83;p14">
             <a:extLst>
               <a:ext uri="{FF2B5EF4-FFF2-40B4-BE49-F238E27FC236}">
-                <a16:creationId xmlns:a16="http://schemas.microsoft.com/office/drawing/2014/main" xmlns="" id="{7612AD67-07A2-FFEB-0DE5-F90CDC1B4A5C}"/>
+                <a16:creationId xmlns="" xmlns:a16="http://schemas.microsoft.com/office/drawing/2014/main" id="{7612AD67-07A2-FFEB-0DE5-F90CDC1B4A5C}"/>
               </a:ext>
             </a:extLst>
           </p:cNvPr>
@@ -30403,7 +30377,7 @@
           <p:cNvPr id="28" name="Google Shape;83;p14">
             <a:extLst>
               <a:ext uri="{FF2B5EF4-FFF2-40B4-BE49-F238E27FC236}">
-                <a16:creationId xmlns:a16="http://schemas.microsoft.com/office/drawing/2014/main" xmlns="" id="{8DAAC8FF-3497-68B4-671F-222AE70DDC00}"/>
+                <a16:creationId xmlns="" xmlns:a16="http://schemas.microsoft.com/office/drawing/2014/main" id="{8DAAC8FF-3497-68B4-671F-222AE70DDC00}"/>
               </a:ext>
             </a:extLst>
           </p:cNvPr>
@@ -30448,7 +30422,7 @@
           <p:cNvPr id="29" name="矩形 28">
             <a:extLst>
               <a:ext uri="{FF2B5EF4-FFF2-40B4-BE49-F238E27FC236}">
-                <a16:creationId xmlns:a16="http://schemas.microsoft.com/office/drawing/2014/main" xmlns="" id="{F5D95F4C-2AC2-CBDE-25EE-8B0D5572C4DD}"/>
+                <a16:creationId xmlns="" xmlns:a16="http://schemas.microsoft.com/office/drawing/2014/main" id="{F5D95F4C-2AC2-CBDE-25EE-8B0D5572C4DD}"/>
               </a:ext>
             </a:extLst>
           </p:cNvPr>
@@ -30499,7 +30473,7 @@
           <p:cNvPr id="30" name="文本框 29">
             <a:extLst>
               <a:ext uri="{FF2B5EF4-FFF2-40B4-BE49-F238E27FC236}">
-                <a16:creationId xmlns:a16="http://schemas.microsoft.com/office/drawing/2014/main" xmlns="" id="{02CD6288-94AE-B133-56AB-163E634896EC}"/>
+                <a16:creationId xmlns="" xmlns:a16="http://schemas.microsoft.com/office/drawing/2014/main" id="{02CD6288-94AE-B133-56AB-163E634896EC}"/>
               </a:ext>
             </a:extLst>
           </p:cNvPr>
@@ -30573,7 +30547,7 @@
           <p:cNvPr id="2" name="标题 1">
             <a:extLst>
               <a:ext uri="{FF2B5EF4-FFF2-40B4-BE49-F238E27FC236}">
-                <a16:creationId xmlns:a16="http://schemas.microsoft.com/office/drawing/2014/main" xmlns="" id="{80796E82-7314-2FBE-2DE8-DDD70D4DF27E}"/>
+                <a16:creationId xmlns="" xmlns:a16="http://schemas.microsoft.com/office/drawing/2014/main" id="{80796E82-7314-2FBE-2DE8-DDD70D4DF27E}"/>
               </a:ext>
             </a:extLst>
           </p:cNvPr>
@@ -30622,7 +30596,7 @@
           <p:cNvPr id="5" name="椭圆 4">
             <a:extLst>
               <a:ext uri="{FF2B5EF4-FFF2-40B4-BE49-F238E27FC236}">
-                <a16:creationId xmlns:a16="http://schemas.microsoft.com/office/drawing/2014/main" xmlns="" id="{A020CC41-9901-5A10-06D8-1F19650A3A6A}"/>
+                <a16:creationId xmlns="" xmlns:a16="http://schemas.microsoft.com/office/drawing/2014/main" id="{A020CC41-9901-5A10-06D8-1F19650A3A6A}"/>
               </a:ext>
             </a:extLst>
           </p:cNvPr>
@@ -30674,7 +30648,7 @@
           <p:cNvPr id="6" name="Google Shape;74;p14">
             <a:extLst>
               <a:ext uri="{FF2B5EF4-FFF2-40B4-BE49-F238E27FC236}">
-                <a16:creationId xmlns:a16="http://schemas.microsoft.com/office/drawing/2014/main" xmlns="" id="{8ABB2948-CF7D-7BD6-14B8-367574244CB2}"/>
+                <a16:creationId xmlns="" xmlns:a16="http://schemas.microsoft.com/office/drawing/2014/main" id="{8ABB2948-CF7D-7BD6-14B8-367574244CB2}"/>
               </a:ext>
             </a:extLst>
           </p:cNvPr>
@@ -30708,7 +30682,7 @@
           <p:cNvPr id="7" name="Google Shape;75;p14">
             <a:extLst>
               <a:ext uri="{FF2B5EF4-FFF2-40B4-BE49-F238E27FC236}">
-                <a16:creationId xmlns:a16="http://schemas.microsoft.com/office/drawing/2014/main" xmlns="" id="{744D1F6B-EBF7-049C-9CBC-D2BD265B8DB5}"/>
+                <a16:creationId xmlns="" xmlns:a16="http://schemas.microsoft.com/office/drawing/2014/main" id="{744D1F6B-EBF7-049C-9CBC-D2BD265B8DB5}"/>
               </a:ext>
             </a:extLst>
           </p:cNvPr>
@@ -30742,7 +30716,7 @@
           <p:cNvPr id="8" name="Google Shape;76;p14">
             <a:extLst>
               <a:ext uri="{FF2B5EF4-FFF2-40B4-BE49-F238E27FC236}">
-                <a16:creationId xmlns:a16="http://schemas.microsoft.com/office/drawing/2014/main" xmlns="" id="{A0604560-830C-4AC9-3717-031AA48B5D45}"/>
+                <a16:creationId xmlns="" xmlns:a16="http://schemas.microsoft.com/office/drawing/2014/main" id="{A0604560-830C-4AC9-3717-031AA48B5D45}"/>
               </a:ext>
             </a:extLst>
           </p:cNvPr>
@@ -30776,7 +30750,7 @@
           <p:cNvPr id="9" name="Google Shape;77;p14">
             <a:extLst>
               <a:ext uri="{FF2B5EF4-FFF2-40B4-BE49-F238E27FC236}">
-                <a16:creationId xmlns:a16="http://schemas.microsoft.com/office/drawing/2014/main" xmlns="" id="{DC03C87C-87BB-A5EB-0D50-DDB31F93A6C2}"/>
+                <a16:creationId xmlns="" xmlns:a16="http://schemas.microsoft.com/office/drawing/2014/main" id="{DC03C87C-87BB-A5EB-0D50-DDB31F93A6C2}"/>
               </a:ext>
             </a:extLst>
           </p:cNvPr>
@@ -30810,7 +30784,7 @@
           <p:cNvPr id="10" name="Google Shape;78;p14">
             <a:extLst>
               <a:ext uri="{FF2B5EF4-FFF2-40B4-BE49-F238E27FC236}">
-                <a16:creationId xmlns:a16="http://schemas.microsoft.com/office/drawing/2014/main" xmlns="" id="{281D3DED-9B64-E88B-FC5F-0C30B82A9484}"/>
+                <a16:creationId xmlns="" xmlns:a16="http://schemas.microsoft.com/office/drawing/2014/main" id="{281D3DED-9B64-E88B-FC5F-0C30B82A9484}"/>
               </a:ext>
             </a:extLst>
           </p:cNvPr>
@@ -30844,7 +30818,7 @@
           <p:cNvPr id="11" name="Google Shape;79;p14">
             <a:extLst>
               <a:ext uri="{FF2B5EF4-FFF2-40B4-BE49-F238E27FC236}">
-                <a16:creationId xmlns:a16="http://schemas.microsoft.com/office/drawing/2014/main" xmlns="" id="{0DAE55E6-D474-C395-BC84-8ACA3CE820A0}"/>
+                <a16:creationId xmlns="" xmlns:a16="http://schemas.microsoft.com/office/drawing/2014/main" id="{0DAE55E6-D474-C395-BC84-8ACA3CE820A0}"/>
               </a:ext>
             </a:extLst>
           </p:cNvPr>
@@ -30878,7 +30852,7 @@
           <p:cNvPr id="12" name="Google Shape;80;p14">
             <a:extLst>
               <a:ext uri="{FF2B5EF4-FFF2-40B4-BE49-F238E27FC236}">
-                <a16:creationId xmlns:a16="http://schemas.microsoft.com/office/drawing/2014/main" xmlns="" id="{3A5AAC50-9F06-A76F-B20B-35CF3612E825}"/>
+                <a16:creationId xmlns="" xmlns:a16="http://schemas.microsoft.com/office/drawing/2014/main" id="{3A5AAC50-9F06-A76F-B20B-35CF3612E825}"/>
               </a:ext>
             </a:extLst>
           </p:cNvPr>
@@ -30912,7 +30886,7 @@
           <p:cNvPr id="13" name="Google Shape;81;p14">
             <a:extLst>
               <a:ext uri="{FF2B5EF4-FFF2-40B4-BE49-F238E27FC236}">
-                <a16:creationId xmlns:a16="http://schemas.microsoft.com/office/drawing/2014/main" xmlns="" id="{F33B3BEC-1095-E464-2D03-703E55B0F8A0}"/>
+                <a16:creationId xmlns="" xmlns:a16="http://schemas.microsoft.com/office/drawing/2014/main" id="{F33B3BEC-1095-E464-2D03-703E55B0F8A0}"/>
               </a:ext>
             </a:extLst>
           </p:cNvPr>
@@ -30946,7 +30920,7 @@
           <p:cNvPr id="19" name="Google Shape;87;p14">
             <a:extLst>
               <a:ext uri="{FF2B5EF4-FFF2-40B4-BE49-F238E27FC236}">
-                <a16:creationId xmlns:a16="http://schemas.microsoft.com/office/drawing/2014/main" xmlns="" id="{D5F99ADA-5751-0003-A146-8C3479B5FA29}"/>
+                <a16:creationId xmlns="" xmlns:a16="http://schemas.microsoft.com/office/drawing/2014/main" id="{D5F99ADA-5751-0003-A146-8C3479B5FA29}"/>
               </a:ext>
             </a:extLst>
           </p:cNvPr>
@@ -30980,7 +30954,7 @@
           <p:cNvPr id="24" name="Google Shape;85;p14">
             <a:extLst>
               <a:ext uri="{FF2B5EF4-FFF2-40B4-BE49-F238E27FC236}">
-                <a16:creationId xmlns:a16="http://schemas.microsoft.com/office/drawing/2014/main" xmlns="" id="{8498F254-73E8-BE24-4CFC-E75E188DD02A}"/>
+                <a16:creationId xmlns="" xmlns:a16="http://schemas.microsoft.com/office/drawing/2014/main" id="{8498F254-73E8-BE24-4CFC-E75E188DD02A}"/>
               </a:ext>
             </a:extLst>
           </p:cNvPr>
@@ -31021,7 +30995,7 @@
           <p:cNvPr id="21" name="Google Shape;87;p14">
             <a:extLst>
               <a:ext uri="{FF2B5EF4-FFF2-40B4-BE49-F238E27FC236}">
-                <a16:creationId xmlns:a16="http://schemas.microsoft.com/office/drawing/2014/main" xmlns="" id="{90F13ACB-01F8-F61D-B504-33D42F0F054E}"/>
+                <a16:creationId xmlns="" xmlns:a16="http://schemas.microsoft.com/office/drawing/2014/main" id="{90F13ACB-01F8-F61D-B504-33D42F0F054E}"/>
               </a:ext>
             </a:extLst>
           </p:cNvPr>
@@ -31055,7 +31029,7 @@
           <p:cNvPr id="25" name="Google Shape;85;p14">
             <a:extLst>
               <a:ext uri="{FF2B5EF4-FFF2-40B4-BE49-F238E27FC236}">
-                <a16:creationId xmlns:a16="http://schemas.microsoft.com/office/drawing/2014/main" xmlns="" id="{5C78CA6E-6DFC-515D-2D93-7149CE8D13F3}"/>
+                <a16:creationId xmlns="" xmlns:a16="http://schemas.microsoft.com/office/drawing/2014/main" id="{5C78CA6E-6DFC-515D-2D93-7149CE8D13F3}"/>
               </a:ext>
             </a:extLst>
           </p:cNvPr>
@@ -31096,7 +31070,7 @@
           <p:cNvPr id="26" name="Google Shape;90;p14">
             <a:extLst>
               <a:ext uri="{FF2B5EF4-FFF2-40B4-BE49-F238E27FC236}">
-                <a16:creationId xmlns:a16="http://schemas.microsoft.com/office/drawing/2014/main" xmlns="" id="{70D7F9C8-3F19-0671-CC95-0C6FF2D659F6}"/>
+                <a16:creationId xmlns="" xmlns:a16="http://schemas.microsoft.com/office/drawing/2014/main" id="{70D7F9C8-3F19-0671-CC95-0C6FF2D659F6}"/>
               </a:ext>
             </a:extLst>
           </p:cNvPr>
@@ -31130,7 +31104,7 @@
           <p:cNvPr id="27" name="Google Shape;100;p14">
             <a:extLst>
               <a:ext uri="{FF2B5EF4-FFF2-40B4-BE49-F238E27FC236}">
-                <a16:creationId xmlns:a16="http://schemas.microsoft.com/office/drawing/2014/main" xmlns="" id="{F8A7C898-9B48-9B98-9416-6CC35654182E}"/>
+                <a16:creationId xmlns="" xmlns:a16="http://schemas.microsoft.com/office/drawing/2014/main" id="{F8A7C898-9B48-9B98-9416-6CC35654182E}"/>
               </a:ext>
             </a:extLst>
           </p:cNvPr>
@@ -31173,7 +31147,7 @@
           <p:cNvPr id="28" name="Google Shape;100;p14">
             <a:extLst>
               <a:ext uri="{FF2B5EF4-FFF2-40B4-BE49-F238E27FC236}">
-                <a16:creationId xmlns:a16="http://schemas.microsoft.com/office/drawing/2014/main" xmlns="" id="{3EA7DA9C-7016-E18A-3815-E4ABF57833E3}"/>
+                <a16:creationId xmlns="" xmlns:a16="http://schemas.microsoft.com/office/drawing/2014/main" id="{3EA7DA9C-7016-E18A-3815-E4ABF57833E3}"/>
               </a:ext>
             </a:extLst>
           </p:cNvPr>
@@ -31216,7 +31190,7 @@
           <p:cNvPr id="29" name="Google Shape;100;p14">
             <a:extLst>
               <a:ext uri="{FF2B5EF4-FFF2-40B4-BE49-F238E27FC236}">
-                <a16:creationId xmlns:a16="http://schemas.microsoft.com/office/drawing/2014/main" xmlns="" id="{A17C1FA6-D0D2-529D-9879-E520D1CE77D6}"/>
+                <a16:creationId xmlns="" xmlns:a16="http://schemas.microsoft.com/office/drawing/2014/main" id="{A17C1FA6-D0D2-529D-9879-E520D1CE77D6}"/>
               </a:ext>
             </a:extLst>
           </p:cNvPr>
@@ -31259,7 +31233,7 @@
           <p:cNvPr id="30" name="Google Shape;100;p14">
             <a:extLst>
               <a:ext uri="{FF2B5EF4-FFF2-40B4-BE49-F238E27FC236}">
-                <a16:creationId xmlns:a16="http://schemas.microsoft.com/office/drawing/2014/main" xmlns="" id="{04D7ED66-035D-0386-E0EE-BA6FE024830F}"/>
+                <a16:creationId xmlns="" xmlns:a16="http://schemas.microsoft.com/office/drawing/2014/main" id="{04D7ED66-035D-0386-E0EE-BA6FE024830F}"/>
               </a:ext>
             </a:extLst>
           </p:cNvPr>
@@ -31302,7 +31276,7 @@
           <p:cNvPr id="31" name="Google Shape;100;p14">
             <a:extLst>
               <a:ext uri="{FF2B5EF4-FFF2-40B4-BE49-F238E27FC236}">
-                <a16:creationId xmlns:a16="http://schemas.microsoft.com/office/drawing/2014/main" xmlns="" id="{C7775653-CC84-E4C0-151C-20531BC61B52}"/>
+                <a16:creationId xmlns="" xmlns:a16="http://schemas.microsoft.com/office/drawing/2014/main" id="{C7775653-CC84-E4C0-151C-20531BC61B52}"/>
               </a:ext>
             </a:extLst>
           </p:cNvPr>
@@ -31345,7 +31319,7 @@
           <p:cNvPr id="33" name="Google Shape;83;p14">
             <a:extLst>
               <a:ext uri="{FF2B5EF4-FFF2-40B4-BE49-F238E27FC236}">
-                <a16:creationId xmlns:a16="http://schemas.microsoft.com/office/drawing/2014/main" xmlns="" id="{BC3B66DE-CAB4-4145-73F1-EC5796C670B2}"/>
+                <a16:creationId xmlns="" xmlns:a16="http://schemas.microsoft.com/office/drawing/2014/main" id="{BC3B66DE-CAB4-4145-73F1-EC5796C670B2}"/>
               </a:ext>
             </a:extLst>
           </p:cNvPr>
@@ -31390,7 +31364,7 @@
           <p:cNvPr id="32" name="Google Shape;83;p14">
             <a:extLst>
               <a:ext uri="{FF2B5EF4-FFF2-40B4-BE49-F238E27FC236}">
-                <a16:creationId xmlns:a16="http://schemas.microsoft.com/office/drawing/2014/main" xmlns="" id="{D89174EE-20E3-9DC6-DAF2-2B277BF0CA73}"/>
+                <a16:creationId xmlns="" xmlns:a16="http://schemas.microsoft.com/office/drawing/2014/main" id="{D89174EE-20E3-9DC6-DAF2-2B277BF0CA73}"/>
               </a:ext>
             </a:extLst>
           </p:cNvPr>
@@ -31435,7 +31409,7 @@
           <p:cNvPr id="15" name="图片 14">
             <a:extLst>
               <a:ext uri="{FF2B5EF4-FFF2-40B4-BE49-F238E27FC236}">
-                <a16:creationId xmlns:a16="http://schemas.microsoft.com/office/drawing/2014/main" xmlns="" id="{2E9CE1E3-2135-0036-6AC6-4F023E9FB9FB}"/>
+                <a16:creationId xmlns="" xmlns:a16="http://schemas.microsoft.com/office/drawing/2014/main" id="{2E9CE1E3-2135-0036-6AC6-4F023E9FB9FB}"/>
               </a:ext>
             </a:extLst>
           </p:cNvPr>
@@ -31465,7 +31439,7 @@
           <p:cNvPr id="18" name="图片 17">
             <a:extLst>
               <a:ext uri="{FF2B5EF4-FFF2-40B4-BE49-F238E27FC236}">
-                <a16:creationId xmlns:a16="http://schemas.microsoft.com/office/drawing/2014/main" xmlns="" id="{B4FACCEA-FD77-524D-0769-3E9B324ECE01}"/>
+                <a16:creationId xmlns="" xmlns:a16="http://schemas.microsoft.com/office/drawing/2014/main" id="{B4FACCEA-FD77-524D-0769-3E9B324ECE01}"/>
               </a:ext>
             </a:extLst>
           </p:cNvPr>
@@ -31495,7 +31469,7 @@
           <p:cNvPr id="16" name="图片 15">
             <a:extLst>
               <a:ext uri="{FF2B5EF4-FFF2-40B4-BE49-F238E27FC236}">
-                <a16:creationId xmlns:a16="http://schemas.microsoft.com/office/drawing/2014/main" xmlns="" id="{E105324A-0DF5-3CC5-8FA4-5C776E05B929}"/>
+                <a16:creationId xmlns="" xmlns:a16="http://schemas.microsoft.com/office/drawing/2014/main" id="{E105324A-0DF5-3CC5-8FA4-5C776E05B929}"/>
               </a:ext>
             </a:extLst>
           </p:cNvPr>
@@ -31525,7 +31499,7 @@
           <p:cNvPr id="14" name="图片 13">
             <a:extLst>
               <a:ext uri="{FF2B5EF4-FFF2-40B4-BE49-F238E27FC236}">
-                <a16:creationId xmlns:a16="http://schemas.microsoft.com/office/drawing/2014/main" xmlns="" id="{A1247C65-E9FE-684D-C577-C3EFF757A026}"/>
+                <a16:creationId xmlns="" xmlns:a16="http://schemas.microsoft.com/office/drawing/2014/main" id="{A1247C65-E9FE-684D-C577-C3EFF757A026}"/>
               </a:ext>
             </a:extLst>
           </p:cNvPr>
@@ -31555,7 +31529,7 @@
           <p:cNvPr id="17" name="图片 16">
             <a:extLst>
               <a:ext uri="{FF2B5EF4-FFF2-40B4-BE49-F238E27FC236}">
-                <a16:creationId xmlns:a16="http://schemas.microsoft.com/office/drawing/2014/main" xmlns="" id="{9B118434-3A73-4D47-C6D6-FBDC473A6E94}"/>
+                <a16:creationId xmlns="" xmlns:a16="http://schemas.microsoft.com/office/drawing/2014/main" id="{9B118434-3A73-4D47-C6D6-FBDC473A6E94}"/>
               </a:ext>
             </a:extLst>
           </p:cNvPr>
